--- a/help/data-sheets/assets/OnlineSupportDatasheet.pptx
+++ b/help/data-sheets/assets/OnlineSupportDatasheet.pptx
@@ -2,15 +2,15 @@
 <file path=ppt/presentation.xml><?xml version="1.0" encoding="utf-8"?>
 <p:presentation xmlns:a="http://schemas.openxmlformats.org/drawingml/2006/main" xmlns:r="http://schemas.openxmlformats.org/officeDocument/2006/relationships" xmlns:p="http://schemas.openxmlformats.org/presentationml/2006/main">
   <p:sldMasterIdLst>
-    <p:sldMasterId id="2147483648" r:id="rId4"/>
+    <p:sldMasterId id="2147483648" r:id="rId1"/>
   </p:sldMasterIdLst>
   <p:notesMasterIdLst>
-    <p:notesMasterId r:id="rId8"/>
+    <p:notesMasterId r:id="rId5"/>
   </p:notesMasterIdLst>
   <p:sldIdLst>
-    <p:sldId id="256" r:id="rId5"/>
-    <p:sldId id="257" r:id="rId6"/>
-    <p:sldId id="260" r:id="rId7"/>
+    <p:sldId id="256" r:id="rId2"/>
+    <p:sldId id="257" r:id="rId3"/>
+    <p:sldId id="260" r:id="rId4"/>
   </p:sldIdLst>
   <p:sldSz cx="7772400" cy="10058400"/>
   <p:notesSz cx="7772400" cy="10058400"/>
@@ -128,51 +128,6 @@
 </p:presentation>
 </file>
 
-<file path=ppt/revisionInfo.xml><?xml version="1.0" encoding="utf-8"?>
-<p1510:revInfo xmlns:a="http://schemas.openxmlformats.org/drawingml/2006/main" xmlns:r="http://schemas.openxmlformats.org/officeDocument/2006/relationships" xmlns:p1510="http://schemas.microsoft.com/office/powerpoint/2015/10/main">
-  <p1510:revLst>
-    <p1510:client id="{5343DD59-8FB2-7AAD-1875-255EDB54B98D}" v="367" dt="2021-09-22T18:47:16.489"/>
-  </p1510:revLst>
-</p1510:revInfo>
-</file>
-
-<file path=ppt/changesInfos/changesInfo1.xml><?xml version="1.0" encoding="utf-8"?>
-<pc:chgInfo xmlns:a="http://schemas.openxmlformats.org/drawingml/2006/main" xmlns:r="http://schemas.openxmlformats.org/officeDocument/2006/relationships" xmlns:ac="http://schemas.microsoft.com/office/drawing/2013/main/command" xmlns:pc="http://schemas.microsoft.com/office/powerpoint/2013/main/command">
-  <pc:docChgLst>
-    <pc:chgData name="Akilah Johnson" userId="S::akjohnso@adobe.com::2fa3aa60-0c9c-4d06-bae2-795983241227" providerId="AD" clId="Web-{5343DD59-8FB2-7AAD-1875-255EDB54B98D}"/>
-    <pc:docChg chg="modSld">
-      <pc:chgData name="Akilah Johnson" userId="S::akjohnso@adobe.com::2fa3aa60-0c9c-4d06-bae2-795983241227" providerId="AD" clId="Web-{5343DD59-8FB2-7AAD-1875-255EDB54B98D}" dt="2021-09-22T18:47:16.489" v="185"/>
-      <pc:docMkLst>
-        <pc:docMk/>
-      </pc:docMkLst>
-      <pc:sldChg chg="modSp">
-        <pc:chgData name="Akilah Johnson" userId="S::akjohnso@adobe.com::2fa3aa60-0c9c-4d06-bae2-795983241227" providerId="AD" clId="Web-{5343DD59-8FB2-7AAD-1875-255EDB54B98D}" dt="2021-09-22T18:47:16.489" v="185"/>
-        <pc:sldMkLst>
-          <pc:docMk/>
-          <pc:sldMk cId="799510854" sldId="260"/>
-        </pc:sldMkLst>
-        <pc:spChg chg="mod">
-          <ac:chgData name="Akilah Johnson" userId="S::akjohnso@adobe.com::2fa3aa60-0c9c-4d06-bae2-795983241227" providerId="AD" clId="Web-{5343DD59-8FB2-7AAD-1875-255EDB54B98D}" dt="2021-09-22T18:45:44.427" v="153" actId="20577"/>
-          <ac:spMkLst>
-            <pc:docMk/>
-            <pc:sldMk cId="799510854" sldId="260"/>
-            <ac:spMk id="64" creationId="{41467BDC-3D83-D844-B922-CD07E94E5AAB}"/>
-          </ac:spMkLst>
-        </pc:spChg>
-        <pc:graphicFrameChg chg="mod modGraphic">
-          <ac:chgData name="Akilah Johnson" userId="S::akjohnso@adobe.com::2fa3aa60-0c9c-4d06-bae2-795983241227" providerId="AD" clId="Web-{5343DD59-8FB2-7AAD-1875-255EDB54B98D}" dt="2021-09-22T18:47:16.489" v="185"/>
-          <ac:graphicFrameMkLst>
-            <pc:docMk/>
-            <pc:sldMk cId="799510854" sldId="260"/>
-            <ac:graphicFrameMk id="25" creationId="{3A91F5B0-3974-A14D-A146-FB590F2AAD18}"/>
-          </ac:graphicFrameMkLst>
-        </pc:graphicFrameChg>
-      </pc:sldChg>
-    </pc:docChg>
-  </pc:docChgLst>
-</pc:chgInfo>
-</file>
-
 <file path=ppt/notesMasters/notesMaster1.xml><?xml version="1.0" encoding="utf-8"?>
 <p:notesMaster xmlns:a="http://schemas.openxmlformats.org/drawingml/2006/main" xmlns:r="http://schemas.openxmlformats.org/officeDocument/2006/relationships" xmlns:p="http://schemas.openxmlformats.org/presentationml/2006/main">
   <p:cSld>
@@ -255,7 +210,7 @@
           <a:p>
             <a:fld id="{A438815C-EDE5-F947-A55F-7634403F36C4}" type="datetimeFigureOut">
               <a:rPr lang="en-US" smtClean="0"/>
-              <a:t>9/22/2021</a:t>
+              <a:t>10/11/21</a:t>
             </a:fld>
             <a:endParaRPr lang="en-US"/>
           </a:p>
@@ -420,11 +375,6 @@
         </p:txBody>
       </p:sp>
     </p:spTree>
-    <p:extLst>
-      <p:ext uri="{BB962C8B-B14F-4D97-AF65-F5344CB8AC3E}">
-        <p14:creationId xmlns:p14="http://schemas.microsoft.com/office/powerpoint/2010/main" val="2745251118"/>
-      </p:ext>
-    </p:extLst>
   </p:cSld>
   <p:clrMap bg1="lt1" tx1="dk1" bg2="lt2" tx2="dk2" accent1="accent1" accent2="accent2" accent3="accent3" accent4="accent4" accent5="accent5" accent6="accent6" hlink="hlink" folHlink="folHlink"/>
   <p:notesStyle>
@@ -594,11 +544,6 @@
         </p:txBody>
       </p:sp>
     </p:spTree>
-    <p:extLst>
-      <p:ext uri="{BB962C8B-B14F-4D97-AF65-F5344CB8AC3E}">
-        <p14:creationId xmlns:p14="http://schemas.microsoft.com/office/powerpoint/2010/main" val="3301348829"/>
-      </p:ext>
-    </p:extLst>
   </p:cSld>
   <p:clrMapOvr>
     <a:masterClrMapping/>
@@ -678,11 +623,6 @@
         </p:txBody>
       </p:sp>
     </p:spTree>
-    <p:extLst>
-      <p:ext uri="{BB962C8B-B14F-4D97-AF65-F5344CB8AC3E}">
-        <p14:creationId xmlns:p14="http://schemas.microsoft.com/office/powerpoint/2010/main" val="3367891403"/>
-      </p:ext>
-    </p:extLst>
   </p:cSld>
   <p:clrMapOvr>
     <a:masterClrMapping/>
@@ -762,11 +702,6 @@
         </p:txBody>
       </p:sp>
     </p:spTree>
-    <p:extLst>
-      <p:ext uri="{BB962C8B-B14F-4D97-AF65-F5344CB8AC3E}">
-        <p14:creationId xmlns:p14="http://schemas.microsoft.com/office/powerpoint/2010/main" val="3435290369"/>
-      </p:ext>
-    </p:extLst>
   </p:cSld>
   <p:clrMapOvr>
     <a:masterClrMapping/>
@@ -818,8 +753,8 @@
                 <a:solidFill>
                   <a:schemeClr val="bg1"/>
                 </a:solidFill>
-                <a:latin typeface="Arial"/>
-                <a:cs typeface="Arial"/>
+                <a:latin typeface="Arial" panose="020B0604020202020204"/>
+                <a:cs typeface="Arial" panose="020B0604020202020204"/>
               </a:defRPr>
             </a:lvl1pPr>
           </a:lstStyle>
@@ -878,7 +813,7 @@
           <a:p>
             <a:fld id="{1D8BD707-D9CF-40AE-B4C6-C98DA3205C09}" type="datetimeFigureOut">
               <a:rPr lang="en-US"/>
-              <a:t>9/22/2021</a:t>
+              <a:t>10/11/21</a:t>
             </a:fld>
             <a:endParaRPr lang="en-US"/>
           </a:p>
@@ -910,6 +845,7 @@
           </a:lstStyle>
           <a:p>
             <a:fld id="{B6F15528-21DE-4FAA-801E-634DDDAF4B2B}" type="slidenum">
+              <a:rPr/>
               <a:t>‹#›</a:t>
             </a:fld>
             <a:endParaRPr/>
@@ -918,13 +854,7 @@
       </p:sp>
       <p:sp>
         <p:nvSpPr>
-          <p:cNvPr id="11" name="Holder 4">
-            <a:extLst>
-              <a:ext uri="{FF2B5EF4-FFF2-40B4-BE49-F238E27FC236}">
-                <a16:creationId xmlns:a16="http://schemas.microsoft.com/office/drawing/2014/main" id="{F336C0EC-C908-0A4C-AD0F-1418E778FC60}"/>
-              </a:ext>
-            </a:extLst>
-          </p:cNvPr>
+          <p:cNvPr id="11" name="Holder 4"/>
           <p:cNvSpPr>
             <a:spLocks noGrp="1"/>
           </p:cNvSpPr>
@@ -982,13 +912,7 @@
       </p:sp>
       <p:pic>
         <p:nvPicPr>
-          <p:cNvPr id="12" name="Picture 11">
-            <a:extLst>
-              <a:ext uri="{FF2B5EF4-FFF2-40B4-BE49-F238E27FC236}">
-                <a16:creationId xmlns:a16="http://schemas.microsoft.com/office/drawing/2014/main" id="{4388883E-79D4-2047-8C5E-37999ED2475C}"/>
-              </a:ext>
-            </a:extLst>
-          </p:cNvPr>
+          <p:cNvPr id="12" name="Picture 11"/>
           <p:cNvPicPr>
             <a:picLocks noChangeAspect="1"/>
           </p:cNvPicPr>
@@ -1062,7 +986,7 @@
           <a:p>
             <a:fld id="{1D8BD707-D9CF-40AE-B4C6-C98DA3205C09}" type="datetimeFigureOut">
               <a:rPr lang="en-US"/>
-              <a:t>9/22/2021</a:t>
+              <a:t>10/11/21</a:t>
             </a:fld>
             <a:endParaRPr lang="en-US"/>
           </a:p>
@@ -1094,6 +1018,7 @@
           </a:lstStyle>
           <a:p>
             <a:fld id="{B6F15528-21DE-4FAA-801E-634DDDAF4B2B}" type="slidenum">
+              <a:rPr/>
               <a:t>‹#›</a:t>
             </a:fld>
             <a:endParaRPr/>
@@ -1102,13 +1027,7 @@
       </p:sp>
       <p:sp>
         <p:nvSpPr>
-          <p:cNvPr id="7" name="Holder 4">
-            <a:extLst>
-              <a:ext uri="{FF2B5EF4-FFF2-40B4-BE49-F238E27FC236}">
-                <a16:creationId xmlns:a16="http://schemas.microsoft.com/office/drawing/2014/main" id="{004A8D36-CC65-B341-9E43-4A47F88C0D96}"/>
-              </a:ext>
-            </a:extLst>
-          </p:cNvPr>
+          <p:cNvPr id="7" name="Holder 4"/>
           <p:cNvSpPr>
             <a:spLocks noGrp="1"/>
           </p:cNvSpPr>
@@ -1226,8 +1145,8 @@
                 <a:solidFill>
                   <a:schemeClr val="bg1"/>
                 </a:solidFill>
-                <a:latin typeface="Arial"/>
-                <a:cs typeface="Arial"/>
+                <a:latin typeface="Arial" panose="020B0604020202020204"/>
+                <a:cs typeface="Arial" panose="020B0604020202020204"/>
               </a:defRPr>
             </a:lvl1pPr>
           </a:lstStyle>
@@ -1364,7 +1283,7 @@
           <a:p>
             <a:fld id="{1D8BD707-D9CF-40AE-B4C6-C98DA3205C09}" type="datetimeFigureOut">
               <a:rPr lang="en-US"/>
-              <a:t>9/22/2021</a:t>
+              <a:t>10/11/21</a:t>
             </a:fld>
             <a:endParaRPr lang="en-US"/>
           </a:p>
@@ -1406,6 +1325,7 @@
           </a:lstStyle>
           <a:p>
             <a:fld id="{B6F15528-21DE-4FAA-801E-634DDDAF4B2B}" type="slidenum">
+              <a:rPr/>
               <a:t>‹#›</a:t>
             </a:fld>
             <a:endParaRPr/>
@@ -1414,13 +1334,7 @@
       </p:sp>
       <p:pic>
         <p:nvPicPr>
-          <p:cNvPr id="9" name="Picture 8">
-            <a:extLst>
-              <a:ext uri="{FF2B5EF4-FFF2-40B4-BE49-F238E27FC236}">
-                <a16:creationId xmlns:a16="http://schemas.microsoft.com/office/drawing/2014/main" id="{40B595D3-F8FC-DA44-B170-015BD0590CFB}"/>
-              </a:ext>
-            </a:extLst>
-          </p:cNvPr>
+          <p:cNvPr id="9" name="Picture 8"/>
           <p:cNvPicPr>
             <a:picLocks noChangeAspect="1"/>
           </p:cNvPicPr>
@@ -1446,8 +1360,8 @@
   </p:cSld>
   <p:clrMap bg1="lt1" tx1="dk1" bg2="lt2" tx2="dk2" accent1="accent1" accent2="accent2" accent3="accent3" accent4="accent4" accent5="accent5" accent6="accent6" hlink="hlink" folHlink="folHlink"/>
   <p:sldLayoutIdLst>
-    <p:sldLayoutId id="2147483662" r:id="rId1"/>
-    <p:sldLayoutId id="2147483665" r:id="rId2"/>
+    <p:sldLayoutId id="2147483649" r:id="rId1"/>
+    <p:sldLayoutId id="2147483650" r:id="rId2"/>
   </p:sldLayoutIdLst>
   <p:txStyles>
     <p:titleStyle>
@@ -1640,7 +1554,7 @@
               </a:spcBef>
             </a:pPr>
             <a:r>
-              <a:rPr sz="1400" b="1" u="heavy" spc="10" dirty="0">
+              <a:rPr lang="en-US" sz="1400" b="1" u="heavy" spc="10" dirty="0">
                 <a:solidFill>
                   <a:srgbClr val="020302"/>
                 </a:solidFill>
@@ -1652,10 +1566,10 @@
                 <a:latin typeface="Adobe Clean"/>
                 <a:cs typeface="Adobe Clean"/>
               </a:rPr>
-              <a:t>Service </a:t>
-            </a:r>
-            <a:r>
-              <a:rPr sz="1400" b="1" u="heavy" spc="-10" dirty="0">
+              <a:t>服务</a:t>
+            </a:r>
+            <a:r>
+              <a:rPr lang="en-US" sz="1400" b="1" u="heavy" spc="-10" dirty="0">
                 <a:solidFill>
                   <a:srgbClr val="020302"/>
                 </a:solidFill>
@@ -1667,10 +1581,10 @@
                 <a:latin typeface="Adobe Clean"/>
                 <a:cs typeface="Adobe Clean"/>
               </a:rPr>
-              <a:t>Level </a:t>
-            </a:r>
-            <a:r>
-              <a:rPr sz="1400" b="1" u="heavy" spc="-45" dirty="0">
+              <a:t>水平</a:t>
+            </a:r>
+            <a:r>
+              <a:rPr lang="en-US" sz="1400" b="1" u="heavy" spc="-45" dirty="0">
                 <a:solidFill>
                   <a:srgbClr val="020302"/>
                 </a:solidFill>
@@ -1682,10 +1596,10 @@
                 <a:latin typeface="Adobe Clean"/>
                 <a:cs typeface="Adobe Clean"/>
               </a:rPr>
-              <a:t>Targets: </a:t>
-            </a:r>
-            <a:r>
-              <a:rPr sz="1400" b="1" u="heavy" spc="-10" dirty="0">
+              <a:t>目标：</a:t>
+            </a:r>
+            <a:r>
+              <a:rPr lang="en-US" sz="1400" b="1" u="heavy" spc="-10" dirty="0">
                 <a:solidFill>
                   <a:srgbClr val="020302"/>
                 </a:solidFill>
@@ -1697,10 +1611,10 @@
                 <a:latin typeface="Adobe Clean"/>
                 <a:cs typeface="Adobe Clean"/>
               </a:rPr>
-              <a:t>Initial</a:t>
-            </a:r>
-            <a:r>
-              <a:rPr sz="1400" b="1" u="heavy" spc="-140" dirty="0">
+              <a:t>初始</a:t>
+            </a:r>
+            <a:r>
+              <a:rPr lang="en-US" sz="1400" b="1" u="heavy" spc="-15" dirty="0">
                 <a:solidFill>
                   <a:srgbClr val="020302"/>
                 </a:solidFill>
@@ -1712,22 +1626,7 @@
                 <a:latin typeface="Adobe Clean"/>
                 <a:cs typeface="Adobe Clean"/>
               </a:rPr>
-              <a:t> </a:t>
-            </a:r>
-            <a:r>
-              <a:rPr sz="1400" b="1" u="heavy" spc="-15" dirty="0">
-                <a:solidFill>
-                  <a:srgbClr val="020302"/>
-                </a:solidFill>
-                <a:uFill>
-                  <a:solidFill>
-                    <a:srgbClr val="020302"/>
-                  </a:solidFill>
-                </a:uFill>
-                <a:latin typeface="Adobe Clean"/>
-                <a:cs typeface="Adobe Clean"/>
-              </a:rPr>
-              <a:t>Response</a:t>
+              <a:t>响应</a:t>
             </a:r>
             <a:endParaRPr sz="1400" dirty="0">
               <a:latin typeface="Adobe Clean"/>
@@ -1774,7 +1673,7 @@
         <p:spPr>
           <a:xfrm>
             <a:off x="136772" y="813361"/>
-            <a:ext cx="6035427" cy="1089529"/>
+            <a:ext cx="6035427" cy="947420"/>
           </a:xfrm>
           <a:prstGeom prst="rect">
             <a:avLst/>
@@ -1800,7 +1699,7 @@
                   <a:schemeClr val="bg1"/>
                 </a:solidFill>
               </a:rPr>
-              <a:t>Online</a:t>
+              <a:t>在线</a:t>
             </a:r>
             <a:r>
               <a:rPr lang="en-US" sz="1200" dirty="0">
@@ -1809,10 +1708,10 @@
                 </a:solidFill>
                 <a:latin typeface="Adobe Clean Light" panose="020B0303020404020204" pitchFamily="34" charset="0"/>
               </a:rPr>
-              <a:t> | Business | Enterprise | Elite</a:t>
+              <a:t> | 商业 | 企业 | 高级</a:t>
             </a:r>
             <a:br>
-              <a:rPr lang="en-US" sz="900" dirty="0">
+              <a:rPr lang="en-US" sz="1200" dirty="0">
                 <a:solidFill>
                   <a:schemeClr val="bg1"/>
                 </a:solidFill>
@@ -1826,7 +1725,7 @@
                 </a:solidFill>
                 <a:latin typeface="Adobe Clean SemiLight" panose="020B0403020404020204" pitchFamily="34" charset="0"/>
               </a:rPr>
-              <a:t>Adobe provides a comprehensive range of technical resources to help support your business included as part of your Experience Cloud license subscription. Online support includes access to personalized learning paths and monitored community forums via the Adobe Experience League. You can take advantage of our detailed and in-depth technical product documentation and current release notes published on </a:t>
+              <a:t>Adobe 提供了全面的技术资源来帮助支持您的业务，这些资源包含在您的 Experience Cloud 许可订阅中，并在商业支持包中得到了增强。在线支持包括通过 Adobe Experience League 访问个性化的学习路径和受监控的社区论坛。您可以使用我们在 </a:t>
             </a:r>
             <a:r>
               <a:rPr lang="en-US" sz="900" u="sng" dirty="0">
@@ -1834,15 +1733,17 @@
                   <a:schemeClr val="bg1"/>
                 </a:solidFill>
                 <a:latin typeface="Adobe Clean SemiLight" panose="020B0403020404020204" pitchFamily="34" charset="0"/>
-                <a:hlinkClick r:id="rId4">
-                  <a:extLst>
-                    <a:ext uri="{A12FA001-AC4F-418D-AE19-62706E023703}">
-                      <ahyp:hlinkClr xmlns:ahyp="http://schemas.microsoft.com/office/drawing/2018/hyperlinkcolor" val="tx"/>
-                    </a:ext>
-                  </a:extLst>
-                </a:hlinkClick>
+                <a:hlinkClick r:id="rId4"/>
               </a:rPr>
-              <a:t>http://www.adobe.com</a:t>
+              <a:t>http://www.adobe.com/cn/</a:t>
+            </a:r>
+            <a:r>
+              <a:rPr lang="en-US" sz="1200" b="1" dirty="0">
+                <a:solidFill>
+                  <a:schemeClr val="bg1"/>
+                </a:solidFill>
+              </a:rPr>
+              <a:t> </a:t>
             </a:r>
             <a:r>
               <a:rPr lang="en-US" sz="900" dirty="0">
@@ -1851,7 +1752,25 @@
                 </a:solidFill>
                 <a:latin typeface="Adobe Clean SemiLight" panose="020B0403020404020204" pitchFamily="34" charset="0"/>
               </a:rPr>
-              <a:t> Our Online package also includes access to our technical support teams for any critical P1 product issues via telephone to help protect your business at the most critical times as well as providing the ability to log lower priority requests for assistance via support web portal.</a:t>
+              <a:t>上发布的详细而深入的技术产品文档和最新发行说明</a:t>
+            </a:r>
+            <a:r>
+              <a:rPr lang="zh-CN" altLang="en-US" sz="900" dirty="0">
+                <a:solidFill>
+                  <a:schemeClr val="bg1"/>
+                </a:solidFill>
+                <a:latin typeface="Adobe Clean SemiLight" panose="020B0403020404020204" pitchFamily="34" charset="0"/>
+              </a:rPr>
+              <a:t>。</a:t>
+            </a:r>
+            <a:r>
+              <a:rPr lang="en-US" sz="900" dirty="0">
+                <a:solidFill>
+                  <a:schemeClr val="bg1"/>
+                </a:solidFill>
+                <a:latin typeface="Adobe Clean SemiLight" panose="020B0403020404020204" pitchFamily="34" charset="0"/>
+              </a:rPr>
+              <a:t>利用我们的在线包，不仅可以通过电话与我们的技术支持团队联系以解决任何重要的 P1 产品问题，从而帮助在最关键的时刻保护您的业务，还可以记录较低优先级的请求以通过支持门户网站获得帮助。</a:t>
             </a:r>
             <a:endParaRPr lang="en-US" sz="900" dirty="0">
               <a:solidFill>
@@ -1898,13 +1817,7 @@
           <p:cNvGraphicFramePr>
             <a:graphicFrameLocks noGrp="1"/>
           </p:cNvGraphicFramePr>
-          <p:nvPr>
-            <p:extLst>
-              <p:ext uri="{D42A27DB-BD31-4B8C-83A1-F6EECF244321}">
-                <p14:modId xmlns:p14="http://schemas.microsoft.com/office/powerpoint/2010/main" val="1019627915"/>
-              </p:ext>
-            </p:extLst>
-          </p:nvPr>
+          <p:nvPr/>
         </p:nvGraphicFramePr>
         <p:xfrm>
           <a:off x="0" y="1938946"/>
@@ -1920,7 +1833,7 @@
                 <a:gridCol w="1192779">
                   <a:extLst>
                     <a:ext uri="{9D8B030D-6E8A-4147-A177-3AD203B41FA5}">
-                      <a16:colId xmlns:a16="http://schemas.microsoft.com/office/drawing/2014/main" val="1674920574"/>
+                      <a16:colId xmlns:a16="http://schemas.microsoft.com/office/drawing/2014/main" val="20000"/>
                     </a:ext>
                   </a:extLst>
                 </a:gridCol>
@@ -1948,13 +1861,6 @@
                 <a:gridCol w="177515">
                   <a:extLst>
                     <a:ext uri="{9D8B030D-6E8A-4147-A177-3AD203B41FA5}">
-                      <a16:colId xmlns:a16="http://schemas.microsoft.com/office/drawing/2014/main" val="4086914696"/>
-                    </a:ext>
-                  </a:extLst>
-                </a:gridCol>
-                <a:gridCol w="821728">
-                  <a:extLst>
-                    <a:ext uri="{9D8B030D-6E8A-4147-A177-3AD203B41FA5}">
                       <a16:colId xmlns:a16="http://schemas.microsoft.com/office/drawing/2014/main" val="20004"/>
                     </a:ext>
                   </a:extLst>
@@ -1966,6 +1872,13 @@
                     </a:ext>
                   </a:extLst>
                 </a:gridCol>
+                <a:gridCol w="821728">
+                  <a:extLst>
+                    <a:ext uri="{9D8B030D-6E8A-4147-A177-3AD203B41FA5}">
+                      <a16:colId xmlns:a16="http://schemas.microsoft.com/office/drawing/2014/main" val="20006"/>
+                    </a:ext>
+                  </a:extLst>
+                </a:gridCol>
               </a:tblGrid>
               <a:tr h="218820">
                 <a:tc gridSpan="2">
@@ -1983,7 +1896,7 @@
                     <a:bodyPr/>
                     <a:lstStyle/>
                     <a:p>
-                      <a:endParaRPr/>
+                      <a:endParaRPr lang="en-US"/>
                     </a:p>
                   </a:txBody>
                   <a:tcPr marL="0" marR="0" marT="0" marB="0"/>
@@ -2002,16 +1915,6 @@
                         </a:spcBef>
                       </a:pPr>
                       <a:r>
-                        <a:rPr sz="900" spc="0" dirty="0">
-                          <a:solidFill>
-                            <a:srgbClr val="404040"/>
-                          </a:solidFill>
-                          <a:latin typeface="Adobe Clean"/>
-                          <a:cs typeface="Adobe Clean"/>
-                        </a:rPr>
-                        <a:t>Online</a:t>
-                      </a:r>
-                      <a:r>
                         <a:rPr lang="en-US" sz="900" spc="0" dirty="0">
                           <a:solidFill>
                             <a:srgbClr val="404040"/>
@@ -2019,17 +1922,7 @@
                           <a:latin typeface="Adobe Clean"/>
                           <a:cs typeface="Adobe Clean"/>
                         </a:rPr>
-                        <a:t> </a:t>
-                      </a:r>
-                      <a:r>
-                        <a:rPr sz="900" spc="0" dirty="0">
-                          <a:solidFill>
-                            <a:srgbClr val="404040"/>
-                          </a:solidFill>
-                          <a:latin typeface="Adobe Clean"/>
-                          <a:cs typeface="Adobe Clean"/>
-                        </a:rPr>
-                        <a:t>Support</a:t>
+                        <a:t>在线支持</a:t>
                       </a:r>
                       <a:endParaRPr sz="900" spc="0" dirty="0">
                         <a:latin typeface="Adobe Clean"/>
@@ -2056,79 +1949,6 @@
                   </a:tcPr>
                 </a:tc>
                 <a:tc>
-                  <a:txBody>
-                    <a:bodyPr/>
-                    <a:lstStyle/>
-                    <a:p>
-                      <a:pPr marL="2540" algn="ctr">
-                        <a:lnSpc>
-                          <a:spcPct val="100000"/>
-                        </a:lnSpc>
-                        <a:spcBef>
-                          <a:spcPts val="60"/>
-                        </a:spcBef>
-                      </a:pPr>
-                      <a:r>
-                        <a:rPr sz="900" spc="0" dirty="0">
-                          <a:solidFill>
-                            <a:srgbClr val="FFFFFF"/>
-                          </a:solidFill>
-                          <a:latin typeface="Adobe Clean"/>
-                          <a:cs typeface="Adobe Clean"/>
-                        </a:rPr>
-                        <a:t>Business</a:t>
-                      </a:r>
-                      <a:r>
-                        <a:rPr lang="en-US" sz="900" spc="0" dirty="0">
-                          <a:solidFill>
-                            <a:srgbClr val="FFFFFF"/>
-                          </a:solidFill>
-                          <a:latin typeface="Adobe Clean"/>
-                          <a:cs typeface="Adobe Clean"/>
-                        </a:rPr>
-                        <a:t> </a:t>
-                      </a:r>
-                      <a:r>
-                        <a:rPr sz="900" spc="0" dirty="0">
-                          <a:solidFill>
-                            <a:srgbClr val="FFFFFF"/>
-                          </a:solidFill>
-                          <a:latin typeface="Adobe Clean"/>
-                          <a:cs typeface="Adobe Clean"/>
-                        </a:rPr>
-                        <a:t>Support</a:t>
-                      </a:r>
-                      <a:endParaRPr sz="900" spc="0" dirty="0">
-                        <a:latin typeface="Adobe Clean"/>
-                        <a:cs typeface="Adobe Clean"/>
-                      </a:endParaRPr>
-                    </a:p>
-                  </a:txBody>
-                  <a:tcPr marL="0" marR="0" marT="7620" marB="0" anchor="ctr">
-                    <a:lnL w="3175">
-                      <a:solidFill>
-                        <a:srgbClr val="B7B8B8"/>
-                      </a:solidFill>
-                      <a:prstDash val="solid"/>
-                    </a:lnL>
-                    <a:lnR w="3175">
-                      <a:solidFill>
-                        <a:srgbClr val="B7B8B8"/>
-                      </a:solidFill>
-                      <a:prstDash val="solid"/>
-                    </a:lnR>
-                    <a:lnB w="76200">
-                      <a:solidFill>
-                        <a:srgbClr val="ACD2FF"/>
-                      </a:solidFill>
-                      <a:prstDash val="solid"/>
-                    </a:lnB>
-                    <a:solidFill>
-                      <a:srgbClr val="7D7D7D"/>
-                    </a:solidFill>
-                  </a:tcPr>
-                </a:tc>
-                <a:tc gridSpan="2">
                   <a:txBody>
                     <a:bodyPr/>
                     <a:lstStyle/>
@@ -2149,7 +1969,7 @@
                           <a:latin typeface="Adobe Clean"/>
                           <a:cs typeface="Adobe Clean"/>
                         </a:rPr>
-                        <a:t>Enterprise Support</a:t>
+                        <a:t>商业支持</a:t>
                       </a:r>
                       <a:endParaRPr sz="900" spc="0" dirty="0">
                         <a:latin typeface="Adobe Clean"/>
@@ -2172,6 +1992,59 @@
                     </a:lnR>
                     <a:lnB w="76200">
                       <a:solidFill>
+                        <a:srgbClr val="ACD2FF"/>
+                      </a:solidFill>
+                      <a:prstDash val="solid"/>
+                    </a:lnB>
+                    <a:solidFill>
+                      <a:srgbClr val="7D7D7D"/>
+                    </a:solidFill>
+                  </a:tcPr>
+                </a:tc>
+                <a:tc gridSpan="2">
+                  <a:txBody>
+                    <a:bodyPr/>
+                    <a:lstStyle/>
+                    <a:p>
+                      <a:pPr marL="2540" algn="ctr">
+                        <a:lnSpc>
+                          <a:spcPct val="100000"/>
+                        </a:lnSpc>
+                        <a:spcBef>
+                          <a:spcPts val="60"/>
+                        </a:spcBef>
+                      </a:pPr>
+                      <a:r>
+                        <a:rPr lang="en-US" sz="900" spc="0" dirty="0">
+                          <a:solidFill>
+                            <a:srgbClr val="FFFFFF"/>
+                          </a:solidFill>
+                          <a:latin typeface="Adobe Clean"/>
+                          <a:cs typeface="Adobe Clean"/>
+                        </a:rPr>
+                        <a:t>企业支持</a:t>
+                      </a:r>
+                      <a:endParaRPr sz="900" spc="0" dirty="0">
+                        <a:latin typeface="Adobe Clean"/>
+                        <a:cs typeface="Adobe Clean"/>
+                      </a:endParaRPr>
+                    </a:p>
+                  </a:txBody>
+                  <a:tcPr marL="0" marR="0" marT="7620" marB="0" anchor="ctr">
+                    <a:lnL w="3175">
+                      <a:solidFill>
+                        <a:srgbClr val="B7B8B8"/>
+                      </a:solidFill>
+                      <a:prstDash val="solid"/>
+                    </a:lnL>
+                    <a:lnR w="3175">
+                      <a:solidFill>
+                        <a:srgbClr val="B7B8B8"/>
+                      </a:solidFill>
+                      <a:prstDash val="solid"/>
+                    </a:lnR>
+                    <a:lnB w="76200">
+                      <a:solidFill>
                         <a:srgbClr val="2E8FFF"/>
                       </a:solidFill>
                       <a:prstDash val="solid"/>
@@ -2182,6 +2055,38 @@
                   </a:tcPr>
                 </a:tc>
                 <a:tc hMerge="1">
+                  <a:txBody>
+                    <a:bodyPr/>
+                    <a:lstStyle/>
+                    <a:p>
+                      <a:endParaRPr lang="en-US"/>
+                    </a:p>
+                  </a:txBody>
+                  <a:tcPr marL="0" marR="0" marT="7620" marB="0" anchor="ctr">
+                    <a:lnL w="3175">
+                      <a:solidFill>
+                        <a:srgbClr val="B7B8B8"/>
+                      </a:solidFill>
+                      <a:prstDash val="solid"/>
+                    </a:lnL>
+                    <a:lnR w="3175">
+                      <a:solidFill>
+                        <a:srgbClr val="B7B8B8"/>
+                      </a:solidFill>
+                      <a:prstDash val="solid"/>
+                    </a:lnR>
+                    <a:lnB w="76200">
+                      <a:solidFill>
+                        <a:srgbClr val="2E8FFF"/>
+                      </a:solidFill>
+                      <a:prstDash val="solid"/>
+                    </a:lnB>
+                    <a:solidFill>
+                      <a:srgbClr val="404040"/>
+                    </a:solidFill>
+                  </a:tcPr>
+                </a:tc>
+                <a:tc>
                   <a:txBody>
                     <a:bodyPr/>
                     <a:lstStyle/>
@@ -2195,89 +2100,6 @@
                         </a:spcBef>
                       </a:pPr>
                       <a:r>
-                        <a:rPr sz="900" spc="-20" dirty="0">
-                          <a:solidFill>
-                            <a:srgbClr val="FFFFFF"/>
-                          </a:solidFill>
-                          <a:latin typeface="Adobe Clean"/>
-                          <a:cs typeface="Adobe Clean"/>
-                        </a:rPr>
-                        <a:t>Enterprise</a:t>
-                      </a:r>
-                      <a:r>
-                        <a:rPr lang="en-US" sz="900" spc="-20" dirty="0">
-                          <a:solidFill>
-                            <a:srgbClr val="FFFFFF"/>
-                          </a:solidFill>
-                          <a:latin typeface="Adobe Clean"/>
-                          <a:cs typeface="Adobe Clean"/>
-                        </a:rPr>
-                        <a:t> </a:t>
-                      </a:r>
-                      <a:r>
-                        <a:rPr sz="900" spc="-20" dirty="0">
-                          <a:solidFill>
-                            <a:srgbClr val="FFFFFF"/>
-                          </a:solidFill>
-                          <a:latin typeface="Adobe Clean"/>
-                          <a:cs typeface="Adobe Clean"/>
-                        </a:rPr>
-                        <a:t>Support</a:t>
-                      </a:r>
-                      <a:endParaRPr sz="900" dirty="0">
-                        <a:latin typeface="Adobe Clean"/>
-                        <a:cs typeface="Adobe Clean"/>
-                      </a:endParaRPr>
-                    </a:p>
-                  </a:txBody>
-                  <a:tcPr marL="0" marR="0" marT="7620" marB="0" anchor="ctr">
-                    <a:lnL w="3175">
-                      <a:solidFill>
-                        <a:srgbClr val="B7B8B8"/>
-                      </a:solidFill>
-                      <a:prstDash val="solid"/>
-                    </a:lnL>
-                    <a:lnR w="3175">
-                      <a:solidFill>
-                        <a:srgbClr val="B7B8B8"/>
-                      </a:solidFill>
-                      <a:prstDash val="solid"/>
-                    </a:lnR>
-                    <a:lnB w="76200">
-                      <a:solidFill>
-                        <a:srgbClr val="2E8FFF"/>
-                      </a:solidFill>
-                      <a:prstDash val="solid"/>
-                    </a:lnB>
-                    <a:solidFill>
-                      <a:srgbClr val="404040"/>
-                    </a:solidFill>
-                  </a:tcPr>
-                </a:tc>
-                <a:tc>
-                  <a:txBody>
-                    <a:bodyPr/>
-                    <a:lstStyle/>
-                    <a:p>
-                      <a:pPr marL="635" algn="ctr">
-                        <a:lnSpc>
-                          <a:spcPct val="100000"/>
-                        </a:lnSpc>
-                        <a:spcBef>
-                          <a:spcPts val="60"/>
-                        </a:spcBef>
-                      </a:pPr>
-                      <a:r>
-                        <a:rPr sz="900" spc="0" dirty="0">
-                          <a:solidFill>
-                            <a:srgbClr val="FFFFFF"/>
-                          </a:solidFill>
-                          <a:latin typeface="Adobe Clean"/>
-                          <a:cs typeface="Adobe Clean"/>
-                        </a:rPr>
-                        <a:t>Elite</a:t>
-                      </a:r>
-                      <a:r>
                         <a:rPr lang="en-US" sz="900" spc="0" dirty="0">
                           <a:solidFill>
                             <a:srgbClr val="FFFFFF"/>
@@ -2285,17 +2107,7 @@
                           <a:latin typeface="Adobe Clean"/>
                           <a:cs typeface="Adobe Clean"/>
                         </a:rPr>
-                        <a:t> </a:t>
-                      </a:r>
-                      <a:r>
-                        <a:rPr sz="900" spc="0" dirty="0">
-                          <a:solidFill>
-                            <a:srgbClr val="FFFFFF"/>
-                          </a:solidFill>
-                          <a:latin typeface="Adobe Clean"/>
-                          <a:cs typeface="Adobe Clean"/>
-                        </a:rPr>
-                        <a:t>Support</a:t>
+                        <a:t>高级支持</a:t>
                       </a:r>
                       <a:endParaRPr sz="900" spc="0" dirty="0">
                         <a:latin typeface="Adobe Clean"/>
@@ -2343,7 +2155,7 @@
                     <a:bodyPr/>
                     <a:lstStyle/>
                     <a:p>
-                      <a:endParaRPr/>
+                      <a:endParaRPr lang="en-US"/>
                     </a:p>
                   </a:txBody>
                   <a:tcPr marL="0" marR="0" marT="0" marB="0"/>
@@ -2353,7 +2165,7 @@
                     <a:bodyPr/>
                     <a:lstStyle/>
                     <a:p>
-                      <a:pPr marL="255904" marR="248920" indent="-25400">
+                      <a:pPr marL="255905" marR="248920" indent="-25400">
                         <a:lnSpc>
                           <a:spcPct val="100000"/>
                         </a:lnSpc>
@@ -2414,17 +2226,7 @@
                           <a:latin typeface="Adobe Clean"/>
                           <a:cs typeface="Adobe Clean"/>
                         </a:rPr>
-                        <a:t>Paid</a:t>
-                      </a:r>
-                      <a:r>
-                        <a:rPr sz="800" i="1" spc="0" dirty="0">
-                          <a:solidFill>
-                            <a:srgbClr val="FFFFFF"/>
-                          </a:solidFill>
-                          <a:latin typeface="Adobe Clean"/>
-                          <a:cs typeface="Adobe Clean"/>
-                        </a:rPr>
-                        <a:t> Support Levels($)</a:t>
+                        <a:t>付费支持级别 ($)</a:t>
                       </a:r>
                       <a:endParaRPr sz="800" spc="0" dirty="0">
                         <a:latin typeface="Adobe Clean"/>
@@ -2480,7 +2282,7 @@
                     <a:bodyPr/>
                     <a:lstStyle/>
                     <a:p>
-                      <a:endParaRPr/>
+                      <a:endParaRPr lang="en-US"/>
                     </a:p>
                   </a:txBody>
                   <a:tcPr marL="0" marR="0" marT="0" marB="0"/>
@@ -2490,7 +2292,7 @@
                     <a:bodyPr/>
                     <a:lstStyle/>
                     <a:p>
-                      <a:endParaRPr/>
+                      <a:endParaRPr lang="en-US"/>
                     </a:p>
                   </a:txBody>
                   <a:tcPr marL="0" marR="0" marT="0" marB="0"/>
@@ -2523,7 +2325,7 @@
                           <a:latin typeface="Adobe Clean" panose="020B0503020404020204" pitchFamily="34" charset="0"/>
                           <a:cs typeface="AdobeClean-Light"/>
                         </a:rPr>
-                        <a:t>Assigned Experts</a:t>
+                        <a:t>分配的专家</a:t>
                       </a:r>
                       <a:endParaRPr sz="1000" b="1" i="0" spc="0" dirty="0">
                         <a:solidFill>
@@ -2574,18 +2376,18 @@
                           <a:spcPct val="100000"/>
                         </a:lnSpc>
                         <a:spcBef>
-                          <a:spcPts val="459"/>
+                          <a:spcPts val="460"/>
                         </a:spcBef>
                       </a:pPr>
                       <a:r>
-                        <a:rPr sz="900" spc="0" dirty="0">
+                        <a:rPr lang="en-US" sz="900" spc="0" dirty="0">
                           <a:solidFill>
                             <a:srgbClr val="020302"/>
                           </a:solidFill>
                           <a:latin typeface="AdobeClean-Light"/>
                           <a:cs typeface="AdobeClean-Light"/>
                         </a:rPr>
-                        <a:t>Account Support Lead</a:t>
+                        <a:t>帐户支持主管</a:t>
                       </a:r>
                       <a:endParaRPr sz="900" spc="0" dirty="0">
                         <a:latin typeface="AdobeClean-Light"/>
@@ -2625,8 +2427,8 @@
                         </a:lnSpc>
                       </a:pPr>
                       <a:endParaRPr sz="900" spc="0" dirty="0">
-                        <a:latin typeface="Times New Roman"/>
-                        <a:cs typeface="Times New Roman"/>
+                        <a:latin typeface="Times New Roman" panose="02020603050405020304"/>
+                        <a:cs typeface="Times New Roman" panose="02020603050405020304"/>
                       </a:endParaRPr>
                     </a:p>
                   </a:txBody>
@@ -2664,18 +2466,18 @@
                         </a:spcBef>
                       </a:pPr>
                       <a:r>
-                        <a:rPr sz="900" spc="0" dirty="0">
+                        <a:rPr lang="en-US" sz="900" spc="0" dirty="0">
                           <a:solidFill>
                             <a:srgbClr val="020302"/>
                           </a:solidFill>
-                          <a:latin typeface="Wingdings"/>
-                          <a:cs typeface="Wingdings"/>
+                          <a:latin typeface="Wingdings" panose="05000000000000000000"/>
+                          <a:cs typeface="Wingdings" panose="05000000000000000000"/>
                         </a:rPr>
                         <a:t></a:t>
                       </a:r>
                       <a:endParaRPr sz="900" spc="0" dirty="0">
-                        <a:latin typeface="Wingdings"/>
-                        <a:cs typeface="Wingdings"/>
+                        <a:latin typeface="Wingdings" panose="05000000000000000000"/>
+                        <a:cs typeface="Wingdings" panose="05000000000000000000"/>
                       </a:endParaRPr>
                     </a:p>
                   </a:txBody>
@@ -2693,18 +2495,7 @@
                     <a:bodyPr/>
                     <a:lstStyle/>
                     <a:p>
-                      <a:pPr algn="ctr">
-                        <a:lnSpc>
-                          <a:spcPct val="100000"/>
-                        </a:lnSpc>
-                        <a:spcBef>
-                          <a:spcPts val="470"/>
-                        </a:spcBef>
-                      </a:pPr>
-                      <a:endParaRPr sz="900" dirty="0">
-                        <a:latin typeface="Wingdings"/>
-                        <a:cs typeface="Wingdings"/>
-                      </a:endParaRPr>
+                      <a:endParaRPr lang="en-US"/>
                     </a:p>
                   </a:txBody>
                   <a:tcPr marL="0" marR="0" marT="59690" marB="0">
@@ -2730,8 +2521,8 @@
                         </a:lnSpc>
                       </a:pPr>
                       <a:endParaRPr sz="900" spc="0">
-                        <a:latin typeface="Times New Roman"/>
-                        <a:cs typeface="Times New Roman"/>
+                        <a:latin typeface="Times New Roman" panose="02020603050405020304"/>
+                        <a:cs typeface="Times New Roman" panose="02020603050405020304"/>
                       </a:endParaRPr>
                     </a:p>
                   </a:txBody>
@@ -2755,8 +2546,8 @@
                         </a:lnSpc>
                       </a:pPr>
                       <a:endParaRPr sz="900" spc="0" dirty="0">
-                        <a:latin typeface="Times New Roman"/>
-                        <a:cs typeface="Times New Roman"/>
+                        <a:latin typeface="Times New Roman" panose="02020603050405020304"/>
+                        <a:cs typeface="Times New Roman" panose="02020603050405020304"/>
                       </a:endParaRPr>
                     </a:p>
                   </a:txBody>
@@ -2787,60 +2578,49 @@
                     <a:bodyPr/>
                     <a:lstStyle/>
                     <a:p>
+                      <a:endParaRPr lang="en-US"/>
+                    </a:p>
+                  </a:txBody>
+                  <a:tcPr marL="0" marR="0" marT="58419" marB="0">
+                    <a:lnL w="12700">
+                      <a:solidFill>
+                        <a:srgbClr val="F0F0F0"/>
+                      </a:solidFill>
+                      <a:prstDash val="solid"/>
+                    </a:lnL>
+                    <a:lnR w="12700" cap="flat" cmpd="sng" algn="ctr">
+                      <a:solidFill>
+                        <a:srgbClr val="F0F0F0"/>
+                      </a:solidFill>
+                      <a:prstDash val="solid"/>
+                      <a:round/>
+                      <a:headEnd type="none" w="med" len="med"/>
+                      <a:tailEnd type="none" w="med" len="med"/>
+                    </a:lnR>
+                  </a:tcPr>
+                </a:tc>
+                <a:tc>
+                  <a:txBody>
+                    <a:bodyPr/>
+                    <a:lstStyle/>
+                    <a:p>
                       <a:pPr marL="50800">
                         <a:lnSpc>
                           <a:spcPct val="100000"/>
                         </a:lnSpc>
                         <a:spcBef>
-                          <a:spcPts val="459"/>
-                        </a:spcBef>
-                      </a:pPr>
-                      <a:endParaRPr sz="900" dirty="0">
-                        <a:latin typeface="AdobeClean-Light"/>
-                        <a:cs typeface="AdobeClean-Light"/>
-                      </a:endParaRPr>
-                    </a:p>
-                  </a:txBody>
-                  <a:tcPr marL="0" marR="0" marT="58419" marB="0">
-                    <a:lnL w="12700">
-                      <a:solidFill>
-                        <a:srgbClr val="F0F0F0"/>
-                      </a:solidFill>
-                      <a:prstDash val="solid"/>
-                    </a:lnL>
-                    <a:lnR w="12700" cap="flat" cmpd="sng" algn="ctr">
-                      <a:solidFill>
-                        <a:srgbClr val="F0F0F0"/>
-                      </a:solidFill>
-                      <a:prstDash val="solid"/>
-                      <a:round/>
-                      <a:headEnd type="none" w="med" len="med"/>
-                      <a:tailEnd type="none" w="med" len="med"/>
-                    </a:lnR>
-                  </a:tcPr>
-                </a:tc>
-                <a:tc>
-                  <a:txBody>
-                    <a:bodyPr/>
-                    <a:lstStyle/>
-                    <a:p>
-                      <a:pPr marL="50800">
-                        <a:lnSpc>
-                          <a:spcPct val="100000"/>
-                        </a:lnSpc>
-                        <a:spcBef>
-                          <a:spcPts val="459"/>
+                          <a:spcPts val="460"/>
                         </a:spcBef>
                       </a:pPr>
                       <a:r>
-                        <a:rPr sz="900" spc="0" dirty="0">
+                        <a:rPr lang="en-US" sz="900" spc="0" dirty="0">
                           <a:solidFill>
                             <a:srgbClr val="020302"/>
                           </a:solidFill>
                           <a:latin typeface="AdobeClean-Light"/>
                           <a:cs typeface="AdobeClean-Light"/>
                         </a:rPr>
-                        <a:t>Named Support Engineer</a:t>
+                        <a:t>指定的支持工程师</a:t>
                       </a:r>
                       <a:endParaRPr sz="900" spc="0" dirty="0">
                         <a:latin typeface="AdobeClean-Light"/>
@@ -2874,8 +2654,8 @@
                         </a:lnSpc>
                       </a:pPr>
                       <a:endParaRPr sz="900" spc="0" dirty="0">
-                        <a:latin typeface="Times New Roman"/>
-                        <a:cs typeface="Times New Roman"/>
+                        <a:latin typeface="Times New Roman" panose="02020603050405020304"/>
+                        <a:cs typeface="Times New Roman" panose="02020603050405020304"/>
                       </a:endParaRPr>
                     </a:p>
                   </a:txBody>
@@ -2904,8 +2684,8 @@
                         </a:lnSpc>
                       </a:pPr>
                       <a:endParaRPr sz="900" spc="0" dirty="0">
-                        <a:latin typeface="Times New Roman"/>
-                        <a:cs typeface="Times New Roman"/>
+                        <a:latin typeface="Times New Roman" panose="02020603050405020304"/>
+                        <a:cs typeface="Times New Roman" panose="02020603050405020304"/>
                       </a:endParaRPr>
                     </a:p>
                   </a:txBody>
@@ -2916,15 +2696,7 @@
                     <a:bodyPr/>
                     <a:lstStyle/>
                     <a:p>
-                      <a:pPr>
-                        <a:lnSpc>
-                          <a:spcPct val="100000"/>
-                        </a:lnSpc>
-                      </a:pPr>
-                      <a:endParaRPr sz="900">
-                        <a:latin typeface="Times New Roman"/>
-                        <a:cs typeface="Times New Roman"/>
-                      </a:endParaRPr>
+                      <a:endParaRPr lang="en-US"/>
                     </a:p>
                   </a:txBody>
                   <a:tcPr marL="0" marR="0" marT="0" marB="0"/>
@@ -2943,18 +2715,18 @@
                         </a:spcBef>
                       </a:pPr>
                       <a:r>
-                        <a:rPr sz="900" spc="0" dirty="0">
+                        <a:rPr lang="en-US" sz="900" spc="0" dirty="0">
                           <a:solidFill>
                             <a:srgbClr val="020302"/>
                           </a:solidFill>
-                          <a:latin typeface="Wingdings"/>
-                          <a:cs typeface="Wingdings"/>
+                          <a:latin typeface="Wingdings" panose="05000000000000000000"/>
+                          <a:cs typeface="Wingdings" panose="05000000000000000000"/>
                         </a:rPr>
                         <a:t></a:t>
                       </a:r>
                       <a:endParaRPr sz="900" spc="0" dirty="0">
-                        <a:latin typeface="Wingdings"/>
-                        <a:cs typeface="Wingdings"/>
+                        <a:latin typeface="Wingdings" panose="05000000000000000000"/>
+                        <a:cs typeface="Wingdings" panose="05000000000000000000"/>
                       </a:endParaRPr>
                     </a:p>
                   </a:txBody>
@@ -2974,18 +2746,18 @@
                         </a:spcBef>
                       </a:pPr>
                       <a:r>
-                        <a:rPr sz="900" spc="0" dirty="0">
+                        <a:rPr lang="en-US" sz="900" spc="0" dirty="0">
                           <a:solidFill>
                             <a:srgbClr val="020302"/>
                           </a:solidFill>
-                          <a:latin typeface="Wingdings"/>
-                          <a:cs typeface="Wingdings"/>
+                          <a:latin typeface="Wingdings" panose="05000000000000000000"/>
+                          <a:cs typeface="Wingdings" panose="05000000000000000000"/>
                         </a:rPr>
                         <a:t></a:t>
                       </a:r>
                       <a:endParaRPr sz="900" spc="0" dirty="0">
-                        <a:latin typeface="Wingdings"/>
-                        <a:cs typeface="Wingdings"/>
+                        <a:latin typeface="Wingdings" panose="05000000000000000000"/>
+                        <a:cs typeface="Wingdings" panose="05000000000000000000"/>
                       </a:endParaRPr>
                     </a:p>
                   </a:txBody>
@@ -3010,18 +2782,7 @@
                     <a:bodyPr/>
                     <a:lstStyle/>
                     <a:p>
-                      <a:pPr marL="50800">
-                        <a:lnSpc>
-                          <a:spcPct val="100000"/>
-                        </a:lnSpc>
-                        <a:spcBef>
-                          <a:spcPts val="500"/>
-                        </a:spcBef>
-                      </a:pPr>
-                      <a:endParaRPr sz="900" dirty="0">
-                        <a:latin typeface="AdobeClean-Light"/>
-                        <a:cs typeface="AdobeClean-Light"/>
-                      </a:endParaRPr>
+                      <a:endParaRPr lang="en-US"/>
                     </a:p>
                   </a:txBody>
                   <a:tcPr marL="0" marR="0" marT="63500" marB="0">
@@ -3068,14 +2829,14 @@
                         </a:spcBef>
                       </a:pPr>
                       <a:r>
-                        <a:rPr sz="900" spc="0" dirty="0">
+                        <a:rPr lang="en-US" sz="900" spc="0" dirty="0">
                           <a:solidFill>
                             <a:srgbClr val="020302"/>
                           </a:solidFill>
                           <a:latin typeface="AdobeClean-Light"/>
                           <a:cs typeface="AdobeClean-Light"/>
                         </a:rPr>
-                        <a:t>Technical Account Manager</a:t>
+                        <a:t>技术客户经理</a:t>
                       </a:r>
                       <a:endParaRPr sz="900" spc="0" dirty="0">
                         <a:latin typeface="AdobeClean-Light"/>
@@ -3115,8 +2876,8 @@
                         </a:lnSpc>
                       </a:pPr>
                       <a:endParaRPr sz="900" spc="0" dirty="0">
-                        <a:latin typeface="Times New Roman"/>
-                        <a:cs typeface="Times New Roman"/>
+                        <a:latin typeface="Times New Roman" panose="02020603050405020304"/>
+                        <a:cs typeface="Times New Roman" panose="02020603050405020304"/>
                       </a:endParaRPr>
                     </a:p>
                   </a:txBody>
@@ -3151,8 +2912,8 @@
                         </a:lnSpc>
                       </a:pPr>
                       <a:endParaRPr sz="900" spc="0" dirty="0">
-                        <a:latin typeface="Times New Roman"/>
-                        <a:cs typeface="Times New Roman"/>
+                        <a:latin typeface="Times New Roman" panose="02020603050405020304"/>
+                        <a:cs typeface="Times New Roman" panose="02020603050405020304"/>
                       </a:endParaRPr>
                     </a:p>
                   </a:txBody>
@@ -3170,15 +2931,7 @@
                     <a:bodyPr/>
                     <a:lstStyle/>
                     <a:p>
-                      <a:pPr>
-                        <a:lnSpc>
-                          <a:spcPct val="100000"/>
-                        </a:lnSpc>
-                      </a:pPr>
-                      <a:endParaRPr sz="900">
-                        <a:latin typeface="Times New Roman"/>
-                        <a:cs typeface="Times New Roman"/>
-                      </a:endParaRPr>
+                      <a:endParaRPr lang="en-US"/>
                     </a:p>
                   </a:txBody>
                   <a:tcPr marL="0" marR="0" marT="0" marB="0">
@@ -3204,8 +2957,8 @@
                         </a:lnSpc>
                       </a:pPr>
                       <a:endParaRPr sz="900" spc="0">
-                        <a:latin typeface="Times New Roman"/>
-                        <a:cs typeface="Times New Roman"/>
+                        <a:latin typeface="Times New Roman" panose="02020603050405020304"/>
+                        <a:cs typeface="Times New Roman" panose="02020603050405020304"/>
                       </a:endParaRPr>
                     </a:p>
                   </a:txBody>
@@ -3232,18 +2985,18 @@
                         </a:spcBef>
                       </a:pPr>
                       <a:r>
-                        <a:rPr sz="900" spc="0" dirty="0">
+                        <a:rPr lang="en-US" sz="900" spc="0" dirty="0">
                           <a:solidFill>
                             <a:srgbClr val="020302"/>
                           </a:solidFill>
-                          <a:latin typeface="Wingdings"/>
-                          <a:cs typeface="Wingdings"/>
+                          <a:latin typeface="Wingdings" panose="05000000000000000000"/>
+                          <a:cs typeface="Wingdings" panose="05000000000000000000"/>
                         </a:rPr>
                         <a:t></a:t>
                       </a:r>
                       <a:endParaRPr sz="900" spc="0">
-                        <a:latin typeface="Wingdings"/>
-                        <a:cs typeface="Wingdings"/>
+                        <a:latin typeface="Wingdings" panose="05000000000000000000"/>
+                        <a:cs typeface="Wingdings" panose="05000000000000000000"/>
                       </a:endParaRPr>
                     </a:p>
                   </a:txBody>
@@ -3279,7 +3032,7 @@
                           <a:spcPct val="100000"/>
                         </a:lnSpc>
                         <a:spcBef>
-                          <a:spcPts val="459"/>
+                          <a:spcPts val="460"/>
                         </a:spcBef>
                       </a:pPr>
                       <a:r>
@@ -3290,7 +3043,7 @@
                           <a:latin typeface="Adobe Clean" panose="020B0503020404020204" pitchFamily="34" charset="0"/>
                           <a:cs typeface="AdobeClean-Light"/>
                         </a:rPr>
-                        <a:t>Support Services</a:t>
+                        <a:t>支持服务</a:t>
                       </a:r>
                       <a:endParaRPr sz="1000" b="1" i="0" spc="0" dirty="0">
                         <a:solidFill>
@@ -3361,17 +3114,7 @@
                           <a:latin typeface="AdobeClean-Light"/>
                           <a:cs typeface="AdobeClean-Light"/>
                         </a:rPr>
-                        <a:t>Online </a:t>
-                      </a:r>
-                      <a:r>
-                        <a:rPr sz="900" spc="0" dirty="0">
-                          <a:solidFill>
-                            <a:srgbClr val="020302"/>
-                          </a:solidFill>
-                          <a:latin typeface="AdobeClean-Light"/>
-                          <a:cs typeface="AdobeClean-Light"/>
-                        </a:rPr>
-                        <a:t> Support</a:t>
+                        <a:t>在线支持</a:t>
                       </a:r>
                       <a:endParaRPr sz="900" spc="0" dirty="0">
                         <a:latin typeface="AdobeClean-Light"/>
@@ -3414,14 +3157,14 @@
                         </a:spcBef>
                       </a:pPr>
                       <a:r>
-                        <a:rPr sz="800" spc="0" dirty="0">
+                        <a:rPr lang="en-US" sz="800" spc="0" dirty="0">
                           <a:solidFill>
                             <a:srgbClr val="020302"/>
                           </a:solidFill>
                           <a:latin typeface="AdobeClean-Light"/>
                           <a:cs typeface="AdobeClean-Light"/>
                         </a:rPr>
-                        <a:t>Business hours</a:t>
+                        <a:t>营业时间</a:t>
                       </a:r>
                       <a:endParaRPr sz="800" spc="0" dirty="0">
                         <a:latin typeface="AdobeClean-Light"/>
@@ -3463,14 +3206,14 @@
                         </a:spcBef>
                       </a:pPr>
                       <a:r>
-                        <a:rPr sz="800" spc="0" dirty="0">
+                        <a:rPr lang="en-US" sz="800" spc="0" dirty="0">
                           <a:solidFill>
                             <a:srgbClr val="020302"/>
                           </a:solidFill>
                           <a:latin typeface="AdobeClean-Light"/>
                           <a:cs typeface="AdobeClean-Light"/>
                         </a:rPr>
-                        <a:t>Business hours</a:t>
+                        <a:t>营业时间</a:t>
                       </a:r>
                       <a:endParaRPr sz="800" spc="0" dirty="0">
                         <a:latin typeface="AdobeClean-Light"/>
@@ -3492,18 +3235,7 @@
                     <a:bodyPr/>
                     <a:lstStyle/>
                     <a:p>
-                      <a:pPr algn="ctr">
-                        <a:lnSpc>
-                          <a:spcPct val="100000"/>
-                        </a:lnSpc>
-                        <a:spcBef>
-                          <a:spcPts val="535"/>
-                        </a:spcBef>
-                      </a:pPr>
-                      <a:endParaRPr sz="800">
-                        <a:latin typeface="AdobeClean-Light"/>
-                        <a:cs typeface="AdobeClean-Light"/>
-                      </a:endParaRPr>
+                      <a:endParaRPr lang="en-US"/>
                     </a:p>
                   </a:txBody>
                   <a:tcPr marL="0" marR="0" marT="67945" marB="0">
@@ -3532,14 +3264,14 @@
                         </a:spcBef>
                       </a:pPr>
                       <a:r>
-                        <a:rPr sz="800" spc="0" dirty="0">
+                        <a:rPr lang="en-US" sz="800" spc="0" dirty="0">
                           <a:solidFill>
                             <a:srgbClr val="020302"/>
                           </a:solidFill>
                           <a:latin typeface="AdobeClean-Light"/>
                           <a:cs typeface="AdobeClean-Light"/>
                         </a:rPr>
-                        <a:t>24X5</a:t>
+                        <a:t>工作日全天候</a:t>
                       </a:r>
                       <a:endParaRPr sz="800" spc="0">
                         <a:latin typeface="AdobeClean-Light"/>
@@ -3570,14 +3302,14 @@
                         </a:spcBef>
                       </a:pPr>
                       <a:r>
-                        <a:rPr sz="800" spc="0" dirty="0">
+                        <a:rPr lang="en-US" sz="800" spc="0" dirty="0">
                           <a:solidFill>
                             <a:srgbClr val="020302"/>
                           </a:solidFill>
                           <a:latin typeface="AdobeClean-Light"/>
                           <a:cs typeface="AdobeClean-Light"/>
                         </a:rPr>
-                        <a:t>24X5</a:t>
+                        <a:t>工作日全天候</a:t>
                       </a:r>
                       <a:endParaRPr sz="800" spc="0" dirty="0">
                         <a:latin typeface="AdobeClean-Light"/>
@@ -3612,293 +3344,7 @@
                     <a:bodyPr/>
                     <a:lstStyle/>
                     <a:p>
-                      <a:pPr marL="50800">
-                        <a:lnSpc>
-                          <a:spcPct val="100000"/>
-                        </a:lnSpc>
-                        <a:spcBef>
-                          <a:spcPts val="455"/>
-                        </a:spcBef>
-                      </a:pPr>
-                      <a:endParaRPr sz="900" dirty="0">
-                        <a:latin typeface="AdobeClean-Light"/>
-                        <a:cs typeface="AdobeClean-Light"/>
-                      </a:endParaRPr>
-                    </a:p>
-                  </a:txBody>
-                  <a:tcPr marL="0" marR="0" marT="57785" marB="0">
-                    <a:lnL w="12700">
-                      <a:solidFill>
-                        <a:srgbClr val="F0F0F0"/>
-                      </a:solidFill>
-                      <a:prstDash val="solid"/>
-                    </a:lnL>
-                    <a:lnR w="12700" cap="flat" cmpd="sng" algn="ctr">
-                      <a:solidFill>
-                        <a:srgbClr val="F0F0F0"/>
-                      </a:solidFill>
-                      <a:prstDash val="solid"/>
-                      <a:round/>
-                      <a:headEnd type="none" w="med" len="med"/>
-                      <a:tailEnd type="none" w="med" len="med"/>
-                    </a:lnR>
-                    <a:solidFill>
-                      <a:srgbClr val="7D7D7D"/>
-                    </a:solidFill>
-                  </a:tcPr>
-                </a:tc>
-                <a:tc>
-                  <a:txBody>
-                    <a:bodyPr/>
-                    <a:lstStyle/>
-                    <a:p>
-                      <a:pPr marL="50800">
-                        <a:lnSpc>
-                          <a:spcPct val="100000"/>
-                        </a:lnSpc>
-                        <a:spcBef>
-                          <a:spcPts val="455"/>
-                        </a:spcBef>
-                      </a:pPr>
-                      <a:r>
-                        <a:rPr sz="900" spc="0" dirty="0">
-                          <a:solidFill>
-                            <a:srgbClr val="020302"/>
-                          </a:solidFill>
-                          <a:latin typeface="AdobeClean-Light"/>
-                          <a:cs typeface="AdobeClean-Light"/>
-                        </a:rPr>
-                        <a:t>24x7</a:t>
-                      </a:r>
-                      <a:r>
-                        <a:rPr lang="en-US" sz="900" spc="0" dirty="0">
-                          <a:solidFill>
-                            <a:srgbClr val="020302"/>
-                          </a:solidFill>
-                          <a:latin typeface="AdobeClean-Light"/>
-                          <a:cs typeface="AdobeClean-Light"/>
-                        </a:rPr>
-                        <a:t>x365</a:t>
-                      </a:r>
-                      <a:r>
-                        <a:rPr sz="900" spc="0" dirty="0">
-                          <a:solidFill>
-                            <a:srgbClr val="020302"/>
-                          </a:solidFill>
-                          <a:latin typeface="AdobeClean-Light"/>
-                          <a:cs typeface="AdobeClean-Light"/>
-                        </a:rPr>
-                        <a:t> P1 Issue Support</a:t>
-                      </a:r>
-                      <a:endParaRPr sz="900" spc="0" dirty="0">
-                        <a:latin typeface="AdobeClean-Light"/>
-                        <a:cs typeface="AdobeClean-Light"/>
-                      </a:endParaRPr>
-                    </a:p>
-                  </a:txBody>
-                  <a:tcPr marL="0" marR="0" marT="57785" marB="0">
-                    <a:lnL w="12700">
-                      <a:solidFill>
-                        <a:srgbClr val="F0F0F0"/>
-                      </a:solidFill>
-                      <a:prstDash val="solid"/>
-                    </a:lnL>
-                    <a:lnR w="12700">
-                      <a:solidFill>
-                        <a:srgbClr val="F0F0F0"/>
-                      </a:solidFill>
-                      <a:prstDash val="solid"/>
-                    </a:lnR>
-                  </a:tcPr>
-                </a:tc>
-                <a:tc>
-                  <a:txBody>
-                    <a:bodyPr/>
-                    <a:lstStyle/>
-                    <a:p>
-                      <a:pPr algn="ctr">
-                        <a:lnSpc>
-                          <a:spcPct val="100000"/>
-                        </a:lnSpc>
-                        <a:spcBef>
-                          <a:spcPts val="459"/>
-                        </a:spcBef>
-                      </a:pPr>
-                      <a:r>
-                        <a:rPr sz="900" spc="0" dirty="0">
-                          <a:solidFill>
-                            <a:srgbClr val="020302"/>
-                          </a:solidFill>
-                          <a:latin typeface="Wingdings"/>
-                          <a:cs typeface="Wingdings"/>
-                        </a:rPr>
-                        <a:t></a:t>
-                      </a:r>
-                      <a:endParaRPr sz="900" spc="0">
-                        <a:latin typeface="Wingdings"/>
-                        <a:cs typeface="Wingdings"/>
-                      </a:endParaRPr>
-                    </a:p>
-                  </a:txBody>
-                  <a:tcPr marL="0" marR="0" marT="58419" marB="0">
-                    <a:lnL w="12700">
-                      <a:solidFill>
-                        <a:srgbClr val="F0F0F0"/>
-                      </a:solidFill>
-                      <a:prstDash val="solid"/>
-                    </a:lnL>
-                    <a:solidFill>
-                      <a:schemeClr val="bg1">
-                        <a:lumMod val="95000"/>
-                      </a:schemeClr>
-                    </a:solidFill>
-                  </a:tcPr>
-                </a:tc>
-                <a:tc gridSpan="2">
-                  <a:txBody>
-                    <a:bodyPr/>
-                    <a:lstStyle/>
-                    <a:p>
-                      <a:pPr algn="ctr">
-                        <a:lnSpc>
-                          <a:spcPct val="100000"/>
-                        </a:lnSpc>
-                        <a:spcBef>
-                          <a:spcPts val="459"/>
-                        </a:spcBef>
-                      </a:pPr>
-                      <a:r>
-                        <a:rPr sz="900" spc="0" dirty="0">
-                          <a:solidFill>
-                            <a:srgbClr val="020302"/>
-                          </a:solidFill>
-                          <a:latin typeface="Wingdings"/>
-                          <a:cs typeface="Wingdings"/>
-                        </a:rPr>
-                        <a:t></a:t>
-                      </a:r>
-                      <a:endParaRPr sz="900" spc="0">
-                        <a:latin typeface="Wingdings"/>
-                        <a:cs typeface="Wingdings"/>
-                      </a:endParaRPr>
-                    </a:p>
-                  </a:txBody>
-                  <a:tcPr marL="0" marR="0" marT="58419" marB="0"/>
-                </a:tc>
-                <a:tc hMerge="1">
-                  <a:txBody>
-                    <a:bodyPr/>
-                    <a:lstStyle/>
-                    <a:p>
-                      <a:pPr algn="ctr">
-                        <a:lnSpc>
-                          <a:spcPct val="100000"/>
-                        </a:lnSpc>
-                        <a:spcBef>
-                          <a:spcPts val="459"/>
-                        </a:spcBef>
-                      </a:pPr>
-                      <a:endParaRPr sz="900">
-                        <a:latin typeface="Wingdings"/>
-                        <a:cs typeface="Wingdings"/>
-                      </a:endParaRPr>
-                    </a:p>
-                  </a:txBody>
-                  <a:tcPr marL="0" marR="0" marT="58419" marB="0"/>
-                </a:tc>
-                <a:tc>
-                  <a:txBody>
-                    <a:bodyPr/>
-                    <a:lstStyle/>
-                    <a:p>
-                      <a:pPr algn="ctr">
-                        <a:lnSpc>
-                          <a:spcPct val="100000"/>
-                        </a:lnSpc>
-                        <a:spcBef>
-                          <a:spcPts val="459"/>
-                        </a:spcBef>
-                      </a:pPr>
-                      <a:r>
-                        <a:rPr sz="900" spc="0" dirty="0">
-                          <a:solidFill>
-                            <a:srgbClr val="020302"/>
-                          </a:solidFill>
-                          <a:latin typeface="Wingdings"/>
-                          <a:cs typeface="Wingdings"/>
-                        </a:rPr>
-                        <a:t></a:t>
-                      </a:r>
-                      <a:endParaRPr sz="900" spc="0">
-                        <a:latin typeface="Wingdings"/>
-                        <a:cs typeface="Wingdings"/>
-                      </a:endParaRPr>
-                    </a:p>
-                  </a:txBody>
-                  <a:tcPr marL="0" marR="0" marT="58419" marB="0"/>
-                </a:tc>
-                <a:tc>
-                  <a:txBody>
-                    <a:bodyPr/>
-                    <a:lstStyle/>
-                    <a:p>
-                      <a:pPr algn="ctr">
-                        <a:lnSpc>
-                          <a:spcPct val="100000"/>
-                        </a:lnSpc>
-                        <a:spcBef>
-                          <a:spcPts val="459"/>
-                        </a:spcBef>
-                      </a:pPr>
-                      <a:r>
-                        <a:rPr sz="900" spc="0" dirty="0">
-                          <a:solidFill>
-                            <a:srgbClr val="020302"/>
-                          </a:solidFill>
-                          <a:latin typeface="Wingdings"/>
-                          <a:cs typeface="Wingdings"/>
-                        </a:rPr>
-                        <a:t></a:t>
-                      </a:r>
-                      <a:endParaRPr sz="900" spc="0">
-                        <a:latin typeface="Wingdings"/>
-                        <a:cs typeface="Wingdings"/>
-                      </a:endParaRPr>
-                    </a:p>
-                  </a:txBody>
-                  <a:tcPr marL="0" marR="0" marT="58419" marB="0">
-                    <a:lnR w="12700">
-                      <a:solidFill>
-                        <a:srgbClr val="F0F0F0"/>
-                      </a:solidFill>
-                      <a:prstDash val="solid"/>
-                    </a:lnR>
-                  </a:tcPr>
-                </a:tc>
-                <a:extLst>
-                  <a:ext uri="{0D108BD9-81ED-4DB2-BD59-A6C34878D82A}">
-                    <a16:rowId xmlns:a16="http://schemas.microsoft.com/office/drawing/2014/main" val="10006"/>
-                  </a:ext>
-                </a:extLst>
-              </a:tr>
-              <a:tr h="264424">
-                <a:tc vMerge="1">
-                  <a:txBody>
-                    <a:bodyPr/>
-                    <a:lstStyle/>
-                    <a:p>
-                      <a:pPr marL="50800">
-                        <a:lnSpc>
-                          <a:spcPct val="100000"/>
-                        </a:lnSpc>
-                        <a:spcBef>
-                          <a:spcPts val="455"/>
-                        </a:spcBef>
-                      </a:pPr>
-                      <a:endParaRPr sz="900" dirty="0">
-                        <a:latin typeface="AdobeClean-Light"/>
-                        <a:cs typeface="AdobeClean-Light"/>
-                      </a:endParaRPr>
+                      <a:endParaRPr lang="en-US"/>
                     </a:p>
                   </a:txBody>
                   <a:tcPr marL="0" marR="0" marT="57785" marB="0">
@@ -3943,7 +3389,7 @@
                           <a:latin typeface="AdobeClean-Light"/>
                           <a:cs typeface="AdobeClean-Light"/>
                         </a:rPr>
-                        <a:t>Named Support Contacts (per product)</a:t>
+                        <a:t>全天候 P1 问题支持</a:t>
                       </a:r>
                       <a:endParaRPr sz="900" spc="0" dirty="0">
                         <a:latin typeface="AdobeClean-Light"/>
@@ -3976,26 +3422,26 @@
                           <a:spcPct val="100000"/>
                         </a:lnSpc>
                         <a:spcBef>
-                          <a:spcPts val="455"/>
+                          <a:spcPts val="460"/>
                         </a:spcBef>
                       </a:pPr>
                       <a:r>
-                        <a:rPr sz="900" spc="0" dirty="0">
+                        <a:rPr lang="en-US" sz="900" spc="0" dirty="0">
                           <a:solidFill>
                             <a:srgbClr val="020302"/>
                           </a:solidFill>
-                          <a:latin typeface="AdobeClean-Light"/>
-                          <a:cs typeface="AdobeClean-Light"/>
+                          <a:latin typeface="Wingdings" panose="05000000000000000000"/>
+                          <a:cs typeface="Wingdings" panose="05000000000000000000"/>
                         </a:rPr>
-                        <a:t>4</a:t>
+                        <a:t></a:t>
                       </a:r>
-                      <a:endParaRPr sz="900" spc="0" dirty="0">
-                        <a:latin typeface="AdobeClean-Light"/>
-                        <a:cs typeface="AdobeClean-Light"/>
+                      <a:endParaRPr sz="900" spc="0">
+                        <a:latin typeface="Wingdings" panose="05000000000000000000"/>
+                        <a:cs typeface="Wingdings" panose="05000000000000000000"/>
                       </a:endParaRPr>
                     </a:p>
                   </a:txBody>
-                  <a:tcPr marL="0" marR="0" marT="57785" marB="0">
+                  <a:tcPr marL="0" marR="0" marT="58419" marB="0">
                     <a:lnL w="12700">
                       <a:solidFill>
                         <a:srgbClr val="F0F0F0"/>
@@ -4019,28 +3465,38 @@
                           <a:spcPct val="100000"/>
                         </a:lnSpc>
                         <a:spcBef>
-                          <a:spcPts val="455"/>
+                          <a:spcPts val="460"/>
                         </a:spcBef>
                       </a:pPr>
                       <a:r>
-                        <a:rPr sz="900" spc="0" dirty="0">
+                        <a:rPr lang="en-US" sz="900" spc="0" dirty="0">
                           <a:solidFill>
                             <a:srgbClr val="020302"/>
                           </a:solidFill>
-                          <a:latin typeface="AdobeClean-Light"/>
-                          <a:cs typeface="AdobeClean-Light"/>
+                          <a:latin typeface="Wingdings" panose="05000000000000000000"/>
+                          <a:cs typeface="Wingdings" panose="05000000000000000000"/>
                         </a:rPr>
-                        <a:t>6</a:t>
+                        <a:t></a:t>
                       </a:r>
                       <a:endParaRPr sz="900" spc="0">
-                        <a:latin typeface="AdobeClean-Light"/>
-                        <a:cs typeface="AdobeClean-Light"/>
+                        <a:latin typeface="Wingdings" panose="05000000000000000000"/>
+                        <a:cs typeface="Wingdings" panose="05000000000000000000"/>
                       </a:endParaRPr>
                     </a:p>
                   </a:txBody>
-                  <a:tcPr marL="0" marR="0" marT="57785" marB="0"/>
+                  <a:tcPr marL="0" marR="0" marT="58419" marB="0"/>
                 </a:tc>
                 <a:tc hMerge="1">
+                  <a:txBody>
+                    <a:bodyPr/>
+                    <a:lstStyle/>
+                    <a:p>
+                      <a:endParaRPr lang="en-US"/>
+                    </a:p>
+                  </a:txBody>
+                  <a:tcPr marL="0" marR="0" marT="58419" marB="0"/>
+                </a:tc>
+                <a:tc>
                   <a:txBody>
                     <a:bodyPr/>
                     <a:lstStyle/>
@@ -4050,16 +3506,26 @@
                           <a:spcPct val="100000"/>
                         </a:lnSpc>
                         <a:spcBef>
-                          <a:spcPts val="455"/>
+                          <a:spcPts val="460"/>
                         </a:spcBef>
                       </a:pPr>
-                      <a:endParaRPr sz="900">
-                        <a:latin typeface="AdobeClean-Light"/>
-                        <a:cs typeface="AdobeClean-Light"/>
+                      <a:r>
+                        <a:rPr lang="en-US" sz="900" spc="0" dirty="0">
+                          <a:solidFill>
+                            <a:srgbClr val="020302"/>
+                          </a:solidFill>
+                          <a:latin typeface="Wingdings" panose="05000000000000000000"/>
+                          <a:cs typeface="Wingdings" panose="05000000000000000000"/>
+                        </a:rPr>
+                        <a:t></a:t>
+                      </a:r>
+                      <a:endParaRPr sz="900" spc="0">
+                        <a:latin typeface="Wingdings" panose="05000000000000000000"/>
+                        <a:cs typeface="Wingdings" panose="05000000000000000000"/>
                       </a:endParaRPr>
                     </a:p>
                   </a:txBody>
-                  <a:tcPr marL="0" marR="0" marT="57785" marB="0"/>
+                  <a:tcPr marL="0" marR="0" marT="58419" marB="0"/>
                 </a:tc>
                 <a:tc>
                   <a:txBody>
@@ -4071,57 +3537,26 @@
                           <a:spcPct val="100000"/>
                         </a:lnSpc>
                         <a:spcBef>
-                          <a:spcPts val="455"/>
+                          <a:spcPts val="460"/>
                         </a:spcBef>
                       </a:pPr>
                       <a:r>
-                        <a:rPr sz="900" spc="0" dirty="0">
+                        <a:rPr lang="en-US" sz="900" spc="0" dirty="0">
                           <a:solidFill>
                             <a:srgbClr val="020302"/>
                           </a:solidFill>
-                          <a:latin typeface="AdobeClean-Light"/>
-                          <a:cs typeface="AdobeClean-Light"/>
+                          <a:latin typeface="Wingdings" panose="05000000000000000000"/>
+                          <a:cs typeface="Wingdings" panose="05000000000000000000"/>
                         </a:rPr>
-                        <a:t>10</a:t>
+                        <a:t></a:t>
                       </a:r>
                       <a:endParaRPr sz="900" spc="0">
-                        <a:latin typeface="AdobeClean-Light"/>
-                        <a:cs typeface="AdobeClean-Light"/>
+                        <a:latin typeface="Wingdings" panose="05000000000000000000"/>
+                        <a:cs typeface="Wingdings" panose="05000000000000000000"/>
                       </a:endParaRPr>
                     </a:p>
                   </a:txBody>
-                  <a:tcPr marL="0" marR="0" marT="57785" marB="0"/>
-                </a:tc>
-                <a:tc>
-                  <a:txBody>
-                    <a:bodyPr/>
-                    <a:lstStyle/>
-                    <a:p>
-                      <a:pPr algn="ctr">
-                        <a:lnSpc>
-                          <a:spcPct val="100000"/>
-                        </a:lnSpc>
-                        <a:spcBef>
-                          <a:spcPts val="455"/>
-                        </a:spcBef>
-                      </a:pPr>
-                      <a:r>
-                        <a:rPr sz="900" spc="0" dirty="0">
-                          <a:solidFill>
-                            <a:srgbClr val="020302"/>
-                          </a:solidFill>
-                          <a:latin typeface="AdobeClean-Light"/>
-                          <a:cs typeface="AdobeClean-Light"/>
-                        </a:rPr>
-                        <a:t>15</a:t>
-                      </a:r>
-                      <a:endParaRPr sz="900" spc="0">
-                        <a:latin typeface="AdobeClean-Light"/>
-                        <a:cs typeface="AdobeClean-Light"/>
-                      </a:endParaRPr>
-                    </a:p>
-                  </a:txBody>
-                  <a:tcPr marL="0" marR="0" marT="57785" marB="0">
+                  <a:tcPr marL="0" marR="0" marT="58419" marB="0">
                     <a:lnR w="12700">
                       <a:solidFill>
                         <a:srgbClr val="F0F0F0"/>
@@ -4132,7 +3567,7 @@
                 </a:tc>
                 <a:extLst>
                   <a:ext uri="{0D108BD9-81ED-4DB2-BD59-A6C34878D82A}">
-                    <a16:rowId xmlns:a16="http://schemas.microsoft.com/office/drawing/2014/main" val="10007"/>
+                    <a16:rowId xmlns:a16="http://schemas.microsoft.com/office/drawing/2014/main" val="10006"/>
                   </a:ext>
                 </a:extLst>
               </a:tr>
@@ -4142,18 +3577,7 @@
                     <a:bodyPr/>
                     <a:lstStyle/>
                     <a:p>
-                      <a:pPr marL="50800">
-                        <a:lnSpc>
-                          <a:spcPct val="100000"/>
-                        </a:lnSpc>
-                        <a:spcBef>
-                          <a:spcPts val="455"/>
-                        </a:spcBef>
-                      </a:pPr>
-                      <a:endParaRPr sz="900" dirty="0">
-                        <a:latin typeface="AdobeClean-Light"/>
-                        <a:cs typeface="AdobeClean-Light"/>
-                      </a:endParaRPr>
+                      <a:endParaRPr lang="en-US"/>
                     </a:p>
                   </a:txBody>
                   <a:tcPr marL="0" marR="0" marT="57785" marB="0">
@@ -4198,7 +3622,240 @@
                           <a:latin typeface="AdobeClean-Light"/>
                           <a:cs typeface="AdobeClean-Light"/>
                         </a:rPr>
-                        <a:t>Live Telephone Support</a:t>
+                        <a:t>指定的支持联系人（按产品）</a:t>
+                      </a:r>
+                      <a:endParaRPr sz="900" spc="0" dirty="0">
+                        <a:latin typeface="AdobeClean-Light"/>
+                        <a:cs typeface="AdobeClean-Light"/>
+                      </a:endParaRPr>
+                    </a:p>
+                  </a:txBody>
+                  <a:tcPr marL="0" marR="0" marT="57785" marB="0">
+                    <a:lnL w="12700">
+                      <a:solidFill>
+                        <a:srgbClr val="F0F0F0"/>
+                      </a:solidFill>
+                      <a:prstDash val="solid"/>
+                    </a:lnL>
+                    <a:lnR w="12700">
+                      <a:solidFill>
+                        <a:srgbClr val="F0F0F0"/>
+                      </a:solidFill>
+                      <a:prstDash val="solid"/>
+                    </a:lnR>
+                  </a:tcPr>
+                </a:tc>
+                <a:tc>
+                  <a:txBody>
+                    <a:bodyPr/>
+                    <a:lstStyle/>
+                    <a:p>
+                      <a:pPr algn="ctr">
+                        <a:lnSpc>
+                          <a:spcPct val="100000"/>
+                        </a:lnSpc>
+                        <a:spcBef>
+                          <a:spcPts val="455"/>
+                        </a:spcBef>
+                      </a:pPr>
+                      <a:r>
+                        <a:rPr lang="en-US" sz="900" spc="0" dirty="0">
+                          <a:solidFill>
+                            <a:srgbClr val="020302"/>
+                          </a:solidFill>
+                          <a:latin typeface="AdobeClean-Light"/>
+                          <a:cs typeface="AdobeClean-Light"/>
+                        </a:rPr>
+                        <a:t>4</a:t>
+                      </a:r>
+                      <a:endParaRPr sz="900" spc="0" dirty="0">
+                        <a:latin typeface="AdobeClean-Light"/>
+                        <a:cs typeface="AdobeClean-Light"/>
+                      </a:endParaRPr>
+                    </a:p>
+                  </a:txBody>
+                  <a:tcPr marL="0" marR="0" marT="57785" marB="0">
+                    <a:lnL w="12700">
+                      <a:solidFill>
+                        <a:srgbClr val="F0F0F0"/>
+                      </a:solidFill>
+                      <a:prstDash val="solid"/>
+                    </a:lnL>
+                    <a:solidFill>
+                      <a:schemeClr val="bg1">
+                        <a:lumMod val="95000"/>
+                      </a:schemeClr>
+                    </a:solidFill>
+                  </a:tcPr>
+                </a:tc>
+                <a:tc gridSpan="2">
+                  <a:txBody>
+                    <a:bodyPr/>
+                    <a:lstStyle/>
+                    <a:p>
+                      <a:pPr algn="ctr">
+                        <a:lnSpc>
+                          <a:spcPct val="100000"/>
+                        </a:lnSpc>
+                        <a:spcBef>
+                          <a:spcPts val="455"/>
+                        </a:spcBef>
+                      </a:pPr>
+                      <a:r>
+                        <a:rPr lang="en-US" sz="900" spc="0" dirty="0">
+                          <a:solidFill>
+                            <a:srgbClr val="020302"/>
+                          </a:solidFill>
+                          <a:latin typeface="AdobeClean-Light"/>
+                          <a:cs typeface="AdobeClean-Light"/>
+                        </a:rPr>
+                        <a:t>6</a:t>
+                      </a:r>
+                      <a:endParaRPr sz="900" spc="0">
+                        <a:latin typeface="AdobeClean-Light"/>
+                        <a:cs typeface="AdobeClean-Light"/>
+                      </a:endParaRPr>
+                    </a:p>
+                  </a:txBody>
+                  <a:tcPr marL="0" marR="0" marT="57785" marB="0"/>
+                </a:tc>
+                <a:tc hMerge="1">
+                  <a:txBody>
+                    <a:bodyPr/>
+                    <a:lstStyle/>
+                    <a:p>
+                      <a:endParaRPr lang="en-US"/>
+                    </a:p>
+                  </a:txBody>
+                  <a:tcPr marL="0" marR="0" marT="57785" marB="0"/>
+                </a:tc>
+                <a:tc>
+                  <a:txBody>
+                    <a:bodyPr/>
+                    <a:lstStyle/>
+                    <a:p>
+                      <a:pPr algn="ctr">
+                        <a:lnSpc>
+                          <a:spcPct val="100000"/>
+                        </a:lnSpc>
+                        <a:spcBef>
+                          <a:spcPts val="455"/>
+                        </a:spcBef>
+                      </a:pPr>
+                      <a:r>
+                        <a:rPr lang="en-US" sz="900" spc="0" dirty="0">
+                          <a:solidFill>
+                            <a:srgbClr val="020302"/>
+                          </a:solidFill>
+                          <a:latin typeface="AdobeClean-Light"/>
+                          <a:cs typeface="AdobeClean-Light"/>
+                        </a:rPr>
+                        <a:t>10</a:t>
+                      </a:r>
+                      <a:endParaRPr sz="900" spc="0">
+                        <a:latin typeface="AdobeClean-Light"/>
+                        <a:cs typeface="AdobeClean-Light"/>
+                      </a:endParaRPr>
+                    </a:p>
+                  </a:txBody>
+                  <a:tcPr marL="0" marR="0" marT="57785" marB="0"/>
+                </a:tc>
+                <a:tc>
+                  <a:txBody>
+                    <a:bodyPr/>
+                    <a:lstStyle/>
+                    <a:p>
+                      <a:pPr algn="ctr">
+                        <a:lnSpc>
+                          <a:spcPct val="100000"/>
+                        </a:lnSpc>
+                        <a:spcBef>
+                          <a:spcPts val="455"/>
+                        </a:spcBef>
+                      </a:pPr>
+                      <a:r>
+                        <a:rPr lang="en-US" sz="900" spc="0" dirty="0">
+                          <a:solidFill>
+                            <a:srgbClr val="020302"/>
+                          </a:solidFill>
+                          <a:latin typeface="AdobeClean-Light"/>
+                          <a:cs typeface="AdobeClean-Light"/>
+                        </a:rPr>
+                        <a:t>15</a:t>
+                      </a:r>
+                      <a:endParaRPr sz="900" spc="0">
+                        <a:latin typeface="AdobeClean-Light"/>
+                        <a:cs typeface="AdobeClean-Light"/>
+                      </a:endParaRPr>
+                    </a:p>
+                  </a:txBody>
+                  <a:tcPr marL="0" marR="0" marT="57785" marB="0">
+                    <a:lnR w="12700">
+                      <a:solidFill>
+                        <a:srgbClr val="F0F0F0"/>
+                      </a:solidFill>
+                      <a:prstDash val="solid"/>
+                    </a:lnR>
+                  </a:tcPr>
+                </a:tc>
+                <a:extLst>
+                  <a:ext uri="{0D108BD9-81ED-4DB2-BD59-A6C34878D82A}">
+                    <a16:rowId xmlns:a16="http://schemas.microsoft.com/office/drawing/2014/main" val="10007"/>
+                  </a:ext>
+                </a:extLst>
+              </a:tr>
+              <a:tr h="264424">
+                <a:tc vMerge="1">
+                  <a:txBody>
+                    <a:bodyPr/>
+                    <a:lstStyle/>
+                    <a:p>
+                      <a:endParaRPr lang="en-US"/>
+                    </a:p>
+                  </a:txBody>
+                  <a:tcPr marL="0" marR="0" marT="57785" marB="0">
+                    <a:lnL w="12700">
+                      <a:solidFill>
+                        <a:srgbClr val="F0F0F0"/>
+                      </a:solidFill>
+                      <a:prstDash val="solid"/>
+                    </a:lnL>
+                    <a:lnR w="12700" cap="flat" cmpd="sng" algn="ctr">
+                      <a:solidFill>
+                        <a:srgbClr val="F0F0F0"/>
+                      </a:solidFill>
+                      <a:prstDash val="solid"/>
+                      <a:round/>
+                      <a:headEnd type="none" w="med" len="med"/>
+                      <a:tailEnd type="none" w="med" len="med"/>
+                    </a:lnR>
+                    <a:solidFill>
+                      <a:srgbClr val="7D7D7D"/>
+                    </a:solidFill>
+                  </a:tcPr>
+                </a:tc>
+                <a:tc>
+                  <a:txBody>
+                    <a:bodyPr/>
+                    <a:lstStyle/>
+                    <a:p>
+                      <a:pPr marL="50800">
+                        <a:lnSpc>
+                          <a:spcPct val="100000"/>
+                        </a:lnSpc>
+                        <a:spcBef>
+                          <a:spcPts val="455"/>
+                        </a:spcBef>
+                      </a:pPr>
+                      <a:r>
+                        <a:rPr lang="en-US" sz="900" spc="0" dirty="0">
+                          <a:solidFill>
+                            <a:srgbClr val="020302"/>
+                          </a:solidFill>
+                          <a:latin typeface="AdobeClean-Light"/>
+                          <a:cs typeface="AdobeClean-Light"/>
+                        </a:rPr>
+                        <a:t>实时电话支持</a:t>
                       </a:r>
                       <a:endParaRPr sz="900" spc="0" dirty="0">
                         <a:latin typeface="AdobeClean-Light"/>
@@ -4232,8 +3889,8 @@
                         </a:lnSpc>
                       </a:pPr>
                       <a:endParaRPr sz="900" spc="0" dirty="0">
-                        <a:latin typeface="Times New Roman"/>
-                        <a:cs typeface="Times New Roman"/>
+                        <a:latin typeface="Times New Roman" panose="02020603050405020304"/>
+                        <a:cs typeface="Times New Roman" panose="02020603050405020304"/>
                       </a:endParaRPr>
                     </a:p>
                   </a:txBody>
@@ -4261,28 +3918,38 @@
                           <a:spcPct val="100000"/>
                         </a:lnSpc>
                         <a:spcBef>
-                          <a:spcPts val="464"/>
+                          <a:spcPts val="465"/>
                         </a:spcBef>
                       </a:pPr>
                       <a:r>
-                        <a:rPr sz="900" spc="0" dirty="0">
+                        <a:rPr lang="en-US" sz="900" spc="0" dirty="0">
                           <a:solidFill>
                             <a:srgbClr val="020302"/>
                           </a:solidFill>
-                          <a:latin typeface="Wingdings"/>
-                          <a:cs typeface="Wingdings"/>
+                          <a:latin typeface="Wingdings" panose="05000000000000000000"/>
+                          <a:cs typeface="Wingdings" panose="05000000000000000000"/>
                         </a:rPr>
                         <a:t></a:t>
                       </a:r>
                       <a:endParaRPr sz="900" spc="0">
-                        <a:latin typeface="Wingdings"/>
-                        <a:cs typeface="Wingdings"/>
+                        <a:latin typeface="Wingdings" panose="05000000000000000000"/>
+                        <a:cs typeface="Wingdings" panose="05000000000000000000"/>
                       </a:endParaRPr>
                     </a:p>
                   </a:txBody>
                   <a:tcPr marL="0" marR="0" marT="59054" marB="0"/>
                 </a:tc>
                 <a:tc hMerge="1">
+                  <a:txBody>
+                    <a:bodyPr/>
+                    <a:lstStyle/>
+                    <a:p>
+                      <a:endParaRPr lang="en-US"/>
+                    </a:p>
+                  </a:txBody>
+                  <a:tcPr marL="0" marR="0" marT="59054" marB="0"/>
+                </a:tc>
+                <a:tc>
                   <a:txBody>
                     <a:bodyPr/>
                     <a:lstStyle/>
@@ -4292,12 +3959,22 @@
                           <a:spcPct val="100000"/>
                         </a:lnSpc>
                         <a:spcBef>
-                          <a:spcPts val="464"/>
+                          <a:spcPts val="465"/>
                         </a:spcBef>
                       </a:pPr>
-                      <a:endParaRPr sz="900">
-                        <a:latin typeface="Wingdings"/>
-                        <a:cs typeface="Wingdings"/>
+                      <a:r>
+                        <a:rPr lang="en-US" sz="900" spc="0" dirty="0">
+                          <a:solidFill>
+                            <a:srgbClr val="020302"/>
+                          </a:solidFill>
+                          <a:latin typeface="Wingdings" panose="05000000000000000000"/>
+                          <a:cs typeface="Wingdings" panose="05000000000000000000"/>
+                        </a:rPr>
+                        <a:t></a:t>
+                      </a:r>
+                      <a:endParaRPr sz="900" spc="0">
+                        <a:latin typeface="Wingdings" panose="05000000000000000000"/>
+                        <a:cs typeface="Wingdings" panose="05000000000000000000"/>
                       </a:endParaRPr>
                     </a:p>
                   </a:txBody>
@@ -4313,53 +3990,22 @@
                           <a:spcPct val="100000"/>
                         </a:lnSpc>
                         <a:spcBef>
-                          <a:spcPts val="464"/>
+                          <a:spcPts val="465"/>
                         </a:spcBef>
                       </a:pPr>
                       <a:r>
-                        <a:rPr sz="900" spc="0" dirty="0">
+                        <a:rPr lang="en-US" sz="900" spc="0" dirty="0">
                           <a:solidFill>
                             <a:srgbClr val="020302"/>
                           </a:solidFill>
-                          <a:latin typeface="Wingdings"/>
-                          <a:cs typeface="Wingdings"/>
+                          <a:latin typeface="Wingdings" panose="05000000000000000000"/>
+                          <a:cs typeface="Wingdings" panose="05000000000000000000"/>
                         </a:rPr>
                         <a:t></a:t>
                       </a:r>
                       <a:endParaRPr sz="900" spc="0">
-                        <a:latin typeface="Wingdings"/>
-                        <a:cs typeface="Wingdings"/>
-                      </a:endParaRPr>
-                    </a:p>
-                  </a:txBody>
-                  <a:tcPr marL="0" marR="0" marT="59054" marB="0"/>
-                </a:tc>
-                <a:tc>
-                  <a:txBody>
-                    <a:bodyPr/>
-                    <a:lstStyle/>
-                    <a:p>
-                      <a:pPr algn="ctr">
-                        <a:lnSpc>
-                          <a:spcPct val="100000"/>
-                        </a:lnSpc>
-                        <a:spcBef>
-                          <a:spcPts val="464"/>
-                        </a:spcBef>
-                      </a:pPr>
-                      <a:r>
-                        <a:rPr sz="900" spc="0" dirty="0">
-                          <a:solidFill>
-                            <a:srgbClr val="020302"/>
-                          </a:solidFill>
-                          <a:latin typeface="Wingdings"/>
-                          <a:cs typeface="Wingdings"/>
-                        </a:rPr>
-                        <a:t></a:t>
-                      </a:r>
-                      <a:endParaRPr sz="900" spc="0">
-                        <a:latin typeface="Wingdings"/>
-                        <a:cs typeface="Wingdings"/>
+                        <a:latin typeface="Wingdings" panose="05000000000000000000"/>
+                        <a:cs typeface="Wingdings" panose="05000000000000000000"/>
                       </a:endParaRPr>
                     </a:p>
                   </a:txBody>
@@ -4384,18 +4030,7 @@
                     <a:bodyPr/>
                     <a:lstStyle/>
                     <a:p>
-                      <a:pPr marL="50800">
-                        <a:lnSpc>
-                          <a:spcPct val="100000"/>
-                        </a:lnSpc>
-                        <a:spcBef>
-                          <a:spcPts val="459"/>
-                        </a:spcBef>
-                      </a:pPr>
-                      <a:endParaRPr sz="900" dirty="0">
-                        <a:latin typeface="AdobeClean-Light"/>
-                        <a:cs typeface="AdobeClean-Light"/>
-                      </a:endParaRPr>
+                      <a:endParaRPr lang="en-US"/>
                     </a:p>
                   </a:txBody>
                   <a:tcPr marL="0" marR="0" marT="58419" marB="0">
@@ -4429,18 +4064,18 @@
                           <a:spcPct val="100000"/>
                         </a:lnSpc>
                         <a:spcBef>
-                          <a:spcPts val="459"/>
+                          <a:spcPts val="460"/>
                         </a:spcBef>
                       </a:pPr>
                       <a:r>
-                        <a:rPr sz="900" spc="0" dirty="0">
+                        <a:rPr lang="en-US" sz="900" spc="0" dirty="0">
                           <a:solidFill>
                             <a:srgbClr val="020302"/>
                           </a:solidFill>
                           <a:latin typeface="AdobeClean-Light"/>
                           <a:cs typeface="AdobeClean-Light"/>
                         </a:rPr>
-                        <a:t>Escalation Management</a:t>
+                        <a:t>上报管理</a:t>
                       </a:r>
                       <a:endParaRPr sz="900" spc="0" dirty="0">
                         <a:latin typeface="AdobeClean-Light"/>
@@ -4474,8 +4109,8 @@
                         </a:lnSpc>
                       </a:pPr>
                       <a:endParaRPr sz="900" spc="0" dirty="0">
-                        <a:latin typeface="Times New Roman"/>
-                        <a:cs typeface="Times New Roman"/>
+                        <a:latin typeface="Times New Roman" panose="02020603050405020304"/>
+                        <a:cs typeface="Times New Roman" panose="02020603050405020304"/>
                       </a:endParaRPr>
                     </a:p>
                   </a:txBody>
@@ -4507,18 +4142,18 @@
                         </a:spcBef>
                       </a:pPr>
                       <a:r>
-                        <a:rPr sz="900" spc="0" dirty="0">
+                        <a:rPr lang="en-US" sz="900" spc="0" dirty="0">
                           <a:solidFill>
                             <a:srgbClr val="020302"/>
                           </a:solidFill>
-                          <a:latin typeface="Wingdings"/>
-                          <a:cs typeface="Wingdings"/>
+                          <a:latin typeface="Wingdings" panose="05000000000000000000"/>
+                          <a:cs typeface="Wingdings" panose="05000000000000000000"/>
                         </a:rPr>
                         <a:t></a:t>
                       </a:r>
                       <a:endParaRPr sz="900" spc="0" dirty="0">
-                        <a:latin typeface="Wingdings"/>
-                        <a:cs typeface="Wingdings"/>
+                        <a:latin typeface="Wingdings" panose="05000000000000000000"/>
+                        <a:cs typeface="Wingdings" panose="05000000000000000000"/>
                       </a:endParaRPr>
                     </a:p>
                   </a:txBody>
@@ -4529,18 +4164,7 @@
                     <a:bodyPr/>
                     <a:lstStyle/>
                     <a:p>
-                      <a:pPr algn="ctr">
-                        <a:lnSpc>
-                          <a:spcPct val="100000"/>
-                        </a:lnSpc>
-                        <a:spcBef>
-                          <a:spcPts val="470"/>
-                        </a:spcBef>
-                      </a:pPr>
-                      <a:endParaRPr sz="900">
-                        <a:latin typeface="Wingdings"/>
-                        <a:cs typeface="Wingdings"/>
-                      </a:endParaRPr>
+                      <a:endParaRPr lang="en-US"/>
                     </a:p>
                   </a:txBody>
                   <a:tcPr marL="0" marR="0" marT="59690" marB="0"/>
@@ -4559,18 +4183,18 @@
                         </a:spcBef>
                       </a:pPr>
                       <a:r>
-                        <a:rPr sz="900" spc="0" dirty="0">
+                        <a:rPr lang="en-US" sz="900" spc="0" dirty="0">
                           <a:solidFill>
                             <a:srgbClr val="020302"/>
                           </a:solidFill>
-                          <a:latin typeface="Wingdings"/>
-                          <a:cs typeface="Wingdings"/>
+                          <a:latin typeface="Wingdings" panose="05000000000000000000"/>
+                          <a:cs typeface="Wingdings" panose="05000000000000000000"/>
                         </a:rPr>
                         <a:t></a:t>
                       </a:r>
                       <a:endParaRPr sz="900" spc="0">
-                        <a:latin typeface="Wingdings"/>
-                        <a:cs typeface="Wingdings"/>
+                        <a:latin typeface="Wingdings" panose="05000000000000000000"/>
+                        <a:cs typeface="Wingdings" panose="05000000000000000000"/>
                       </a:endParaRPr>
                     </a:p>
                   </a:txBody>
@@ -4590,18 +4214,18 @@
                         </a:spcBef>
                       </a:pPr>
                       <a:r>
-                        <a:rPr sz="900" spc="0" dirty="0">
+                        <a:rPr lang="en-US" sz="900" spc="0" dirty="0">
                           <a:solidFill>
                             <a:srgbClr val="020302"/>
                           </a:solidFill>
-                          <a:latin typeface="Wingdings"/>
-                          <a:cs typeface="Wingdings"/>
+                          <a:latin typeface="Wingdings" panose="05000000000000000000"/>
+                          <a:cs typeface="Wingdings" panose="05000000000000000000"/>
                         </a:rPr>
                         <a:t></a:t>
                       </a:r>
                       <a:endParaRPr sz="900" spc="0" dirty="0">
-                        <a:latin typeface="Wingdings"/>
-                        <a:cs typeface="Wingdings"/>
+                        <a:latin typeface="Wingdings" panose="05000000000000000000"/>
+                        <a:cs typeface="Wingdings" panose="05000000000000000000"/>
                       </a:endParaRPr>
                     </a:p>
                   </a:txBody>
@@ -4626,18 +4250,7 @@
                     <a:bodyPr/>
                     <a:lstStyle/>
                     <a:p>
-                      <a:pPr marL="50800">
-                        <a:lnSpc>
-                          <a:spcPct val="100000"/>
-                        </a:lnSpc>
-                        <a:spcBef>
-                          <a:spcPts val="450"/>
-                        </a:spcBef>
-                      </a:pPr>
-                      <a:endParaRPr sz="900" dirty="0">
-                        <a:latin typeface="AdobeClean-Light"/>
-                        <a:cs typeface="AdobeClean-Light"/>
-                      </a:endParaRPr>
+                      <a:endParaRPr lang="en-US"/>
                     </a:p>
                   </a:txBody>
                   <a:tcPr marL="0" marR="0" marT="57150" marB="0">
@@ -4675,14 +4288,14 @@
                         </a:spcBef>
                       </a:pPr>
                       <a:r>
-                        <a:rPr sz="900" spc="0" dirty="0">
+                        <a:rPr lang="en-US" sz="900" spc="0" dirty="0">
                           <a:solidFill>
                             <a:srgbClr val="020302"/>
                           </a:solidFill>
                           <a:latin typeface="AdobeClean-Light"/>
                           <a:cs typeface="AdobeClean-Light"/>
                         </a:rPr>
-                        <a:t>Service Reviews  per Year</a:t>
+                        <a:t>每年服务审查次数</a:t>
                       </a:r>
                       <a:endParaRPr sz="900" spc="0" dirty="0">
                         <a:latin typeface="AdobeClean-Light"/>
@@ -4716,8 +4329,8 @@
                         </a:lnSpc>
                       </a:pPr>
                       <a:endParaRPr sz="900" spc="0" dirty="0">
-                        <a:latin typeface="Times New Roman"/>
-                        <a:cs typeface="Times New Roman"/>
+                        <a:latin typeface="Times New Roman" panose="02020603050405020304"/>
+                        <a:cs typeface="Times New Roman" panose="02020603050405020304"/>
                       </a:endParaRPr>
                     </a:p>
                   </a:txBody>
@@ -4746,8 +4359,8 @@
                         </a:lnSpc>
                       </a:pPr>
                       <a:endParaRPr sz="900" spc="0">
-                        <a:latin typeface="Times New Roman"/>
-                        <a:cs typeface="Times New Roman"/>
+                        <a:latin typeface="Times New Roman" panose="02020603050405020304"/>
+                        <a:cs typeface="Times New Roman" panose="02020603050405020304"/>
                       </a:endParaRPr>
                     </a:p>
                   </a:txBody>
@@ -4758,15 +4371,7 @@
                     <a:bodyPr/>
                     <a:lstStyle/>
                     <a:p>
-                      <a:pPr>
-                        <a:lnSpc>
-                          <a:spcPct val="100000"/>
-                        </a:lnSpc>
-                      </a:pPr>
-                      <a:endParaRPr sz="900">
-                        <a:latin typeface="Times New Roman"/>
-                        <a:cs typeface="Times New Roman"/>
-                      </a:endParaRPr>
+                      <a:endParaRPr lang="en-US"/>
                     </a:p>
                   </a:txBody>
                   <a:tcPr marL="0" marR="0" marT="0" marB="0"/>
@@ -4785,7 +4390,7 @@
                         </a:spcBef>
                       </a:pPr>
                       <a:r>
-                        <a:rPr sz="900" spc="0" dirty="0">
+                        <a:rPr lang="en-US" sz="900" spc="0" dirty="0">
                           <a:solidFill>
                             <a:srgbClr val="020302"/>
                           </a:solidFill>
@@ -4816,7 +4421,7 @@
                         </a:spcBef>
                       </a:pPr>
                       <a:r>
-                        <a:rPr sz="900" spc="0" dirty="0">
+                        <a:rPr lang="en-US" sz="900" spc="0" dirty="0">
                           <a:solidFill>
                             <a:srgbClr val="020302"/>
                           </a:solidFill>
@@ -4875,7 +4480,7 @@
                           <a:latin typeface="AdobeClean-Light"/>
                           <a:cs typeface="AdobeClean-Light"/>
                         </a:rPr>
-                        <a:t>Expert Sessions per Year</a:t>
+                        <a:t>每年专家讲座数</a:t>
                       </a:r>
                       <a:endParaRPr sz="900" spc="0" dirty="0">
                         <a:latin typeface="AdobeClean-Light"/>
@@ -4915,8 +4520,8 @@
                         </a:lnSpc>
                       </a:pPr>
                       <a:endParaRPr sz="900" spc="0" dirty="0">
-                        <a:latin typeface="Times New Roman"/>
-                        <a:cs typeface="Times New Roman"/>
+                        <a:latin typeface="Times New Roman" panose="02020603050405020304"/>
+                        <a:cs typeface="Times New Roman" panose="02020603050405020304"/>
                       </a:endParaRPr>
                     </a:p>
                   </a:txBody>
@@ -4948,8 +4553,8 @@
                         </a:lnSpc>
                       </a:pPr>
                       <a:endParaRPr sz="900" spc="0" dirty="0">
-                        <a:latin typeface="Times New Roman"/>
-                        <a:cs typeface="Times New Roman"/>
+                        <a:latin typeface="Times New Roman" panose="02020603050405020304"/>
+                        <a:cs typeface="Times New Roman" panose="02020603050405020304"/>
                       </a:endParaRPr>
                     </a:p>
                   </a:txBody>
@@ -5030,7 +4635,7 @@
                 </a:tc>
                 <a:extLst>
                   <a:ext uri="{0D108BD9-81ED-4DB2-BD59-A6C34878D82A}">
-                    <a16:rowId xmlns:a16="http://schemas.microsoft.com/office/drawing/2014/main" val="2737097922"/>
+                    <a16:rowId xmlns:a16="http://schemas.microsoft.com/office/drawing/2014/main" val="10011"/>
                   </a:ext>
                 </a:extLst>
               </a:tr>
@@ -5063,7 +4668,7 @@
                           <a:latin typeface="AdobeClean-Light"/>
                           <a:cs typeface="AdobeClean-Light"/>
                         </a:rPr>
-                        <a:t>Case Reviews</a:t>
+                        <a:t>案例审查</a:t>
                       </a:r>
                       <a:endParaRPr sz="900" spc="0" dirty="0">
                         <a:latin typeface="AdobeClean-Light"/>
@@ -5103,8 +4708,8 @@
                         </a:lnSpc>
                       </a:pPr>
                       <a:endParaRPr sz="900" spc="0" dirty="0">
-                        <a:latin typeface="Times New Roman"/>
-                        <a:cs typeface="Times New Roman"/>
+                        <a:latin typeface="Times New Roman" panose="02020603050405020304"/>
+                        <a:cs typeface="Times New Roman" panose="02020603050405020304"/>
                       </a:endParaRPr>
                     </a:p>
                   </a:txBody>
@@ -5136,8 +4741,8 @@
                         </a:lnSpc>
                       </a:pPr>
                       <a:endParaRPr sz="900" spc="0" dirty="0">
-                        <a:latin typeface="Times New Roman"/>
-                        <a:cs typeface="Times New Roman"/>
+                        <a:latin typeface="Times New Roman" panose="02020603050405020304"/>
+                        <a:cs typeface="Times New Roman" panose="02020603050405020304"/>
                       </a:endParaRPr>
                     </a:p>
                   </a:txBody>
@@ -5172,7 +4777,6 @@
                         <a:buSzTx/>
                         <a:buFontTx/>
                         <a:buNone/>
-                        <a:tabLst/>
                         <a:defRPr/>
                       </a:pPr>
                       <a:r>
@@ -5180,14 +4784,14 @@
                           <a:solidFill>
                             <a:srgbClr val="020302"/>
                           </a:solidFill>
-                          <a:latin typeface="Wingdings"/>
-                          <a:cs typeface="Wingdings"/>
+                          <a:latin typeface="Wingdings" panose="05000000000000000000"/>
+                          <a:cs typeface="Wingdings" panose="05000000000000000000"/>
                         </a:rPr>
                         <a:t></a:t>
                       </a:r>
                       <a:endParaRPr lang="en-US" sz="900" spc="0" dirty="0">
-                        <a:latin typeface="Wingdings"/>
-                        <a:cs typeface="Wingdings"/>
+                        <a:latin typeface="Wingdings" panose="05000000000000000000"/>
+                        <a:cs typeface="Wingdings" panose="05000000000000000000"/>
                       </a:endParaRPr>
                     </a:p>
                   </a:txBody>
@@ -5212,7 +4816,6 @@
                         <a:buSzTx/>
                         <a:buFontTx/>
                         <a:buNone/>
-                        <a:tabLst/>
                         <a:defRPr/>
                       </a:pPr>
                       <a:r>
@@ -5220,14 +4823,14 @@
                           <a:solidFill>
                             <a:srgbClr val="020302"/>
                           </a:solidFill>
-                          <a:latin typeface="Wingdings"/>
-                          <a:cs typeface="Wingdings"/>
+                          <a:latin typeface="Wingdings" panose="05000000000000000000"/>
+                          <a:cs typeface="Wingdings" panose="05000000000000000000"/>
                         </a:rPr>
                         <a:t></a:t>
                       </a:r>
                       <a:endParaRPr lang="en-US" sz="900" spc="0" dirty="0">
-                        <a:latin typeface="Wingdings"/>
-                        <a:cs typeface="Wingdings"/>
+                        <a:latin typeface="Wingdings" panose="05000000000000000000"/>
+                        <a:cs typeface="Wingdings" panose="05000000000000000000"/>
                       </a:endParaRPr>
                     </a:p>
                   </a:txBody>
@@ -5242,7 +4845,7 @@
                 </a:tc>
                 <a:extLst>
                   <a:ext uri="{0D108BD9-81ED-4DB2-BD59-A6C34878D82A}">
-                    <a16:rowId xmlns:a16="http://schemas.microsoft.com/office/drawing/2014/main" val="295226743"/>
+                    <a16:rowId xmlns:a16="http://schemas.microsoft.com/office/drawing/2014/main" val="10012"/>
                   </a:ext>
                 </a:extLst>
               </a:tr>
@@ -5252,18 +4855,7 @@
                     <a:bodyPr/>
                     <a:lstStyle/>
                     <a:p>
-                      <a:pPr marL="48895">
-                        <a:lnSpc>
-                          <a:spcPct val="100000"/>
-                        </a:lnSpc>
-                        <a:spcBef>
-                          <a:spcPts val="459"/>
-                        </a:spcBef>
-                      </a:pPr>
-                      <a:endParaRPr sz="900" dirty="0">
-                        <a:latin typeface="AdobeClean-Light"/>
-                        <a:cs typeface="AdobeClean-Light"/>
-                      </a:endParaRPr>
+                      <a:endParaRPr lang="en-US"/>
                     </a:p>
                   </a:txBody>
                   <a:tcPr marL="0" marR="0" marT="58419" marB="0">
@@ -5297,18 +4889,18 @@
                           <a:spcPct val="100000"/>
                         </a:lnSpc>
                         <a:spcBef>
-                          <a:spcPts val="459"/>
+                          <a:spcPts val="460"/>
                         </a:spcBef>
                       </a:pPr>
                       <a:r>
-                        <a:rPr sz="900" spc="0" dirty="0">
+                        <a:rPr lang="en-US" sz="900" spc="0" dirty="0">
                           <a:solidFill>
                             <a:srgbClr val="020302"/>
                           </a:solidFill>
                           <a:latin typeface="AdobeClean-Light"/>
                           <a:cs typeface="AdobeClean-Light"/>
                         </a:rPr>
-                        <a:t>Event Management</a:t>
+                        <a:t>事件管理</a:t>
                       </a:r>
                       <a:endParaRPr sz="900" spc="0" dirty="0">
                         <a:latin typeface="AdobeClean-Light"/>
@@ -5342,8 +4934,8 @@
                         </a:lnSpc>
                       </a:pPr>
                       <a:endParaRPr sz="900" spc="0" dirty="0">
-                        <a:latin typeface="Times New Roman"/>
-                        <a:cs typeface="Times New Roman"/>
+                        <a:latin typeface="Times New Roman" panose="02020603050405020304"/>
+                        <a:cs typeface="Times New Roman" panose="02020603050405020304"/>
                       </a:endParaRPr>
                     </a:p>
                   </a:txBody>
@@ -5372,8 +4964,8 @@
                         </a:lnSpc>
                       </a:pPr>
                       <a:endParaRPr sz="900" spc="0">
-                        <a:latin typeface="Times New Roman"/>
-                        <a:cs typeface="Times New Roman"/>
+                        <a:latin typeface="Times New Roman" panose="02020603050405020304"/>
+                        <a:cs typeface="Times New Roman" panose="02020603050405020304"/>
                       </a:endParaRPr>
                     </a:p>
                   </a:txBody>
@@ -5384,15 +4976,7 @@
                     <a:bodyPr/>
                     <a:lstStyle/>
                     <a:p>
-                      <a:pPr>
-                        <a:lnSpc>
-                          <a:spcPct val="100000"/>
-                        </a:lnSpc>
-                      </a:pPr>
-                      <a:endParaRPr sz="900">
-                        <a:latin typeface="Times New Roman"/>
-                        <a:cs typeface="Times New Roman"/>
-                      </a:endParaRPr>
+                      <a:endParaRPr lang="en-US"/>
                     </a:p>
                   </a:txBody>
                   <a:tcPr marL="0" marR="0" marT="0" marB="0"/>
@@ -5408,8 +4992,8 @@
                         </a:lnSpc>
                       </a:pPr>
                       <a:endParaRPr sz="900" spc="0" dirty="0">
-                        <a:latin typeface="Times New Roman"/>
-                        <a:cs typeface="Times New Roman"/>
+                        <a:latin typeface="Times New Roman" panose="02020603050405020304"/>
+                        <a:cs typeface="Times New Roman" panose="02020603050405020304"/>
                       </a:endParaRPr>
                     </a:p>
                   </a:txBody>
@@ -5429,18 +5013,18 @@
                         </a:spcBef>
                       </a:pPr>
                       <a:r>
-                        <a:rPr sz="900" spc="0" dirty="0">
+                        <a:rPr lang="en-US" sz="900" spc="0" dirty="0">
                           <a:solidFill>
                             <a:srgbClr val="020302"/>
                           </a:solidFill>
-                          <a:latin typeface="Wingdings"/>
-                          <a:cs typeface="Wingdings"/>
+                          <a:latin typeface="Wingdings" panose="05000000000000000000"/>
+                          <a:cs typeface="Wingdings" panose="05000000000000000000"/>
                         </a:rPr>
                         <a:t></a:t>
                       </a:r>
                       <a:endParaRPr sz="900" spc="0" dirty="0">
-                        <a:latin typeface="Wingdings"/>
-                        <a:cs typeface="Wingdings"/>
+                        <a:latin typeface="Wingdings" panose="05000000000000000000"/>
+                        <a:cs typeface="Wingdings" panose="05000000000000000000"/>
                       </a:endParaRPr>
                     </a:p>
                   </a:txBody>
@@ -5455,7 +5039,7 @@
                 </a:tc>
                 <a:extLst>
                   <a:ext uri="{0D108BD9-81ED-4DB2-BD59-A6C34878D82A}">
-                    <a16:rowId xmlns:a16="http://schemas.microsoft.com/office/drawing/2014/main" val="10011"/>
+                    <a16:rowId xmlns:a16="http://schemas.microsoft.com/office/drawing/2014/main" val="10013"/>
                   </a:ext>
                 </a:extLst>
               </a:tr>
@@ -5465,18 +5049,7 @@
                     <a:bodyPr/>
                     <a:lstStyle/>
                     <a:p>
-                      <a:pPr marL="48895">
-                        <a:lnSpc>
-                          <a:spcPct val="100000"/>
-                        </a:lnSpc>
-                        <a:spcBef>
-                          <a:spcPts val="465"/>
-                        </a:spcBef>
-                      </a:pPr>
-                      <a:endParaRPr sz="900" dirty="0">
-                        <a:latin typeface="AdobeClean-Light"/>
-                        <a:cs typeface="AdobeClean-Light"/>
-                      </a:endParaRPr>
+                      <a:endParaRPr lang="en-US"/>
                     </a:p>
                   </a:txBody>
                   <a:tcPr marL="0" marR="0" marT="59055" marB="0">
@@ -5523,16 +5096,6 @@
                         </a:spcBef>
                       </a:pPr>
                       <a:r>
-                        <a:rPr sz="900" spc="0" dirty="0">
-                          <a:solidFill>
-                            <a:srgbClr val="020302"/>
-                          </a:solidFill>
-                          <a:latin typeface="AdobeClean-Light"/>
-                          <a:cs typeface="AdobeClean-Light"/>
-                        </a:rPr>
-                        <a:t>Environment</a:t>
-                      </a:r>
-                      <a:r>
                         <a:rPr lang="en-US" sz="900" spc="0" dirty="0">
                           <a:solidFill>
                             <a:srgbClr val="020302"/>
@@ -5540,27 +5103,7 @@
                           <a:latin typeface="AdobeClean-Light"/>
                           <a:cs typeface="AdobeClean-Light"/>
                         </a:rPr>
-                        <a:t> </a:t>
-                      </a:r>
-                      <a:r>
-                        <a:rPr sz="900" spc="0" dirty="0">
-                          <a:solidFill>
-                            <a:srgbClr val="020302"/>
-                          </a:solidFill>
-                          <a:latin typeface="AdobeClean-Light"/>
-                          <a:cs typeface="AdobeClean-Light"/>
-                        </a:rPr>
-                        <a:t>Review, Maintenance &amp; Monitoring</a:t>
-                      </a:r>
-                      <a:r>
-                        <a:rPr lang="en-US" sz="900" spc="0" dirty="0">
-                          <a:solidFill>
-                            <a:srgbClr val="020302"/>
-                          </a:solidFill>
-                          <a:latin typeface="AdobeClean-Light"/>
-                          <a:cs typeface="AdobeClean-Light"/>
-                        </a:rPr>
-                        <a:t>,</a:t>
+                        <a:t>环境审查、维护和监控，</a:t>
                       </a:r>
                       <a:endParaRPr sz="900" spc="0" dirty="0">
                         <a:latin typeface="AdobeClean-Light"/>
@@ -5600,8 +5143,8 @@
                         </a:lnSpc>
                       </a:pPr>
                       <a:endParaRPr sz="900" spc="0" dirty="0">
-                        <a:latin typeface="Times New Roman"/>
-                        <a:cs typeface="Times New Roman"/>
+                        <a:latin typeface="Times New Roman" panose="02020603050405020304"/>
+                        <a:cs typeface="Times New Roman" panose="02020603050405020304"/>
                       </a:endParaRPr>
                     </a:p>
                   </a:txBody>
@@ -5633,8 +5176,8 @@
                         </a:lnSpc>
                       </a:pPr>
                       <a:endParaRPr sz="900" spc="0">
-                        <a:latin typeface="Times New Roman"/>
-                        <a:cs typeface="Times New Roman"/>
+                        <a:latin typeface="Times New Roman" panose="02020603050405020304"/>
+                        <a:cs typeface="Times New Roman" panose="02020603050405020304"/>
                       </a:endParaRPr>
                     </a:p>
                   </a:txBody>
@@ -5645,15 +5188,7 @@
                     <a:bodyPr/>
                     <a:lstStyle/>
                     <a:p>
-                      <a:pPr>
-                        <a:lnSpc>
-                          <a:spcPct val="100000"/>
-                        </a:lnSpc>
-                      </a:pPr>
-                      <a:endParaRPr sz="900">
-                        <a:latin typeface="Times New Roman"/>
-                        <a:cs typeface="Times New Roman"/>
-                      </a:endParaRPr>
+                      <a:endParaRPr lang="en-US"/>
                     </a:p>
                   </a:txBody>
                   <a:tcPr marL="0" marR="0" marT="0" marB="0"/>
@@ -5669,8 +5204,8 @@
                         </a:lnSpc>
                       </a:pPr>
                       <a:endParaRPr sz="900" spc="0">
-                        <a:latin typeface="Times New Roman"/>
-                        <a:cs typeface="Times New Roman"/>
+                        <a:latin typeface="Times New Roman" panose="02020603050405020304"/>
+                        <a:cs typeface="Times New Roman" panose="02020603050405020304"/>
                       </a:endParaRPr>
                     </a:p>
                   </a:txBody>
@@ -5690,18 +5225,18 @@
                         </a:spcBef>
                       </a:pPr>
                       <a:r>
-                        <a:rPr sz="900" spc="0" dirty="0">
+                        <a:rPr lang="en-US" sz="900" spc="0" dirty="0">
                           <a:solidFill>
                             <a:srgbClr val="020302"/>
                           </a:solidFill>
-                          <a:latin typeface="Wingdings"/>
-                          <a:cs typeface="Wingdings"/>
+                          <a:latin typeface="Wingdings" panose="05000000000000000000"/>
+                          <a:cs typeface="Wingdings" panose="05000000000000000000"/>
                         </a:rPr>
                         <a:t></a:t>
                       </a:r>
                       <a:endParaRPr sz="900" spc="0" dirty="0">
-                        <a:latin typeface="Wingdings"/>
-                        <a:cs typeface="Wingdings"/>
+                        <a:latin typeface="Wingdings" panose="05000000000000000000"/>
+                        <a:cs typeface="Wingdings" panose="05000000000000000000"/>
                       </a:endParaRPr>
                     </a:p>
                   </a:txBody>
@@ -5716,7 +5251,7 @@
                 </a:tc>
                 <a:extLst>
                   <a:ext uri="{0D108BD9-81ED-4DB2-BD59-A6C34878D82A}">
-                    <a16:rowId xmlns:a16="http://schemas.microsoft.com/office/drawing/2014/main" val="10012"/>
+                    <a16:rowId xmlns:a16="http://schemas.microsoft.com/office/drawing/2014/main" val="10014"/>
                   </a:ext>
                 </a:extLst>
               </a:tr>
@@ -5726,18 +5261,7 @@
                     <a:bodyPr/>
                     <a:lstStyle/>
                     <a:p>
-                      <a:pPr marL="49530">
-                        <a:lnSpc>
-                          <a:spcPct val="100000"/>
-                        </a:lnSpc>
-                        <a:spcBef>
-                          <a:spcPts val="500"/>
-                        </a:spcBef>
-                      </a:pPr>
-                      <a:endParaRPr sz="900" dirty="0">
-                        <a:latin typeface="AdobeClean-Light"/>
-                        <a:cs typeface="AdobeClean-Light"/>
-                      </a:endParaRPr>
+                      <a:endParaRPr lang="en-US"/>
                     </a:p>
                   </a:txBody>
                   <a:tcPr marL="0" marR="0" marT="63500" marB="0">
@@ -5775,14 +5299,14 @@
                         </a:spcBef>
                       </a:pPr>
                       <a:r>
-                        <a:rPr sz="900" spc="0" dirty="0">
+                        <a:rPr lang="en-US" sz="900" spc="0" dirty="0">
                           <a:solidFill>
                             <a:srgbClr val="020302"/>
                           </a:solidFill>
                           <a:latin typeface="AdobeClean-Light"/>
                           <a:cs typeface="AdobeClean-Light"/>
                         </a:rPr>
-                        <a:t>Release, Migration, Upgrade &amp; Product Roadmap Review</a:t>
+                        <a:t>发布、迁移、升级和产品路线图审查</a:t>
                       </a:r>
                       <a:endParaRPr sz="900" spc="0" dirty="0">
                         <a:latin typeface="AdobeClean-Light"/>
@@ -5816,8 +5340,8 @@
                         </a:lnSpc>
                       </a:pPr>
                       <a:endParaRPr sz="900" spc="0" dirty="0">
-                        <a:latin typeface="Times New Roman"/>
-                        <a:cs typeface="Times New Roman"/>
+                        <a:latin typeface="Times New Roman" panose="02020603050405020304"/>
+                        <a:cs typeface="Times New Roman" panose="02020603050405020304"/>
                       </a:endParaRPr>
                     </a:p>
                   </a:txBody>
@@ -5846,8 +5370,8 @@
                         </a:lnSpc>
                       </a:pPr>
                       <a:endParaRPr sz="900" spc="0">
-                        <a:latin typeface="Times New Roman"/>
-                        <a:cs typeface="Times New Roman"/>
+                        <a:latin typeface="Times New Roman" panose="02020603050405020304"/>
+                        <a:cs typeface="Times New Roman" panose="02020603050405020304"/>
                       </a:endParaRPr>
                     </a:p>
                   </a:txBody>
@@ -5858,15 +5382,7 @@
                     <a:bodyPr/>
                     <a:lstStyle/>
                     <a:p>
-                      <a:pPr>
-                        <a:lnSpc>
-                          <a:spcPct val="100000"/>
-                        </a:lnSpc>
-                      </a:pPr>
-                      <a:endParaRPr sz="900">
-                        <a:latin typeface="Times New Roman"/>
-                        <a:cs typeface="Times New Roman"/>
-                      </a:endParaRPr>
+                      <a:endParaRPr lang="en-US"/>
                     </a:p>
                   </a:txBody>
                   <a:tcPr marL="0" marR="0" marT="0" marB="0"/>
@@ -5882,8 +5398,8 @@
                         </a:lnSpc>
                       </a:pPr>
                       <a:endParaRPr sz="900" spc="0" dirty="0">
-                        <a:latin typeface="Times New Roman"/>
-                        <a:cs typeface="Times New Roman"/>
+                        <a:latin typeface="Times New Roman" panose="02020603050405020304"/>
+                        <a:cs typeface="Times New Roman" panose="02020603050405020304"/>
                       </a:endParaRPr>
                     </a:p>
                   </a:txBody>
@@ -5903,18 +5419,18 @@
                         </a:spcBef>
                       </a:pPr>
                       <a:r>
-                        <a:rPr sz="900" spc="0" dirty="0">
+                        <a:rPr lang="en-US" sz="900" spc="0" dirty="0">
                           <a:solidFill>
                             <a:srgbClr val="020302"/>
                           </a:solidFill>
-                          <a:latin typeface="Wingdings"/>
-                          <a:cs typeface="Wingdings"/>
+                          <a:latin typeface="Wingdings" panose="05000000000000000000"/>
+                          <a:cs typeface="Wingdings" panose="05000000000000000000"/>
                         </a:rPr>
                         <a:t></a:t>
                       </a:r>
                       <a:endParaRPr sz="900" spc="0">
-                        <a:latin typeface="Wingdings"/>
-                        <a:cs typeface="Wingdings"/>
+                        <a:latin typeface="Wingdings" panose="05000000000000000000"/>
+                        <a:cs typeface="Wingdings" panose="05000000000000000000"/>
                       </a:endParaRPr>
                     </a:p>
                   </a:txBody>
@@ -5929,7 +5445,7 @@
                 </a:tc>
                 <a:extLst>
                   <a:ext uri="{0D108BD9-81ED-4DB2-BD59-A6C34878D82A}">
-                    <a16:rowId xmlns:a16="http://schemas.microsoft.com/office/drawing/2014/main" val="10013"/>
+                    <a16:rowId xmlns:a16="http://schemas.microsoft.com/office/drawing/2014/main" val="10015"/>
                   </a:ext>
                 </a:extLst>
               </a:tr>
@@ -5939,18 +5455,7 @@
                     <a:bodyPr/>
                     <a:lstStyle/>
                     <a:p>
-                      <a:pPr marL="49530">
-                        <a:lnSpc>
-                          <a:spcPct val="100000"/>
-                        </a:lnSpc>
-                        <a:spcBef>
-                          <a:spcPts val="530"/>
-                        </a:spcBef>
-                      </a:pPr>
-                      <a:endParaRPr sz="900" dirty="0">
-                        <a:latin typeface="AdobeClean-Light"/>
-                        <a:cs typeface="AdobeClean-Light"/>
-                      </a:endParaRPr>
+                      <a:endParaRPr lang="en-US"/>
                     </a:p>
                   </a:txBody>
                   <a:tcPr marL="0" marR="0" marT="67310" marB="0">
@@ -5997,11 +5502,11 @@
                         </a:spcBef>
                       </a:pPr>
                       <a:r>
-                        <a:rPr sz="900" spc="0" dirty="0">
+                        <a:rPr lang="en-US" sz="900" spc="0" dirty="0">
                           <a:latin typeface="AdobeClean-Light"/>
                           <a:cs typeface="AdobeClean-Light"/>
                         </a:rPr>
-                        <a:t>Cloud Support Activities – Experience Manager as Cloud</a:t>
+                        <a:t>云支持活动 - Experience Manager as Cloud</a:t>
                       </a:r>
                     </a:p>
                   </a:txBody>
@@ -6037,8 +5542,8 @@
                         </a:lnSpc>
                       </a:pPr>
                       <a:endParaRPr sz="900" spc="0" dirty="0">
-                        <a:latin typeface="Times New Roman"/>
-                        <a:cs typeface="Times New Roman"/>
+                        <a:latin typeface="Times New Roman" panose="02020603050405020304"/>
+                        <a:cs typeface="Times New Roman" panose="02020603050405020304"/>
                       </a:endParaRPr>
                     </a:p>
                   </a:txBody>
@@ -6073,8 +5578,8 @@
                         </a:lnSpc>
                       </a:pPr>
                       <a:endParaRPr sz="900" spc="0" dirty="0">
-                        <a:latin typeface="Times New Roman"/>
-                        <a:cs typeface="Times New Roman"/>
+                        <a:latin typeface="Times New Roman" panose="02020603050405020304"/>
+                        <a:cs typeface="Times New Roman" panose="02020603050405020304"/>
                       </a:endParaRPr>
                     </a:p>
                   </a:txBody>
@@ -6092,15 +5597,7 @@
                     <a:bodyPr/>
                     <a:lstStyle/>
                     <a:p>
-                      <a:pPr>
-                        <a:lnSpc>
-                          <a:spcPct val="100000"/>
-                        </a:lnSpc>
-                      </a:pPr>
-                      <a:endParaRPr sz="900">
-                        <a:latin typeface="Times New Roman"/>
-                        <a:cs typeface="Times New Roman"/>
-                      </a:endParaRPr>
+                      <a:endParaRPr lang="en-US"/>
                     </a:p>
                   </a:txBody>
                   <a:tcPr marL="0" marR="0" marT="0" marB="0">
@@ -6129,18 +5626,18 @@
                         </a:spcBef>
                       </a:pPr>
                       <a:r>
-                        <a:rPr sz="900" spc="0" dirty="0">
+                        <a:rPr lang="en-US" sz="900" spc="0" dirty="0">
                           <a:solidFill>
                             <a:srgbClr val="020302"/>
                           </a:solidFill>
-                          <a:latin typeface="Wingdings"/>
-                          <a:cs typeface="Wingdings"/>
+                          <a:latin typeface="Wingdings" panose="05000000000000000000"/>
+                          <a:cs typeface="Wingdings" panose="05000000000000000000"/>
                         </a:rPr>
                         <a:t></a:t>
                       </a:r>
                       <a:endParaRPr sz="900" spc="0" dirty="0">
-                        <a:latin typeface="Wingdings"/>
-                        <a:cs typeface="Wingdings"/>
+                        <a:latin typeface="Wingdings" panose="05000000000000000000"/>
+                        <a:cs typeface="Wingdings" panose="05000000000000000000"/>
                       </a:endParaRPr>
                     </a:p>
                   </a:txBody>
@@ -6167,18 +5664,18 @@
                         </a:spcBef>
                       </a:pPr>
                       <a:r>
-                        <a:rPr sz="900" spc="0" dirty="0">
+                        <a:rPr lang="en-US" sz="900" spc="0" dirty="0">
                           <a:solidFill>
                             <a:srgbClr val="020302"/>
                           </a:solidFill>
-                          <a:latin typeface="Wingdings"/>
-                          <a:cs typeface="Wingdings"/>
+                          <a:latin typeface="Wingdings" panose="05000000000000000000"/>
+                          <a:cs typeface="Wingdings" panose="05000000000000000000"/>
                         </a:rPr>
                         <a:t></a:t>
                       </a:r>
                       <a:endParaRPr sz="900" spc="0" dirty="0">
-                        <a:latin typeface="Wingdings"/>
-                        <a:cs typeface="Wingdings"/>
+                        <a:latin typeface="Wingdings" panose="05000000000000000000"/>
+                        <a:cs typeface="Wingdings" panose="05000000000000000000"/>
                       </a:endParaRPr>
                     </a:p>
                   </a:txBody>
@@ -6199,7 +5696,7 @@
                 </a:tc>
                 <a:extLst>
                   <a:ext uri="{0D108BD9-81ED-4DB2-BD59-A6C34878D82A}">
-                    <a16:rowId xmlns:a16="http://schemas.microsoft.com/office/drawing/2014/main" val="10014"/>
+                    <a16:rowId xmlns:a16="http://schemas.microsoft.com/office/drawing/2014/main" val="10016"/>
                   </a:ext>
                 </a:extLst>
               </a:tr>
@@ -6225,7 +5722,7 @@
                           <a:latin typeface="Adobe Clean" panose="020B0503020404020204" pitchFamily="34" charset="0"/>
                           <a:cs typeface="AdobeClean-Light"/>
                         </a:rPr>
-                        <a:t>Field Services</a:t>
+                        <a:t>现场服务</a:t>
                       </a:r>
                       <a:endParaRPr sz="1000" b="1" i="0" spc="0" dirty="0">
                         <a:solidFill>
@@ -6286,16 +5783,6 @@
                         </a:spcBef>
                       </a:pPr>
                       <a:r>
-                        <a:rPr sz="900" spc="0" dirty="0">
-                          <a:solidFill>
-                            <a:srgbClr val="020302"/>
-                          </a:solidFill>
-                          <a:latin typeface="AdobeClean-Light"/>
-                          <a:cs typeface="AdobeClean-Light"/>
-                        </a:rPr>
-                        <a:t>Launch Advisory Services – First Year of </a:t>
-                      </a:r>
-                      <a:r>
                         <a:rPr lang="en-US" sz="900" spc="0" dirty="0">
                           <a:solidFill>
                             <a:srgbClr val="020302"/>
@@ -6303,17 +5790,7 @@
                           <a:latin typeface="AdobeClean-Light"/>
                           <a:cs typeface="AdobeClean-Light"/>
                         </a:rPr>
-                        <a:t>a </a:t>
-                      </a:r>
-                      <a:r>
-                        <a:rPr sz="900" spc="0" dirty="0">
-                          <a:solidFill>
-                            <a:srgbClr val="020302"/>
-                          </a:solidFill>
-                          <a:latin typeface="AdobeClean-Light"/>
-                          <a:cs typeface="AdobeClean-Light"/>
-                        </a:rPr>
-                        <a:t>new solution</a:t>
+                        <a:t>Launch Advisory Services – 新解决方案的第一年</a:t>
                       </a:r>
                       <a:endParaRPr sz="900" spc="0" dirty="0">
                         <a:latin typeface="AdobeClean-Light"/>
@@ -6330,11 +5807,11 @@
                         </a:spcBef>
                       </a:pPr>
                       <a:r>
-                        <a:rPr sz="900" spc="0" dirty="0">
+                        <a:rPr lang="en-US" sz="900" spc="0" dirty="0">
                           <a:latin typeface="AdobeClean-Light"/>
                           <a:cs typeface="AdobeClean-Light"/>
                         </a:rPr>
-                        <a:t>Field Service Activities</a:t>
+                        <a:t>现场服务活动</a:t>
                       </a:r>
                     </a:p>
                   </a:txBody>
@@ -6376,8 +5853,8 @@
                         </a:lnSpc>
                       </a:pPr>
                       <a:endParaRPr sz="900" spc="0" dirty="0">
-                        <a:latin typeface="Times New Roman"/>
-                        <a:cs typeface="Times New Roman"/>
+                        <a:latin typeface="Times New Roman" panose="02020603050405020304"/>
+                        <a:cs typeface="Times New Roman" panose="02020603050405020304"/>
                       </a:endParaRPr>
                     </a:p>
                   </a:txBody>
@@ -6412,8 +5889,8 @@
                         </a:lnSpc>
                       </a:pPr>
                       <a:endParaRPr sz="900" spc="0">
-                        <a:latin typeface="Times New Roman"/>
-                        <a:cs typeface="Times New Roman"/>
+                        <a:latin typeface="Times New Roman" panose="02020603050405020304"/>
+                        <a:cs typeface="Times New Roman" panose="02020603050405020304"/>
                       </a:endParaRPr>
                     </a:p>
                   </a:txBody>
@@ -6431,15 +5908,7 @@
                     <a:bodyPr/>
                     <a:lstStyle/>
                     <a:p>
-                      <a:pPr>
-                        <a:lnSpc>
-                          <a:spcPct val="100000"/>
-                        </a:lnSpc>
-                      </a:pPr>
-                      <a:endParaRPr sz="900">
-                        <a:latin typeface="Times New Roman"/>
-                        <a:cs typeface="Times New Roman"/>
-                      </a:endParaRPr>
+                      <a:endParaRPr lang="en-US"/>
                     </a:p>
                   </a:txBody>
                   <a:tcPr marL="0" marR="0" marT="0" marB="0">
@@ -6468,18 +5937,18 @@
                         </a:spcBef>
                       </a:pPr>
                       <a:r>
-                        <a:rPr sz="900" spc="0" dirty="0">
+                        <a:rPr lang="en-US" sz="900" spc="0" dirty="0">
                           <a:solidFill>
                             <a:srgbClr val="020302"/>
                           </a:solidFill>
-                          <a:latin typeface="Wingdings"/>
-                          <a:cs typeface="Wingdings"/>
+                          <a:latin typeface="Wingdings" panose="05000000000000000000"/>
+                          <a:cs typeface="Wingdings" panose="05000000000000000000"/>
                         </a:rPr>
                         <a:t></a:t>
                       </a:r>
                       <a:endParaRPr sz="900" spc="0">
-                        <a:latin typeface="Wingdings"/>
-                        <a:cs typeface="Wingdings"/>
+                        <a:latin typeface="Wingdings" panose="05000000000000000000"/>
+                        <a:cs typeface="Wingdings" panose="05000000000000000000"/>
                       </a:endParaRPr>
                     </a:p>
                   </a:txBody>
@@ -6506,18 +5975,18 @@
                         </a:spcBef>
                       </a:pPr>
                       <a:r>
-                        <a:rPr sz="900" spc="0" dirty="0">
+                        <a:rPr lang="en-US" sz="900" spc="0" dirty="0">
                           <a:solidFill>
                             <a:srgbClr val="020302"/>
                           </a:solidFill>
-                          <a:latin typeface="Wingdings"/>
-                          <a:cs typeface="Wingdings"/>
+                          <a:latin typeface="Wingdings" panose="05000000000000000000"/>
+                          <a:cs typeface="Wingdings" panose="05000000000000000000"/>
                         </a:rPr>
                         <a:t></a:t>
                       </a:r>
                       <a:endParaRPr sz="900" spc="0" dirty="0">
-                        <a:latin typeface="Wingdings"/>
-                        <a:cs typeface="Wingdings"/>
+                        <a:latin typeface="Wingdings" panose="05000000000000000000"/>
+                        <a:cs typeface="Wingdings" panose="05000000000000000000"/>
                       </a:endParaRPr>
                     </a:p>
                   </a:txBody>
@@ -6538,7 +6007,7 @@
                 </a:tc>
                 <a:extLst>
                   <a:ext uri="{0D108BD9-81ED-4DB2-BD59-A6C34878D82A}">
-                    <a16:rowId xmlns:a16="http://schemas.microsoft.com/office/drawing/2014/main" val="10015"/>
+                    <a16:rowId xmlns:a16="http://schemas.microsoft.com/office/drawing/2014/main" val="10017"/>
                   </a:ext>
                 </a:extLst>
               </a:tr>
@@ -6558,7 +6027,7 @@
                     <a:bodyPr/>
                     <a:lstStyle/>
                     <a:p>
-                      <a:endParaRPr/>
+                      <a:endParaRPr lang="en-US"/>
                     </a:p>
                   </a:txBody>
                   <a:tcPr marL="0" marR="0" marT="48260" marB="0">
@@ -6599,8 +6068,8 @@
                         </a:lnSpc>
                       </a:pPr>
                       <a:endParaRPr sz="900" spc="0" dirty="0">
-                        <a:latin typeface="Times New Roman"/>
-                        <a:cs typeface="Times New Roman"/>
+                        <a:latin typeface="Times New Roman" panose="02020603050405020304"/>
+                        <a:cs typeface="Times New Roman" panose="02020603050405020304"/>
                       </a:endParaRPr>
                     </a:p>
                   </a:txBody>
@@ -6635,8 +6104,8 @@
                         </a:lnSpc>
                       </a:pPr>
                       <a:endParaRPr sz="900" spc="0">
-                        <a:latin typeface="Times New Roman"/>
-                        <a:cs typeface="Times New Roman"/>
+                        <a:latin typeface="Times New Roman" panose="02020603050405020304"/>
+                        <a:cs typeface="Times New Roman" panose="02020603050405020304"/>
                       </a:endParaRPr>
                     </a:p>
                   </a:txBody>
@@ -6654,15 +6123,7 @@
                     <a:bodyPr/>
                     <a:lstStyle/>
                     <a:p>
-                      <a:pPr>
-                        <a:lnSpc>
-                          <a:spcPct val="100000"/>
-                        </a:lnSpc>
-                      </a:pPr>
-                      <a:endParaRPr sz="900">
-                        <a:latin typeface="Times New Roman"/>
-                        <a:cs typeface="Times New Roman"/>
-                      </a:endParaRPr>
+                      <a:endParaRPr lang="en-US"/>
                     </a:p>
                   </a:txBody>
                   <a:tcPr marL="0" marR="0" marT="0" marB="0">
@@ -6688,7 +6149,7 @@
                         </a:spcBef>
                       </a:pPr>
                       <a:r>
-                        <a:rPr sz="900" spc="0" dirty="0">
+                        <a:rPr lang="en-US" sz="900" spc="0" dirty="0">
                           <a:solidFill>
                             <a:srgbClr val="020302"/>
                           </a:solidFill>
@@ -6726,7 +6187,7 @@
                         </a:spcBef>
                       </a:pPr>
                       <a:r>
-                        <a:rPr sz="900" spc="0" dirty="0">
+                        <a:rPr lang="en-US" sz="900" spc="0" dirty="0">
                           <a:solidFill>
                             <a:srgbClr val="020302"/>
                           </a:solidFill>
@@ -6758,7 +6219,7 @@
                 </a:tc>
                 <a:extLst>
                   <a:ext uri="{0D108BD9-81ED-4DB2-BD59-A6C34878D82A}">
-                    <a16:rowId xmlns:a16="http://schemas.microsoft.com/office/drawing/2014/main" val="10016"/>
+                    <a16:rowId xmlns:a16="http://schemas.microsoft.com/office/drawing/2014/main" val="10018"/>
                   </a:ext>
                 </a:extLst>
               </a:tr>
@@ -6779,7 +6240,7 @@
         <p:spPr>
           <a:xfrm>
             <a:off x="5307201" y="9862966"/>
-            <a:ext cx="2270125" cy="132729"/>
+            <a:ext cx="2693799" cy="132729"/>
           </a:xfrm>
           <a:prstGeom prst="rect">
             <a:avLst/>
@@ -6800,23 +6261,15 @@
               </a:spcBef>
             </a:pPr>
             <a:r>
-              <a:rPr spc="-5" dirty="0"/>
-              <a:t>©202</a:t>
-            </a:r>
-            <a:r>
               <a:rPr lang="en-US" spc="-5" dirty="0"/>
-              <a:t>1</a:t>
-            </a:r>
-            <a:r>
-              <a:rPr spc="-5" dirty="0"/>
-              <a:t> Adobe. All Rights Reserved. Adobe</a:t>
-            </a:r>
-            <a:r>
-              <a:rPr spc="60" dirty="0"/>
+              <a:t>©2021 Adobe.All Rights Reserved.Adobe</a:t>
+            </a:r>
+            <a:r>
+              <a:rPr lang="en-US" spc="60" dirty="0"/>
               <a:t> </a:t>
             </a:r>
             <a:r>
-              <a:rPr spc="-5" dirty="0"/>
+              <a:rPr lang="en-US" spc="-5" dirty="0"/>
               <a:t>Confidential.</a:t>
             </a:r>
           </a:p>
@@ -6831,14 +6284,14 @@
           <p:nvPr>
             <p:extLst>
               <p:ext uri="{D42A27DB-BD31-4B8C-83A1-F6EECF244321}">
-                <p14:modId xmlns:p14="http://schemas.microsoft.com/office/powerpoint/2010/main" val="4076912474"/>
+                <p14:modId xmlns:p14="http://schemas.microsoft.com/office/powerpoint/2010/main" val="893930338"/>
               </p:ext>
             </p:extLst>
           </p:nvPr>
         </p:nvGraphicFramePr>
         <p:xfrm>
           <a:off x="33527" y="7483227"/>
-          <a:ext cx="7705343" cy="2346573"/>
+          <a:ext cx="7705343" cy="2088582"/>
         </p:xfrm>
         <a:graphic>
           <a:graphicData uri="http://schemas.openxmlformats.org/drawingml/2006/table">
@@ -6898,14 +6351,14 @@
                         </a:spcBef>
                       </a:pPr>
                       <a:r>
-                        <a:rPr sz="900" spc="0" dirty="0">
+                        <a:rPr lang="en-US" sz="900" spc="0" dirty="0">
                           <a:solidFill>
                             <a:srgbClr val="020302"/>
                           </a:solidFill>
                           <a:latin typeface="Adobe Clean"/>
                           <a:cs typeface="Adobe Clean"/>
                         </a:rPr>
-                        <a:t>Priority</a:t>
+                        <a:t>优先级</a:t>
                       </a:r>
                       <a:endParaRPr sz="900" spc="0" dirty="0">
                         <a:latin typeface="Adobe Clean"/>
@@ -6957,16 +6410,6 @@
                         </a:spcBef>
                       </a:pPr>
                       <a:r>
-                        <a:rPr sz="900" spc="0" dirty="0">
-                          <a:solidFill>
-                            <a:srgbClr val="020302"/>
-                          </a:solidFill>
-                          <a:latin typeface="Adobe Clean"/>
-                          <a:cs typeface="Adobe Clean"/>
-                        </a:rPr>
-                        <a:t>Online </a:t>
-                      </a:r>
-                      <a:r>
                         <a:rPr lang="en-US" sz="900" spc="0" dirty="0">
                           <a:solidFill>
                             <a:srgbClr val="020302"/>
@@ -6974,17 +6417,7 @@
                           <a:latin typeface="Adobe Clean"/>
                           <a:cs typeface="Adobe Clean"/>
                         </a:rPr>
-                        <a:t> </a:t>
-                      </a:r>
-                      <a:r>
-                        <a:rPr sz="900" spc="0" dirty="0">
-                          <a:solidFill>
-                            <a:srgbClr val="020302"/>
-                          </a:solidFill>
-                          <a:latin typeface="Adobe Clean"/>
-                          <a:cs typeface="Adobe Clean"/>
-                        </a:rPr>
-                        <a:t>Support</a:t>
+                        <a:t>在线支持</a:t>
                       </a:r>
                       <a:endParaRPr sz="900" spc="0" dirty="0">
                         <a:latin typeface="Adobe Clean"/>
@@ -7036,16 +6469,6 @@
                         </a:spcBef>
                       </a:pPr>
                       <a:r>
-                        <a:rPr sz="900" spc="0" dirty="0">
-                          <a:solidFill>
-                            <a:srgbClr val="FFFFFF"/>
-                          </a:solidFill>
-                          <a:latin typeface="Adobe Clean"/>
-                          <a:cs typeface="Adobe Clean"/>
-                        </a:rPr>
-                        <a:t>Business</a:t>
-                      </a:r>
-                      <a:r>
                         <a:rPr lang="en-US" sz="900" spc="0" dirty="0">
                           <a:solidFill>
                             <a:srgbClr val="FFFFFF"/>
@@ -7053,17 +6476,7 @@
                           <a:latin typeface="Adobe Clean"/>
                           <a:cs typeface="Adobe Clean"/>
                         </a:rPr>
-                        <a:t> </a:t>
-                      </a:r>
-                      <a:r>
-                        <a:rPr sz="900" spc="0" dirty="0">
-                          <a:solidFill>
-                            <a:srgbClr val="FFFFFF"/>
-                          </a:solidFill>
-                          <a:latin typeface="Adobe Clean"/>
-                          <a:cs typeface="Adobe Clean"/>
-                        </a:rPr>
-                        <a:t>Support</a:t>
+                        <a:t>商业支持</a:t>
                       </a:r>
                       <a:endParaRPr sz="900" spc="0" dirty="0">
                         <a:latin typeface="Adobe Clean"/>
@@ -7115,16 +6528,6 @@
                         </a:spcBef>
                       </a:pPr>
                       <a:r>
-                        <a:rPr sz="900" spc="0" dirty="0">
-                          <a:solidFill>
-                            <a:srgbClr val="FFFFFF"/>
-                          </a:solidFill>
-                          <a:latin typeface="Adobe Clean"/>
-                          <a:cs typeface="Adobe Clean"/>
-                        </a:rPr>
-                        <a:t>Enterprise </a:t>
-                      </a:r>
-                      <a:r>
                         <a:rPr lang="en-US" sz="900" spc="0" dirty="0">
                           <a:solidFill>
                             <a:srgbClr val="FFFFFF"/>
@@ -7132,17 +6535,7 @@
                           <a:latin typeface="Adobe Clean"/>
                           <a:cs typeface="Adobe Clean"/>
                         </a:rPr>
-                        <a:t> </a:t>
-                      </a:r>
-                      <a:r>
-                        <a:rPr sz="900" spc="0" dirty="0">
-                          <a:solidFill>
-                            <a:srgbClr val="FFFFFF"/>
-                          </a:solidFill>
-                          <a:latin typeface="Adobe Clean"/>
-                          <a:cs typeface="Adobe Clean"/>
-                        </a:rPr>
-                        <a:t>Support</a:t>
+                        <a:t>企业支持</a:t>
                       </a:r>
                       <a:endParaRPr sz="900" spc="0" dirty="0">
                         <a:latin typeface="Adobe Clean"/>
@@ -7194,16 +6587,6 @@
                         </a:spcBef>
                       </a:pPr>
                       <a:r>
-                        <a:rPr sz="900" spc="0" dirty="0">
-                          <a:solidFill>
-                            <a:srgbClr val="FFFFFF"/>
-                          </a:solidFill>
-                          <a:latin typeface="Adobe Clean"/>
-                          <a:cs typeface="Adobe Clean"/>
-                        </a:rPr>
-                        <a:t>Elite</a:t>
-                      </a:r>
-                      <a:r>
                         <a:rPr lang="en-US" sz="900" spc="0" dirty="0">
                           <a:solidFill>
                             <a:srgbClr val="FFFFFF"/>
@@ -7211,17 +6594,7 @@
                           <a:latin typeface="Adobe Clean"/>
                           <a:cs typeface="Adobe Clean"/>
                         </a:rPr>
-                        <a:t> </a:t>
-                      </a:r>
-                      <a:r>
-                        <a:rPr sz="900" spc="0" dirty="0">
-                          <a:solidFill>
-                            <a:srgbClr val="FFFFFF"/>
-                          </a:solidFill>
-                          <a:latin typeface="Adobe Clean"/>
-                          <a:cs typeface="Adobe Clean"/>
-                        </a:rPr>
-                        <a:t>Support</a:t>
+                        <a:t>高级支持</a:t>
                       </a:r>
                       <a:endParaRPr sz="900" spc="0" dirty="0">
                         <a:latin typeface="Adobe Clean"/>
@@ -7280,14 +6653,14 @@
                         </a:spcBef>
                       </a:pPr>
                       <a:r>
-                        <a:rPr sz="900" b="1" spc="0" dirty="0">
+                        <a:rPr lang="en-US" sz="900" b="1" spc="0" dirty="0">
                           <a:solidFill>
                             <a:srgbClr val="020302"/>
                           </a:solidFill>
                           <a:latin typeface="Adobe Clean"/>
                           <a:cs typeface="Adobe Clean"/>
                         </a:rPr>
-                        <a:t>PRIORITY 1</a:t>
+                        <a:t>优先级 1</a:t>
                       </a:r>
                       <a:endParaRPr sz="900" spc="0" dirty="0">
                         <a:latin typeface="Adobe Clean"/>
@@ -7311,7 +6684,7 @@
                           <a:effectLst/>
                           <a:latin typeface="Adobe Clean Light" panose="020B0303020404020204" pitchFamily="34" charset="0"/>
                         </a:rPr>
-                        <a:t>Customer's production business functions are down or have significant data loss or service degradation and immediate attention is required to restore functionality and usability. </a:t>
+                        <a:t>客户的生产业务功能中断或发生重大数据丢失或服务降级，需要立即关注以恢复功能和可用性。</a:t>
                       </a:r>
                       <a:endParaRPr sz="900" spc="0" dirty="0">
                         <a:latin typeface="AdobeClean-Light"/>
@@ -7360,16 +6733,6 @@
                         </a:spcBef>
                       </a:pPr>
                       <a:r>
-                        <a:rPr sz="900" spc="0" dirty="0">
-                          <a:solidFill>
-                            <a:srgbClr val="020302"/>
-                          </a:solidFill>
-                          <a:latin typeface="AdobeClean-Light"/>
-                          <a:cs typeface="AdobeClean-Light"/>
-                        </a:rPr>
-                        <a:t>24x7</a:t>
-                      </a:r>
-                      <a:r>
                         <a:rPr lang="en-US" sz="900" spc="0" dirty="0">
                           <a:solidFill>
                             <a:srgbClr val="020302"/>
@@ -7377,57 +6740,7 @@
                           <a:latin typeface="AdobeClean-Light"/>
                           <a:cs typeface="AdobeClean-Light"/>
                         </a:rPr>
-                        <a:t> </a:t>
-                      </a:r>
-                      <a:r>
-                        <a:rPr sz="900" spc="0" dirty="0">
-                          <a:solidFill>
-                            <a:srgbClr val="020302"/>
-                          </a:solidFill>
-                          <a:latin typeface="AdobeClean-Light"/>
-                          <a:cs typeface="AdobeClean-Light"/>
-                        </a:rPr>
-                        <a:t>/</a:t>
-                      </a:r>
-                      <a:r>
-                        <a:rPr lang="en-US" sz="900" spc="0" dirty="0">
-                          <a:solidFill>
-                            <a:srgbClr val="020302"/>
-                          </a:solidFill>
-                          <a:latin typeface="AdobeClean-Light"/>
-                          <a:cs typeface="AdobeClean-Light"/>
-                        </a:rPr>
-                        <a:t>                </a:t>
-                      </a:r>
-                      <a:r>
-                        <a:rPr sz="900" spc="0" dirty="0">
-                          <a:solidFill>
-                            <a:srgbClr val="020302"/>
-                          </a:solidFill>
-                          <a:latin typeface="AdobeClean-Light"/>
-                          <a:cs typeface="AdobeClean-Light"/>
-                        </a:rPr>
-                        <a:t>1</a:t>
-                      </a:r>
-                      <a:r>
-                        <a:rPr lang="en-US" sz="900" spc="0" dirty="0">
-                          <a:solidFill>
-                            <a:srgbClr val="020302"/>
-                          </a:solidFill>
-                          <a:latin typeface="AdobeClean-Light"/>
-                          <a:cs typeface="AdobeClean-Light"/>
-                        </a:rPr>
-                        <a:t> </a:t>
-                      </a:r>
-                      <a:r>
-                        <a:rPr sz="900" spc="0" dirty="0">
-                          <a:solidFill>
-                            <a:srgbClr val="020302"/>
-                          </a:solidFill>
-                          <a:latin typeface="AdobeClean-Light"/>
-                          <a:cs typeface="AdobeClean-Light"/>
-                        </a:rPr>
-                        <a:t>hour</a:t>
+                        <a:t>全天候/1 小时</a:t>
                       </a:r>
                       <a:endParaRPr sz="900" spc="0" dirty="0">
                         <a:latin typeface="AdobeClean-Light"/>
@@ -7476,16 +6789,6 @@
                         </a:spcBef>
                       </a:pPr>
                       <a:r>
-                        <a:rPr sz="900" spc="0" dirty="0">
-                          <a:solidFill>
-                            <a:srgbClr val="020302"/>
-                          </a:solidFill>
-                          <a:latin typeface="AdobeClean-Light"/>
-                          <a:cs typeface="AdobeClean-Light"/>
-                        </a:rPr>
-                        <a:t>24x7</a:t>
-                      </a:r>
-                      <a:r>
                         <a:rPr lang="en-US" sz="900" spc="0" dirty="0">
                           <a:solidFill>
                             <a:srgbClr val="020302"/>
@@ -7493,37 +6796,7 @@
                           <a:latin typeface="AdobeClean-Light"/>
                           <a:cs typeface="AdobeClean-Light"/>
                         </a:rPr>
-                        <a:t> </a:t>
-                      </a:r>
-                      <a:r>
-                        <a:rPr sz="900" spc="0" dirty="0">
-                          <a:solidFill>
-                            <a:srgbClr val="020302"/>
-                          </a:solidFill>
-                          <a:latin typeface="AdobeClean-Light"/>
-                          <a:cs typeface="AdobeClean-Light"/>
-                        </a:rPr>
-                        <a:t>/  </a:t>
-                      </a:r>
-                      <a:r>
-                        <a:rPr lang="en-US" sz="900" spc="0" dirty="0">
-                          <a:solidFill>
-                            <a:srgbClr val="020302"/>
-                          </a:solidFill>
-                          <a:latin typeface="AdobeClean-Light"/>
-                          <a:cs typeface="AdobeClean-Light"/>
-                        </a:rPr>
-                        <a:t>            </a:t>
-                      </a:r>
-                      <a:r>
-                        <a:rPr sz="900" spc="0" dirty="0">
-                          <a:solidFill>
-                            <a:srgbClr val="020302"/>
-                          </a:solidFill>
-                          <a:latin typeface="AdobeClean-Light"/>
-                          <a:cs typeface="AdobeClean-Light"/>
-                        </a:rPr>
-                        <a:t>1 hour</a:t>
+                        <a:t>全天候/1 小时</a:t>
                       </a:r>
                       <a:endParaRPr sz="900" spc="0" dirty="0">
                         <a:latin typeface="AdobeClean-Light"/>
@@ -7572,16 +6845,6 @@
                         </a:spcBef>
                       </a:pPr>
                       <a:r>
-                        <a:rPr sz="900" spc="0" dirty="0">
-                          <a:solidFill>
-                            <a:srgbClr val="020302"/>
-                          </a:solidFill>
-                          <a:latin typeface="AdobeClean-Light"/>
-                          <a:cs typeface="AdobeClean-Light"/>
-                        </a:rPr>
-                        <a:t>24x7 /  </a:t>
-                      </a:r>
-                      <a:r>
                         <a:rPr lang="en-US" sz="900" spc="0" dirty="0">
                           <a:solidFill>
                             <a:srgbClr val="020302"/>
@@ -7589,37 +6852,7 @@
                           <a:latin typeface="AdobeClean-Light"/>
                           <a:cs typeface="AdobeClean-Light"/>
                         </a:rPr>
-                        <a:t>         </a:t>
-                      </a:r>
-                      <a:r>
-                        <a:rPr sz="900" spc="0" dirty="0">
-                          <a:solidFill>
-                            <a:srgbClr val="020302"/>
-                          </a:solidFill>
-                          <a:latin typeface="AdobeClean-Light"/>
-                          <a:cs typeface="AdobeClean-Light"/>
-                        </a:rPr>
-                        <a:t>30</a:t>
-                      </a:r>
-                      <a:r>
-                        <a:rPr lang="en-US" sz="900" spc="0" dirty="0">
-                          <a:solidFill>
-                            <a:srgbClr val="020302"/>
-                          </a:solidFill>
-                          <a:latin typeface="AdobeClean-Light"/>
-                          <a:cs typeface="AdobeClean-Light"/>
-                        </a:rPr>
-                        <a:t> </a:t>
-                      </a:r>
-                      <a:r>
-                        <a:rPr sz="900" spc="0" dirty="0">
-                          <a:solidFill>
-                            <a:srgbClr val="020302"/>
-                          </a:solidFill>
-                          <a:latin typeface="AdobeClean-Light"/>
-                          <a:cs typeface="AdobeClean-Light"/>
-                        </a:rPr>
-                        <a:t>minutes</a:t>
+                        <a:t>全天候/30 分钟</a:t>
                       </a:r>
                       <a:endParaRPr sz="900" spc="0" dirty="0">
                         <a:latin typeface="AdobeClean-Light"/>
@@ -7668,16 +6901,6 @@
                         </a:spcBef>
                       </a:pPr>
                       <a:r>
-                        <a:rPr sz="900" spc="0" dirty="0">
-                          <a:solidFill>
-                            <a:srgbClr val="020302"/>
-                          </a:solidFill>
-                          <a:latin typeface="AdobeClean-Light"/>
-                          <a:cs typeface="AdobeClean-Light"/>
-                        </a:rPr>
-                        <a:t>24x7 / </a:t>
-                      </a:r>
-                      <a:r>
                         <a:rPr lang="en-US" sz="900" spc="0" dirty="0">
                           <a:solidFill>
                             <a:srgbClr val="020302"/>
@@ -7685,37 +6908,7 @@
                           <a:latin typeface="AdobeClean-Light"/>
                           <a:cs typeface="AdobeClean-Light"/>
                         </a:rPr>
-                        <a:t>       </a:t>
-                      </a:r>
-                      <a:r>
-                        <a:rPr sz="900" spc="0" dirty="0">
-                          <a:solidFill>
-                            <a:srgbClr val="020302"/>
-                          </a:solidFill>
-                          <a:latin typeface="AdobeClean-Light"/>
-                          <a:cs typeface="AdobeClean-Light"/>
-                        </a:rPr>
-                        <a:t> 15</a:t>
-                      </a:r>
-                      <a:r>
-                        <a:rPr lang="en-US" sz="900" spc="0" dirty="0">
-                          <a:solidFill>
-                            <a:srgbClr val="020302"/>
-                          </a:solidFill>
-                          <a:latin typeface="AdobeClean-Light"/>
-                          <a:cs typeface="AdobeClean-Light"/>
-                        </a:rPr>
-                        <a:t> </a:t>
-                      </a:r>
-                      <a:r>
-                        <a:rPr sz="900" spc="0" dirty="0">
-                          <a:solidFill>
-                            <a:srgbClr val="020302"/>
-                          </a:solidFill>
-                          <a:latin typeface="AdobeClean-Light"/>
-                          <a:cs typeface="AdobeClean-Light"/>
-                        </a:rPr>
-                        <a:t>minutes</a:t>
+                        <a:t>全天候/15 分钟</a:t>
                       </a:r>
                       <a:endParaRPr sz="900" spc="0" dirty="0">
                         <a:latin typeface="AdobeClean-Light"/>
@@ -7771,14 +6964,14 @@
                         </a:spcBef>
                       </a:pPr>
                       <a:r>
-                        <a:rPr sz="900" b="1" spc="0" dirty="0">
+                        <a:rPr lang="en-US" sz="900" b="1" spc="0" dirty="0">
                           <a:solidFill>
                             <a:srgbClr val="020302"/>
                           </a:solidFill>
                           <a:latin typeface="Adobe Clean"/>
                           <a:cs typeface="Adobe Clean"/>
                         </a:rPr>
-                        <a:t>PRIORITY 2</a:t>
+                        <a:t>优先级 2</a:t>
                       </a:r>
                       <a:endParaRPr sz="900" spc="0" dirty="0">
                         <a:latin typeface="Adobe Clean"/>
@@ -7800,7 +6993,6 @@
                         <a:buSzTx/>
                         <a:buFontTx/>
                         <a:buNone/>
-                        <a:tabLst/>
                         <a:defRPr/>
                       </a:pPr>
                       <a:r>
@@ -7811,7 +7003,7 @@
                           <a:effectLst/>
                           <a:latin typeface="Adobe Clean Light" panose="020B0303020404020204" pitchFamily="34" charset="0"/>
                         </a:rPr>
-                        <a:t>Customer's business functions have major service degradation or potential data loss, or a major feature is impacted </a:t>
+                        <a:t>客户的业务功能发生重大服务降级或潜在数据丢失，或主要功能受到影响</a:t>
                       </a:r>
                       <a:endParaRPr sz="900" b="0" i="0" spc="0" dirty="0">
                         <a:latin typeface="Adobe Clean Light" panose="020B0303020404020204" pitchFamily="34" charset="0"/>
@@ -7860,16 +7052,6 @@
                         </a:spcBef>
                       </a:pPr>
                       <a:r>
-                        <a:rPr sz="900" spc="0" dirty="0">
-                          <a:solidFill>
-                            <a:srgbClr val="020302"/>
-                          </a:solidFill>
-                          <a:latin typeface="AdobeClean-Light"/>
-                          <a:cs typeface="AdobeClean-Light"/>
-                        </a:rPr>
-                        <a:t>Business</a:t>
-                      </a:r>
-                      <a:r>
                         <a:rPr lang="en-US" sz="900" spc="0" dirty="0">
                           <a:solidFill>
                             <a:srgbClr val="020302"/>
@@ -7877,57 +7059,7 @@
                           <a:latin typeface="AdobeClean-Light"/>
                           <a:cs typeface="AdobeClean-Light"/>
                         </a:rPr>
-                        <a:t> </a:t>
-                      </a:r>
-                      <a:r>
-                        <a:rPr sz="900" spc="0" dirty="0">
-                          <a:solidFill>
-                            <a:srgbClr val="020302"/>
-                          </a:solidFill>
-                          <a:latin typeface="AdobeClean-Light"/>
-                          <a:cs typeface="AdobeClean-Light"/>
-                        </a:rPr>
-                        <a:t>hours</a:t>
-                      </a:r>
-                      <a:r>
-                        <a:rPr lang="en-US" sz="900" spc="0" dirty="0">
-                          <a:solidFill>
-                            <a:srgbClr val="020302"/>
-                          </a:solidFill>
-                          <a:latin typeface="AdobeClean-Light"/>
-                          <a:cs typeface="AdobeClean-Light"/>
-                        </a:rPr>
-                        <a:t> </a:t>
-                      </a:r>
-                      <a:r>
-                        <a:rPr sz="900" spc="0" dirty="0">
-                          <a:solidFill>
-                            <a:srgbClr val="020302"/>
-                          </a:solidFill>
-                          <a:latin typeface="AdobeClean-Light"/>
-                          <a:cs typeface="AdobeClean-Light"/>
-                        </a:rPr>
-                        <a:t>/  </a:t>
-                      </a:r>
-                      <a:r>
-                        <a:rPr lang="en-US" sz="900" spc="0" dirty="0">
-                          <a:solidFill>
-                            <a:srgbClr val="020302"/>
-                          </a:solidFill>
-                          <a:latin typeface="AdobeClean-Light"/>
-                          <a:cs typeface="AdobeClean-Light"/>
-                        </a:rPr>
-                        <a:t>         </a:t>
-                      </a:r>
-                      <a:r>
-                        <a:rPr sz="900" spc="0" dirty="0">
-                          <a:solidFill>
-                            <a:srgbClr val="020302"/>
-                          </a:solidFill>
-                          <a:latin typeface="AdobeClean-Light"/>
-                          <a:cs typeface="AdobeClean-Light"/>
-                        </a:rPr>
-                        <a:t>4 hours</a:t>
+                        <a:t>营业时间/4 小时</a:t>
                       </a:r>
                       <a:endParaRPr sz="900" spc="0" dirty="0">
                         <a:latin typeface="AdobeClean-Light"/>
@@ -7976,16 +7108,6 @@
                         </a:spcBef>
                       </a:pPr>
                       <a:r>
-                        <a:rPr sz="900" spc="0" dirty="0">
-                          <a:solidFill>
-                            <a:srgbClr val="020302"/>
-                          </a:solidFill>
-                          <a:latin typeface="AdobeClean-Light"/>
-                          <a:cs typeface="AdobeClean-Light"/>
-                        </a:rPr>
-                        <a:t>Business</a:t>
-                      </a:r>
-                      <a:r>
                         <a:rPr lang="en-US" sz="900" spc="0" dirty="0">
                           <a:solidFill>
                             <a:srgbClr val="020302"/>
@@ -7993,57 +7115,7 @@
                           <a:latin typeface="AdobeClean-Light"/>
                           <a:cs typeface="AdobeClean-Light"/>
                         </a:rPr>
-                        <a:t> </a:t>
-                      </a:r>
-                      <a:r>
-                        <a:rPr sz="900" spc="0" dirty="0">
-                          <a:solidFill>
-                            <a:srgbClr val="020302"/>
-                          </a:solidFill>
-                          <a:latin typeface="AdobeClean-Light"/>
-                          <a:cs typeface="AdobeClean-Light"/>
-                        </a:rPr>
-                        <a:t>hours</a:t>
-                      </a:r>
-                      <a:r>
-                        <a:rPr lang="en-US" sz="900" spc="0" dirty="0">
-                          <a:solidFill>
-                            <a:srgbClr val="020302"/>
-                          </a:solidFill>
-                          <a:latin typeface="AdobeClean-Light"/>
-                          <a:cs typeface="AdobeClean-Light"/>
-                        </a:rPr>
-                        <a:t> </a:t>
-                      </a:r>
-                      <a:r>
-                        <a:rPr sz="900" spc="0" dirty="0">
-                          <a:solidFill>
-                            <a:srgbClr val="020302"/>
-                          </a:solidFill>
-                          <a:latin typeface="AdobeClean-Light"/>
-                          <a:cs typeface="AdobeClean-Light"/>
-                        </a:rPr>
-                        <a:t>/  </a:t>
-                      </a:r>
-                      <a:r>
-                        <a:rPr lang="en-US" sz="900" spc="0" dirty="0">
-                          <a:solidFill>
-                            <a:srgbClr val="020302"/>
-                          </a:solidFill>
-                          <a:latin typeface="AdobeClean-Light"/>
-                          <a:cs typeface="AdobeClean-Light"/>
-                        </a:rPr>
-                        <a:t>        </a:t>
-                      </a:r>
-                      <a:r>
-                        <a:rPr sz="900" spc="0" dirty="0">
-                          <a:solidFill>
-                            <a:srgbClr val="020302"/>
-                          </a:solidFill>
-                          <a:latin typeface="AdobeClean-Light"/>
-                          <a:cs typeface="AdobeClean-Light"/>
-                        </a:rPr>
-                        <a:t>2 hours</a:t>
+                        <a:t>营业时间/2 小时</a:t>
                       </a:r>
                       <a:endParaRPr sz="900" spc="0" dirty="0">
                         <a:latin typeface="AdobeClean-Light"/>
@@ -8092,15 +7164,61 @@
                         </a:spcBef>
                       </a:pPr>
                       <a:r>
-                        <a:rPr sz="900" spc="0" dirty="0">
+                        <a:rPr lang="en-US" sz="900" spc="0" dirty="0">
                           <a:solidFill>
                             <a:srgbClr val="020302"/>
                           </a:solidFill>
                           <a:latin typeface="AdobeClean-Light"/>
                           <a:cs typeface="AdobeClean-Light"/>
                         </a:rPr>
-                        <a:t>24x5</a:t>
+                        <a:t>工作日全天候/1 小时</a:t>
                       </a:r>
+                      <a:endParaRPr sz="900" spc="0" dirty="0">
+                        <a:latin typeface="AdobeClean-Light"/>
+                        <a:cs typeface="AdobeClean-Light"/>
+                      </a:endParaRPr>
+                    </a:p>
+                  </a:txBody>
+                  <a:tcPr marL="0" marR="0" marT="0" marB="0" anchor="ctr">
+                    <a:lnL w="3175">
+                      <a:solidFill>
+                        <a:srgbClr val="B7B8B8"/>
+                      </a:solidFill>
+                      <a:prstDash val="solid"/>
+                    </a:lnL>
+                    <a:lnR w="3175">
+                      <a:solidFill>
+                        <a:srgbClr val="B7B8B8"/>
+                      </a:solidFill>
+                      <a:prstDash val="solid"/>
+                    </a:lnR>
+                    <a:lnT w="3175">
+                      <a:solidFill>
+                        <a:srgbClr val="B7B8B8"/>
+                      </a:solidFill>
+                      <a:prstDash val="solid"/>
+                    </a:lnT>
+                    <a:lnB w="3175">
+                      <a:solidFill>
+                        <a:srgbClr val="B7B8B8"/>
+                      </a:solidFill>
+                      <a:prstDash val="solid"/>
+                    </a:lnB>
+                  </a:tcPr>
+                </a:tc>
+                <a:tc>
+                  <a:txBody>
+                    <a:bodyPr/>
+                    <a:lstStyle/>
+                    <a:p>
+                      <a:pPr marL="0" marR="259080" indent="111760" algn="ctr">
+                        <a:lnSpc>
+                          <a:spcPct val="100000"/>
+                        </a:lnSpc>
+                        <a:spcBef>
+                          <a:spcPts val="670"/>
+                        </a:spcBef>
+                      </a:pPr>
                       <a:r>
                         <a:rPr lang="en-US" sz="900" spc="0" dirty="0">
                           <a:solidFill>
@@ -8109,133 +7227,7 @@
                           <a:latin typeface="AdobeClean-Light"/>
                           <a:cs typeface="AdobeClean-Light"/>
                         </a:rPr>
-                        <a:t> </a:t>
-                      </a:r>
-                      <a:r>
-                        <a:rPr sz="900" spc="0" dirty="0">
-                          <a:solidFill>
-                            <a:srgbClr val="020302"/>
-                          </a:solidFill>
-                          <a:latin typeface="AdobeClean-Light"/>
-                          <a:cs typeface="AdobeClean-Light"/>
-                        </a:rPr>
-                        <a:t>/  </a:t>
-                      </a:r>
-                      <a:r>
-                        <a:rPr lang="en-US" sz="900" spc="0" dirty="0">
-                          <a:solidFill>
-                            <a:srgbClr val="020302"/>
-                          </a:solidFill>
-                          <a:latin typeface="AdobeClean-Light"/>
-                          <a:cs typeface="AdobeClean-Light"/>
-                        </a:rPr>
-                        <a:t>              </a:t>
-                      </a:r>
-                      <a:r>
-                        <a:rPr sz="900" spc="0" dirty="0">
-                          <a:solidFill>
-                            <a:srgbClr val="020302"/>
-                          </a:solidFill>
-                          <a:latin typeface="AdobeClean-Light"/>
-                          <a:cs typeface="AdobeClean-Light"/>
-                        </a:rPr>
-                        <a:t>1 hour</a:t>
-                      </a:r>
-                      <a:endParaRPr sz="900" spc="0" dirty="0">
-                        <a:latin typeface="AdobeClean-Light"/>
-                        <a:cs typeface="AdobeClean-Light"/>
-                      </a:endParaRPr>
-                    </a:p>
-                  </a:txBody>
-                  <a:tcPr marL="0" marR="0" marT="0" marB="0" anchor="ctr">
-                    <a:lnL w="3175">
-                      <a:solidFill>
-                        <a:srgbClr val="B7B8B8"/>
-                      </a:solidFill>
-                      <a:prstDash val="solid"/>
-                    </a:lnL>
-                    <a:lnR w="3175">
-                      <a:solidFill>
-                        <a:srgbClr val="B7B8B8"/>
-                      </a:solidFill>
-                      <a:prstDash val="solid"/>
-                    </a:lnR>
-                    <a:lnT w="3175">
-                      <a:solidFill>
-                        <a:srgbClr val="B7B8B8"/>
-                      </a:solidFill>
-                      <a:prstDash val="solid"/>
-                    </a:lnT>
-                    <a:lnB w="3175">
-                      <a:solidFill>
-                        <a:srgbClr val="B7B8B8"/>
-                      </a:solidFill>
-                      <a:prstDash val="solid"/>
-                    </a:lnB>
-                  </a:tcPr>
-                </a:tc>
-                <a:tc>
-                  <a:txBody>
-                    <a:bodyPr/>
-                    <a:lstStyle/>
-                    <a:p>
-                      <a:pPr marL="0" marR="259079" indent="111760" algn="ctr">
-                        <a:lnSpc>
-                          <a:spcPct val="100000"/>
-                        </a:lnSpc>
-                        <a:spcBef>
-                          <a:spcPts val="670"/>
-                        </a:spcBef>
-                      </a:pPr>
-                      <a:r>
-                        <a:rPr sz="900" spc="0" dirty="0">
-                          <a:solidFill>
-                            <a:srgbClr val="020302"/>
-                          </a:solidFill>
-                          <a:latin typeface="AdobeClean-Light"/>
-                          <a:cs typeface="AdobeClean-Light"/>
-                        </a:rPr>
-                        <a:t>24x5 /  </a:t>
-                      </a:r>
-                      <a:r>
-                        <a:rPr lang="en-US" sz="900" spc="0" dirty="0">
-                          <a:solidFill>
-                            <a:srgbClr val="020302"/>
-                          </a:solidFill>
-                          <a:latin typeface="AdobeClean-Light"/>
-                          <a:cs typeface="AdobeClean-Light"/>
-                        </a:rPr>
-                        <a:t>       </a:t>
-                      </a:r>
-                      <a:r>
-                        <a:rPr sz="900" spc="0" dirty="0">
-                          <a:solidFill>
-                            <a:srgbClr val="020302"/>
-                          </a:solidFill>
-                          <a:latin typeface="AdobeClean-Light"/>
-                          <a:cs typeface="AdobeClean-Light"/>
-                        </a:rPr>
-                        <a:t>30</a:t>
-                      </a:r>
-                      <a:r>
-                        <a:rPr lang="en-US" sz="900" spc="0" dirty="0">
-                          <a:solidFill>
-                            <a:srgbClr val="020302"/>
-                          </a:solidFill>
-                          <a:latin typeface="AdobeClean-Light"/>
-                          <a:cs typeface="AdobeClean-Light"/>
-                        </a:rPr>
-                        <a:t> </a:t>
-                      </a:r>
-                      <a:r>
-                        <a:rPr sz="900" spc="0" dirty="0">
-                          <a:solidFill>
-                            <a:srgbClr val="020302"/>
-                          </a:solidFill>
-                          <a:latin typeface="AdobeClean-Light"/>
-                          <a:cs typeface="AdobeClean-Light"/>
-                        </a:rPr>
-                        <a:t>minutes</a:t>
+                        <a:t>工作日全天候/30 分钟</a:t>
                       </a:r>
                       <a:endParaRPr sz="900" spc="0" dirty="0">
                         <a:latin typeface="AdobeClean-Light"/>
@@ -8291,16 +7283,6 @@
                         </a:spcBef>
                       </a:pPr>
                       <a:r>
-                        <a:rPr sz="900" b="1" spc="0" dirty="0">
-                          <a:solidFill>
-                            <a:srgbClr val="020302"/>
-                          </a:solidFill>
-                          <a:latin typeface="Adobe Clean"/>
-                          <a:cs typeface="Adobe Clean"/>
-                        </a:rPr>
-                        <a:t>PRIORITY</a:t>
-                      </a:r>
-                      <a:r>
                         <a:rPr lang="en-US" sz="900" b="1" spc="0" dirty="0">
                           <a:solidFill>
                             <a:srgbClr val="020302"/>
@@ -8308,7 +7290,7 @@
                           <a:latin typeface="Adobe Clean"/>
                           <a:cs typeface="Adobe Clean"/>
                         </a:rPr>
-                        <a:t> 3</a:t>
+                        <a:t>优先级 3</a:t>
                       </a:r>
                       <a:endParaRPr lang="en-US" sz="900" spc="0" dirty="0">
                         <a:latin typeface="Adobe Clean"/>
@@ -8330,7 +7312,6 @@
                         <a:buSzTx/>
                         <a:buFontTx/>
                         <a:buNone/>
-                        <a:tabLst/>
                         <a:defRPr/>
                       </a:pPr>
                       <a:r>
@@ -8348,7 +7329,7 @@
                           <a:ea typeface="+mn-ea"/>
                           <a:cs typeface="+mn-cs"/>
                         </a:rPr>
-                        <a:t>Customer's business functions have minor service degradation but there exists a solution/workaround allowing business functions to continue normally </a:t>
+                        <a:t>客户的业务功能发生轻微的服务降级，但有解决方案/解决方法可让业务功能继续正常工作</a:t>
                       </a:r>
                       <a:endParaRPr lang="en-US" sz="900" b="0" i="0" spc="0" dirty="0">
                         <a:latin typeface="Adobe Clean Light" panose="020B0303020404020204" pitchFamily="34" charset="0"/>
@@ -8397,16 +7378,6 @@
                         </a:spcBef>
                       </a:pPr>
                       <a:r>
-                        <a:rPr sz="900" spc="0" dirty="0">
-                          <a:solidFill>
-                            <a:srgbClr val="020302"/>
-                          </a:solidFill>
-                          <a:latin typeface="AdobeClean-Light"/>
-                          <a:cs typeface="AdobeClean-Light"/>
-                        </a:rPr>
-                        <a:t>Business</a:t>
-                      </a:r>
-                      <a:r>
                         <a:rPr lang="en-US" sz="900" spc="0" dirty="0">
                           <a:solidFill>
                             <a:srgbClr val="020302"/>
@@ -8414,57 +7385,7 @@
                           <a:latin typeface="AdobeClean-Light"/>
                           <a:cs typeface="AdobeClean-Light"/>
                         </a:rPr>
-                        <a:t> </a:t>
-                      </a:r>
-                      <a:r>
-                        <a:rPr sz="900" spc="0" dirty="0">
-                          <a:solidFill>
-                            <a:srgbClr val="020302"/>
-                          </a:solidFill>
-                          <a:latin typeface="AdobeClean-Light"/>
-                          <a:cs typeface="AdobeClean-Light"/>
-                        </a:rPr>
-                        <a:t>hours</a:t>
-                      </a:r>
-                      <a:r>
-                        <a:rPr lang="en-US" sz="900" spc="0" dirty="0">
-                          <a:solidFill>
-                            <a:srgbClr val="020302"/>
-                          </a:solidFill>
-                          <a:latin typeface="AdobeClean-Light"/>
-                          <a:cs typeface="AdobeClean-Light"/>
-                        </a:rPr>
-                        <a:t> </a:t>
-                      </a:r>
-                      <a:r>
-                        <a:rPr sz="900" spc="0" dirty="0">
-                          <a:solidFill>
-                            <a:srgbClr val="020302"/>
-                          </a:solidFill>
-                          <a:latin typeface="AdobeClean-Light"/>
-                          <a:cs typeface="AdobeClean-Light"/>
-                        </a:rPr>
-                        <a:t>/  </a:t>
-                      </a:r>
-                      <a:r>
-                        <a:rPr lang="en-US" sz="900" spc="0" dirty="0">
-                          <a:solidFill>
-                            <a:srgbClr val="020302"/>
-                          </a:solidFill>
-                          <a:latin typeface="AdobeClean-Light"/>
-                          <a:cs typeface="AdobeClean-Light"/>
-                        </a:rPr>
-                        <a:t>          </a:t>
-                      </a:r>
-                      <a:r>
-                        <a:rPr sz="900" spc="0" dirty="0">
-                          <a:solidFill>
-                            <a:srgbClr val="020302"/>
-                          </a:solidFill>
-                          <a:latin typeface="AdobeClean-Light"/>
-                          <a:cs typeface="AdobeClean-Light"/>
-                        </a:rPr>
-                        <a:t>6 hours</a:t>
+                        <a:t>营业时间/6 小时</a:t>
                       </a:r>
                       <a:endParaRPr sz="900" spc="0" dirty="0">
                         <a:latin typeface="AdobeClean-Light"/>
@@ -8513,16 +7434,6 @@
                         </a:spcBef>
                       </a:pPr>
                       <a:r>
-                        <a:rPr sz="900" spc="0" dirty="0">
-                          <a:solidFill>
-                            <a:srgbClr val="020302"/>
-                          </a:solidFill>
-                          <a:latin typeface="AdobeClean-Light"/>
-                          <a:cs typeface="AdobeClean-Light"/>
-                        </a:rPr>
-                        <a:t>Business</a:t>
-                      </a:r>
-                      <a:r>
                         <a:rPr lang="en-US" sz="900" spc="0" dirty="0">
                           <a:solidFill>
                             <a:srgbClr val="020302"/>
@@ -8530,37 +7441,7 @@
                           <a:latin typeface="AdobeClean-Light"/>
                           <a:cs typeface="AdobeClean-Light"/>
                         </a:rPr>
-                        <a:t> </a:t>
-                      </a:r>
-                      <a:r>
-                        <a:rPr sz="900" spc="0" dirty="0">
-                          <a:solidFill>
-                            <a:srgbClr val="020302"/>
-                          </a:solidFill>
-                          <a:latin typeface="AdobeClean-Light"/>
-                          <a:cs typeface="AdobeClean-Light"/>
-                        </a:rPr>
-                        <a:t>hours</a:t>
-                      </a:r>
-                      <a:r>
-                        <a:rPr lang="en-US" sz="900" spc="0" dirty="0">
-                          <a:solidFill>
-                            <a:srgbClr val="020302"/>
-                          </a:solidFill>
-                          <a:latin typeface="AdobeClean-Light"/>
-                          <a:cs typeface="AdobeClean-Light"/>
-                        </a:rPr>
-                        <a:t> </a:t>
-                      </a:r>
-                      <a:r>
-                        <a:rPr sz="900" spc="0" dirty="0">
-                          <a:solidFill>
-                            <a:srgbClr val="020302"/>
-                          </a:solidFill>
-                          <a:latin typeface="AdobeClean-Light"/>
-                          <a:cs typeface="AdobeClean-Light"/>
-                        </a:rPr>
-                        <a:t>/  4 hours</a:t>
+                        <a:t>营业时间/4 小时</a:t>
                       </a:r>
                       <a:endParaRPr sz="900" spc="0" dirty="0">
                         <a:latin typeface="AdobeClean-Light"/>
@@ -8609,16 +7490,6 @@
                         </a:spcBef>
                       </a:pPr>
                       <a:r>
-                        <a:rPr sz="900" spc="0" dirty="0">
-                          <a:solidFill>
-                            <a:srgbClr val="020302"/>
-                          </a:solidFill>
-                          <a:latin typeface="AdobeClean-Light"/>
-                          <a:cs typeface="AdobeClean-Light"/>
-                        </a:rPr>
-                        <a:t>Business</a:t>
-                      </a:r>
-                      <a:r>
                         <a:rPr lang="en-US" sz="900" spc="0" dirty="0">
                           <a:solidFill>
                             <a:srgbClr val="020302"/>
@@ -8626,57 +7497,7 @@
                           <a:latin typeface="AdobeClean-Light"/>
                           <a:cs typeface="AdobeClean-Light"/>
                         </a:rPr>
-                        <a:t> </a:t>
-                      </a:r>
-                      <a:r>
-                        <a:rPr sz="900" spc="0" dirty="0">
-                          <a:solidFill>
-                            <a:srgbClr val="020302"/>
-                          </a:solidFill>
-                          <a:latin typeface="AdobeClean-Light"/>
-                          <a:cs typeface="AdobeClean-Light"/>
-                        </a:rPr>
-                        <a:t>hours</a:t>
-                      </a:r>
-                      <a:r>
-                        <a:rPr lang="en-US" sz="900" spc="0" dirty="0">
-                          <a:solidFill>
-                            <a:srgbClr val="020302"/>
-                          </a:solidFill>
-                          <a:latin typeface="AdobeClean-Light"/>
-                          <a:cs typeface="AdobeClean-Light"/>
-                        </a:rPr>
-                        <a:t> </a:t>
-                      </a:r>
-                      <a:r>
-                        <a:rPr sz="900" spc="0" dirty="0">
-                          <a:solidFill>
-                            <a:srgbClr val="020302"/>
-                          </a:solidFill>
-                          <a:latin typeface="AdobeClean-Light"/>
-                          <a:cs typeface="AdobeClean-Light"/>
-                        </a:rPr>
-                        <a:t>/  </a:t>
-                      </a:r>
-                      <a:r>
-                        <a:rPr lang="en-US" sz="900" spc="0" dirty="0">
-                          <a:solidFill>
-                            <a:srgbClr val="020302"/>
-                          </a:solidFill>
-                          <a:latin typeface="AdobeClean-Light"/>
-                          <a:cs typeface="AdobeClean-Light"/>
-                        </a:rPr>
-                        <a:t>   </a:t>
-                      </a:r>
-                      <a:r>
-                        <a:rPr sz="900" spc="0" dirty="0">
-                          <a:solidFill>
-                            <a:srgbClr val="020302"/>
-                          </a:solidFill>
-                          <a:latin typeface="AdobeClean-Light"/>
-                          <a:cs typeface="AdobeClean-Light"/>
-                        </a:rPr>
-                        <a:t>2 hours</a:t>
+                        <a:t>营业时间/2 小时</a:t>
                       </a:r>
                       <a:endParaRPr sz="900" spc="0" dirty="0">
                         <a:latin typeface="AdobeClean-Light"/>
@@ -8725,16 +7546,6 @@
                         </a:spcBef>
                       </a:pPr>
                       <a:r>
-                        <a:rPr sz="900" spc="0" dirty="0">
-                          <a:solidFill>
-                            <a:srgbClr val="020302"/>
-                          </a:solidFill>
-                          <a:latin typeface="AdobeClean-Light"/>
-                          <a:cs typeface="AdobeClean-Light"/>
-                        </a:rPr>
-                        <a:t>24x5</a:t>
-                      </a:r>
-                      <a:r>
                         <a:rPr lang="en-US" sz="900" spc="0" dirty="0">
                           <a:solidFill>
                             <a:srgbClr val="020302"/>
@@ -8742,37 +7553,7 @@
                           <a:latin typeface="AdobeClean-Light"/>
                           <a:cs typeface="AdobeClean-Light"/>
                         </a:rPr>
-                        <a:t> </a:t>
-                      </a:r>
-                      <a:r>
-                        <a:rPr sz="900" spc="0" dirty="0">
-                          <a:solidFill>
-                            <a:srgbClr val="020302"/>
-                          </a:solidFill>
-                          <a:latin typeface="AdobeClean-Light"/>
-                          <a:cs typeface="AdobeClean-Light"/>
-                        </a:rPr>
-                        <a:t>/  </a:t>
-                      </a:r>
-                      <a:r>
-                        <a:rPr lang="en-US" sz="900" spc="0" dirty="0">
-                          <a:solidFill>
-                            <a:srgbClr val="020302"/>
-                          </a:solidFill>
-                          <a:latin typeface="AdobeClean-Light"/>
-                          <a:cs typeface="AdobeClean-Light"/>
-                        </a:rPr>
-                        <a:t>           </a:t>
-                      </a:r>
-                      <a:r>
-                        <a:rPr sz="900" spc="0" dirty="0">
-                          <a:solidFill>
-                            <a:srgbClr val="020302"/>
-                          </a:solidFill>
-                          <a:latin typeface="AdobeClean-Light"/>
-                          <a:cs typeface="AdobeClean-Light"/>
-                        </a:rPr>
-                        <a:t>1 hour</a:t>
+                        <a:t>工作日全天候/1 小时</a:t>
                       </a:r>
                       <a:endParaRPr sz="900" spc="0" dirty="0">
                         <a:latin typeface="AdobeClean-Light"/>
@@ -8828,14 +7609,14 @@
                         </a:spcBef>
                       </a:pPr>
                       <a:r>
-                        <a:rPr sz="900" b="1" spc="0" dirty="0">
+                        <a:rPr lang="en-US" sz="900" b="1" spc="0" dirty="0">
                           <a:solidFill>
                             <a:srgbClr val="020302"/>
                           </a:solidFill>
                           <a:latin typeface="Adobe Clean"/>
                           <a:cs typeface="Adobe Clean"/>
                         </a:rPr>
-                        <a:t>PRIORITY 4</a:t>
+                        <a:t>优先级 4</a:t>
                       </a:r>
                       <a:endParaRPr sz="900" spc="0" dirty="0">
                         <a:latin typeface="Adobe Clean"/>
@@ -8857,7 +7638,6 @@
                         <a:buSzTx/>
                         <a:buFontTx/>
                         <a:buNone/>
-                        <a:tabLst/>
                         <a:defRPr/>
                       </a:pPr>
                       <a:r>
@@ -8868,7 +7648,7 @@
                           <a:effectLst/>
                           <a:latin typeface="Adobe Clean Light" panose="020B0303020404020204" pitchFamily="34" charset="0"/>
                         </a:rPr>
-                        <a:t>General question regarding current product functionality or an enhancement request </a:t>
+                        <a:t>有关当前产品功能或增强功能请求的常见问题</a:t>
                       </a:r>
                       <a:endParaRPr sz="900" b="0" i="0" spc="0" dirty="0">
                         <a:latin typeface="Adobe Clean Light" panose="020B0303020404020204" pitchFamily="34" charset="0"/>
@@ -8917,16 +7697,6 @@
                         </a:spcBef>
                       </a:pPr>
                       <a:r>
-                        <a:rPr sz="900" spc="0" dirty="0">
-                          <a:solidFill>
-                            <a:srgbClr val="020302"/>
-                          </a:solidFill>
-                          <a:latin typeface="AdobeClean-Light"/>
-                          <a:cs typeface="AdobeClean-Light"/>
-                        </a:rPr>
-                        <a:t>Business</a:t>
-                      </a:r>
-                      <a:r>
                         <a:rPr lang="en-US" sz="900" spc="0" dirty="0">
                           <a:solidFill>
                             <a:srgbClr val="020302"/>
@@ -8934,57 +7704,7 @@
                           <a:latin typeface="AdobeClean-Light"/>
                           <a:cs typeface="AdobeClean-Light"/>
                         </a:rPr>
-                        <a:t> </a:t>
-                      </a:r>
-                      <a:r>
-                        <a:rPr sz="900" spc="0" dirty="0">
-                          <a:solidFill>
-                            <a:srgbClr val="020302"/>
-                          </a:solidFill>
-                          <a:latin typeface="AdobeClean-Light"/>
-                          <a:cs typeface="AdobeClean-Light"/>
-                        </a:rPr>
-                        <a:t>days</a:t>
-                      </a:r>
-                      <a:r>
-                        <a:rPr lang="en-US" sz="900" spc="0" dirty="0">
-                          <a:solidFill>
-                            <a:srgbClr val="020302"/>
-                          </a:solidFill>
-                          <a:latin typeface="AdobeClean-Light"/>
-                          <a:cs typeface="AdobeClean-Light"/>
-                        </a:rPr>
-                        <a:t> </a:t>
-                      </a:r>
-                      <a:r>
-                        <a:rPr sz="900" spc="0" dirty="0">
-                          <a:solidFill>
-                            <a:srgbClr val="020302"/>
-                          </a:solidFill>
-                          <a:latin typeface="AdobeClean-Light"/>
-                          <a:cs typeface="AdobeClean-Light"/>
-                        </a:rPr>
-                        <a:t>/  </a:t>
-                      </a:r>
-                      <a:r>
-                        <a:rPr lang="en-US" sz="900" spc="0" dirty="0">
-                          <a:solidFill>
-                            <a:srgbClr val="020302"/>
-                          </a:solidFill>
-                          <a:latin typeface="AdobeClean-Light"/>
-                          <a:cs typeface="AdobeClean-Light"/>
-                        </a:rPr>
-                        <a:t> </a:t>
-                      </a:r>
-                      <a:r>
-                        <a:rPr sz="900" spc="0" dirty="0">
-                          <a:solidFill>
-                            <a:srgbClr val="020302"/>
-                          </a:solidFill>
-                          <a:latin typeface="AdobeClean-Light"/>
-                          <a:cs typeface="AdobeClean-Light"/>
-                        </a:rPr>
-                        <a:t>3 days</a:t>
+                        <a:t>工作日/3 天</a:t>
                       </a:r>
                       <a:endParaRPr sz="900" spc="0" dirty="0">
                         <a:latin typeface="AdobeClean-Light"/>
@@ -9033,16 +7753,6 @@
                         </a:spcBef>
                       </a:pPr>
                       <a:r>
-                        <a:rPr sz="900" spc="0" dirty="0">
-                          <a:solidFill>
-                            <a:srgbClr val="020302"/>
-                          </a:solidFill>
-                          <a:latin typeface="AdobeClean-Light"/>
-                          <a:cs typeface="AdobeClean-Light"/>
-                        </a:rPr>
-                        <a:t>Business</a:t>
-                      </a:r>
-                      <a:r>
                         <a:rPr lang="en-US" sz="900" spc="0" dirty="0">
                           <a:solidFill>
                             <a:srgbClr val="020302"/>
@@ -9050,57 +7760,7 @@
                           <a:latin typeface="AdobeClean-Light"/>
                           <a:cs typeface="AdobeClean-Light"/>
                         </a:rPr>
-                        <a:t> </a:t>
-                      </a:r>
-                      <a:r>
-                        <a:rPr sz="900" spc="0" dirty="0">
-                          <a:solidFill>
-                            <a:srgbClr val="020302"/>
-                          </a:solidFill>
-                          <a:latin typeface="AdobeClean-Light"/>
-                          <a:cs typeface="AdobeClean-Light"/>
-                        </a:rPr>
-                        <a:t>day</a:t>
-                      </a:r>
-                      <a:r>
-                        <a:rPr lang="en-US" sz="900" spc="0" dirty="0">
-                          <a:solidFill>
-                            <a:srgbClr val="020302"/>
-                          </a:solidFill>
-                          <a:latin typeface="AdobeClean-Light"/>
-                          <a:cs typeface="AdobeClean-Light"/>
-                        </a:rPr>
-                        <a:t> </a:t>
-                      </a:r>
-                      <a:r>
-                        <a:rPr sz="900" spc="0" dirty="0">
-                          <a:solidFill>
-                            <a:srgbClr val="020302"/>
-                          </a:solidFill>
-                          <a:latin typeface="AdobeClean-Light"/>
-                          <a:cs typeface="AdobeClean-Light"/>
-                        </a:rPr>
-                        <a:t>/  </a:t>
-                      </a:r>
-                      <a:r>
-                        <a:rPr lang="en-US" sz="900" spc="0" dirty="0">
-                          <a:solidFill>
-                            <a:srgbClr val="020302"/>
-                          </a:solidFill>
-                          <a:latin typeface="AdobeClean-Light"/>
-                          <a:cs typeface="AdobeClean-Light"/>
-                        </a:rPr>
-                        <a:t>   </a:t>
-                      </a:r>
-                      <a:r>
-                        <a:rPr sz="900" spc="0" dirty="0">
-                          <a:solidFill>
-                            <a:srgbClr val="020302"/>
-                          </a:solidFill>
-                          <a:latin typeface="AdobeClean-Light"/>
-                          <a:cs typeface="AdobeClean-Light"/>
-                        </a:rPr>
-                        <a:t>1 day</a:t>
+                        <a:t>工作日/1 天</a:t>
                       </a:r>
                       <a:endParaRPr sz="900" spc="0" dirty="0">
                         <a:latin typeface="AdobeClean-Light"/>
@@ -9149,16 +7809,6 @@
                         </a:spcBef>
                       </a:pPr>
                       <a:r>
-                        <a:rPr sz="900" spc="0" dirty="0">
-                          <a:solidFill>
-                            <a:srgbClr val="020302"/>
-                          </a:solidFill>
-                          <a:latin typeface="AdobeClean-Light"/>
-                          <a:cs typeface="AdobeClean-Light"/>
-                        </a:rPr>
-                        <a:t>Business</a:t>
-                      </a:r>
-                      <a:r>
                         <a:rPr lang="en-US" sz="900" spc="0" dirty="0">
                           <a:solidFill>
                             <a:srgbClr val="020302"/>
@@ -9166,57 +7816,7 @@
                           <a:latin typeface="AdobeClean-Light"/>
                           <a:cs typeface="AdobeClean-Light"/>
                         </a:rPr>
-                        <a:t> </a:t>
-                      </a:r>
-                      <a:r>
-                        <a:rPr sz="900" spc="0" dirty="0">
-                          <a:solidFill>
-                            <a:srgbClr val="020302"/>
-                          </a:solidFill>
-                          <a:latin typeface="AdobeClean-Light"/>
-                          <a:cs typeface="AdobeClean-Light"/>
-                        </a:rPr>
-                        <a:t>day</a:t>
-                      </a:r>
-                      <a:r>
-                        <a:rPr lang="en-US" sz="900" spc="0" dirty="0">
-                          <a:solidFill>
-                            <a:srgbClr val="020302"/>
-                          </a:solidFill>
-                          <a:latin typeface="AdobeClean-Light"/>
-                          <a:cs typeface="AdobeClean-Light"/>
-                        </a:rPr>
-                        <a:t> </a:t>
-                      </a:r>
-                      <a:r>
-                        <a:rPr sz="900" spc="0" dirty="0">
-                          <a:solidFill>
-                            <a:srgbClr val="020302"/>
-                          </a:solidFill>
-                          <a:latin typeface="AdobeClean-Light"/>
-                          <a:cs typeface="AdobeClean-Light"/>
-                        </a:rPr>
-                        <a:t>/  </a:t>
-                      </a:r>
-                      <a:r>
-                        <a:rPr lang="en-US" sz="900" spc="0" dirty="0">
-                          <a:solidFill>
-                            <a:srgbClr val="020302"/>
-                          </a:solidFill>
-                          <a:latin typeface="AdobeClean-Light"/>
-                          <a:cs typeface="AdobeClean-Light"/>
-                        </a:rPr>
-                        <a:t>    </a:t>
-                      </a:r>
-                      <a:r>
-                        <a:rPr sz="900" spc="0" dirty="0">
-                          <a:solidFill>
-                            <a:srgbClr val="020302"/>
-                          </a:solidFill>
-                          <a:latin typeface="AdobeClean-Light"/>
-                          <a:cs typeface="AdobeClean-Light"/>
-                        </a:rPr>
-                        <a:t>1 day</a:t>
+                        <a:t>工作日/1 天</a:t>
                       </a:r>
                       <a:endParaRPr sz="900" spc="0" dirty="0">
                         <a:latin typeface="AdobeClean-Light"/>
@@ -9265,16 +7865,6 @@
                         </a:spcBef>
                       </a:pPr>
                       <a:r>
-                        <a:rPr sz="900" spc="0" dirty="0">
-                          <a:solidFill>
-                            <a:srgbClr val="020302"/>
-                          </a:solidFill>
-                          <a:latin typeface="AdobeClean-Light"/>
-                          <a:cs typeface="AdobeClean-Light"/>
-                        </a:rPr>
-                        <a:t>Business</a:t>
-                      </a:r>
-                      <a:r>
                         <a:rPr lang="en-US" sz="900" spc="0" dirty="0">
                           <a:solidFill>
                             <a:srgbClr val="020302"/>
@@ -9282,57 +7872,7 @@
                           <a:latin typeface="AdobeClean-Light"/>
                           <a:cs typeface="AdobeClean-Light"/>
                         </a:rPr>
-                        <a:t> </a:t>
-                      </a:r>
-                      <a:r>
-                        <a:rPr sz="900" spc="0" dirty="0">
-                          <a:solidFill>
-                            <a:srgbClr val="020302"/>
-                          </a:solidFill>
-                          <a:latin typeface="AdobeClean-Light"/>
-                          <a:cs typeface="AdobeClean-Light"/>
-                        </a:rPr>
-                        <a:t>day</a:t>
-                      </a:r>
-                      <a:r>
-                        <a:rPr lang="en-US" sz="900" spc="0" dirty="0">
-                          <a:solidFill>
-                            <a:srgbClr val="020302"/>
-                          </a:solidFill>
-                          <a:latin typeface="AdobeClean-Light"/>
-                          <a:cs typeface="AdobeClean-Light"/>
-                        </a:rPr>
-                        <a:t> </a:t>
-                      </a:r>
-                      <a:r>
-                        <a:rPr sz="900" spc="0" dirty="0">
-                          <a:solidFill>
-                            <a:srgbClr val="020302"/>
-                          </a:solidFill>
-                          <a:latin typeface="AdobeClean-Light"/>
-                          <a:cs typeface="AdobeClean-Light"/>
-                        </a:rPr>
-                        <a:t>/  </a:t>
-                      </a:r>
-                      <a:r>
-                        <a:rPr lang="en-US" sz="900" spc="0" dirty="0">
-                          <a:solidFill>
-                            <a:srgbClr val="020302"/>
-                          </a:solidFill>
-                          <a:latin typeface="AdobeClean-Light"/>
-                          <a:cs typeface="AdobeClean-Light"/>
-                        </a:rPr>
-                        <a:t>   </a:t>
-                      </a:r>
-                      <a:r>
-                        <a:rPr sz="900" spc="0" dirty="0">
-                          <a:solidFill>
-                            <a:srgbClr val="020302"/>
-                          </a:solidFill>
-                          <a:latin typeface="AdobeClean-Light"/>
-                          <a:cs typeface="AdobeClean-Light"/>
-                        </a:rPr>
-                        <a:t>1 day</a:t>
+                        <a:t>工作日/1 天</a:t>
                       </a:r>
                       <a:endParaRPr sz="900" spc="0" dirty="0">
                         <a:latin typeface="AdobeClean-Light"/>
@@ -9379,13 +7919,7 @@
       </p:graphicFrame>
       <p:sp>
         <p:nvSpPr>
-          <p:cNvPr id="13" name="object 4">
-            <a:extLst>
-              <a:ext uri="{FF2B5EF4-FFF2-40B4-BE49-F238E27FC236}">
-                <a16:creationId xmlns:a16="http://schemas.microsoft.com/office/drawing/2014/main" id="{7979C0CC-523E-844A-96DC-75FC662E01AB}"/>
-              </a:ext>
-            </a:extLst>
-          </p:cNvPr>
+          <p:cNvPr id="13" name="object 4"/>
           <p:cNvSpPr txBox="1">
             <a:spLocks noGrp="1"/>
           </p:cNvSpPr>
@@ -9395,8 +7929,8 @@
         </p:nvSpPr>
         <p:spPr>
           <a:xfrm>
-            <a:off x="439022" y="54646"/>
-            <a:ext cx="5229466" cy="366767"/>
+            <a:off x="438785" y="54610"/>
+            <a:ext cx="4869180" cy="366395"/>
           </a:xfrm>
           <a:prstGeom prst="rect">
             <a:avLst/>
@@ -9417,16 +7951,10 @@
               </a:spcBef>
             </a:pPr>
             <a:r>
-              <a:rPr sz="2300" dirty="0">
-                <a:latin typeface="Adobe Clean" panose="020B0503020404020204" pitchFamily="34" charset="0"/>
-              </a:rPr>
-              <a:t>ADOBE </a:t>
-            </a:r>
-            <a:r>
               <a:rPr lang="en-US" sz="2300" dirty="0">
                 <a:latin typeface="Adobe Clean" panose="020B0503020404020204" pitchFamily="34" charset="0"/>
               </a:rPr>
-              <a:t>SUPPORT OFFERINGS</a:t>
+              <a:t>Adobe 支持产品/服务</a:t>
             </a:r>
             <a:endParaRPr sz="2300" dirty="0">
               <a:latin typeface="Adobe Clean" panose="020B0503020404020204" pitchFamily="34" charset="0"/>
@@ -9436,13 +7964,7 @@
       </p:sp>
       <p:sp>
         <p:nvSpPr>
-          <p:cNvPr id="14" name="TextBox 13">
-            <a:extLst>
-              <a:ext uri="{FF2B5EF4-FFF2-40B4-BE49-F238E27FC236}">
-                <a16:creationId xmlns:a16="http://schemas.microsoft.com/office/drawing/2014/main" id="{BC4E055B-62C1-4041-84B5-EEB041BE12EF}"/>
-              </a:ext>
-            </a:extLst>
-          </p:cNvPr>
+          <p:cNvPr id="14" name="TextBox 13"/>
           <p:cNvSpPr txBox="1"/>
           <p:nvPr/>
         </p:nvSpPr>
@@ -9700,7 +8222,7 @@
         <p:spPr>
           <a:xfrm>
             <a:off x="244598" y="1844378"/>
-            <a:ext cx="7070597" cy="379463"/>
+            <a:ext cx="7070597" cy="394335"/>
           </a:xfrm>
           <a:prstGeom prst="rect">
             <a:avLst/>
@@ -9728,117 +8250,27 @@
                 <a:latin typeface="AdobeClean-Light"/>
                 <a:cs typeface="AdobeClean-Light"/>
               </a:rPr>
-              <a:t>Adobe Customer Support offers a</a:t>
-            </a:r>
-            <a:r>
-              <a:rPr sz="1000" spc="-20" dirty="0">
+              <a:t>Adobe 客户支持提供对在线资源</a:t>
+            </a:r>
+            <a:r>
+              <a:rPr lang="en-US" sz="1000" spc="-10" dirty="0">
                 <a:solidFill>
                   <a:srgbClr val="020302"/>
                 </a:solidFill>
                 <a:latin typeface="AdobeClean-Light"/>
                 <a:cs typeface="AdobeClean-Light"/>
               </a:rPr>
-              <a:t>ccess</a:t>
-            </a:r>
-            <a:r>
-              <a:rPr sz="1000" spc="-90" dirty="0">
+              <a:t>的访问</a:t>
+            </a:r>
+            <a:r>
+              <a:rPr lang="en-US" sz="1000" spc="-20" dirty="0">
                 <a:solidFill>
                   <a:srgbClr val="020302"/>
                 </a:solidFill>
                 <a:latin typeface="AdobeClean-Light"/>
                 <a:cs typeface="AdobeClean-Light"/>
               </a:rPr>
-              <a:t> </a:t>
-            </a:r>
-            <a:r>
-              <a:rPr sz="1000" spc="-10" dirty="0">
-                <a:solidFill>
-                  <a:srgbClr val="020302"/>
-                </a:solidFill>
-                <a:latin typeface="AdobeClean-Light"/>
-                <a:cs typeface="AdobeClean-Light"/>
-              </a:rPr>
-              <a:t>to</a:t>
-            </a:r>
-            <a:r>
-              <a:rPr sz="1000" spc="10" dirty="0">
-                <a:solidFill>
-                  <a:srgbClr val="020302"/>
-                </a:solidFill>
-                <a:latin typeface="AdobeClean-Light"/>
-                <a:cs typeface="AdobeClean-Light"/>
-              </a:rPr>
-              <a:t> </a:t>
-            </a:r>
-            <a:r>
-              <a:rPr sz="1000" spc="-20" dirty="0">
-                <a:solidFill>
-                  <a:srgbClr val="020302"/>
-                </a:solidFill>
-                <a:latin typeface="AdobeClean-Light"/>
-                <a:cs typeface="AdobeClean-Light"/>
-              </a:rPr>
-              <a:t>online</a:t>
-            </a:r>
-            <a:r>
-              <a:rPr sz="1000" spc="-125" dirty="0">
-                <a:solidFill>
-                  <a:srgbClr val="020302"/>
-                </a:solidFill>
-                <a:latin typeface="AdobeClean-Light"/>
-                <a:cs typeface="AdobeClean-Light"/>
-              </a:rPr>
-              <a:t> </a:t>
-            </a:r>
-            <a:r>
-              <a:rPr sz="1000" spc="-20" dirty="0">
-                <a:solidFill>
-                  <a:srgbClr val="020302"/>
-                </a:solidFill>
-                <a:latin typeface="AdobeClean-Light"/>
-                <a:cs typeface="AdobeClean-Light"/>
-              </a:rPr>
-              <a:t>resources</a:t>
-            </a:r>
-            <a:r>
-              <a:rPr sz="1000" spc="-120" dirty="0">
-                <a:solidFill>
-                  <a:srgbClr val="020302"/>
-                </a:solidFill>
-                <a:latin typeface="AdobeClean-Light"/>
-                <a:cs typeface="AdobeClean-Light"/>
-              </a:rPr>
-              <a:t> </a:t>
-            </a:r>
-            <a:r>
-              <a:rPr sz="1000" spc="-15" dirty="0">
-                <a:solidFill>
-                  <a:srgbClr val="020302"/>
-                </a:solidFill>
-                <a:latin typeface="AdobeClean-Light"/>
-                <a:cs typeface="AdobeClean-Light"/>
-              </a:rPr>
-              <a:t>for</a:t>
-            </a:r>
-            <a:r>
-              <a:rPr sz="1000" spc="-30" dirty="0">
-                <a:solidFill>
-                  <a:srgbClr val="020302"/>
-                </a:solidFill>
-                <a:latin typeface="AdobeClean-Light"/>
-                <a:cs typeface="AdobeClean-Light"/>
-              </a:rPr>
-              <a:t> </a:t>
-            </a:r>
-            <a:r>
-              <a:rPr sz="1000" spc="-15" dirty="0">
-                <a:solidFill>
-                  <a:srgbClr val="020302"/>
-                </a:solidFill>
-                <a:latin typeface="AdobeClean-Light"/>
-                <a:cs typeface="AdobeClean-Light"/>
-              </a:rPr>
-              <a:t>documentation,</a:t>
+              <a:t>权限以获取文档</a:t>
             </a:r>
             <a:r>
               <a:rPr lang="en-US" sz="1000" spc="-15" dirty="0">
@@ -9848,17 +8280,17 @@
                 <a:latin typeface="AdobeClean-Light"/>
                 <a:cs typeface="AdobeClean-Light"/>
               </a:rPr>
-              <a:t> </a:t>
-            </a:r>
-            <a:r>
-              <a:rPr sz="1000" spc="-15" dirty="0">
+              <a:t>、与其他专家和客户互动</a:t>
+            </a:r>
+            <a:r>
+              <a:rPr lang="en-US" sz="1000" spc="-20" dirty="0">
                 <a:solidFill>
                   <a:srgbClr val="020302"/>
                 </a:solidFill>
                 <a:latin typeface="AdobeClean-Light"/>
                 <a:cs typeface="AdobeClean-Light"/>
               </a:rPr>
-              <a:t>engagement</a:t>
+              <a:t>以获得</a:t>
             </a:r>
             <a:r>
               <a:rPr lang="en-US" sz="1000" spc="-15" dirty="0">
@@ -9868,289 +8300,178 @@
                 <a:latin typeface="AdobeClean-Light"/>
                 <a:cs typeface="AdobeClean-Light"/>
               </a:rPr>
-              <a:t> </a:t>
-            </a:r>
-            <a:r>
-              <a:rPr sz="1000" spc="-15" dirty="0">
+              <a:t>最佳</a:t>
+            </a:r>
+            <a:r>
+              <a:rPr lang="en-US" sz="1000" spc="-20" dirty="0">
                 <a:solidFill>
                   <a:srgbClr val="020302"/>
                 </a:solidFill>
                 <a:latin typeface="AdobeClean-Light"/>
                 <a:cs typeface="AdobeClean-Light"/>
               </a:rPr>
-              <a:t>with</a:t>
-            </a:r>
-            <a:r>
-              <a:rPr sz="1000" spc="-35" dirty="0">
+              <a:t>实践</a:t>
+            </a:r>
+            <a:r>
+              <a:rPr lang="en-US" sz="1000" spc="-15" dirty="0">
                 <a:solidFill>
                   <a:srgbClr val="020302"/>
                 </a:solidFill>
                 <a:latin typeface="AdobeClean-Light"/>
                 <a:cs typeface="AdobeClean-Light"/>
               </a:rPr>
-              <a:t> </a:t>
-            </a:r>
-            <a:r>
-              <a:rPr sz="1000" spc="-20" dirty="0">
+              <a:t>以及</a:t>
+            </a:r>
+            <a:r>
+              <a:rPr lang="en-US" sz="1000" spc="-20" dirty="0">
                 <a:solidFill>
                   <a:srgbClr val="020302"/>
                 </a:solidFill>
                 <a:latin typeface="AdobeClean-Light"/>
                 <a:cs typeface="AdobeClean-Light"/>
               </a:rPr>
-              <a:t>other experts </a:t>
-            </a:r>
-            <a:r>
-              <a:rPr sz="1000" spc="-15" dirty="0">
+              <a:t>对网络</a:t>
+            </a:r>
+            <a:r>
+              <a:rPr lang="en-US" sz="1000" spc="-15" dirty="0">
                 <a:solidFill>
                   <a:srgbClr val="020302"/>
                 </a:solidFill>
                 <a:latin typeface="AdobeClean-Light"/>
                 <a:cs typeface="AdobeClean-Light"/>
               </a:rPr>
-              <a:t>and </a:t>
-            </a:r>
-            <a:r>
-              <a:rPr sz="1000" spc="-20" dirty="0">
+              <a:t>研讨会系列</a:t>
+            </a:r>
+            <a:r>
+              <a:rPr lang="en-US" sz="1000" spc="-20" dirty="0">
                 <a:solidFill>
                   <a:srgbClr val="020302"/>
                 </a:solidFill>
                 <a:latin typeface="AdobeClean-Light"/>
                 <a:cs typeface="AdobeClean-Light"/>
               </a:rPr>
-              <a:t>customers </a:t>
-            </a:r>
-            <a:r>
-              <a:rPr sz="1000" spc="-15" dirty="0">
+              <a:t>（办公</a:t>
+            </a:r>
+            <a:r>
+              <a:rPr lang="en-US" sz="1000" spc="-15" dirty="0">
                 <a:solidFill>
                   <a:srgbClr val="020302"/>
                 </a:solidFill>
                 <a:latin typeface="AdobeClean-Light"/>
                 <a:cs typeface="AdobeClean-Light"/>
               </a:rPr>
-              <a:t>for best </a:t>
-            </a:r>
-            <a:r>
-              <a:rPr sz="1000" spc="-20" dirty="0">
+              <a:t>时间）的访问</a:t>
+            </a:r>
+            <a:r>
+              <a:rPr lang="en-US" sz="1000" spc="-20" dirty="0">
                 <a:solidFill>
                   <a:srgbClr val="020302"/>
                 </a:solidFill>
                 <a:latin typeface="AdobeClean-Light"/>
                 <a:cs typeface="AdobeClean-Light"/>
               </a:rPr>
-              <a:t>practices, </a:t>
-            </a:r>
-            <a:r>
-              <a:rPr sz="1000" spc="-15" dirty="0">
+              <a:t>权限以获取</a:t>
+            </a:r>
+            <a:r>
+              <a:rPr lang="en-US" sz="1000" spc="-15" dirty="0">
                 <a:solidFill>
                   <a:srgbClr val="020302"/>
                 </a:solidFill>
                 <a:latin typeface="AdobeClean-Light"/>
                 <a:cs typeface="AdobeClean-Light"/>
               </a:rPr>
-              <a:t>and </a:t>
-            </a:r>
-            <a:r>
-              <a:rPr sz="1000" spc="-20" dirty="0">
+              <a:t>故障排除提示和</a:t>
+            </a:r>
+            <a:r>
+              <a:rPr lang="en-US" sz="1000" spc="-20" dirty="0">
                 <a:solidFill>
                   <a:srgbClr val="020302"/>
                 </a:solidFill>
                 <a:latin typeface="AdobeClean-Light"/>
                 <a:cs typeface="AdobeClean-Light"/>
               </a:rPr>
-              <a:t>webinar series (Office  </a:t>
-            </a:r>
-            <a:r>
-              <a:rPr sz="1000" spc="-15" dirty="0">
+              <a:t>技巧。此外，</a:t>
+            </a:r>
+            <a:r>
+              <a:rPr lang="en-US" sz="1000" spc="-15" dirty="0">
                 <a:solidFill>
                   <a:srgbClr val="020302"/>
                 </a:solidFill>
                 <a:latin typeface="AdobeClean-Light"/>
                 <a:cs typeface="AdobeClean-Light"/>
               </a:rPr>
-              <a:t>Hours) for </a:t>
-            </a:r>
-            <a:r>
-              <a:rPr sz="1000" spc="-20" dirty="0">
+              <a:t>还可</a:t>
+            </a:r>
+            <a:r>
+              <a:rPr lang="en-US" sz="1000" spc="-20" dirty="0">
                 <a:solidFill>
                   <a:srgbClr val="020302"/>
                 </a:solidFill>
                 <a:latin typeface="AdobeClean-Light"/>
                 <a:cs typeface="AdobeClean-Light"/>
               </a:rPr>
-              <a:t>troubleshooting </a:t>
-            </a:r>
-            <a:r>
-              <a:rPr sz="1000" spc="-15" dirty="0">
+              <a:t>通过</a:t>
+            </a:r>
+            <a:r>
+              <a:rPr lang="en-US" sz="1000" spc="-25" dirty="0">
                 <a:solidFill>
                   <a:srgbClr val="020302"/>
                 </a:solidFill>
                 <a:latin typeface="AdobeClean-Light"/>
                 <a:cs typeface="AdobeClean-Light"/>
               </a:rPr>
-              <a:t>tips and </a:t>
-            </a:r>
-            <a:r>
-              <a:rPr sz="1000" spc="-20" dirty="0">
+              <a:t>几个</a:t>
+            </a:r>
+            <a:r>
+              <a:rPr lang="en-US" sz="1000" spc="-15" dirty="0">
                 <a:solidFill>
                   <a:srgbClr val="020302"/>
                 </a:solidFill>
                 <a:latin typeface="AdobeClean-Light"/>
                 <a:cs typeface="AdobeClean-Light"/>
               </a:rPr>
-              <a:t>tricks. Several channels </a:t>
-            </a:r>
-            <a:r>
-              <a:rPr sz="1000" spc="-15" dirty="0">
+              <a:t>渠道</a:t>
+            </a:r>
+            <a:r>
+              <a:rPr lang="en-US" sz="1000" spc="-20" dirty="0">
                 <a:solidFill>
                   <a:srgbClr val="020302"/>
                 </a:solidFill>
                 <a:latin typeface="AdobeClean-Light"/>
                 <a:cs typeface="AdobeClean-Light"/>
               </a:rPr>
-              <a:t>are</a:t>
-            </a:r>
-            <a:r>
-              <a:rPr sz="1000" spc="-140" dirty="0">
+              <a:t>来</a:t>
+            </a:r>
+            <a:r>
+              <a:rPr lang="en-US" sz="1000" spc="-15" dirty="0">
                 <a:solidFill>
                   <a:srgbClr val="020302"/>
                 </a:solidFill>
                 <a:latin typeface="AdobeClean-Light"/>
                 <a:cs typeface="AdobeClean-Light"/>
               </a:rPr>
-              <a:t> </a:t>
-            </a:r>
-            <a:r>
-              <a:rPr sz="1000" spc="-20" dirty="0">
+              <a:t>提交</a:t>
+            </a:r>
+            <a:r>
+              <a:rPr lang="en-US" sz="1000" spc="-20" dirty="0">
                 <a:solidFill>
                   <a:srgbClr val="020302"/>
                 </a:solidFill>
                 <a:latin typeface="AdobeClean-Light"/>
                 <a:cs typeface="AdobeClean-Light"/>
               </a:rPr>
-              <a:t>also</a:t>
-            </a:r>
-            <a:r>
-              <a:rPr lang="en-US" sz="1000" dirty="0">
-                <a:latin typeface="AdobeClean-Light"/>
-                <a:cs typeface="AdobeClean-Light"/>
-              </a:rPr>
-              <a:t> </a:t>
-            </a:r>
-            <a:r>
-              <a:rPr sz="1000" spc="-25" dirty="0">
+              <a:t>问题和案例</a:t>
+            </a:r>
+            <a:r>
+              <a:rPr lang="zh-CN" altLang="en-US" sz="1000" spc="-20" dirty="0">
                 <a:solidFill>
                   <a:srgbClr val="020302"/>
                 </a:solidFill>
                 <a:latin typeface="AdobeClean-Light"/>
                 <a:cs typeface="AdobeClean-Light"/>
               </a:rPr>
-              <a:t>available</a:t>
-            </a:r>
-            <a:r>
-              <a:rPr sz="1000" spc="-65" dirty="0">
-                <a:solidFill>
-                  <a:srgbClr val="020302"/>
-                </a:solidFill>
-                <a:latin typeface="AdobeClean-Light"/>
-                <a:cs typeface="AdobeClean-Light"/>
-              </a:rPr>
-              <a:t> </a:t>
-            </a:r>
-            <a:r>
-              <a:rPr sz="1000" spc="-15" dirty="0">
-                <a:solidFill>
-                  <a:srgbClr val="020302"/>
-                </a:solidFill>
-                <a:latin typeface="AdobeClean-Light"/>
-                <a:cs typeface="AdobeClean-Light"/>
-              </a:rPr>
-              <a:t>for</a:t>
-            </a:r>
-            <a:r>
-              <a:rPr sz="1000" spc="-25" dirty="0">
-                <a:solidFill>
-                  <a:srgbClr val="020302"/>
-                </a:solidFill>
-                <a:latin typeface="AdobeClean-Light"/>
-                <a:cs typeface="AdobeClean-Light"/>
-              </a:rPr>
-              <a:t> </a:t>
-            </a:r>
-            <a:r>
-              <a:rPr sz="1000" spc="-20" dirty="0">
-                <a:solidFill>
-                  <a:srgbClr val="020302"/>
-                </a:solidFill>
-                <a:latin typeface="AdobeClean-Light"/>
-                <a:cs typeface="AdobeClean-Light"/>
-              </a:rPr>
-              <a:t>questions</a:t>
-            </a:r>
-            <a:r>
-              <a:rPr sz="1000" spc="-114" dirty="0">
-                <a:solidFill>
-                  <a:srgbClr val="020302"/>
-                </a:solidFill>
-                <a:latin typeface="AdobeClean-Light"/>
-                <a:cs typeface="AdobeClean-Light"/>
-              </a:rPr>
-              <a:t> </a:t>
-            </a:r>
-            <a:r>
-              <a:rPr sz="1000" spc="-15" dirty="0">
-                <a:solidFill>
-                  <a:srgbClr val="020302"/>
-                </a:solidFill>
-                <a:latin typeface="AdobeClean-Light"/>
-                <a:cs typeface="AdobeClean-Light"/>
-              </a:rPr>
-              <a:t>and</a:t>
-            </a:r>
-            <a:r>
-              <a:rPr sz="1000" spc="-45" dirty="0">
-                <a:solidFill>
-                  <a:srgbClr val="020302"/>
-                </a:solidFill>
-                <a:latin typeface="AdobeClean-Light"/>
-                <a:cs typeface="AdobeClean-Light"/>
-              </a:rPr>
-              <a:t> </a:t>
-            </a:r>
-            <a:r>
-              <a:rPr sz="1000" spc="-20" dirty="0">
-                <a:solidFill>
-                  <a:srgbClr val="020302"/>
-                </a:solidFill>
-                <a:latin typeface="AdobeClean-Light"/>
-                <a:cs typeface="AdobeClean-Light"/>
-              </a:rPr>
-              <a:t>case</a:t>
-            </a:r>
-            <a:r>
-              <a:rPr sz="1000" spc="-35" dirty="0">
-                <a:solidFill>
-                  <a:srgbClr val="020302"/>
-                </a:solidFill>
-                <a:latin typeface="AdobeClean-Light"/>
-                <a:cs typeface="AdobeClean-Light"/>
-              </a:rPr>
-              <a:t> </a:t>
-            </a:r>
-            <a:r>
-              <a:rPr sz="1000" spc="-20" dirty="0">
-                <a:solidFill>
-                  <a:srgbClr val="020302"/>
-                </a:solidFill>
-                <a:latin typeface="AdobeClean-Light"/>
-                <a:cs typeface="AdobeClean-Light"/>
-              </a:rPr>
-              <a:t>submissions</a:t>
-            </a:r>
-            <a:endParaRPr sz="1000" dirty="0">
-              <a:latin typeface="AdobeClean-Light"/>
-              <a:cs typeface="AdobeClean-Light"/>
-            </a:endParaRPr>
+              <a:t>。</a:t>
+            </a:r>
           </a:p>
         </p:txBody>
       </p:sp>
@@ -10183,98 +8504,68 @@
                 <a:spcPts val="100"/>
               </a:spcBef>
               <a:tabLst>
-                <a:tab pos="1786889" algn="l"/>
+                <a:tab pos="1786255" algn="l"/>
               </a:tabLst>
             </a:pPr>
             <a:r>
-              <a:rPr sz="900" spc="-20" dirty="0">
+              <a:rPr lang="en-US" sz="900" spc="-20" dirty="0">
                 <a:solidFill>
                   <a:srgbClr val="020302"/>
                 </a:solidFill>
                 <a:latin typeface="AdobeClean-Light"/>
                 <a:cs typeface="AdobeClean-Light"/>
               </a:rPr>
-              <a:t>Start </a:t>
-            </a:r>
-            <a:r>
-              <a:rPr sz="900" dirty="0">
+              <a:t>开始</a:t>
+            </a:r>
+            <a:r>
+              <a:rPr lang="en-US" sz="900" spc="-15" dirty="0">
                 <a:solidFill>
                   <a:srgbClr val="020302"/>
                 </a:solidFill>
                 <a:latin typeface="AdobeClean-Light"/>
                 <a:cs typeface="AdobeClean-Light"/>
               </a:rPr>
-              <a:t>a </a:t>
-            </a:r>
-            <a:r>
-              <a:rPr sz="900" spc="-15" dirty="0">
+              <a:t>聊天</a:t>
+            </a:r>
+            <a:r>
+              <a:rPr lang="en-US" sz="900" spc="-10" dirty="0">
                 <a:solidFill>
                   <a:srgbClr val="020302"/>
                 </a:solidFill>
                 <a:latin typeface="AdobeClean-Light"/>
                 <a:cs typeface="AdobeClean-Light"/>
               </a:rPr>
-              <a:t>chat </a:t>
-            </a:r>
-            <a:r>
-              <a:rPr sz="900" spc="-10" dirty="0">
+              <a:t>会话</a:t>
+            </a:r>
+            <a:r>
+              <a:rPr lang="en-US" sz="900" spc="-5" dirty="0">
                 <a:solidFill>
                   <a:srgbClr val="020302"/>
                 </a:solidFill>
                 <a:latin typeface="AdobeClean-Light"/>
                 <a:cs typeface="AdobeClean-Light"/>
               </a:rPr>
-              <a:t>session </a:t>
-            </a:r>
-            <a:r>
-              <a:rPr sz="900" spc="-5" dirty="0">
+              <a:t>以</a:t>
+            </a:r>
+            <a:r>
+              <a:rPr lang="en-US" sz="900" spc="-10" dirty="0">
                 <a:solidFill>
                   <a:srgbClr val="020302"/>
                 </a:solidFill>
                 <a:latin typeface="AdobeClean-Light"/>
                 <a:cs typeface="AdobeClean-Light"/>
               </a:rPr>
-              <a:t>to </a:t>
-            </a:r>
-            <a:r>
-              <a:rPr sz="900" spc="-10" dirty="0">
+              <a:t>获取</a:t>
+            </a:r>
+            <a:r>
+              <a:rPr lang="en-US" sz="900" spc="-20" dirty="0">
                 <a:solidFill>
                   <a:srgbClr val="020302"/>
                 </a:solidFill>
                 <a:latin typeface="AdobeClean-Light"/>
                 <a:cs typeface="AdobeClean-Light"/>
               </a:rPr>
-              <a:t>get </a:t>
-            </a:r>
-            <a:r>
-              <a:rPr sz="900" spc="30" dirty="0">
-                <a:solidFill>
-                  <a:srgbClr val="020302"/>
-                </a:solidFill>
-                <a:latin typeface="AdobeClean-Light"/>
-                <a:cs typeface="AdobeClean-Light"/>
-              </a:rPr>
-              <a:t> </a:t>
-            </a:r>
-            <a:r>
-              <a:rPr sz="900" spc="-20" dirty="0">
-                <a:solidFill>
-                  <a:srgbClr val="020302"/>
-                </a:solidFill>
-                <a:latin typeface="AdobeClean-Light"/>
-                <a:cs typeface="AdobeClean-Light"/>
-              </a:rPr>
-              <a:t>answers</a:t>
-            </a:r>
-            <a:r>
-              <a:rPr lang="en-US" sz="900" spc="-45" dirty="0">
-                <a:solidFill>
-                  <a:srgbClr val="020302"/>
-                </a:solidFill>
-                <a:latin typeface="AdobeClean-Light"/>
-                <a:cs typeface="AdobeClean-Light"/>
-              </a:rPr>
-              <a:t> </a:t>
+              <a:t>答案</a:t>
             </a:r>
             <a:r>
               <a:rPr lang="en-US" sz="900" dirty="0">
@@ -10284,57 +8575,27 @@
                 <a:latin typeface="AdobeClean-Light"/>
                 <a:cs typeface="AdobeClean-Light"/>
               </a:rPr>
-              <a:t>&amp; </a:t>
-            </a:r>
-            <a:r>
-              <a:rPr sz="900" spc="-15" dirty="0">
+              <a:t>并</a:t>
+            </a:r>
+            <a:r>
+              <a:rPr lang="en-US" sz="900" spc="-15" dirty="0">
                 <a:solidFill>
                   <a:srgbClr val="020302"/>
                 </a:solidFill>
                 <a:latin typeface="AdobeClean-Light"/>
                 <a:cs typeface="AdobeClean-Light"/>
               </a:rPr>
-              <a:t>help </a:t>
-            </a:r>
-            <a:r>
-              <a:rPr sz="900" spc="-10" dirty="0">
+              <a:t>帮助</a:t>
+            </a:r>
+            <a:r>
+              <a:rPr lang="en-US" sz="900" spc="-10" dirty="0">
                 <a:solidFill>
                   <a:srgbClr val="020302"/>
                 </a:solidFill>
                 <a:latin typeface="AdobeClean-Light"/>
                 <a:cs typeface="AdobeClean-Light"/>
               </a:rPr>
-              <a:t>with</a:t>
-            </a:r>
-            <a:r>
-              <a:rPr sz="900" spc="85" dirty="0">
-                <a:solidFill>
-                  <a:srgbClr val="020302"/>
-                </a:solidFill>
-                <a:latin typeface="AdobeClean-Light"/>
-                <a:cs typeface="AdobeClean-Light"/>
-              </a:rPr>
-              <a:t> </a:t>
-            </a:r>
-            <a:r>
-              <a:rPr sz="900" spc="-10" dirty="0">
-                <a:solidFill>
-                  <a:srgbClr val="020302"/>
-                </a:solidFill>
-                <a:latin typeface="AdobeClean-Light"/>
-                <a:cs typeface="AdobeClean-Light"/>
-              </a:rPr>
-              <a:t>case </a:t>
-            </a:r>
-            <a:r>
-              <a:rPr sz="900" spc="-20" dirty="0">
-                <a:solidFill>
-                  <a:srgbClr val="020302"/>
-                </a:solidFill>
-                <a:latin typeface="AdobeClean-Light"/>
-                <a:cs typeface="AdobeClean-Light"/>
-              </a:rPr>
-              <a:t>submission</a:t>
+              <a:t>提交案例</a:t>
             </a:r>
             <a:endParaRPr lang="en-US" sz="900" spc="-20" dirty="0">
               <a:solidFill>
@@ -10353,28 +8614,28 @@
                 <a:spcPts val="100"/>
               </a:spcBef>
               <a:tabLst>
-                <a:tab pos="1786889" algn="l"/>
+                <a:tab pos="1786255" algn="l"/>
               </a:tabLst>
             </a:pPr>
             <a:r>
-              <a:rPr sz="900" i="1" spc="-10" dirty="0">
+              <a:rPr lang="en-US" sz="900" i="1" spc="-10" dirty="0">
                 <a:solidFill>
                   <a:srgbClr val="7A7A7A"/>
                 </a:solidFill>
                 <a:latin typeface="AdobeClean-LightIt"/>
                 <a:cs typeface="AdobeClean-LightIt"/>
               </a:rPr>
-              <a:t>*Not all </a:t>
-            </a:r>
-            <a:r>
-              <a:rPr sz="900" i="1" spc="-20" dirty="0">
+              <a:t>*并非所有</a:t>
+            </a:r>
+            <a:r>
+              <a:rPr lang="en-US" sz="900" i="1" spc="-20" dirty="0">
                 <a:solidFill>
                   <a:srgbClr val="7A7A7A"/>
                 </a:solidFill>
                 <a:latin typeface="AdobeClean-LightIt"/>
                 <a:cs typeface="AdobeClean-LightIt"/>
               </a:rPr>
-              <a:t>products have live chat support.  </a:t>
+              <a:t>产品都提供实时聊天支持。</a:t>
             </a:r>
             <a:endParaRPr sz="900" dirty="0">
               <a:latin typeface="AdobeClean-Light"/>
@@ -10414,13 +8675,7 @@
       </p:sp>
       <p:sp>
         <p:nvSpPr>
-          <p:cNvPr id="58" name="Rectangle 57">
-            <a:extLst>
-              <a:ext uri="{FF2B5EF4-FFF2-40B4-BE49-F238E27FC236}">
-                <a16:creationId xmlns:a16="http://schemas.microsoft.com/office/drawing/2014/main" id="{B557BBA0-B07E-174D-93A4-C6FF07571950}"/>
-              </a:ext>
-            </a:extLst>
-          </p:cNvPr>
+          <p:cNvPr id="58" name="Rectangle 57"/>
           <p:cNvSpPr/>
           <p:nvPr/>
         </p:nvSpPr>
@@ -10455,7 +8710,7 @@
                 <a:latin typeface="Adobe Clean"/>
                 <a:cs typeface="Adobe Clean"/>
               </a:rPr>
-              <a:t>Online Support</a:t>
+              <a:t>在线支持</a:t>
             </a:r>
             <a:endParaRPr lang="en-US" sz="1400" dirty="0">
               <a:latin typeface="Adobe Clean"/>
@@ -10466,16 +8721,8 @@
       </p:sp>
       <p:sp>
         <p:nvSpPr>
-          <p:cNvPr id="60" name="TextBox 59">
-            <a:extLst>
-              <a:ext uri="{FF2B5EF4-FFF2-40B4-BE49-F238E27FC236}">
-                <a16:creationId xmlns:a16="http://schemas.microsoft.com/office/drawing/2014/main" id="{294BFC9C-CB48-FE4C-887D-D38E0BAE6627}"/>
-              </a:ext>
-            </a:extLst>
-          </p:cNvPr>
-          <p:cNvSpPr txBox="1">
-            <a:spLocks/>
-          </p:cNvSpPr>
+          <p:cNvPr id="60" name="TextBox 59"/>
+          <p:cNvSpPr txBox="1"/>
           <p:nvPr/>
         </p:nvSpPr>
         <p:spPr>
@@ -10512,23 +8759,15 @@
                   <a:srgbClr val="000000"/>
                 </a:solidFill>
               </a:rPr>
-              <a:t>Community Forums</a:t>
+              <a:t>社区论坛</a:t>
             </a:r>
           </a:p>
         </p:txBody>
       </p:sp>
       <p:sp>
         <p:nvSpPr>
-          <p:cNvPr id="61" name="Rectangle 60">
-            <a:extLst>
-              <a:ext uri="{FF2B5EF4-FFF2-40B4-BE49-F238E27FC236}">
-                <a16:creationId xmlns:a16="http://schemas.microsoft.com/office/drawing/2014/main" id="{8F4C73CC-314D-8744-A9C8-6CE3C69810AD}"/>
-              </a:ext>
-            </a:extLst>
-          </p:cNvPr>
-          <p:cNvSpPr>
-            <a:spLocks/>
-          </p:cNvSpPr>
+          <p:cNvPr id="61" name="Rectangle 60"/>
+          <p:cNvSpPr/>
           <p:nvPr/>
         </p:nvSpPr>
         <p:spPr>
@@ -10560,20 +8799,14 @@
                 <a:ea typeface="Open Sans" pitchFamily="34" charset="0"/>
                 <a:cs typeface="Open Sans" pitchFamily="34" charset="0"/>
               </a:rPr>
-              <a:t>Online Forums</a:t>
+              <a:t>在线论坛</a:t>
             </a:r>
           </a:p>
         </p:txBody>
       </p:sp>
       <p:sp>
         <p:nvSpPr>
-          <p:cNvPr id="63" name="object 39">
-            <a:extLst>
-              <a:ext uri="{FF2B5EF4-FFF2-40B4-BE49-F238E27FC236}">
-                <a16:creationId xmlns:a16="http://schemas.microsoft.com/office/drawing/2014/main" id="{5FDB276C-3505-C748-B612-64E8B08A71CB}"/>
-              </a:ext>
-            </a:extLst>
-          </p:cNvPr>
+          <p:cNvPr id="63" name="object 39"/>
           <p:cNvSpPr txBox="1"/>
           <p:nvPr/>
         </p:nvSpPr>
@@ -10599,23 +8832,15 @@
                 </a:solidFill>
                 <a:latin typeface="Adobe Clean Light" panose="020B0303020404020204" pitchFamily="34" charset="0"/>
               </a:rPr>
-              <a:t>Continuous online access to a growing database of technical solutions, product documentation, FAQs and more. Connect with practitioners and other customers on Adobe Community to share best practices and lessons learned.</a:t>
+              <a:t>持续在线访问包括技术解决方案、产品文档、常见问题解答等的不断增长的数据库。在 Adobe 社区与从业人员和其他客户联系，分享最佳实践和经验教训。</a:t>
             </a:r>
           </a:p>
         </p:txBody>
       </p:sp>
       <p:sp>
         <p:nvSpPr>
-          <p:cNvPr id="64" name="TextBox 63">
-            <a:extLst>
-              <a:ext uri="{FF2B5EF4-FFF2-40B4-BE49-F238E27FC236}">
-                <a16:creationId xmlns:a16="http://schemas.microsoft.com/office/drawing/2014/main" id="{307D5718-D08A-9540-BB33-65BD23443E9E}"/>
-              </a:ext>
-            </a:extLst>
-          </p:cNvPr>
-          <p:cNvSpPr txBox="1">
-            <a:spLocks/>
-          </p:cNvSpPr>
+          <p:cNvPr id="64" name="TextBox 63"/>
+          <p:cNvSpPr txBox="1"/>
           <p:nvPr/>
         </p:nvSpPr>
         <p:spPr>
@@ -10659,16 +8884,8 @@
       </p:sp>
       <p:sp>
         <p:nvSpPr>
-          <p:cNvPr id="65" name="Rectangle 64">
-            <a:extLst>
-              <a:ext uri="{FF2B5EF4-FFF2-40B4-BE49-F238E27FC236}">
-                <a16:creationId xmlns:a16="http://schemas.microsoft.com/office/drawing/2014/main" id="{6E1B1B00-5842-3A4E-A250-97EC5CF16C89}"/>
-              </a:ext>
-            </a:extLst>
-          </p:cNvPr>
-          <p:cNvSpPr>
-            <a:spLocks/>
-          </p:cNvSpPr>
+          <p:cNvPr id="65" name="Rectangle 64"/>
+          <p:cNvSpPr/>
           <p:nvPr/>
         </p:nvSpPr>
         <p:spPr>
@@ -10700,20 +8917,14 @@
                 <a:ea typeface="Open Sans" pitchFamily="34" charset="0"/>
                 <a:cs typeface="Open Sans" pitchFamily="34" charset="0"/>
               </a:rPr>
-              <a:t>Self-guided Journeys</a:t>
+              <a:t>自助式历程</a:t>
             </a:r>
           </a:p>
         </p:txBody>
       </p:sp>
       <p:sp>
         <p:nvSpPr>
-          <p:cNvPr id="67" name="object 39">
-            <a:extLst>
-              <a:ext uri="{FF2B5EF4-FFF2-40B4-BE49-F238E27FC236}">
-                <a16:creationId xmlns:a16="http://schemas.microsoft.com/office/drawing/2014/main" id="{22816550-445E-B945-8FBC-36EF6779CB5A}"/>
-              </a:ext>
-            </a:extLst>
-          </p:cNvPr>
+          <p:cNvPr id="67" name="object 39"/>
           <p:cNvSpPr txBox="1"/>
           <p:nvPr/>
         </p:nvSpPr>
@@ -10739,23 +8950,15 @@
                 </a:solidFill>
                 <a:latin typeface="Adobe Clean Light" panose="020B0303020404020204" pitchFamily="34" charset="0"/>
               </a:rPr>
-              <a:t>Experience Makers are made with Experience League. Customers can kickstart their Customer Experience Management abilities with personalized learning to develop skills, engage with a global community of peers, and earn career advancing recognition. </a:t>
+              <a:t>Experience Makers 是使用 Experience League 创建的。客户可以通过个性化学习来获得客户体验管理能力，从而培养技能、与全球同行社区互动并获得职业发展的认可。</a:t>
             </a:r>
           </a:p>
         </p:txBody>
       </p:sp>
       <p:sp>
         <p:nvSpPr>
-          <p:cNvPr id="68" name="TextBox 67">
-            <a:extLst>
-              <a:ext uri="{FF2B5EF4-FFF2-40B4-BE49-F238E27FC236}">
-                <a16:creationId xmlns:a16="http://schemas.microsoft.com/office/drawing/2014/main" id="{9ECD1BA6-CEEE-844E-AF6F-559A8A63D75E}"/>
-              </a:ext>
-            </a:extLst>
-          </p:cNvPr>
-          <p:cNvSpPr txBox="1">
-            <a:spLocks/>
-          </p:cNvSpPr>
+          <p:cNvPr id="68" name="TextBox 67"/>
+          <p:cNvSpPr txBox="1"/>
           <p:nvPr/>
         </p:nvSpPr>
         <p:spPr>
@@ -10792,23 +8995,15 @@
                   <a:srgbClr val="000000"/>
                 </a:solidFill>
               </a:rPr>
-              <a:t>Office Hours</a:t>
+              <a:t>办公室会议</a:t>
             </a:r>
           </a:p>
         </p:txBody>
       </p:sp>
       <p:sp>
         <p:nvSpPr>
-          <p:cNvPr id="69" name="Rectangle 68">
-            <a:extLst>
-              <a:ext uri="{FF2B5EF4-FFF2-40B4-BE49-F238E27FC236}">
-                <a16:creationId xmlns:a16="http://schemas.microsoft.com/office/drawing/2014/main" id="{7DA7CB19-F565-574F-B3FA-E89DD1FA6586}"/>
-              </a:ext>
-            </a:extLst>
-          </p:cNvPr>
-          <p:cNvSpPr>
-            <a:spLocks/>
-          </p:cNvSpPr>
+          <p:cNvPr id="69" name="Rectangle 68"/>
+          <p:cNvSpPr/>
           <p:nvPr/>
         </p:nvSpPr>
         <p:spPr>
@@ -10840,20 +9035,14 @@
                 <a:ea typeface="Open Sans" pitchFamily="34" charset="0"/>
                 <a:cs typeface="Open Sans" pitchFamily="34" charset="0"/>
               </a:rPr>
-              <a:t>Webinars</a:t>
+              <a:t>网络研讨会</a:t>
             </a:r>
           </a:p>
         </p:txBody>
       </p:sp>
       <p:sp>
         <p:nvSpPr>
-          <p:cNvPr id="71" name="object 39">
-            <a:extLst>
-              <a:ext uri="{FF2B5EF4-FFF2-40B4-BE49-F238E27FC236}">
-                <a16:creationId xmlns:a16="http://schemas.microsoft.com/office/drawing/2014/main" id="{10E2A620-85A0-BF43-9C3B-EBFDC57F1C94}"/>
-              </a:ext>
-            </a:extLst>
-          </p:cNvPr>
+          <p:cNvPr id="71" name="object 39"/>
           <p:cNvSpPr txBox="1"/>
           <p:nvPr/>
         </p:nvSpPr>
@@ -10879,23 +9068,15 @@
                 </a:solidFill>
                 <a:latin typeface="Adobe Clean Light" panose="020B0303020404020204" pitchFamily="34" charset="0"/>
               </a:rPr>
-              <a:t>Office  Hours  led  by  the  Adobe  Customer Support  team  includes  sessions  designed to  inform  as  well  as  help  participants troubleshoot  problems  and  provide  tips and  tricks  for  success  with  Adobe  solutions.</a:t>
+              <a:t>Adobe 客户支持团队开展的“办公室会议”计划包括各种讲座，旨在指导并帮助参与者排除问题，并提供有助于 Adobe 解决方案发挥成效的提示和技巧。</a:t>
             </a:r>
           </a:p>
         </p:txBody>
       </p:sp>
       <p:sp>
         <p:nvSpPr>
-          <p:cNvPr id="72" name="TextBox 71">
-            <a:extLst>
-              <a:ext uri="{FF2B5EF4-FFF2-40B4-BE49-F238E27FC236}">
-                <a16:creationId xmlns:a16="http://schemas.microsoft.com/office/drawing/2014/main" id="{0393F152-F7E3-7D4B-B649-5A22771A6CDC}"/>
-              </a:ext>
-            </a:extLst>
-          </p:cNvPr>
-          <p:cNvSpPr txBox="1">
-            <a:spLocks/>
-          </p:cNvSpPr>
+          <p:cNvPr id="72" name="TextBox 71"/>
+          <p:cNvSpPr txBox="1"/>
           <p:nvPr/>
         </p:nvSpPr>
         <p:spPr>
@@ -10923,7 +9104,7 @@
             </a:lvl1pPr>
           </a:lstStyle>
           <a:p>
-            <a:pPr defTabSz="913563">
+            <a:pPr defTabSz="913765">
               <a:defRPr/>
             </a:pPr>
             <a:r>
@@ -10932,23 +9113,15 @@
                   <a:srgbClr val="000000"/>
                 </a:solidFill>
               </a:rPr>
-              <a:t>Self-help Portals</a:t>
+              <a:t>自助门户</a:t>
             </a:r>
           </a:p>
         </p:txBody>
       </p:sp>
       <p:sp>
         <p:nvSpPr>
-          <p:cNvPr id="73" name="Rectangle 72">
-            <a:extLst>
-              <a:ext uri="{FF2B5EF4-FFF2-40B4-BE49-F238E27FC236}">
-                <a16:creationId xmlns:a16="http://schemas.microsoft.com/office/drawing/2014/main" id="{54CB0472-0ABB-194C-8704-0BEA64FA03BF}"/>
-              </a:ext>
-            </a:extLst>
-          </p:cNvPr>
-          <p:cNvSpPr>
-            <a:spLocks/>
-          </p:cNvSpPr>
+          <p:cNvPr id="73" name="Rectangle 72"/>
+          <p:cNvSpPr/>
           <p:nvPr/>
         </p:nvSpPr>
         <p:spPr>
@@ -10980,20 +9153,14 @@
                 <a:ea typeface="Open Sans" pitchFamily="34" charset="0"/>
                 <a:cs typeface="Open Sans" pitchFamily="34" charset="0"/>
               </a:rPr>
-              <a:t>24/7 Support Portal</a:t>
+              <a:t>全天候支持门户</a:t>
             </a:r>
           </a:p>
         </p:txBody>
       </p:sp>
       <p:sp>
         <p:nvSpPr>
-          <p:cNvPr id="75" name="object 39">
-            <a:extLst>
-              <a:ext uri="{FF2B5EF4-FFF2-40B4-BE49-F238E27FC236}">
-                <a16:creationId xmlns:a16="http://schemas.microsoft.com/office/drawing/2014/main" id="{C2C0178A-612A-E74E-A0F8-532A89A66F0C}"/>
-              </a:ext>
-            </a:extLst>
-          </p:cNvPr>
+          <p:cNvPr id="75" name="object 39"/>
           <p:cNvSpPr txBox="1"/>
           <p:nvPr/>
         </p:nvSpPr>
@@ -11019,23 +9186,15 @@
                 </a:solidFill>
                 <a:latin typeface="Adobe Clean Light" panose="020B0303020404020204" pitchFamily="34" charset="0"/>
               </a:rPr>
-              <a:t>On-demand access to the online Self-help Support Portal to submit support requests, review case status, and browse other resources, like our knowledgebase, news and alerts, featured tips, and more.</a:t>
+              <a:t>按需访问在线自助支持门户以提交支持请求、查看案例状态并浏览其他资源，例如我们的知识库、新闻和通知、特色小贴士等。</a:t>
             </a:r>
           </a:p>
         </p:txBody>
       </p:sp>
       <p:sp>
         <p:nvSpPr>
-          <p:cNvPr id="77" name="TextBox 76">
-            <a:extLst>
-              <a:ext uri="{FF2B5EF4-FFF2-40B4-BE49-F238E27FC236}">
-                <a16:creationId xmlns:a16="http://schemas.microsoft.com/office/drawing/2014/main" id="{3C8012AA-ACFC-F14A-9871-8C8BC94B3109}"/>
-              </a:ext>
-            </a:extLst>
-          </p:cNvPr>
-          <p:cNvSpPr txBox="1">
-            <a:spLocks/>
-          </p:cNvSpPr>
+          <p:cNvPr id="77" name="TextBox 76"/>
+          <p:cNvSpPr txBox="1"/>
           <p:nvPr/>
         </p:nvSpPr>
         <p:spPr>
@@ -11072,23 +9231,15 @@
                   <a:srgbClr val="000000"/>
                 </a:solidFill>
               </a:rPr>
-              <a:t>Live Chat  Support*</a:t>
+              <a:t>实时聊天支持*</a:t>
             </a:r>
           </a:p>
         </p:txBody>
       </p:sp>
       <p:sp>
         <p:nvSpPr>
-          <p:cNvPr id="78" name="Rectangle 77">
-            <a:extLst>
-              <a:ext uri="{FF2B5EF4-FFF2-40B4-BE49-F238E27FC236}">
-                <a16:creationId xmlns:a16="http://schemas.microsoft.com/office/drawing/2014/main" id="{3FD5E5E8-A228-E646-A72D-9542B6773A8E}"/>
-              </a:ext>
-            </a:extLst>
-          </p:cNvPr>
-          <p:cNvSpPr>
-            <a:spLocks/>
-          </p:cNvSpPr>
+          <p:cNvPr id="78" name="Rectangle 77"/>
+          <p:cNvSpPr/>
           <p:nvPr/>
         </p:nvSpPr>
         <p:spPr>
@@ -11120,23 +9271,15 @@
                 <a:ea typeface="Open Sans" pitchFamily="34" charset="0"/>
                 <a:cs typeface="Open Sans" pitchFamily="34" charset="0"/>
               </a:rPr>
-              <a:t>Chat Support</a:t>
+              <a:t>聊天支持</a:t>
             </a:r>
           </a:p>
         </p:txBody>
       </p:sp>
       <p:sp>
         <p:nvSpPr>
-          <p:cNvPr id="80" name="TextBox 79">
-            <a:extLst>
-              <a:ext uri="{FF2B5EF4-FFF2-40B4-BE49-F238E27FC236}">
-                <a16:creationId xmlns:a16="http://schemas.microsoft.com/office/drawing/2014/main" id="{DAF3EBEF-0B3F-B542-A30E-3B7228432027}"/>
-              </a:ext>
-            </a:extLst>
-          </p:cNvPr>
-          <p:cNvSpPr txBox="1">
-            <a:spLocks/>
-          </p:cNvSpPr>
+          <p:cNvPr id="80" name="TextBox 79"/>
+          <p:cNvSpPr txBox="1"/>
           <p:nvPr/>
         </p:nvSpPr>
         <p:spPr>
@@ -11173,23 +9316,15 @@
                   <a:srgbClr val="000000"/>
                 </a:solidFill>
               </a:rPr>
-              <a:t>24 X 7 X 365 P1 </a:t>
+              <a:t>全天候 P1 </a:t>
             </a:r>
           </a:p>
         </p:txBody>
       </p:sp>
       <p:sp>
         <p:nvSpPr>
-          <p:cNvPr id="81" name="Rectangle 80">
-            <a:extLst>
-              <a:ext uri="{FF2B5EF4-FFF2-40B4-BE49-F238E27FC236}">
-                <a16:creationId xmlns:a16="http://schemas.microsoft.com/office/drawing/2014/main" id="{075E4356-C31F-674D-B927-91CC2C099FA3}"/>
-              </a:ext>
-            </a:extLst>
-          </p:cNvPr>
-          <p:cNvSpPr>
-            <a:spLocks/>
-          </p:cNvSpPr>
+          <p:cNvPr id="81" name="Rectangle 80"/>
+          <p:cNvSpPr/>
           <p:nvPr/>
         </p:nvSpPr>
         <p:spPr>
@@ -11221,27 +9356,21 @@
                 <a:ea typeface="Open Sans" pitchFamily="34" charset="0"/>
                 <a:cs typeface="Open Sans" pitchFamily="34" charset="0"/>
               </a:rPr>
-              <a:t>Phone  Support</a:t>
+              <a:t>电话支持</a:t>
             </a:r>
           </a:p>
         </p:txBody>
       </p:sp>
       <p:sp>
         <p:nvSpPr>
-          <p:cNvPr id="82" name="object 39">
-            <a:extLst>
-              <a:ext uri="{FF2B5EF4-FFF2-40B4-BE49-F238E27FC236}">
-                <a16:creationId xmlns:a16="http://schemas.microsoft.com/office/drawing/2014/main" id="{95A83EB9-E8E1-7547-BBE3-E1F42C56BF6A}"/>
-              </a:ext>
-            </a:extLst>
-          </p:cNvPr>
+          <p:cNvPr id="82" name="object 39"/>
           <p:cNvSpPr txBox="1"/>
           <p:nvPr/>
         </p:nvSpPr>
         <p:spPr>
           <a:xfrm>
-            <a:off x="3833993" y="8494028"/>
-            <a:ext cx="3413002" cy="497572"/>
+            <a:off x="3834130" y="8474075"/>
+            <a:ext cx="3199765" cy="497205"/>
           </a:xfrm>
           <a:prstGeom prst="rect">
             <a:avLst/>
@@ -11260,13 +9389,13 @@
                 </a:solidFill>
                 <a:latin typeface="AdobeClean-Light"/>
               </a:rPr>
-              <a:t>Authorized users or Named Support Contacts </a:t>
+              <a:t>授权用户或指定的支持联系人</a:t>
             </a:r>
             <a:r>
               <a:rPr lang="en-US" sz="1000" dirty="0">
                 <a:latin typeface="Adobe Clean Light" panose="020B0303020404020204" pitchFamily="34" charset="0"/>
               </a:rPr>
-              <a:t>can submit issues through all available  channels (including phone for P1) and interact with our technical support team on behalf of your company. </a:t>
+              <a:t>可以通过所有可用渠道（包括 P1 的电话）提交问题，并代表您的公司与我们的技术支持团队互动。</a:t>
             </a:r>
             <a:endParaRPr lang="en-US" sz="1000" dirty="0">
               <a:solidFill>
@@ -11279,13 +9408,7 @@
       </p:sp>
       <p:sp>
         <p:nvSpPr>
-          <p:cNvPr id="84" name="object 10">
-            <a:extLst>
-              <a:ext uri="{FF2B5EF4-FFF2-40B4-BE49-F238E27FC236}">
-                <a16:creationId xmlns:a16="http://schemas.microsoft.com/office/drawing/2014/main" id="{CBCF4964-CAC8-F146-B2E2-51ED8B3DC99A}"/>
-              </a:ext>
-            </a:extLst>
-          </p:cNvPr>
+          <p:cNvPr id="84" name="object 10"/>
           <p:cNvSpPr txBox="1">
             <a:spLocks noGrp="1"/>
           </p:cNvSpPr>
@@ -11296,7 +9419,7 @@
         <p:spPr>
           <a:xfrm>
             <a:off x="5253416" y="9862966"/>
-            <a:ext cx="2270125" cy="132729"/>
+            <a:ext cx="2823784" cy="132729"/>
           </a:xfrm>
           <a:prstGeom prst="rect">
             <a:avLst/>
@@ -11317,23 +9440,15 @@
               </a:spcBef>
             </a:pPr>
             <a:r>
-              <a:rPr spc="-5" dirty="0"/>
-              <a:t>©202</a:t>
-            </a:r>
-            <a:r>
               <a:rPr lang="en-US" spc="-5" dirty="0"/>
-              <a:t>1</a:t>
-            </a:r>
-            <a:r>
-              <a:rPr spc="-5" dirty="0"/>
-              <a:t> Adobe. All Rights Reserved. Adobe</a:t>
-            </a:r>
-            <a:r>
-              <a:rPr spc="60" dirty="0"/>
+              <a:t>©2021 Adobe.All Rights Reserved.Adobe</a:t>
+            </a:r>
+            <a:r>
+              <a:rPr lang="en-US" spc="60" dirty="0"/>
               <a:t> </a:t>
             </a:r>
             <a:r>
-              <a:rPr spc="-5" dirty="0"/>
+              <a:rPr lang="en-US" spc="-5" dirty="0"/>
               <a:t>Confidential.</a:t>
             </a:r>
           </a:p>
@@ -11341,13 +9456,7 @@
       </p:sp>
       <p:pic>
         <p:nvPicPr>
-          <p:cNvPr id="40" name="Graphic 39" descr="Customer review outline">
-            <a:extLst>
-              <a:ext uri="{FF2B5EF4-FFF2-40B4-BE49-F238E27FC236}">
-                <a16:creationId xmlns:a16="http://schemas.microsoft.com/office/drawing/2014/main" id="{4E262C55-4C32-2544-98DA-C02B8E971D1B}"/>
-              </a:ext>
-            </a:extLst>
-          </p:cNvPr>
+          <p:cNvPr id="40" name="Graphic 39" descr="客户审查轮廓图"/>
           <p:cNvPicPr>
             <a:picLocks noChangeAspect="1"/>
           </p:cNvPicPr>
@@ -11380,13 +9489,7 @@
       </p:pic>
       <p:pic>
         <p:nvPicPr>
-          <p:cNvPr id="43" name="Graphic 42" descr="Remote learning language outline">
-            <a:extLst>
-              <a:ext uri="{FF2B5EF4-FFF2-40B4-BE49-F238E27FC236}">
-                <a16:creationId xmlns:a16="http://schemas.microsoft.com/office/drawing/2014/main" id="{E6296687-6BD9-6048-A379-6D8F8F04D10C}"/>
-              </a:ext>
-            </a:extLst>
-          </p:cNvPr>
+          <p:cNvPr id="43" name="Graphic 42" descr="远程学习语言轮廓图"/>
           <p:cNvPicPr>
             <a:picLocks noChangeAspect="1"/>
           </p:cNvPicPr>
@@ -11419,13 +9522,7 @@
       </p:pic>
       <p:pic>
         <p:nvPicPr>
-          <p:cNvPr id="44" name="Graphic 43" descr="Signpost outline">
-            <a:extLst>
-              <a:ext uri="{FF2B5EF4-FFF2-40B4-BE49-F238E27FC236}">
-                <a16:creationId xmlns:a16="http://schemas.microsoft.com/office/drawing/2014/main" id="{A7AEBE03-711D-0D45-9260-22F215047C1D}"/>
-              </a:ext>
-            </a:extLst>
-          </p:cNvPr>
+          <p:cNvPr id="44" name="Graphic 43" descr="路标轮廓图"/>
           <p:cNvPicPr>
             <a:picLocks noChangeAspect="1"/>
           </p:cNvPicPr>
@@ -11458,13 +9555,7 @@
       </p:pic>
       <p:pic>
         <p:nvPicPr>
-          <p:cNvPr id="45" name="Graphic 44" descr="Internet outline">
-            <a:extLst>
-              <a:ext uri="{FF2B5EF4-FFF2-40B4-BE49-F238E27FC236}">
-                <a16:creationId xmlns:a16="http://schemas.microsoft.com/office/drawing/2014/main" id="{53393DA1-2F49-204A-98D0-CC1953C765FE}"/>
-              </a:ext>
-            </a:extLst>
-          </p:cNvPr>
+          <p:cNvPr id="45" name="Graphic 44" descr="Internet 轮廓图"/>
           <p:cNvPicPr>
             <a:picLocks noChangeAspect="1"/>
           </p:cNvPicPr>
@@ -11497,13 +9588,7 @@
       </p:pic>
       <p:pic>
         <p:nvPicPr>
-          <p:cNvPr id="47" name="Graphic 46" descr="Chat bubble outline">
-            <a:extLst>
-              <a:ext uri="{FF2B5EF4-FFF2-40B4-BE49-F238E27FC236}">
-                <a16:creationId xmlns:a16="http://schemas.microsoft.com/office/drawing/2014/main" id="{FE42C6EE-710B-DF4A-BC9E-4EF15D56E0B2}"/>
-              </a:ext>
-            </a:extLst>
-          </p:cNvPr>
+          <p:cNvPr id="47" name="Graphic 46" descr="聊天气泡轮廓图"/>
           <p:cNvPicPr>
             <a:picLocks noChangeAspect="1"/>
           </p:cNvPicPr>
@@ -11536,13 +9621,7 @@
       </p:pic>
       <p:pic>
         <p:nvPicPr>
-          <p:cNvPr id="51" name="Graphic 50" descr="Speaker phone outline">
-            <a:extLst>
-              <a:ext uri="{FF2B5EF4-FFF2-40B4-BE49-F238E27FC236}">
-                <a16:creationId xmlns:a16="http://schemas.microsoft.com/office/drawing/2014/main" id="{38A761D0-3F50-2A48-8BEE-9A284E6142EE}"/>
-              </a:ext>
-            </a:extLst>
-          </p:cNvPr>
+          <p:cNvPr id="51" name="Graphic 50" descr="免提电话轮廓图"/>
           <p:cNvPicPr>
             <a:picLocks noChangeAspect="1"/>
           </p:cNvPicPr>
@@ -11625,17 +9704,17 @@
               </a:lnSpc>
             </a:pPr>
             <a:r>
-              <a:rPr sz="500" spc="-5" dirty="0">
+              <a:rPr lang="en-US" sz="500" spc="-5" dirty="0">
                 <a:solidFill>
                   <a:srgbClr val="6C6C6C"/>
                 </a:solidFill>
                 <a:latin typeface="Adobe Clean"/>
                 <a:cs typeface="Adobe Clean"/>
               </a:rPr>
-              <a:t>©2020 Adobe. All Rights Reserved. </a:t>
-            </a:r>
-            <a:r>
-              <a:rPr sz="500" dirty="0">
+              <a:t>© 2020 Adobe. All Rights Reserved.</a:t>
+            </a:r>
+            <a:r>
+              <a:rPr lang="en-US" sz="500" dirty="0">
                 <a:solidFill>
                   <a:srgbClr val="6C6C6C"/>
                 </a:solidFill>
@@ -11645,7 +9724,7 @@
               <a:t>Adobe</a:t>
             </a:r>
             <a:r>
-              <a:rPr sz="500" spc="5" dirty="0">
+              <a:rPr lang="en-US" sz="500" spc="5" dirty="0">
                 <a:solidFill>
                   <a:srgbClr val="6C6C6C"/>
                 </a:solidFill>
@@ -11655,7 +9734,7 @@
               <a:t> </a:t>
             </a:r>
             <a:r>
-              <a:rPr sz="500" spc="-5" dirty="0">
+              <a:rPr lang="en-US" sz="500" spc="-5" dirty="0">
                 <a:solidFill>
                   <a:srgbClr val="6C6C6C"/>
                 </a:solidFill>
@@ -11693,17 +9772,17 @@
               </a:spcBef>
             </a:pPr>
             <a:r>
-              <a:rPr sz="800" spc="-5" dirty="0">
+              <a:rPr lang="en-US" sz="800" spc="-5" dirty="0">
                 <a:solidFill>
                   <a:srgbClr val="6D6D6D"/>
                 </a:solidFill>
                 <a:latin typeface="Adobe Clean"/>
                 <a:cs typeface="Adobe Clean"/>
               </a:rPr>
-              <a:t>©2020 Adobe. All Rights Reserved. Adobe</a:t>
-            </a:r>
-            <a:r>
-              <a:rPr sz="800" spc="75" dirty="0">
+              <a:t>© 2020 Adobe. All Rights Reserved.Adobe</a:t>
+            </a:r>
+            <a:r>
+              <a:rPr lang="en-US" sz="800" spc="75" dirty="0">
                 <a:solidFill>
                   <a:srgbClr val="6D6D6D"/>
                 </a:solidFill>
@@ -11713,7 +9792,7 @@
               <a:t> </a:t>
             </a:r>
             <a:r>
-              <a:rPr sz="800" spc="-5" dirty="0">
+              <a:rPr lang="en-US" sz="800" spc="-5" dirty="0">
                 <a:solidFill>
                   <a:srgbClr val="6D6D6D"/>
                 </a:solidFill>
@@ -11816,7 +9895,7 @@
                 <a:latin typeface="Adobe Clean"/>
                 <a:cs typeface="Adobe Clean"/>
               </a:rPr>
-              <a:t>Resources</a:t>
+              <a:t>资源</a:t>
             </a:r>
             <a:endParaRPr sz="1400" dirty="0">
               <a:latin typeface="Adobe Clean"/>
@@ -11855,7 +9934,7 @@
               </a:spcBef>
             </a:pPr>
             <a:r>
-              <a:rPr sz="800" spc="-15" dirty="0">
+              <a:rPr lang="en-US" sz="800" spc="-15" dirty="0">
                 <a:solidFill>
                   <a:srgbClr val="777879"/>
                 </a:solidFill>
@@ -11876,7 +9955,7 @@
               </a:lnSpc>
             </a:pPr>
             <a:r>
-              <a:rPr sz="800" spc="-15" dirty="0">
+              <a:rPr lang="en-US" sz="800" spc="-15" dirty="0">
                 <a:solidFill>
                   <a:srgbClr val="777879"/>
                 </a:solidFill>
@@ -11886,7 +9965,7 @@
               <a:t>345 Park</a:t>
             </a:r>
             <a:r>
-              <a:rPr sz="800" spc="-100" dirty="0">
+              <a:rPr lang="en-US" sz="800" spc="-100" dirty="0">
                 <a:solidFill>
                   <a:srgbClr val="777879"/>
                 </a:solidFill>
@@ -11896,7 +9975,7 @@
               <a:t> </a:t>
             </a:r>
             <a:r>
-              <a:rPr sz="800" spc="-15" dirty="0">
+              <a:rPr lang="en-US" sz="800" spc="-15" dirty="0">
                 <a:solidFill>
                   <a:srgbClr val="777879"/>
                 </a:solidFill>
@@ -11913,11 +9992,11 @@
           <a:p>
             <a:pPr marL="12700">
               <a:lnSpc>
-                <a:spcPts val="944"/>
+                <a:spcPts val="945"/>
               </a:lnSpc>
             </a:pPr>
             <a:r>
-              <a:rPr sz="800" spc="-10" dirty="0">
+              <a:rPr lang="en-US" sz="800" spc="-10" dirty="0">
                 <a:solidFill>
                   <a:srgbClr val="777879"/>
                 </a:solidFill>
@@ -11927,7 +10006,7 @@
               <a:t>San </a:t>
             </a:r>
             <a:r>
-              <a:rPr sz="800" spc="-15" dirty="0">
+              <a:rPr lang="en-US" sz="800" spc="-15" dirty="0">
                 <a:solidFill>
                   <a:srgbClr val="777879"/>
                 </a:solidFill>
@@ -11937,7 +10016,7 @@
               <a:t>Jose,</a:t>
             </a:r>
             <a:r>
-              <a:rPr sz="800" spc="-140" dirty="0">
+              <a:rPr lang="en-US" sz="800" spc="-140" dirty="0">
                 <a:solidFill>
                   <a:srgbClr val="777879"/>
                 </a:solidFill>
@@ -11947,7 +10026,7 @@
               <a:t> </a:t>
             </a:r>
             <a:r>
-              <a:rPr sz="800" spc="-20" dirty="0">
+              <a:rPr lang="en-US" sz="800" spc="-20" dirty="0">
                 <a:solidFill>
                   <a:srgbClr val="777879"/>
                 </a:solidFill>
@@ -11971,7 +10050,7 @@
               </a:spcBef>
             </a:pPr>
             <a:r>
-              <a:rPr sz="800" spc="-10" dirty="0">
+              <a:rPr lang="en-US" sz="800" spc="-10" dirty="0">
                 <a:solidFill>
                   <a:srgbClr val="777879"/>
                 </a:solidFill>
@@ -11995,7 +10074,7 @@
               </a:spcBef>
             </a:pPr>
             <a:r>
-              <a:rPr sz="800" u="sng" spc="-25" dirty="0">
+              <a:rPr lang="en-US" sz="800" u="sng" spc="-25" dirty="0">
                 <a:solidFill>
                   <a:srgbClr val="5F5F5F"/>
                 </a:solidFill>
@@ -12008,7 +10087,7 @@
                 <a:cs typeface="Adobe Clean"/>
                 <a:hlinkClick r:id="rId3"/>
               </a:rPr>
-              <a:t>www.adobe.com</a:t>
+              <a:t>www.adobe.com/cn/</a:t>
             </a:r>
             <a:endParaRPr sz="800">
               <a:latin typeface="Adobe Clean"/>
@@ -12188,17 +10267,27 @@
               </a:spcBef>
             </a:pPr>
             <a:r>
-              <a:rPr sz="1100" i="1" spc="-10" dirty="0">
+              <a:rPr lang="en-US" sz="1100" i="1" spc="-10" dirty="0">
                 <a:solidFill>
                   <a:srgbClr val="777879"/>
                 </a:solidFill>
                 <a:latin typeface="AdobeClean-LightIt"/>
                 <a:cs typeface="AdobeClean-LightIt"/>
               </a:rPr>
-              <a:t>To</a:t>
-            </a:r>
-            <a:r>
-              <a:rPr sz="1100" i="1" spc="-50" dirty="0">
+              <a:t>要</a:t>
+            </a:r>
+            <a:r>
+              <a:rPr lang="en-US" sz="1100" i="1" spc="-15" dirty="0">
+                <a:solidFill>
+                  <a:srgbClr val="777879"/>
+                </a:solidFill>
+                <a:latin typeface="AdobeClean-LightIt"/>
+                <a:cs typeface="AdobeClean-LightIt"/>
+              </a:rPr>
+              <a:t>详细了解</a:t>
+            </a:r>
+            <a:r>
+              <a:rPr lang="en-US" sz="1100" i="1" spc="-45" dirty="0">
                 <a:solidFill>
                   <a:srgbClr val="777879"/>
                 </a:solidFill>
@@ -12208,17 +10297,17 @@
               <a:t> </a:t>
             </a:r>
             <a:r>
-              <a:rPr sz="1100" i="1" spc="-15" dirty="0">
+              <a:rPr lang="en-US" sz="1100" i="1" spc="-15" dirty="0">
                 <a:solidFill>
                   <a:srgbClr val="777879"/>
                 </a:solidFill>
                 <a:latin typeface="AdobeClean-LightIt"/>
                 <a:cs typeface="AdobeClean-LightIt"/>
               </a:rPr>
-              <a:t>learn</a:t>
-            </a:r>
-            <a:r>
-              <a:rPr sz="1100" i="1" spc="-40" dirty="0">
+              <a:t>Adobe</a:t>
+            </a:r>
+            <a:r>
+              <a:rPr lang="en-US" sz="1100" i="1" spc="-60" dirty="0">
                 <a:solidFill>
                   <a:srgbClr val="777879"/>
                 </a:solidFill>
@@ -12228,76 +10317,6 @@
               <a:t> </a:t>
             </a:r>
             <a:r>
-              <a:rPr sz="1100" i="1" spc="-15" dirty="0">
-                <a:solidFill>
-                  <a:srgbClr val="777879"/>
-                </a:solidFill>
-                <a:latin typeface="AdobeClean-LightIt"/>
-                <a:cs typeface="AdobeClean-LightIt"/>
-              </a:rPr>
-              <a:t>more</a:t>
-            </a:r>
-            <a:r>
-              <a:rPr sz="1100" i="1" spc="-45" dirty="0">
-                <a:solidFill>
-                  <a:srgbClr val="777879"/>
-                </a:solidFill>
-                <a:latin typeface="AdobeClean-LightIt"/>
-                <a:cs typeface="AdobeClean-LightIt"/>
-              </a:rPr>
-              <a:t> </a:t>
-            </a:r>
-            <a:r>
-              <a:rPr sz="1100" i="1" spc="-15" dirty="0">
-                <a:solidFill>
-                  <a:srgbClr val="777879"/>
-                </a:solidFill>
-                <a:latin typeface="AdobeClean-LightIt"/>
-                <a:cs typeface="AdobeClean-LightIt"/>
-              </a:rPr>
-              <a:t>about</a:t>
-            </a:r>
-            <a:r>
-              <a:rPr sz="1100" i="1" spc="-45" dirty="0">
-                <a:solidFill>
-                  <a:srgbClr val="777879"/>
-                </a:solidFill>
-                <a:latin typeface="AdobeClean-LightIt"/>
-                <a:cs typeface="AdobeClean-LightIt"/>
-              </a:rPr>
-              <a:t> </a:t>
-            </a:r>
-            <a:r>
-              <a:rPr sz="1100" i="1" spc="-15" dirty="0">
-                <a:solidFill>
-                  <a:srgbClr val="777879"/>
-                </a:solidFill>
-                <a:latin typeface="AdobeClean-LightIt"/>
-                <a:cs typeface="AdobeClean-LightIt"/>
-              </a:rPr>
-              <a:t>Adobe</a:t>
-            </a:r>
-            <a:r>
-              <a:rPr sz="1100" i="1" spc="-60" dirty="0">
-                <a:solidFill>
-                  <a:srgbClr val="777879"/>
-                </a:solidFill>
-                <a:latin typeface="AdobeClean-LightIt"/>
-                <a:cs typeface="AdobeClean-LightIt"/>
-              </a:rPr>
-              <a:t> </a:t>
-            </a:r>
-            <a:r>
-              <a:rPr sz="1100" i="1" spc="-15" dirty="0">
-                <a:solidFill>
-                  <a:srgbClr val="777879"/>
-                </a:solidFill>
-                <a:latin typeface="AdobeClean-LightIt"/>
-                <a:cs typeface="AdobeClean-LightIt"/>
-              </a:rPr>
-              <a:t>Support</a:t>
-            </a:r>
-            <a:r>
               <a:rPr lang="en-US" sz="1100" i="1" spc="-15" dirty="0">
                 <a:solidFill>
                   <a:srgbClr val="777879"/>
@@ -12305,230 +10324,30 @@
                 <a:latin typeface="AdobeClean-LightIt"/>
                 <a:cs typeface="AdobeClean-LightIt"/>
               </a:rPr>
-              <a:t> Offerings</a:t>
-            </a:r>
-            <a:r>
-              <a:rPr sz="1100" i="1" spc="-75" dirty="0">
+              <a:t>支持产品/服务和您的适当级别，请联系指定</a:t>
+            </a:r>
+            <a:r>
+              <a:rPr lang="en-US" sz="1100" i="1" spc="-25" dirty="0">
                 <a:solidFill>
                   <a:srgbClr val="777879"/>
                 </a:solidFill>
                 <a:latin typeface="AdobeClean-LightIt"/>
                 <a:cs typeface="AdobeClean-LightIt"/>
               </a:rPr>
-              <a:t> </a:t>
-            </a:r>
-            <a:r>
-              <a:rPr sz="1100" i="1" spc="-15" dirty="0">
+              <a:t>客户</a:t>
+            </a:r>
+            <a:r>
+              <a:rPr lang="en-US" sz="1100" i="1" spc="-20" dirty="0">
                 <a:solidFill>
                   <a:srgbClr val="777879"/>
                 </a:solidFill>
                 <a:latin typeface="AdobeClean-LightIt"/>
                 <a:cs typeface="AdobeClean-LightIt"/>
               </a:rPr>
-              <a:t>and</a:t>
-            </a:r>
-            <a:r>
-              <a:rPr sz="1100" i="1" spc="-50" dirty="0">
-                <a:solidFill>
-                  <a:srgbClr val="777879"/>
-                </a:solidFill>
-                <a:latin typeface="AdobeClean-LightIt"/>
-                <a:cs typeface="AdobeClean-LightIt"/>
-              </a:rPr>
-              <a:t> </a:t>
-            </a:r>
-            <a:r>
-              <a:rPr sz="1100" i="1" spc="-15" dirty="0">
-                <a:solidFill>
-                  <a:srgbClr val="777879"/>
-                </a:solidFill>
-                <a:latin typeface="AdobeClean-LightIt"/>
-                <a:cs typeface="AdobeClean-LightIt"/>
-              </a:rPr>
-              <a:t>the</a:t>
-            </a:r>
-            <a:r>
-              <a:rPr sz="1100" i="1" spc="-55" dirty="0">
-                <a:solidFill>
-                  <a:srgbClr val="777879"/>
-                </a:solidFill>
-                <a:latin typeface="AdobeClean-LightIt"/>
-                <a:cs typeface="AdobeClean-LightIt"/>
-              </a:rPr>
-              <a:t> </a:t>
-            </a:r>
-            <a:r>
-              <a:rPr sz="1100" i="1" spc="-15" dirty="0">
-                <a:solidFill>
-                  <a:srgbClr val="777879"/>
-                </a:solidFill>
-                <a:latin typeface="AdobeClean-LightIt"/>
-                <a:cs typeface="AdobeClean-LightIt"/>
-              </a:rPr>
-              <a:t>right</a:t>
-            </a:r>
-            <a:r>
-              <a:rPr sz="1100" i="1" spc="-95" dirty="0">
-                <a:solidFill>
-                  <a:srgbClr val="777879"/>
-                </a:solidFill>
-                <a:latin typeface="AdobeClean-LightIt"/>
-                <a:cs typeface="AdobeClean-LightIt"/>
-              </a:rPr>
-              <a:t> </a:t>
-            </a:r>
-            <a:r>
-              <a:rPr sz="1100" i="1" spc="-15" dirty="0">
-                <a:solidFill>
-                  <a:srgbClr val="777879"/>
-                </a:solidFill>
-                <a:latin typeface="AdobeClean-LightIt"/>
-                <a:cs typeface="AdobeClean-LightIt"/>
-              </a:rPr>
-              <a:t>level</a:t>
-            </a:r>
-            <a:r>
-              <a:rPr sz="1100" i="1" spc="-55" dirty="0">
-                <a:solidFill>
-                  <a:srgbClr val="777879"/>
-                </a:solidFill>
-                <a:latin typeface="AdobeClean-LightIt"/>
-                <a:cs typeface="AdobeClean-LightIt"/>
-              </a:rPr>
-              <a:t> </a:t>
-            </a:r>
-            <a:r>
-              <a:rPr sz="1100" i="1" spc="-15" dirty="0">
-                <a:solidFill>
-                  <a:srgbClr val="777879"/>
-                </a:solidFill>
-                <a:latin typeface="AdobeClean-LightIt"/>
-                <a:cs typeface="AdobeClean-LightIt"/>
-              </a:rPr>
-              <a:t>for</a:t>
-            </a:r>
-            <a:r>
-              <a:rPr sz="1100" i="1" spc="-85" dirty="0">
-                <a:solidFill>
-                  <a:srgbClr val="777879"/>
-                </a:solidFill>
-                <a:latin typeface="AdobeClean-LightIt"/>
-                <a:cs typeface="AdobeClean-LightIt"/>
-              </a:rPr>
-              <a:t> </a:t>
-            </a:r>
-            <a:r>
-              <a:rPr sz="1100" i="1" spc="-15" dirty="0">
-                <a:solidFill>
-                  <a:srgbClr val="777879"/>
-                </a:solidFill>
-                <a:latin typeface="AdobeClean-LightIt"/>
-                <a:cs typeface="AdobeClean-LightIt"/>
-              </a:rPr>
-              <a:t>you,</a:t>
-            </a:r>
-            <a:r>
-              <a:rPr sz="1100" i="1" spc="-65" dirty="0">
-                <a:solidFill>
-                  <a:srgbClr val="777879"/>
-                </a:solidFill>
-                <a:latin typeface="AdobeClean-LightIt"/>
-                <a:cs typeface="AdobeClean-LightIt"/>
-              </a:rPr>
-              <a:t> </a:t>
-            </a:r>
-            <a:r>
-              <a:rPr sz="1100" i="1" spc="-15" dirty="0">
-                <a:solidFill>
-                  <a:srgbClr val="777879"/>
-                </a:solidFill>
-                <a:latin typeface="AdobeClean-LightIt"/>
-                <a:cs typeface="AdobeClean-LightIt"/>
-              </a:rPr>
-              <a:t>contact</a:t>
-            </a:r>
-            <a:r>
-              <a:rPr sz="1100" i="1" spc="-85" dirty="0">
-                <a:solidFill>
-                  <a:srgbClr val="777879"/>
-                </a:solidFill>
-                <a:latin typeface="AdobeClean-LightIt"/>
-                <a:cs typeface="AdobeClean-LightIt"/>
-              </a:rPr>
-              <a:t> </a:t>
-            </a:r>
-            <a:r>
-              <a:rPr sz="1100" i="1" spc="-15" dirty="0">
-                <a:solidFill>
-                  <a:srgbClr val="777879"/>
-                </a:solidFill>
-                <a:latin typeface="AdobeClean-LightIt"/>
-                <a:cs typeface="AdobeClean-LightIt"/>
-              </a:rPr>
-              <a:t>your</a:t>
-            </a:r>
-            <a:r>
-              <a:rPr sz="1100" i="1" spc="-70" dirty="0">
-                <a:solidFill>
-                  <a:srgbClr val="777879"/>
-                </a:solidFill>
-                <a:latin typeface="AdobeClean-LightIt"/>
-                <a:cs typeface="AdobeClean-LightIt"/>
-              </a:rPr>
-              <a:t> </a:t>
-            </a:r>
-            <a:r>
-              <a:rPr sz="1100" i="1" spc="-15" dirty="0">
-                <a:solidFill>
-                  <a:srgbClr val="777879"/>
-                </a:solidFill>
-                <a:latin typeface="AdobeClean-LightIt"/>
-                <a:cs typeface="AdobeClean-LightIt"/>
-              </a:rPr>
-              <a:t>Named</a:t>
-            </a:r>
-            <a:r>
-              <a:rPr sz="1100" i="1" spc="-55" dirty="0">
-                <a:solidFill>
-                  <a:srgbClr val="777879"/>
-                </a:solidFill>
-                <a:latin typeface="AdobeClean-LightIt"/>
-                <a:cs typeface="AdobeClean-LightIt"/>
-              </a:rPr>
-              <a:t> </a:t>
-            </a:r>
-            <a:r>
-              <a:rPr sz="1100" i="1" spc="-25" dirty="0">
-                <a:solidFill>
-                  <a:srgbClr val="777879"/>
-                </a:solidFill>
-                <a:latin typeface="AdobeClean-LightIt"/>
-                <a:cs typeface="AdobeClean-LightIt"/>
-              </a:rPr>
-              <a:t>Account</a:t>
-            </a:r>
-            <a:r>
-              <a:rPr sz="1100" i="1" spc="-120" dirty="0">
-                <a:solidFill>
-                  <a:srgbClr val="777879"/>
-                </a:solidFill>
-                <a:latin typeface="AdobeClean-LightIt"/>
-                <a:cs typeface="AdobeClean-LightIt"/>
-              </a:rPr>
-              <a:t> </a:t>
-            </a:r>
-            <a:r>
-              <a:rPr sz="1100" i="1" spc="-20" dirty="0">
-                <a:solidFill>
-                  <a:srgbClr val="777879"/>
-                </a:solidFill>
-                <a:latin typeface="AdobeClean-LightIt"/>
-                <a:cs typeface="AdobeClean-LightIt"/>
-              </a:rPr>
-              <a:t>Manager  </a:t>
-            </a:r>
-            <a:r>
-              <a:rPr sz="1100" i="1" spc="-15" dirty="0">
+              <a:t>经理 </a:t>
+            </a:r>
+            <a:r>
+              <a:rPr lang="en-US" sz="1100" i="1" spc="-15" dirty="0">
                 <a:solidFill>
                   <a:srgbClr val="777879"/>
                 </a:solidFill>
@@ -12538,54 +10357,44 @@
               <a:t>(NAM) </a:t>
             </a:r>
             <a:r>
-              <a:rPr sz="1100" i="1" spc="-10" dirty="0">
+              <a:rPr lang="en-US" sz="1100" i="1" spc="-10" dirty="0">
                 <a:solidFill>
                   <a:srgbClr val="777879"/>
                 </a:solidFill>
                 <a:latin typeface="AdobeClean-LightIt"/>
                 <a:cs typeface="AdobeClean-LightIt"/>
               </a:rPr>
-              <a:t>or </a:t>
-            </a:r>
-            <a:r>
-              <a:rPr sz="1100" i="1" spc="-15" dirty="0">
+              <a:t>或</a:t>
+            </a:r>
+            <a:r>
+              <a:rPr lang="en-US" sz="1100" i="1" spc="-15" dirty="0">
                 <a:solidFill>
                   <a:srgbClr val="777879"/>
                 </a:solidFill>
                 <a:latin typeface="AdobeClean-LightIt"/>
                 <a:cs typeface="AdobeClean-LightIt"/>
               </a:rPr>
-              <a:t>Customer </a:t>
-            </a:r>
-            <a:r>
-              <a:rPr sz="1100" i="1" spc="-20" dirty="0">
+              <a:t>客户</a:t>
+            </a:r>
+            <a:r>
+              <a:rPr lang="en-US" sz="1100" i="1" spc="-20" dirty="0">
                 <a:solidFill>
                   <a:srgbClr val="777879"/>
                 </a:solidFill>
                 <a:latin typeface="AdobeClean-LightIt"/>
                 <a:cs typeface="AdobeClean-LightIt"/>
               </a:rPr>
-              <a:t>Success</a:t>
-            </a:r>
-            <a:r>
-              <a:rPr sz="1100" i="1" spc="-180" dirty="0">
+              <a:t>成功</a:t>
+            </a:r>
+            <a:r>
+              <a:rPr lang="en-US" sz="1100" i="1" spc="-15" dirty="0">
                 <a:solidFill>
                   <a:srgbClr val="777879"/>
                 </a:solidFill>
                 <a:latin typeface="AdobeClean-LightIt"/>
                 <a:cs typeface="AdobeClean-LightIt"/>
               </a:rPr>
-              <a:t> </a:t>
-            </a:r>
-            <a:r>
-              <a:rPr sz="1100" i="1" spc="-15" dirty="0">
-                <a:solidFill>
-                  <a:srgbClr val="777879"/>
-                </a:solidFill>
-                <a:latin typeface="AdobeClean-LightIt"/>
-                <a:cs typeface="AdobeClean-LightIt"/>
-              </a:rPr>
-              <a:t>Manager(CSM)</a:t>
+              <a:t>经理 (CSM)</a:t>
             </a:r>
             <a:endParaRPr sz="1100" dirty="0">
               <a:latin typeface="AdobeClean-LightIt"/>
@@ -12602,16 +10411,6 @@
               </a:spcBef>
             </a:pPr>
             <a:r>
-              <a:rPr sz="800" spc="-5" dirty="0">
-                <a:solidFill>
-                  <a:srgbClr val="6D6D6D"/>
-                </a:solidFill>
-                <a:latin typeface="Adobe Clean"/>
-                <a:cs typeface="Adobe Clean"/>
-              </a:rPr>
-              <a:t>©202</a:t>
-            </a:r>
-            <a:r>
               <a:rPr lang="en-US" sz="800" spc="-5" dirty="0">
                 <a:solidFill>
                   <a:srgbClr val="6D6D6D"/>
@@ -12619,20 +10418,10 @@
                 <a:latin typeface="Adobe Clean"/>
                 <a:cs typeface="Adobe Clean"/>
               </a:rPr>
-              <a:t>1</a:t>
-            </a:r>
-            <a:r>
-              <a:rPr sz="800" spc="-5" dirty="0">
-                <a:solidFill>
-                  <a:srgbClr val="6D6D6D"/>
-                </a:solidFill>
-                <a:latin typeface="Adobe Clean"/>
-                <a:cs typeface="Adobe Clean"/>
-              </a:rPr>
-              <a:t> Adobe. All Rights Reserved. Adobe</a:t>
-            </a:r>
-            <a:r>
-              <a:rPr sz="800" spc="75" dirty="0">
+              <a:t>©2021 Adobe.All Rights Reserved.Adobe</a:t>
+            </a:r>
+            <a:r>
+              <a:rPr lang="en-US" sz="800" spc="75" dirty="0">
                 <a:solidFill>
                   <a:srgbClr val="6D6D6D"/>
                 </a:solidFill>
@@ -12642,7 +10431,7 @@
               <a:t> </a:t>
             </a:r>
             <a:r>
-              <a:rPr sz="800" spc="-5" dirty="0">
+              <a:rPr lang="en-US" sz="800" spc="-5" dirty="0">
                 <a:solidFill>
                   <a:srgbClr val="6D6D6D"/>
                 </a:solidFill>
@@ -12660,13 +10449,7 @@
       </p:sp>
       <p:sp>
         <p:nvSpPr>
-          <p:cNvPr id="64" name="object 23">
-            <a:extLst>
-              <a:ext uri="{FF2B5EF4-FFF2-40B4-BE49-F238E27FC236}">
-                <a16:creationId xmlns:a16="http://schemas.microsoft.com/office/drawing/2014/main" id="{41467BDC-3D83-D844-B922-CD07E94E5AAB}"/>
-              </a:ext>
-            </a:extLst>
-          </p:cNvPr>
+          <p:cNvPr id="64" name="object 23"/>
           <p:cNvSpPr txBox="1"/>
           <p:nvPr/>
         </p:nvSpPr>
@@ -12680,68 +10463,115 @@
           </a:prstGeom>
         </p:spPr>
         <p:txBody>
-          <a:bodyPr vert="horz" wrap="square" lIns="0" tIns="116205" rIns="0" bIns="0" rtlCol="0" anchor="t">
+          <a:bodyPr vert="horz" wrap="square" lIns="0" tIns="116205" rIns="0" bIns="0" rtlCol="0">
             <a:spAutoFit/>
           </a:bodyPr>
           <a:lstStyle/>
           <a:p>
-            <a:pPr>
+            <a:pPr lvl="0">
               <a:spcBef>
                 <a:spcPts val="915"/>
               </a:spcBef>
             </a:pPr>
             <a:r>
-              <a:rPr lang="en-US" sz="1400" b="1" spc="-15" dirty="0">
+              <a:rPr lang="en-US" altLang="zh-CN" sz="1400" b="1" spc="-15" dirty="0">
                 <a:solidFill>
                   <a:srgbClr val="020302"/>
                 </a:solidFill>
                 <a:latin typeface="Adobe Clean"/>
                 <a:cs typeface="Adobe Clean"/>
               </a:rPr>
-              <a:t>Regional scope of Adobe Support, Local Hours Of Operation And Language Support</a:t>
-            </a:r>
+              <a:t>Adobe </a:t>
+            </a:r>
+            <a:r>
+              <a:rPr lang="zh-CN" altLang="en-US" sz="1400" b="1" spc="-15" dirty="0">
+                <a:solidFill>
+                  <a:srgbClr val="020302"/>
+                </a:solidFill>
+                <a:latin typeface="Adobe Clean"/>
+                <a:cs typeface="Adobe Clean"/>
+              </a:rPr>
+              <a:t>支持的区域范围、当地营业时间和语言支持</a:t>
+            </a:r>
+            <a:endParaRPr lang="pl-PL" altLang="zh-CN" sz="1400" b="1" spc="-15" dirty="0">
+              <a:solidFill>
+                <a:srgbClr val="020302"/>
+              </a:solidFill>
+              <a:latin typeface="Adobe Clean"/>
+              <a:cs typeface="Adobe Clean"/>
+            </a:endParaRPr>
           </a:p>
           <a:p>
-            <a:pPr>
+            <a:pPr lvl="0">
               <a:spcBef>
                 <a:spcPts val="915"/>
               </a:spcBef>
             </a:pPr>
             <a:r>
-              <a:rPr lang="en-US" sz="1000" spc="-15" dirty="0">
+              <a:rPr lang="zh-CN" altLang="en-US" sz="1000" spc="-15" dirty="0">
                 <a:solidFill>
                   <a:srgbClr val="1F1F1F"/>
                 </a:solidFill>
                 <a:latin typeface="AdobeClean-Light"/>
               </a:rPr>
-              <a:t>The Regional scope of Adobe Support is established by aligning the customer's billing address (via the Sales Order or other Adobe Support purchasing document) to one of the following regions:</a:t>
-            </a:r>
+              <a:t>要建立 </a:t>
+            </a:r>
+            <a:r>
+              <a:rPr lang="en-US" altLang="zh-CN" sz="1000" spc="-15" dirty="0">
+                <a:solidFill>
+                  <a:srgbClr val="1F1F1F"/>
+                </a:solidFill>
+                <a:latin typeface="AdobeClean-Light"/>
+              </a:rPr>
+              <a:t>Adobe </a:t>
+            </a:r>
+            <a:r>
+              <a:rPr lang="zh-CN" altLang="en-US" sz="1000" spc="-15" dirty="0">
+                <a:solidFill>
+                  <a:srgbClr val="1F1F1F"/>
+                </a:solidFill>
+                <a:latin typeface="AdobeClean-Light"/>
+              </a:rPr>
+              <a:t>支持的区域范围，需要将客户的账单地址（通过销售订单或其他 </a:t>
+            </a:r>
+            <a:r>
+              <a:rPr lang="en-US" altLang="zh-CN" sz="1000" spc="-15" dirty="0">
+                <a:solidFill>
+                  <a:srgbClr val="1F1F1F"/>
+                </a:solidFill>
+                <a:latin typeface="AdobeClean-Light"/>
+              </a:rPr>
+              <a:t>Adobe </a:t>
+            </a:r>
+            <a:r>
+              <a:rPr lang="zh-CN" altLang="en-US" sz="1000" spc="-15" dirty="0">
+                <a:solidFill>
+                  <a:srgbClr val="1F1F1F"/>
+                </a:solidFill>
+                <a:latin typeface="AdobeClean-Light"/>
+              </a:rPr>
+              <a:t>支持采购文档）与以下区域之一相对应：</a:t>
+            </a:r>
+            <a:endParaRPr lang="en-US" sz="1000" spc="-15" dirty="0">
+              <a:solidFill>
+                <a:srgbClr val="1F1F1F"/>
+              </a:solidFill>
+              <a:latin typeface="AdobeClean-Light"/>
+            </a:endParaRPr>
           </a:p>
         </p:txBody>
       </p:sp>
       <p:graphicFrame>
         <p:nvGraphicFramePr>
-          <p:cNvPr id="25" name="Table 6">
-            <a:extLst>
-              <a:ext uri="{FF2B5EF4-FFF2-40B4-BE49-F238E27FC236}">
-                <a16:creationId xmlns:a16="http://schemas.microsoft.com/office/drawing/2014/main" id="{3A91F5B0-3974-A14D-A146-FB590F2AAD18}"/>
-              </a:ext>
-            </a:extLst>
-          </p:cNvPr>
+          <p:cNvPr id="25" name="Table 6"/>
           <p:cNvGraphicFramePr>
             <a:graphicFrameLocks noGrp="1"/>
           </p:cNvGraphicFramePr>
-          <p:nvPr>
-            <p:extLst>
-              <p:ext uri="{D42A27DB-BD31-4B8C-83A1-F6EECF244321}">
-                <p14:modId xmlns:p14="http://schemas.microsoft.com/office/powerpoint/2010/main" val="2846210228"/>
-              </p:ext>
-            </p:extLst>
-          </p:nvPr>
+          <p:nvPr/>
         </p:nvGraphicFramePr>
         <p:xfrm>
           <a:off x="171128" y="5907213"/>
-          <a:ext cx="7391400" cy="1671320"/>
+          <a:ext cx="7391400" cy="1447800"/>
         </p:xfrm>
         <a:graphic>
           <a:graphicData uri="http://schemas.openxmlformats.org/drawingml/2006/table">
@@ -12753,28 +10583,28 @@
                 <a:gridCol w="1847850">
                   <a:extLst>
                     <a:ext uri="{9D8B030D-6E8A-4147-A177-3AD203B41FA5}">
-                      <a16:colId xmlns:a16="http://schemas.microsoft.com/office/drawing/2014/main" val="2364693614"/>
+                      <a16:colId xmlns:a16="http://schemas.microsoft.com/office/drawing/2014/main" val="20000"/>
                     </a:ext>
                   </a:extLst>
                 </a:gridCol>
                 <a:gridCol w="1847850">
                   <a:extLst>
                     <a:ext uri="{9D8B030D-6E8A-4147-A177-3AD203B41FA5}">
-                      <a16:colId xmlns:a16="http://schemas.microsoft.com/office/drawing/2014/main" val="1545335406"/>
+                      <a16:colId xmlns:a16="http://schemas.microsoft.com/office/drawing/2014/main" val="20001"/>
                     </a:ext>
                   </a:extLst>
                 </a:gridCol>
                 <a:gridCol w="1847850">
                   <a:extLst>
                     <a:ext uri="{9D8B030D-6E8A-4147-A177-3AD203B41FA5}">
-                      <a16:colId xmlns:a16="http://schemas.microsoft.com/office/drawing/2014/main" val="4165218250"/>
+                      <a16:colId xmlns:a16="http://schemas.microsoft.com/office/drawing/2014/main" val="20002"/>
                     </a:ext>
                   </a:extLst>
                 </a:gridCol>
                 <a:gridCol w="1847850">
                   <a:extLst>
                     <a:ext uri="{9D8B030D-6E8A-4147-A177-3AD203B41FA5}">
-                      <a16:colId xmlns:a16="http://schemas.microsoft.com/office/drawing/2014/main" val="215044337"/>
+                      <a16:colId xmlns:a16="http://schemas.microsoft.com/office/drawing/2014/main" val="20003"/>
                     </a:ext>
                   </a:extLst>
                 </a:gridCol>
@@ -12793,7 +10623,7 @@
                           </a:solidFill>
                           <a:latin typeface="Adobe Clean" panose="020B0503020404020204" pitchFamily="34" charset="0"/>
                         </a:rPr>
-                        <a:t>Americas</a:t>
+                        <a:t>美洲</a:t>
                       </a:r>
                     </a:p>
                   </a:txBody>
@@ -12858,7 +10688,7 @@
                           </a:solidFill>
                           <a:latin typeface="Adobe Clean" panose="020B0503020404020204" pitchFamily="34" charset="0"/>
                         </a:rPr>
-                        <a:t>Europe, Middle East &amp; Africa</a:t>
+                        <a:t>欧洲、中东和非洲</a:t>
                       </a:r>
                     </a:p>
                   </a:txBody>
@@ -12923,7 +10753,7 @@
                           </a:solidFill>
                           <a:latin typeface="Adobe Clean" panose="020B0503020404020204" pitchFamily="34" charset="0"/>
                         </a:rPr>
-                        <a:t>Asia Pacific</a:t>
+                        <a:t>亚太地区</a:t>
                       </a:r>
                     </a:p>
                   </a:txBody>
@@ -12975,93 +10805,6 @@
                     <a:noFill/>
                   </a:tcPr>
                 </a:tc>
-                <a:tc>
-                  <a:txBody>
-                    <a:bodyPr/>
-                    <a:lstStyle/>
-                    <a:p>
-                      <a:pPr algn="ctr"/>
-                      <a:r>
-                        <a:rPr lang="en-US" sz="1100" dirty="0">
-                          <a:solidFill>
-                            <a:schemeClr val="tx1"/>
-                          </a:solidFill>
-                          <a:latin typeface="Adobe Clean"/>
-                        </a:rPr>
-                        <a:t>Japan </a:t>
-                      </a:r>
-                      <a:r>
-                        <a:rPr lang="en-US" sz="1100" baseline="30000" dirty="0">
-                          <a:solidFill>
-                            <a:schemeClr val="tx1"/>
-                          </a:solidFill>
-                          <a:latin typeface="Adobe Clean"/>
-                        </a:rPr>
-                        <a:t>1 </a:t>
-                      </a:r>
-                      <a:endParaRPr lang="en-US" sz="1100" dirty="0">
-                        <a:solidFill>
-                          <a:schemeClr val="tx1"/>
-                        </a:solidFill>
-                        <a:latin typeface="Adobe Clean" panose="020B0503020404020204" pitchFamily="34" charset="0"/>
-                      </a:endParaRPr>
-                    </a:p>
-                  </a:txBody>
-                  <a:tcPr anchor="ctr">
-                    <a:lnL w="12700" cap="flat" cmpd="sng" algn="ctr">
-                      <a:solidFill>
-                        <a:schemeClr val="bg1">
-                          <a:lumMod val="85000"/>
-                        </a:schemeClr>
-                      </a:solidFill>
-                      <a:prstDash val="solid"/>
-                      <a:round/>
-                      <a:headEnd type="none" w="med" len="med"/>
-                      <a:tailEnd type="none" w="med" len="med"/>
-                    </a:lnL>
-                    <a:lnR w="12700" cap="flat" cmpd="sng" algn="ctr">
-                      <a:solidFill>
-                        <a:schemeClr val="bg1">
-                          <a:lumMod val="85000"/>
-                        </a:schemeClr>
-                      </a:solidFill>
-                      <a:prstDash val="solid"/>
-                      <a:round/>
-                      <a:headEnd type="none" w="med" len="med"/>
-                      <a:tailEnd type="none" w="med" len="med"/>
-                    </a:lnR>
-                    <a:lnT w="12700" cap="flat" cmpd="sng" algn="ctr">
-                      <a:solidFill>
-                        <a:schemeClr val="bg1">
-                          <a:lumMod val="85000"/>
-                        </a:schemeClr>
-                      </a:solidFill>
-                      <a:prstDash val="solid"/>
-                      <a:round/>
-                      <a:headEnd type="none" w="med" len="med"/>
-                      <a:tailEnd type="none" w="med" len="med"/>
-                    </a:lnT>
-                    <a:lnB w="12700" cap="flat" cmpd="sng" algn="ctr">
-                      <a:solidFill>
-                        <a:schemeClr val="bg1">
-                          <a:lumMod val="85000"/>
-                        </a:schemeClr>
-                      </a:solidFill>
-                      <a:prstDash val="solid"/>
-                      <a:round/>
-                      <a:headEnd type="none" w="med" len="med"/>
-                      <a:tailEnd type="none" w="med" len="med"/>
-                    </a:lnB>
-                    <a:noFill/>
-                  </a:tcPr>
-                </a:tc>
-                <a:extLst>
-                  <a:ext uri="{0D108BD9-81ED-4DB2-BD59-A6C34878D82A}">
-                    <a16:rowId xmlns:a16="http://schemas.microsoft.com/office/drawing/2014/main" val="4251285128"/>
-                  </a:ext>
-                </a:extLst>
-              </a:tr>
-              <a:tr h="370840">
                 <a:tc>
                   <a:txBody>
                     <a:bodyPr/>
@@ -13075,8 +10818,23 @@
                           </a:solidFill>
                           <a:latin typeface="Adobe Clean" panose="020B0503020404020204" pitchFamily="34" charset="0"/>
                         </a:rPr>
-                        <a:t>6 am – 5:30 pm</a:t>
+                        <a:t>日本 </a:t>
                       </a:r>
+                      <a:r>
+                        <a:rPr lang="en-US" sz="1100" baseline="30000">
+                          <a:solidFill>
+                            <a:schemeClr val="tx1"/>
+                          </a:solidFill>
+                          <a:latin typeface="Adobe Clean" panose="020B0503020404020204" pitchFamily="34" charset="0"/>
+                        </a:rPr>
+                        <a:t>1 </a:t>
+                      </a:r>
+                      <a:endParaRPr lang="en-US" sz="1100" dirty="0">
+                        <a:solidFill>
+                          <a:schemeClr val="tx1"/>
+                        </a:solidFill>
+                        <a:latin typeface="Adobe Clean" panose="020B0503020404020204" pitchFamily="34" charset="0"/>
+                      </a:endParaRPr>
                     </a:p>
                   </a:txBody>
                   <a:tcPr anchor="ctr">
@@ -13127,6 +10885,13 @@
                     <a:noFill/>
                   </a:tcPr>
                 </a:tc>
+                <a:extLst>
+                  <a:ext uri="{0D108BD9-81ED-4DB2-BD59-A6C34878D82A}">
+                    <a16:rowId xmlns:a16="http://schemas.microsoft.com/office/drawing/2014/main" val="10000"/>
+                  </a:ext>
+                </a:extLst>
+              </a:tr>
+              <a:tr h="370840">
                 <a:tc>
                   <a:txBody>
                     <a:bodyPr/>
@@ -13140,7 +10905,7 @@
                           </a:solidFill>
                           <a:latin typeface="Adobe Clean" panose="020B0503020404020204" pitchFamily="34" charset="0"/>
                         </a:rPr>
-                        <a:t>9 am – 5 pm</a:t>
+                        <a:t>上午 6:00 – 下午 5:30</a:t>
                       </a:r>
                     </a:p>
                   </a:txBody>
@@ -13205,7 +10970,7 @@
                           </a:solidFill>
                           <a:latin typeface="Adobe Clean" panose="020B0503020404020204" pitchFamily="34" charset="0"/>
                         </a:rPr>
-                        <a:t>9 am – 5 pm</a:t>
+                        <a:t>上午 9:00 – 下午 5:00</a:t>
                       </a:r>
                     </a:p>
                   </a:txBody>
@@ -13270,7 +11035,7 @@
                           </a:solidFill>
                           <a:latin typeface="Adobe Clean" panose="020B0503020404020204" pitchFamily="34" charset="0"/>
                         </a:rPr>
-                        <a:t>9 am – 5:30 pm</a:t>
+                        <a:t>上午 9:00 – 下午 5:00</a:t>
                       </a:r>
                     </a:p>
                   </a:txBody>
@@ -13322,9 +11087,74 @@
                     <a:noFill/>
                   </a:tcPr>
                 </a:tc>
+                <a:tc>
+                  <a:txBody>
+                    <a:bodyPr/>
+                    <a:lstStyle/>
+                    <a:p>
+                      <a:pPr algn="ctr"/>
+                      <a:r>
+                        <a:rPr lang="en-US" sz="1100" dirty="0">
+                          <a:solidFill>
+                            <a:schemeClr val="tx1"/>
+                          </a:solidFill>
+                          <a:latin typeface="Adobe Clean" panose="020B0503020404020204" pitchFamily="34" charset="0"/>
+                        </a:rPr>
+                        <a:t>上午 9:00 – 下午 5:30</a:t>
+                      </a:r>
+                    </a:p>
+                  </a:txBody>
+                  <a:tcPr anchor="ctr">
+                    <a:lnL w="12700" cap="flat" cmpd="sng" algn="ctr">
+                      <a:solidFill>
+                        <a:schemeClr val="bg1">
+                          <a:lumMod val="85000"/>
+                        </a:schemeClr>
+                      </a:solidFill>
+                      <a:prstDash val="solid"/>
+                      <a:round/>
+                      <a:headEnd type="none" w="med" len="med"/>
+                      <a:tailEnd type="none" w="med" len="med"/>
+                    </a:lnL>
+                    <a:lnR w="12700" cap="flat" cmpd="sng" algn="ctr">
+                      <a:solidFill>
+                        <a:schemeClr val="bg1">
+                          <a:lumMod val="85000"/>
+                        </a:schemeClr>
+                      </a:solidFill>
+                      <a:prstDash val="solid"/>
+                      <a:round/>
+                      <a:headEnd type="none" w="med" len="med"/>
+                      <a:tailEnd type="none" w="med" len="med"/>
+                    </a:lnR>
+                    <a:lnT w="12700" cap="flat" cmpd="sng" algn="ctr">
+                      <a:solidFill>
+                        <a:schemeClr val="bg1">
+                          <a:lumMod val="85000"/>
+                        </a:schemeClr>
+                      </a:solidFill>
+                      <a:prstDash val="solid"/>
+                      <a:round/>
+                      <a:headEnd type="none" w="med" len="med"/>
+                      <a:tailEnd type="none" w="med" len="med"/>
+                    </a:lnT>
+                    <a:lnB w="12700" cap="flat" cmpd="sng" algn="ctr">
+                      <a:solidFill>
+                        <a:schemeClr val="bg1">
+                          <a:lumMod val="85000"/>
+                        </a:schemeClr>
+                      </a:solidFill>
+                      <a:prstDash val="solid"/>
+                      <a:round/>
+                      <a:headEnd type="none" w="med" len="med"/>
+                      <a:tailEnd type="none" w="med" len="med"/>
+                    </a:lnB>
+                    <a:noFill/>
+                  </a:tcPr>
+                </a:tc>
                 <a:extLst>
                   <a:ext uri="{0D108BD9-81ED-4DB2-BD59-A6C34878D82A}">
-                    <a16:rowId xmlns:a16="http://schemas.microsoft.com/office/drawing/2014/main" val="1574796478"/>
+                    <a16:rowId xmlns:a16="http://schemas.microsoft.com/office/drawing/2014/main" val="10001"/>
                   </a:ext>
                 </a:extLst>
               </a:tr>
@@ -13333,38 +11163,6 @@
                   <a:txBody>
                     <a:bodyPr/>
                     <a:lstStyle/>
-                    <a:p>
-                      <a:pPr marL="0" marR="0" lvl="0" indent="0" algn="ctr" eaLnBrk="1" fontAlgn="auto" latinLnBrk="0" hangingPunct="1">
-                        <a:lnSpc>
-                          <a:spcPct val="100000"/>
-                        </a:lnSpc>
-                        <a:spcBef>
-                          <a:spcPts val="0"/>
-                        </a:spcBef>
-                        <a:spcAft>
-                          <a:spcPts val="0"/>
-                        </a:spcAft>
-                        <a:buClrTx/>
-                        <a:buSzTx/>
-                        <a:buFontTx/>
-                        <a:buNone/>
-                      </a:pPr>
-                      <a:r>
-                        <a:rPr lang="en-US" sz="1100" dirty="0">
-                          <a:solidFill>
-                            <a:schemeClr val="tx1"/>
-                          </a:solidFill>
-                          <a:latin typeface="Adobe Clean"/>
-                        </a:rPr>
-                        <a:t>Language support is only available in English and Japanese.</a:t>
-                      </a:r>
-                      <a:endParaRPr lang="en-US" sz="1100" dirty="0">
-                        <a:solidFill>
-                          <a:schemeClr val="tx1"/>
-                        </a:solidFill>
-                        <a:latin typeface="Adobe Clean" panose="020B0503020404020204" pitchFamily="34" charset="0"/>
-                      </a:endParaRPr>
-                    </a:p>
                     <a:p>
                       <a:pPr marL="0" marR="0" lvl="0" indent="0" algn="ctr" defTabSz="914400" eaLnBrk="1" fontAlgn="auto" latinLnBrk="0" hangingPunct="1">
                         <a:lnSpc>
@@ -13380,7 +11178,33 @@
                         <a:buSzTx/>
                         <a:buFontTx/>
                         <a:buNone/>
-                        <a:tabLst/>
+                        <a:defRPr/>
+                      </a:pPr>
+                      <a:r>
+                        <a:rPr lang="en-US" sz="1100" dirty="0">
+                          <a:solidFill>
+                            <a:schemeClr val="tx1"/>
+                          </a:solidFill>
+                          <a:latin typeface="Adobe Clean" panose="020B0503020404020204" pitchFamily="34" charset="0"/>
+                        </a:rPr>
+                        <a:t>语言支持只有英语和日语版本</a:t>
+                      </a:r>
+                    </a:p>
+                    <a:p>
+                      <a:pPr marL="0" marR="0" lvl="0" indent="0" algn="ctr" defTabSz="914400" eaLnBrk="1" fontAlgn="auto" latinLnBrk="0" hangingPunct="1">
+                        <a:lnSpc>
+                          <a:spcPct val="100000"/>
+                        </a:lnSpc>
+                        <a:spcBef>
+                          <a:spcPts val="0"/>
+                        </a:spcBef>
+                        <a:spcAft>
+                          <a:spcPts val="0"/>
+                        </a:spcAft>
+                        <a:buClrTx/>
+                        <a:buSzTx/>
+                        <a:buFontTx/>
+                        <a:buNone/>
                         <a:defRPr/>
                       </a:pPr>
                       <a:r>
@@ -13388,9 +11212,9 @@
                           <a:solidFill>
                             <a:schemeClr val="tx1"/>
                           </a:solidFill>
-                          <a:latin typeface="Adobe Clean"/>
+                          <a:latin typeface="Adobe Clean" panose="020B0503020404020204" pitchFamily="34" charset="0"/>
                         </a:rPr>
-                        <a:t>*Adobe Commerce excludes Japanese language support.</a:t>
+                        <a:t>*Adobe Commerce 不包括日语支持</a:t>
                       </a:r>
                     </a:p>
                     <a:p>
@@ -13417,37 +11241,73 @@
                           <a:solidFill>
                             <a:schemeClr val="tx1"/>
                           </a:solidFill>
-                          <a:latin typeface="Adobe Clean"/>
+                          <a:latin typeface="Adobe Clean" panose="020B0503020404020204" pitchFamily="34" charset="0"/>
                         </a:rPr>
-                        <a:t> </a:t>
+                        <a:t> </a:t>
                       </a:r>
                       <a:r>
                         <a:rPr lang="en-US" sz="1100" i="0" baseline="30000" dirty="0">
                           <a:solidFill>
                             <a:schemeClr val="tx1"/>
                           </a:solidFill>
-                          <a:latin typeface="Adobe Clean"/>
+                          <a:latin typeface="Adobe Clean" panose="020B0503020404020204" pitchFamily="34" charset="0"/>
                         </a:rPr>
                         <a:t>1 </a:t>
                       </a:r>
                       <a:r>
-                        <a:rPr lang="en-US" sz="1100" i="0" dirty="0">
+                        <a:rPr lang="en-US" altLang="zh-CN" sz="1100" i="0" dirty="0">
                           <a:solidFill>
                             <a:schemeClr val="tx1"/>
                           </a:solidFill>
-                          <a:latin typeface="Adobe Clean"/>
+                          <a:latin typeface="Adobe Clean" panose="020B0503020404020204" pitchFamily="34" charset="0"/>
                         </a:rPr>
-                        <a:t>P2, P3, P4 cases are limited to business hours only in Japan.</a:t>
+                        <a:t>P2</a:t>
                       </a:r>
-                      <a:endParaRPr lang="en-US" sz="1100" b="1" i="0" dirty="0">
-                        <a:solidFill>
-                          <a:schemeClr val="tx1"/>
-                        </a:solidFill>
-                        <a:latin typeface="Adobe Clean"/>
-                      </a:endParaRPr>
-                    </a:p>
-                    <a:p>
-                      <a:pPr algn="ctr"/>
+                      <a:r>
+                        <a:rPr lang="zh-CN" altLang="en-US" sz="1100" i="0" dirty="0">
+                          <a:solidFill>
+                            <a:schemeClr val="tx1"/>
+                          </a:solidFill>
+                          <a:latin typeface="Adobe Clean" panose="020B0503020404020204" pitchFamily="34" charset="0"/>
+                        </a:rPr>
+                        <a:t>、</a:t>
+                      </a:r>
+                      <a:r>
+                        <a:rPr lang="en-US" altLang="zh-CN" sz="1100" i="0" dirty="0">
+                          <a:solidFill>
+                            <a:schemeClr val="tx1"/>
+                          </a:solidFill>
+                          <a:latin typeface="Adobe Clean" panose="020B0503020404020204" pitchFamily="34" charset="0"/>
+                        </a:rPr>
+                        <a:t>P3</a:t>
+                      </a:r>
+                      <a:r>
+                        <a:rPr lang="zh-CN" altLang="en-US" sz="1100" i="0" dirty="0">
+                          <a:solidFill>
+                            <a:schemeClr val="tx1"/>
+                          </a:solidFill>
+                          <a:latin typeface="Adobe Clean" panose="020B0503020404020204" pitchFamily="34" charset="0"/>
+                        </a:rPr>
+                        <a:t>、</a:t>
+                      </a:r>
+                      <a:r>
+                        <a:rPr lang="en-US" altLang="zh-CN" sz="1100" i="0" dirty="0">
+                          <a:solidFill>
+                            <a:schemeClr val="tx1"/>
+                          </a:solidFill>
+                          <a:latin typeface="Adobe Clean" panose="020B0503020404020204" pitchFamily="34" charset="0"/>
+                        </a:rPr>
+                        <a:t>P4 </a:t>
+                      </a:r>
+                      <a:r>
+                        <a:rPr lang="zh-CN" altLang="en-US" sz="1100" i="0" dirty="0">
+                          <a:solidFill>
+                            <a:schemeClr val="tx1"/>
+                          </a:solidFill>
+                          <a:latin typeface="Adobe Clean" panose="020B0503020404020204" pitchFamily="34" charset="0"/>
+                        </a:rPr>
+                        <a:t>案例仅限于日本的营业时间。</a:t>
+                      </a:r>
                       <a:endParaRPr lang="en-US" sz="1100" dirty="0">
                         <a:solidFill>
                           <a:schemeClr val="tx1"/>
@@ -13509,12 +11369,7 @@
                     <a:bodyPr/>
                     <a:lstStyle/>
                     <a:p>
-                      <a:endParaRPr lang="en-US" sz="1100" dirty="0">
-                        <a:solidFill>
-                          <a:schemeClr val="tx1"/>
-                        </a:solidFill>
-                        <a:latin typeface="Adobe Clean" panose="020B0503020404020204" pitchFamily="34" charset="0"/>
-                      </a:endParaRPr>
+                      <a:endParaRPr lang="en-US"/>
                     </a:p>
                   </a:txBody>
                   <a:tcPr anchor="ctr">
@@ -13570,12 +11425,7 @@
                     <a:bodyPr/>
                     <a:lstStyle/>
                     <a:p>
-                      <a:endParaRPr lang="en-US" sz="1100" dirty="0">
-                        <a:solidFill>
-                          <a:schemeClr val="tx1"/>
-                        </a:solidFill>
-                        <a:latin typeface="Adobe Clean" panose="020B0503020404020204" pitchFamily="34" charset="0"/>
-                      </a:endParaRPr>
+                      <a:endParaRPr lang="en-US"/>
                     </a:p>
                   </a:txBody>
                   <a:tcPr anchor="ctr">
@@ -13631,12 +11481,7 @@
                     <a:bodyPr/>
                     <a:lstStyle/>
                     <a:p>
-                      <a:endParaRPr lang="en-US" sz="1100" dirty="0">
-                        <a:solidFill>
-                          <a:schemeClr val="tx1"/>
-                        </a:solidFill>
-                        <a:latin typeface="Adobe Clean" panose="020B0503020404020204" pitchFamily="34" charset="0"/>
-                      </a:endParaRPr>
+                      <a:endParaRPr lang="en-US"/>
                     </a:p>
                   </a:txBody>
                   <a:tcPr anchor="ctr">
@@ -13689,7 +11534,7 @@
                 </a:tc>
                 <a:extLst>
                   <a:ext uri="{0D108BD9-81ED-4DB2-BD59-A6C34878D82A}">
-                    <a16:rowId xmlns:a16="http://schemas.microsoft.com/office/drawing/2014/main" val="2086762220"/>
+                    <a16:rowId xmlns:a16="http://schemas.microsoft.com/office/drawing/2014/main" val="10002"/>
                   </a:ext>
                 </a:extLst>
               </a:tr>
@@ -13699,13 +11544,7 @@
       </p:graphicFrame>
       <p:sp>
         <p:nvSpPr>
-          <p:cNvPr id="50" name="object 30">
-            <a:extLst>
-              <a:ext uri="{FF2B5EF4-FFF2-40B4-BE49-F238E27FC236}">
-                <a16:creationId xmlns:a16="http://schemas.microsoft.com/office/drawing/2014/main" id="{043050D0-21FC-0C42-8484-7FE7C0DB771F}"/>
-              </a:ext>
-            </a:extLst>
-          </p:cNvPr>
+          <p:cNvPr id="50" name="object 30"/>
           <p:cNvSpPr/>
           <p:nvPr/>
         </p:nvSpPr>
@@ -13755,13 +11594,7 @@
       </p:sp>
       <p:pic>
         <p:nvPicPr>
-          <p:cNvPr id="83" name="object 56">
-            <a:extLst>
-              <a:ext uri="{FF2B5EF4-FFF2-40B4-BE49-F238E27FC236}">
-                <a16:creationId xmlns:a16="http://schemas.microsoft.com/office/drawing/2014/main" id="{488FF0A5-3931-B14A-A256-9BD5C4AB39DA}"/>
-              </a:ext>
-            </a:extLst>
-          </p:cNvPr>
+          <p:cNvPr id="83" name="object 56"/>
           <p:cNvPicPr/>
           <p:nvPr/>
         </p:nvPicPr>
@@ -13783,13 +11616,7 @@
       </p:pic>
       <p:sp>
         <p:nvSpPr>
-          <p:cNvPr id="84" name="object 64">
-            <a:extLst>
-              <a:ext uri="{FF2B5EF4-FFF2-40B4-BE49-F238E27FC236}">
-                <a16:creationId xmlns:a16="http://schemas.microsoft.com/office/drawing/2014/main" id="{21E0A3A6-11B9-E44E-A4F0-18AED6E614AE}"/>
-              </a:ext>
-            </a:extLst>
-          </p:cNvPr>
+          <p:cNvPr id="84" name="object 64"/>
           <p:cNvSpPr txBox="1"/>
           <p:nvPr/>
         </p:nvSpPr>
@@ -13817,124 +11644,54 @@
               </a:spcBef>
             </a:pPr>
             <a:r>
-              <a:rPr sz="1200" b="1" spc="-15" dirty="0">
+              <a:rPr lang="en-US" sz="1200" b="1" spc="-15" dirty="0">
                 <a:solidFill>
                   <a:srgbClr val="FFFFFF"/>
                 </a:solidFill>
                 <a:latin typeface="Adobe Clean"/>
                 <a:cs typeface="Adobe Clean"/>
               </a:rPr>
-              <a:t>U</a:t>
-            </a:r>
-            <a:r>
-              <a:rPr sz="1200" b="1" spc="-20" dirty="0">
+              <a:t>无</a:t>
+            </a:r>
+            <a:r>
+              <a:rPr lang="en-US" sz="1200" b="1" spc="-20" dirty="0">
                 <a:solidFill>
                   <a:srgbClr val="FFFFFF"/>
                 </a:solidFill>
                 <a:latin typeface="Adobe Clean"/>
                 <a:cs typeface="Adobe Clean"/>
               </a:rPr>
-              <a:t>n</a:t>
-            </a:r>
-            <a:r>
-              <a:rPr sz="1200" b="1" spc="-25" dirty="0">
+              <a:t>与</a:t>
+            </a:r>
+            <a:r>
+              <a:rPr lang="en-US" sz="1200" b="1" spc="-25" dirty="0">
                 <a:solidFill>
                   <a:srgbClr val="FFFFFF"/>
                 </a:solidFill>
                 <a:latin typeface="Adobe Clean"/>
                 <a:cs typeface="Adobe Clean"/>
               </a:rPr>
-              <a:t>p</a:t>
-            </a:r>
-            <a:r>
-              <a:rPr sz="1200" b="1" spc="-15" dirty="0">
+              <a:t>伦</a:t>
+            </a:r>
+            <a:r>
+              <a:rPr lang="en-US" sz="1200" b="1" spc="-15" dirty="0">
                 <a:solidFill>
                   <a:srgbClr val="FFFFFF"/>
                 </a:solidFill>
                 <a:latin typeface="Adobe Clean"/>
                 <a:cs typeface="Adobe Clean"/>
               </a:rPr>
-              <a:t>a</a:t>
-            </a:r>
-            <a:r>
-              <a:rPr sz="1200" b="1" spc="-25" dirty="0">
+              <a:t>比</a:t>
+            </a:r>
+            <a:r>
+              <a:rPr lang="en-US" sz="1200" b="1" spc="-25" dirty="0">
                 <a:solidFill>
                   <a:srgbClr val="FFFFFF"/>
                 </a:solidFill>
                 <a:latin typeface="Adobe Clean"/>
                 <a:cs typeface="Adobe Clean"/>
               </a:rPr>
-              <a:t>r</a:t>
-            </a:r>
-            <a:r>
-              <a:rPr sz="1200" b="1" spc="-15" dirty="0">
-                <a:solidFill>
-                  <a:srgbClr val="FFFFFF"/>
-                </a:solidFill>
-                <a:latin typeface="Adobe Clean"/>
-                <a:cs typeface="Adobe Clean"/>
-              </a:rPr>
-              <a:t>a</a:t>
-            </a:r>
-            <a:r>
-              <a:rPr sz="1200" b="1" spc="-30" dirty="0">
-                <a:solidFill>
-                  <a:srgbClr val="FFFFFF"/>
-                </a:solidFill>
-                <a:latin typeface="Adobe Clean"/>
-                <a:cs typeface="Adobe Clean"/>
-              </a:rPr>
-              <a:t>ll</a:t>
-            </a:r>
-            <a:r>
-              <a:rPr sz="1200" b="1" spc="-25" dirty="0">
-                <a:solidFill>
-                  <a:srgbClr val="FFFFFF"/>
-                </a:solidFill>
-                <a:latin typeface="Adobe Clean"/>
-                <a:cs typeface="Adobe Clean"/>
-              </a:rPr>
-              <a:t>e</a:t>
-            </a:r>
-            <a:r>
-              <a:rPr sz="1200" b="1" spc="-30" dirty="0">
-                <a:solidFill>
-                  <a:srgbClr val="FFFFFF"/>
-                </a:solidFill>
-                <a:latin typeface="Adobe Clean"/>
-                <a:cs typeface="Adobe Clean"/>
-              </a:rPr>
-              <a:t>l</a:t>
-            </a:r>
-            <a:r>
-              <a:rPr sz="1200" b="1" spc="-25" dirty="0">
-                <a:solidFill>
-                  <a:srgbClr val="FFFFFF"/>
-                </a:solidFill>
-                <a:latin typeface="Adobe Clean"/>
-                <a:cs typeface="Adobe Clean"/>
-              </a:rPr>
-              <a:t>e</a:t>
-            </a:r>
-            <a:r>
-              <a:rPr sz="1200" b="1" dirty="0">
-                <a:solidFill>
-                  <a:srgbClr val="FFFFFF"/>
-                </a:solidFill>
-                <a:latin typeface="Adobe Clean"/>
-                <a:cs typeface="Adobe Clean"/>
-              </a:rPr>
-              <a:t>d  </a:t>
-            </a:r>
-            <a:r>
-              <a:rPr sz="1200" b="1" spc="-25" dirty="0">
-                <a:solidFill>
-                  <a:srgbClr val="FFFFFF"/>
-                </a:solidFill>
-                <a:latin typeface="Adobe Clean"/>
-                <a:cs typeface="Adobe Clean"/>
-              </a:rPr>
-              <a:t>Expertise</a:t>
+              <a:t>的专业知识</a:t>
             </a:r>
             <a:endParaRPr sz="1200" dirty="0">
               <a:latin typeface="Adobe Clean"/>
@@ -13945,13 +11702,7 @@
       </p:sp>
       <p:sp>
         <p:nvSpPr>
-          <p:cNvPr id="85" name="object 64">
-            <a:extLst>
-              <a:ext uri="{FF2B5EF4-FFF2-40B4-BE49-F238E27FC236}">
-                <a16:creationId xmlns:a16="http://schemas.microsoft.com/office/drawing/2014/main" id="{3921F04C-B61B-A948-947F-C33BBFF39A32}"/>
-              </a:ext>
-            </a:extLst>
-          </p:cNvPr>
+          <p:cNvPr id="85" name="object 64"/>
           <p:cNvSpPr txBox="1"/>
           <p:nvPr/>
         </p:nvSpPr>
@@ -13986,7 +11737,7 @@
                 <a:latin typeface="Adobe Clean"/>
                 <a:cs typeface="Adobe Clean"/>
               </a:rPr>
-              <a:t>Accelerated Support</a:t>
+              <a:t>加速支持</a:t>
             </a:r>
             <a:endParaRPr sz="1200" dirty="0">
               <a:latin typeface="Adobe Clean"/>
@@ -13997,13 +11748,7 @@
       </p:sp>
       <p:sp>
         <p:nvSpPr>
-          <p:cNvPr id="86" name="object 32">
-            <a:extLst>
-              <a:ext uri="{FF2B5EF4-FFF2-40B4-BE49-F238E27FC236}">
-                <a16:creationId xmlns:a16="http://schemas.microsoft.com/office/drawing/2014/main" id="{73055FA1-8180-F44A-A86E-2B1D4C7C6B5E}"/>
-              </a:ext>
-            </a:extLst>
-          </p:cNvPr>
+          <p:cNvPr id="86" name="object 32"/>
           <p:cNvSpPr txBox="1"/>
           <p:nvPr/>
         </p:nvSpPr>
@@ -14031,104 +11776,44 @@
               </a:spcBef>
             </a:pPr>
             <a:r>
-              <a:rPr sz="1200" b="1" spc="-50" dirty="0">
+              <a:rPr lang="en-US" sz="1200" b="1" spc="-50" dirty="0">
                 <a:solidFill>
                   <a:srgbClr val="FFFFFF"/>
                 </a:solidFill>
                 <a:latin typeface="Adobe Clean"/>
                 <a:cs typeface="Adobe Clean"/>
               </a:rPr>
-              <a:t>S</a:t>
-            </a:r>
-            <a:r>
-              <a:rPr sz="1200" b="1" spc="-20" dirty="0">
+              <a:t>战</a:t>
+            </a:r>
+            <a:r>
+              <a:rPr lang="en-US" sz="1200" b="1" spc="-20" dirty="0">
                 <a:solidFill>
                   <a:srgbClr val="FFFFFF"/>
                 </a:solidFill>
                 <a:latin typeface="Adobe Clean"/>
                 <a:cs typeface="Adobe Clean"/>
               </a:rPr>
-              <a:t>t</a:t>
-            </a:r>
-            <a:r>
-              <a:rPr sz="1200" b="1" spc="-75" dirty="0">
+              <a:t>略</a:t>
+            </a:r>
+            <a:r>
+              <a:rPr lang="en-US" sz="1200" b="1" spc="-75" dirty="0">
                 <a:solidFill>
                   <a:srgbClr val="FFFFFF"/>
                 </a:solidFill>
                 <a:latin typeface="Adobe Clean"/>
                 <a:cs typeface="Adobe Clean"/>
               </a:rPr>
-              <a:t>r</a:t>
-            </a:r>
-            <a:r>
-              <a:rPr sz="1200" b="1" spc="-90" dirty="0">
+              <a:t>性</a:t>
+            </a:r>
+            <a:r>
+              <a:rPr lang="en-US" sz="1200" b="1" spc="-45" dirty="0">
                 <a:solidFill>
                   <a:srgbClr val="FFFFFF"/>
                 </a:solidFill>
                 <a:latin typeface="Adobe Clean"/>
                 <a:cs typeface="Adobe Clean"/>
               </a:rPr>
-              <a:t>a</a:t>
-            </a:r>
-            <a:r>
-              <a:rPr sz="1200" b="1" spc="-55" dirty="0">
-                <a:solidFill>
-                  <a:srgbClr val="FFFFFF"/>
-                </a:solidFill>
-                <a:latin typeface="Adobe Clean"/>
-                <a:cs typeface="Adobe Clean"/>
-              </a:rPr>
-              <a:t>t</a:t>
-            </a:r>
-            <a:r>
-              <a:rPr sz="1200" b="1" spc="-100" dirty="0">
-                <a:solidFill>
-                  <a:srgbClr val="FFFFFF"/>
-                </a:solidFill>
-                <a:latin typeface="Adobe Clean"/>
-                <a:cs typeface="Adobe Clean"/>
-              </a:rPr>
-              <a:t>e</a:t>
-            </a:r>
-            <a:r>
-              <a:rPr sz="1200" b="1" spc="-80" dirty="0">
-                <a:solidFill>
-                  <a:srgbClr val="FFFFFF"/>
-                </a:solidFill>
-                <a:latin typeface="Adobe Clean"/>
-                <a:cs typeface="Adobe Clean"/>
-              </a:rPr>
-              <a:t>g</a:t>
-            </a:r>
-            <a:r>
-              <a:rPr sz="1200" b="1" spc="-35" dirty="0">
-                <a:solidFill>
-                  <a:srgbClr val="FFFFFF"/>
-                </a:solidFill>
-                <a:latin typeface="Adobe Clean"/>
-                <a:cs typeface="Adobe Clean"/>
-              </a:rPr>
-              <a:t>i</a:t>
-            </a:r>
-            <a:r>
-              <a:rPr sz="1200" b="1" dirty="0">
-                <a:solidFill>
-                  <a:srgbClr val="FFFFFF"/>
-                </a:solidFill>
-                <a:latin typeface="Adobe Clean"/>
-                <a:cs typeface="Adobe Clean"/>
-              </a:rPr>
-              <a:t>c  </a:t>
-            </a:r>
-            <a:r>
-              <a:rPr sz="1200" b="1" spc="-45" dirty="0">
-                <a:solidFill>
-                  <a:srgbClr val="FFFFFF"/>
-                </a:solidFill>
-                <a:latin typeface="Adobe Clean"/>
-                <a:cs typeface="Adobe Clean"/>
-              </a:rPr>
-              <a:t>Advice</a:t>
+              <a:t>建议</a:t>
             </a:r>
             <a:endParaRPr sz="1200" dirty="0">
               <a:latin typeface="Adobe Clean"/>
@@ -14139,27 +11824,15 @@
       </p:sp>
       <p:graphicFrame>
         <p:nvGraphicFramePr>
-          <p:cNvPr id="111" name="Table 6">
-            <a:extLst>
-              <a:ext uri="{FF2B5EF4-FFF2-40B4-BE49-F238E27FC236}">
-                <a16:creationId xmlns:a16="http://schemas.microsoft.com/office/drawing/2014/main" id="{D8653CEC-4213-DE40-9BAF-D1E3318FF89C}"/>
-              </a:ext>
-            </a:extLst>
-          </p:cNvPr>
+          <p:cNvPr id="111" name="Table 6"/>
           <p:cNvGraphicFramePr>
             <a:graphicFrameLocks noGrp="1"/>
           </p:cNvGraphicFramePr>
-          <p:nvPr>
-            <p:extLst>
-              <p:ext uri="{D42A27DB-BD31-4B8C-83A1-F6EECF244321}">
-                <p14:modId xmlns:p14="http://schemas.microsoft.com/office/powerpoint/2010/main" val="375036756"/>
-              </p:ext>
-            </p:extLst>
-          </p:nvPr>
+          <p:nvPr/>
         </p:nvGraphicFramePr>
         <p:xfrm>
           <a:off x="194236" y="1059345"/>
-          <a:ext cx="7368291" cy="3235960"/>
+          <a:ext cx="7368291" cy="2473960"/>
         </p:xfrm>
         <a:graphic>
           <a:graphicData uri="http://schemas.openxmlformats.org/drawingml/2006/table">
@@ -14171,14 +11844,14 @@
                 <a:gridCol w="3691964">
                   <a:extLst>
                     <a:ext uri="{9D8B030D-6E8A-4147-A177-3AD203B41FA5}">
-                      <a16:colId xmlns:a16="http://schemas.microsoft.com/office/drawing/2014/main" val="2364693614"/>
+                      <a16:colId xmlns:a16="http://schemas.microsoft.com/office/drawing/2014/main" val="20000"/>
                     </a:ext>
                   </a:extLst>
                 </a:gridCol>
                 <a:gridCol w="3676327">
                   <a:extLst>
                     <a:ext uri="{9D8B030D-6E8A-4147-A177-3AD203B41FA5}">
-                      <a16:colId xmlns:a16="http://schemas.microsoft.com/office/drawing/2014/main" val="1545335406"/>
+                      <a16:colId xmlns:a16="http://schemas.microsoft.com/office/drawing/2014/main" val="20001"/>
                     </a:ext>
                   </a:extLst>
                 </a:gridCol>
@@ -14278,7 +11951,6 @@
                         <a:buSzTx/>
                         <a:buFontTx/>
                         <a:buNone/>
-                        <a:tabLst/>
                         <a:defRPr/>
                       </a:pPr>
                       <a:r>
@@ -14290,7 +11962,7 @@
                           <a:ea typeface="+mn-ea"/>
                           <a:cs typeface="+mn-cs"/>
                         </a:rPr>
-                        <a:t>Experience League is how Adobe helps businesses achieve the value they expect from their Adobe investment. It’s the unified place where customers can learn, connect, and grow along a personalized path to success that includes self-help tutorials, product documentation, instructor-led training, community and technical support. </a:t>
+                        <a:t>Experience League 是 Adobe 帮助企业实现预期的 Adobe 投资回报的方式。这是一个集中式位置，提供自助教程、产品文档、讲师指导的培训、社区和技术支持，客户可以在这里学习、建立联系和取得进步，并沿着个性化的路径迈向成功。</a:t>
                       </a:r>
                     </a:p>
                   </a:txBody>
@@ -14344,7 +12016,7 @@
                 </a:tc>
                 <a:extLst>
                   <a:ext uri="{0D108BD9-81ED-4DB2-BD59-A6C34878D82A}">
-                    <a16:rowId xmlns:a16="http://schemas.microsoft.com/office/drawing/2014/main" val="4251285128"/>
+                    <a16:rowId xmlns:a16="http://schemas.microsoft.com/office/drawing/2014/main" val="10000"/>
                   </a:ext>
                 </a:extLst>
               </a:tr>
@@ -14368,7 +12040,6 @@
                         <a:buSzTx/>
                         <a:buFontTx/>
                         <a:buNone/>
-                        <a:tabLst/>
                         <a:defRPr/>
                       </a:pPr>
                       <a:r>
@@ -14382,7 +12053,7 @@
                           <a:cs typeface="+mn-cs"/>
                           <a:hlinkClick r:id="rId8"/>
                         </a:rPr>
-                        <a:t>Training</a:t>
+                        <a:t>培训</a:t>
                       </a:r>
                       <a:r>
                         <a:rPr lang="en-US" sz="1100" dirty="0">
@@ -14474,7 +12145,6 @@
                         <a:buSzTx/>
                         <a:buFontTx/>
                         <a:buNone/>
-                        <a:tabLst/>
                         <a:defRPr/>
                       </a:pPr>
                       <a:r>
@@ -14486,7 +12156,7 @@
                           <a:ea typeface="+mn-ea"/>
                           <a:cs typeface="+mn-cs"/>
                         </a:rPr>
-                        <a:t>Adobe Digital Learning Services courses are accessible from Experience League. Learning courses integrate both on-demand and instructor-led lessons.  Here you can accrue skills that have recognized market value and position them to drive success in your organizations.</a:t>
+                        <a:t>可以从 Experience League 访问 Adobe Digital Learning Services 课程。学习课程整合了按需课程和讲师指导的课程。在这里，您可以掌握具有公认市场价值的技能，并在组织中利用这些技能获得成功。</a:t>
                       </a:r>
                     </a:p>
                   </a:txBody>
@@ -14540,7 +12210,7 @@
                 </a:tc>
                 <a:extLst>
                   <a:ext uri="{0D108BD9-81ED-4DB2-BD59-A6C34878D82A}">
-                    <a16:rowId xmlns:a16="http://schemas.microsoft.com/office/drawing/2014/main" val="3127522179"/>
+                    <a16:rowId xmlns:a16="http://schemas.microsoft.com/office/drawing/2014/main" val="10001"/>
                   </a:ext>
                 </a:extLst>
               </a:tr>
@@ -14564,7 +12234,6 @@
                         <a:buSzTx/>
                         <a:buFontTx/>
                         <a:buNone/>
-                        <a:tabLst/>
                         <a:defRPr/>
                       </a:pPr>
                       <a:r>
@@ -14578,7 +12247,7 @@
                           <a:cs typeface="+mn-cs"/>
                           <a:hlinkClick r:id="rId9"/>
                         </a:rPr>
-                        <a:t>Production Issues &amp; System Outages</a:t>
+                        <a:t>生产问题和系统中断</a:t>
                       </a:r>
                       <a:endParaRPr lang="en-US" sz="1100" dirty="0">
                         <a:solidFill>
@@ -14658,7 +12327,6 @@
                         <a:buSzTx/>
                         <a:buFontTx/>
                         <a:buNone/>
-                        <a:tabLst/>
                         <a:defRPr/>
                       </a:pPr>
                       <a:r>
@@ -14670,7 +12338,7 @@
                           <a:ea typeface="+mn-ea"/>
                           <a:cs typeface="+mn-cs"/>
                         </a:rPr>
-                        <a:t>Status.adobe.com conveys the health information of all Adobe products and services that are deployed in multi-tenant environments. Customers can choose their subscription preferences to get email notifications whenever Adobe creates, updates or resolves a product event. This can include scheduled maintenance or service issues of varying levels of severity. </a:t>
+                        <a:t>Status.adobe.com 传达在多租户环境中部署的所有 Adobe 产品和服务的运行状况信息。客户可以选择他们的订阅偏好设置，以便在 Adobe 创建、更新或处理产品事件时收到电子邮件通知。这可能包括严重性不同的定期维护或服务问题。</a:t>
                       </a:r>
                     </a:p>
                   </a:txBody>
@@ -14724,7 +12392,7 @@
                 </a:tc>
                 <a:extLst>
                   <a:ext uri="{0D108BD9-81ED-4DB2-BD59-A6C34878D82A}">
-                    <a16:rowId xmlns:a16="http://schemas.microsoft.com/office/drawing/2014/main" val="2696233489"/>
+                    <a16:rowId xmlns:a16="http://schemas.microsoft.com/office/drawing/2014/main" val="10002"/>
                   </a:ext>
                 </a:extLst>
               </a:tr>
@@ -14748,7 +12416,6 @@
                         <a:buSzTx/>
                         <a:buFontTx/>
                         <a:buNone/>
-                        <a:tabLst/>
                         <a:defRPr/>
                       </a:pPr>
                       <a:r>
@@ -14762,7 +12429,7 @@
                           <a:cs typeface="+mn-cs"/>
                           <a:hlinkClick r:id="rId10"/>
                         </a:rPr>
-                        <a:t>Terms and Conditions</a:t>
+                        <a:t>条款和条件</a:t>
                       </a:r>
                       <a:endParaRPr lang="en-US" sz="1100" dirty="0">
                         <a:solidFill>
@@ -14837,7 +12504,7 @@
                           <a:ea typeface="+mn-ea"/>
                           <a:cs typeface="+mn-cs"/>
                         </a:rPr>
-                        <a:t>Terms and conditions detailing Support Services offerings</a:t>
+                        <a:t>详细说明支持服务产品的条款和条件</a:t>
                       </a:r>
                     </a:p>
                   </a:txBody>
@@ -14891,7 +12558,7 @@
                 </a:tc>
                 <a:extLst>
                   <a:ext uri="{0D108BD9-81ED-4DB2-BD59-A6C34878D82A}">
-                    <a16:rowId xmlns:a16="http://schemas.microsoft.com/office/drawing/2014/main" val="2083862379"/>
+                    <a16:rowId xmlns:a16="http://schemas.microsoft.com/office/drawing/2014/main" val="10003"/>
                   </a:ext>
                 </a:extLst>
               </a:tr>
@@ -14901,13 +12568,7 @@
       </p:graphicFrame>
       <p:pic>
         <p:nvPicPr>
-          <p:cNvPr id="8" name="Graphic 7" descr="Target outline">
-            <a:extLst>
-              <a:ext uri="{FF2B5EF4-FFF2-40B4-BE49-F238E27FC236}">
-                <a16:creationId xmlns:a16="http://schemas.microsoft.com/office/drawing/2014/main" id="{1EAA263E-04A7-0D46-952E-EA3033B45116}"/>
-              </a:ext>
-            </a:extLst>
-          </p:cNvPr>
+          <p:cNvPr id="8" name="Graphic 7" descr="目标轮廓图"/>
           <p:cNvPicPr>
             <a:picLocks noChangeAspect="1"/>
           </p:cNvPicPr>
@@ -14940,13 +12601,7 @@
       </p:pic>
       <p:pic>
         <p:nvPicPr>
-          <p:cNvPr id="10" name="Graphic 9" descr="Rocket outline">
-            <a:extLst>
-              <a:ext uri="{FF2B5EF4-FFF2-40B4-BE49-F238E27FC236}">
-                <a16:creationId xmlns:a16="http://schemas.microsoft.com/office/drawing/2014/main" id="{A068EBC3-B418-4E4A-A520-101CA4B39F23}"/>
-              </a:ext>
-            </a:extLst>
-          </p:cNvPr>
+          <p:cNvPr id="10" name="Graphic 9" descr="火箭轮廓图"/>
           <p:cNvPicPr>
             <a:picLocks noChangeAspect="1"/>
           </p:cNvPicPr>
@@ -14979,13 +12634,7 @@
       </p:pic>
       <p:pic>
         <p:nvPicPr>
-          <p:cNvPr id="12" name="Graphic 11" descr="Medal outline">
-            <a:extLst>
-              <a:ext uri="{FF2B5EF4-FFF2-40B4-BE49-F238E27FC236}">
-                <a16:creationId xmlns:a16="http://schemas.microsoft.com/office/drawing/2014/main" id="{C7BEFC2D-0CA6-0448-B9FA-6E1581CA6D36}"/>
-              </a:ext>
-            </a:extLst>
-          </p:cNvPr>
+          <p:cNvPr id="12" name="Graphic 11" descr="勋章轮廓图"/>
           <p:cNvPicPr>
             <a:picLocks noChangeAspect="1"/>
           </p:cNvPicPr>
@@ -15017,11 +12666,6 @@
         </p:spPr>
       </p:pic>
     </p:spTree>
-    <p:extLst>
-      <p:ext uri="{BB962C8B-B14F-4D97-AF65-F5344CB8AC3E}">
-        <p14:creationId xmlns:p14="http://schemas.microsoft.com/office/powerpoint/2010/main" val="799510854"/>
-      </p:ext>
-    </p:extLst>
   </p:cSld>
   <p:clrMapOvr>
     <a:masterClrMapping/>
@@ -15309,6 +12953,11 @@
   </a:themeElements>
   <a:objectDefaults/>
   <a:extraClrSchemeLst/>
+  <a:extLst>
+    <a:ext uri="{05A4C25C-085E-4340-85A3-A5531E510DB2}">
+      <thm15:themeFamily xmlns:thm15="http://schemas.microsoft.com/office/thememl/2012/main" name="Office Theme" id="{62F939B6-93AF-4DB8-9C6B-D6C7DFDC589F}" vid="{4A3C46E8-61CC-4603-A589-7422A47A8E4A}"/>
+    </a:ext>
+  </a:extLst>
 </a:theme>
 </file>
 
@@ -15355,7 +13004,7 @@
     </a:clrScheme>
     <a:fontScheme name="Office">
       <a:majorFont>
-        <a:latin typeface="Calibri Light" panose="020F0302020204030204"/>
+        <a:latin typeface="Calibri Light"/>
         <a:ea typeface=""/>
         <a:cs typeface=""/>
         <a:font script="Jpan" typeface="游ゴシック Light"/>
@@ -15388,26 +13037,9 @@
         <a:font script="Viet" typeface="Times New Roman"/>
         <a:font script="Uigh" typeface="Microsoft Uighur"/>
         <a:font script="Geor" typeface="Sylfaen"/>
-        <a:font script="Armn" typeface="Arial"/>
-        <a:font script="Bugi" typeface="Leelawadee UI"/>
-        <a:font script="Bopo" typeface="Microsoft JhengHei"/>
-        <a:font script="Java" typeface="Javanese Text"/>
-        <a:font script="Lisu" typeface="Segoe UI"/>
-        <a:font script="Mymr" typeface="Myanmar Text"/>
-        <a:font script="Nkoo" typeface="Ebrima"/>
-        <a:font script="Olck" typeface="Nirmala UI"/>
-        <a:font script="Osma" typeface="Ebrima"/>
-        <a:font script="Phag" typeface="Phagspa"/>
-        <a:font script="Syrn" typeface="Estrangelo Edessa"/>
-        <a:font script="Syrj" typeface="Estrangelo Edessa"/>
-        <a:font script="Syre" typeface="Estrangelo Edessa"/>
-        <a:font script="Sora" typeface="Nirmala UI"/>
-        <a:font script="Tale" typeface="Microsoft Tai Le"/>
-        <a:font script="Talu" typeface="Microsoft New Tai Lue"/>
-        <a:font script="Tfng" typeface="Ebrima"/>
       </a:majorFont>
       <a:minorFont>
-        <a:latin typeface="Calibri" panose="020F0502020204030204"/>
+        <a:latin typeface="Calibri"/>
         <a:ea typeface=""/>
         <a:cs typeface=""/>
         <a:font script="Jpan" typeface="游ゴシック"/>
@@ -15440,23 +13072,6 @@
         <a:font script="Viet" typeface="Arial"/>
         <a:font script="Uigh" typeface="Microsoft Uighur"/>
         <a:font script="Geor" typeface="Sylfaen"/>
-        <a:font script="Armn" typeface="Arial"/>
-        <a:font script="Bugi" typeface="Leelawadee UI"/>
-        <a:font script="Bopo" typeface="Microsoft JhengHei"/>
-        <a:font script="Java" typeface="Javanese Text"/>
-        <a:font script="Lisu" typeface="Segoe UI"/>
-        <a:font script="Mymr" typeface="Myanmar Text"/>
-        <a:font script="Nkoo" typeface="Ebrima"/>
-        <a:font script="Olck" typeface="Nirmala UI"/>
-        <a:font script="Osma" typeface="Ebrima"/>
-        <a:font script="Phag" typeface="Phagspa"/>
-        <a:font script="Syrn" typeface="Estrangelo Edessa"/>
-        <a:font script="Syrj" typeface="Estrangelo Edessa"/>
-        <a:font script="Syre" typeface="Estrangelo Edessa"/>
-        <a:font script="Sora" typeface="Nirmala UI"/>
-        <a:font script="Tale" typeface="Microsoft Tai Le"/>
-        <a:font script="Talu" typeface="Microsoft New Tai Lue"/>
-        <a:font script="Tfng" typeface="Ebrima"/>
       </a:minorFont>
     </a:fontScheme>
     <a:fmtScheme name="Office">
@@ -15605,260 +13220,4 @@
     </a:ext>
   </a:extLst>
 </a:theme>
-</file>
-
-<file path=customXml/item1.xml><?xml version="1.0" encoding="utf-8"?>
-<p:properties xmlns:p="http://schemas.microsoft.com/office/2006/metadata/properties" xmlns:xsi="http://www.w3.org/2001/XMLSchema-instance" xmlns:pc="http://schemas.microsoft.com/office/infopath/2007/PartnerControls">
-  <documentManagement/>
-</p:properties>
-</file>
-
-<file path=customXml/item2.xml><?xml version="1.0" encoding="utf-8"?>
-<ct:contentTypeSchema xmlns:ct="http://schemas.microsoft.com/office/2006/metadata/contentType" xmlns:ma="http://schemas.microsoft.com/office/2006/metadata/properties/metaAttributes" ct:_="" ma:_="" ma:contentTypeName="Document" ma:contentTypeID="0x010100E783BF6876BCC646A459363AF21A7736" ma:contentTypeVersion="10" ma:contentTypeDescription="Create a new document." ma:contentTypeScope="" ma:versionID="c4ffda7f4f415767600769e454c2ea87">
-  <xsd:schema xmlns:xsd="http://www.w3.org/2001/XMLSchema" xmlns:xs="http://www.w3.org/2001/XMLSchema" xmlns:p="http://schemas.microsoft.com/office/2006/metadata/properties" xmlns:ns2="8a053bff-88be-49e4-9a87-e748e18b8b62" xmlns:ns3="6c8368ec-3776-49b5-a5bb-90648cf9530f" targetNamespace="http://schemas.microsoft.com/office/2006/metadata/properties" ma:root="true" ma:fieldsID="df3ec33bccc23e23bce7bc897fad43d1" ns2:_="" ns3:_="">
-    <xsd:import namespace="8a053bff-88be-49e4-9a87-e748e18b8b62"/>
-    <xsd:import namespace="6c8368ec-3776-49b5-a5bb-90648cf9530f"/>
-    <xsd:element name="properties">
-      <xsd:complexType>
-        <xsd:sequence>
-          <xsd:element name="documentManagement">
-            <xsd:complexType>
-              <xsd:all>
-                <xsd:element ref="ns2:MediaServiceMetadata" minOccurs="0"/>
-                <xsd:element ref="ns2:MediaServiceFastMetadata" minOccurs="0"/>
-                <xsd:element ref="ns2:MediaServiceAutoKeyPoints" minOccurs="0"/>
-                <xsd:element ref="ns2:MediaServiceKeyPoints" minOccurs="0"/>
-                <xsd:element ref="ns3:SharedWithUsers" minOccurs="0"/>
-                <xsd:element ref="ns3:SharedWithDetails" minOccurs="0"/>
-                <xsd:element ref="ns2:MediaServiceAutoTags" minOccurs="0"/>
-                <xsd:element ref="ns2:MediaServiceOCR" minOccurs="0"/>
-                <xsd:element ref="ns2:MediaServiceGenerationTime" minOccurs="0"/>
-                <xsd:element ref="ns2:MediaServiceEventHashCode" minOccurs="0"/>
-              </xsd:all>
-            </xsd:complexType>
-          </xsd:element>
-        </xsd:sequence>
-      </xsd:complexType>
-    </xsd:element>
-  </xsd:schema>
-  <xsd:schema xmlns:xsd="http://www.w3.org/2001/XMLSchema" xmlns:xs="http://www.w3.org/2001/XMLSchema" xmlns:dms="http://schemas.microsoft.com/office/2006/documentManagement/types" xmlns:pc="http://schemas.microsoft.com/office/infopath/2007/PartnerControls" targetNamespace="8a053bff-88be-49e4-9a87-e748e18b8b62" elementFormDefault="qualified">
-    <xsd:import namespace="http://schemas.microsoft.com/office/2006/documentManagement/types"/>
-    <xsd:import namespace="http://schemas.microsoft.com/office/infopath/2007/PartnerControls"/>
-    <xsd:element name="MediaServiceMetadata" ma:index="8" nillable="true" ma:displayName="MediaServiceMetadata" ma:hidden="true" ma:internalName="MediaServiceMetadata" ma:readOnly="true">
-      <xsd:simpleType>
-        <xsd:restriction base="dms:Note"/>
-      </xsd:simpleType>
-    </xsd:element>
-    <xsd:element name="MediaServiceFastMetadata" ma:index="9" nillable="true" ma:displayName="MediaServiceFastMetadata" ma:hidden="true" ma:internalName="MediaServiceFastMetadata" ma:readOnly="true">
-      <xsd:simpleType>
-        <xsd:restriction base="dms:Note"/>
-      </xsd:simpleType>
-    </xsd:element>
-    <xsd:element name="MediaServiceAutoKeyPoints" ma:index="10" nillable="true" ma:displayName="MediaServiceAutoKeyPoints" ma:hidden="true" ma:internalName="MediaServiceAutoKeyPoints" ma:readOnly="true">
-      <xsd:simpleType>
-        <xsd:restriction base="dms:Note"/>
-      </xsd:simpleType>
-    </xsd:element>
-    <xsd:element name="MediaServiceKeyPoints" ma:index="11" nillable="true" ma:displayName="KeyPoints" ma:internalName="MediaServiceKeyPoints" ma:readOnly="true">
-      <xsd:simpleType>
-        <xsd:restriction base="dms:Note">
-          <xsd:maxLength value="255"/>
-        </xsd:restriction>
-      </xsd:simpleType>
-    </xsd:element>
-    <xsd:element name="MediaServiceAutoTags" ma:index="14" nillable="true" ma:displayName="Tags" ma:internalName="MediaServiceAutoTags" ma:readOnly="true">
-      <xsd:simpleType>
-        <xsd:restriction base="dms:Text"/>
-      </xsd:simpleType>
-    </xsd:element>
-    <xsd:element name="MediaServiceOCR" ma:index="15" nillable="true" ma:displayName="Extracted Text" ma:internalName="MediaServiceOCR" ma:readOnly="true">
-      <xsd:simpleType>
-        <xsd:restriction base="dms:Note">
-          <xsd:maxLength value="255"/>
-        </xsd:restriction>
-      </xsd:simpleType>
-    </xsd:element>
-    <xsd:element name="MediaServiceGenerationTime" ma:index="16" nillable="true" ma:displayName="MediaServiceGenerationTime" ma:hidden="true" ma:internalName="MediaServiceGenerationTime" ma:readOnly="true">
-      <xsd:simpleType>
-        <xsd:restriction base="dms:Text"/>
-      </xsd:simpleType>
-    </xsd:element>
-    <xsd:element name="MediaServiceEventHashCode" ma:index="17" nillable="true" ma:displayName="MediaServiceEventHashCode" ma:hidden="true" ma:internalName="MediaServiceEventHashCode" ma:readOnly="true">
-      <xsd:simpleType>
-        <xsd:restriction base="dms:Text"/>
-      </xsd:simpleType>
-    </xsd:element>
-  </xsd:schema>
-  <xsd:schema xmlns:xsd="http://www.w3.org/2001/XMLSchema" xmlns:xs="http://www.w3.org/2001/XMLSchema" xmlns:dms="http://schemas.microsoft.com/office/2006/documentManagement/types" xmlns:pc="http://schemas.microsoft.com/office/infopath/2007/PartnerControls" targetNamespace="6c8368ec-3776-49b5-a5bb-90648cf9530f" elementFormDefault="qualified">
-    <xsd:import namespace="http://schemas.microsoft.com/office/2006/documentManagement/types"/>
-    <xsd:import namespace="http://schemas.microsoft.com/office/infopath/2007/PartnerControls"/>
-    <xsd:element name="SharedWithUsers" ma:index="12" nillable="true" ma:displayName="Shared With" ma:internalName="SharedWithUsers" ma:readOnly="true">
-      <xsd:complexType>
-        <xsd:complexContent>
-          <xsd:extension base="dms:UserMulti">
-            <xsd:sequence>
-              <xsd:element name="UserInfo" minOccurs="0" maxOccurs="unbounded">
-                <xsd:complexType>
-                  <xsd:sequence>
-                    <xsd:element name="DisplayName" type="xsd:string" minOccurs="0"/>
-                    <xsd:element name="AccountId" type="dms:UserId" minOccurs="0" nillable="true"/>
-                    <xsd:element name="AccountType" type="xsd:string" minOccurs="0"/>
-                  </xsd:sequence>
-                </xsd:complexType>
-              </xsd:element>
-            </xsd:sequence>
-          </xsd:extension>
-        </xsd:complexContent>
-      </xsd:complexType>
-    </xsd:element>
-    <xsd:element name="SharedWithDetails" ma:index="13" nillable="true" ma:displayName="Shared With Details" ma:internalName="SharedWithDetails" ma:readOnly="true">
-      <xsd:simpleType>
-        <xsd:restriction base="dms:Note">
-          <xsd:maxLength value="255"/>
-        </xsd:restriction>
-      </xsd:simpleType>
-    </xsd:element>
-  </xsd:schema>
-  <xsd:schema xmlns="http://schemas.openxmlformats.org/package/2006/metadata/core-properties" xmlns:xsd="http://www.w3.org/2001/XMLSchema" xmlns:xsi="http://www.w3.org/2001/XMLSchema-instance" xmlns:dc="http://purl.org/dc/elements/1.1/" xmlns:dcterms="http://purl.org/dc/terms/" xmlns:odoc="http://schemas.microsoft.com/internal/obd" targetNamespace="http://schemas.openxmlformats.org/package/2006/metadata/core-properties" elementFormDefault="qualified" attributeFormDefault="unqualified" blockDefault="#all">
-    <xsd:import namespace="http://purl.org/dc/elements/1.1/" schemaLocation="http://dublincore.org/schemas/xmls/qdc/2003/04/02/dc.xsd"/>
-    <xsd:import namespace="http://purl.org/dc/terms/" schemaLocation="http://dublincore.org/schemas/xmls/qdc/2003/04/02/dcterms.xsd"/>
-    <xsd:element name="coreProperties" type="CT_coreProperties"/>
-    <xsd:complexType name="CT_coreProperties">
-      <xsd:all>
-        <xsd:element ref="dc:creator" minOccurs="0" maxOccurs="1"/>
-        <xsd:element ref="dcterms:created" minOccurs="0" maxOccurs="1"/>
-        <xsd:element ref="dc:identifier" minOccurs="0" maxOccurs="1"/>
-        <xsd:element name="contentType" minOccurs="0" maxOccurs="1" type="xsd:string" ma:index="0" ma:displayName="Content Type"/>
-        <xsd:element ref="dc:title" minOccurs="0" maxOccurs="1" ma:index="4" ma:displayName="Title"/>
-        <xsd:element ref="dc:subject" minOccurs="0" maxOccurs="1"/>
-        <xsd:element ref="dc:description" minOccurs="0" maxOccurs="1"/>
-        <xsd:element name="keywords" minOccurs="0" maxOccurs="1" type="xsd:string"/>
-        <xsd:element ref="dc:language" minOccurs="0" maxOccurs="1"/>
-        <xsd:element name="category" minOccurs="0" maxOccurs="1" type="xsd:string"/>
-        <xsd:element name="version" minOccurs="0" maxOccurs="1" type="xsd:string"/>
-        <xsd:element name="revision" minOccurs="0" maxOccurs="1" type="xsd:string">
-          <xsd:annotation>
-            <xsd:documentation>
-                        This value indicates the number of saves or revisions. The application is responsible for updating this value after each revision.
-                    </xsd:documentation>
-          </xsd:annotation>
-        </xsd:element>
-        <xsd:element name="lastModifiedBy" minOccurs="0" maxOccurs="1" type="xsd:string"/>
-        <xsd:element ref="dcterms:modified" minOccurs="0" maxOccurs="1"/>
-        <xsd:element name="contentStatus" minOccurs="0" maxOccurs="1" type="xsd:string"/>
-      </xsd:all>
-    </xsd:complexType>
-  </xsd:schema>
-  <xs:schema xmlns:pc="http://schemas.microsoft.com/office/infopath/2007/PartnerControls" xmlns:xs="http://www.w3.org/2001/XMLSchema" targetNamespace="http://schemas.microsoft.com/office/infopath/2007/PartnerControls" elementFormDefault="qualified" attributeFormDefault="unqualified">
-    <xs:element name="Person">
-      <xs:complexType>
-        <xs:sequence>
-          <xs:element ref="pc:DisplayName" minOccurs="0"/>
-          <xs:element ref="pc:AccountId" minOccurs="0"/>
-          <xs:element ref="pc:AccountType" minOccurs="0"/>
-        </xs:sequence>
-      </xs:complexType>
-    </xs:element>
-    <xs:element name="DisplayName" type="xs:string"/>
-    <xs:element name="AccountId" type="xs:string"/>
-    <xs:element name="AccountType" type="xs:string"/>
-    <xs:element name="BDCAssociatedEntity">
-      <xs:complexType>
-        <xs:sequence>
-          <xs:element ref="pc:BDCEntity" minOccurs="0" maxOccurs="unbounded"/>
-        </xs:sequence>
-        <xs:attribute ref="pc:EntityNamespace"/>
-        <xs:attribute ref="pc:EntityName"/>
-        <xs:attribute ref="pc:SystemInstanceName"/>
-        <xs:attribute ref="pc:AssociationName"/>
-      </xs:complexType>
-    </xs:element>
-    <xs:attribute name="EntityNamespace" type="xs:string"/>
-    <xs:attribute name="EntityName" type="xs:string"/>
-    <xs:attribute name="SystemInstanceName" type="xs:string"/>
-    <xs:attribute name="AssociationName" type="xs:string"/>
-    <xs:element name="BDCEntity">
-      <xs:complexType>
-        <xs:sequence>
-          <xs:element ref="pc:EntityDisplayName" minOccurs="0"/>
-          <xs:element ref="pc:EntityInstanceReference" minOccurs="0"/>
-          <xs:element ref="pc:EntityId1" minOccurs="0"/>
-          <xs:element ref="pc:EntityId2" minOccurs="0"/>
-          <xs:element ref="pc:EntityId3" minOccurs="0"/>
-          <xs:element ref="pc:EntityId4" minOccurs="0"/>
-          <xs:element ref="pc:EntityId5" minOccurs="0"/>
-        </xs:sequence>
-      </xs:complexType>
-    </xs:element>
-    <xs:element name="EntityDisplayName" type="xs:string"/>
-    <xs:element name="EntityInstanceReference" type="xs:string"/>
-    <xs:element name="EntityId1" type="xs:string"/>
-    <xs:element name="EntityId2" type="xs:string"/>
-    <xs:element name="EntityId3" type="xs:string"/>
-    <xs:element name="EntityId4" type="xs:string"/>
-    <xs:element name="EntityId5" type="xs:string"/>
-    <xs:element name="Terms">
-      <xs:complexType>
-        <xs:sequence>
-          <xs:element ref="pc:TermInfo" minOccurs="0" maxOccurs="unbounded"/>
-        </xs:sequence>
-      </xs:complexType>
-    </xs:element>
-    <xs:element name="TermInfo">
-      <xs:complexType>
-        <xs:sequence>
-          <xs:element ref="pc:TermName" minOccurs="0"/>
-          <xs:element ref="pc:TermId" minOccurs="0"/>
-        </xs:sequence>
-      </xs:complexType>
-    </xs:element>
-    <xs:element name="TermName" type="xs:string"/>
-    <xs:element name="TermId" type="xs:string"/>
-  </xs:schema>
-</ct:contentTypeSchema>
-</file>
-
-<file path=customXml/item3.xml><?xml version="1.0" encoding="utf-8"?>
-<?mso-contentType ?>
-<FormTemplates xmlns="http://schemas.microsoft.com/sharepoint/v3/contenttype/forms">
-  <Display>DocumentLibraryForm</Display>
-  <Edit>DocumentLibraryForm</Edit>
-  <New>DocumentLibraryForm</New>
-</FormTemplates>
-</file>
-
-<file path=customXml/itemProps1.xml><?xml version="1.0" encoding="utf-8"?>
-<ds:datastoreItem xmlns:ds="http://schemas.openxmlformats.org/officeDocument/2006/customXml" ds:itemID="{8D12BD98-169B-4BEE-86DF-4C9641DF23C4}">
-  <ds:schemaRefs>
-    <ds:schemaRef ds:uri="http://schemas.microsoft.com/office/2006/metadata/properties"/>
-    <ds:schemaRef ds:uri="http://schemas.microsoft.com/office/infopath/2007/PartnerControls"/>
-  </ds:schemaRefs>
-</ds:datastoreItem>
-</file>
-
-<file path=customXml/itemProps2.xml><?xml version="1.0" encoding="utf-8"?>
-<ds:datastoreItem xmlns:ds="http://schemas.openxmlformats.org/officeDocument/2006/customXml" ds:itemID="{34863498-7BB7-4F09-9F4A-B99E97FDB0EB}">
-  <ds:schemaRefs>
-    <ds:schemaRef ds:uri="http://schemas.microsoft.com/office/2006/metadata/contentType"/>
-    <ds:schemaRef ds:uri="http://schemas.microsoft.com/office/2006/metadata/properties/metaAttributes"/>
-    <ds:schemaRef ds:uri="http://www.w3.org/2001/XMLSchema"/>
-    <ds:schemaRef ds:uri="http://schemas.microsoft.com/office/2006/metadata/properties"/>
-    <ds:schemaRef ds:uri="8a053bff-88be-49e4-9a87-e748e18b8b62"/>
-    <ds:schemaRef ds:uri="6c8368ec-3776-49b5-a5bb-90648cf9530f"/>
-    <ds:schemaRef ds:uri="http://schemas.microsoft.com/office/2006/documentManagement/types"/>
-    <ds:schemaRef ds:uri="http://schemas.microsoft.com/office/infopath/2007/PartnerControls"/>
-    <ds:schemaRef ds:uri="http://schemas.openxmlformats.org/package/2006/metadata/core-properties"/>
-    <ds:schemaRef ds:uri="http://purl.org/dc/elements/1.1/"/>
-    <ds:schemaRef ds:uri="http://purl.org/dc/terms/"/>
-    <ds:schemaRef ds:uri="http://schemas.microsoft.com/internal/obd"/>
-  </ds:schemaRefs>
-</ds:datastoreItem>
-</file>
-
-<file path=customXml/itemProps3.xml><?xml version="1.0" encoding="utf-8"?>
-<ds:datastoreItem xmlns:ds="http://schemas.openxmlformats.org/officeDocument/2006/customXml" ds:itemID="{AC92E7FA-19A2-4675-9C77-2C92D8A268D1}">
-  <ds:schemaRefs>
-    <ds:schemaRef ds:uri="http://schemas.microsoft.com/sharepoint/v3/contenttype/forms"/>
-  </ds:schemaRefs>
-</ds:datastoreItem>
 </file>
--- a/help/data-sheets/assets/OnlineSupportDatasheet.pptx
+++ b/help/data-sheets/assets/OnlineSupportDatasheet.pptx
@@ -2,15 +2,15 @@
 <file path=ppt/presentation.xml><?xml version="1.0" encoding="utf-8"?>
 <p:presentation xmlns:a="http://schemas.openxmlformats.org/drawingml/2006/main" xmlns:r="http://schemas.openxmlformats.org/officeDocument/2006/relationships" xmlns:p="http://schemas.openxmlformats.org/presentationml/2006/main">
   <p:sldMasterIdLst>
-    <p:sldMasterId id="2147483648" r:id="rId1"/>
+    <p:sldMasterId id="2147483648" r:id="rId4"/>
   </p:sldMasterIdLst>
   <p:notesMasterIdLst>
-    <p:notesMasterId r:id="rId5"/>
+    <p:notesMasterId r:id="rId8"/>
   </p:notesMasterIdLst>
   <p:sldIdLst>
-    <p:sldId id="256" r:id="rId2"/>
-    <p:sldId id="257" r:id="rId3"/>
-    <p:sldId id="260" r:id="rId4"/>
+    <p:sldId id="256" r:id="rId5"/>
+    <p:sldId id="257" r:id="rId6"/>
+    <p:sldId id="260" r:id="rId7"/>
   </p:sldIdLst>
   <p:sldSz cx="7772400" cy="10058400"/>
   <p:notesSz cx="7772400" cy="10058400"/>
@@ -128,6 +128,231 @@
 </p:presentation>
 </file>
 
+<file path=ppt/revisionInfo.xml><?xml version="1.0" encoding="utf-8"?>
+<p1510:revInfo xmlns:a="http://schemas.openxmlformats.org/drawingml/2006/main" xmlns:r="http://schemas.openxmlformats.org/officeDocument/2006/relationships" xmlns:p1510="http://schemas.microsoft.com/office/powerpoint/2015/10/main">
+  <p1510:revLst>
+    <p1510:client id="{096F7488-A26A-D845-83B0-BE2FC48D1AFD}" v="1" dt="2021-10-13T19:37:08.512"/>
+  </p1510:revLst>
+</p1510:revInfo>
+</file>
+
+<file path=ppt/changesInfos/changesInfo1.xml><?xml version="1.0" encoding="utf-8"?>
+<pc:chgInfo xmlns:a="http://schemas.openxmlformats.org/drawingml/2006/main" xmlns:r="http://schemas.openxmlformats.org/officeDocument/2006/relationships" xmlns:ac="http://schemas.microsoft.com/office/drawing/2013/main/command" xmlns:pc="http://schemas.microsoft.com/office/powerpoint/2013/main/command">
+  <pc:docChgLst>
+    <pc:chgData name="Akilah Johnson" userId="S::akjohnso@adobe.com::2fa3aa60-0c9c-4d06-bae2-795983241227" providerId="AD" clId="Web-{5343DD59-8FB2-7AAD-1875-255EDB54B98D}"/>
+    <pc:docChg chg="modSld">
+      <pc:chgData name="Akilah Johnson" userId="S::akjohnso@adobe.com::2fa3aa60-0c9c-4d06-bae2-795983241227" providerId="AD" clId="Web-{5343DD59-8FB2-7AAD-1875-255EDB54B98D}" dt="2021-09-22T18:47:16.489" v="185"/>
+      <pc:docMkLst>
+        <pc:docMk/>
+      </pc:docMkLst>
+      <pc:sldChg chg="modSp">
+        <pc:chgData name="Akilah Johnson" userId="S::akjohnso@adobe.com::2fa3aa60-0c9c-4d06-bae2-795983241227" providerId="AD" clId="Web-{5343DD59-8FB2-7AAD-1875-255EDB54B98D}" dt="2021-09-22T18:47:16.489" v="185"/>
+        <pc:sldMkLst>
+          <pc:docMk/>
+          <pc:sldMk cId="799510854" sldId="260"/>
+        </pc:sldMkLst>
+        <pc:spChg chg="mod">
+          <ac:chgData name="Akilah Johnson" userId="S::akjohnso@adobe.com::2fa3aa60-0c9c-4d06-bae2-795983241227" providerId="AD" clId="Web-{5343DD59-8FB2-7AAD-1875-255EDB54B98D}" dt="2021-09-22T18:45:44.427" v="153" actId="20577"/>
+          <ac:spMkLst>
+            <pc:docMk/>
+            <pc:sldMk cId="799510854" sldId="260"/>
+            <ac:spMk id="64" creationId="{41467BDC-3D83-D844-B922-CD07E94E5AAB}"/>
+          </ac:spMkLst>
+        </pc:spChg>
+        <pc:graphicFrameChg chg="mod modGraphic">
+          <ac:chgData name="Akilah Johnson" userId="S::akjohnso@adobe.com::2fa3aa60-0c9c-4d06-bae2-795983241227" providerId="AD" clId="Web-{5343DD59-8FB2-7AAD-1875-255EDB54B98D}" dt="2021-09-22T18:47:16.489" v="185"/>
+          <ac:graphicFrameMkLst>
+            <pc:docMk/>
+            <pc:sldMk cId="799510854" sldId="260"/>
+            <ac:graphicFrameMk id="25" creationId="{3A91F5B0-3974-A14D-A146-FB590F2AAD18}"/>
+          </ac:graphicFrameMkLst>
+        </pc:graphicFrameChg>
+      </pc:sldChg>
+    </pc:docChg>
+  </pc:docChgLst>
+  <pc:docChgLst>
+    <pc:chgData name="Akilah Johnson" userId="S::akjohnso@adobe.com::2fa3aa60-0c9c-4d06-bae2-795983241227" providerId="AD" clId="Web-{57A486D7-8267-4044-450E-B1D42691F1A4}"/>
+    <pc:docChg chg="modSld">
+      <pc:chgData name="Akilah Johnson" userId="S::akjohnso@adobe.com::2fa3aa60-0c9c-4d06-bae2-795983241227" providerId="AD" clId="Web-{57A486D7-8267-4044-450E-B1D42691F1A4}" dt="2021-10-12T15:47:55.091" v="2" actId="20577"/>
+      <pc:docMkLst>
+        <pc:docMk/>
+      </pc:docMkLst>
+      <pc:sldChg chg="modSp">
+        <pc:chgData name="Akilah Johnson" userId="S::akjohnso@adobe.com::2fa3aa60-0c9c-4d06-bae2-795983241227" providerId="AD" clId="Web-{57A486D7-8267-4044-450E-B1D42691F1A4}" dt="2021-10-12T15:47:55.091" v="2" actId="20577"/>
+        <pc:sldMkLst>
+          <pc:docMk/>
+          <pc:sldMk cId="0" sldId="256"/>
+        </pc:sldMkLst>
+        <pc:spChg chg="mod">
+          <ac:chgData name="Akilah Johnson" userId="S::akjohnso@adobe.com::2fa3aa60-0c9c-4d06-bae2-795983241227" providerId="AD" clId="Web-{57A486D7-8267-4044-450E-B1D42691F1A4}" dt="2021-10-12T15:47:55.091" v="2" actId="20577"/>
+          <ac:spMkLst>
+            <pc:docMk/>
+            <pc:sldMk cId="0" sldId="256"/>
+            <ac:spMk id="5" creationId="{00000000-0000-0000-0000-000000000000}"/>
+          </ac:spMkLst>
+        </pc:spChg>
+      </pc:sldChg>
+    </pc:docChg>
+  </pc:docChgLst>
+  <pc:docChgLst>
+    <pc:chgData name="Lauren Schutte" userId="6e08b2d3-447a-4d66-86be-444d50df187f" providerId="ADAL" clId="{096F7488-A26A-D845-83B0-BE2FC48D1AFD}"/>
+    <pc:docChg chg="modSld">
+      <pc:chgData name="Lauren Schutte" userId="6e08b2d3-447a-4d66-86be-444d50df187f" providerId="ADAL" clId="{096F7488-A26A-D845-83B0-BE2FC48D1AFD}" dt="2021-10-13T19:38:26.139" v="4" actId="20577"/>
+      <pc:docMkLst>
+        <pc:docMk/>
+      </pc:docMkLst>
+      <pc:sldChg chg="modSp mod">
+        <pc:chgData name="Lauren Schutte" userId="6e08b2d3-447a-4d66-86be-444d50df187f" providerId="ADAL" clId="{096F7488-A26A-D845-83B0-BE2FC48D1AFD}" dt="2021-10-13T19:37:16.686" v="2" actId="242"/>
+        <pc:sldMkLst>
+          <pc:docMk/>
+          <pc:sldMk cId="0" sldId="256"/>
+        </pc:sldMkLst>
+        <pc:graphicFrameChg chg="mod modGraphic">
+          <ac:chgData name="Lauren Schutte" userId="6e08b2d3-447a-4d66-86be-444d50df187f" providerId="ADAL" clId="{096F7488-A26A-D845-83B0-BE2FC48D1AFD}" dt="2021-10-13T19:37:16.686" v="2" actId="242"/>
+          <ac:graphicFrameMkLst>
+            <pc:docMk/>
+            <pc:sldMk cId="0" sldId="256"/>
+            <ac:graphicFrameMk id="9" creationId="{00000000-0000-0000-0000-000000000000}"/>
+          </ac:graphicFrameMkLst>
+        </pc:graphicFrameChg>
+      </pc:sldChg>
+      <pc:sldChg chg="modSp mod">
+        <pc:chgData name="Lauren Schutte" userId="6e08b2d3-447a-4d66-86be-444d50df187f" providerId="ADAL" clId="{096F7488-A26A-D845-83B0-BE2FC48D1AFD}" dt="2021-10-13T19:38:11.810" v="3" actId="20577"/>
+        <pc:sldMkLst>
+          <pc:docMk/>
+          <pc:sldMk cId="0" sldId="257"/>
+        </pc:sldMkLst>
+        <pc:spChg chg="mod">
+          <ac:chgData name="Lauren Schutte" userId="6e08b2d3-447a-4d66-86be-444d50df187f" providerId="ADAL" clId="{096F7488-A26A-D845-83B0-BE2FC48D1AFD}" dt="2021-10-13T19:38:11.810" v="3" actId="20577"/>
+          <ac:spMkLst>
+            <pc:docMk/>
+            <pc:sldMk cId="0" sldId="257"/>
+            <ac:spMk id="39" creationId="{00000000-0000-0000-0000-000000000000}"/>
+          </ac:spMkLst>
+        </pc:spChg>
+      </pc:sldChg>
+      <pc:sldChg chg="modSp mod">
+        <pc:chgData name="Lauren Schutte" userId="6e08b2d3-447a-4d66-86be-444d50df187f" providerId="ADAL" clId="{096F7488-A26A-D845-83B0-BE2FC48D1AFD}" dt="2021-10-13T19:38:26.139" v="4" actId="20577"/>
+        <pc:sldMkLst>
+          <pc:docMk/>
+          <pc:sldMk cId="799510854" sldId="260"/>
+        </pc:sldMkLst>
+        <pc:graphicFrameChg chg="modGraphic">
+          <ac:chgData name="Lauren Schutte" userId="6e08b2d3-447a-4d66-86be-444d50df187f" providerId="ADAL" clId="{096F7488-A26A-D845-83B0-BE2FC48D1AFD}" dt="2021-10-13T19:38:26.139" v="4" actId="20577"/>
+          <ac:graphicFrameMkLst>
+            <pc:docMk/>
+            <pc:sldMk cId="799510854" sldId="260"/>
+            <ac:graphicFrameMk id="111" creationId="{D8653CEC-4213-DE40-9BAF-D1E3318FF89C}"/>
+          </ac:graphicFrameMkLst>
+        </pc:graphicFrameChg>
+      </pc:sldChg>
+    </pc:docChg>
+  </pc:docChgLst>
+  <pc:docChgLst>
+    <pc:chgData name="Akilah Johnson" userId="S::akjohnso@adobe.com::2fa3aa60-0c9c-4d06-bae2-795983241227" providerId="AD" clId="Web-{CF46E89E-48FC-BA32-13C5-654DDA452FDC}"/>
+    <pc:docChg chg="modSld">
+      <pc:chgData name="Akilah Johnson" userId="S::akjohnso@adobe.com::2fa3aa60-0c9c-4d06-bae2-795983241227" providerId="AD" clId="Web-{CF46E89E-48FC-BA32-13C5-654DDA452FDC}" dt="2021-10-12T17:00:50.675" v="21" actId="20577"/>
+      <pc:docMkLst>
+        <pc:docMk/>
+      </pc:docMkLst>
+      <pc:sldChg chg="modSp">
+        <pc:chgData name="Akilah Johnson" userId="S::akjohnso@adobe.com::2fa3aa60-0c9c-4d06-bae2-795983241227" providerId="AD" clId="Web-{CF46E89E-48FC-BA32-13C5-654DDA452FDC}" dt="2021-10-12T16:58:10.550" v="6" actId="20577"/>
+        <pc:sldMkLst>
+          <pc:docMk/>
+          <pc:sldMk cId="0" sldId="256"/>
+        </pc:sldMkLst>
+        <pc:spChg chg="mod">
+          <ac:chgData name="Akilah Johnson" userId="S::akjohnso@adobe.com::2fa3aa60-0c9c-4d06-bae2-795983241227" providerId="AD" clId="Web-{CF46E89E-48FC-BA32-13C5-654DDA452FDC}" dt="2021-10-12T16:58:10.550" v="6" actId="20577"/>
+          <ac:spMkLst>
+            <pc:docMk/>
+            <pc:sldMk cId="0" sldId="256"/>
+            <ac:spMk id="2" creationId="{00000000-0000-0000-0000-000000000000}"/>
+          </ac:spMkLst>
+        </pc:spChg>
+        <pc:graphicFrameChg chg="mod modGraphic">
+          <ac:chgData name="Akilah Johnson" userId="S::akjohnso@adobe.com::2fa3aa60-0c9c-4d06-bae2-795983241227" providerId="AD" clId="Web-{CF46E89E-48FC-BA32-13C5-654DDA452FDC}" dt="2021-10-12T16:57:07.113" v="1"/>
+          <ac:graphicFrameMkLst>
+            <pc:docMk/>
+            <pc:sldMk cId="0" sldId="256"/>
+            <ac:graphicFrameMk id="8" creationId="{00000000-0000-0000-0000-000000000000}"/>
+          </ac:graphicFrameMkLst>
+        </pc:graphicFrameChg>
+      </pc:sldChg>
+      <pc:sldChg chg="modSp">
+        <pc:chgData name="Akilah Johnson" userId="S::akjohnso@adobe.com::2fa3aa60-0c9c-4d06-bae2-795983241227" providerId="AD" clId="Web-{CF46E89E-48FC-BA32-13C5-654DDA452FDC}" dt="2021-10-12T16:59:59.628" v="14" actId="20577"/>
+        <pc:sldMkLst>
+          <pc:docMk/>
+          <pc:sldMk cId="0" sldId="257"/>
+        </pc:sldMkLst>
+        <pc:spChg chg="mod">
+          <ac:chgData name="Akilah Johnson" userId="S::akjohnso@adobe.com::2fa3aa60-0c9c-4d06-bae2-795983241227" providerId="AD" clId="Web-{CF46E89E-48FC-BA32-13C5-654DDA452FDC}" dt="2021-10-12T16:59:21.300" v="12" actId="20577"/>
+          <ac:spMkLst>
+            <pc:docMk/>
+            <pc:sldMk cId="0" sldId="257"/>
+            <ac:spMk id="39" creationId="{00000000-0000-0000-0000-000000000000}"/>
+          </ac:spMkLst>
+        </pc:spChg>
+        <pc:spChg chg="mod">
+          <ac:chgData name="Akilah Johnson" userId="S::akjohnso@adobe.com::2fa3aa60-0c9c-4d06-bae2-795983241227" providerId="AD" clId="Web-{CF46E89E-48FC-BA32-13C5-654DDA452FDC}" dt="2021-10-12T16:59:59.628" v="14" actId="20577"/>
+          <ac:spMkLst>
+            <pc:docMk/>
+            <pc:sldMk cId="0" sldId="257"/>
+            <ac:spMk id="46" creationId="{00000000-0000-0000-0000-000000000000}"/>
+          </ac:spMkLst>
+        </pc:spChg>
+      </pc:sldChg>
+      <pc:sldChg chg="modSp">
+        <pc:chgData name="Akilah Johnson" userId="S::akjohnso@adobe.com::2fa3aa60-0c9c-4d06-bae2-795983241227" providerId="AD" clId="Web-{CF46E89E-48FC-BA32-13C5-654DDA452FDC}" dt="2021-10-12T17:00:50.675" v="21" actId="20577"/>
+        <pc:sldMkLst>
+          <pc:docMk/>
+          <pc:sldMk cId="799510854" sldId="260"/>
+        </pc:sldMkLst>
+        <pc:spChg chg="mod">
+          <ac:chgData name="Akilah Johnson" userId="S::akjohnso@adobe.com::2fa3aa60-0c9c-4d06-bae2-795983241227" providerId="AD" clId="Web-{CF46E89E-48FC-BA32-13C5-654DDA452FDC}" dt="2021-10-12T17:00:50.675" v="21" actId="20577"/>
+          <ac:spMkLst>
+            <pc:docMk/>
+            <pc:sldMk cId="799510854" sldId="260"/>
+            <ac:spMk id="24" creationId="{00000000-0000-0000-0000-000000000000}"/>
+          </ac:spMkLst>
+        </pc:spChg>
+        <pc:spChg chg="mod">
+          <ac:chgData name="Akilah Johnson" userId="S::akjohnso@adobe.com::2fa3aa60-0c9c-4d06-bae2-795983241227" providerId="AD" clId="Web-{CF46E89E-48FC-BA32-13C5-654DDA452FDC}" dt="2021-10-12T17:00:45.784" v="19" actId="20577"/>
+          <ac:spMkLst>
+            <pc:docMk/>
+            <pc:sldMk cId="799510854" sldId="260"/>
+            <ac:spMk id="56" creationId="{00000000-0000-0000-0000-000000000000}"/>
+          </ac:spMkLst>
+        </pc:spChg>
+      </pc:sldChg>
+    </pc:docChg>
+  </pc:docChgLst>
+  <pc:docChgLst>
+    <pc:chgData name="Akilah Johnson" userId="S::akjohnso@adobe.com::2fa3aa60-0c9c-4d06-bae2-795983241227" providerId="AD" clId="Web-{19E88417-C612-7196-8214-73025F75FA84}"/>
+    <pc:docChg chg="modSld">
+      <pc:chgData name="Akilah Johnson" userId="S::akjohnso@adobe.com::2fa3aa60-0c9c-4d06-bae2-795983241227" providerId="AD" clId="Web-{19E88417-C612-7196-8214-73025F75FA84}" dt="2021-10-12T19:15:42.562" v="5" actId="20577"/>
+      <pc:docMkLst>
+        <pc:docMk/>
+      </pc:docMkLst>
+      <pc:sldChg chg="modSp">
+        <pc:chgData name="Akilah Johnson" userId="S::akjohnso@adobe.com::2fa3aa60-0c9c-4d06-bae2-795983241227" providerId="AD" clId="Web-{19E88417-C612-7196-8214-73025F75FA84}" dt="2021-10-12T19:15:42.562" v="5" actId="20577"/>
+        <pc:sldMkLst>
+          <pc:docMk/>
+          <pc:sldMk cId="0" sldId="256"/>
+        </pc:sldMkLst>
+        <pc:spChg chg="mod">
+          <ac:chgData name="Akilah Johnson" userId="S::akjohnso@adobe.com::2fa3aa60-0c9c-4d06-bae2-795983241227" providerId="AD" clId="Web-{19E88417-C612-7196-8214-73025F75FA84}" dt="2021-10-12T19:15:42.562" v="5" actId="20577"/>
+          <ac:spMkLst>
+            <pc:docMk/>
+            <pc:sldMk cId="0" sldId="256"/>
+            <ac:spMk id="13" creationId="{7979C0CC-523E-844A-96DC-75FC662E01AB}"/>
+          </ac:spMkLst>
+        </pc:spChg>
+      </pc:sldChg>
+    </pc:docChg>
+  </pc:docChgLst>
+</pc:chgInfo>
+</file>
+
 <file path=ppt/notesMasters/notesMaster1.xml><?xml version="1.0" encoding="utf-8"?>
 <p:notesMaster xmlns:a="http://schemas.openxmlformats.org/drawingml/2006/main" xmlns:r="http://schemas.openxmlformats.org/officeDocument/2006/relationships" xmlns:p="http://schemas.openxmlformats.org/presentationml/2006/main">
   <p:cSld>
@@ -210,7 +435,7 @@
           <a:p>
             <a:fld id="{A438815C-EDE5-F947-A55F-7634403F36C4}" type="datetimeFigureOut">
               <a:rPr lang="en-US" smtClean="0"/>
-              <a:t>10/11/21</a:t>
+              <a:t>10/13/21</a:t>
             </a:fld>
             <a:endParaRPr lang="en-US"/>
           </a:p>
@@ -375,6 +600,11 @@
         </p:txBody>
       </p:sp>
     </p:spTree>
+    <p:extLst>
+      <p:ext uri="{BB962C8B-B14F-4D97-AF65-F5344CB8AC3E}">
+        <p14:creationId xmlns:p14="http://schemas.microsoft.com/office/powerpoint/2010/main" val="2745251118"/>
+      </p:ext>
+    </p:extLst>
   </p:cSld>
   <p:clrMap bg1="lt1" tx1="dk1" bg2="lt2" tx2="dk2" accent1="accent1" accent2="accent2" accent3="accent3" accent4="accent4" accent5="accent5" accent6="accent6" hlink="hlink" folHlink="folHlink"/>
   <p:notesStyle>
@@ -544,6 +774,11 @@
         </p:txBody>
       </p:sp>
     </p:spTree>
+    <p:extLst>
+      <p:ext uri="{BB962C8B-B14F-4D97-AF65-F5344CB8AC3E}">
+        <p14:creationId xmlns:p14="http://schemas.microsoft.com/office/powerpoint/2010/main" val="3301348829"/>
+      </p:ext>
+    </p:extLst>
   </p:cSld>
   <p:clrMapOvr>
     <a:masterClrMapping/>
@@ -623,6 +858,11 @@
         </p:txBody>
       </p:sp>
     </p:spTree>
+    <p:extLst>
+      <p:ext uri="{BB962C8B-B14F-4D97-AF65-F5344CB8AC3E}">
+        <p14:creationId xmlns:p14="http://schemas.microsoft.com/office/powerpoint/2010/main" val="3367891403"/>
+      </p:ext>
+    </p:extLst>
   </p:cSld>
   <p:clrMapOvr>
     <a:masterClrMapping/>
@@ -702,6 +942,11 @@
         </p:txBody>
       </p:sp>
     </p:spTree>
+    <p:extLst>
+      <p:ext uri="{BB962C8B-B14F-4D97-AF65-F5344CB8AC3E}">
+        <p14:creationId xmlns:p14="http://schemas.microsoft.com/office/powerpoint/2010/main" val="3435290369"/>
+      </p:ext>
+    </p:extLst>
   </p:cSld>
   <p:clrMapOvr>
     <a:masterClrMapping/>
@@ -753,8 +998,8 @@
                 <a:solidFill>
                   <a:schemeClr val="bg1"/>
                 </a:solidFill>
-                <a:latin typeface="Arial" panose="020B0604020202020204"/>
-                <a:cs typeface="Arial" panose="020B0604020202020204"/>
+                <a:latin typeface="Arial"/>
+                <a:cs typeface="Arial"/>
               </a:defRPr>
             </a:lvl1pPr>
           </a:lstStyle>
@@ -813,7 +1058,7 @@
           <a:p>
             <a:fld id="{1D8BD707-D9CF-40AE-B4C6-C98DA3205C09}" type="datetimeFigureOut">
               <a:rPr lang="en-US"/>
-              <a:t>10/11/21</a:t>
+              <a:t>10/13/21</a:t>
             </a:fld>
             <a:endParaRPr lang="en-US"/>
           </a:p>
@@ -845,7 +1090,6 @@
           </a:lstStyle>
           <a:p>
             <a:fld id="{B6F15528-21DE-4FAA-801E-634DDDAF4B2B}" type="slidenum">
-              <a:rPr/>
               <a:t>‹#›</a:t>
             </a:fld>
             <a:endParaRPr/>
@@ -854,7 +1098,13 @@
       </p:sp>
       <p:sp>
         <p:nvSpPr>
-          <p:cNvPr id="11" name="Holder 4"/>
+          <p:cNvPr id="11" name="Holder 4">
+            <a:extLst>
+              <a:ext uri="{FF2B5EF4-FFF2-40B4-BE49-F238E27FC236}">
+                <a16:creationId xmlns:a16="http://schemas.microsoft.com/office/drawing/2014/main" id="{F336C0EC-C908-0A4C-AD0F-1418E778FC60}"/>
+              </a:ext>
+            </a:extLst>
+          </p:cNvPr>
           <p:cNvSpPr>
             <a:spLocks noGrp="1"/>
           </p:cNvSpPr>
@@ -912,7 +1162,13 @@
       </p:sp>
       <p:pic>
         <p:nvPicPr>
-          <p:cNvPr id="12" name="Picture 11"/>
+          <p:cNvPr id="12" name="Picture 11">
+            <a:extLst>
+              <a:ext uri="{FF2B5EF4-FFF2-40B4-BE49-F238E27FC236}">
+                <a16:creationId xmlns:a16="http://schemas.microsoft.com/office/drawing/2014/main" id="{4388883E-79D4-2047-8C5E-37999ED2475C}"/>
+              </a:ext>
+            </a:extLst>
+          </p:cNvPr>
           <p:cNvPicPr>
             <a:picLocks noChangeAspect="1"/>
           </p:cNvPicPr>
@@ -986,7 +1242,7 @@
           <a:p>
             <a:fld id="{1D8BD707-D9CF-40AE-B4C6-C98DA3205C09}" type="datetimeFigureOut">
               <a:rPr lang="en-US"/>
-              <a:t>10/11/21</a:t>
+              <a:t>10/13/21</a:t>
             </a:fld>
             <a:endParaRPr lang="en-US"/>
           </a:p>
@@ -1018,7 +1274,6 @@
           </a:lstStyle>
           <a:p>
             <a:fld id="{B6F15528-21DE-4FAA-801E-634DDDAF4B2B}" type="slidenum">
-              <a:rPr/>
               <a:t>‹#›</a:t>
             </a:fld>
             <a:endParaRPr/>
@@ -1027,7 +1282,13 @@
       </p:sp>
       <p:sp>
         <p:nvSpPr>
-          <p:cNvPr id="7" name="Holder 4"/>
+          <p:cNvPr id="7" name="Holder 4">
+            <a:extLst>
+              <a:ext uri="{FF2B5EF4-FFF2-40B4-BE49-F238E27FC236}">
+                <a16:creationId xmlns:a16="http://schemas.microsoft.com/office/drawing/2014/main" id="{004A8D36-CC65-B341-9E43-4A47F88C0D96}"/>
+              </a:ext>
+            </a:extLst>
+          </p:cNvPr>
           <p:cNvSpPr>
             <a:spLocks noGrp="1"/>
           </p:cNvSpPr>
@@ -1145,8 +1406,8 @@
                 <a:solidFill>
                   <a:schemeClr val="bg1"/>
                 </a:solidFill>
-                <a:latin typeface="Arial" panose="020B0604020202020204"/>
-                <a:cs typeface="Arial" panose="020B0604020202020204"/>
+                <a:latin typeface="Arial"/>
+                <a:cs typeface="Arial"/>
               </a:defRPr>
             </a:lvl1pPr>
           </a:lstStyle>
@@ -1283,7 +1544,7 @@
           <a:p>
             <a:fld id="{1D8BD707-D9CF-40AE-B4C6-C98DA3205C09}" type="datetimeFigureOut">
               <a:rPr lang="en-US"/>
-              <a:t>10/11/21</a:t>
+              <a:t>10/13/21</a:t>
             </a:fld>
             <a:endParaRPr lang="en-US"/>
           </a:p>
@@ -1325,7 +1586,6 @@
           </a:lstStyle>
           <a:p>
             <a:fld id="{B6F15528-21DE-4FAA-801E-634DDDAF4B2B}" type="slidenum">
-              <a:rPr/>
               <a:t>‹#›</a:t>
             </a:fld>
             <a:endParaRPr/>
@@ -1334,7 +1594,13 @@
       </p:sp>
       <p:pic>
         <p:nvPicPr>
-          <p:cNvPr id="9" name="Picture 8"/>
+          <p:cNvPr id="9" name="Picture 8">
+            <a:extLst>
+              <a:ext uri="{FF2B5EF4-FFF2-40B4-BE49-F238E27FC236}">
+                <a16:creationId xmlns:a16="http://schemas.microsoft.com/office/drawing/2014/main" id="{40B595D3-F8FC-DA44-B170-015BD0590CFB}"/>
+              </a:ext>
+            </a:extLst>
+          </p:cNvPr>
           <p:cNvPicPr>
             <a:picLocks noChangeAspect="1"/>
           </p:cNvPicPr>
@@ -1360,8 +1626,8 @@
   </p:cSld>
   <p:clrMap bg1="lt1" tx1="dk1" bg2="lt2" tx2="dk2" accent1="accent1" accent2="accent2" accent3="accent3" accent4="accent4" accent5="accent5" accent6="accent6" hlink="hlink" folHlink="folHlink"/>
   <p:sldLayoutIdLst>
-    <p:sldLayoutId id="2147483649" r:id="rId1"/>
-    <p:sldLayoutId id="2147483650" r:id="rId2"/>
+    <p:sldLayoutId id="2147483662" r:id="rId1"/>
+    <p:sldLayoutId id="2147483665" r:id="rId2"/>
   </p:sldLayoutIdLst>
   <p:txStyles>
     <p:titleStyle>
@@ -1533,28 +1799,25 @@
         <p:spPr>
           <a:xfrm>
             <a:off x="95250" y="7228840"/>
-            <a:ext cx="2800350" cy="238760"/>
+            <a:ext cx="2884717" cy="227626"/>
           </a:xfrm>
           <a:prstGeom prst="rect">
             <a:avLst/>
           </a:prstGeom>
         </p:spPr>
         <p:txBody>
-          <a:bodyPr vert="horz" wrap="square" lIns="0" tIns="12065" rIns="0" bIns="0" rtlCol="0">
+          <a:bodyPr vert="horz" wrap="square" lIns="0" tIns="12065" rIns="0" bIns="0" rtlCol="0" anchor="t">
             <a:spAutoFit/>
           </a:bodyPr>
           <a:lstStyle/>
           <a:p>
             <a:pPr marL="12700">
-              <a:lnSpc>
-                <a:spcPct val="100000"/>
-              </a:lnSpc>
               <a:spcBef>
                 <a:spcPts val="95"/>
               </a:spcBef>
             </a:pPr>
             <a:r>
-              <a:rPr lang="en-US" sz="1400" b="1" u="heavy" spc="10" dirty="0">
+              <a:rPr sz="1400" b="1" u="heavy" spc="10" dirty="0">
                 <a:solidFill>
                   <a:srgbClr val="020302"/>
                 </a:solidFill>
@@ -1566,10 +1829,10 @@
                 <a:latin typeface="Adobe Clean"/>
                 <a:cs typeface="Adobe Clean"/>
               </a:rPr>
-              <a:t>服务</a:t>
-            </a:r>
-            <a:r>
-              <a:rPr lang="en-US" sz="1400" b="1" u="heavy" spc="-10" dirty="0">
+              <a:t>Service </a:t>
+            </a:r>
+            <a:r>
+              <a:rPr sz="1400" b="1" u="heavy" spc="-10" dirty="0">
                 <a:solidFill>
                   <a:srgbClr val="020302"/>
                 </a:solidFill>
@@ -1581,10 +1844,10 @@
                 <a:latin typeface="Adobe Clean"/>
                 <a:cs typeface="Adobe Clean"/>
               </a:rPr>
-              <a:t>水平</a:t>
-            </a:r>
-            <a:r>
-              <a:rPr lang="en-US" sz="1400" b="1" u="heavy" spc="-45" dirty="0">
+              <a:t>Level </a:t>
+            </a:r>
+            <a:r>
+              <a:rPr sz="1400" b="1" u="heavy" spc="-45" dirty="0">
                 <a:solidFill>
                   <a:srgbClr val="020302"/>
                 </a:solidFill>
@@ -1596,10 +1859,10 @@
                 <a:latin typeface="Adobe Clean"/>
                 <a:cs typeface="Adobe Clean"/>
               </a:rPr>
-              <a:t>目标：</a:t>
-            </a:r>
-            <a:r>
-              <a:rPr lang="en-US" sz="1400" b="1" u="heavy" spc="-10" dirty="0">
+              <a:t>Targets: </a:t>
+            </a:r>
+            <a:r>
+              <a:rPr sz="1400" b="1" u="heavy" spc="-10" dirty="0">
                 <a:solidFill>
                   <a:srgbClr val="020302"/>
                 </a:solidFill>
@@ -1611,10 +1874,10 @@
                 <a:latin typeface="Adobe Clean"/>
                 <a:cs typeface="Adobe Clean"/>
               </a:rPr>
-              <a:t>初始</a:t>
-            </a:r>
-            <a:r>
-              <a:rPr lang="en-US" sz="1400" b="1" u="heavy" spc="-15" dirty="0">
+              <a:t>Initial</a:t>
+            </a:r>
+            <a:r>
+              <a:rPr lang="en-US" sz="1400" b="1" u="heavy" spc="-10" dirty="0">
                 <a:solidFill>
                   <a:srgbClr val="020302"/>
                 </a:solidFill>
@@ -1626,7 +1889,22 @@
                 <a:latin typeface="Adobe Clean"/>
                 <a:cs typeface="Adobe Clean"/>
               </a:rPr>
-              <a:t>响应</a:t>
+              <a:t> </a:t>
+            </a:r>
+            <a:r>
+              <a:rPr sz="1400" b="1" u="heavy" spc="-15" dirty="0">
+                <a:solidFill>
+                  <a:srgbClr val="020302"/>
+                </a:solidFill>
+                <a:uFill>
+                  <a:solidFill>
+                    <a:srgbClr val="020302"/>
+                  </a:solidFill>
+                </a:uFill>
+                <a:latin typeface="Adobe Clean"/>
+                <a:cs typeface="Adobe Clean"/>
+              </a:rPr>
+              <a:t>Response</a:t>
             </a:r>
             <a:endParaRPr sz="1400" dirty="0">
               <a:latin typeface="Adobe Clean"/>
@@ -1673,14 +1951,14 @@
         <p:spPr>
           <a:xfrm>
             <a:off x="136772" y="813361"/>
-            <a:ext cx="6035427" cy="947420"/>
+            <a:ext cx="6035427" cy="1089529"/>
           </a:xfrm>
           <a:prstGeom prst="rect">
             <a:avLst/>
           </a:prstGeom>
         </p:spPr>
         <p:txBody>
-          <a:bodyPr vert="horz" wrap="square" lIns="0" tIns="24130" rIns="0" bIns="0" rtlCol="0">
+          <a:bodyPr vert="horz" wrap="square" lIns="0" tIns="24130" rIns="0" bIns="0" rtlCol="0" anchor="t">
             <a:spAutoFit/>
           </a:bodyPr>
           <a:lstStyle/>
@@ -1699,84 +1977,61 @@
                   <a:schemeClr val="bg1"/>
                 </a:solidFill>
               </a:rPr>
-              <a:t>在线</a:t>
+              <a:t>Online</a:t>
             </a:r>
             <a:r>
               <a:rPr lang="en-US" sz="1200" dirty="0">
                 <a:solidFill>
                   <a:schemeClr val="bg1"/>
                 </a:solidFill>
+                <a:latin typeface="Adobe Clean Light"/>
+              </a:rPr>
+              <a:t> | Business | Enterprise | Elite</a:t>
+            </a:r>
+            <a:br>
+              <a:rPr lang="en-US" sz="900" dirty="0">
                 <a:latin typeface="Adobe Clean Light" panose="020B0303020404020204" pitchFamily="34" charset="0"/>
               </a:rPr>
-              <a:t> | 商业 | 企业 | 高级</a:t>
-            </a:r>
-            <a:br>
-              <a:rPr lang="en-US" sz="1200" dirty="0">
+            </a:br>
+            <a:r>
+              <a:rPr lang="en-US" sz="900" dirty="0">
                 <a:solidFill>
                   <a:schemeClr val="bg1"/>
                 </a:solidFill>
-                <a:latin typeface="Adobe Clean Light" panose="020B0303020404020204" pitchFamily="34" charset="0"/>
-              </a:rPr>
-            </a:br>
+                <a:latin typeface="Adobe Clean SemiLight"/>
+              </a:rPr>
+              <a:t>Adobe provides a comprehensive range of technical resources to help support your business included as part of your Experience Cloud license subscription. Online support includes access to personalized learning paths and monitored community forums via the Adobe Experience League. You can take advantage of our detailed and in-depth technical product documentation and current release notes published on </a:t>
+            </a:r>
+            <a:r>
+              <a:rPr lang="en-US" sz="900" u="sng" dirty="0">
+                <a:solidFill>
+                  <a:schemeClr val="bg1"/>
+                </a:solidFill>
+                <a:latin typeface="Adobe Clean SemiLight"/>
+                <a:hlinkClick r:id="rId4">
+                  <a:extLst>
+                    <a:ext uri="{A12FA001-AC4F-418D-AE19-62706E023703}">
+                      <ahyp:hlinkClr xmlns:ahyp="http://schemas.microsoft.com/office/drawing/2018/hyperlinkcolor" val="tx"/>
+                    </a:ext>
+                  </a:extLst>
+                </a:hlinkClick>
+              </a:rPr>
+              <a:t>http://www.adobe.com. </a:t>
+            </a:r>
             <a:r>
               <a:rPr lang="en-US" sz="900" dirty="0">
                 <a:solidFill>
                   <a:schemeClr val="bg1"/>
                 </a:solidFill>
-                <a:latin typeface="Adobe Clean SemiLight" panose="020B0403020404020204" pitchFamily="34" charset="0"/>
-              </a:rPr>
-              <a:t>Adobe 提供了全面的技术资源来帮助支持您的业务，这些资源包含在您的 Experience Cloud 许可订阅中，并在商业支持包中得到了增强。在线支持包括通过 Adobe Experience League 访问个性化的学习路径和受监控的社区论坛。您可以使用我们在 </a:t>
-            </a:r>
-            <a:r>
-              <a:rPr lang="en-US" sz="900" u="sng" dirty="0">
-                <a:solidFill>
-                  <a:schemeClr val="bg1"/>
-                </a:solidFill>
-                <a:latin typeface="Adobe Clean SemiLight" panose="020B0403020404020204" pitchFamily="34" charset="0"/>
-                <a:hlinkClick r:id="rId4"/>
-              </a:rPr>
-              <a:t>http://www.adobe.com/cn/</a:t>
-            </a:r>
-            <a:r>
-              <a:rPr lang="en-US" sz="1200" b="1" dirty="0">
-                <a:solidFill>
-                  <a:schemeClr val="bg1"/>
-                </a:solidFill>
-              </a:rPr>
-              <a:t> </a:t>
-            </a:r>
-            <a:r>
-              <a:rPr lang="en-US" sz="900" dirty="0">
-                <a:solidFill>
-                  <a:schemeClr val="bg1"/>
-                </a:solidFill>
-                <a:latin typeface="Adobe Clean SemiLight" panose="020B0403020404020204" pitchFamily="34" charset="0"/>
-              </a:rPr>
-              <a:t>上发布的详细而深入的技术产品文档和最新发行说明</a:t>
-            </a:r>
-            <a:r>
-              <a:rPr lang="zh-CN" altLang="en-US" sz="900" dirty="0">
-                <a:solidFill>
-                  <a:schemeClr val="bg1"/>
-                </a:solidFill>
-                <a:latin typeface="Adobe Clean SemiLight" panose="020B0403020404020204" pitchFamily="34" charset="0"/>
-              </a:rPr>
-              <a:t>。</a:t>
-            </a:r>
-            <a:r>
-              <a:rPr lang="en-US" sz="900" dirty="0">
-                <a:solidFill>
-                  <a:schemeClr val="bg1"/>
-                </a:solidFill>
-                <a:latin typeface="Adobe Clean SemiLight" panose="020B0403020404020204" pitchFamily="34" charset="0"/>
-              </a:rPr>
-              <a:t>利用我们的在线包，不仅可以通过电话与我们的技术支持团队联系以解决任何重要的 P1 产品问题，从而帮助在最关键的时刻保护您的业务，还可以记录较低优先级的请求以通过支持门户网站获得帮助。</a:t>
+                <a:latin typeface="Adobe Clean SemiLight"/>
+              </a:rPr>
+              <a:t>Our Online package also includes access to our technical support teams for any critical P1 product issues via telephone to help protect your business at the most critical times as well as providing the ability to log lower priority requests for assistance via support web portal.</a:t>
             </a:r>
             <a:endParaRPr lang="en-US" sz="900" dirty="0">
               <a:solidFill>
                 <a:schemeClr val="bg1"/>
               </a:solidFill>
-              <a:latin typeface="Adobe Clean Light" panose="020B0303020404020204" pitchFamily="34" charset="0"/>
+              <a:latin typeface="Adobe Clean SemiLight"/>
               <a:cs typeface="AdobeClean-Light"/>
             </a:endParaRPr>
           </a:p>
@@ -1817,7 +2072,13 @@
           <p:cNvGraphicFramePr>
             <a:graphicFrameLocks noGrp="1"/>
           </p:cNvGraphicFramePr>
-          <p:nvPr/>
+          <p:nvPr>
+            <p:extLst>
+              <p:ext uri="{D42A27DB-BD31-4B8C-83A1-F6EECF244321}">
+                <p14:modId xmlns:p14="http://schemas.microsoft.com/office/powerpoint/2010/main" val="1047125657"/>
+              </p:ext>
+            </p:extLst>
+          </p:nvPr>
         </p:nvGraphicFramePr>
         <p:xfrm>
           <a:off x="0" y="1938946"/>
@@ -1833,7 +2094,7 @@
                 <a:gridCol w="1192779">
                   <a:extLst>
                     <a:ext uri="{9D8B030D-6E8A-4147-A177-3AD203B41FA5}">
-                      <a16:colId xmlns:a16="http://schemas.microsoft.com/office/drawing/2014/main" val="20000"/>
+                      <a16:colId xmlns:a16="http://schemas.microsoft.com/office/drawing/2014/main" val="1674920574"/>
                     </a:ext>
                   </a:extLst>
                 </a:gridCol>
@@ -1861,6 +2122,13 @@
                 <a:gridCol w="177515">
                   <a:extLst>
                     <a:ext uri="{9D8B030D-6E8A-4147-A177-3AD203B41FA5}">
+                      <a16:colId xmlns:a16="http://schemas.microsoft.com/office/drawing/2014/main" val="4086914696"/>
+                    </a:ext>
+                  </a:extLst>
+                </a:gridCol>
+                <a:gridCol w="821728">
+                  <a:extLst>
+                    <a:ext uri="{9D8B030D-6E8A-4147-A177-3AD203B41FA5}">
                       <a16:colId xmlns:a16="http://schemas.microsoft.com/office/drawing/2014/main" val="20004"/>
                     </a:ext>
                   </a:extLst>
@@ -1872,13 +2140,6 @@
                     </a:ext>
                   </a:extLst>
                 </a:gridCol>
-                <a:gridCol w="821728">
-                  <a:extLst>
-                    <a:ext uri="{9D8B030D-6E8A-4147-A177-3AD203B41FA5}">
-                      <a16:colId xmlns:a16="http://schemas.microsoft.com/office/drawing/2014/main" val="20006"/>
-                    </a:ext>
-                  </a:extLst>
-                </a:gridCol>
               </a:tblGrid>
               <a:tr h="218820">
                 <a:tc gridSpan="2">
@@ -1896,7 +2157,7 @@
                     <a:bodyPr/>
                     <a:lstStyle/>
                     <a:p>
-                      <a:endParaRPr lang="en-US"/>
+                      <a:endParaRPr/>
                     </a:p>
                   </a:txBody>
                   <a:tcPr marL="0" marR="0" marT="0" marB="0"/>
@@ -1915,6 +2176,16 @@
                         </a:spcBef>
                       </a:pPr>
                       <a:r>
+                        <a:rPr sz="900" spc="0" dirty="0">
+                          <a:solidFill>
+                            <a:srgbClr val="404040"/>
+                          </a:solidFill>
+                          <a:latin typeface="Adobe Clean"/>
+                          <a:cs typeface="Adobe Clean"/>
+                        </a:rPr>
+                        <a:t>Online</a:t>
+                      </a:r>
+                      <a:r>
                         <a:rPr lang="en-US" sz="900" spc="0" dirty="0">
                           <a:solidFill>
                             <a:srgbClr val="404040"/>
@@ -1922,7 +2193,17 @@
                           <a:latin typeface="Adobe Clean"/>
                           <a:cs typeface="Adobe Clean"/>
                         </a:rPr>
-                        <a:t>在线支持</a:t>
+                        <a:t> </a:t>
+                      </a:r>
+                      <a:r>
+                        <a:rPr sz="900" spc="0" dirty="0">
+                          <a:solidFill>
+                            <a:srgbClr val="404040"/>
+                          </a:solidFill>
+                          <a:latin typeface="Adobe Clean"/>
+                          <a:cs typeface="Adobe Clean"/>
+                        </a:rPr>
+                        <a:t>Support</a:t>
                       </a:r>
                       <a:endParaRPr sz="900" spc="0" dirty="0">
                         <a:latin typeface="Adobe Clean"/>
@@ -1949,6 +2230,79 @@
                   </a:tcPr>
                 </a:tc>
                 <a:tc>
+                  <a:txBody>
+                    <a:bodyPr/>
+                    <a:lstStyle/>
+                    <a:p>
+                      <a:pPr marL="2540" algn="ctr">
+                        <a:lnSpc>
+                          <a:spcPct val="100000"/>
+                        </a:lnSpc>
+                        <a:spcBef>
+                          <a:spcPts val="60"/>
+                        </a:spcBef>
+                      </a:pPr>
+                      <a:r>
+                        <a:rPr sz="900" spc="0" dirty="0">
+                          <a:solidFill>
+                            <a:srgbClr val="FFFFFF"/>
+                          </a:solidFill>
+                          <a:latin typeface="Adobe Clean"/>
+                          <a:cs typeface="Adobe Clean"/>
+                        </a:rPr>
+                        <a:t>Business</a:t>
+                      </a:r>
+                      <a:r>
+                        <a:rPr lang="en-US" sz="900" spc="0" dirty="0">
+                          <a:solidFill>
+                            <a:srgbClr val="FFFFFF"/>
+                          </a:solidFill>
+                          <a:latin typeface="Adobe Clean"/>
+                          <a:cs typeface="Adobe Clean"/>
+                        </a:rPr>
+                        <a:t> </a:t>
+                      </a:r>
+                      <a:r>
+                        <a:rPr sz="900" spc="0" dirty="0">
+                          <a:solidFill>
+                            <a:srgbClr val="FFFFFF"/>
+                          </a:solidFill>
+                          <a:latin typeface="Adobe Clean"/>
+                          <a:cs typeface="Adobe Clean"/>
+                        </a:rPr>
+                        <a:t>Support</a:t>
+                      </a:r>
+                      <a:endParaRPr sz="900" spc="0" dirty="0">
+                        <a:latin typeface="Adobe Clean"/>
+                        <a:cs typeface="Adobe Clean"/>
+                      </a:endParaRPr>
+                    </a:p>
+                  </a:txBody>
+                  <a:tcPr marL="0" marR="0" marT="7620" marB="0" anchor="ctr">
+                    <a:lnL w="3175">
+                      <a:solidFill>
+                        <a:srgbClr val="B7B8B8"/>
+                      </a:solidFill>
+                      <a:prstDash val="solid"/>
+                    </a:lnL>
+                    <a:lnR w="3175">
+                      <a:solidFill>
+                        <a:srgbClr val="B7B8B8"/>
+                      </a:solidFill>
+                      <a:prstDash val="solid"/>
+                    </a:lnR>
+                    <a:lnB w="76200">
+                      <a:solidFill>
+                        <a:srgbClr val="ACD2FF"/>
+                      </a:solidFill>
+                      <a:prstDash val="solid"/>
+                    </a:lnB>
+                    <a:solidFill>
+                      <a:srgbClr val="7D7D7D"/>
+                    </a:solidFill>
+                  </a:tcPr>
+                </a:tc>
+                <a:tc gridSpan="2">
                   <a:txBody>
                     <a:bodyPr/>
                     <a:lstStyle/>
@@ -1969,7 +2323,7 @@
                           <a:latin typeface="Adobe Clean"/>
                           <a:cs typeface="Adobe Clean"/>
                         </a:rPr>
-                        <a:t>商业支持</a:t>
+                        <a:t>Enterprise Support</a:t>
                       </a:r>
                       <a:endParaRPr sz="900" spc="0" dirty="0">
                         <a:latin typeface="Adobe Clean"/>
@@ -1992,59 +2346,6 @@
                     </a:lnR>
                     <a:lnB w="76200">
                       <a:solidFill>
-                        <a:srgbClr val="ACD2FF"/>
-                      </a:solidFill>
-                      <a:prstDash val="solid"/>
-                    </a:lnB>
-                    <a:solidFill>
-                      <a:srgbClr val="7D7D7D"/>
-                    </a:solidFill>
-                  </a:tcPr>
-                </a:tc>
-                <a:tc gridSpan="2">
-                  <a:txBody>
-                    <a:bodyPr/>
-                    <a:lstStyle/>
-                    <a:p>
-                      <a:pPr marL="2540" algn="ctr">
-                        <a:lnSpc>
-                          <a:spcPct val="100000"/>
-                        </a:lnSpc>
-                        <a:spcBef>
-                          <a:spcPts val="60"/>
-                        </a:spcBef>
-                      </a:pPr>
-                      <a:r>
-                        <a:rPr lang="en-US" sz="900" spc="0" dirty="0">
-                          <a:solidFill>
-                            <a:srgbClr val="FFFFFF"/>
-                          </a:solidFill>
-                          <a:latin typeface="Adobe Clean"/>
-                          <a:cs typeface="Adobe Clean"/>
-                        </a:rPr>
-                        <a:t>企业支持</a:t>
-                      </a:r>
-                      <a:endParaRPr sz="900" spc="0" dirty="0">
-                        <a:latin typeface="Adobe Clean"/>
-                        <a:cs typeface="Adobe Clean"/>
-                      </a:endParaRPr>
-                    </a:p>
-                  </a:txBody>
-                  <a:tcPr marL="0" marR="0" marT="7620" marB="0" anchor="ctr">
-                    <a:lnL w="3175">
-                      <a:solidFill>
-                        <a:srgbClr val="B7B8B8"/>
-                      </a:solidFill>
-                      <a:prstDash val="solid"/>
-                    </a:lnL>
-                    <a:lnR w="3175">
-                      <a:solidFill>
-                        <a:srgbClr val="B7B8B8"/>
-                      </a:solidFill>
-                      <a:prstDash val="solid"/>
-                    </a:lnR>
-                    <a:lnB w="76200">
-                      <a:solidFill>
                         <a:srgbClr val="2E8FFF"/>
                       </a:solidFill>
                       <a:prstDash val="solid"/>
@@ -2055,38 +2356,6 @@
                   </a:tcPr>
                 </a:tc>
                 <a:tc hMerge="1">
-                  <a:txBody>
-                    <a:bodyPr/>
-                    <a:lstStyle/>
-                    <a:p>
-                      <a:endParaRPr lang="en-US"/>
-                    </a:p>
-                  </a:txBody>
-                  <a:tcPr marL="0" marR="0" marT="7620" marB="0" anchor="ctr">
-                    <a:lnL w="3175">
-                      <a:solidFill>
-                        <a:srgbClr val="B7B8B8"/>
-                      </a:solidFill>
-                      <a:prstDash val="solid"/>
-                    </a:lnL>
-                    <a:lnR w="3175">
-                      <a:solidFill>
-                        <a:srgbClr val="B7B8B8"/>
-                      </a:solidFill>
-                      <a:prstDash val="solid"/>
-                    </a:lnR>
-                    <a:lnB w="76200">
-                      <a:solidFill>
-                        <a:srgbClr val="2E8FFF"/>
-                      </a:solidFill>
-                      <a:prstDash val="solid"/>
-                    </a:lnB>
-                    <a:solidFill>
-                      <a:srgbClr val="404040"/>
-                    </a:solidFill>
-                  </a:tcPr>
-                </a:tc>
-                <a:tc>
                   <a:txBody>
                     <a:bodyPr/>
                     <a:lstStyle/>
@@ -2100,6 +2369,89 @@
                         </a:spcBef>
                       </a:pPr>
                       <a:r>
+                        <a:rPr sz="900" spc="-20" dirty="0">
+                          <a:solidFill>
+                            <a:srgbClr val="FFFFFF"/>
+                          </a:solidFill>
+                          <a:latin typeface="Adobe Clean"/>
+                          <a:cs typeface="Adobe Clean"/>
+                        </a:rPr>
+                        <a:t>Enterprise</a:t>
+                      </a:r>
+                      <a:r>
+                        <a:rPr lang="en-US" sz="900" spc="-20" dirty="0">
+                          <a:solidFill>
+                            <a:srgbClr val="FFFFFF"/>
+                          </a:solidFill>
+                          <a:latin typeface="Adobe Clean"/>
+                          <a:cs typeface="Adobe Clean"/>
+                        </a:rPr>
+                        <a:t> </a:t>
+                      </a:r>
+                      <a:r>
+                        <a:rPr sz="900" spc="-20" dirty="0">
+                          <a:solidFill>
+                            <a:srgbClr val="FFFFFF"/>
+                          </a:solidFill>
+                          <a:latin typeface="Adobe Clean"/>
+                          <a:cs typeface="Adobe Clean"/>
+                        </a:rPr>
+                        <a:t>Support</a:t>
+                      </a:r>
+                      <a:endParaRPr sz="900" dirty="0">
+                        <a:latin typeface="Adobe Clean"/>
+                        <a:cs typeface="Adobe Clean"/>
+                      </a:endParaRPr>
+                    </a:p>
+                  </a:txBody>
+                  <a:tcPr marL="0" marR="0" marT="7620" marB="0" anchor="ctr">
+                    <a:lnL w="3175">
+                      <a:solidFill>
+                        <a:srgbClr val="B7B8B8"/>
+                      </a:solidFill>
+                      <a:prstDash val="solid"/>
+                    </a:lnL>
+                    <a:lnR w="3175">
+                      <a:solidFill>
+                        <a:srgbClr val="B7B8B8"/>
+                      </a:solidFill>
+                      <a:prstDash val="solid"/>
+                    </a:lnR>
+                    <a:lnB w="76200">
+                      <a:solidFill>
+                        <a:srgbClr val="2E8FFF"/>
+                      </a:solidFill>
+                      <a:prstDash val="solid"/>
+                    </a:lnB>
+                    <a:solidFill>
+                      <a:srgbClr val="404040"/>
+                    </a:solidFill>
+                  </a:tcPr>
+                </a:tc>
+                <a:tc>
+                  <a:txBody>
+                    <a:bodyPr/>
+                    <a:lstStyle/>
+                    <a:p>
+                      <a:pPr marL="635" algn="ctr">
+                        <a:lnSpc>
+                          <a:spcPct val="100000"/>
+                        </a:lnSpc>
+                        <a:spcBef>
+                          <a:spcPts val="60"/>
+                        </a:spcBef>
+                      </a:pPr>
+                      <a:r>
+                        <a:rPr sz="900" spc="0" dirty="0">
+                          <a:solidFill>
+                            <a:srgbClr val="FFFFFF"/>
+                          </a:solidFill>
+                          <a:latin typeface="Adobe Clean"/>
+                          <a:cs typeface="Adobe Clean"/>
+                        </a:rPr>
+                        <a:t>Elite</a:t>
+                      </a:r>
+                      <a:r>
                         <a:rPr lang="en-US" sz="900" spc="0" dirty="0">
                           <a:solidFill>
                             <a:srgbClr val="FFFFFF"/>
@@ -2107,7 +2459,17 @@
                           <a:latin typeface="Adobe Clean"/>
                           <a:cs typeface="Adobe Clean"/>
                         </a:rPr>
-                        <a:t>高级支持</a:t>
+                        <a:t> </a:t>
+                      </a:r>
+                      <a:r>
+                        <a:rPr sz="900" spc="0" dirty="0">
+                          <a:solidFill>
+                            <a:srgbClr val="FFFFFF"/>
+                          </a:solidFill>
+                          <a:latin typeface="Adobe Clean"/>
+                          <a:cs typeface="Adobe Clean"/>
+                        </a:rPr>
+                        <a:t>Support</a:t>
                       </a:r>
                       <a:endParaRPr sz="900" spc="0" dirty="0">
                         <a:latin typeface="Adobe Clean"/>
@@ -2155,7 +2517,7 @@
                     <a:bodyPr/>
                     <a:lstStyle/>
                     <a:p>
-                      <a:endParaRPr lang="en-US"/>
+                      <a:endParaRPr/>
                     </a:p>
                   </a:txBody>
                   <a:tcPr marL="0" marR="0" marT="0" marB="0"/>
@@ -2165,7 +2527,7 @@
                     <a:bodyPr/>
                     <a:lstStyle/>
                     <a:p>
-                      <a:pPr marL="255905" marR="248920" indent="-25400">
+                      <a:pPr marL="255904" marR="248920" indent="-25400">
                         <a:lnSpc>
                           <a:spcPct val="100000"/>
                         </a:lnSpc>
@@ -2226,7 +2588,17 @@
                           <a:latin typeface="Adobe Clean"/>
                           <a:cs typeface="Adobe Clean"/>
                         </a:rPr>
-                        <a:t>付费支持级别 ($)</a:t>
+                        <a:t>Paid</a:t>
+                      </a:r>
+                      <a:r>
+                        <a:rPr sz="800" i="1" spc="0" dirty="0">
+                          <a:solidFill>
+                            <a:srgbClr val="FFFFFF"/>
+                          </a:solidFill>
+                          <a:latin typeface="Adobe Clean"/>
+                          <a:cs typeface="Adobe Clean"/>
+                        </a:rPr>
+                        <a:t> Support Levels($)</a:t>
                       </a:r>
                       <a:endParaRPr sz="800" spc="0" dirty="0">
                         <a:latin typeface="Adobe Clean"/>
@@ -2282,7 +2654,7 @@
                     <a:bodyPr/>
                     <a:lstStyle/>
                     <a:p>
-                      <a:endParaRPr lang="en-US"/>
+                      <a:endParaRPr/>
                     </a:p>
                   </a:txBody>
                   <a:tcPr marL="0" marR="0" marT="0" marB="0"/>
@@ -2292,7 +2664,7 @@
                     <a:bodyPr/>
                     <a:lstStyle/>
                     <a:p>
-                      <a:endParaRPr lang="en-US"/>
+                      <a:endParaRPr/>
                     </a:p>
                   </a:txBody>
                   <a:tcPr marL="0" marR="0" marT="0" marB="0"/>
@@ -2325,7 +2697,7 @@
                           <a:latin typeface="Adobe Clean" panose="020B0503020404020204" pitchFamily="34" charset="0"/>
                           <a:cs typeface="AdobeClean-Light"/>
                         </a:rPr>
-                        <a:t>分配的专家</a:t>
+                        <a:t>Assigned Experts</a:t>
                       </a:r>
                       <a:endParaRPr sz="1000" b="1" i="0" spc="0" dirty="0">
                         <a:solidFill>
@@ -2376,18 +2748,18 @@
                           <a:spcPct val="100000"/>
                         </a:lnSpc>
                         <a:spcBef>
-                          <a:spcPts val="460"/>
+                          <a:spcPts val="459"/>
                         </a:spcBef>
                       </a:pPr>
                       <a:r>
-                        <a:rPr lang="en-US" sz="900" spc="0" dirty="0">
+                        <a:rPr sz="900" spc="0" dirty="0">
                           <a:solidFill>
                             <a:srgbClr val="020302"/>
                           </a:solidFill>
                           <a:latin typeface="AdobeClean-Light"/>
                           <a:cs typeface="AdobeClean-Light"/>
                         </a:rPr>
-                        <a:t>帐户支持主管</a:t>
+                        <a:t>Account Support Lead</a:t>
                       </a:r>
                       <a:endParaRPr sz="900" spc="0" dirty="0">
                         <a:latin typeface="AdobeClean-Light"/>
@@ -2427,8 +2799,8 @@
                         </a:lnSpc>
                       </a:pPr>
                       <a:endParaRPr sz="900" spc="0" dirty="0">
-                        <a:latin typeface="Times New Roman" panose="02020603050405020304"/>
-                        <a:cs typeface="Times New Roman" panose="02020603050405020304"/>
+                        <a:latin typeface="Times New Roman"/>
+                        <a:cs typeface="Times New Roman"/>
                       </a:endParaRPr>
                     </a:p>
                   </a:txBody>
@@ -2466,18 +2838,18 @@
                         </a:spcBef>
                       </a:pPr>
                       <a:r>
-                        <a:rPr lang="en-US" sz="900" spc="0" dirty="0">
+                        <a:rPr sz="900" spc="0" dirty="0">
                           <a:solidFill>
                             <a:srgbClr val="020302"/>
                           </a:solidFill>
-                          <a:latin typeface="Wingdings" panose="05000000000000000000"/>
-                          <a:cs typeface="Wingdings" panose="05000000000000000000"/>
+                          <a:latin typeface="Wingdings"/>
+                          <a:cs typeface="Wingdings"/>
                         </a:rPr>
                         <a:t></a:t>
                       </a:r>
                       <a:endParaRPr sz="900" spc="0" dirty="0">
-                        <a:latin typeface="Wingdings" panose="05000000000000000000"/>
-                        <a:cs typeface="Wingdings" panose="05000000000000000000"/>
+                        <a:latin typeface="Wingdings"/>
+                        <a:cs typeface="Wingdings"/>
                       </a:endParaRPr>
                     </a:p>
                   </a:txBody>
@@ -2495,7 +2867,18 @@
                     <a:bodyPr/>
                     <a:lstStyle/>
                     <a:p>
-                      <a:endParaRPr lang="en-US"/>
+                      <a:pPr algn="ctr">
+                        <a:lnSpc>
+                          <a:spcPct val="100000"/>
+                        </a:lnSpc>
+                        <a:spcBef>
+                          <a:spcPts val="470"/>
+                        </a:spcBef>
+                      </a:pPr>
+                      <a:endParaRPr sz="900" dirty="0">
+                        <a:latin typeface="Wingdings"/>
+                        <a:cs typeface="Wingdings"/>
+                      </a:endParaRPr>
                     </a:p>
                   </a:txBody>
                   <a:tcPr marL="0" marR="0" marT="59690" marB="0">
@@ -2521,8 +2904,8 @@
                         </a:lnSpc>
                       </a:pPr>
                       <a:endParaRPr sz="900" spc="0">
-                        <a:latin typeface="Times New Roman" panose="02020603050405020304"/>
-                        <a:cs typeface="Times New Roman" panose="02020603050405020304"/>
+                        <a:latin typeface="Times New Roman"/>
+                        <a:cs typeface="Times New Roman"/>
                       </a:endParaRPr>
                     </a:p>
                   </a:txBody>
@@ -2546,8 +2929,8 @@
                         </a:lnSpc>
                       </a:pPr>
                       <a:endParaRPr sz="900" spc="0" dirty="0">
-                        <a:latin typeface="Times New Roman" panose="02020603050405020304"/>
-                        <a:cs typeface="Times New Roman" panose="02020603050405020304"/>
+                        <a:latin typeface="Times New Roman"/>
+                        <a:cs typeface="Times New Roman"/>
                       </a:endParaRPr>
                     </a:p>
                   </a:txBody>
@@ -2578,7 +2961,18 @@
                     <a:bodyPr/>
                     <a:lstStyle/>
                     <a:p>
-                      <a:endParaRPr lang="en-US"/>
+                      <a:pPr marL="50800">
+                        <a:lnSpc>
+                          <a:spcPct val="100000"/>
+                        </a:lnSpc>
+                        <a:spcBef>
+                          <a:spcPts val="459"/>
+                        </a:spcBef>
+                      </a:pPr>
+                      <a:endParaRPr sz="900" dirty="0">
+                        <a:latin typeface="AdobeClean-Light"/>
+                        <a:cs typeface="AdobeClean-Light"/>
+                      </a:endParaRPr>
                     </a:p>
                   </a:txBody>
                   <a:tcPr marL="0" marR="0" marT="58419" marB="0">
@@ -2609,18 +3003,18 @@
                           <a:spcPct val="100000"/>
                         </a:lnSpc>
                         <a:spcBef>
-                          <a:spcPts val="460"/>
+                          <a:spcPts val="459"/>
                         </a:spcBef>
                       </a:pPr>
                       <a:r>
-                        <a:rPr lang="en-US" sz="900" spc="0" dirty="0">
+                        <a:rPr sz="900" spc="0" dirty="0">
                           <a:solidFill>
                             <a:srgbClr val="020302"/>
                           </a:solidFill>
                           <a:latin typeface="AdobeClean-Light"/>
                           <a:cs typeface="AdobeClean-Light"/>
                         </a:rPr>
-                        <a:t>指定的支持工程师</a:t>
+                        <a:t>Named Support Engineer</a:t>
                       </a:r>
                       <a:endParaRPr sz="900" spc="0" dirty="0">
                         <a:latin typeface="AdobeClean-Light"/>
@@ -2654,8 +3048,8 @@
                         </a:lnSpc>
                       </a:pPr>
                       <a:endParaRPr sz="900" spc="0" dirty="0">
-                        <a:latin typeface="Times New Roman" panose="02020603050405020304"/>
-                        <a:cs typeface="Times New Roman" panose="02020603050405020304"/>
+                        <a:latin typeface="Times New Roman"/>
+                        <a:cs typeface="Times New Roman"/>
                       </a:endParaRPr>
                     </a:p>
                   </a:txBody>
@@ -2684,8 +3078,8 @@
                         </a:lnSpc>
                       </a:pPr>
                       <a:endParaRPr sz="900" spc="0" dirty="0">
-                        <a:latin typeface="Times New Roman" panose="02020603050405020304"/>
-                        <a:cs typeface="Times New Roman" panose="02020603050405020304"/>
+                        <a:latin typeface="Times New Roman"/>
+                        <a:cs typeface="Times New Roman"/>
                       </a:endParaRPr>
                     </a:p>
                   </a:txBody>
@@ -2696,7 +3090,15 @@
                     <a:bodyPr/>
                     <a:lstStyle/>
                     <a:p>
-                      <a:endParaRPr lang="en-US"/>
+                      <a:pPr>
+                        <a:lnSpc>
+                          <a:spcPct val="100000"/>
+                        </a:lnSpc>
+                      </a:pPr>
+                      <a:endParaRPr sz="900">
+                        <a:latin typeface="Times New Roman"/>
+                        <a:cs typeface="Times New Roman"/>
+                      </a:endParaRPr>
                     </a:p>
                   </a:txBody>
                   <a:tcPr marL="0" marR="0" marT="0" marB="0"/>
@@ -2715,18 +3117,18 @@
                         </a:spcBef>
                       </a:pPr>
                       <a:r>
-                        <a:rPr lang="en-US" sz="900" spc="0" dirty="0">
+                        <a:rPr sz="900" spc="0" dirty="0">
                           <a:solidFill>
                             <a:srgbClr val="020302"/>
                           </a:solidFill>
-                          <a:latin typeface="Wingdings" panose="05000000000000000000"/>
-                          <a:cs typeface="Wingdings" panose="05000000000000000000"/>
+                          <a:latin typeface="Wingdings"/>
+                          <a:cs typeface="Wingdings"/>
                         </a:rPr>
                         <a:t></a:t>
                       </a:r>
                       <a:endParaRPr sz="900" spc="0" dirty="0">
-                        <a:latin typeface="Wingdings" panose="05000000000000000000"/>
-                        <a:cs typeface="Wingdings" panose="05000000000000000000"/>
+                        <a:latin typeface="Wingdings"/>
+                        <a:cs typeface="Wingdings"/>
                       </a:endParaRPr>
                     </a:p>
                   </a:txBody>
@@ -2746,18 +3148,18 @@
                         </a:spcBef>
                       </a:pPr>
                       <a:r>
-                        <a:rPr lang="en-US" sz="900" spc="0" dirty="0">
+                        <a:rPr sz="900" spc="0" dirty="0">
                           <a:solidFill>
                             <a:srgbClr val="020302"/>
                           </a:solidFill>
-                          <a:latin typeface="Wingdings" panose="05000000000000000000"/>
-                          <a:cs typeface="Wingdings" panose="05000000000000000000"/>
+                          <a:latin typeface="Wingdings"/>
+                          <a:cs typeface="Wingdings"/>
                         </a:rPr>
                         <a:t></a:t>
                       </a:r>
                       <a:endParaRPr sz="900" spc="0" dirty="0">
-                        <a:latin typeface="Wingdings" panose="05000000000000000000"/>
-                        <a:cs typeface="Wingdings" panose="05000000000000000000"/>
+                        <a:latin typeface="Wingdings"/>
+                        <a:cs typeface="Wingdings"/>
                       </a:endParaRPr>
                     </a:p>
                   </a:txBody>
@@ -2782,7 +3184,18 @@
                     <a:bodyPr/>
                     <a:lstStyle/>
                     <a:p>
-                      <a:endParaRPr lang="en-US"/>
+                      <a:pPr marL="50800">
+                        <a:lnSpc>
+                          <a:spcPct val="100000"/>
+                        </a:lnSpc>
+                        <a:spcBef>
+                          <a:spcPts val="500"/>
+                        </a:spcBef>
+                      </a:pPr>
+                      <a:endParaRPr sz="900" dirty="0">
+                        <a:latin typeface="AdobeClean-Light"/>
+                        <a:cs typeface="AdobeClean-Light"/>
+                      </a:endParaRPr>
                     </a:p>
                   </a:txBody>
                   <a:tcPr marL="0" marR="0" marT="63500" marB="0">
@@ -2829,14 +3242,14 @@
                         </a:spcBef>
                       </a:pPr>
                       <a:r>
-                        <a:rPr lang="en-US" sz="900" spc="0" dirty="0">
+                        <a:rPr sz="900" spc="0" dirty="0">
                           <a:solidFill>
                             <a:srgbClr val="020302"/>
                           </a:solidFill>
                           <a:latin typeface="AdobeClean-Light"/>
                           <a:cs typeface="AdobeClean-Light"/>
                         </a:rPr>
-                        <a:t>技术客户经理</a:t>
+                        <a:t>Technical Account Manager</a:t>
                       </a:r>
                       <a:endParaRPr sz="900" spc="0" dirty="0">
                         <a:latin typeface="AdobeClean-Light"/>
@@ -2876,8 +3289,8 @@
                         </a:lnSpc>
                       </a:pPr>
                       <a:endParaRPr sz="900" spc="0" dirty="0">
-                        <a:latin typeface="Times New Roman" panose="02020603050405020304"/>
-                        <a:cs typeface="Times New Roman" panose="02020603050405020304"/>
+                        <a:latin typeface="Times New Roman"/>
+                        <a:cs typeface="Times New Roman"/>
                       </a:endParaRPr>
                     </a:p>
                   </a:txBody>
@@ -2912,8 +3325,8 @@
                         </a:lnSpc>
                       </a:pPr>
                       <a:endParaRPr sz="900" spc="0" dirty="0">
-                        <a:latin typeface="Times New Roman" panose="02020603050405020304"/>
-                        <a:cs typeface="Times New Roman" panose="02020603050405020304"/>
+                        <a:latin typeface="Times New Roman"/>
+                        <a:cs typeface="Times New Roman"/>
                       </a:endParaRPr>
                     </a:p>
                   </a:txBody>
@@ -2931,7 +3344,15 @@
                     <a:bodyPr/>
                     <a:lstStyle/>
                     <a:p>
-                      <a:endParaRPr lang="en-US"/>
+                      <a:pPr>
+                        <a:lnSpc>
+                          <a:spcPct val="100000"/>
+                        </a:lnSpc>
+                      </a:pPr>
+                      <a:endParaRPr sz="900">
+                        <a:latin typeface="Times New Roman"/>
+                        <a:cs typeface="Times New Roman"/>
+                      </a:endParaRPr>
                     </a:p>
                   </a:txBody>
                   <a:tcPr marL="0" marR="0" marT="0" marB="0">
@@ -2957,8 +3378,8 @@
                         </a:lnSpc>
                       </a:pPr>
                       <a:endParaRPr sz="900" spc="0">
-                        <a:latin typeface="Times New Roman" panose="02020603050405020304"/>
-                        <a:cs typeface="Times New Roman" panose="02020603050405020304"/>
+                        <a:latin typeface="Times New Roman"/>
+                        <a:cs typeface="Times New Roman"/>
                       </a:endParaRPr>
                     </a:p>
                   </a:txBody>
@@ -2985,18 +3406,18 @@
                         </a:spcBef>
                       </a:pPr>
                       <a:r>
-                        <a:rPr lang="en-US" sz="900" spc="0" dirty="0">
+                        <a:rPr sz="900" spc="0" dirty="0">
                           <a:solidFill>
                             <a:srgbClr val="020302"/>
                           </a:solidFill>
-                          <a:latin typeface="Wingdings" panose="05000000000000000000"/>
-                          <a:cs typeface="Wingdings" panose="05000000000000000000"/>
+                          <a:latin typeface="Wingdings"/>
+                          <a:cs typeface="Wingdings"/>
                         </a:rPr>
                         <a:t></a:t>
                       </a:r>
                       <a:endParaRPr sz="900" spc="0">
-                        <a:latin typeface="Wingdings" panose="05000000000000000000"/>
-                        <a:cs typeface="Wingdings" panose="05000000000000000000"/>
+                        <a:latin typeface="Wingdings"/>
+                        <a:cs typeface="Wingdings"/>
                       </a:endParaRPr>
                     </a:p>
                   </a:txBody>
@@ -3032,7 +3453,7 @@
                           <a:spcPct val="100000"/>
                         </a:lnSpc>
                         <a:spcBef>
-                          <a:spcPts val="460"/>
+                          <a:spcPts val="459"/>
                         </a:spcBef>
                       </a:pPr>
                       <a:r>
@@ -3043,7 +3464,7 @@
                           <a:latin typeface="Adobe Clean" panose="020B0503020404020204" pitchFamily="34" charset="0"/>
                           <a:cs typeface="AdobeClean-Light"/>
                         </a:rPr>
-                        <a:t>支持服务</a:t>
+                        <a:t>Support Services</a:t>
                       </a:r>
                       <a:endParaRPr sz="1000" b="1" i="0" spc="0" dirty="0">
                         <a:solidFill>
@@ -3114,7 +3535,17 @@
                           <a:latin typeface="AdobeClean-Light"/>
                           <a:cs typeface="AdobeClean-Light"/>
                         </a:rPr>
-                        <a:t>在线支持</a:t>
+                        <a:t>Online </a:t>
+                      </a:r>
+                      <a:r>
+                        <a:rPr sz="900" spc="0" dirty="0">
+                          <a:solidFill>
+                            <a:srgbClr val="020302"/>
+                          </a:solidFill>
+                          <a:latin typeface="AdobeClean-Light"/>
+                          <a:cs typeface="AdobeClean-Light"/>
+                        </a:rPr>
+                        <a:t> Support</a:t>
                       </a:r>
                       <a:endParaRPr sz="900" spc="0" dirty="0">
                         <a:latin typeface="AdobeClean-Light"/>
@@ -3157,14 +3588,14 @@
                         </a:spcBef>
                       </a:pPr>
                       <a:r>
-                        <a:rPr lang="en-US" sz="800" spc="0" dirty="0">
+                        <a:rPr sz="800" spc="0" dirty="0">
                           <a:solidFill>
                             <a:srgbClr val="020302"/>
                           </a:solidFill>
                           <a:latin typeface="AdobeClean-Light"/>
                           <a:cs typeface="AdobeClean-Light"/>
                         </a:rPr>
-                        <a:t>营业时间</a:t>
+                        <a:t>Business hours</a:t>
                       </a:r>
                       <a:endParaRPr sz="800" spc="0" dirty="0">
                         <a:latin typeface="AdobeClean-Light"/>
@@ -3206,14 +3637,14 @@
                         </a:spcBef>
                       </a:pPr>
                       <a:r>
-                        <a:rPr lang="en-US" sz="800" spc="0" dirty="0">
+                        <a:rPr sz="800" spc="0" dirty="0">
                           <a:solidFill>
                             <a:srgbClr val="020302"/>
                           </a:solidFill>
                           <a:latin typeface="AdobeClean-Light"/>
                           <a:cs typeface="AdobeClean-Light"/>
                         </a:rPr>
-                        <a:t>营业时间</a:t>
+                        <a:t>Business hours</a:t>
                       </a:r>
                       <a:endParaRPr sz="800" spc="0" dirty="0">
                         <a:latin typeface="AdobeClean-Light"/>
@@ -3235,7 +3666,18 @@
                     <a:bodyPr/>
                     <a:lstStyle/>
                     <a:p>
-                      <a:endParaRPr lang="en-US"/>
+                      <a:pPr algn="ctr">
+                        <a:lnSpc>
+                          <a:spcPct val="100000"/>
+                        </a:lnSpc>
+                        <a:spcBef>
+                          <a:spcPts val="535"/>
+                        </a:spcBef>
+                      </a:pPr>
+                      <a:endParaRPr sz="800">
+                        <a:latin typeface="AdobeClean-Light"/>
+                        <a:cs typeface="AdobeClean-Light"/>
+                      </a:endParaRPr>
                     </a:p>
                   </a:txBody>
                   <a:tcPr marL="0" marR="0" marT="67945" marB="0">
@@ -3264,14 +3706,14 @@
                         </a:spcBef>
                       </a:pPr>
                       <a:r>
-                        <a:rPr lang="en-US" sz="800" spc="0" dirty="0">
+                        <a:rPr sz="800" spc="0" dirty="0">
                           <a:solidFill>
                             <a:srgbClr val="020302"/>
                           </a:solidFill>
                           <a:latin typeface="AdobeClean-Light"/>
                           <a:cs typeface="AdobeClean-Light"/>
                         </a:rPr>
-                        <a:t>工作日全天候</a:t>
+                        <a:t>24X5</a:t>
                       </a:r>
                       <a:endParaRPr sz="800" spc="0">
                         <a:latin typeface="AdobeClean-Light"/>
@@ -3302,14 +3744,14 @@
                         </a:spcBef>
                       </a:pPr>
                       <a:r>
-                        <a:rPr lang="en-US" sz="800" spc="0" dirty="0">
+                        <a:rPr sz="800" spc="0" dirty="0">
                           <a:solidFill>
                             <a:srgbClr val="020302"/>
                           </a:solidFill>
                           <a:latin typeface="AdobeClean-Light"/>
                           <a:cs typeface="AdobeClean-Light"/>
                         </a:rPr>
-                        <a:t>工作日全天候</a:t>
+                        <a:t>24X5</a:t>
                       </a:r>
                       <a:endParaRPr sz="800" spc="0" dirty="0">
                         <a:latin typeface="AdobeClean-Light"/>
@@ -3344,7 +3786,293 @@
                     <a:bodyPr/>
                     <a:lstStyle/>
                     <a:p>
-                      <a:endParaRPr lang="en-US"/>
+                      <a:pPr marL="50800">
+                        <a:lnSpc>
+                          <a:spcPct val="100000"/>
+                        </a:lnSpc>
+                        <a:spcBef>
+                          <a:spcPts val="455"/>
+                        </a:spcBef>
+                      </a:pPr>
+                      <a:endParaRPr sz="900" dirty="0">
+                        <a:latin typeface="AdobeClean-Light"/>
+                        <a:cs typeface="AdobeClean-Light"/>
+                      </a:endParaRPr>
+                    </a:p>
+                  </a:txBody>
+                  <a:tcPr marL="0" marR="0" marT="57785" marB="0">
+                    <a:lnL w="12700">
+                      <a:solidFill>
+                        <a:srgbClr val="F0F0F0"/>
+                      </a:solidFill>
+                      <a:prstDash val="solid"/>
+                    </a:lnL>
+                    <a:lnR w="12700" cap="flat" cmpd="sng" algn="ctr">
+                      <a:solidFill>
+                        <a:srgbClr val="F0F0F0"/>
+                      </a:solidFill>
+                      <a:prstDash val="solid"/>
+                      <a:round/>
+                      <a:headEnd type="none" w="med" len="med"/>
+                      <a:tailEnd type="none" w="med" len="med"/>
+                    </a:lnR>
+                    <a:solidFill>
+                      <a:srgbClr val="7D7D7D"/>
+                    </a:solidFill>
+                  </a:tcPr>
+                </a:tc>
+                <a:tc>
+                  <a:txBody>
+                    <a:bodyPr/>
+                    <a:lstStyle/>
+                    <a:p>
+                      <a:pPr marL="50800">
+                        <a:lnSpc>
+                          <a:spcPct val="100000"/>
+                        </a:lnSpc>
+                        <a:spcBef>
+                          <a:spcPts val="455"/>
+                        </a:spcBef>
+                      </a:pPr>
+                      <a:r>
+                        <a:rPr sz="900" spc="0" dirty="0">
+                          <a:solidFill>
+                            <a:srgbClr val="020302"/>
+                          </a:solidFill>
+                          <a:latin typeface="AdobeClean-Light"/>
+                          <a:cs typeface="AdobeClean-Light"/>
+                        </a:rPr>
+                        <a:t>24x7</a:t>
+                      </a:r>
+                      <a:r>
+                        <a:rPr lang="en-US" sz="900" spc="0" dirty="0">
+                          <a:solidFill>
+                            <a:srgbClr val="020302"/>
+                          </a:solidFill>
+                          <a:latin typeface="AdobeClean-Light"/>
+                          <a:cs typeface="AdobeClean-Light"/>
+                        </a:rPr>
+                        <a:t>x365</a:t>
+                      </a:r>
+                      <a:r>
+                        <a:rPr sz="900" spc="0" dirty="0">
+                          <a:solidFill>
+                            <a:srgbClr val="020302"/>
+                          </a:solidFill>
+                          <a:latin typeface="AdobeClean-Light"/>
+                          <a:cs typeface="AdobeClean-Light"/>
+                        </a:rPr>
+                        <a:t> P1 Issue Support</a:t>
+                      </a:r>
+                      <a:endParaRPr sz="900" spc="0" dirty="0">
+                        <a:latin typeface="AdobeClean-Light"/>
+                        <a:cs typeface="AdobeClean-Light"/>
+                      </a:endParaRPr>
+                    </a:p>
+                  </a:txBody>
+                  <a:tcPr marL="0" marR="0" marT="57785" marB="0">
+                    <a:lnL w="12700">
+                      <a:solidFill>
+                        <a:srgbClr val="F0F0F0"/>
+                      </a:solidFill>
+                      <a:prstDash val="solid"/>
+                    </a:lnL>
+                    <a:lnR w="12700">
+                      <a:solidFill>
+                        <a:srgbClr val="F0F0F0"/>
+                      </a:solidFill>
+                      <a:prstDash val="solid"/>
+                    </a:lnR>
+                  </a:tcPr>
+                </a:tc>
+                <a:tc>
+                  <a:txBody>
+                    <a:bodyPr/>
+                    <a:lstStyle/>
+                    <a:p>
+                      <a:pPr algn="ctr">
+                        <a:lnSpc>
+                          <a:spcPct val="100000"/>
+                        </a:lnSpc>
+                        <a:spcBef>
+                          <a:spcPts val="459"/>
+                        </a:spcBef>
+                      </a:pPr>
+                      <a:r>
+                        <a:rPr sz="900" spc="0" dirty="0">
+                          <a:solidFill>
+                            <a:srgbClr val="020302"/>
+                          </a:solidFill>
+                          <a:latin typeface="Wingdings"/>
+                          <a:cs typeface="Wingdings"/>
+                        </a:rPr>
+                        <a:t></a:t>
+                      </a:r>
+                      <a:endParaRPr sz="900" spc="0">
+                        <a:latin typeface="Wingdings"/>
+                        <a:cs typeface="Wingdings"/>
+                      </a:endParaRPr>
+                    </a:p>
+                  </a:txBody>
+                  <a:tcPr marL="0" marR="0" marT="58419" marB="0">
+                    <a:lnL w="12700">
+                      <a:solidFill>
+                        <a:srgbClr val="F0F0F0"/>
+                      </a:solidFill>
+                      <a:prstDash val="solid"/>
+                    </a:lnL>
+                    <a:solidFill>
+                      <a:schemeClr val="bg1">
+                        <a:lumMod val="95000"/>
+                      </a:schemeClr>
+                    </a:solidFill>
+                  </a:tcPr>
+                </a:tc>
+                <a:tc gridSpan="2">
+                  <a:txBody>
+                    <a:bodyPr/>
+                    <a:lstStyle/>
+                    <a:p>
+                      <a:pPr algn="ctr">
+                        <a:lnSpc>
+                          <a:spcPct val="100000"/>
+                        </a:lnSpc>
+                        <a:spcBef>
+                          <a:spcPts val="459"/>
+                        </a:spcBef>
+                      </a:pPr>
+                      <a:r>
+                        <a:rPr sz="900" spc="0" dirty="0">
+                          <a:solidFill>
+                            <a:srgbClr val="020302"/>
+                          </a:solidFill>
+                          <a:latin typeface="Wingdings"/>
+                          <a:cs typeface="Wingdings"/>
+                        </a:rPr>
+                        <a:t></a:t>
+                      </a:r>
+                      <a:endParaRPr sz="900" spc="0">
+                        <a:latin typeface="Wingdings"/>
+                        <a:cs typeface="Wingdings"/>
+                      </a:endParaRPr>
+                    </a:p>
+                  </a:txBody>
+                  <a:tcPr marL="0" marR="0" marT="58419" marB="0"/>
+                </a:tc>
+                <a:tc hMerge="1">
+                  <a:txBody>
+                    <a:bodyPr/>
+                    <a:lstStyle/>
+                    <a:p>
+                      <a:pPr algn="ctr">
+                        <a:lnSpc>
+                          <a:spcPct val="100000"/>
+                        </a:lnSpc>
+                        <a:spcBef>
+                          <a:spcPts val="459"/>
+                        </a:spcBef>
+                      </a:pPr>
+                      <a:endParaRPr sz="900">
+                        <a:latin typeface="Wingdings"/>
+                        <a:cs typeface="Wingdings"/>
+                      </a:endParaRPr>
+                    </a:p>
+                  </a:txBody>
+                  <a:tcPr marL="0" marR="0" marT="58419" marB="0"/>
+                </a:tc>
+                <a:tc>
+                  <a:txBody>
+                    <a:bodyPr/>
+                    <a:lstStyle/>
+                    <a:p>
+                      <a:pPr algn="ctr">
+                        <a:lnSpc>
+                          <a:spcPct val="100000"/>
+                        </a:lnSpc>
+                        <a:spcBef>
+                          <a:spcPts val="459"/>
+                        </a:spcBef>
+                      </a:pPr>
+                      <a:r>
+                        <a:rPr sz="900" spc="0" dirty="0">
+                          <a:solidFill>
+                            <a:srgbClr val="020302"/>
+                          </a:solidFill>
+                          <a:latin typeface="Wingdings"/>
+                          <a:cs typeface="Wingdings"/>
+                        </a:rPr>
+                        <a:t></a:t>
+                      </a:r>
+                      <a:endParaRPr sz="900" spc="0">
+                        <a:latin typeface="Wingdings"/>
+                        <a:cs typeface="Wingdings"/>
+                      </a:endParaRPr>
+                    </a:p>
+                  </a:txBody>
+                  <a:tcPr marL="0" marR="0" marT="58419" marB="0"/>
+                </a:tc>
+                <a:tc>
+                  <a:txBody>
+                    <a:bodyPr/>
+                    <a:lstStyle/>
+                    <a:p>
+                      <a:pPr algn="ctr">
+                        <a:lnSpc>
+                          <a:spcPct val="100000"/>
+                        </a:lnSpc>
+                        <a:spcBef>
+                          <a:spcPts val="459"/>
+                        </a:spcBef>
+                      </a:pPr>
+                      <a:r>
+                        <a:rPr sz="900" spc="0" dirty="0">
+                          <a:solidFill>
+                            <a:srgbClr val="020302"/>
+                          </a:solidFill>
+                          <a:latin typeface="Wingdings"/>
+                          <a:cs typeface="Wingdings"/>
+                        </a:rPr>
+                        <a:t></a:t>
+                      </a:r>
+                      <a:endParaRPr sz="900" spc="0">
+                        <a:latin typeface="Wingdings"/>
+                        <a:cs typeface="Wingdings"/>
+                      </a:endParaRPr>
+                    </a:p>
+                  </a:txBody>
+                  <a:tcPr marL="0" marR="0" marT="58419" marB="0">
+                    <a:lnR w="12700">
+                      <a:solidFill>
+                        <a:srgbClr val="F0F0F0"/>
+                      </a:solidFill>
+                      <a:prstDash val="solid"/>
+                    </a:lnR>
+                  </a:tcPr>
+                </a:tc>
+                <a:extLst>
+                  <a:ext uri="{0D108BD9-81ED-4DB2-BD59-A6C34878D82A}">
+                    <a16:rowId xmlns:a16="http://schemas.microsoft.com/office/drawing/2014/main" val="10006"/>
+                  </a:ext>
+                </a:extLst>
+              </a:tr>
+              <a:tr h="264424">
+                <a:tc vMerge="1">
+                  <a:txBody>
+                    <a:bodyPr/>
+                    <a:lstStyle/>
+                    <a:p>
+                      <a:pPr marL="50800">
+                        <a:lnSpc>
+                          <a:spcPct val="100000"/>
+                        </a:lnSpc>
+                        <a:spcBef>
+                          <a:spcPts val="455"/>
+                        </a:spcBef>
+                      </a:pPr>
+                      <a:endParaRPr sz="900" dirty="0">
+                        <a:latin typeface="AdobeClean-Light"/>
+                        <a:cs typeface="AdobeClean-Light"/>
+                      </a:endParaRPr>
                     </a:p>
                   </a:txBody>
                   <a:tcPr marL="0" marR="0" marT="57785" marB="0">
@@ -3389,7 +4117,7 @@
                           <a:latin typeface="AdobeClean-Light"/>
                           <a:cs typeface="AdobeClean-Light"/>
                         </a:rPr>
-                        <a:t>全天候 P1 问题支持</a:t>
+                        <a:t>Named Support Contacts (per product)</a:t>
                       </a:r>
                       <a:endParaRPr sz="900" spc="0" dirty="0">
                         <a:latin typeface="AdobeClean-Light"/>
@@ -3422,26 +4150,26 @@
                           <a:spcPct val="100000"/>
                         </a:lnSpc>
                         <a:spcBef>
-                          <a:spcPts val="460"/>
+                          <a:spcPts val="455"/>
                         </a:spcBef>
                       </a:pPr>
                       <a:r>
-                        <a:rPr lang="en-US" sz="900" spc="0" dirty="0">
+                        <a:rPr sz="900" spc="0" dirty="0">
                           <a:solidFill>
                             <a:srgbClr val="020302"/>
                           </a:solidFill>
-                          <a:latin typeface="Wingdings" panose="05000000000000000000"/>
-                          <a:cs typeface="Wingdings" panose="05000000000000000000"/>
+                          <a:latin typeface="AdobeClean-Light"/>
+                          <a:cs typeface="AdobeClean-Light"/>
                         </a:rPr>
-                        <a:t></a:t>
+                        <a:t>4</a:t>
                       </a:r>
-                      <a:endParaRPr sz="900" spc="0">
-                        <a:latin typeface="Wingdings" panose="05000000000000000000"/>
-                        <a:cs typeface="Wingdings" panose="05000000000000000000"/>
+                      <a:endParaRPr sz="900" spc="0" dirty="0">
+                        <a:latin typeface="AdobeClean-Light"/>
+                        <a:cs typeface="AdobeClean-Light"/>
                       </a:endParaRPr>
                     </a:p>
                   </a:txBody>
-                  <a:tcPr marL="0" marR="0" marT="58419" marB="0">
+                  <a:tcPr marL="0" marR="0" marT="57785" marB="0">
                     <a:lnL w="12700">
                       <a:solidFill>
                         <a:srgbClr val="F0F0F0"/>
@@ -3465,38 +4193,28 @@
                           <a:spcPct val="100000"/>
                         </a:lnSpc>
                         <a:spcBef>
-                          <a:spcPts val="460"/>
+                          <a:spcPts val="455"/>
                         </a:spcBef>
                       </a:pPr>
                       <a:r>
-                        <a:rPr lang="en-US" sz="900" spc="0" dirty="0">
+                        <a:rPr sz="900" spc="0" dirty="0">
                           <a:solidFill>
                             <a:srgbClr val="020302"/>
                           </a:solidFill>
-                          <a:latin typeface="Wingdings" panose="05000000000000000000"/>
-                          <a:cs typeface="Wingdings" panose="05000000000000000000"/>
+                          <a:latin typeface="AdobeClean-Light"/>
+                          <a:cs typeface="AdobeClean-Light"/>
                         </a:rPr>
-                        <a:t></a:t>
+                        <a:t>6</a:t>
                       </a:r>
                       <a:endParaRPr sz="900" spc="0">
-                        <a:latin typeface="Wingdings" panose="05000000000000000000"/>
-                        <a:cs typeface="Wingdings" panose="05000000000000000000"/>
+                        <a:latin typeface="AdobeClean-Light"/>
+                        <a:cs typeface="AdobeClean-Light"/>
                       </a:endParaRPr>
                     </a:p>
                   </a:txBody>
-                  <a:tcPr marL="0" marR="0" marT="58419" marB="0"/>
+                  <a:tcPr marL="0" marR="0" marT="57785" marB="0"/>
                 </a:tc>
                 <a:tc hMerge="1">
-                  <a:txBody>
-                    <a:bodyPr/>
-                    <a:lstStyle/>
-                    <a:p>
-                      <a:endParaRPr lang="en-US"/>
-                    </a:p>
-                  </a:txBody>
-                  <a:tcPr marL="0" marR="0" marT="58419" marB="0"/>
-                </a:tc>
-                <a:tc>
                   <a:txBody>
                     <a:bodyPr/>
                     <a:lstStyle/>
@@ -3506,26 +4224,16 @@
                           <a:spcPct val="100000"/>
                         </a:lnSpc>
                         <a:spcBef>
-                          <a:spcPts val="460"/>
+                          <a:spcPts val="455"/>
                         </a:spcBef>
                       </a:pPr>
-                      <a:r>
-                        <a:rPr lang="en-US" sz="900" spc="0" dirty="0">
-                          <a:solidFill>
-                            <a:srgbClr val="020302"/>
-                          </a:solidFill>
-                          <a:latin typeface="Wingdings" panose="05000000000000000000"/>
-                          <a:cs typeface="Wingdings" panose="05000000000000000000"/>
-                        </a:rPr>
-                        <a:t></a:t>
-                      </a:r>
-                      <a:endParaRPr sz="900" spc="0">
-                        <a:latin typeface="Wingdings" panose="05000000000000000000"/>
-                        <a:cs typeface="Wingdings" panose="05000000000000000000"/>
+                      <a:endParaRPr sz="900">
+                        <a:latin typeface="AdobeClean-Light"/>
+                        <a:cs typeface="AdobeClean-Light"/>
                       </a:endParaRPr>
                     </a:p>
                   </a:txBody>
-                  <a:tcPr marL="0" marR="0" marT="58419" marB="0"/>
+                  <a:tcPr marL="0" marR="0" marT="57785" marB="0"/>
                 </a:tc>
                 <a:tc>
                   <a:txBody>
@@ -3537,26 +4245,57 @@
                           <a:spcPct val="100000"/>
                         </a:lnSpc>
                         <a:spcBef>
-                          <a:spcPts val="460"/>
+                          <a:spcPts val="455"/>
                         </a:spcBef>
                       </a:pPr>
                       <a:r>
-                        <a:rPr lang="en-US" sz="900" spc="0" dirty="0">
+                        <a:rPr sz="900" spc="0" dirty="0">
                           <a:solidFill>
                             <a:srgbClr val="020302"/>
                           </a:solidFill>
-                          <a:latin typeface="Wingdings" panose="05000000000000000000"/>
-                          <a:cs typeface="Wingdings" panose="05000000000000000000"/>
+                          <a:latin typeface="AdobeClean-Light"/>
+                          <a:cs typeface="AdobeClean-Light"/>
                         </a:rPr>
-                        <a:t></a:t>
+                        <a:t>10</a:t>
                       </a:r>
                       <a:endParaRPr sz="900" spc="0">
-                        <a:latin typeface="Wingdings" panose="05000000000000000000"/>
-                        <a:cs typeface="Wingdings" panose="05000000000000000000"/>
+                        <a:latin typeface="AdobeClean-Light"/>
+                        <a:cs typeface="AdobeClean-Light"/>
                       </a:endParaRPr>
                     </a:p>
                   </a:txBody>
-                  <a:tcPr marL="0" marR="0" marT="58419" marB="0">
+                  <a:tcPr marL="0" marR="0" marT="57785" marB="0"/>
+                </a:tc>
+                <a:tc>
+                  <a:txBody>
+                    <a:bodyPr/>
+                    <a:lstStyle/>
+                    <a:p>
+                      <a:pPr algn="ctr">
+                        <a:lnSpc>
+                          <a:spcPct val="100000"/>
+                        </a:lnSpc>
+                        <a:spcBef>
+                          <a:spcPts val="455"/>
+                        </a:spcBef>
+                      </a:pPr>
+                      <a:r>
+                        <a:rPr sz="900" spc="0" dirty="0">
+                          <a:solidFill>
+                            <a:srgbClr val="020302"/>
+                          </a:solidFill>
+                          <a:latin typeface="AdobeClean-Light"/>
+                          <a:cs typeface="AdobeClean-Light"/>
+                        </a:rPr>
+                        <a:t>15</a:t>
+                      </a:r>
+                      <a:endParaRPr sz="900" spc="0">
+                        <a:latin typeface="AdobeClean-Light"/>
+                        <a:cs typeface="AdobeClean-Light"/>
+                      </a:endParaRPr>
+                    </a:p>
+                  </a:txBody>
+                  <a:tcPr marL="0" marR="0" marT="57785" marB="0">
                     <a:lnR w="12700">
                       <a:solidFill>
                         <a:srgbClr val="F0F0F0"/>
@@ -3567,7 +4306,7 @@
                 </a:tc>
                 <a:extLst>
                   <a:ext uri="{0D108BD9-81ED-4DB2-BD59-A6C34878D82A}">
-                    <a16:rowId xmlns:a16="http://schemas.microsoft.com/office/drawing/2014/main" val="10006"/>
+                    <a16:rowId xmlns:a16="http://schemas.microsoft.com/office/drawing/2014/main" val="10007"/>
                   </a:ext>
                 </a:extLst>
               </a:tr>
@@ -3577,7 +4316,18 @@
                     <a:bodyPr/>
                     <a:lstStyle/>
                     <a:p>
-                      <a:endParaRPr lang="en-US"/>
+                      <a:pPr marL="50800">
+                        <a:lnSpc>
+                          <a:spcPct val="100000"/>
+                        </a:lnSpc>
+                        <a:spcBef>
+                          <a:spcPts val="455"/>
+                        </a:spcBef>
+                      </a:pPr>
+                      <a:endParaRPr sz="900" dirty="0">
+                        <a:latin typeface="AdobeClean-Light"/>
+                        <a:cs typeface="AdobeClean-Light"/>
+                      </a:endParaRPr>
                     </a:p>
                   </a:txBody>
                   <a:tcPr marL="0" marR="0" marT="57785" marB="0">
@@ -3622,7 +4372,7 @@
                           <a:latin typeface="AdobeClean-Light"/>
                           <a:cs typeface="AdobeClean-Light"/>
                         </a:rPr>
-                        <a:t>指定的支持联系人（按产品）</a:t>
+                        <a:t>Live Telephone Support</a:t>
                       </a:r>
                       <a:endParaRPr sz="900" spc="0" dirty="0">
                         <a:latin typeface="AdobeClean-Light"/>
@@ -3650,31 +4400,18 @@
                     <a:bodyPr/>
                     <a:lstStyle/>
                     <a:p>
-                      <a:pPr algn="ctr">
+                      <a:pPr>
                         <a:lnSpc>
                           <a:spcPct val="100000"/>
                         </a:lnSpc>
-                        <a:spcBef>
-                          <a:spcPts val="455"/>
-                        </a:spcBef>
                       </a:pPr>
-                      <a:r>
-                        <a:rPr lang="en-US" sz="900" spc="0" dirty="0">
-                          <a:solidFill>
-                            <a:srgbClr val="020302"/>
-                          </a:solidFill>
-                          <a:latin typeface="AdobeClean-Light"/>
-                          <a:cs typeface="AdobeClean-Light"/>
-                        </a:rPr>
-                        <a:t>4</a:t>
-                      </a:r>
                       <a:endParaRPr sz="900" spc="0" dirty="0">
-                        <a:latin typeface="AdobeClean-Light"/>
-                        <a:cs typeface="AdobeClean-Light"/>
+                        <a:latin typeface="Times New Roman"/>
+                        <a:cs typeface="Times New Roman"/>
                       </a:endParaRPr>
                     </a:p>
                   </a:txBody>
-                  <a:tcPr marL="0" marR="0" marT="57785" marB="0">
+                  <a:tcPr marL="0" marR="0" marT="0" marB="0">
                     <a:lnL w="12700">
                       <a:solidFill>
                         <a:srgbClr val="F0F0F0"/>
@@ -3698,38 +4435,28 @@
                           <a:spcPct val="100000"/>
                         </a:lnSpc>
                         <a:spcBef>
-                          <a:spcPts val="455"/>
+                          <a:spcPts val="464"/>
                         </a:spcBef>
                       </a:pPr>
                       <a:r>
-                        <a:rPr lang="en-US" sz="900" spc="0" dirty="0">
+                        <a:rPr sz="900" spc="0" dirty="0">
                           <a:solidFill>
                             <a:srgbClr val="020302"/>
                           </a:solidFill>
-                          <a:latin typeface="AdobeClean-Light"/>
-                          <a:cs typeface="AdobeClean-Light"/>
+                          <a:latin typeface="Wingdings"/>
+                          <a:cs typeface="Wingdings"/>
                         </a:rPr>
-                        <a:t>6</a:t>
+                        <a:t></a:t>
                       </a:r>
                       <a:endParaRPr sz="900" spc="0">
-                        <a:latin typeface="AdobeClean-Light"/>
-                        <a:cs typeface="AdobeClean-Light"/>
+                        <a:latin typeface="Wingdings"/>
+                        <a:cs typeface="Wingdings"/>
                       </a:endParaRPr>
                     </a:p>
                   </a:txBody>
-                  <a:tcPr marL="0" marR="0" marT="57785" marB="0"/>
+                  <a:tcPr marL="0" marR="0" marT="59054" marB="0"/>
                 </a:tc>
                 <a:tc hMerge="1">
-                  <a:txBody>
-                    <a:bodyPr/>
-                    <a:lstStyle/>
-                    <a:p>
-                      <a:endParaRPr lang="en-US"/>
-                    </a:p>
-                  </a:txBody>
-                  <a:tcPr marL="0" marR="0" marT="57785" marB="0"/>
-                </a:tc>
-                <a:tc>
                   <a:txBody>
                     <a:bodyPr/>
                     <a:lstStyle/>
@@ -3739,26 +4466,16 @@
                           <a:spcPct val="100000"/>
                         </a:lnSpc>
                         <a:spcBef>
-                          <a:spcPts val="455"/>
+                          <a:spcPts val="464"/>
                         </a:spcBef>
                       </a:pPr>
-                      <a:r>
-                        <a:rPr lang="en-US" sz="900" spc="0" dirty="0">
-                          <a:solidFill>
-                            <a:srgbClr val="020302"/>
-                          </a:solidFill>
-                          <a:latin typeface="AdobeClean-Light"/>
-                          <a:cs typeface="AdobeClean-Light"/>
-                        </a:rPr>
-                        <a:t>10</a:t>
-                      </a:r>
-                      <a:endParaRPr sz="900" spc="0">
-                        <a:latin typeface="AdobeClean-Light"/>
-                        <a:cs typeface="AdobeClean-Light"/>
+                      <a:endParaRPr sz="900">
+                        <a:latin typeface="Wingdings"/>
+                        <a:cs typeface="Wingdings"/>
                       </a:endParaRPr>
                     </a:p>
                   </a:txBody>
-                  <a:tcPr marL="0" marR="0" marT="57785" marB="0"/>
+                  <a:tcPr marL="0" marR="0" marT="59054" marB="0"/>
                 </a:tc>
                 <a:tc>
                   <a:txBody>
@@ -3770,26 +4487,57 @@
                           <a:spcPct val="100000"/>
                         </a:lnSpc>
                         <a:spcBef>
-                          <a:spcPts val="455"/>
+                          <a:spcPts val="464"/>
                         </a:spcBef>
                       </a:pPr>
                       <a:r>
-                        <a:rPr lang="en-US" sz="900" spc="0" dirty="0">
+                        <a:rPr sz="900" spc="0" dirty="0">
                           <a:solidFill>
                             <a:srgbClr val="020302"/>
                           </a:solidFill>
-                          <a:latin typeface="AdobeClean-Light"/>
-                          <a:cs typeface="AdobeClean-Light"/>
+                          <a:latin typeface="Wingdings"/>
+                          <a:cs typeface="Wingdings"/>
                         </a:rPr>
-                        <a:t>15</a:t>
+                        <a:t></a:t>
                       </a:r>
                       <a:endParaRPr sz="900" spc="0">
-                        <a:latin typeface="AdobeClean-Light"/>
-                        <a:cs typeface="AdobeClean-Light"/>
+                        <a:latin typeface="Wingdings"/>
+                        <a:cs typeface="Wingdings"/>
                       </a:endParaRPr>
                     </a:p>
                   </a:txBody>
-                  <a:tcPr marL="0" marR="0" marT="57785" marB="0">
+                  <a:tcPr marL="0" marR="0" marT="59054" marB="0"/>
+                </a:tc>
+                <a:tc>
+                  <a:txBody>
+                    <a:bodyPr/>
+                    <a:lstStyle/>
+                    <a:p>
+                      <a:pPr algn="ctr">
+                        <a:lnSpc>
+                          <a:spcPct val="100000"/>
+                        </a:lnSpc>
+                        <a:spcBef>
+                          <a:spcPts val="464"/>
+                        </a:spcBef>
+                      </a:pPr>
+                      <a:r>
+                        <a:rPr sz="900" spc="0" dirty="0">
+                          <a:solidFill>
+                            <a:srgbClr val="020302"/>
+                          </a:solidFill>
+                          <a:latin typeface="Wingdings"/>
+                          <a:cs typeface="Wingdings"/>
+                        </a:rPr>
+                        <a:t></a:t>
+                      </a:r>
+                      <a:endParaRPr sz="900" spc="0">
+                        <a:latin typeface="Wingdings"/>
+                        <a:cs typeface="Wingdings"/>
+                      </a:endParaRPr>
+                    </a:p>
+                  </a:txBody>
+                  <a:tcPr marL="0" marR="0" marT="59054" marB="0">
                     <a:lnR w="12700">
                       <a:solidFill>
                         <a:srgbClr val="F0F0F0"/>
@@ -3800,7 +4548,7 @@
                 </a:tc>
                 <a:extLst>
                   <a:ext uri="{0D108BD9-81ED-4DB2-BD59-A6C34878D82A}">
-                    <a16:rowId xmlns:a16="http://schemas.microsoft.com/office/drawing/2014/main" val="10007"/>
+                    <a16:rowId xmlns:a16="http://schemas.microsoft.com/office/drawing/2014/main" val="10008"/>
                   </a:ext>
                 </a:extLst>
               </a:tr>
@@ -3810,10 +4558,21 @@
                     <a:bodyPr/>
                     <a:lstStyle/>
                     <a:p>
-                      <a:endParaRPr lang="en-US"/>
-                    </a:p>
-                  </a:txBody>
-                  <a:tcPr marL="0" marR="0" marT="57785" marB="0">
+                      <a:pPr marL="50800">
+                        <a:lnSpc>
+                          <a:spcPct val="100000"/>
+                        </a:lnSpc>
+                        <a:spcBef>
+                          <a:spcPts val="459"/>
+                        </a:spcBef>
+                      </a:pPr>
+                      <a:endParaRPr sz="900" dirty="0">
+                        <a:latin typeface="AdobeClean-Light"/>
+                        <a:cs typeface="AdobeClean-Light"/>
+                      </a:endParaRPr>
+                    </a:p>
+                  </a:txBody>
+                  <a:tcPr marL="0" marR="0" marT="58419" marB="0">
                     <a:lnL w="12700">
                       <a:solidFill>
                         <a:srgbClr val="F0F0F0"/>
@@ -3844,18 +4603,18 @@
                           <a:spcPct val="100000"/>
                         </a:lnSpc>
                         <a:spcBef>
-                          <a:spcPts val="455"/>
+                          <a:spcPts val="459"/>
                         </a:spcBef>
                       </a:pPr>
                       <a:r>
-                        <a:rPr lang="en-US" sz="900" spc="0" dirty="0">
+                        <a:rPr sz="900" spc="0" dirty="0">
                           <a:solidFill>
                             <a:srgbClr val="020302"/>
                           </a:solidFill>
                           <a:latin typeface="AdobeClean-Light"/>
                           <a:cs typeface="AdobeClean-Light"/>
                         </a:rPr>
-                        <a:t>实时电话支持</a:t>
+                        <a:t>Escalation Management</a:t>
                       </a:r>
                       <a:endParaRPr sz="900" spc="0" dirty="0">
                         <a:latin typeface="AdobeClean-Light"/>
@@ -3863,7 +4622,7 @@
                       </a:endParaRPr>
                     </a:p>
                   </a:txBody>
-                  <a:tcPr marL="0" marR="0" marT="57785" marB="0">
+                  <a:tcPr marL="0" marR="0" marT="58419" marB="0">
                     <a:lnL w="12700">
                       <a:solidFill>
                         <a:srgbClr val="F0F0F0"/>
@@ -3889,228 +4648,8 @@
                         </a:lnSpc>
                       </a:pPr>
                       <a:endParaRPr sz="900" spc="0" dirty="0">
-                        <a:latin typeface="Times New Roman" panose="02020603050405020304"/>
-                        <a:cs typeface="Times New Roman" panose="02020603050405020304"/>
-                      </a:endParaRPr>
-                    </a:p>
-                  </a:txBody>
-                  <a:tcPr marL="0" marR="0" marT="0" marB="0">
-                    <a:lnL w="12700">
-                      <a:solidFill>
-                        <a:srgbClr val="F0F0F0"/>
-                      </a:solidFill>
-                      <a:prstDash val="solid"/>
-                    </a:lnL>
-                    <a:solidFill>
-                      <a:schemeClr val="bg1">
-                        <a:lumMod val="95000"/>
-                      </a:schemeClr>
-                    </a:solidFill>
-                  </a:tcPr>
-                </a:tc>
-                <a:tc gridSpan="2">
-                  <a:txBody>
-                    <a:bodyPr/>
-                    <a:lstStyle/>
-                    <a:p>
-                      <a:pPr algn="ctr">
-                        <a:lnSpc>
-                          <a:spcPct val="100000"/>
-                        </a:lnSpc>
-                        <a:spcBef>
-                          <a:spcPts val="465"/>
-                        </a:spcBef>
-                      </a:pPr>
-                      <a:r>
-                        <a:rPr lang="en-US" sz="900" spc="0" dirty="0">
-                          <a:solidFill>
-                            <a:srgbClr val="020302"/>
-                          </a:solidFill>
-                          <a:latin typeface="Wingdings" panose="05000000000000000000"/>
-                          <a:cs typeface="Wingdings" panose="05000000000000000000"/>
-                        </a:rPr>
-                        <a:t></a:t>
-                      </a:r>
-                      <a:endParaRPr sz="900" spc="0">
-                        <a:latin typeface="Wingdings" panose="05000000000000000000"/>
-                        <a:cs typeface="Wingdings" panose="05000000000000000000"/>
-                      </a:endParaRPr>
-                    </a:p>
-                  </a:txBody>
-                  <a:tcPr marL="0" marR="0" marT="59054" marB="0"/>
-                </a:tc>
-                <a:tc hMerge="1">
-                  <a:txBody>
-                    <a:bodyPr/>
-                    <a:lstStyle/>
-                    <a:p>
-                      <a:endParaRPr lang="en-US"/>
-                    </a:p>
-                  </a:txBody>
-                  <a:tcPr marL="0" marR="0" marT="59054" marB="0"/>
-                </a:tc>
-                <a:tc>
-                  <a:txBody>
-                    <a:bodyPr/>
-                    <a:lstStyle/>
-                    <a:p>
-                      <a:pPr algn="ctr">
-                        <a:lnSpc>
-                          <a:spcPct val="100000"/>
-                        </a:lnSpc>
-                        <a:spcBef>
-                          <a:spcPts val="465"/>
-                        </a:spcBef>
-                      </a:pPr>
-                      <a:r>
-                        <a:rPr lang="en-US" sz="900" spc="0" dirty="0">
-                          <a:solidFill>
-                            <a:srgbClr val="020302"/>
-                          </a:solidFill>
-                          <a:latin typeface="Wingdings" panose="05000000000000000000"/>
-                          <a:cs typeface="Wingdings" panose="05000000000000000000"/>
-                        </a:rPr>
-                        <a:t></a:t>
-                      </a:r>
-                      <a:endParaRPr sz="900" spc="0">
-                        <a:latin typeface="Wingdings" panose="05000000000000000000"/>
-                        <a:cs typeface="Wingdings" panose="05000000000000000000"/>
-                      </a:endParaRPr>
-                    </a:p>
-                  </a:txBody>
-                  <a:tcPr marL="0" marR="0" marT="59054" marB="0"/>
-                </a:tc>
-                <a:tc>
-                  <a:txBody>
-                    <a:bodyPr/>
-                    <a:lstStyle/>
-                    <a:p>
-                      <a:pPr algn="ctr">
-                        <a:lnSpc>
-                          <a:spcPct val="100000"/>
-                        </a:lnSpc>
-                        <a:spcBef>
-                          <a:spcPts val="465"/>
-                        </a:spcBef>
-                      </a:pPr>
-                      <a:r>
-                        <a:rPr lang="en-US" sz="900" spc="0" dirty="0">
-                          <a:solidFill>
-                            <a:srgbClr val="020302"/>
-                          </a:solidFill>
-                          <a:latin typeface="Wingdings" panose="05000000000000000000"/>
-                          <a:cs typeface="Wingdings" panose="05000000000000000000"/>
-                        </a:rPr>
-                        <a:t></a:t>
-                      </a:r>
-                      <a:endParaRPr sz="900" spc="0">
-                        <a:latin typeface="Wingdings" panose="05000000000000000000"/>
-                        <a:cs typeface="Wingdings" panose="05000000000000000000"/>
-                      </a:endParaRPr>
-                    </a:p>
-                  </a:txBody>
-                  <a:tcPr marL="0" marR="0" marT="59054" marB="0">
-                    <a:lnR w="12700">
-                      <a:solidFill>
-                        <a:srgbClr val="F0F0F0"/>
-                      </a:solidFill>
-                      <a:prstDash val="solid"/>
-                    </a:lnR>
-                  </a:tcPr>
-                </a:tc>
-                <a:extLst>
-                  <a:ext uri="{0D108BD9-81ED-4DB2-BD59-A6C34878D82A}">
-                    <a16:rowId xmlns:a16="http://schemas.microsoft.com/office/drawing/2014/main" val="10008"/>
-                  </a:ext>
-                </a:extLst>
-              </a:tr>
-              <a:tr h="264424">
-                <a:tc vMerge="1">
-                  <a:txBody>
-                    <a:bodyPr/>
-                    <a:lstStyle/>
-                    <a:p>
-                      <a:endParaRPr lang="en-US"/>
-                    </a:p>
-                  </a:txBody>
-                  <a:tcPr marL="0" marR="0" marT="58419" marB="0">
-                    <a:lnL w="12700">
-                      <a:solidFill>
-                        <a:srgbClr val="F0F0F0"/>
-                      </a:solidFill>
-                      <a:prstDash val="solid"/>
-                    </a:lnL>
-                    <a:lnR w="12700" cap="flat" cmpd="sng" algn="ctr">
-                      <a:solidFill>
-                        <a:srgbClr val="F0F0F0"/>
-                      </a:solidFill>
-                      <a:prstDash val="solid"/>
-                      <a:round/>
-                      <a:headEnd type="none" w="med" len="med"/>
-                      <a:tailEnd type="none" w="med" len="med"/>
-                    </a:lnR>
-                    <a:solidFill>
-                      <a:srgbClr val="7D7D7D"/>
-                    </a:solidFill>
-                  </a:tcPr>
-                </a:tc>
-                <a:tc>
-                  <a:txBody>
-                    <a:bodyPr/>
-                    <a:lstStyle/>
-                    <a:p>
-                      <a:pPr marL="50800">
-                        <a:lnSpc>
-                          <a:spcPct val="100000"/>
-                        </a:lnSpc>
-                        <a:spcBef>
-                          <a:spcPts val="460"/>
-                        </a:spcBef>
-                      </a:pPr>
-                      <a:r>
-                        <a:rPr lang="en-US" sz="900" spc="0" dirty="0">
-                          <a:solidFill>
-                            <a:srgbClr val="020302"/>
-                          </a:solidFill>
-                          <a:latin typeface="AdobeClean-Light"/>
-                          <a:cs typeface="AdobeClean-Light"/>
-                        </a:rPr>
-                        <a:t>上报管理</a:t>
-                      </a:r>
-                      <a:endParaRPr sz="900" spc="0" dirty="0">
-                        <a:latin typeface="AdobeClean-Light"/>
-                        <a:cs typeface="AdobeClean-Light"/>
-                      </a:endParaRPr>
-                    </a:p>
-                  </a:txBody>
-                  <a:tcPr marL="0" marR="0" marT="58419" marB="0">
-                    <a:lnL w="12700">
-                      <a:solidFill>
-                        <a:srgbClr val="F0F0F0"/>
-                      </a:solidFill>
-                      <a:prstDash val="solid"/>
-                    </a:lnL>
-                    <a:lnR w="12700">
-                      <a:solidFill>
-                        <a:srgbClr val="F0F0F0"/>
-                      </a:solidFill>
-                      <a:prstDash val="solid"/>
-                    </a:lnR>
-                  </a:tcPr>
-                </a:tc>
-                <a:tc>
-                  <a:txBody>
-                    <a:bodyPr/>
-                    <a:lstStyle/>
-                    <a:p>
-                      <a:pPr>
-                        <a:lnSpc>
-                          <a:spcPct val="100000"/>
-                        </a:lnSpc>
-                      </a:pPr>
-                      <a:endParaRPr sz="900" spc="0" dirty="0">
-                        <a:latin typeface="Times New Roman" panose="02020603050405020304"/>
-                        <a:cs typeface="Times New Roman" panose="02020603050405020304"/>
+                        <a:latin typeface="Times New Roman"/>
+                        <a:cs typeface="Times New Roman"/>
                       </a:endParaRPr>
                     </a:p>
                   </a:txBody>
@@ -4142,18 +4681,18 @@
                         </a:spcBef>
                       </a:pPr>
                       <a:r>
-                        <a:rPr lang="en-US" sz="900" spc="0" dirty="0">
+                        <a:rPr sz="900" spc="0" dirty="0">
                           <a:solidFill>
                             <a:srgbClr val="020302"/>
                           </a:solidFill>
-                          <a:latin typeface="Wingdings" panose="05000000000000000000"/>
-                          <a:cs typeface="Wingdings" panose="05000000000000000000"/>
+                          <a:latin typeface="Wingdings"/>
+                          <a:cs typeface="Wingdings"/>
                         </a:rPr>
                         <a:t></a:t>
                       </a:r>
                       <a:endParaRPr sz="900" spc="0" dirty="0">
-                        <a:latin typeface="Wingdings" panose="05000000000000000000"/>
-                        <a:cs typeface="Wingdings" panose="05000000000000000000"/>
+                        <a:latin typeface="Wingdings"/>
+                        <a:cs typeface="Wingdings"/>
                       </a:endParaRPr>
                     </a:p>
                   </a:txBody>
@@ -4164,7 +4703,18 @@
                     <a:bodyPr/>
                     <a:lstStyle/>
                     <a:p>
-                      <a:endParaRPr lang="en-US"/>
+                      <a:pPr algn="ctr">
+                        <a:lnSpc>
+                          <a:spcPct val="100000"/>
+                        </a:lnSpc>
+                        <a:spcBef>
+                          <a:spcPts val="470"/>
+                        </a:spcBef>
+                      </a:pPr>
+                      <a:endParaRPr sz="900">
+                        <a:latin typeface="Wingdings"/>
+                        <a:cs typeface="Wingdings"/>
+                      </a:endParaRPr>
                     </a:p>
                   </a:txBody>
                   <a:tcPr marL="0" marR="0" marT="59690" marB="0"/>
@@ -4183,18 +4733,18 @@
                         </a:spcBef>
                       </a:pPr>
                       <a:r>
-                        <a:rPr lang="en-US" sz="900" spc="0" dirty="0">
+                        <a:rPr sz="900" spc="0" dirty="0">
                           <a:solidFill>
                             <a:srgbClr val="020302"/>
                           </a:solidFill>
-                          <a:latin typeface="Wingdings" panose="05000000000000000000"/>
-                          <a:cs typeface="Wingdings" panose="05000000000000000000"/>
+                          <a:latin typeface="Wingdings"/>
+                          <a:cs typeface="Wingdings"/>
                         </a:rPr>
                         <a:t></a:t>
                       </a:r>
                       <a:endParaRPr sz="900" spc="0">
-                        <a:latin typeface="Wingdings" panose="05000000000000000000"/>
-                        <a:cs typeface="Wingdings" panose="05000000000000000000"/>
+                        <a:latin typeface="Wingdings"/>
+                        <a:cs typeface="Wingdings"/>
                       </a:endParaRPr>
                     </a:p>
                   </a:txBody>
@@ -4214,18 +4764,18 @@
                         </a:spcBef>
                       </a:pPr>
                       <a:r>
-                        <a:rPr lang="en-US" sz="900" spc="0" dirty="0">
+                        <a:rPr sz="900" spc="0" dirty="0">
                           <a:solidFill>
                             <a:srgbClr val="020302"/>
                           </a:solidFill>
-                          <a:latin typeface="Wingdings" panose="05000000000000000000"/>
-                          <a:cs typeface="Wingdings" panose="05000000000000000000"/>
+                          <a:latin typeface="Wingdings"/>
+                          <a:cs typeface="Wingdings"/>
                         </a:rPr>
                         <a:t></a:t>
                       </a:r>
                       <a:endParaRPr sz="900" spc="0" dirty="0">
-                        <a:latin typeface="Wingdings" panose="05000000000000000000"/>
-                        <a:cs typeface="Wingdings" panose="05000000000000000000"/>
+                        <a:latin typeface="Wingdings"/>
+                        <a:cs typeface="Wingdings"/>
                       </a:endParaRPr>
                     </a:p>
                   </a:txBody>
@@ -4250,7 +4800,18 @@
                     <a:bodyPr/>
                     <a:lstStyle/>
                     <a:p>
-                      <a:endParaRPr lang="en-US"/>
+                      <a:pPr marL="50800">
+                        <a:lnSpc>
+                          <a:spcPct val="100000"/>
+                        </a:lnSpc>
+                        <a:spcBef>
+                          <a:spcPts val="450"/>
+                        </a:spcBef>
+                      </a:pPr>
+                      <a:endParaRPr sz="900" dirty="0">
+                        <a:latin typeface="AdobeClean-Light"/>
+                        <a:cs typeface="AdobeClean-Light"/>
+                      </a:endParaRPr>
                     </a:p>
                   </a:txBody>
                   <a:tcPr marL="0" marR="0" marT="57150" marB="0">
@@ -4288,14 +4849,14 @@
                         </a:spcBef>
                       </a:pPr>
                       <a:r>
-                        <a:rPr lang="en-US" sz="900" spc="0" dirty="0">
+                        <a:rPr sz="900" spc="0" dirty="0">
                           <a:solidFill>
                             <a:srgbClr val="020302"/>
                           </a:solidFill>
                           <a:latin typeface="AdobeClean-Light"/>
                           <a:cs typeface="AdobeClean-Light"/>
                         </a:rPr>
-                        <a:t>每年服务审查次数</a:t>
+                        <a:t>Service Reviews  per Year</a:t>
                       </a:r>
                       <a:endParaRPr sz="900" spc="0" dirty="0">
                         <a:latin typeface="AdobeClean-Light"/>
@@ -4329,8 +4890,8 @@
                         </a:lnSpc>
                       </a:pPr>
                       <a:endParaRPr sz="900" spc="0" dirty="0">
-                        <a:latin typeface="Times New Roman" panose="02020603050405020304"/>
-                        <a:cs typeface="Times New Roman" panose="02020603050405020304"/>
+                        <a:latin typeface="Times New Roman"/>
+                        <a:cs typeface="Times New Roman"/>
                       </a:endParaRPr>
                     </a:p>
                   </a:txBody>
@@ -4359,8 +4920,8 @@
                         </a:lnSpc>
                       </a:pPr>
                       <a:endParaRPr sz="900" spc="0">
-                        <a:latin typeface="Times New Roman" panose="02020603050405020304"/>
-                        <a:cs typeface="Times New Roman" panose="02020603050405020304"/>
+                        <a:latin typeface="Times New Roman"/>
+                        <a:cs typeface="Times New Roman"/>
                       </a:endParaRPr>
                     </a:p>
                   </a:txBody>
@@ -4371,7 +4932,15 @@
                     <a:bodyPr/>
                     <a:lstStyle/>
                     <a:p>
-                      <a:endParaRPr lang="en-US"/>
+                      <a:pPr>
+                        <a:lnSpc>
+                          <a:spcPct val="100000"/>
+                        </a:lnSpc>
+                      </a:pPr>
+                      <a:endParaRPr sz="900">
+                        <a:latin typeface="Times New Roman"/>
+                        <a:cs typeface="Times New Roman"/>
+                      </a:endParaRPr>
                     </a:p>
                   </a:txBody>
                   <a:tcPr marL="0" marR="0" marT="0" marB="0"/>
@@ -4390,7 +4959,7 @@
                         </a:spcBef>
                       </a:pPr>
                       <a:r>
-                        <a:rPr lang="en-US" sz="900" spc="0" dirty="0">
+                        <a:rPr sz="900" spc="0" dirty="0">
                           <a:solidFill>
                             <a:srgbClr val="020302"/>
                           </a:solidFill>
@@ -4421,7 +4990,7 @@
                         </a:spcBef>
                       </a:pPr>
                       <a:r>
-                        <a:rPr lang="en-US" sz="900" spc="0" dirty="0">
+                        <a:rPr sz="900" spc="0" dirty="0">
                           <a:solidFill>
                             <a:srgbClr val="020302"/>
                           </a:solidFill>
@@ -4480,7 +5049,7 @@
                           <a:latin typeface="AdobeClean-Light"/>
                           <a:cs typeface="AdobeClean-Light"/>
                         </a:rPr>
-                        <a:t>每年专家讲座数</a:t>
+                        <a:t>Expert Sessions per Year</a:t>
                       </a:r>
                       <a:endParaRPr sz="900" spc="0" dirty="0">
                         <a:latin typeface="AdobeClean-Light"/>
@@ -4520,8 +5089,8 @@
                         </a:lnSpc>
                       </a:pPr>
                       <a:endParaRPr sz="900" spc="0" dirty="0">
-                        <a:latin typeface="Times New Roman" panose="02020603050405020304"/>
-                        <a:cs typeface="Times New Roman" panose="02020603050405020304"/>
+                        <a:latin typeface="Times New Roman"/>
+                        <a:cs typeface="Times New Roman"/>
                       </a:endParaRPr>
                     </a:p>
                   </a:txBody>
@@ -4553,8 +5122,8 @@
                         </a:lnSpc>
                       </a:pPr>
                       <a:endParaRPr sz="900" spc="0" dirty="0">
-                        <a:latin typeface="Times New Roman" panose="02020603050405020304"/>
-                        <a:cs typeface="Times New Roman" panose="02020603050405020304"/>
+                        <a:latin typeface="Times New Roman"/>
+                        <a:cs typeface="Times New Roman"/>
                       </a:endParaRPr>
                     </a:p>
                   </a:txBody>
@@ -4635,7 +5204,7 @@
                 </a:tc>
                 <a:extLst>
                   <a:ext uri="{0D108BD9-81ED-4DB2-BD59-A6C34878D82A}">
-                    <a16:rowId xmlns:a16="http://schemas.microsoft.com/office/drawing/2014/main" val="10011"/>
+                    <a16:rowId xmlns:a16="http://schemas.microsoft.com/office/drawing/2014/main" val="2737097922"/>
                   </a:ext>
                 </a:extLst>
               </a:tr>
@@ -4668,7 +5237,7 @@
                           <a:latin typeface="AdobeClean-Light"/>
                           <a:cs typeface="AdobeClean-Light"/>
                         </a:rPr>
-                        <a:t>案例审查</a:t>
+                        <a:t>Case Reviews</a:t>
                       </a:r>
                       <a:endParaRPr sz="900" spc="0" dirty="0">
                         <a:latin typeface="AdobeClean-Light"/>
@@ -4708,8 +5277,8 @@
                         </a:lnSpc>
                       </a:pPr>
                       <a:endParaRPr sz="900" spc="0" dirty="0">
-                        <a:latin typeface="Times New Roman" panose="02020603050405020304"/>
-                        <a:cs typeface="Times New Roman" panose="02020603050405020304"/>
+                        <a:latin typeface="Times New Roman"/>
+                        <a:cs typeface="Times New Roman"/>
                       </a:endParaRPr>
                     </a:p>
                   </a:txBody>
@@ -4741,8 +5310,8 @@
                         </a:lnSpc>
                       </a:pPr>
                       <a:endParaRPr sz="900" spc="0" dirty="0">
-                        <a:latin typeface="Times New Roman" panose="02020603050405020304"/>
-                        <a:cs typeface="Times New Roman" panose="02020603050405020304"/>
+                        <a:latin typeface="Times New Roman"/>
+                        <a:cs typeface="Times New Roman"/>
                       </a:endParaRPr>
                     </a:p>
                   </a:txBody>
@@ -4777,6 +5346,7 @@
                         <a:buSzTx/>
                         <a:buFontTx/>
                         <a:buNone/>
+                        <a:tabLst/>
                         <a:defRPr/>
                       </a:pPr>
                       <a:r>
@@ -4784,14 +5354,14 @@
                           <a:solidFill>
                             <a:srgbClr val="020302"/>
                           </a:solidFill>
-                          <a:latin typeface="Wingdings" panose="05000000000000000000"/>
-                          <a:cs typeface="Wingdings" panose="05000000000000000000"/>
+                          <a:latin typeface="Wingdings"/>
+                          <a:cs typeface="Wingdings"/>
                         </a:rPr>
                         <a:t></a:t>
                       </a:r>
                       <a:endParaRPr lang="en-US" sz="900" spc="0" dirty="0">
-                        <a:latin typeface="Wingdings" panose="05000000000000000000"/>
-                        <a:cs typeface="Wingdings" panose="05000000000000000000"/>
+                        <a:latin typeface="Wingdings"/>
+                        <a:cs typeface="Wingdings"/>
                       </a:endParaRPr>
                     </a:p>
                   </a:txBody>
@@ -4816,21 +5386,22 @@
                         <a:buSzTx/>
                         <a:buFontTx/>
                         <a:buNone/>
+                        <a:tabLst/>
                         <a:defRPr/>
                       </a:pPr>
                       <a:r>
-                        <a:rPr lang="en-US" sz="900" spc="0">
+                        <a:rPr lang="en-US" sz="900" spc="0" dirty="0">
                           <a:solidFill>
                             <a:srgbClr val="020302"/>
                           </a:solidFill>
-                          <a:latin typeface="Wingdings" panose="05000000000000000000"/>
-                          <a:cs typeface="Wingdings" panose="05000000000000000000"/>
+                          <a:latin typeface="Wingdings"/>
+                          <a:cs typeface="Wingdings"/>
                         </a:rPr>
                         <a:t></a:t>
                       </a:r>
                       <a:endParaRPr lang="en-US" sz="900" spc="0" dirty="0">
-                        <a:latin typeface="Wingdings" panose="05000000000000000000"/>
-                        <a:cs typeface="Wingdings" panose="05000000000000000000"/>
+                        <a:latin typeface="Wingdings"/>
+                        <a:cs typeface="Wingdings"/>
                       </a:endParaRPr>
                     </a:p>
                   </a:txBody>
@@ -4845,7 +5416,7 @@
                 </a:tc>
                 <a:extLst>
                   <a:ext uri="{0D108BD9-81ED-4DB2-BD59-A6C34878D82A}">
-                    <a16:rowId xmlns:a16="http://schemas.microsoft.com/office/drawing/2014/main" val="10012"/>
+                    <a16:rowId xmlns:a16="http://schemas.microsoft.com/office/drawing/2014/main" val="295226743"/>
                   </a:ext>
                 </a:extLst>
               </a:tr>
@@ -4855,7 +5426,18 @@
                     <a:bodyPr/>
                     <a:lstStyle/>
                     <a:p>
-                      <a:endParaRPr lang="en-US"/>
+                      <a:pPr marL="48895">
+                        <a:lnSpc>
+                          <a:spcPct val="100000"/>
+                        </a:lnSpc>
+                        <a:spcBef>
+                          <a:spcPts val="459"/>
+                        </a:spcBef>
+                      </a:pPr>
+                      <a:endParaRPr sz="900" dirty="0">
+                        <a:latin typeface="AdobeClean-Light"/>
+                        <a:cs typeface="AdobeClean-Light"/>
+                      </a:endParaRPr>
                     </a:p>
                   </a:txBody>
                   <a:tcPr marL="0" marR="0" marT="58419" marB="0">
@@ -4889,18 +5471,18 @@
                           <a:spcPct val="100000"/>
                         </a:lnSpc>
                         <a:spcBef>
-                          <a:spcPts val="460"/>
+                          <a:spcPts val="459"/>
                         </a:spcBef>
                       </a:pPr>
                       <a:r>
-                        <a:rPr lang="en-US" sz="900" spc="0" dirty="0">
+                        <a:rPr sz="900" spc="0" dirty="0">
                           <a:solidFill>
                             <a:srgbClr val="020302"/>
                           </a:solidFill>
                           <a:latin typeface="AdobeClean-Light"/>
                           <a:cs typeface="AdobeClean-Light"/>
                         </a:rPr>
-                        <a:t>事件管理</a:t>
+                        <a:t>Event Management</a:t>
                       </a:r>
                       <a:endParaRPr sz="900" spc="0" dirty="0">
                         <a:latin typeface="AdobeClean-Light"/>
@@ -4934,8 +5516,8 @@
                         </a:lnSpc>
                       </a:pPr>
                       <a:endParaRPr sz="900" spc="0" dirty="0">
-                        <a:latin typeface="Times New Roman" panose="02020603050405020304"/>
-                        <a:cs typeface="Times New Roman" panose="02020603050405020304"/>
+                        <a:latin typeface="Times New Roman"/>
+                        <a:cs typeface="Times New Roman"/>
                       </a:endParaRPr>
                     </a:p>
                   </a:txBody>
@@ -4964,8 +5546,8 @@
                         </a:lnSpc>
                       </a:pPr>
                       <a:endParaRPr sz="900" spc="0">
-                        <a:latin typeface="Times New Roman" panose="02020603050405020304"/>
-                        <a:cs typeface="Times New Roman" panose="02020603050405020304"/>
+                        <a:latin typeface="Times New Roman"/>
+                        <a:cs typeface="Times New Roman"/>
                       </a:endParaRPr>
                     </a:p>
                   </a:txBody>
@@ -4976,7 +5558,15 @@
                     <a:bodyPr/>
                     <a:lstStyle/>
                     <a:p>
-                      <a:endParaRPr lang="en-US"/>
+                      <a:pPr>
+                        <a:lnSpc>
+                          <a:spcPct val="100000"/>
+                        </a:lnSpc>
+                      </a:pPr>
+                      <a:endParaRPr sz="900">
+                        <a:latin typeface="Times New Roman"/>
+                        <a:cs typeface="Times New Roman"/>
+                      </a:endParaRPr>
                     </a:p>
                   </a:txBody>
                   <a:tcPr marL="0" marR="0" marT="0" marB="0"/>
@@ -4992,8 +5582,8 @@
                         </a:lnSpc>
                       </a:pPr>
                       <a:endParaRPr sz="900" spc="0" dirty="0">
-                        <a:latin typeface="Times New Roman" panose="02020603050405020304"/>
-                        <a:cs typeface="Times New Roman" panose="02020603050405020304"/>
+                        <a:latin typeface="Times New Roman"/>
+                        <a:cs typeface="Times New Roman"/>
                       </a:endParaRPr>
                     </a:p>
                   </a:txBody>
@@ -5013,18 +5603,18 @@
                         </a:spcBef>
                       </a:pPr>
                       <a:r>
-                        <a:rPr lang="en-US" sz="900" spc="0" dirty="0">
+                        <a:rPr sz="900" spc="0" dirty="0">
                           <a:solidFill>
                             <a:srgbClr val="020302"/>
                           </a:solidFill>
-                          <a:latin typeface="Wingdings" panose="05000000000000000000"/>
-                          <a:cs typeface="Wingdings" panose="05000000000000000000"/>
+                          <a:latin typeface="Wingdings"/>
+                          <a:cs typeface="Wingdings"/>
                         </a:rPr>
                         <a:t></a:t>
                       </a:r>
                       <a:endParaRPr sz="900" spc="0" dirty="0">
-                        <a:latin typeface="Wingdings" panose="05000000000000000000"/>
-                        <a:cs typeface="Wingdings" panose="05000000000000000000"/>
+                        <a:latin typeface="Wingdings"/>
+                        <a:cs typeface="Wingdings"/>
                       </a:endParaRPr>
                     </a:p>
                   </a:txBody>
@@ -5039,7 +5629,7 @@
                 </a:tc>
                 <a:extLst>
                   <a:ext uri="{0D108BD9-81ED-4DB2-BD59-A6C34878D82A}">
-                    <a16:rowId xmlns:a16="http://schemas.microsoft.com/office/drawing/2014/main" val="10013"/>
+                    <a16:rowId xmlns:a16="http://schemas.microsoft.com/office/drawing/2014/main" val="10011"/>
                   </a:ext>
                 </a:extLst>
               </a:tr>
@@ -5049,7 +5639,18 @@
                     <a:bodyPr/>
                     <a:lstStyle/>
                     <a:p>
-                      <a:endParaRPr lang="en-US"/>
+                      <a:pPr marL="48895">
+                        <a:lnSpc>
+                          <a:spcPct val="100000"/>
+                        </a:lnSpc>
+                        <a:spcBef>
+                          <a:spcPts val="465"/>
+                        </a:spcBef>
+                      </a:pPr>
+                      <a:endParaRPr sz="900" dirty="0">
+                        <a:latin typeface="AdobeClean-Light"/>
+                        <a:cs typeface="AdobeClean-Light"/>
+                      </a:endParaRPr>
                     </a:p>
                   </a:txBody>
                   <a:tcPr marL="0" marR="0" marT="59055" marB="0">
@@ -5096,6 +5697,16 @@
                         </a:spcBef>
                       </a:pPr>
                       <a:r>
+                        <a:rPr sz="900" spc="0" dirty="0">
+                          <a:solidFill>
+                            <a:srgbClr val="020302"/>
+                          </a:solidFill>
+                          <a:latin typeface="AdobeClean-Light"/>
+                          <a:cs typeface="AdobeClean-Light"/>
+                        </a:rPr>
+                        <a:t>Environment</a:t>
+                      </a:r>
+                      <a:r>
                         <a:rPr lang="en-US" sz="900" spc="0" dirty="0">
                           <a:solidFill>
                             <a:srgbClr val="020302"/>
@@ -5103,12 +5714,18 @@
                           <a:latin typeface="AdobeClean-Light"/>
                           <a:cs typeface="AdobeClean-Light"/>
                         </a:rPr>
-                        <a:t>环境审查、维护和监控，</a:t>
+                        <a:t> </a:t>
                       </a:r>
-                      <a:endParaRPr sz="900" spc="0" dirty="0">
-                        <a:latin typeface="AdobeClean-Light"/>
-                        <a:cs typeface="AdobeClean-Light"/>
-                      </a:endParaRPr>
+                      <a:r>
+                        <a:rPr sz="900" spc="0" dirty="0">
+                          <a:solidFill>
+                            <a:srgbClr val="020302"/>
+                          </a:solidFill>
+                          <a:latin typeface="AdobeClean-Light"/>
+                          <a:cs typeface="AdobeClean-Light"/>
+                        </a:rPr>
+                        <a:t>Review, Maintenance &amp; Monitoring</a:t>
+                      </a:r>
                     </a:p>
                   </a:txBody>
                   <a:tcPr marL="0" marR="0" marT="59055" marB="0">
@@ -5143,8 +5760,8 @@
                         </a:lnSpc>
                       </a:pPr>
                       <a:endParaRPr sz="900" spc="0" dirty="0">
-                        <a:latin typeface="Times New Roman" panose="02020603050405020304"/>
-                        <a:cs typeface="Times New Roman" panose="02020603050405020304"/>
+                        <a:latin typeface="Times New Roman"/>
+                        <a:cs typeface="Times New Roman"/>
                       </a:endParaRPr>
                     </a:p>
                   </a:txBody>
@@ -5176,8 +5793,8 @@
                         </a:lnSpc>
                       </a:pPr>
                       <a:endParaRPr sz="900" spc="0">
-                        <a:latin typeface="Times New Roman" panose="02020603050405020304"/>
-                        <a:cs typeface="Times New Roman" panose="02020603050405020304"/>
+                        <a:latin typeface="Times New Roman"/>
+                        <a:cs typeface="Times New Roman"/>
                       </a:endParaRPr>
                     </a:p>
                   </a:txBody>
@@ -5188,7 +5805,15 @@
                     <a:bodyPr/>
                     <a:lstStyle/>
                     <a:p>
-                      <a:endParaRPr lang="en-US"/>
+                      <a:pPr>
+                        <a:lnSpc>
+                          <a:spcPct val="100000"/>
+                        </a:lnSpc>
+                      </a:pPr>
+                      <a:endParaRPr sz="900">
+                        <a:latin typeface="Times New Roman"/>
+                        <a:cs typeface="Times New Roman"/>
+                      </a:endParaRPr>
                     </a:p>
                   </a:txBody>
                   <a:tcPr marL="0" marR="0" marT="0" marB="0"/>
@@ -5204,8 +5829,8 @@
                         </a:lnSpc>
                       </a:pPr>
                       <a:endParaRPr sz="900" spc="0">
-                        <a:latin typeface="Times New Roman" panose="02020603050405020304"/>
-                        <a:cs typeface="Times New Roman" panose="02020603050405020304"/>
+                        <a:latin typeface="Times New Roman"/>
+                        <a:cs typeface="Times New Roman"/>
                       </a:endParaRPr>
                     </a:p>
                   </a:txBody>
@@ -5225,18 +5850,18 @@
                         </a:spcBef>
                       </a:pPr>
                       <a:r>
-                        <a:rPr lang="en-US" sz="900" spc="0" dirty="0">
+                        <a:rPr sz="900" spc="0" dirty="0">
                           <a:solidFill>
                             <a:srgbClr val="020302"/>
                           </a:solidFill>
-                          <a:latin typeface="Wingdings" panose="05000000000000000000"/>
-                          <a:cs typeface="Wingdings" panose="05000000000000000000"/>
+                          <a:latin typeface="Wingdings"/>
+                          <a:cs typeface="Wingdings"/>
                         </a:rPr>
                         <a:t></a:t>
                       </a:r>
                       <a:endParaRPr sz="900" spc="0" dirty="0">
-                        <a:latin typeface="Wingdings" panose="05000000000000000000"/>
-                        <a:cs typeface="Wingdings" panose="05000000000000000000"/>
+                        <a:latin typeface="Wingdings"/>
+                        <a:cs typeface="Wingdings"/>
                       </a:endParaRPr>
                     </a:p>
                   </a:txBody>
@@ -5251,7 +5876,7 @@
                 </a:tc>
                 <a:extLst>
                   <a:ext uri="{0D108BD9-81ED-4DB2-BD59-A6C34878D82A}">
-                    <a16:rowId xmlns:a16="http://schemas.microsoft.com/office/drawing/2014/main" val="10014"/>
+                    <a16:rowId xmlns:a16="http://schemas.microsoft.com/office/drawing/2014/main" val="10012"/>
                   </a:ext>
                 </a:extLst>
               </a:tr>
@@ -5261,7 +5886,18 @@
                     <a:bodyPr/>
                     <a:lstStyle/>
                     <a:p>
-                      <a:endParaRPr lang="en-US"/>
+                      <a:pPr marL="49530">
+                        <a:lnSpc>
+                          <a:spcPct val="100000"/>
+                        </a:lnSpc>
+                        <a:spcBef>
+                          <a:spcPts val="500"/>
+                        </a:spcBef>
+                      </a:pPr>
+                      <a:endParaRPr sz="900" dirty="0">
+                        <a:latin typeface="AdobeClean-Light"/>
+                        <a:cs typeface="AdobeClean-Light"/>
+                      </a:endParaRPr>
                     </a:p>
                   </a:txBody>
                   <a:tcPr marL="0" marR="0" marT="63500" marB="0">
@@ -5299,14 +5935,14 @@
                         </a:spcBef>
                       </a:pPr>
                       <a:r>
-                        <a:rPr lang="en-US" sz="900" spc="0" dirty="0">
+                        <a:rPr sz="900" spc="0" dirty="0">
                           <a:solidFill>
                             <a:srgbClr val="020302"/>
                           </a:solidFill>
                           <a:latin typeface="AdobeClean-Light"/>
                           <a:cs typeface="AdobeClean-Light"/>
                         </a:rPr>
-                        <a:t>发布、迁移、升级和产品路线图审查</a:t>
+                        <a:t>Release, Migration, Upgrade &amp; Product Roadmap Review</a:t>
                       </a:r>
                       <a:endParaRPr sz="900" spc="0" dirty="0">
                         <a:latin typeface="AdobeClean-Light"/>
@@ -5340,8 +5976,8 @@
                         </a:lnSpc>
                       </a:pPr>
                       <a:endParaRPr sz="900" spc="0" dirty="0">
-                        <a:latin typeface="Times New Roman" panose="02020603050405020304"/>
-                        <a:cs typeface="Times New Roman" panose="02020603050405020304"/>
+                        <a:latin typeface="Times New Roman"/>
+                        <a:cs typeface="Times New Roman"/>
                       </a:endParaRPr>
                     </a:p>
                   </a:txBody>
@@ -5370,8 +6006,8 @@
                         </a:lnSpc>
                       </a:pPr>
                       <a:endParaRPr sz="900" spc="0">
-                        <a:latin typeface="Times New Roman" panose="02020603050405020304"/>
-                        <a:cs typeface="Times New Roman" panose="02020603050405020304"/>
+                        <a:latin typeface="Times New Roman"/>
+                        <a:cs typeface="Times New Roman"/>
                       </a:endParaRPr>
                     </a:p>
                   </a:txBody>
@@ -5382,7 +6018,15 @@
                     <a:bodyPr/>
                     <a:lstStyle/>
                     <a:p>
-                      <a:endParaRPr lang="en-US"/>
+                      <a:pPr>
+                        <a:lnSpc>
+                          <a:spcPct val="100000"/>
+                        </a:lnSpc>
+                      </a:pPr>
+                      <a:endParaRPr sz="900">
+                        <a:latin typeface="Times New Roman"/>
+                        <a:cs typeface="Times New Roman"/>
+                      </a:endParaRPr>
                     </a:p>
                   </a:txBody>
                   <a:tcPr marL="0" marR="0" marT="0" marB="0"/>
@@ -5398,8 +6042,8 @@
                         </a:lnSpc>
                       </a:pPr>
                       <a:endParaRPr sz="900" spc="0" dirty="0">
-                        <a:latin typeface="Times New Roman" panose="02020603050405020304"/>
-                        <a:cs typeface="Times New Roman" panose="02020603050405020304"/>
+                        <a:latin typeface="Times New Roman"/>
+                        <a:cs typeface="Times New Roman"/>
                       </a:endParaRPr>
                     </a:p>
                   </a:txBody>
@@ -5419,18 +6063,18 @@
                         </a:spcBef>
                       </a:pPr>
                       <a:r>
-                        <a:rPr lang="en-US" sz="900" spc="0" dirty="0">
+                        <a:rPr sz="900" spc="0" dirty="0">
                           <a:solidFill>
                             <a:srgbClr val="020302"/>
                           </a:solidFill>
-                          <a:latin typeface="Wingdings" panose="05000000000000000000"/>
-                          <a:cs typeface="Wingdings" panose="05000000000000000000"/>
+                          <a:latin typeface="Wingdings"/>
+                          <a:cs typeface="Wingdings"/>
                         </a:rPr>
                         <a:t></a:t>
                       </a:r>
                       <a:endParaRPr sz="900" spc="0">
-                        <a:latin typeface="Wingdings" panose="05000000000000000000"/>
-                        <a:cs typeface="Wingdings" panose="05000000000000000000"/>
+                        <a:latin typeface="Wingdings"/>
+                        <a:cs typeface="Wingdings"/>
                       </a:endParaRPr>
                     </a:p>
                   </a:txBody>
@@ -5445,7 +6089,7 @@
                 </a:tc>
                 <a:extLst>
                   <a:ext uri="{0D108BD9-81ED-4DB2-BD59-A6C34878D82A}">
-                    <a16:rowId xmlns:a16="http://schemas.microsoft.com/office/drawing/2014/main" val="10015"/>
+                    <a16:rowId xmlns:a16="http://schemas.microsoft.com/office/drawing/2014/main" val="10013"/>
                   </a:ext>
                 </a:extLst>
               </a:tr>
@@ -5455,7 +6099,18 @@
                     <a:bodyPr/>
                     <a:lstStyle/>
                     <a:p>
-                      <a:endParaRPr lang="en-US"/>
+                      <a:pPr marL="49530">
+                        <a:lnSpc>
+                          <a:spcPct val="100000"/>
+                        </a:lnSpc>
+                        <a:spcBef>
+                          <a:spcPts val="530"/>
+                        </a:spcBef>
+                      </a:pPr>
+                      <a:endParaRPr sz="900" dirty="0">
+                        <a:latin typeface="AdobeClean-Light"/>
+                        <a:cs typeface="AdobeClean-Light"/>
+                      </a:endParaRPr>
                     </a:p>
                   </a:txBody>
                   <a:tcPr marL="0" marR="0" marT="67310" marB="0">
@@ -5502,11 +6157,11 @@
                         </a:spcBef>
                       </a:pPr>
                       <a:r>
-                        <a:rPr lang="en-US" sz="900" spc="0" dirty="0">
+                        <a:rPr sz="900" spc="0" dirty="0">
                           <a:latin typeface="AdobeClean-Light"/>
                           <a:cs typeface="AdobeClean-Light"/>
                         </a:rPr>
-                        <a:t>云支持活动 - Experience Manager as Cloud</a:t>
+                        <a:t>Cloud Support Activities – Experience Manager as Cloud</a:t>
                       </a:r>
                     </a:p>
                   </a:txBody>
@@ -5542,8 +6197,8 @@
                         </a:lnSpc>
                       </a:pPr>
                       <a:endParaRPr sz="900" spc="0" dirty="0">
-                        <a:latin typeface="Times New Roman" panose="02020603050405020304"/>
-                        <a:cs typeface="Times New Roman" panose="02020603050405020304"/>
+                        <a:latin typeface="Times New Roman"/>
+                        <a:cs typeface="Times New Roman"/>
                       </a:endParaRPr>
                     </a:p>
                   </a:txBody>
@@ -5578,8 +6233,8 @@
                         </a:lnSpc>
                       </a:pPr>
                       <a:endParaRPr sz="900" spc="0" dirty="0">
-                        <a:latin typeface="Times New Roman" panose="02020603050405020304"/>
-                        <a:cs typeface="Times New Roman" panose="02020603050405020304"/>
+                        <a:latin typeface="Times New Roman"/>
+                        <a:cs typeface="Times New Roman"/>
                       </a:endParaRPr>
                     </a:p>
                   </a:txBody>
@@ -5597,7 +6252,15 @@
                     <a:bodyPr/>
                     <a:lstStyle/>
                     <a:p>
-                      <a:endParaRPr lang="en-US"/>
+                      <a:pPr>
+                        <a:lnSpc>
+                          <a:spcPct val="100000"/>
+                        </a:lnSpc>
+                      </a:pPr>
+                      <a:endParaRPr sz="900">
+                        <a:latin typeface="Times New Roman"/>
+                        <a:cs typeface="Times New Roman"/>
+                      </a:endParaRPr>
                     </a:p>
                   </a:txBody>
                   <a:tcPr marL="0" marR="0" marT="0" marB="0">
@@ -5626,18 +6289,18 @@
                         </a:spcBef>
                       </a:pPr>
                       <a:r>
-                        <a:rPr lang="en-US" sz="900" spc="0" dirty="0">
+                        <a:rPr sz="900" spc="0" dirty="0">
                           <a:solidFill>
                             <a:srgbClr val="020302"/>
                           </a:solidFill>
-                          <a:latin typeface="Wingdings" panose="05000000000000000000"/>
-                          <a:cs typeface="Wingdings" panose="05000000000000000000"/>
+                          <a:latin typeface="Wingdings"/>
+                          <a:cs typeface="Wingdings"/>
                         </a:rPr>
                         <a:t></a:t>
                       </a:r>
                       <a:endParaRPr sz="900" spc="0" dirty="0">
-                        <a:latin typeface="Wingdings" panose="05000000000000000000"/>
-                        <a:cs typeface="Wingdings" panose="05000000000000000000"/>
+                        <a:latin typeface="Wingdings"/>
+                        <a:cs typeface="Wingdings"/>
                       </a:endParaRPr>
                     </a:p>
                   </a:txBody>
@@ -5664,18 +6327,18 @@
                         </a:spcBef>
                       </a:pPr>
                       <a:r>
-                        <a:rPr lang="en-US" sz="900" spc="0" dirty="0">
+                        <a:rPr sz="900" spc="0" dirty="0">
                           <a:solidFill>
                             <a:srgbClr val="020302"/>
                           </a:solidFill>
-                          <a:latin typeface="Wingdings" panose="05000000000000000000"/>
-                          <a:cs typeface="Wingdings" panose="05000000000000000000"/>
+                          <a:latin typeface="Wingdings"/>
+                          <a:cs typeface="Wingdings"/>
                         </a:rPr>
                         <a:t></a:t>
                       </a:r>
                       <a:endParaRPr sz="900" spc="0" dirty="0">
-                        <a:latin typeface="Wingdings" panose="05000000000000000000"/>
-                        <a:cs typeface="Wingdings" panose="05000000000000000000"/>
+                        <a:latin typeface="Wingdings"/>
+                        <a:cs typeface="Wingdings"/>
                       </a:endParaRPr>
                     </a:p>
                   </a:txBody>
@@ -5696,7 +6359,7 @@
                 </a:tc>
                 <a:extLst>
                   <a:ext uri="{0D108BD9-81ED-4DB2-BD59-A6C34878D82A}">
-                    <a16:rowId xmlns:a16="http://schemas.microsoft.com/office/drawing/2014/main" val="10016"/>
+                    <a16:rowId xmlns:a16="http://schemas.microsoft.com/office/drawing/2014/main" val="10014"/>
                   </a:ext>
                 </a:extLst>
               </a:tr>
@@ -5722,7 +6385,7 @@
                           <a:latin typeface="Adobe Clean" panose="020B0503020404020204" pitchFamily="34" charset="0"/>
                           <a:cs typeface="AdobeClean-Light"/>
                         </a:rPr>
-                        <a:t>现场服务</a:t>
+                        <a:t>Field Services</a:t>
                       </a:r>
                       <a:endParaRPr sz="1000" b="1" i="0" spc="0" dirty="0">
                         <a:solidFill>
@@ -5783,6 +6446,16 @@
                         </a:spcBef>
                       </a:pPr>
                       <a:r>
+                        <a:rPr sz="900" spc="0" dirty="0">
+                          <a:solidFill>
+                            <a:srgbClr val="020302"/>
+                          </a:solidFill>
+                          <a:latin typeface="AdobeClean-Light"/>
+                          <a:cs typeface="AdobeClean-Light"/>
+                        </a:rPr>
+                        <a:t>Launch Advisory Services – First Year of </a:t>
+                      </a:r>
+                      <a:r>
                         <a:rPr lang="en-US" sz="900" spc="0" dirty="0">
                           <a:solidFill>
                             <a:srgbClr val="020302"/>
@@ -5790,7 +6463,17 @@
                           <a:latin typeface="AdobeClean-Light"/>
                           <a:cs typeface="AdobeClean-Light"/>
                         </a:rPr>
-                        <a:t>Launch Advisory Services – 新解决方案的第一年</a:t>
+                        <a:t>a </a:t>
+                      </a:r>
+                      <a:r>
+                        <a:rPr sz="900" spc="0" dirty="0">
+                          <a:solidFill>
+                            <a:srgbClr val="020302"/>
+                          </a:solidFill>
+                          <a:latin typeface="AdobeClean-Light"/>
+                          <a:cs typeface="AdobeClean-Light"/>
+                        </a:rPr>
+                        <a:t>new solution</a:t>
                       </a:r>
                       <a:endParaRPr sz="900" spc="0" dirty="0">
                         <a:latin typeface="AdobeClean-Light"/>
@@ -5807,11 +6490,11 @@
                         </a:spcBef>
                       </a:pPr>
                       <a:r>
-                        <a:rPr lang="en-US" sz="900" spc="0" dirty="0">
+                        <a:rPr sz="900" spc="0" dirty="0">
                           <a:latin typeface="AdobeClean-Light"/>
                           <a:cs typeface="AdobeClean-Light"/>
                         </a:rPr>
-                        <a:t>现场服务活动</a:t>
+                        <a:t>Field Service Activities</a:t>
                       </a:r>
                     </a:p>
                   </a:txBody>
@@ -5853,8 +6536,8 @@
                         </a:lnSpc>
                       </a:pPr>
                       <a:endParaRPr sz="900" spc="0" dirty="0">
-                        <a:latin typeface="Times New Roman" panose="02020603050405020304"/>
-                        <a:cs typeface="Times New Roman" panose="02020603050405020304"/>
+                        <a:latin typeface="Times New Roman"/>
+                        <a:cs typeface="Times New Roman"/>
                       </a:endParaRPr>
                     </a:p>
                   </a:txBody>
@@ -5889,8 +6572,8 @@
                         </a:lnSpc>
                       </a:pPr>
                       <a:endParaRPr sz="900" spc="0">
-                        <a:latin typeface="Times New Roman" panose="02020603050405020304"/>
-                        <a:cs typeface="Times New Roman" panose="02020603050405020304"/>
+                        <a:latin typeface="Times New Roman"/>
+                        <a:cs typeface="Times New Roman"/>
                       </a:endParaRPr>
                     </a:p>
                   </a:txBody>
@@ -5908,7 +6591,15 @@
                     <a:bodyPr/>
                     <a:lstStyle/>
                     <a:p>
-                      <a:endParaRPr lang="en-US"/>
+                      <a:pPr>
+                        <a:lnSpc>
+                          <a:spcPct val="100000"/>
+                        </a:lnSpc>
+                      </a:pPr>
+                      <a:endParaRPr sz="900">
+                        <a:latin typeface="Times New Roman"/>
+                        <a:cs typeface="Times New Roman"/>
+                      </a:endParaRPr>
                     </a:p>
                   </a:txBody>
                   <a:tcPr marL="0" marR="0" marT="0" marB="0">
@@ -5937,18 +6628,18 @@
                         </a:spcBef>
                       </a:pPr>
                       <a:r>
-                        <a:rPr lang="en-US" sz="900" spc="0" dirty="0">
+                        <a:rPr sz="900" spc="0" dirty="0">
                           <a:solidFill>
                             <a:srgbClr val="020302"/>
                           </a:solidFill>
-                          <a:latin typeface="Wingdings" panose="05000000000000000000"/>
-                          <a:cs typeface="Wingdings" panose="05000000000000000000"/>
+                          <a:latin typeface="Wingdings"/>
+                          <a:cs typeface="Wingdings"/>
                         </a:rPr>
                         <a:t></a:t>
                       </a:r>
                       <a:endParaRPr sz="900" spc="0">
-                        <a:latin typeface="Wingdings" panose="05000000000000000000"/>
-                        <a:cs typeface="Wingdings" panose="05000000000000000000"/>
+                        <a:latin typeface="Wingdings"/>
+                        <a:cs typeface="Wingdings"/>
                       </a:endParaRPr>
                     </a:p>
                   </a:txBody>
@@ -5975,18 +6666,18 @@
                         </a:spcBef>
                       </a:pPr>
                       <a:r>
-                        <a:rPr lang="en-US" sz="900" spc="0" dirty="0">
+                        <a:rPr sz="900" spc="0" dirty="0">
                           <a:solidFill>
                             <a:srgbClr val="020302"/>
                           </a:solidFill>
-                          <a:latin typeface="Wingdings" panose="05000000000000000000"/>
-                          <a:cs typeface="Wingdings" panose="05000000000000000000"/>
+                          <a:latin typeface="Wingdings"/>
+                          <a:cs typeface="Wingdings"/>
                         </a:rPr>
                         <a:t></a:t>
                       </a:r>
                       <a:endParaRPr sz="900" spc="0" dirty="0">
-                        <a:latin typeface="Wingdings" panose="05000000000000000000"/>
-                        <a:cs typeface="Wingdings" panose="05000000000000000000"/>
+                        <a:latin typeface="Wingdings"/>
+                        <a:cs typeface="Wingdings"/>
                       </a:endParaRPr>
                     </a:p>
                   </a:txBody>
@@ -6007,7 +6698,7 @@
                 </a:tc>
                 <a:extLst>
                   <a:ext uri="{0D108BD9-81ED-4DB2-BD59-A6C34878D82A}">
-                    <a16:rowId xmlns:a16="http://schemas.microsoft.com/office/drawing/2014/main" val="10017"/>
+                    <a16:rowId xmlns:a16="http://schemas.microsoft.com/office/drawing/2014/main" val="10015"/>
                   </a:ext>
                 </a:extLst>
               </a:tr>
@@ -6027,7 +6718,7 @@
                     <a:bodyPr/>
                     <a:lstStyle/>
                     <a:p>
-                      <a:endParaRPr lang="en-US"/>
+                      <a:endParaRPr/>
                     </a:p>
                   </a:txBody>
                   <a:tcPr marL="0" marR="0" marT="48260" marB="0">
@@ -6068,8 +6759,8 @@
                         </a:lnSpc>
                       </a:pPr>
                       <a:endParaRPr sz="900" spc="0" dirty="0">
-                        <a:latin typeface="Times New Roman" panose="02020603050405020304"/>
-                        <a:cs typeface="Times New Roman" panose="02020603050405020304"/>
+                        <a:latin typeface="Times New Roman"/>
+                        <a:cs typeface="Times New Roman"/>
                       </a:endParaRPr>
                     </a:p>
                   </a:txBody>
@@ -6104,8 +6795,8 @@
                         </a:lnSpc>
                       </a:pPr>
                       <a:endParaRPr sz="900" spc="0">
-                        <a:latin typeface="Times New Roman" panose="02020603050405020304"/>
-                        <a:cs typeface="Times New Roman" panose="02020603050405020304"/>
+                        <a:latin typeface="Times New Roman"/>
+                        <a:cs typeface="Times New Roman"/>
                       </a:endParaRPr>
                     </a:p>
                   </a:txBody>
@@ -6123,7 +6814,15 @@
                     <a:bodyPr/>
                     <a:lstStyle/>
                     <a:p>
-                      <a:endParaRPr lang="en-US"/>
+                      <a:pPr>
+                        <a:lnSpc>
+                          <a:spcPct val="100000"/>
+                        </a:lnSpc>
+                      </a:pPr>
+                      <a:endParaRPr sz="900">
+                        <a:latin typeface="Times New Roman"/>
+                        <a:cs typeface="Times New Roman"/>
+                      </a:endParaRPr>
                     </a:p>
                   </a:txBody>
                   <a:tcPr marL="0" marR="0" marT="0" marB="0">
@@ -6149,7 +6848,7 @@
                         </a:spcBef>
                       </a:pPr>
                       <a:r>
-                        <a:rPr lang="en-US" sz="900" spc="0" dirty="0">
+                        <a:rPr sz="900" spc="0" dirty="0">
                           <a:solidFill>
                             <a:srgbClr val="020302"/>
                           </a:solidFill>
@@ -6187,7 +6886,7 @@
                         </a:spcBef>
                       </a:pPr>
                       <a:r>
-                        <a:rPr lang="en-US" sz="900" spc="0" dirty="0">
+                        <a:rPr sz="900" spc="0" dirty="0">
                           <a:solidFill>
                             <a:srgbClr val="020302"/>
                           </a:solidFill>
@@ -6219,7 +6918,7 @@
                 </a:tc>
                 <a:extLst>
                   <a:ext uri="{0D108BD9-81ED-4DB2-BD59-A6C34878D82A}">
-                    <a16:rowId xmlns:a16="http://schemas.microsoft.com/office/drawing/2014/main" val="10018"/>
+                    <a16:rowId xmlns:a16="http://schemas.microsoft.com/office/drawing/2014/main" val="10016"/>
                   </a:ext>
                 </a:extLst>
               </a:tr>
@@ -6240,7 +6939,7 @@
         <p:spPr>
           <a:xfrm>
             <a:off x="5307201" y="9862966"/>
-            <a:ext cx="2693799" cy="132729"/>
+            <a:ext cx="2270125" cy="132729"/>
           </a:xfrm>
           <a:prstGeom prst="rect">
             <a:avLst/>
@@ -6261,15 +6960,23 @@
               </a:spcBef>
             </a:pPr>
             <a:r>
+              <a:rPr spc="-5" dirty="0"/>
+              <a:t>©202</a:t>
+            </a:r>
+            <a:r>
               <a:rPr lang="en-US" spc="-5" dirty="0"/>
-              <a:t>©2021 Adobe.All Rights Reserved.Adobe</a:t>
-            </a:r>
-            <a:r>
-              <a:rPr lang="en-US" spc="60" dirty="0"/>
+              <a:t>1</a:t>
+            </a:r>
+            <a:r>
+              <a:rPr spc="-5" dirty="0"/>
+              <a:t> Adobe. All Rights Reserved. Adobe</a:t>
+            </a:r>
+            <a:r>
+              <a:rPr spc="60" dirty="0"/>
               <a:t> </a:t>
             </a:r>
             <a:r>
-              <a:rPr lang="en-US" spc="-5" dirty="0"/>
+              <a:rPr spc="-5" dirty="0"/>
               <a:t>Confidential.</a:t>
             </a:r>
           </a:p>
@@ -6284,14 +6991,14 @@
           <p:nvPr>
             <p:extLst>
               <p:ext uri="{D42A27DB-BD31-4B8C-83A1-F6EECF244321}">
-                <p14:modId xmlns:p14="http://schemas.microsoft.com/office/powerpoint/2010/main" val="893930338"/>
+                <p14:modId xmlns:p14="http://schemas.microsoft.com/office/powerpoint/2010/main" val="4081524108"/>
               </p:ext>
             </p:extLst>
           </p:nvPr>
         </p:nvGraphicFramePr>
         <p:xfrm>
           <a:off x="33527" y="7483227"/>
-          <a:ext cx="7705343" cy="2088582"/>
+          <a:ext cx="7705343" cy="2172787"/>
         </p:xfrm>
         <a:graphic>
           <a:graphicData uri="http://schemas.openxmlformats.org/drawingml/2006/table">
@@ -6351,14 +7058,14 @@
                         </a:spcBef>
                       </a:pPr>
                       <a:r>
-                        <a:rPr lang="en-US" sz="900" spc="0" dirty="0">
+                        <a:rPr sz="900" spc="0" dirty="0">
                           <a:solidFill>
                             <a:srgbClr val="020302"/>
                           </a:solidFill>
                           <a:latin typeface="Adobe Clean"/>
                           <a:cs typeface="Adobe Clean"/>
                         </a:rPr>
-                        <a:t>优先级</a:t>
+                        <a:t>Priority</a:t>
                       </a:r>
                       <a:endParaRPr sz="900" spc="0" dirty="0">
                         <a:latin typeface="Adobe Clean"/>
@@ -6410,6 +7117,16 @@
                         </a:spcBef>
                       </a:pPr>
                       <a:r>
+                        <a:rPr sz="900" spc="0" dirty="0">
+                          <a:solidFill>
+                            <a:srgbClr val="020302"/>
+                          </a:solidFill>
+                          <a:latin typeface="Adobe Clean"/>
+                          <a:cs typeface="Adobe Clean"/>
+                        </a:rPr>
+                        <a:t>Online </a:t>
+                      </a:r>
+                      <a:r>
                         <a:rPr lang="en-US" sz="900" spc="0" dirty="0">
                           <a:solidFill>
                             <a:srgbClr val="020302"/>
@@ -6417,7 +7134,17 @@
                           <a:latin typeface="Adobe Clean"/>
                           <a:cs typeface="Adobe Clean"/>
                         </a:rPr>
-                        <a:t>在线支持</a:t>
+                        <a:t> </a:t>
+                      </a:r>
+                      <a:r>
+                        <a:rPr sz="900" spc="0" dirty="0">
+                          <a:solidFill>
+                            <a:srgbClr val="020302"/>
+                          </a:solidFill>
+                          <a:latin typeface="Adobe Clean"/>
+                          <a:cs typeface="Adobe Clean"/>
+                        </a:rPr>
+                        <a:t>Support</a:t>
                       </a:r>
                       <a:endParaRPr sz="900" spc="0" dirty="0">
                         <a:latin typeface="Adobe Clean"/>
@@ -6444,11 +7171,14 @@
                       </a:solidFill>
                       <a:prstDash val="solid"/>
                     </a:lnT>
-                    <a:lnB w="76200">
+                    <a:lnB w="76200" cap="flat" cmpd="sng" algn="ctr">
                       <a:solidFill>
                         <a:srgbClr val="858585"/>
                       </a:solidFill>
                       <a:prstDash val="solid"/>
+                      <a:round/>
+                      <a:headEnd type="none" w="med" len="med"/>
+                      <a:tailEnd type="none" w="med" len="med"/>
                     </a:lnB>
                     <a:solidFill>
                       <a:srgbClr val="D9D9D9"/>
@@ -6469,6 +7199,16 @@
                         </a:spcBef>
                       </a:pPr>
                       <a:r>
+                        <a:rPr sz="900" spc="0" dirty="0">
+                          <a:solidFill>
+                            <a:srgbClr val="FFFFFF"/>
+                          </a:solidFill>
+                          <a:latin typeface="Adobe Clean"/>
+                          <a:cs typeface="Adobe Clean"/>
+                        </a:rPr>
+                        <a:t>Business</a:t>
+                      </a:r>
+                      <a:r>
                         <a:rPr lang="en-US" sz="900" spc="0" dirty="0">
                           <a:solidFill>
                             <a:srgbClr val="FFFFFF"/>
@@ -6476,7 +7216,17 @@
                           <a:latin typeface="Adobe Clean"/>
                           <a:cs typeface="Adobe Clean"/>
                         </a:rPr>
-                        <a:t>商业支持</a:t>
+                        <a:t> </a:t>
+                      </a:r>
+                      <a:r>
+                        <a:rPr sz="900" spc="0" dirty="0">
+                          <a:solidFill>
+                            <a:srgbClr val="FFFFFF"/>
+                          </a:solidFill>
+                          <a:latin typeface="Adobe Clean"/>
+                          <a:cs typeface="Adobe Clean"/>
+                        </a:rPr>
+                        <a:t>Support</a:t>
                       </a:r>
                       <a:endParaRPr sz="900" spc="0" dirty="0">
                         <a:latin typeface="Adobe Clean"/>
@@ -6503,11 +7253,14 @@
                       </a:solidFill>
                       <a:prstDash val="solid"/>
                     </a:lnT>
-                    <a:lnB w="76200">
+                    <a:lnB w="76200" cap="flat" cmpd="sng" algn="ctr">
                       <a:solidFill>
                         <a:srgbClr val="ACD2FF"/>
                       </a:solidFill>
                       <a:prstDash val="solid"/>
+                      <a:round/>
+                      <a:headEnd type="none" w="med" len="med"/>
+                      <a:tailEnd type="none" w="med" len="med"/>
                     </a:lnB>
                     <a:solidFill>
                       <a:srgbClr val="7D7D7D"/>
@@ -6528,6 +7281,16 @@
                         </a:spcBef>
                       </a:pPr>
                       <a:r>
+                        <a:rPr sz="900" spc="0" dirty="0">
+                          <a:solidFill>
+                            <a:srgbClr val="FFFFFF"/>
+                          </a:solidFill>
+                          <a:latin typeface="Adobe Clean"/>
+                          <a:cs typeface="Adobe Clean"/>
+                        </a:rPr>
+                        <a:t>Enterprise </a:t>
+                      </a:r>
+                      <a:r>
                         <a:rPr lang="en-US" sz="900" spc="0" dirty="0">
                           <a:solidFill>
                             <a:srgbClr val="FFFFFF"/>
@@ -6535,7 +7298,17 @@
                           <a:latin typeface="Adobe Clean"/>
                           <a:cs typeface="Adobe Clean"/>
                         </a:rPr>
-                        <a:t>企业支持</a:t>
+                        <a:t> </a:t>
+                      </a:r>
+                      <a:r>
+                        <a:rPr sz="900" spc="0" dirty="0">
+                          <a:solidFill>
+                            <a:srgbClr val="FFFFFF"/>
+                          </a:solidFill>
+                          <a:latin typeface="Adobe Clean"/>
+                          <a:cs typeface="Adobe Clean"/>
+                        </a:rPr>
+                        <a:t>Support</a:t>
                       </a:r>
                       <a:endParaRPr sz="900" spc="0" dirty="0">
                         <a:latin typeface="Adobe Clean"/>
@@ -6562,11 +7335,14 @@
                       </a:solidFill>
                       <a:prstDash val="solid"/>
                     </a:lnT>
-                    <a:lnB w="76200">
+                    <a:lnB w="76200" cap="flat" cmpd="sng" algn="ctr">
                       <a:solidFill>
                         <a:srgbClr val="2E8FFF"/>
                       </a:solidFill>
                       <a:prstDash val="solid"/>
+                      <a:round/>
+                      <a:headEnd type="none" w="med" len="med"/>
+                      <a:tailEnd type="none" w="med" len="med"/>
                     </a:lnB>
                     <a:solidFill>
                       <a:srgbClr val="404040"/>
@@ -6587,6 +7363,16 @@
                         </a:spcBef>
                       </a:pPr>
                       <a:r>
+                        <a:rPr sz="900" spc="0" dirty="0">
+                          <a:solidFill>
+                            <a:srgbClr val="FFFFFF"/>
+                          </a:solidFill>
+                          <a:latin typeface="Adobe Clean"/>
+                          <a:cs typeface="Adobe Clean"/>
+                        </a:rPr>
+                        <a:t>Elite</a:t>
+                      </a:r>
+                      <a:r>
                         <a:rPr lang="en-US" sz="900" spc="0" dirty="0">
                           <a:solidFill>
                             <a:srgbClr val="FFFFFF"/>
@@ -6594,7 +7380,17 @@
                           <a:latin typeface="Adobe Clean"/>
                           <a:cs typeface="Adobe Clean"/>
                         </a:rPr>
-                        <a:t>高级支持</a:t>
+                        <a:t> </a:t>
+                      </a:r>
+                      <a:r>
+                        <a:rPr sz="900" spc="0" dirty="0">
+                          <a:solidFill>
+                            <a:srgbClr val="FFFFFF"/>
+                          </a:solidFill>
+                          <a:latin typeface="Adobe Clean"/>
+                          <a:cs typeface="Adobe Clean"/>
+                        </a:rPr>
+                        <a:t>Support</a:t>
                       </a:r>
                       <a:endParaRPr sz="900" spc="0" dirty="0">
                         <a:latin typeface="Adobe Clean"/>
@@ -6621,11 +7417,14 @@
                       </a:solidFill>
                       <a:prstDash val="solid"/>
                     </a:lnT>
-                    <a:lnB w="76200">
+                    <a:lnB w="76200" cap="flat" cmpd="sng" algn="ctr">
                       <a:solidFill>
                         <a:srgbClr val="0068E1"/>
                       </a:solidFill>
                       <a:prstDash val="solid"/>
+                      <a:round/>
+                      <a:headEnd type="none" w="med" len="med"/>
+                      <a:tailEnd type="none" w="med" len="med"/>
                     </a:lnB>
                     <a:solidFill>
                       <a:srgbClr val="000000"/>
@@ -6653,14 +7452,14 @@
                         </a:spcBef>
                       </a:pPr>
                       <a:r>
-                        <a:rPr lang="en-US" sz="900" b="1" spc="0" dirty="0">
+                        <a:rPr sz="900" b="1" spc="0" dirty="0">
                           <a:solidFill>
                             <a:srgbClr val="020302"/>
                           </a:solidFill>
                           <a:latin typeface="Adobe Clean"/>
                           <a:cs typeface="Adobe Clean"/>
                         </a:rPr>
-                        <a:t>优先级 1</a:t>
+                        <a:t>PRIORITY 1</a:t>
                       </a:r>
                       <a:endParaRPr sz="900" spc="0" dirty="0">
                         <a:latin typeface="Adobe Clean"/>
@@ -6684,7 +7483,7 @@
                           <a:effectLst/>
                           <a:latin typeface="Adobe Clean Light" panose="020B0303020404020204" pitchFamily="34" charset="0"/>
                         </a:rPr>
-                        <a:t>客户的生产业务功能中断或发生重大数据丢失或服务降级，需要立即关注以恢复功能和可用性。</a:t>
+                        <a:t>Customer's production business functions are down or have significant data loss or service degradation and immediate attention is required to restore functionality and usability. </a:t>
                       </a:r>
                       <a:endParaRPr sz="900" spc="0" dirty="0">
                         <a:latin typeface="AdobeClean-Light"/>
@@ -6699,11 +7498,14 @@
                       </a:solidFill>
                       <a:prstDash val="solid"/>
                     </a:lnL>
-                    <a:lnR w="3175">
+                    <a:lnR w="3175" cap="flat" cmpd="sng" algn="ctr">
                       <a:solidFill>
                         <a:srgbClr val="B7B8B8"/>
                       </a:solidFill>
                       <a:prstDash val="solid"/>
+                      <a:round/>
+                      <a:headEnd type="none" w="med" len="med"/>
+                      <a:tailEnd type="none" w="med" len="med"/>
                     </a:lnR>
                     <a:lnT w="3175">
                       <a:solidFill>
@@ -6724,31 +7526,20 @@
                     <a:bodyPr/>
                     <a:lstStyle/>
                     <a:p>
-                      <a:pPr marL="0" marR="325120" indent="-3810" algn="ctr">
-                        <a:lnSpc>
-                          <a:spcPct val="100000"/>
-                        </a:lnSpc>
-                        <a:spcBef>
-                          <a:spcPts val="670"/>
-                        </a:spcBef>
-                      </a:pPr>
+                      <a:pPr algn="ctr" fontAlgn="t"/>
                       <a:r>
-                        <a:rPr lang="en-US" sz="900" spc="0" dirty="0">
+                        <a:rPr lang="en-US" sz="900" b="0" i="0" u="none" strike="noStrike">
                           <a:solidFill>
                             <a:srgbClr val="020302"/>
                           </a:solidFill>
-                          <a:latin typeface="AdobeClean-Light"/>
-                          <a:cs typeface="AdobeClean-Light"/>
+                          <a:effectLst/>
+                          <a:latin typeface="AdobeClean-Light" panose="020B0503020404020204" pitchFamily="34" charset="0"/>
                         </a:rPr>
-                        <a:t>全天候/1 小时</a:t>
+                        <a:t>24x7 / 1 hour</a:t>
                       </a:r>
-                      <a:endParaRPr sz="900" spc="0" dirty="0">
-                        <a:latin typeface="AdobeClean-Light"/>
-                        <a:cs typeface="AdobeClean-Light"/>
-                      </a:endParaRPr>
-                    </a:p>
-                  </a:txBody>
-                  <a:tcPr marL="0" marR="0" marT="0" marB="0" anchor="ctr">
+                    </a:p>
+                  </a:txBody>
+                  <a:tcPr marL="9525" marR="9525" marT="9525" marB="0" anchor="ctr">
                     <a:lnL w="3175">
                       <a:solidFill>
                         <a:srgbClr val="B7B8B8"/>
@@ -6780,31 +7571,20 @@
                     <a:bodyPr/>
                     <a:lstStyle/>
                     <a:p>
-                      <a:pPr marL="0" marR="325755" indent="-3810" algn="ctr">
-                        <a:lnSpc>
-                          <a:spcPct val="100000"/>
-                        </a:lnSpc>
-                        <a:spcBef>
-                          <a:spcPts val="670"/>
-                        </a:spcBef>
-                      </a:pPr>
+                      <a:pPr algn="ctr" fontAlgn="t"/>
                       <a:r>
-                        <a:rPr lang="en-US" sz="900" spc="0" dirty="0">
+                        <a:rPr lang="en-US" sz="900" b="0" i="0" u="none" strike="noStrike">
                           <a:solidFill>
                             <a:srgbClr val="020302"/>
                           </a:solidFill>
-                          <a:latin typeface="AdobeClean-Light"/>
-                          <a:cs typeface="AdobeClean-Light"/>
+                          <a:effectLst/>
+                          <a:latin typeface="AdobeClean-Light" panose="020B0503020404020204" pitchFamily="34" charset="0"/>
                         </a:rPr>
-                        <a:t>全天候/1 小时</a:t>
+                        <a:t>24x7 / 1 hour</a:t>
                       </a:r>
-                      <a:endParaRPr sz="900" spc="0" dirty="0">
-                        <a:latin typeface="AdobeClean-Light"/>
-                        <a:cs typeface="AdobeClean-Light"/>
-                      </a:endParaRPr>
-                    </a:p>
-                  </a:txBody>
-                  <a:tcPr marL="0" marR="0" marT="0" marB="0" anchor="ctr">
+                    </a:p>
+                  </a:txBody>
+                  <a:tcPr marL="9525" marR="9525" marT="9525" marB="0" anchor="ctr">
                     <a:lnL w="3175">
                       <a:solidFill>
                         <a:srgbClr val="B7B8B8"/>
@@ -6836,31 +7616,20 @@
                     <a:bodyPr/>
                     <a:lstStyle/>
                     <a:p>
-                      <a:pPr marL="0" marR="258445" indent="115570" algn="ctr">
-                        <a:lnSpc>
-                          <a:spcPct val="100000"/>
-                        </a:lnSpc>
-                        <a:spcBef>
-                          <a:spcPts val="670"/>
-                        </a:spcBef>
-                      </a:pPr>
+                      <a:pPr algn="ctr" fontAlgn="t"/>
                       <a:r>
-                        <a:rPr lang="en-US" sz="900" spc="0" dirty="0">
+                        <a:rPr lang="en-US" sz="900" b="0" i="0" u="none" strike="noStrike">
                           <a:solidFill>
                             <a:srgbClr val="020302"/>
                           </a:solidFill>
-                          <a:latin typeface="AdobeClean-Light"/>
-                          <a:cs typeface="AdobeClean-Light"/>
+                          <a:effectLst/>
+                          <a:latin typeface="AdobeClean-Light" panose="020B0503020404020204" pitchFamily="34" charset="0"/>
                         </a:rPr>
-                        <a:t>全天候/30 分钟</a:t>
+                        <a:t>24x7 / 30 minutes</a:t>
                       </a:r>
-                      <a:endParaRPr sz="900" spc="0" dirty="0">
-                        <a:latin typeface="AdobeClean-Light"/>
-                        <a:cs typeface="AdobeClean-Light"/>
-                      </a:endParaRPr>
-                    </a:p>
-                  </a:txBody>
-                  <a:tcPr marL="0" marR="0" marT="0" marB="0" anchor="ctr">
+                    </a:p>
+                  </a:txBody>
+                  <a:tcPr marL="9525" marR="9525" marT="9525" marB="0" anchor="ctr">
                     <a:lnL w="3175">
                       <a:solidFill>
                         <a:srgbClr val="B7B8B8"/>
@@ -6892,31 +7661,20 @@
                     <a:bodyPr/>
                     <a:lstStyle/>
                     <a:p>
-                      <a:pPr marL="0" marR="271780" indent="103505" algn="ctr">
-                        <a:lnSpc>
-                          <a:spcPct val="100000"/>
-                        </a:lnSpc>
-                        <a:spcBef>
-                          <a:spcPts val="670"/>
-                        </a:spcBef>
-                      </a:pPr>
+                      <a:pPr algn="ctr" fontAlgn="t"/>
                       <a:r>
-                        <a:rPr lang="en-US" sz="900" spc="0" dirty="0">
+                        <a:rPr lang="en-US" sz="900" b="0" i="0" u="none" strike="noStrike">
                           <a:solidFill>
                             <a:srgbClr val="020302"/>
                           </a:solidFill>
-                          <a:latin typeface="AdobeClean-Light"/>
-                          <a:cs typeface="AdobeClean-Light"/>
+                          <a:effectLst/>
+                          <a:latin typeface="AdobeClean-Light" panose="020B0503020404020204" pitchFamily="34" charset="0"/>
                         </a:rPr>
-                        <a:t>全天候/15 分钟</a:t>
+                        <a:t>24x7 / 15 minutes</a:t>
                       </a:r>
-                      <a:endParaRPr sz="900" spc="0" dirty="0">
-                        <a:latin typeface="AdobeClean-Light"/>
-                        <a:cs typeface="AdobeClean-Light"/>
-                      </a:endParaRPr>
-                    </a:p>
-                  </a:txBody>
-                  <a:tcPr marL="0" marR="0" marT="0" marB="0" anchor="ctr">
+                    </a:p>
+                  </a:txBody>
+                  <a:tcPr marL="9525" marR="9525" marT="9525" marB="0" anchor="ctr">
                     <a:lnL w="3175">
                       <a:solidFill>
                         <a:srgbClr val="B7B8B8"/>
@@ -6964,14 +7722,14 @@
                         </a:spcBef>
                       </a:pPr>
                       <a:r>
-                        <a:rPr lang="en-US" sz="900" b="1" spc="0" dirty="0">
+                        <a:rPr sz="900" b="1" spc="0" dirty="0">
                           <a:solidFill>
                             <a:srgbClr val="020302"/>
                           </a:solidFill>
                           <a:latin typeface="Adobe Clean"/>
                           <a:cs typeface="Adobe Clean"/>
                         </a:rPr>
-                        <a:t>优先级 2</a:t>
+                        <a:t>PRIORITY 2</a:t>
                       </a:r>
                       <a:endParaRPr sz="900" spc="0" dirty="0">
                         <a:latin typeface="Adobe Clean"/>
@@ -6993,6 +7751,7 @@
                         <a:buSzTx/>
                         <a:buFontTx/>
                         <a:buNone/>
+                        <a:tabLst/>
                         <a:defRPr/>
                       </a:pPr>
                       <a:r>
@@ -7003,7 +7762,7 @@
                           <a:effectLst/>
                           <a:latin typeface="Adobe Clean Light" panose="020B0303020404020204" pitchFamily="34" charset="0"/>
                         </a:rPr>
-                        <a:t>客户的业务功能发生重大服务降级或潜在数据丢失，或主要功能受到影响</a:t>
+                        <a:t>Customer's business functions have major service degradation or potential data loss, or a major feature is impacted </a:t>
                       </a:r>
                       <a:endParaRPr sz="900" b="0" i="0" spc="0" dirty="0">
                         <a:latin typeface="Adobe Clean Light" panose="020B0303020404020204" pitchFamily="34" charset="0"/>
@@ -7018,11 +7777,14 @@
                       </a:solidFill>
                       <a:prstDash val="solid"/>
                     </a:lnL>
-                    <a:lnR w="3175">
+                    <a:lnR w="3175" cap="flat" cmpd="sng" algn="ctr">
                       <a:solidFill>
                         <a:srgbClr val="B7B8B8"/>
                       </a:solidFill>
                       <a:prstDash val="solid"/>
+                      <a:round/>
+                      <a:headEnd type="none" w="med" len="med"/>
+                      <a:tailEnd type="none" w="med" len="med"/>
                     </a:lnR>
                     <a:lnT w="3175">
                       <a:solidFill>
@@ -7043,31 +7805,20 @@
                     <a:bodyPr/>
                     <a:lstStyle/>
                     <a:p>
-                      <a:pPr marL="0" marR="184785" indent="-193675" algn="ctr">
-                        <a:lnSpc>
-                          <a:spcPct val="100000"/>
-                        </a:lnSpc>
-                        <a:spcBef>
-                          <a:spcPts val="670"/>
-                        </a:spcBef>
-                      </a:pPr>
+                      <a:pPr algn="ctr" fontAlgn="t"/>
                       <a:r>
-                        <a:rPr lang="en-US" sz="900" spc="0" dirty="0">
+                        <a:rPr lang="en-US" sz="900" b="0" i="0" u="none" strike="noStrike">
                           <a:solidFill>
                             <a:srgbClr val="020302"/>
                           </a:solidFill>
-                          <a:latin typeface="AdobeClean-Light"/>
-                          <a:cs typeface="AdobeClean-Light"/>
+                          <a:effectLst/>
+                          <a:latin typeface="AdobeClean-Light" panose="020B0503020404020204" pitchFamily="34" charset="0"/>
                         </a:rPr>
-                        <a:t>营业时间/4 小时</a:t>
+                        <a:t>Business hours / 4 hours</a:t>
                       </a:r>
-                      <a:endParaRPr sz="900" spc="0" dirty="0">
-                        <a:latin typeface="AdobeClean-Light"/>
-                        <a:cs typeface="AdobeClean-Light"/>
-                      </a:endParaRPr>
-                    </a:p>
-                  </a:txBody>
-                  <a:tcPr marL="0" marR="0" marT="0" marB="0" anchor="ctr">
+                    </a:p>
+                  </a:txBody>
+                  <a:tcPr marL="9525" marR="9525" marT="9525" marB="0" anchor="ctr">
                     <a:lnL w="3175">
                       <a:solidFill>
                         <a:srgbClr val="B7B8B8"/>
@@ -7099,31 +7850,20 @@
                     <a:bodyPr/>
                     <a:lstStyle/>
                     <a:p>
-                      <a:pPr marL="0" marR="184785" indent="-194310" algn="ctr">
-                        <a:lnSpc>
-                          <a:spcPct val="100000"/>
-                        </a:lnSpc>
-                        <a:spcBef>
-                          <a:spcPts val="670"/>
-                        </a:spcBef>
-                      </a:pPr>
+                      <a:pPr algn="ctr" fontAlgn="t"/>
                       <a:r>
-                        <a:rPr lang="en-US" sz="900" spc="0" dirty="0">
+                        <a:rPr lang="en-US" sz="900" b="0" i="0" u="none" strike="noStrike">
                           <a:solidFill>
                             <a:srgbClr val="020302"/>
                           </a:solidFill>
-                          <a:latin typeface="AdobeClean-Light"/>
-                          <a:cs typeface="AdobeClean-Light"/>
+                          <a:effectLst/>
+                          <a:latin typeface="AdobeClean-Light" panose="020B0503020404020204" pitchFamily="34" charset="0"/>
                         </a:rPr>
-                        <a:t>营业时间/2 小时</a:t>
+                        <a:t>Business hours / 2 hours</a:t>
                       </a:r>
-                      <a:endParaRPr sz="900" spc="0" dirty="0">
-                        <a:latin typeface="AdobeClean-Light"/>
-                        <a:cs typeface="AdobeClean-Light"/>
-                      </a:endParaRPr>
-                    </a:p>
-                  </a:txBody>
-                  <a:tcPr marL="0" marR="0" marT="0" marB="0" anchor="ctr">
+                    </a:p>
+                  </a:txBody>
+                  <a:tcPr marL="9525" marR="9525" marT="9525" marB="0" anchor="ctr">
                     <a:lnL w="3175">
                       <a:solidFill>
                         <a:srgbClr val="B7B8B8"/>
@@ -7155,31 +7895,20 @@
                     <a:bodyPr/>
                     <a:lstStyle/>
                     <a:p>
-                      <a:pPr marL="0" marR="325755" indent="-5715" algn="ctr">
-                        <a:lnSpc>
-                          <a:spcPct val="100000"/>
-                        </a:lnSpc>
-                        <a:spcBef>
-                          <a:spcPts val="670"/>
-                        </a:spcBef>
-                      </a:pPr>
+                      <a:pPr algn="ctr" fontAlgn="t"/>
                       <a:r>
-                        <a:rPr lang="en-US" sz="900" spc="0" dirty="0">
+                        <a:rPr lang="en-US" sz="900" b="0" i="0" u="none" strike="noStrike">
                           <a:solidFill>
                             <a:srgbClr val="020302"/>
                           </a:solidFill>
-                          <a:latin typeface="AdobeClean-Light"/>
-                          <a:cs typeface="AdobeClean-Light"/>
+                          <a:effectLst/>
+                          <a:latin typeface="AdobeClean-Light" panose="020B0503020404020204" pitchFamily="34" charset="0"/>
                         </a:rPr>
-                        <a:t>工作日全天候/1 小时</a:t>
+                        <a:t>24x5 / 1 hour</a:t>
                       </a:r>
-                      <a:endParaRPr sz="900" spc="0" dirty="0">
-                        <a:latin typeface="AdobeClean-Light"/>
-                        <a:cs typeface="AdobeClean-Light"/>
-                      </a:endParaRPr>
-                    </a:p>
-                  </a:txBody>
-                  <a:tcPr marL="0" marR="0" marT="0" marB="0" anchor="ctr">
+                    </a:p>
+                  </a:txBody>
+                  <a:tcPr marL="9525" marR="9525" marT="9525" marB="0" anchor="ctr">
                     <a:lnL w="3175">
                       <a:solidFill>
                         <a:srgbClr val="B7B8B8"/>
@@ -7211,31 +7940,20 @@
                     <a:bodyPr/>
                     <a:lstStyle/>
                     <a:p>
-                      <a:pPr marL="0" marR="259080" indent="111760" algn="ctr">
-                        <a:lnSpc>
-                          <a:spcPct val="100000"/>
-                        </a:lnSpc>
-                        <a:spcBef>
-                          <a:spcPts val="670"/>
-                        </a:spcBef>
-                      </a:pPr>
+                      <a:pPr algn="ctr" fontAlgn="t"/>
                       <a:r>
-                        <a:rPr lang="en-US" sz="900" spc="0" dirty="0">
+                        <a:rPr lang="en-US" sz="900" b="0" i="0" u="none" strike="noStrike">
                           <a:solidFill>
                             <a:srgbClr val="020302"/>
                           </a:solidFill>
-                          <a:latin typeface="AdobeClean-Light"/>
-                          <a:cs typeface="AdobeClean-Light"/>
+                          <a:effectLst/>
+                          <a:latin typeface="AdobeClean-Light" panose="020B0503020404020204" pitchFamily="34" charset="0"/>
                         </a:rPr>
-                        <a:t>工作日全天候/30 分钟</a:t>
+                        <a:t>24x5 / 30 minutes</a:t>
                       </a:r>
-                      <a:endParaRPr sz="900" spc="0" dirty="0">
-                        <a:latin typeface="AdobeClean-Light"/>
-                        <a:cs typeface="AdobeClean-Light"/>
-                      </a:endParaRPr>
-                    </a:p>
-                  </a:txBody>
-                  <a:tcPr marL="0" marR="0" marT="0" marB="0" anchor="ctr">
+                    </a:p>
+                  </a:txBody>
+                  <a:tcPr marL="9525" marR="9525" marT="9525" marB="0" anchor="ctr">
                     <a:lnL w="3175">
                       <a:solidFill>
                         <a:srgbClr val="B7B8B8"/>
@@ -7283,6 +8001,16 @@
                         </a:spcBef>
                       </a:pPr>
                       <a:r>
+                        <a:rPr sz="900" b="1" spc="0" dirty="0">
+                          <a:solidFill>
+                            <a:srgbClr val="020302"/>
+                          </a:solidFill>
+                          <a:latin typeface="Adobe Clean"/>
+                          <a:cs typeface="Adobe Clean"/>
+                        </a:rPr>
+                        <a:t>PRIORITY</a:t>
+                      </a:r>
+                      <a:r>
                         <a:rPr lang="en-US" sz="900" b="1" spc="0" dirty="0">
                           <a:solidFill>
                             <a:srgbClr val="020302"/>
@@ -7290,7 +8018,7 @@
                           <a:latin typeface="Adobe Clean"/>
                           <a:cs typeface="Adobe Clean"/>
                         </a:rPr>
-                        <a:t>优先级 3</a:t>
+                        <a:t> 3</a:t>
                       </a:r>
                       <a:endParaRPr lang="en-US" sz="900" spc="0" dirty="0">
                         <a:latin typeface="Adobe Clean"/>
@@ -7312,6 +8040,7 @@
                         <a:buSzTx/>
                         <a:buFontTx/>
                         <a:buNone/>
+                        <a:tabLst/>
                         <a:defRPr/>
                       </a:pPr>
                       <a:r>
@@ -7329,7 +8058,7 @@
                           <a:ea typeface="+mn-ea"/>
                           <a:cs typeface="+mn-cs"/>
                         </a:rPr>
-                        <a:t>客户的业务功能发生轻微的服务降级，但有解决方案/解决方法可让业务功能继续正常工作</a:t>
+                        <a:t>Customer's business functions have minor service degradation but there exists a solution/workaround allowing business functions to continue normally </a:t>
                       </a:r>
                       <a:endParaRPr lang="en-US" sz="900" b="0" i="0" spc="0" dirty="0">
                         <a:latin typeface="Adobe Clean Light" panose="020B0303020404020204" pitchFamily="34" charset="0"/>
@@ -7344,11 +8073,14 @@
                       </a:solidFill>
                       <a:prstDash val="solid"/>
                     </a:lnL>
-                    <a:lnR w="3175">
+                    <a:lnR w="3175" cap="flat" cmpd="sng" algn="ctr">
                       <a:solidFill>
                         <a:srgbClr val="B7B8B8"/>
                       </a:solidFill>
                       <a:prstDash val="solid"/>
+                      <a:round/>
+                      <a:headEnd type="none" w="med" len="med"/>
+                      <a:tailEnd type="none" w="med" len="med"/>
                     </a:lnR>
                     <a:lnT w="3175">
                       <a:solidFill>
@@ -7369,31 +8101,20 @@
                     <a:bodyPr/>
                     <a:lstStyle/>
                     <a:p>
-                      <a:pPr marL="0" marR="184150" indent="-189865" algn="ctr">
-                        <a:lnSpc>
-                          <a:spcPct val="100000"/>
-                        </a:lnSpc>
-                        <a:spcBef>
-                          <a:spcPts val="645"/>
-                        </a:spcBef>
-                      </a:pPr>
+                      <a:pPr algn="ctr" fontAlgn="t"/>
                       <a:r>
-                        <a:rPr lang="en-US" sz="900" spc="0" dirty="0">
+                        <a:rPr lang="en-US" sz="900" b="0" i="0" u="none" strike="noStrike">
                           <a:solidFill>
                             <a:srgbClr val="020302"/>
                           </a:solidFill>
-                          <a:latin typeface="AdobeClean-Light"/>
-                          <a:cs typeface="AdobeClean-Light"/>
+                          <a:effectLst/>
+                          <a:latin typeface="AdobeClean-Light" panose="020B0503020404020204" pitchFamily="34" charset="0"/>
                         </a:rPr>
-                        <a:t>营业时间/6 小时</a:t>
+                        <a:t>Business hours / 6 hours</a:t>
                       </a:r>
-                      <a:endParaRPr sz="900" spc="0" dirty="0">
-                        <a:latin typeface="AdobeClean-Light"/>
-                        <a:cs typeface="AdobeClean-Light"/>
-                      </a:endParaRPr>
-                    </a:p>
-                  </a:txBody>
-                  <a:tcPr marL="0" marR="0" marT="0" marB="0" anchor="ctr">
+                    </a:p>
+                  </a:txBody>
+                  <a:tcPr marL="9525" marR="9525" marT="9525" marB="0" anchor="ctr">
                     <a:lnL w="3175">
                       <a:solidFill>
                         <a:srgbClr val="B7B8B8"/>
@@ -7425,31 +8146,20 @@
                     <a:bodyPr/>
                     <a:lstStyle/>
                     <a:p>
-                      <a:pPr marL="0" marR="185420" indent="-193675" algn="ctr">
-                        <a:lnSpc>
-                          <a:spcPct val="100000"/>
-                        </a:lnSpc>
-                        <a:spcBef>
-                          <a:spcPts val="645"/>
-                        </a:spcBef>
-                      </a:pPr>
+                      <a:pPr algn="ctr" fontAlgn="t"/>
                       <a:r>
-                        <a:rPr lang="en-US" sz="900" spc="0" dirty="0">
+                        <a:rPr lang="en-US" sz="900" b="0" i="0" u="none" strike="noStrike">
                           <a:solidFill>
                             <a:srgbClr val="020302"/>
                           </a:solidFill>
-                          <a:latin typeface="AdobeClean-Light"/>
-                          <a:cs typeface="AdobeClean-Light"/>
+                          <a:effectLst/>
+                          <a:latin typeface="AdobeClean-Light" panose="020B0503020404020204" pitchFamily="34" charset="0"/>
                         </a:rPr>
-                        <a:t>营业时间/4 小时</a:t>
+                        <a:t>Business hours /  4 hours</a:t>
                       </a:r>
-                      <a:endParaRPr sz="900" spc="0" dirty="0">
-                        <a:latin typeface="AdobeClean-Light"/>
-                        <a:cs typeface="AdobeClean-Light"/>
-                      </a:endParaRPr>
-                    </a:p>
-                  </a:txBody>
-                  <a:tcPr marL="0" marR="0" marT="0" marB="0" anchor="ctr">
+                    </a:p>
+                  </a:txBody>
+                  <a:tcPr marL="9525" marR="9525" marT="9525" marB="0" anchor="ctr">
                     <a:lnL w="3175">
                       <a:solidFill>
                         <a:srgbClr val="B7B8B8"/>
@@ -7481,31 +8191,20 @@
                     <a:bodyPr/>
                     <a:lstStyle/>
                     <a:p>
-                      <a:pPr marL="0" marR="184785" indent="-194310" algn="ctr">
-                        <a:lnSpc>
-                          <a:spcPct val="100000"/>
-                        </a:lnSpc>
-                        <a:spcBef>
-                          <a:spcPts val="645"/>
-                        </a:spcBef>
-                      </a:pPr>
+                      <a:pPr algn="ctr" fontAlgn="t"/>
                       <a:r>
-                        <a:rPr lang="en-US" sz="900" spc="0" dirty="0">
+                        <a:rPr lang="en-US" sz="900" b="0" i="0" u="none" strike="noStrike">
                           <a:solidFill>
                             <a:srgbClr val="020302"/>
                           </a:solidFill>
-                          <a:latin typeface="AdobeClean-Light"/>
-                          <a:cs typeface="AdobeClean-Light"/>
+                          <a:effectLst/>
+                          <a:latin typeface="AdobeClean-Light" panose="020B0503020404020204" pitchFamily="34" charset="0"/>
                         </a:rPr>
-                        <a:t>营业时间/2 小时</a:t>
+                        <a:t>Business hours / 2 hours</a:t>
                       </a:r>
-                      <a:endParaRPr sz="900" spc="0" dirty="0">
-                        <a:latin typeface="AdobeClean-Light"/>
-                        <a:cs typeface="AdobeClean-Light"/>
-                      </a:endParaRPr>
-                    </a:p>
-                  </a:txBody>
-                  <a:tcPr marL="0" marR="0" marT="0" marB="0" anchor="ctr">
+                    </a:p>
+                  </a:txBody>
+                  <a:tcPr marL="9525" marR="9525" marT="9525" marB="0" anchor="ctr">
                     <a:lnL w="3175">
                       <a:solidFill>
                         <a:srgbClr val="B7B8B8"/>
@@ -7537,31 +8236,20 @@
                     <a:bodyPr/>
                     <a:lstStyle/>
                     <a:p>
-                      <a:pPr marL="0" marR="326390" indent="-5715" algn="ctr">
-                        <a:lnSpc>
-                          <a:spcPct val="100000"/>
-                        </a:lnSpc>
-                        <a:spcBef>
-                          <a:spcPts val="645"/>
-                        </a:spcBef>
-                      </a:pPr>
+                      <a:pPr algn="ctr" fontAlgn="t"/>
                       <a:r>
-                        <a:rPr lang="en-US" sz="900" spc="0" dirty="0">
+                        <a:rPr lang="en-US" sz="900" b="0" i="0" u="none" strike="noStrike">
                           <a:solidFill>
                             <a:srgbClr val="020302"/>
                           </a:solidFill>
-                          <a:latin typeface="AdobeClean-Light"/>
-                          <a:cs typeface="AdobeClean-Light"/>
+                          <a:effectLst/>
+                          <a:latin typeface="AdobeClean-Light" panose="020B0503020404020204" pitchFamily="34" charset="0"/>
                         </a:rPr>
-                        <a:t>工作日全天候/1 小时</a:t>
+                        <a:t>24x5 / 1 hour</a:t>
                       </a:r>
-                      <a:endParaRPr sz="900" spc="0" dirty="0">
-                        <a:latin typeface="AdobeClean-Light"/>
-                        <a:cs typeface="AdobeClean-Light"/>
-                      </a:endParaRPr>
-                    </a:p>
-                  </a:txBody>
-                  <a:tcPr marL="0" marR="0" marT="0" marB="0" anchor="ctr">
+                    </a:p>
+                  </a:txBody>
+                  <a:tcPr marL="9525" marR="9525" marT="9525" marB="0" anchor="ctr">
                     <a:lnL w="3175">
                       <a:solidFill>
                         <a:srgbClr val="B7B8B8"/>
@@ -7609,14 +8297,14 @@
                         </a:spcBef>
                       </a:pPr>
                       <a:r>
-                        <a:rPr lang="en-US" sz="900" b="1" spc="0" dirty="0">
+                        <a:rPr sz="900" b="1" spc="0" dirty="0">
                           <a:solidFill>
                             <a:srgbClr val="020302"/>
                           </a:solidFill>
                           <a:latin typeface="Adobe Clean"/>
                           <a:cs typeface="Adobe Clean"/>
                         </a:rPr>
-                        <a:t>优先级 4</a:t>
+                        <a:t>PRIORITY 4</a:t>
                       </a:r>
                       <a:endParaRPr sz="900" spc="0" dirty="0">
                         <a:latin typeface="Adobe Clean"/>
@@ -7638,6 +8326,7 @@
                         <a:buSzTx/>
                         <a:buFontTx/>
                         <a:buNone/>
+                        <a:tabLst/>
                         <a:defRPr/>
                       </a:pPr>
                       <a:r>
@@ -7648,7 +8337,7 @@
                           <a:effectLst/>
                           <a:latin typeface="Adobe Clean Light" panose="020B0303020404020204" pitchFamily="34" charset="0"/>
                         </a:rPr>
-                        <a:t>有关当前产品功能或增强功能请求的常见问题</a:t>
+                        <a:t>General question regarding current product functionality or an enhancement request </a:t>
                       </a:r>
                       <a:endParaRPr sz="900" b="0" i="0" spc="0" dirty="0">
                         <a:latin typeface="Adobe Clean Light" panose="020B0303020404020204" pitchFamily="34" charset="0"/>
@@ -7663,11 +8352,14 @@
                       </a:solidFill>
                       <a:prstDash val="solid"/>
                     </a:lnL>
-                    <a:lnR w="3175">
+                    <a:lnR w="3175" cap="flat" cmpd="sng" algn="ctr">
                       <a:solidFill>
                         <a:srgbClr val="B7B8B8"/>
                       </a:solidFill>
                       <a:prstDash val="solid"/>
+                      <a:round/>
+                      <a:headEnd type="none" w="med" len="med"/>
+                      <a:tailEnd type="none" w="med" len="med"/>
                     </a:lnR>
                     <a:lnT w="3175">
                       <a:solidFill>
@@ -7688,31 +8380,20 @@
                     <a:bodyPr/>
                     <a:lstStyle/>
                     <a:p>
-                      <a:pPr marL="0" marR="203200" indent="-193040" algn="ctr">
-                        <a:lnSpc>
-                          <a:spcPct val="100000"/>
-                        </a:lnSpc>
-                        <a:spcBef>
-                          <a:spcPts val="155"/>
-                        </a:spcBef>
-                      </a:pPr>
+                      <a:pPr algn="ctr" fontAlgn="t"/>
                       <a:r>
-                        <a:rPr lang="en-US" sz="900" spc="0" dirty="0">
+                        <a:rPr lang="en-US" sz="900" b="0" i="0" u="none" strike="noStrike">
                           <a:solidFill>
                             <a:srgbClr val="020302"/>
                           </a:solidFill>
-                          <a:latin typeface="AdobeClean-Light"/>
-                          <a:cs typeface="AdobeClean-Light"/>
+                          <a:effectLst/>
+                          <a:latin typeface="AdobeClean-Light" panose="020B0503020404020204" pitchFamily="34" charset="0"/>
                         </a:rPr>
-                        <a:t>工作日/3 天</a:t>
+                        <a:t>Business days / 3 days</a:t>
                       </a:r>
-                      <a:endParaRPr sz="900" spc="0" dirty="0">
-                        <a:latin typeface="AdobeClean-Light"/>
-                        <a:cs typeface="AdobeClean-Light"/>
-                      </a:endParaRPr>
-                    </a:p>
-                  </a:txBody>
-                  <a:tcPr marL="0" marR="0" marT="0" marB="0" anchor="ctr">
+                    </a:p>
+                  </a:txBody>
+                  <a:tcPr marL="9525" marR="9525" marT="9525" marB="0" anchor="ctr">
                     <a:lnL w="3175">
                       <a:solidFill>
                         <a:srgbClr val="B7B8B8"/>
@@ -7744,31 +8425,20 @@
                     <a:bodyPr/>
                     <a:lstStyle/>
                     <a:p>
-                      <a:pPr marL="0" marR="223520" indent="-202565" algn="ctr">
-                        <a:lnSpc>
-                          <a:spcPct val="100000"/>
-                        </a:lnSpc>
-                        <a:spcBef>
-                          <a:spcPts val="155"/>
-                        </a:spcBef>
-                      </a:pPr>
+                      <a:pPr algn="ctr" fontAlgn="t"/>
                       <a:r>
-                        <a:rPr lang="en-US" sz="900" spc="0" dirty="0">
+                        <a:rPr lang="en-US" sz="900" b="0" i="0" u="none" strike="noStrike">
                           <a:solidFill>
                             <a:srgbClr val="020302"/>
                           </a:solidFill>
-                          <a:latin typeface="AdobeClean-Light"/>
-                          <a:cs typeface="AdobeClean-Light"/>
+                          <a:effectLst/>
+                          <a:latin typeface="AdobeClean-Light" panose="020B0503020404020204" pitchFamily="34" charset="0"/>
                         </a:rPr>
-                        <a:t>工作日/1 天</a:t>
+                        <a:t>Business day / 1 day</a:t>
                       </a:r>
-                      <a:endParaRPr sz="900" spc="0" dirty="0">
-                        <a:latin typeface="AdobeClean-Light"/>
-                        <a:cs typeface="AdobeClean-Light"/>
-                      </a:endParaRPr>
-                    </a:p>
-                  </a:txBody>
-                  <a:tcPr marL="0" marR="0" marT="0" marB="0" anchor="ctr">
+                    </a:p>
+                  </a:txBody>
+                  <a:tcPr marL="9525" marR="9525" marT="9525" marB="0" anchor="ctr">
                     <a:lnL w="3175">
                       <a:solidFill>
                         <a:srgbClr val="B7B8B8"/>
@@ -7800,31 +8470,20 @@
                     <a:bodyPr/>
                     <a:lstStyle/>
                     <a:p>
-                      <a:pPr marL="0" marR="223520" indent="-202565" algn="ctr">
-                        <a:lnSpc>
-                          <a:spcPct val="100000"/>
-                        </a:lnSpc>
-                        <a:spcBef>
-                          <a:spcPts val="155"/>
-                        </a:spcBef>
-                      </a:pPr>
+                      <a:pPr algn="ctr" fontAlgn="t"/>
                       <a:r>
-                        <a:rPr lang="en-US" sz="900" spc="0" dirty="0">
+                        <a:rPr lang="en-US" sz="900" b="0" i="0" u="none" strike="noStrike">
                           <a:solidFill>
                             <a:srgbClr val="020302"/>
                           </a:solidFill>
-                          <a:latin typeface="AdobeClean-Light"/>
-                          <a:cs typeface="AdobeClean-Light"/>
+                          <a:effectLst/>
+                          <a:latin typeface="AdobeClean-Light" panose="020B0503020404020204" pitchFamily="34" charset="0"/>
                         </a:rPr>
-                        <a:t>工作日/1 天</a:t>
+                        <a:t>Business day / 1 day</a:t>
                       </a:r>
-                      <a:endParaRPr sz="900" spc="0" dirty="0">
-                        <a:latin typeface="AdobeClean-Light"/>
-                        <a:cs typeface="AdobeClean-Light"/>
-                      </a:endParaRPr>
-                    </a:p>
-                  </a:txBody>
-                  <a:tcPr marL="0" marR="0" marT="0" marB="0" anchor="ctr">
+                    </a:p>
+                  </a:txBody>
+                  <a:tcPr marL="9525" marR="9525" marT="9525" marB="0" anchor="ctr">
                     <a:lnL w="3175">
                       <a:solidFill>
                         <a:srgbClr val="B7B8B8"/>
@@ -7856,31 +8515,20 @@
                     <a:bodyPr/>
                     <a:lstStyle/>
                     <a:p>
-                      <a:pPr marL="0" marR="223520" indent="-202565" algn="ctr">
-                        <a:lnSpc>
-                          <a:spcPct val="100000"/>
-                        </a:lnSpc>
-                        <a:spcBef>
-                          <a:spcPts val="155"/>
-                        </a:spcBef>
-                      </a:pPr>
+                      <a:pPr algn="ctr" fontAlgn="t"/>
                       <a:r>
-                        <a:rPr lang="en-US" sz="900" spc="0" dirty="0">
+                        <a:rPr lang="en-US" sz="900" b="0" i="0" u="none" strike="noStrike" dirty="0">
                           <a:solidFill>
                             <a:srgbClr val="020302"/>
                           </a:solidFill>
-                          <a:latin typeface="AdobeClean-Light"/>
-                          <a:cs typeface="AdobeClean-Light"/>
+                          <a:effectLst/>
+                          <a:latin typeface="AdobeClean-Light" panose="020B0503020404020204" pitchFamily="34" charset="0"/>
                         </a:rPr>
-                        <a:t>工作日/1 天</a:t>
+                        <a:t>Business day / 1 day</a:t>
                       </a:r>
-                      <a:endParaRPr sz="900" spc="0" dirty="0">
-                        <a:latin typeface="AdobeClean-Light"/>
-                        <a:cs typeface="AdobeClean-Light"/>
-                      </a:endParaRPr>
-                    </a:p>
-                  </a:txBody>
-                  <a:tcPr marL="0" marR="0" marT="0" marB="0" anchor="ctr">
+                    </a:p>
+                  </a:txBody>
+                  <a:tcPr marL="9525" marR="9525" marT="9525" marB="0" anchor="ctr">
                     <a:lnL w="3175">
                       <a:solidFill>
                         <a:srgbClr val="B7B8B8"/>
@@ -7919,7 +8567,13 @@
       </p:graphicFrame>
       <p:sp>
         <p:nvSpPr>
-          <p:cNvPr id="13" name="object 4"/>
+          <p:cNvPr id="13" name="object 4">
+            <a:extLst>
+              <a:ext uri="{FF2B5EF4-FFF2-40B4-BE49-F238E27FC236}">
+                <a16:creationId xmlns:a16="http://schemas.microsoft.com/office/drawing/2014/main" id="{7979C0CC-523E-844A-96DC-75FC662E01AB}"/>
+              </a:ext>
+            </a:extLst>
+          </p:cNvPr>
           <p:cNvSpPr txBox="1">
             <a:spLocks noGrp="1"/>
           </p:cNvSpPr>
@@ -7929,15 +8583,15 @@
         </p:nvSpPr>
         <p:spPr>
           <a:xfrm>
-            <a:off x="438785" y="54610"/>
-            <a:ext cx="4869180" cy="366395"/>
+            <a:off x="439022" y="54646"/>
+            <a:ext cx="5229466" cy="366767"/>
           </a:xfrm>
           <a:prstGeom prst="rect">
             <a:avLst/>
           </a:prstGeom>
         </p:spPr>
         <p:txBody>
-          <a:bodyPr vert="horz" wrap="square" lIns="0" tIns="12700" rIns="0" bIns="0" rtlCol="0">
+          <a:bodyPr vert="horz" wrap="square" lIns="0" tIns="12700" rIns="0" bIns="0" rtlCol="0" anchor="t">
             <a:spAutoFit/>
           </a:bodyPr>
           <a:lstStyle/>
@@ -7951,10 +8605,16 @@
               </a:spcBef>
             </a:pPr>
             <a:r>
+              <a:rPr sz="2300" dirty="0">
+                <a:latin typeface="Adobe Clean"/>
+              </a:rPr>
+              <a:t>ADOBE </a:t>
+            </a:r>
+            <a:r>
               <a:rPr lang="en-US" sz="2300" dirty="0">
-                <a:latin typeface="Adobe Clean" panose="020B0503020404020204" pitchFamily="34" charset="0"/>
-              </a:rPr>
-              <a:t>Adobe 支持产品/服务</a:t>
+                <a:latin typeface="Adobe Clean"/>
+              </a:rPr>
+              <a:t>SUPPORT PLANS</a:t>
             </a:r>
             <a:endParaRPr sz="2300" dirty="0">
               <a:latin typeface="Adobe Clean" panose="020B0503020404020204" pitchFamily="34" charset="0"/>
@@ -7964,7 +8624,13 @@
       </p:sp>
       <p:sp>
         <p:nvSpPr>
-          <p:cNvPr id="14" name="TextBox 13"/>
+          <p:cNvPr id="14" name="TextBox 13">
+            <a:extLst>
+              <a:ext uri="{FF2B5EF4-FFF2-40B4-BE49-F238E27FC236}">
+                <a16:creationId xmlns:a16="http://schemas.microsoft.com/office/drawing/2014/main" id="{BC4E055B-62C1-4041-84B5-EEB041BE12EF}"/>
+              </a:ext>
+            </a:extLst>
+          </p:cNvPr>
           <p:cNvSpPr txBox="1"/>
           <p:nvPr/>
         </p:nvSpPr>
@@ -8222,14 +8888,14 @@
         <p:spPr>
           <a:xfrm>
             <a:off x="244598" y="1844378"/>
-            <a:ext cx="7070597" cy="394335"/>
+            <a:ext cx="7070597" cy="379463"/>
           </a:xfrm>
           <a:prstGeom prst="rect">
             <a:avLst/>
           </a:prstGeom>
         </p:spPr>
         <p:txBody>
-          <a:bodyPr vert="horz" wrap="square" lIns="0" tIns="35560" rIns="0" bIns="0" rtlCol="0">
+          <a:bodyPr vert="horz" wrap="square" lIns="0" tIns="35560" rIns="0" bIns="0" rtlCol="0" anchor="t">
             <a:spAutoFit/>
           </a:bodyPr>
           <a:lstStyle/>
@@ -8250,87 +8916,87 @@
                 <a:latin typeface="AdobeClean-Light"/>
                 <a:cs typeface="AdobeClean-Light"/>
               </a:rPr>
-              <a:t>Adobe 客户支持提供对在线资源</a:t>
-            </a:r>
-            <a:r>
-              <a:rPr lang="en-US" sz="1000" spc="-10" dirty="0">
+              <a:t>Adobe Customer Support offers a</a:t>
+            </a:r>
+            <a:r>
+              <a:rPr sz="1000" spc="-20" dirty="0">
                 <a:solidFill>
                   <a:srgbClr val="020302"/>
                 </a:solidFill>
                 <a:latin typeface="AdobeClean-Light"/>
                 <a:cs typeface="AdobeClean-Light"/>
               </a:rPr>
-              <a:t>的访问</a:t>
-            </a:r>
-            <a:r>
-              <a:rPr lang="en-US" sz="1000" spc="-20" dirty="0">
+              <a:t>ccess</a:t>
+            </a:r>
+            <a:r>
+              <a:rPr sz="1000" spc="-90" dirty="0">
                 <a:solidFill>
                   <a:srgbClr val="020302"/>
                 </a:solidFill>
                 <a:latin typeface="AdobeClean-Light"/>
                 <a:cs typeface="AdobeClean-Light"/>
               </a:rPr>
-              <a:t>权限以获取文档</a:t>
-            </a:r>
-            <a:r>
-              <a:rPr lang="en-US" sz="1000" spc="-15" dirty="0">
+              <a:t> </a:t>
+            </a:r>
+            <a:r>
+              <a:rPr sz="1000" spc="-10" dirty="0">
                 <a:solidFill>
                   <a:srgbClr val="020302"/>
                 </a:solidFill>
                 <a:latin typeface="AdobeClean-Light"/>
                 <a:cs typeface="AdobeClean-Light"/>
               </a:rPr>
-              <a:t>、与其他专家和客户互动</a:t>
-            </a:r>
-            <a:r>
-              <a:rPr lang="en-US" sz="1000" spc="-20" dirty="0">
+              <a:t>to</a:t>
+            </a:r>
+            <a:r>
+              <a:rPr sz="1000" spc="10" dirty="0">
                 <a:solidFill>
                   <a:srgbClr val="020302"/>
                 </a:solidFill>
                 <a:latin typeface="AdobeClean-Light"/>
                 <a:cs typeface="AdobeClean-Light"/>
               </a:rPr>
-              <a:t>以获得</a:t>
-            </a:r>
-            <a:r>
-              <a:rPr lang="en-US" sz="1000" spc="-15" dirty="0">
+              <a:t> </a:t>
+            </a:r>
+            <a:r>
+              <a:rPr lang="en-US" sz="1000" spc="-20" dirty="0">
                 <a:solidFill>
                   <a:srgbClr val="020302"/>
                 </a:solidFill>
                 <a:latin typeface="AdobeClean-Light"/>
                 <a:cs typeface="AdobeClean-Light"/>
               </a:rPr>
-              <a:t>最佳</a:t>
-            </a:r>
-            <a:r>
-              <a:rPr lang="en-US" sz="1000" spc="-20" dirty="0">
+              <a:t>online resources </a:t>
+            </a:r>
+            <a:r>
+              <a:rPr sz="1000" spc="-15" dirty="0">
                 <a:solidFill>
                   <a:srgbClr val="020302"/>
                 </a:solidFill>
                 <a:latin typeface="AdobeClean-Light"/>
                 <a:cs typeface="AdobeClean-Light"/>
               </a:rPr>
-              <a:t>实践</a:t>
-            </a:r>
-            <a:r>
-              <a:rPr lang="en-US" sz="1000" spc="-15" dirty="0">
+              <a:t>for</a:t>
+            </a:r>
+            <a:r>
+              <a:rPr sz="1000" spc="-30" dirty="0">
                 <a:solidFill>
                   <a:srgbClr val="020302"/>
                 </a:solidFill>
                 <a:latin typeface="AdobeClean-Light"/>
                 <a:cs typeface="AdobeClean-Light"/>
               </a:rPr>
-              <a:t>以及</a:t>
-            </a:r>
-            <a:r>
-              <a:rPr lang="en-US" sz="1000" spc="-20" dirty="0">
+              <a:t> </a:t>
+            </a:r>
+            <a:r>
+              <a:rPr sz="1000" spc="-15" dirty="0">
                 <a:solidFill>
                   <a:srgbClr val="020302"/>
                 </a:solidFill>
                 <a:latin typeface="AdobeClean-Light"/>
                 <a:cs typeface="AdobeClean-Light"/>
               </a:rPr>
-              <a:t>对网络</a:t>
+              <a:t>documentation,</a:t>
             </a:r>
             <a:r>
               <a:rPr lang="en-US" sz="1000" spc="-15" dirty="0">
@@ -8340,17 +9006,17 @@
                 <a:latin typeface="AdobeClean-Light"/>
                 <a:cs typeface="AdobeClean-Light"/>
               </a:rPr>
-              <a:t>研讨会系列</a:t>
-            </a:r>
-            <a:r>
-              <a:rPr lang="en-US" sz="1000" spc="-20" dirty="0">
+              <a:t> </a:t>
+            </a:r>
+            <a:r>
+              <a:rPr sz="1000" spc="-15" dirty="0">
                 <a:solidFill>
                   <a:srgbClr val="020302"/>
                 </a:solidFill>
                 <a:latin typeface="AdobeClean-Light"/>
                 <a:cs typeface="AdobeClean-Light"/>
               </a:rPr>
-              <a:t>（办公</a:t>
+              <a:t>engagement</a:t>
             </a:r>
             <a:r>
               <a:rPr lang="en-US" sz="1000" spc="-15" dirty="0">
@@ -8360,118 +9026,289 @@
                 <a:latin typeface="AdobeClean-Light"/>
                 <a:cs typeface="AdobeClean-Light"/>
               </a:rPr>
-              <a:t>时间）的访问</a:t>
-            </a:r>
-            <a:r>
-              <a:rPr lang="en-US" sz="1000" spc="-20" dirty="0">
+              <a:t> </a:t>
+            </a:r>
+            <a:r>
+              <a:rPr sz="1000" spc="-15" dirty="0">
                 <a:solidFill>
                   <a:srgbClr val="020302"/>
                 </a:solidFill>
                 <a:latin typeface="AdobeClean-Light"/>
                 <a:cs typeface="AdobeClean-Light"/>
               </a:rPr>
-              <a:t>权限以获取</a:t>
-            </a:r>
-            <a:r>
-              <a:rPr lang="en-US" sz="1000" spc="-15" dirty="0">
+              <a:t>with</a:t>
+            </a:r>
+            <a:r>
+              <a:rPr sz="1000" spc="-35" dirty="0">
                 <a:solidFill>
                   <a:srgbClr val="020302"/>
                 </a:solidFill>
                 <a:latin typeface="AdobeClean-Light"/>
                 <a:cs typeface="AdobeClean-Light"/>
               </a:rPr>
-              <a:t>故障排除提示和</a:t>
-            </a:r>
-            <a:r>
-              <a:rPr lang="en-US" sz="1000" spc="-20" dirty="0">
+              <a:t> </a:t>
+            </a:r>
+            <a:r>
+              <a:rPr sz="1000" spc="-20" dirty="0">
                 <a:solidFill>
                   <a:srgbClr val="020302"/>
                 </a:solidFill>
                 <a:latin typeface="AdobeClean-Light"/>
                 <a:cs typeface="AdobeClean-Light"/>
               </a:rPr>
-              <a:t>技巧。此外，</a:t>
-            </a:r>
-            <a:r>
-              <a:rPr lang="en-US" sz="1000" spc="-15" dirty="0">
+              <a:t>other experts </a:t>
+            </a:r>
+            <a:r>
+              <a:rPr sz="1000" spc="-15" dirty="0">
                 <a:solidFill>
                   <a:srgbClr val="020302"/>
                 </a:solidFill>
                 <a:latin typeface="AdobeClean-Light"/>
                 <a:cs typeface="AdobeClean-Light"/>
               </a:rPr>
-              <a:t>还可</a:t>
-            </a:r>
-            <a:r>
-              <a:rPr lang="en-US" sz="1000" spc="-20" dirty="0">
+              <a:t>and </a:t>
+            </a:r>
+            <a:r>
+              <a:rPr sz="1000" spc="-20" dirty="0">
                 <a:solidFill>
                   <a:srgbClr val="020302"/>
                 </a:solidFill>
                 <a:latin typeface="AdobeClean-Light"/>
                 <a:cs typeface="AdobeClean-Light"/>
               </a:rPr>
-              <a:t>通过</a:t>
-            </a:r>
-            <a:r>
-              <a:rPr lang="en-US" sz="1000" spc="-25" dirty="0">
+              <a:t>customers </a:t>
+            </a:r>
+            <a:r>
+              <a:rPr sz="1000" spc="-15" dirty="0">
                 <a:solidFill>
                   <a:srgbClr val="020302"/>
                 </a:solidFill>
                 <a:latin typeface="AdobeClean-Light"/>
                 <a:cs typeface="AdobeClean-Light"/>
               </a:rPr>
-              <a:t>几个</a:t>
-            </a:r>
-            <a:r>
-              <a:rPr lang="en-US" sz="1000" spc="-15" dirty="0">
+              <a:t>for best </a:t>
+            </a:r>
+            <a:r>
+              <a:rPr sz="1000" spc="-20" dirty="0">
                 <a:solidFill>
                   <a:srgbClr val="020302"/>
                 </a:solidFill>
                 <a:latin typeface="AdobeClean-Light"/>
                 <a:cs typeface="AdobeClean-Light"/>
               </a:rPr>
-              <a:t>渠道</a:t>
-            </a:r>
-            <a:r>
-              <a:rPr lang="en-US" sz="1000" spc="-20" dirty="0">
+              <a:t>practices, </a:t>
+            </a:r>
+            <a:r>
+              <a:rPr sz="1000" spc="-15" dirty="0">
                 <a:solidFill>
                   <a:srgbClr val="020302"/>
                 </a:solidFill>
                 <a:latin typeface="AdobeClean-Light"/>
                 <a:cs typeface="AdobeClean-Light"/>
               </a:rPr>
-              <a:t>来</a:t>
-            </a:r>
-            <a:r>
-              <a:rPr lang="en-US" sz="1000" spc="-15" dirty="0">
+              <a:t>and </a:t>
+            </a:r>
+            <a:r>
+              <a:rPr sz="1000" spc="-20" dirty="0">
                 <a:solidFill>
                   <a:srgbClr val="020302"/>
                 </a:solidFill>
                 <a:latin typeface="AdobeClean-Light"/>
                 <a:cs typeface="AdobeClean-Light"/>
               </a:rPr>
-              <a:t>提交</a:t>
-            </a:r>
-            <a:r>
-              <a:rPr lang="en-US" sz="1000" spc="-20" dirty="0">
+              <a:t>webinar series (Office </a:t>
+            </a:r>
+            <a:r>
+              <a:rPr sz="1000" spc="-15" dirty="0">
                 <a:solidFill>
                   <a:srgbClr val="020302"/>
                 </a:solidFill>
                 <a:latin typeface="AdobeClean-Light"/>
                 <a:cs typeface="AdobeClean-Light"/>
               </a:rPr>
-              <a:t>问题和案例</a:t>
-            </a:r>
-            <a:r>
-              <a:rPr lang="zh-CN" altLang="en-US" sz="1000" spc="-20" dirty="0">
+              <a:t>Hours) for </a:t>
+            </a:r>
+            <a:r>
+              <a:rPr sz="1000" spc="-20" dirty="0">
                 <a:solidFill>
                   <a:srgbClr val="020302"/>
                 </a:solidFill>
                 <a:latin typeface="AdobeClean-Light"/>
                 <a:cs typeface="AdobeClean-Light"/>
               </a:rPr>
-              <a:t>。</a:t>
-            </a:r>
+              <a:t>troubleshooting </a:t>
+            </a:r>
+            <a:r>
+              <a:rPr sz="1000" spc="-15" dirty="0">
+                <a:solidFill>
+                  <a:srgbClr val="020302"/>
+                </a:solidFill>
+                <a:latin typeface="AdobeClean-Light"/>
+                <a:cs typeface="AdobeClean-Light"/>
+              </a:rPr>
+              <a:t>tips and </a:t>
+            </a:r>
+            <a:r>
+              <a:rPr sz="1000" spc="-20" dirty="0">
+                <a:solidFill>
+                  <a:srgbClr val="020302"/>
+                </a:solidFill>
+                <a:latin typeface="AdobeClean-Light"/>
+                <a:cs typeface="AdobeClean-Light"/>
+              </a:rPr>
+              <a:t>tricks. Several channels </a:t>
+            </a:r>
+            <a:r>
+              <a:rPr lang="en-US" sz="1000" spc="-15" dirty="0">
+                <a:solidFill>
+                  <a:srgbClr val="020302"/>
+                </a:solidFill>
+                <a:latin typeface="AdobeClean-Light"/>
+                <a:cs typeface="AdobeClean-Light"/>
+              </a:rPr>
+              <a:t>are </a:t>
+            </a:r>
+            <a:r>
+              <a:rPr lang="en-US" sz="1000" spc="-20" dirty="0">
+                <a:solidFill>
+                  <a:srgbClr val="020302"/>
+                </a:solidFill>
+                <a:latin typeface="AdobeClean-Light"/>
+                <a:cs typeface="AdobeClean-Light"/>
+              </a:rPr>
+              <a:t>also</a:t>
+            </a:r>
+            <a:r>
+              <a:rPr lang="en-US" sz="1000" dirty="0">
+                <a:latin typeface="AdobeClean-Light"/>
+                <a:cs typeface="AdobeClean-Light"/>
+              </a:rPr>
+              <a:t> </a:t>
+            </a:r>
+            <a:r>
+              <a:rPr sz="1000" spc="-25" dirty="0">
+                <a:solidFill>
+                  <a:srgbClr val="020302"/>
+                </a:solidFill>
+                <a:latin typeface="AdobeClean-Light"/>
+                <a:cs typeface="AdobeClean-Light"/>
+              </a:rPr>
+              <a:t>available</a:t>
+            </a:r>
+            <a:r>
+              <a:rPr sz="1000" spc="-65" dirty="0">
+                <a:solidFill>
+                  <a:srgbClr val="020302"/>
+                </a:solidFill>
+                <a:latin typeface="AdobeClean-Light"/>
+                <a:cs typeface="AdobeClean-Light"/>
+              </a:rPr>
+              <a:t> </a:t>
+            </a:r>
+            <a:r>
+              <a:rPr sz="1000" spc="-15" dirty="0">
+                <a:solidFill>
+                  <a:srgbClr val="020302"/>
+                </a:solidFill>
+                <a:latin typeface="AdobeClean-Light"/>
+                <a:cs typeface="AdobeClean-Light"/>
+              </a:rPr>
+              <a:t>for</a:t>
+            </a:r>
+            <a:r>
+              <a:rPr sz="1000" spc="-25" dirty="0">
+                <a:solidFill>
+                  <a:srgbClr val="020302"/>
+                </a:solidFill>
+                <a:latin typeface="AdobeClean-Light"/>
+                <a:cs typeface="AdobeClean-Light"/>
+              </a:rPr>
+              <a:t> </a:t>
+            </a:r>
+            <a:r>
+              <a:rPr sz="1000" spc="-20" dirty="0">
+                <a:solidFill>
+                  <a:srgbClr val="020302"/>
+                </a:solidFill>
+                <a:latin typeface="AdobeClean-Light"/>
+                <a:cs typeface="AdobeClean-Light"/>
+              </a:rPr>
+              <a:t>questions</a:t>
+            </a:r>
+            <a:r>
+              <a:rPr sz="1000" spc="-114" dirty="0">
+                <a:solidFill>
+                  <a:srgbClr val="020302"/>
+                </a:solidFill>
+                <a:latin typeface="AdobeClean-Light"/>
+                <a:cs typeface="AdobeClean-Light"/>
+              </a:rPr>
+              <a:t> </a:t>
+            </a:r>
+            <a:r>
+              <a:rPr sz="1000" spc="-15" dirty="0">
+                <a:solidFill>
+                  <a:srgbClr val="020302"/>
+                </a:solidFill>
+                <a:latin typeface="AdobeClean-Light"/>
+                <a:cs typeface="AdobeClean-Light"/>
+              </a:rPr>
+              <a:t>and</a:t>
+            </a:r>
+            <a:r>
+              <a:rPr sz="1000" spc="-45" dirty="0">
+                <a:solidFill>
+                  <a:srgbClr val="020302"/>
+                </a:solidFill>
+                <a:latin typeface="AdobeClean-Light"/>
+                <a:cs typeface="AdobeClean-Light"/>
+              </a:rPr>
+              <a:t> </a:t>
+            </a:r>
+            <a:r>
+              <a:rPr sz="1000" spc="-20" dirty="0">
+                <a:solidFill>
+                  <a:srgbClr val="020302"/>
+                </a:solidFill>
+                <a:latin typeface="AdobeClean-Light"/>
+                <a:cs typeface="AdobeClean-Light"/>
+              </a:rPr>
+              <a:t>case</a:t>
+            </a:r>
+            <a:r>
+              <a:rPr sz="1000" spc="-35" dirty="0">
+                <a:solidFill>
+                  <a:srgbClr val="020302"/>
+                </a:solidFill>
+                <a:latin typeface="AdobeClean-Light"/>
+                <a:cs typeface="AdobeClean-Light"/>
+              </a:rPr>
+              <a:t> </a:t>
+            </a:r>
+            <a:r>
+              <a:rPr sz="1000" spc="-20" dirty="0">
+                <a:solidFill>
+                  <a:srgbClr val="020302"/>
+                </a:solidFill>
+                <a:latin typeface="AdobeClean-Light"/>
+                <a:cs typeface="AdobeClean-Light"/>
+              </a:rPr>
+              <a:t>submissions</a:t>
+            </a:r>
+            <a:r>
+              <a:rPr lang="en-US" sz="1000" spc="-20" dirty="0">
+                <a:solidFill>
+                  <a:srgbClr val="020302"/>
+                </a:solidFill>
+                <a:latin typeface="AdobeClean-Light"/>
+                <a:cs typeface="AdobeClean-Light"/>
+              </a:rPr>
+              <a:t>.</a:t>
+            </a:r>
+            <a:endParaRPr sz="1000" dirty="0">
+              <a:latin typeface="AdobeClean-Light"/>
+              <a:cs typeface="AdobeClean-Light"/>
+            </a:endParaRPr>
           </a:p>
         </p:txBody>
       </p:sp>
@@ -8491,119 +9328,189 @@
           </a:prstGeom>
         </p:spPr>
         <p:txBody>
-          <a:bodyPr vert="horz" wrap="square" lIns="0" tIns="12700" rIns="0" bIns="0" rtlCol="0">
+          <a:bodyPr vert="horz" wrap="square" lIns="0" tIns="12700" rIns="0" bIns="0" rtlCol="0" anchor="t">
             <a:spAutoFit/>
           </a:bodyPr>
           <a:lstStyle/>
           <a:p>
             <a:pPr marL="33020" marR="159385">
-              <a:lnSpc>
-                <a:spcPct val="100000"/>
-              </a:lnSpc>
               <a:spcBef>
                 <a:spcPts val="100"/>
               </a:spcBef>
               <a:tabLst>
-                <a:tab pos="1786255" algn="l"/>
+                <a:tab pos="1786889" algn="l"/>
               </a:tabLst>
             </a:pPr>
             <a:r>
-              <a:rPr lang="en-US" sz="900" spc="-20" dirty="0">
+              <a:rPr sz="900" spc="-20" dirty="0">
                 <a:solidFill>
                   <a:srgbClr val="020302"/>
                 </a:solidFill>
                 <a:latin typeface="AdobeClean-Light"/>
                 <a:cs typeface="AdobeClean-Light"/>
               </a:rPr>
-              <a:t>开始</a:t>
-            </a:r>
-            <a:r>
-              <a:rPr lang="en-US" sz="900" spc="-15" dirty="0">
+              <a:t>Start </a:t>
+            </a:r>
+            <a:r>
+              <a:rPr sz="900" dirty="0">
                 <a:solidFill>
                   <a:srgbClr val="020302"/>
                 </a:solidFill>
                 <a:latin typeface="AdobeClean-Light"/>
                 <a:cs typeface="AdobeClean-Light"/>
               </a:rPr>
-              <a:t>聊天</a:t>
-            </a:r>
-            <a:r>
-              <a:rPr lang="en-US" sz="900" spc="-10" dirty="0">
+              <a:t>a </a:t>
+            </a:r>
+            <a:r>
+              <a:rPr sz="900" spc="-15" dirty="0">
                 <a:solidFill>
                   <a:srgbClr val="020302"/>
                 </a:solidFill>
                 <a:latin typeface="AdobeClean-Light"/>
                 <a:cs typeface="AdobeClean-Light"/>
               </a:rPr>
-              <a:t>会话</a:t>
-            </a:r>
-            <a:r>
-              <a:rPr lang="en-US" sz="900" spc="-5" dirty="0">
+              <a:t>chat </a:t>
+            </a:r>
+            <a:r>
+              <a:rPr sz="900" spc="-10" dirty="0">
                 <a:solidFill>
                   <a:srgbClr val="020302"/>
                 </a:solidFill>
                 <a:latin typeface="AdobeClean-Light"/>
                 <a:cs typeface="AdobeClean-Light"/>
               </a:rPr>
-              <a:t>以</a:t>
-            </a:r>
-            <a:r>
-              <a:rPr lang="en-US" sz="900" spc="-10" dirty="0">
+              <a:t>session </a:t>
+            </a:r>
+            <a:r>
+              <a:rPr sz="900" spc="-5" dirty="0">
                 <a:solidFill>
                   <a:srgbClr val="020302"/>
                 </a:solidFill>
                 <a:latin typeface="AdobeClean-Light"/>
                 <a:cs typeface="AdobeClean-Light"/>
               </a:rPr>
-              <a:t>获取</a:t>
-            </a:r>
-            <a:r>
-              <a:rPr lang="en-US" sz="900" spc="-20" dirty="0">
+              <a:t>to </a:t>
+            </a:r>
+            <a:r>
+              <a:rPr sz="900" spc="-10" dirty="0">
                 <a:solidFill>
                   <a:srgbClr val="020302"/>
                 </a:solidFill>
                 <a:latin typeface="AdobeClean-Light"/>
                 <a:cs typeface="AdobeClean-Light"/>
               </a:rPr>
-              <a:t>答案</a:t>
-            </a:r>
-            <a:r>
-              <a:rPr lang="en-US" sz="900" dirty="0">
+              <a:t>get</a:t>
+            </a:r>
+            <a:r>
+              <a:rPr lang="en-US" sz="900" spc="-10" dirty="0">
                 <a:solidFill>
                   <a:srgbClr val="020302"/>
                 </a:solidFill>
                 <a:latin typeface="AdobeClean-Light"/>
                 <a:cs typeface="AdobeClean-Light"/>
               </a:rPr>
-              <a:t>并</a:t>
-            </a:r>
-            <a:r>
-              <a:rPr lang="en-US" sz="900" spc="-15" dirty="0">
+              <a:t> </a:t>
+            </a:r>
+            <a:r>
+              <a:rPr sz="900" spc="30" dirty="0">
                 <a:solidFill>
                   <a:srgbClr val="020302"/>
                 </a:solidFill>
                 <a:latin typeface="AdobeClean-Light"/>
                 <a:cs typeface="AdobeClean-Light"/>
               </a:rPr>
-              <a:t>帮助</a:t>
-            </a:r>
-            <a:r>
-              <a:rPr lang="en-US" sz="900" spc="-10" dirty="0">
+              <a:t> </a:t>
+            </a:r>
+            <a:r>
+              <a:rPr sz="900" spc="-20" dirty="0">
                 <a:solidFill>
                   <a:srgbClr val="020302"/>
                 </a:solidFill>
                 <a:latin typeface="AdobeClean-Light"/>
                 <a:cs typeface="AdobeClean-Light"/>
               </a:rPr>
-              <a:t>提交案例</a:t>
-            </a:r>
-            <a:endParaRPr lang="en-US" sz="900" spc="-20" dirty="0">
-              <a:solidFill>
-                <a:srgbClr val="020302"/>
-              </a:solidFill>
-              <a:latin typeface="AdobeClean-Light"/>
-              <a:cs typeface="AdobeClean-Light"/>
-            </a:endParaRPr>
+              <a:t>answers</a:t>
+            </a:r>
+            <a:r>
+              <a:rPr lang="en-US" sz="900" spc="-45" dirty="0">
+                <a:solidFill>
+                  <a:srgbClr val="020302"/>
+                </a:solidFill>
+                <a:latin typeface="AdobeClean-Light"/>
+                <a:cs typeface="AdobeClean-Light"/>
+              </a:rPr>
+              <a:t> </a:t>
+            </a:r>
+            <a:r>
+              <a:rPr lang="en-US" sz="900" dirty="0">
+                <a:solidFill>
+                  <a:srgbClr val="020302"/>
+                </a:solidFill>
+                <a:latin typeface="AdobeClean-Light"/>
+                <a:cs typeface="AdobeClean-Light"/>
+              </a:rPr>
+              <a:t>&amp; </a:t>
+            </a:r>
+            <a:r>
+              <a:rPr sz="900" spc="-15" dirty="0">
+                <a:solidFill>
+                  <a:srgbClr val="020302"/>
+                </a:solidFill>
+                <a:latin typeface="AdobeClean-Light"/>
+                <a:cs typeface="AdobeClean-Light"/>
+              </a:rPr>
+              <a:t>help </a:t>
+            </a:r>
+            <a:r>
+              <a:rPr sz="900" spc="-10" dirty="0">
+                <a:solidFill>
+                  <a:srgbClr val="020302"/>
+                </a:solidFill>
+                <a:latin typeface="AdobeClean-Light"/>
+                <a:cs typeface="AdobeClean-Light"/>
+              </a:rPr>
+              <a:t>with</a:t>
+            </a:r>
+            <a:r>
+              <a:rPr sz="900" spc="85" dirty="0">
+                <a:solidFill>
+                  <a:srgbClr val="020302"/>
+                </a:solidFill>
+                <a:latin typeface="AdobeClean-Light"/>
+                <a:cs typeface="AdobeClean-Light"/>
+              </a:rPr>
+              <a:t> </a:t>
+            </a:r>
+            <a:r>
+              <a:rPr sz="900" spc="-10" dirty="0">
+                <a:solidFill>
+                  <a:srgbClr val="020302"/>
+                </a:solidFill>
+                <a:latin typeface="AdobeClean-Light"/>
+                <a:cs typeface="AdobeClean-Light"/>
+              </a:rPr>
+              <a:t>case </a:t>
+            </a:r>
+            <a:r>
+              <a:rPr sz="900" spc="-20" dirty="0">
+                <a:solidFill>
+                  <a:srgbClr val="020302"/>
+                </a:solidFill>
+                <a:latin typeface="AdobeClean-Light"/>
+                <a:cs typeface="AdobeClean-Light"/>
+              </a:rPr>
+              <a:t>submission</a:t>
+            </a:r>
+            <a:r>
+              <a:rPr lang="en-US" sz="900" spc="-20" dirty="0">
+                <a:solidFill>
+                  <a:srgbClr val="020302"/>
+                </a:solidFill>
+                <a:latin typeface="AdobeClean-Light"/>
+                <a:cs typeface="AdobeClean-Light"/>
+              </a:rPr>
+              <a:t>.</a:t>
+            </a:r>
           </a:p>
           <a:p>
             <a:pPr marL="33020" marR="159385">
@@ -8614,28 +9521,28 @@
                 <a:spcPts val="100"/>
               </a:spcBef>
               <a:tabLst>
-                <a:tab pos="1786255" algn="l"/>
+                <a:tab pos="1786889" algn="l"/>
               </a:tabLst>
             </a:pPr>
             <a:r>
-              <a:rPr lang="en-US" sz="900" i="1" spc="-10" dirty="0">
+              <a:rPr sz="900" i="1" spc="-10" dirty="0">
                 <a:solidFill>
                   <a:srgbClr val="7A7A7A"/>
                 </a:solidFill>
                 <a:latin typeface="AdobeClean-LightIt"/>
                 <a:cs typeface="AdobeClean-LightIt"/>
               </a:rPr>
-              <a:t>*并非所有</a:t>
-            </a:r>
-            <a:r>
-              <a:rPr lang="en-US" sz="900" i="1" spc="-20" dirty="0">
+              <a:t>*Not all </a:t>
+            </a:r>
+            <a:r>
+              <a:rPr sz="900" i="1" spc="-20" dirty="0">
                 <a:solidFill>
                   <a:srgbClr val="7A7A7A"/>
                 </a:solidFill>
                 <a:latin typeface="AdobeClean-LightIt"/>
                 <a:cs typeface="AdobeClean-LightIt"/>
               </a:rPr>
-              <a:t>产品都提供实时聊天支持。</a:t>
+              <a:t>products have live chat support.  </a:t>
             </a:r>
             <a:endParaRPr sz="900" dirty="0">
               <a:latin typeface="AdobeClean-Light"/>
@@ -8675,7 +9582,13 @@
       </p:sp>
       <p:sp>
         <p:nvSpPr>
-          <p:cNvPr id="58" name="Rectangle 57"/>
+          <p:cNvPr id="58" name="Rectangle 57">
+            <a:extLst>
+              <a:ext uri="{FF2B5EF4-FFF2-40B4-BE49-F238E27FC236}">
+                <a16:creationId xmlns:a16="http://schemas.microsoft.com/office/drawing/2014/main" id="{B557BBA0-B07E-174D-93A4-C6FF07571950}"/>
+              </a:ext>
+            </a:extLst>
+          </p:cNvPr>
           <p:cNvSpPr/>
           <p:nvPr/>
         </p:nvSpPr>
@@ -8710,7 +9623,7 @@
                 <a:latin typeface="Adobe Clean"/>
                 <a:cs typeface="Adobe Clean"/>
               </a:rPr>
-              <a:t>在线支持</a:t>
+              <a:t>Online Support</a:t>
             </a:r>
             <a:endParaRPr lang="en-US" sz="1400" dirty="0">
               <a:latin typeface="Adobe Clean"/>
@@ -8721,8 +9634,16 @@
       </p:sp>
       <p:sp>
         <p:nvSpPr>
-          <p:cNvPr id="60" name="TextBox 59"/>
-          <p:cNvSpPr txBox="1"/>
+          <p:cNvPr id="60" name="TextBox 59">
+            <a:extLst>
+              <a:ext uri="{FF2B5EF4-FFF2-40B4-BE49-F238E27FC236}">
+                <a16:creationId xmlns:a16="http://schemas.microsoft.com/office/drawing/2014/main" id="{294BFC9C-CB48-FE4C-887D-D38E0BAE6627}"/>
+              </a:ext>
+            </a:extLst>
+          </p:cNvPr>
+          <p:cNvSpPr txBox="1">
+            <a:spLocks/>
+          </p:cNvSpPr>
           <p:nvPr/>
         </p:nvSpPr>
         <p:spPr>
@@ -8759,15 +9680,23 @@
                   <a:srgbClr val="000000"/>
                 </a:solidFill>
               </a:rPr>
-              <a:t>社区论坛</a:t>
+              <a:t>Community Forums</a:t>
             </a:r>
           </a:p>
         </p:txBody>
       </p:sp>
       <p:sp>
         <p:nvSpPr>
-          <p:cNvPr id="61" name="Rectangle 60"/>
-          <p:cNvSpPr/>
+          <p:cNvPr id="61" name="Rectangle 60">
+            <a:extLst>
+              <a:ext uri="{FF2B5EF4-FFF2-40B4-BE49-F238E27FC236}">
+                <a16:creationId xmlns:a16="http://schemas.microsoft.com/office/drawing/2014/main" id="{8F4C73CC-314D-8744-A9C8-6CE3C69810AD}"/>
+              </a:ext>
+            </a:extLst>
+          </p:cNvPr>
+          <p:cNvSpPr>
+            <a:spLocks/>
+          </p:cNvSpPr>
           <p:nvPr/>
         </p:nvSpPr>
         <p:spPr>
@@ -8799,14 +9728,20 @@
                 <a:ea typeface="Open Sans" pitchFamily="34" charset="0"/>
                 <a:cs typeface="Open Sans" pitchFamily="34" charset="0"/>
               </a:rPr>
-              <a:t>在线论坛</a:t>
+              <a:t>Online Forums</a:t>
             </a:r>
           </a:p>
         </p:txBody>
       </p:sp>
       <p:sp>
         <p:nvSpPr>
-          <p:cNvPr id="63" name="object 39"/>
+          <p:cNvPr id="63" name="object 39">
+            <a:extLst>
+              <a:ext uri="{FF2B5EF4-FFF2-40B4-BE49-F238E27FC236}">
+                <a16:creationId xmlns:a16="http://schemas.microsoft.com/office/drawing/2014/main" id="{5FDB276C-3505-C748-B612-64E8B08A71CB}"/>
+              </a:ext>
+            </a:extLst>
+          </p:cNvPr>
           <p:cNvSpPr txBox="1"/>
           <p:nvPr/>
         </p:nvSpPr>
@@ -8832,15 +9767,23 @@
                 </a:solidFill>
                 <a:latin typeface="Adobe Clean Light" panose="020B0303020404020204" pitchFamily="34" charset="0"/>
               </a:rPr>
-              <a:t>持续在线访问包括技术解决方案、产品文档、常见问题解答等的不断增长的数据库。在 Adobe 社区与从业人员和其他客户联系，分享最佳实践和经验教训。</a:t>
+              <a:t>Continuous online access to a growing database of technical solutions, product documentation, FAQs and more. Connect with practitioners and other customers on Adobe Community to share best practices and lessons learned.</a:t>
             </a:r>
           </a:p>
         </p:txBody>
       </p:sp>
       <p:sp>
         <p:nvSpPr>
-          <p:cNvPr id="64" name="TextBox 63"/>
-          <p:cNvSpPr txBox="1"/>
+          <p:cNvPr id="64" name="TextBox 63">
+            <a:extLst>
+              <a:ext uri="{FF2B5EF4-FFF2-40B4-BE49-F238E27FC236}">
+                <a16:creationId xmlns:a16="http://schemas.microsoft.com/office/drawing/2014/main" id="{307D5718-D08A-9540-BB33-65BD23443E9E}"/>
+              </a:ext>
+            </a:extLst>
+          </p:cNvPr>
+          <p:cNvSpPr txBox="1">
+            <a:spLocks/>
+          </p:cNvSpPr>
           <p:nvPr/>
         </p:nvSpPr>
         <p:spPr>
@@ -8884,8 +9827,16 @@
       </p:sp>
       <p:sp>
         <p:nvSpPr>
-          <p:cNvPr id="65" name="Rectangle 64"/>
-          <p:cNvSpPr/>
+          <p:cNvPr id="65" name="Rectangle 64">
+            <a:extLst>
+              <a:ext uri="{FF2B5EF4-FFF2-40B4-BE49-F238E27FC236}">
+                <a16:creationId xmlns:a16="http://schemas.microsoft.com/office/drawing/2014/main" id="{6E1B1B00-5842-3A4E-A250-97EC5CF16C89}"/>
+              </a:ext>
+            </a:extLst>
+          </p:cNvPr>
+          <p:cNvSpPr>
+            <a:spLocks/>
+          </p:cNvSpPr>
           <p:nvPr/>
         </p:nvSpPr>
         <p:spPr>
@@ -8917,14 +9868,20 @@
                 <a:ea typeface="Open Sans" pitchFamily="34" charset="0"/>
                 <a:cs typeface="Open Sans" pitchFamily="34" charset="0"/>
               </a:rPr>
-              <a:t>自助式历程</a:t>
+              <a:t>Self-guided Journeys</a:t>
             </a:r>
           </a:p>
         </p:txBody>
       </p:sp>
       <p:sp>
         <p:nvSpPr>
-          <p:cNvPr id="67" name="object 39"/>
+          <p:cNvPr id="67" name="object 39">
+            <a:extLst>
+              <a:ext uri="{FF2B5EF4-FFF2-40B4-BE49-F238E27FC236}">
+                <a16:creationId xmlns:a16="http://schemas.microsoft.com/office/drawing/2014/main" id="{22816550-445E-B945-8FBC-36EF6779CB5A}"/>
+              </a:ext>
+            </a:extLst>
+          </p:cNvPr>
           <p:cNvSpPr txBox="1"/>
           <p:nvPr/>
         </p:nvSpPr>
@@ -8950,15 +9907,23 @@
                 </a:solidFill>
                 <a:latin typeface="Adobe Clean Light" panose="020B0303020404020204" pitchFamily="34" charset="0"/>
               </a:rPr>
-              <a:t>Experience Makers 是使用 Experience League 创建的。客户可以通过个性化学习来获得客户体验管理能力，从而培养技能、与全球同行社区互动并获得职业发展的认可。</a:t>
+              <a:t>Experience Makers are made with Experience League. Customers can kickstart their Customer Experience Management abilities with personalized learning to develop skills, engage with a global community of peers, and earn career advancing recognition. </a:t>
             </a:r>
           </a:p>
         </p:txBody>
       </p:sp>
       <p:sp>
         <p:nvSpPr>
-          <p:cNvPr id="68" name="TextBox 67"/>
-          <p:cNvSpPr txBox="1"/>
+          <p:cNvPr id="68" name="TextBox 67">
+            <a:extLst>
+              <a:ext uri="{FF2B5EF4-FFF2-40B4-BE49-F238E27FC236}">
+                <a16:creationId xmlns:a16="http://schemas.microsoft.com/office/drawing/2014/main" id="{9ECD1BA6-CEEE-844E-AF6F-559A8A63D75E}"/>
+              </a:ext>
+            </a:extLst>
+          </p:cNvPr>
+          <p:cNvSpPr txBox="1">
+            <a:spLocks/>
+          </p:cNvSpPr>
           <p:nvPr/>
         </p:nvSpPr>
         <p:spPr>
@@ -8995,15 +9960,23 @@
                   <a:srgbClr val="000000"/>
                 </a:solidFill>
               </a:rPr>
-              <a:t>办公室会议</a:t>
+              <a:t>Office Hours</a:t>
             </a:r>
           </a:p>
         </p:txBody>
       </p:sp>
       <p:sp>
         <p:nvSpPr>
-          <p:cNvPr id="69" name="Rectangle 68"/>
-          <p:cNvSpPr/>
+          <p:cNvPr id="69" name="Rectangle 68">
+            <a:extLst>
+              <a:ext uri="{FF2B5EF4-FFF2-40B4-BE49-F238E27FC236}">
+                <a16:creationId xmlns:a16="http://schemas.microsoft.com/office/drawing/2014/main" id="{7DA7CB19-F565-574F-B3FA-E89DD1FA6586}"/>
+              </a:ext>
+            </a:extLst>
+          </p:cNvPr>
+          <p:cNvSpPr>
+            <a:spLocks/>
+          </p:cNvSpPr>
           <p:nvPr/>
         </p:nvSpPr>
         <p:spPr>
@@ -9035,14 +10008,20 @@
                 <a:ea typeface="Open Sans" pitchFamily="34" charset="0"/>
                 <a:cs typeface="Open Sans" pitchFamily="34" charset="0"/>
               </a:rPr>
-              <a:t>网络研讨会</a:t>
+              <a:t>Webinars</a:t>
             </a:r>
           </a:p>
         </p:txBody>
       </p:sp>
       <p:sp>
         <p:nvSpPr>
-          <p:cNvPr id="71" name="object 39"/>
+          <p:cNvPr id="71" name="object 39">
+            <a:extLst>
+              <a:ext uri="{FF2B5EF4-FFF2-40B4-BE49-F238E27FC236}">
+                <a16:creationId xmlns:a16="http://schemas.microsoft.com/office/drawing/2014/main" id="{10E2A620-85A0-BF43-9C3B-EBFDC57F1C94}"/>
+              </a:ext>
+            </a:extLst>
+          </p:cNvPr>
           <p:cNvSpPr txBox="1"/>
           <p:nvPr/>
         </p:nvSpPr>
@@ -9068,15 +10047,23 @@
                 </a:solidFill>
                 <a:latin typeface="Adobe Clean Light" panose="020B0303020404020204" pitchFamily="34" charset="0"/>
               </a:rPr>
-              <a:t>Adobe 客户支持团队开展的“办公室会议”计划包括各种讲座，旨在指导并帮助参与者排除问题，并提供有助于 Adobe 解决方案发挥成效的提示和技巧。</a:t>
+              <a:t>Office  Hours  led  by  the  Adobe  Customer Support  team  includes  sessions  designed to  inform  as  well  as  help  participants troubleshoot  problems  and  provide  tips and  tricks  for  success  with  Adobe  solutions.</a:t>
             </a:r>
           </a:p>
         </p:txBody>
       </p:sp>
       <p:sp>
         <p:nvSpPr>
-          <p:cNvPr id="72" name="TextBox 71"/>
-          <p:cNvSpPr txBox="1"/>
+          <p:cNvPr id="72" name="TextBox 71">
+            <a:extLst>
+              <a:ext uri="{FF2B5EF4-FFF2-40B4-BE49-F238E27FC236}">
+                <a16:creationId xmlns:a16="http://schemas.microsoft.com/office/drawing/2014/main" id="{0393F152-F7E3-7D4B-B649-5A22771A6CDC}"/>
+              </a:ext>
+            </a:extLst>
+          </p:cNvPr>
+          <p:cNvSpPr txBox="1">
+            <a:spLocks/>
+          </p:cNvSpPr>
           <p:nvPr/>
         </p:nvSpPr>
         <p:spPr>
@@ -9104,7 +10091,7 @@
             </a:lvl1pPr>
           </a:lstStyle>
           <a:p>
-            <a:pPr defTabSz="913765">
+            <a:pPr defTabSz="913563">
               <a:defRPr/>
             </a:pPr>
             <a:r>
@@ -9113,15 +10100,23 @@
                   <a:srgbClr val="000000"/>
                 </a:solidFill>
               </a:rPr>
-              <a:t>自助门户</a:t>
+              <a:t>Self-help Portals</a:t>
             </a:r>
           </a:p>
         </p:txBody>
       </p:sp>
       <p:sp>
         <p:nvSpPr>
-          <p:cNvPr id="73" name="Rectangle 72"/>
-          <p:cNvSpPr/>
+          <p:cNvPr id="73" name="Rectangle 72">
+            <a:extLst>
+              <a:ext uri="{FF2B5EF4-FFF2-40B4-BE49-F238E27FC236}">
+                <a16:creationId xmlns:a16="http://schemas.microsoft.com/office/drawing/2014/main" id="{54CB0472-0ABB-194C-8704-0BEA64FA03BF}"/>
+              </a:ext>
+            </a:extLst>
+          </p:cNvPr>
+          <p:cNvSpPr>
+            <a:spLocks/>
+          </p:cNvSpPr>
           <p:nvPr/>
         </p:nvSpPr>
         <p:spPr>
@@ -9153,14 +10148,20 @@
                 <a:ea typeface="Open Sans" pitchFamily="34" charset="0"/>
                 <a:cs typeface="Open Sans" pitchFamily="34" charset="0"/>
               </a:rPr>
-              <a:t>全天候支持门户</a:t>
+              <a:t>24/7 Support Portal</a:t>
             </a:r>
           </a:p>
         </p:txBody>
       </p:sp>
       <p:sp>
         <p:nvSpPr>
-          <p:cNvPr id="75" name="object 39"/>
+          <p:cNvPr id="75" name="object 39">
+            <a:extLst>
+              <a:ext uri="{FF2B5EF4-FFF2-40B4-BE49-F238E27FC236}">
+                <a16:creationId xmlns:a16="http://schemas.microsoft.com/office/drawing/2014/main" id="{C2C0178A-612A-E74E-A0F8-532A89A66F0C}"/>
+              </a:ext>
+            </a:extLst>
+          </p:cNvPr>
           <p:cNvSpPr txBox="1"/>
           <p:nvPr/>
         </p:nvSpPr>
@@ -9186,15 +10187,23 @@
                 </a:solidFill>
                 <a:latin typeface="Adobe Clean Light" panose="020B0303020404020204" pitchFamily="34" charset="0"/>
               </a:rPr>
-              <a:t>按需访问在线自助支持门户以提交支持请求、查看案例状态并浏览其他资源，例如我们的知识库、新闻和通知、特色小贴士等。</a:t>
+              <a:t>On-demand access to the online Self-help Support Portal to submit support requests, review case status, and browse other resources, like our knowledgebase, news and alerts, featured tips, and more.</a:t>
             </a:r>
           </a:p>
         </p:txBody>
       </p:sp>
       <p:sp>
         <p:nvSpPr>
-          <p:cNvPr id="77" name="TextBox 76"/>
-          <p:cNvSpPr txBox="1"/>
+          <p:cNvPr id="77" name="TextBox 76">
+            <a:extLst>
+              <a:ext uri="{FF2B5EF4-FFF2-40B4-BE49-F238E27FC236}">
+                <a16:creationId xmlns:a16="http://schemas.microsoft.com/office/drawing/2014/main" id="{3C8012AA-ACFC-F14A-9871-8C8BC94B3109}"/>
+              </a:ext>
+            </a:extLst>
+          </p:cNvPr>
+          <p:cNvSpPr txBox="1">
+            <a:spLocks/>
+          </p:cNvSpPr>
           <p:nvPr/>
         </p:nvSpPr>
         <p:spPr>
@@ -9231,15 +10240,23 @@
                   <a:srgbClr val="000000"/>
                 </a:solidFill>
               </a:rPr>
-              <a:t>实时聊天支持*</a:t>
+              <a:t>Live Chat  Support*</a:t>
             </a:r>
           </a:p>
         </p:txBody>
       </p:sp>
       <p:sp>
         <p:nvSpPr>
-          <p:cNvPr id="78" name="Rectangle 77"/>
-          <p:cNvSpPr/>
+          <p:cNvPr id="78" name="Rectangle 77">
+            <a:extLst>
+              <a:ext uri="{FF2B5EF4-FFF2-40B4-BE49-F238E27FC236}">
+                <a16:creationId xmlns:a16="http://schemas.microsoft.com/office/drawing/2014/main" id="{3FD5E5E8-A228-E646-A72D-9542B6773A8E}"/>
+              </a:ext>
+            </a:extLst>
+          </p:cNvPr>
+          <p:cNvSpPr>
+            <a:spLocks/>
+          </p:cNvSpPr>
           <p:nvPr/>
         </p:nvSpPr>
         <p:spPr>
@@ -9271,15 +10288,23 @@
                 <a:ea typeface="Open Sans" pitchFamily="34" charset="0"/>
                 <a:cs typeface="Open Sans" pitchFamily="34" charset="0"/>
               </a:rPr>
-              <a:t>聊天支持</a:t>
+              <a:t>Chat Support</a:t>
             </a:r>
           </a:p>
         </p:txBody>
       </p:sp>
       <p:sp>
         <p:nvSpPr>
-          <p:cNvPr id="80" name="TextBox 79"/>
-          <p:cNvSpPr txBox="1"/>
+          <p:cNvPr id="80" name="TextBox 79">
+            <a:extLst>
+              <a:ext uri="{FF2B5EF4-FFF2-40B4-BE49-F238E27FC236}">
+                <a16:creationId xmlns:a16="http://schemas.microsoft.com/office/drawing/2014/main" id="{DAF3EBEF-0B3F-B542-A30E-3B7228432027}"/>
+              </a:ext>
+            </a:extLst>
+          </p:cNvPr>
+          <p:cNvSpPr txBox="1">
+            <a:spLocks/>
+          </p:cNvSpPr>
           <p:nvPr/>
         </p:nvSpPr>
         <p:spPr>
@@ -9316,15 +10341,23 @@
                   <a:srgbClr val="000000"/>
                 </a:solidFill>
               </a:rPr>
-              <a:t>全天候 P1 </a:t>
+              <a:t>24 X 7 X 365 P1 </a:t>
             </a:r>
           </a:p>
         </p:txBody>
       </p:sp>
       <p:sp>
         <p:nvSpPr>
-          <p:cNvPr id="81" name="Rectangle 80"/>
-          <p:cNvSpPr/>
+          <p:cNvPr id="81" name="Rectangle 80">
+            <a:extLst>
+              <a:ext uri="{FF2B5EF4-FFF2-40B4-BE49-F238E27FC236}">
+                <a16:creationId xmlns:a16="http://schemas.microsoft.com/office/drawing/2014/main" id="{075E4356-C31F-674D-B927-91CC2C099FA3}"/>
+              </a:ext>
+            </a:extLst>
+          </p:cNvPr>
+          <p:cNvSpPr>
+            <a:spLocks/>
+          </p:cNvSpPr>
           <p:nvPr/>
         </p:nvSpPr>
         <p:spPr>
@@ -9356,21 +10389,27 @@
                 <a:ea typeface="Open Sans" pitchFamily="34" charset="0"/>
                 <a:cs typeface="Open Sans" pitchFamily="34" charset="0"/>
               </a:rPr>
-              <a:t>电话支持</a:t>
+              <a:t>Phone  Support</a:t>
             </a:r>
           </a:p>
         </p:txBody>
       </p:sp>
       <p:sp>
         <p:nvSpPr>
-          <p:cNvPr id="82" name="object 39"/>
+          <p:cNvPr id="82" name="object 39">
+            <a:extLst>
+              <a:ext uri="{FF2B5EF4-FFF2-40B4-BE49-F238E27FC236}">
+                <a16:creationId xmlns:a16="http://schemas.microsoft.com/office/drawing/2014/main" id="{95A83EB9-E8E1-7547-BBE3-E1F42C56BF6A}"/>
+              </a:ext>
+            </a:extLst>
+          </p:cNvPr>
           <p:cNvSpPr txBox="1"/>
           <p:nvPr/>
         </p:nvSpPr>
         <p:spPr>
           <a:xfrm>
-            <a:off x="3834130" y="8474075"/>
-            <a:ext cx="3199765" cy="497205"/>
+            <a:off x="3833993" y="8494028"/>
+            <a:ext cx="3413002" cy="497572"/>
           </a:xfrm>
           <a:prstGeom prst="rect">
             <a:avLst/>
@@ -9389,13 +10428,13 @@
                 </a:solidFill>
                 <a:latin typeface="AdobeClean-Light"/>
               </a:rPr>
-              <a:t>授权用户或指定的支持联系人</a:t>
+              <a:t>Authorized users or Named Support Contacts </a:t>
             </a:r>
             <a:r>
               <a:rPr lang="en-US" sz="1000" dirty="0">
                 <a:latin typeface="Adobe Clean Light" panose="020B0303020404020204" pitchFamily="34" charset="0"/>
               </a:rPr>
-              <a:t>可以通过所有可用渠道（包括 P1 的电话）提交问题，并代表您的公司与我们的技术支持团队互动。</a:t>
+              <a:t>can submit issues through all available  channels (including phone for P1) and interact with our technical support team on behalf of your company. </a:t>
             </a:r>
             <a:endParaRPr lang="en-US" sz="1000" dirty="0">
               <a:solidFill>
@@ -9408,7 +10447,13 @@
       </p:sp>
       <p:sp>
         <p:nvSpPr>
-          <p:cNvPr id="84" name="object 10"/>
+          <p:cNvPr id="84" name="object 10">
+            <a:extLst>
+              <a:ext uri="{FF2B5EF4-FFF2-40B4-BE49-F238E27FC236}">
+                <a16:creationId xmlns:a16="http://schemas.microsoft.com/office/drawing/2014/main" id="{CBCF4964-CAC8-F146-B2E2-51ED8B3DC99A}"/>
+              </a:ext>
+            </a:extLst>
+          </p:cNvPr>
           <p:cNvSpPr txBox="1">
             <a:spLocks noGrp="1"/>
           </p:cNvSpPr>
@@ -9419,7 +10464,7 @@
         <p:spPr>
           <a:xfrm>
             <a:off x="5253416" y="9862966"/>
-            <a:ext cx="2823784" cy="132729"/>
+            <a:ext cx="2270125" cy="132729"/>
           </a:xfrm>
           <a:prstGeom prst="rect">
             <a:avLst/>
@@ -9440,15 +10485,23 @@
               </a:spcBef>
             </a:pPr>
             <a:r>
+              <a:rPr spc="-5" dirty="0"/>
+              <a:t>©202</a:t>
+            </a:r>
+            <a:r>
               <a:rPr lang="en-US" spc="-5" dirty="0"/>
-              <a:t>©2021 Adobe.All Rights Reserved.Adobe</a:t>
-            </a:r>
-            <a:r>
-              <a:rPr lang="en-US" spc="60" dirty="0"/>
+              <a:t>1</a:t>
+            </a:r>
+            <a:r>
+              <a:rPr spc="-5" dirty="0"/>
+              <a:t> Adobe. All Rights Reserved. Adobe</a:t>
+            </a:r>
+            <a:r>
+              <a:rPr spc="60" dirty="0"/>
               <a:t> </a:t>
             </a:r>
             <a:r>
-              <a:rPr lang="en-US" spc="-5" dirty="0"/>
+              <a:rPr spc="-5" dirty="0"/>
               <a:t>Confidential.</a:t>
             </a:r>
           </a:p>
@@ -9456,7 +10509,13 @@
       </p:sp>
       <p:pic>
         <p:nvPicPr>
-          <p:cNvPr id="40" name="Graphic 39" descr="客户审查轮廓图"/>
+          <p:cNvPr id="40" name="Graphic 39" descr="Customer review outline">
+            <a:extLst>
+              <a:ext uri="{FF2B5EF4-FFF2-40B4-BE49-F238E27FC236}">
+                <a16:creationId xmlns:a16="http://schemas.microsoft.com/office/drawing/2014/main" id="{4E262C55-4C32-2544-98DA-C02B8E971D1B}"/>
+              </a:ext>
+            </a:extLst>
+          </p:cNvPr>
           <p:cNvPicPr>
             <a:picLocks noChangeAspect="1"/>
           </p:cNvPicPr>
@@ -9489,7 +10548,13 @@
       </p:pic>
       <p:pic>
         <p:nvPicPr>
-          <p:cNvPr id="43" name="Graphic 42" descr="远程学习语言轮廓图"/>
+          <p:cNvPr id="43" name="Graphic 42" descr="Remote learning language outline">
+            <a:extLst>
+              <a:ext uri="{FF2B5EF4-FFF2-40B4-BE49-F238E27FC236}">
+                <a16:creationId xmlns:a16="http://schemas.microsoft.com/office/drawing/2014/main" id="{E6296687-6BD9-6048-A379-6D8F8F04D10C}"/>
+              </a:ext>
+            </a:extLst>
+          </p:cNvPr>
           <p:cNvPicPr>
             <a:picLocks noChangeAspect="1"/>
           </p:cNvPicPr>
@@ -9522,7 +10587,13 @@
       </p:pic>
       <p:pic>
         <p:nvPicPr>
-          <p:cNvPr id="44" name="Graphic 43" descr="路标轮廓图"/>
+          <p:cNvPr id="44" name="Graphic 43" descr="Signpost outline">
+            <a:extLst>
+              <a:ext uri="{FF2B5EF4-FFF2-40B4-BE49-F238E27FC236}">
+                <a16:creationId xmlns:a16="http://schemas.microsoft.com/office/drawing/2014/main" id="{A7AEBE03-711D-0D45-9260-22F215047C1D}"/>
+              </a:ext>
+            </a:extLst>
+          </p:cNvPr>
           <p:cNvPicPr>
             <a:picLocks noChangeAspect="1"/>
           </p:cNvPicPr>
@@ -9555,7 +10626,13 @@
       </p:pic>
       <p:pic>
         <p:nvPicPr>
-          <p:cNvPr id="45" name="Graphic 44" descr="Internet 轮廓图"/>
+          <p:cNvPr id="45" name="Graphic 44" descr="Internet outline">
+            <a:extLst>
+              <a:ext uri="{FF2B5EF4-FFF2-40B4-BE49-F238E27FC236}">
+                <a16:creationId xmlns:a16="http://schemas.microsoft.com/office/drawing/2014/main" id="{53393DA1-2F49-204A-98D0-CC1953C765FE}"/>
+              </a:ext>
+            </a:extLst>
+          </p:cNvPr>
           <p:cNvPicPr>
             <a:picLocks noChangeAspect="1"/>
           </p:cNvPicPr>
@@ -9588,7 +10665,13 @@
       </p:pic>
       <p:pic>
         <p:nvPicPr>
-          <p:cNvPr id="47" name="Graphic 46" descr="聊天气泡轮廓图"/>
+          <p:cNvPr id="47" name="Graphic 46" descr="Chat bubble outline">
+            <a:extLst>
+              <a:ext uri="{FF2B5EF4-FFF2-40B4-BE49-F238E27FC236}">
+                <a16:creationId xmlns:a16="http://schemas.microsoft.com/office/drawing/2014/main" id="{FE42C6EE-710B-DF4A-BC9E-4EF15D56E0B2}"/>
+              </a:ext>
+            </a:extLst>
+          </p:cNvPr>
           <p:cNvPicPr>
             <a:picLocks noChangeAspect="1"/>
           </p:cNvPicPr>
@@ -9621,7 +10704,13 @@
       </p:pic>
       <p:pic>
         <p:nvPicPr>
-          <p:cNvPr id="51" name="Graphic 50" descr="免提电话轮廓图"/>
+          <p:cNvPr id="51" name="Graphic 50" descr="Speaker phone outline">
+            <a:extLst>
+              <a:ext uri="{FF2B5EF4-FFF2-40B4-BE49-F238E27FC236}">
+                <a16:creationId xmlns:a16="http://schemas.microsoft.com/office/drawing/2014/main" id="{38A761D0-3F50-2A48-8BEE-9A284E6142EE}"/>
+              </a:ext>
+            </a:extLst>
+          </p:cNvPr>
           <p:cNvPicPr>
             <a:picLocks noChangeAspect="1"/>
           </p:cNvPicPr>
@@ -9704,17 +10793,17 @@
               </a:lnSpc>
             </a:pPr>
             <a:r>
-              <a:rPr lang="en-US" sz="500" spc="-5" dirty="0">
+              <a:rPr sz="500" spc="-5" dirty="0">
                 <a:solidFill>
                   <a:srgbClr val="6C6C6C"/>
                 </a:solidFill>
                 <a:latin typeface="Adobe Clean"/>
                 <a:cs typeface="Adobe Clean"/>
               </a:rPr>
-              <a:t>© 2020 Adobe. All Rights Reserved.</a:t>
-            </a:r>
-            <a:r>
-              <a:rPr lang="en-US" sz="500" dirty="0">
+              <a:t>©2020 Adobe. All Rights Reserved. </a:t>
+            </a:r>
+            <a:r>
+              <a:rPr sz="500" dirty="0">
                 <a:solidFill>
                   <a:srgbClr val="6C6C6C"/>
                 </a:solidFill>
@@ -9724,7 +10813,7 @@
               <a:t>Adobe</a:t>
             </a:r>
             <a:r>
-              <a:rPr lang="en-US" sz="500" spc="5" dirty="0">
+              <a:rPr sz="500" spc="5" dirty="0">
                 <a:solidFill>
                   <a:srgbClr val="6C6C6C"/>
                 </a:solidFill>
@@ -9734,7 +10823,7 @@
               <a:t> </a:t>
             </a:r>
             <a:r>
-              <a:rPr lang="en-US" sz="500" spc="-5" dirty="0">
+              <a:rPr sz="500" spc="-5" dirty="0">
                 <a:solidFill>
                   <a:srgbClr val="6C6C6C"/>
                 </a:solidFill>
@@ -9772,17 +10861,17 @@
               </a:spcBef>
             </a:pPr>
             <a:r>
-              <a:rPr lang="en-US" sz="800" spc="-5" dirty="0">
+              <a:rPr sz="800" spc="-5" dirty="0">
                 <a:solidFill>
                   <a:srgbClr val="6D6D6D"/>
                 </a:solidFill>
                 <a:latin typeface="Adobe Clean"/>
                 <a:cs typeface="Adobe Clean"/>
               </a:rPr>
-              <a:t>© 2020 Adobe. All Rights Reserved.Adobe</a:t>
-            </a:r>
-            <a:r>
-              <a:rPr lang="en-US" sz="800" spc="75" dirty="0">
+              <a:t>©2020 Adobe. All Rights Reserved. Adobe</a:t>
+            </a:r>
+            <a:r>
+              <a:rPr sz="800" spc="75" dirty="0">
                 <a:solidFill>
                   <a:srgbClr val="6D6D6D"/>
                 </a:solidFill>
@@ -9792,7 +10881,7 @@
               <a:t> </a:t>
             </a:r>
             <a:r>
-              <a:rPr lang="en-US" sz="800" spc="-5" dirty="0">
+              <a:rPr sz="800" spc="-5" dirty="0">
                 <a:solidFill>
                   <a:srgbClr val="6D6D6D"/>
                 </a:solidFill>
@@ -9895,7 +10984,7 @@
                 <a:latin typeface="Adobe Clean"/>
                 <a:cs typeface="Adobe Clean"/>
               </a:rPr>
-              <a:t>资源</a:t>
+              <a:t>Resources</a:t>
             </a:r>
             <a:endParaRPr sz="1400" dirty="0">
               <a:latin typeface="Adobe Clean"/>
@@ -9913,14 +11002,14 @@
         <p:spPr>
           <a:xfrm>
             <a:off x="6754821" y="9283729"/>
-            <a:ext cx="930275" cy="662305"/>
+            <a:ext cx="930275" cy="758541"/>
           </a:xfrm>
           <a:prstGeom prst="rect">
             <a:avLst/>
           </a:prstGeom>
         </p:spPr>
         <p:txBody>
-          <a:bodyPr vert="horz" wrap="square" lIns="0" tIns="12065" rIns="0" bIns="0" rtlCol="0">
+          <a:bodyPr vert="horz" wrap="square" lIns="0" tIns="12065" rIns="0" bIns="0" rtlCol="0" anchor="t">
             <a:spAutoFit/>
           </a:bodyPr>
           <a:lstStyle/>
@@ -9934,7 +11023,7 @@
               </a:spcBef>
             </a:pPr>
             <a:r>
-              <a:rPr lang="en-US" sz="800" spc="-15" dirty="0">
+              <a:rPr sz="800" spc="-15" dirty="0">
                 <a:solidFill>
                   <a:srgbClr val="777879"/>
                 </a:solidFill>
@@ -9955,36 +11044,26 @@
               </a:lnSpc>
             </a:pPr>
             <a:r>
-              <a:rPr lang="en-US" sz="800" spc="-15" dirty="0">
+              <a:rPr sz="800" spc="-15" dirty="0">
                 <a:solidFill>
                   <a:srgbClr val="777879"/>
                 </a:solidFill>
                 <a:latin typeface="Adobe Clean"/>
                 <a:cs typeface="Adobe Clean"/>
               </a:rPr>
-              <a:t>345 Park</a:t>
-            </a:r>
-            <a:r>
-              <a:rPr lang="en-US" sz="800" spc="-100" dirty="0">
+              <a:t>345 </a:t>
+            </a:r>
+            <a:r>
+              <a:rPr lang="en-US" sz="800" spc="-15" dirty="0">
                 <a:solidFill>
                   <a:srgbClr val="777879"/>
                 </a:solidFill>
                 <a:latin typeface="Adobe Clean"/>
                 <a:cs typeface="Adobe Clean"/>
               </a:rPr>
-              <a:t> </a:t>
-            </a:r>
-            <a:r>
-              <a:rPr lang="en-US" sz="800" spc="-15" dirty="0">
-                <a:solidFill>
-                  <a:srgbClr val="777879"/>
-                </a:solidFill>
-                <a:latin typeface="Adobe Clean"/>
-                <a:cs typeface="Adobe Clean"/>
-              </a:rPr>
-              <a:t>Avenue</a:t>
-            </a:r>
-            <a:endParaRPr sz="800">
+              <a:t>Park Avenue</a:t>
+            </a:r>
+            <a:endParaRPr sz="800" dirty="0">
               <a:latin typeface="Adobe Clean"/>
               <a:cs typeface="Adobe Clean"/>
             </a:endParaRPr>
@@ -9992,11 +11071,11 @@
           <a:p>
             <a:pPr marL="12700">
               <a:lnSpc>
-                <a:spcPts val="945"/>
+                <a:spcPts val="944"/>
               </a:lnSpc>
             </a:pPr>
             <a:r>
-              <a:rPr lang="en-US" sz="800" spc="-10" dirty="0">
+              <a:rPr sz="800" spc="-10" dirty="0">
                 <a:solidFill>
                   <a:srgbClr val="777879"/>
                 </a:solidFill>
@@ -10006,7 +11085,7 @@
               <a:t>San </a:t>
             </a:r>
             <a:r>
-              <a:rPr lang="en-US" sz="800" spc="-15" dirty="0">
+              <a:rPr sz="800" spc="-15" dirty="0">
                 <a:solidFill>
                   <a:srgbClr val="777879"/>
                 </a:solidFill>
@@ -10016,7 +11095,7 @@
               <a:t>Jose,</a:t>
             </a:r>
             <a:r>
-              <a:rPr lang="en-US" sz="800" spc="-140" dirty="0">
+              <a:rPr sz="800" spc="-140" dirty="0">
                 <a:solidFill>
                   <a:srgbClr val="777879"/>
                 </a:solidFill>
@@ -10026,7 +11105,7 @@
               <a:t> </a:t>
             </a:r>
             <a:r>
-              <a:rPr lang="en-US" sz="800" spc="-20" dirty="0">
+              <a:rPr sz="800" spc="-20" dirty="0">
                 <a:solidFill>
                   <a:srgbClr val="777879"/>
                 </a:solidFill>
@@ -10050,7 +11129,7 @@
               </a:spcBef>
             </a:pPr>
             <a:r>
-              <a:rPr lang="en-US" sz="800" spc="-10" dirty="0">
+              <a:rPr sz="800" spc="-10" dirty="0">
                 <a:solidFill>
                   <a:srgbClr val="777879"/>
                 </a:solidFill>
@@ -10074,7 +11153,7 @@
               </a:spcBef>
             </a:pPr>
             <a:r>
-              <a:rPr lang="en-US" sz="800" u="sng" spc="-25" dirty="0">
+              <a:rPr sz="800" u="sng" spc="-25" dirty="0">
                 <a:solidFill>
                   <a:srgbClr val="5F5F5F"/>
                 </a:solidFill>
@@ -10087,7 +11166,7 @@
                 <a:cs typeface="Adobe Clean"/>
                 <a:hlinkClick r:id="rId3"/>
               </a:rPr>
-              <a:t>www.adobe.com/cn/</a:t>
+              <a:t>www.adobe.com</a:t>
             </a:r>
             <a:endParaRPr sz="800">
               <a:latin typeface="Adobe Clean"/>
@@ -10253,7 +11332,7 @@
           </a:prstGeom>
         </p:spPr>
         <p:txBody>
-          <a:bodyPr vert="horz" wrap="square" lIns="0" tIns="29845" rIns="0" bIns="0" rtlCol="0">
+          <a:bodyPr vert="horz" wrap="square" lIns="0" tIns="29845" rIns="0" bIns="0" rtlCol="0" anchor="t">
             <a:spAutoFit/>
           </a:bodyPr>
           <a:lstStyle/>
@@ -10267,134 +11346,444 @@
               </a:spcBef>
             </a:pPr>
             <a:r>
-              <a:rPr lang="en-US" sz="1100" i="1" spc="-10" dirty="0">
+              <a:rPr sz="1100" i="1" spc="-10" dirty="0">
                 <a:solidFill>
                   <a:srgbClr val="777879"/>
                 </a:solidFill>
                 <a:latin typeface="AdobeClean-LightIt"/>
                 <a:cs typeface="AdobeClean-LightIt"/>
               </a:rPr>
-              <a:t>要</a:t>
-            </a:r>
-            <a:r>
-              <a:rPr lang="en-US" sz="1100" i="1" spc="-15" dirty="0">
+              <a:t>To</a:t>
+            </a:r>
+            <a:r>
+              <a:rPr sz="1100" i="1" spc="-50" dirty="0">
                 <a:solidFill>
                   <a:srgbClr val="777879"/>
                 </a:solidFill>
                 <a:latin typeface="AdobeClean-LightIt"/>
                 <a:cs typeface="AdobeClean-LightIt"/>
               </a:rPr>
-              <a:t>详细了解</a:t>
-            </a:r>
-            <a:r>
-              <a:rPr lang="en-US" sz="1100" i="1" spc="-45" dirty="0">
+              <a:t> </a:t>
+            </a:r>
+            <a:r>
+              <a:rPr sz="1100" i="1" spc="-15" dirty="0">
                 <a:solidFill>
                   <a:srgbClr val="777879"/>
                 </a:solidFill>
                 <a:latin typeface="AdobeClean-LightIt"/>
                 <a:cs typeface="AdobeClean-LightIt"/>
               </a:rPr>
-              <a:t> </a:t>
-            </a:r>
-            <a:r>
-              <a:rPr lang="en-US" sz="1100" i="1" spc="-15" dirty="0">
+              <a:t>learn</a:t>
+            </a:r>
+            <a:r>
+              <a:rPr sz="1100" i="1" spc="-40" dirty="0">
                 <a:solidFill>
                   <a:srgbClr val="777879"/>
                 </a:solidFill>
                 <a:latin typeface="AdobeClean-LightIt"/>
                 <a:cs typeface="AdobeClean-LightIt"/>
               </a:rPr>
-              <a:t>Adobe</a:t>
-            </a:r>
-            <a:r>
-              <a:rPr lang="en-US" sz="1100" i="1" spc="-60" dirty="0">
+              <a:t> </a:t>
+            </a:r>
+            <a:r>
+              <a:rPr sz="1100" i="1" spc="-15" dirty="0">
                 <a:solidFill>
                   <a:srgbClr val="777879"/>
                 </a:solidFill>
                 <a:latin typeface="AdobeClean-LightIt"/>
                 <a:cs typeface="AdobeClean-LightIt"/>
               </a:rPr>
-              <a:t> </a:t>
-            </a:r>
-            <a:r>
-              <a:rPr lang="en-US" sz="1100" i="1" spc="-15" dirty="0">
+              <a:t>more</a:t>
+            </a:r>
+            <a:r>
+              <a:rPr sz="1100" i="1" spc="-45" dirty="0">
                 <a:solidFill>
                   <a:srgbClr val="777879"/>
                 </a:solidFill>
                 <a:latin typeface="AdobeClean-LightIt"/>
                 <a:cs typeface="AdobeClean-LightIt"/>
               </a:rPr>
-              <a:t>支持产品/服务和您的适当级别，请联系指定</a:t>
-            </a:r>
-            <a:r>
-              <a:rPr lang="en-US" sz="1100" i="1" spc="-25" dirty="0">
+              <a:t> </a:t>
+            </a:r>
+            <a:r>
+              <a:rPr sz="1100" i="1" spc="-15" dirty="0">
                 <a:solidFill>
                   <a:srgbClr val="777879"/>
                 </a:solidFill>
                 <a:latin typeface="AdobeClean-LightIt"/>
                 <a:cs typeface="AdobeClean-LightIt"/>
               </a:rPr>
-              <a:t>客户</a:t>
-            </a:r>
-            <a:r>
-              <a:rPr lang="en-US" sz="1100" i="1" spc="-20" dirty="0">
+              <a:t>about</a:t>
+            </a:r>
+            <a:r>
+              <a:rPr sz="1100" i="1" spc="-45" dirty="0">
                 <a:solidFill>
                   <a:srgbClr val="777879"/>
                 </a:solidFill>
                 <a:latin typeface="AdobeClean-LightIt"/>
                 <a:cs typeface="AdobeClean-LightIt"/>
               </a:rPr>
-              <a:t>经理 </a:t>
-            </a:r>
-            <a:r>
-              <a:rPr lang="en-US" sz="1100" i="1" spc="-15" dirty="0">
+              <a:t> </a:t>
+            </a:r>
+            <a:r>
+              <a:rPr sz="1100" i="1" spc="-15" dirty="0">
                 <a:solidFill>
                   <a:srgbClr val="777879"/>
                 </a:solidFill>
                 <a:latin typeface="AdobeClean-LightIt"/>
                 <a:cs typeface="AdobeClean-LightIt"/>
               </a:rPr>
-              <a:t>(NAM) </a:t>
-            </a:r>
-            <a:r>
-              <a:rPr lang="en-US" sz="1100" i="1" spc="-10" dirty="0">
+              <a:t>Adobe</a:t>
+            </a:r>
+            <a:r>
+              <a:rPr sz="1100" i="1" spc="-60" dirty="0">
                 <a:solidFill>
                   <a:srgbClr val="777879"/>
                 </a:solidFill>
                 <a:latin typeface="AdobeClean-LightIt"/>
                 <a:cs typeface="AdobeClean-LightIt"/>
               </a:rPr>
-              <a:t>或</a:t>
-            </a:r>
-            <a:r>
-              <a:rPr lang="en-US" sz="1100" i="1" spc="-15" dirty="0">
+              <a:t> </a:t>
+            </a:r>
+            <a:r>
+              <a:rPr sz="1100" i="1" spc="-15" dirty="0">
                 <a:solidFill>
                   <a:srgbClr val="777879"/>
                 </a:solidFill>
                 <a:latin typeface="AdobeClean-LightIt"/>
                 <a:cs typeface="AdobeClean-LightIt"/>
               </a:rPr>
-              <a:t>客户</a:t>
-            </a:r>
-            <a:r>
-              <a:rPr lang="en-US" sz="1100" i="1" spc="-20" dirty="0">
+              <a:t>Support</a:t>
+            </a:r>
+            <a:r>
+              <a:rPr lang="en-US" sz="1100" i="1" spc="-15" dirty="0">
                 <a:solidFill>
                   <a:srgbClr val="777879"/>
                 </a:solidFill>
                 <a:latin typeface="AdobeClean-LightIt"/>
                 <a:cs typeface="AdobeClean-LightIt"/>
               </a:rPr>
-              <a:t>成功</a:t>
-            </a:r>
-            <a:r>
-              <a:rPr lang="en-US" sz="1100" i="1" spc="-15" dirty="0">
+              <a:t> Offerings</a:t>
+            </a:r>
+            <a:r>
+              <a:rPr sz="1100" i="1" spc="-75" dirty="0">
                 <a:solidFill>
                   <a:srgbClr val="777879"/>
                 </a:solidFill>
                 <a:latin typeface="AdobeClean-LightIt"/>
                 <a:cs typeface="AdobeClean-LightIt"/>
               </a:rPr>
-              <a:t>经理 (CSM)</a:t>
+              <a:t> </a:t>
+            </a:r>
+            <a:r>
+              <a:rPr sz="1100" i="1" spc="-15" dirty="0">
+                <a:solidFill>
+                  <a:srgbClr val="777879"/>
+                </a:solidFill>
+                <a:latin typeface="AdobeClean-LightIt"/>
+                <a:cs typeface="AdobeClean-LightIt"/>
+              </a:rPr>
+              <a:t>and</a:t>
+            </a:r>
+            <a:r>
+              <a:rPr sz="1100" i="1" spc="-50" dirty="0">
+                <a:solidFill>
+                  <a:srgbClr val="777879"/>
+                </a:solidFill>
+                <a:latin typeface="AdobeClean-LightIt"/>
+                <a:cs typeface="AdobeClean-LightIt"/>
+              </a:rPr>
+              <a:t> </a:t>
+            </a:r>
+            <a:r>
+              <a:rPr sz="1100" i="1" spc="-15" dirty="0">
+                <a:solidFill>
+                  <a:srgbClr val="777879"/>
+                </a:solidFill>
+                <a:latin typeface="AdobeClean-LightIt"/>
+                <a:cs typeface="AdobeClean-LightIt"/>
+              </a:rPr>
+              <a:t>the</a:t>
+            </a:r>
+            <a:r>
+              <a:rPr sz="1100" i="1" spc="-55" dirty="0">
+                <a:solidFill>
+                  <a:srgbClr val="777879"/>
+                </a:solidFill>
+                <a:latin typeface="AdobeClean-LightIt"/>
+                <a:cs typeface="AdobeClean-LightIt"/>
+              </a:rPr>
+              <a:t> </a:t>
+            </a:r>
+            <a:r>
+              <a:rPr sz="1100" i="1" spc="-15" dirty="0">
+                <a:solidFill>
+                  <a:srgbClr val="777879"/>
+                </a:solidFill>
+                <a:latin typeface="AdobeClean-LightIt"/>
+                <a:cs typeface="AdobeClean-LightIt"/>
+              </a:rPr>
+              <a:t>right</a:t>
+            </a:r>
+            <a:r>
+              <a:rPr sz="1100" i="1" spc="-95" dirty="0">
+                <a:solidFill>
+                  <a:srgbClr val="777879"/>
+                </a:solidFill>
+                <a:latin typeface="AdobeClean-LightIt"/>
+                <a:cs typeface="AdobeClean-LightIt"/>
+              </a:rPr>
+              <a:t> </a:t>
+            </a:r>
+            <a:r>
+              <a:rPr sz="1100" i="1" spc="-15" dirty="0">
+                <a:solidFill>
+                  <a:srgbClr val="777879"/>
+                </a:solidFill>
+                <a:latin typeface="AdobeClean-LightIt"/>
+                <a:cs typeface="AdobeClean-LightIt"/>
+              </a:rPr>
+              <a:t>level</a:t>
+            </a:r>
+            <a:r>
+              <a:rPr sz="1100" i="1" spc="-55" dirty="0">
+                <a:solidFill>
+                  <a:srgbClr val="777879"/>
+                </a:solidFill>
+                <a:latin typeface="AdobeClean-LightIt"/>
+                <a:cs typeface="AdobeClean-LightIt"/>
+              </a:rPr>
+              <a:t> </a:t>
+            </a:r>
+            <a:r>
+              <a:rPr sz="1100" i="1" spc="-15" dirty="0">
+                <a:solidFill>
+                  <a:srgbClr val="777879"/>
+                </a:solidFill>
+                <a:latin typeface="AdobeClean-LightIt"/>
+                <a:cs typeface="AdobeClean-LightIt"/>
+              </a:rPr>
+              <a:t>for</a:t>
+            </a:r>
+            <a:r>
+              <a:rPr sz="1100" i="1" spc="-85" dirty="0">
+                <a:solidFill>
+                  <a:srgbClr val="777879"/>
+                </a:solidFill>
+                <a:latin typeface="AdobeClean-LightIt"/>
+                <a:cs typeface="AdobeClean-LightIt"/>
+              </a:rPr>
+              <a:t> </a:t>
+            </a:r>
+            <a:r>
+              <a:rPr sz="1100" i="1" spc="-15" dirty="0">
+                <a:solidFill>
+                  <a:srgbClr val="777879"/>
+                </a:solidFill>
+                <a:latin typeface="AdobeClean-LightIt"/>
+                <a:cs typeface="AdobeClean-LightIt"/>
+              </a:rPr>
+              <a:t>you,</a:t>
+            </a:r>
+            <a:r>
+              <a:rPr sz="1100" i="1" spc="-65" dirty="0">
+                <a:solidFill>
+                  <a:srgbClr val="777879"/>
+                </a:solidFill>
+                <a:latin typeface="AdobeClean-LightIt"/>
+                <a:cs typeface="AdobeClean-LightIt"/>
+              </a:rPr>
+              <a:t> </a:t>
+            </a:r>
+            <a:r>
+              <a:rPr sz="1100" i="1" spc="-15" dirty="0">
+                <a:solidFill>
+                  <a:srgbClr val="777879"/>
+                </a:solidFill>
+                <a:latin typeface="AdobeClean-LightIt"/>
+                <a:cs typeface="AdobeClean-LightIt"/>
+              </a:rPr>
+              <a:t>contact</a:t>
+            </a:r>
+            <a:r>
+              <a:rPr sz="1100" i="1" spc="-85" dirty="0">
+                <a:solidFill>
+                  <a:srgbClr val="777879"/>
+                </a:solidFill>
+                <a:latin typeface="AdobeClean-LightIt"/>
+                <a:cs typeface="AdobeClean-LightIt"/>
+              </a:rPr>
+              <a:t> </a:t>
+            </a:r>
+            <a:r>
+              <a:rPr sz="1100" i="1" spc="-15" dirty="0">
+                <a:solidFill>
+                  <a:srgbClr val="777879"/>
+                </a:solidFill>
+                <a:latin typeface="AdobeClean-LightIt"/>
+                <a:cs typeface="AdobeClean-LightIt"/>
+              </a:rPr>
+              <a:t>your</a:t>
+            </a:r>
+            <a:r>
+              <a:rPr sz="1100" i="1" spc="-70" dirty="0">
+                <a:solidFill>
+                  <a:srgbClr val="777879"/>
+                </a:solidFill>
+                <a:latin typeface="AdobeClean-LightIt"/>
+                <a:cs typeface="AdobeClean-LightIt"/>
+              </a:rPr>
+              <a:t> </a:t>
+            </a:r>
+            <a:r>
+              <a:rPr sz="1100" i="1" spc="-15" dirty="0">
+                <a:solidFill>
+                  <a:srgbClr val="777879"/>
+                </a:solidFill>
+                <a:latin typeface="AdobeClean-LightIt"/>
+                <a:cs typeface="AdobeClean-LightIt"/>
+              </a:rPr>
+              <a:t>Named</a:t>
+            </a:r>
+            <a:r>
+              <a:rPr sz="1100" i="1" spc="-55" dirty="0">
+                <a:solidFill>
+                  <a:srgbClr val="777879"/>
+                </a:solidFill>
+                <a:latin typeface="AdobeClean-LightIt"/>
+                <a:cs typeface="AdobeClean-LightIt"/>
+              </a:rPr>
+              <a:t> </a:t>
+            </a:r>
+            <a:r>
+              <a:rPr sz="1100" i="1" spc="-25" dirty="0">
+                <a:solidFill>
+                  <a:srgbClr val="777879"/>
+                </a:solidFill>
+                <a:latin typeface="AdobeClean-LightIt"/>
+                <a:cs typeface="AdobeClean-LightIt"/>
+              </a:rPr>
+              <a:t>Account</a:t>
+            </a:r>
+            <a:r>
+              <a:rPr sz="1100" i="1" spc="-120" dirty="0">
+                <a:solidFill>
+                  <a:srgbClr val="777879"/>
+                </a:solidFill>
+                <a:latin typeface="AdobeClean-LightIt"/>
+                <a:cs typeface="AdobeClean-LightIt"/>
+              </a:rPr>
+              <a:t> </a:t>
+            </a:r>
+            <a:r>
+              <a:rPr sz="1100" i="1" spc="-20" dirty="0">
+                <a:solidFill>
+                  <a:srgbClr val="777879"/>
+                </a:solidFill>
+                <a:latin typeface="AdobeClean-LightIt"/>
+                <a:cs typeface="AdobeClean-LightIt"/>
+              </a:rPr>
+              <a:t>Manager</a:t>
+            </a:r>
+            <a:r>
+              <a:rPr lang="en-US" sz="1100" i="1" spc="-20" dirty="0">
+                <a:solidFill>
+                  <a:srgbClr val="777879"/>
+                </a:solidFill>
+                <a:latin typeface="AdobeClean-LightIt"/>
+                <a:cs typeface="AdobeClean-LightIt"/>
+              </a:rPr>
+              <a:t> </a:t>
+            </a:r>
+            <a:r>
+              <a:rPr sz="1100" i="1" spc="-20" dirty="0">
+                <a:solidFill>
+                  <a:srgbClr val="777879"/>
+                </a:solidFill>
+                <a:latin typeface="AdobeClean-LightIt"/>
+                <a:cs typeface="AdobeClean-LightIt"/>
+              </a:rPr>
+              <a:t> </a:t>
+            </a:r>
+            <a:r>
+              <a:rPr sz="1100" i="1" spc="-15" dirty="0">
+                <a:solidFill>
+                  <a:srgbClr val="777879"/>
+                </a:solidFill>
+                <a:latin typeface="AdobeClean-LightIt"/>
+                <a:cs typeface="AdobeClean-LightIt"/>
+              </a:rPr>
+              <a:t>(NAM) </a:t>
+            </a:r>
+            <a:r>
+              <a:rPr sz="1100" i="1" spc="-10" dirty="0">
+                <a:solidFill>
+                  <a:srgbClr val="777879"/>
+                </a:solidFill>
+                <a:latin typeface="AdobeClean-LightIt"/>
+                <a:cs typeface="AdobeClean-LightIt"/>
+              </a:rPr>
+              <a:t>or </a:t>
+            </a:r>
+            <a:r>
+              <a:rPr sz="1100" i="1" spc="-15" dirty="0">
+                <a:solidFill>
+                  <a:srgbClr val="777879"/>
+                </a:solidFill>
+                <a:latin typeface="AdobeClean-LightIt"/>
+                <a:cs typeface="AdobeClean-LightIt"/>
+              </a:rPr>
+              <a:t>Customer </a:t>
+            </a:r>
+            <a:r>
+              <a:rPr sz="1100" i="1" spc="-20" dirty="0">
+                <a:solidFill>
+                  <a:srgbClr val="777879"/>
+                </a:solidFill>
+                <a:latin typeface="AdobeClean-LightIt"/>
+                <a:cs typeface="AdobeClean-LightIt"/>
+              </a:rPr>
+              <a:t>Success</a:t>
+            </a:r>
+            <a:r>
+              <a:rPr lang="en-US" sz="1100" i="1" spc="-20" dirty="0">
+                <a:solidFill>
+                  <a:srgbClr val="777879"/>
+                </a:solidFill>
+                <a:latin typeface="AdobeClean-LightIt"/>
+                <a:cs typeface="AdobeClean-LightIt"/>
+              </a:rPr>
+              <a:t> </a:t>
+            </a:r>
+            <a:r>
+              <a:rPr sz="1100" i="1" spc="-15" dirty="0">
+                <a:solidFill>
+                  <a:srgbClr val="777879"/>
+                </a:solidFill>
+                <a:latin typeface="AdobeClean-LightIt"/>
+                <a:cs typeface="AdobeClean-LightIt"/>
+              </a:rPr>
+              <a:t>Manager</a:t>
+            </a:r>
+            <a:r>
+              <a:rPr lang="en-US" sz="1100" i="1" spc="-15" dirty="0">
+                <a:solidFill>
+                  <a:srgbClr val="777879"/>
+                </a:solidFill>
+                <a:latin typeface="AdobeClean-LightIt"/>
+                <a:cs typeface="AdobeClean-LightIt"/>
+              </a:rPr>
+              <a:t> </a:t>
+            </a:r>
+            <a:r>
+              <a:rPr sz="1100" i="1" spc="-15" dirty="0">
+                <a:solidFill>
+                  <a:srgbClr val="777879"/>
+                </a:solidFill>
+                <a:latin typeface="AdobeClean-LightIt"/>
+                <a:cs typeface="AdobeClean-LightIt"/>
+              </a:rPr>
+              <a:t>(CSM)</a:t>
             </a:r>
             <a:endParaRPr sz="1100" dirty="0">
               <a:latin typeface="AdobeClean-LightIt"/>
@@ -10411,27 +11800,47 @@
               </a:spcBef>
             </a:pPr>
             <a:r>
-              <a:rPr lang="en-US" sz="800" spc="-5" dirty="0">
+              <a:rPr sz="800" spc="-5" dirty="0">
                 <a:solidFill>
                   <a:srgbClr val="6D6D6D"/>
                 </a:solidFill>
                 <a:latin typeface="Adobe Clean"/>
                 <a:cs typeface="Adobe Clean"/>
               </a:rPr>
-              <a:t>©2021 Adobe.All Rights Reserved.Adobe</a:t>
-            </a:r>
-            <a:r>
-              <a:rPr lang="en-US" sz="800" spc="75" dirty="0">
+              <a:t>©202</a:t>
+            </a:r>
+            <a:r>
+              <a:rPr lang="en-US" sz="800" spc="-5" dirty="0">
                 <a:solidFill>
                   <a:srgbClr val="6D6D6D"/>
                 </a:solidFill>
                 <a:latin typeface="Adobe Clean"/>
                 <a:cs typeface="Adobe Clean"/>
               </a:rPr>
+              <a:t>1</a:t>
+            </a:r>
+            <a:r>
+              <a:rPr sz="800" spc="-5" dirty="0">
+                <a:solidFill>
+                  <a:srgbClr val="6D6D6D"/>
+                </a:solidFill>
+                <a:latin typeface="Adobe Clean"/>
+                <a:cs typeface="Adobe Clean"/>
+              </a:rPr>
+              <a:t> Adobe. All Rights Reserved. Adobe</a:t>
+            </a:r>
+            <a:r>
+              <a:rPr sz="800" spc="75" dirty="0">
+                <a:solidFill>
+                  <a:srgbClr val="6D6D6D"/>
+                </a:solidFill>
+                <a:latin typeface="Adobe Clean"/>
+                <a:cs typeface="Adobe Clean"/>
+              </a:rPr>
               <a:t> </a:t>
             </a:r>
             <a:r>
-              <a:rPr lang="en-US" sz="800" spc="-5" dirty="0">
+              <a:rPr sz="800" spc="-5" dirty="0">
                 <a:solidFill>
                   <a:srgbClr val="6D6D6D"/>
                 </a:solidFill>
@@ -10449,7 +11858,13 @@
       </p:sp>
       <p:sp>
         <p:nvSpPr>
-          <p:cNvPr id="64" name="object 23"/>
+          <p:cNvPr id="64" name="object 23">
+            <a:extLst>
+              <a:ext uri="{FF2B5EF4-FFF2-40B4-BE49-F238E27FC236}">
+                <a16:creationId xmlns:a16="http://schemas.microsoft.com/office/drawing/2014/main" id="{41467BDC-3D83-D844-B922-CD07E94E5AAB}"/>
+              </a:ext>
+            </a:extLst>
+          </p:cNvPr>
           <p:cNvSpPr txBox="1"/>
           <p:nvPr/>
         </p:nvSpPr>
@@ -10463,115 +11878,68 @@
           </a:prstGeom>
         </p:spPr>
         <p:txBody>
-          <a:bodyPr vert="horz" wrap="square" lIns="0" tIns="116205" rIns="0" bIns="0" rtlCol="0">
+          <a:bodyPr vert="horz" wrap="square" lIns="0" tIns="116205" rIns="0" bIns="0" rtlCol="0" anchor="t">
             <a:spAutoFit/>
           </a:bodyPr>
           <a:lstStyle/>
           <a:p>
-            <a:pPr lvl="0">
+            <a:pPr>
               <a:spcBef>
                 <a:spcPts val="915"/>
               </a:spcBef>
             </a:pPr>
             <a:r>
-              <a:rPr lang="en-US" altLang="zh-CN" sz="1400" b="1" spc="-15" dirty="0">
+              <a:rPr lang="en-US" sz="1400" b="1" spc="-15" dirty="0">
                 <a:solidFill>
                   <a:srgbClr val="020302"/>
                 </a:solidFill>
                 <a:latin typeface="Adobe Clean"/>
                 <a:cs typeface="Adobe Clean"/>
               </a:rPr>
-              <a:t>Adobe </a:t>
-            </a:r>
-            <a:r>
-              <a:rPr lang="zh-CN" altLang="en-US" sz="1400" b="1" spc="-15" dirty="0">
-                <a:solidFill>
-                  <a:srgbClr val="020302"/>
-                </a:solidFill>
-                <a:latin typeface="Adobe Clean"/>
-                <a:cs typeface="Adobe Clean"/>
-              </a:rPr>
-              <a:t>支持的区域范围、当地营业时间和语言支持</a:t>
-            </a:r>
-            <a:endParaRPr lang="pl-PL" altLang="zh-CN" sz="1400" b="1" spc="-15" dirty="0">
-              <a:solidFill>
-                <a:srgbClr val="020302"/>
-              </a:solidFill>
-              <a:latin typeface="Adobe Clean"/>
-              <a:cs typeface="Adobe Clean"/>
-            </a:endParaRPr>
+              <a:t>Regional scope of Adobe Support, Local Hours Of Operation And Language Support</a:t>
+            </a:r>
           </a:p>
           <a:p>
-            <a:pPr lvl="0">
+            <a:pPr>
               <a:spcBef>
                 <a:spcPts val="915"/>
               </a:spcBef>
             </a:pPr>
             <a:r>
-              <a:rPr lang="zh-CN" altLang="en-US" sz="1000" spc="-15" dirty="0">
+              <a:rPr lang="en-US" sz="1000" spc="-15" dirty="0">
                 <a:solidFill>
                   <a:srgbClr val="1F1F1F"/>
                 </a:solidFill>
                 <a:latin typeface="AdobeClean-Light"/>
               </a:rPr>
-              <a:t>要建立 </a:t>
-            </a:r>
-            <a:r>
-              <a:rPr lang="en-US" altLang="zh-CN" sz="1000" spc="-15" dirty="0">
-                <a:solidFill>
-                  <a:srgbClr val="1F1F1F"/>
-                </a:solidFill>
-                <a:latin typeface="AdobeClean-Light"/>
-              </a:rPr>
-              <a:t>Adobe </a:t>
-            </a:r>
-            <a:r>
-              <a:rPr lang="zh-CN" altLang="en-US" sz="1000" spc="-15" dirty="0">
-                <a:solidFill>
-                  <a:srgbClr val="1F1F1F"/>
-                </a:solidFill>
-                <a:latin typeface="AdobeClean-Light"/>
-              </a:rPr>
-              <a:t>支持的区域范围，需要将客户的账单地址（通过销售订单或其他 </a:t>
-            </a:r>
-            <a:r>
-              <a:rPr lang="en-US" altLang="zh-CN" sz="1000" spc="-15" dirty="0">
-                <a:solidFill>
-                  <a:srgbClr val="1F1F1F"/>
-                </a:solidFill>
-                <a:latin typeface="AdobeClean-Light"/>
-              </a:rPr>
-              <a:t>Adobe </a:t>
-            </a:r>
-            <a:r>
-              <a:rPr lang="zh-CN" altLang="en-US" sz="1000" spc="-15" dirty="0">
-                <a:solidFill>
-                  <a:srgbClr val="1F1F1F"/>
-                </a:solidFill>
-                <a:latin typeface="AdobeClean-Light"/>
-              </a:rPr>
-              <a:t>支持采购文档）与以下区域之一相对应：</a:t>
-            </a:r>
-            <a:endParaRPr lang="en-US" sz="1000" spc="-15" dirty="0">
-              <a:solidFill>
-                <a:srgbClr val="1F1F1F"/>
-              </a:solidFill>
-              <a:latin typeface="AdobeClean-Light"/>
-            </a:endParaRPr>
+              <a:t>The Regional scope of Adobe Support is established by aligning the customer's billing address (via the Sales Order or other Adobe Support purchasing document) to one of the following regions:</a:t>
+            </a:r>
           </a:p>
         </p:txBody>
       </p:sp>
       <p:graphicFrame>
         <p:nvGraphicFramePr>
-          <p:cNvPr id="25" name="Table 6"/>
+          <p:cNvPr id="25" name="Table 6">
+            <a:extLst>
+              <a:ext uri="{FF2B5EF4-FFF2-40B4-BE49-F238E27FC236}">
+                <a16:creationId xmlns:a16="http://schemas.microsoft.com/office/drawing/2014/main" id="{3A91F5B0-3974-A14D-A146-FB590F2AAD18}"/>
+              </a:ext>
+            </a:extLst>
+          </p:cNvPr>
           <p:cNvGraphicFramePr>
             <a:graphicFrameLocks noGrp="1"/>
           </p:cNvGraphicFramePr>
-          <p:nvPr/>
+          <p:nvPr>
+            <p:extLst>
+              <p:ext uri="{D42A27DB-BD31-4B8C-83A1-F6EECF244321}">
+                <p14:modId xmlns:p14="http://schemas.microsoft.com/office/powerpoint/2010/main" val="2846210228"/>
+              </p:ext>
+            </p:extLst>
+          </p:nvPr>
         </p:nvGraphicFramePr>
         <p:xfrm>
           <a:off x="171128" y="5907213"/>
-          <a:ext cx="7391400" cy="1447800"/>
+          <a:ext cx="7391400" cy="1671320"/>
         </p:xfrm>
         <a:graphic>
           <a:graphicData uri="http://schemas.openxmlformats.org/drawingml/2006/table">
@@ -10583,28 +11951,28 @@
                 <a:gridCol w="1847850">
                   <a:extLst>
                     <a:ext uri="{9D8B030D-6E8A-4147-A177-3AD203B41FA5}">
-                      <a16:colId xmlns:a16="http://schemas.microsoft.com/office/drawing/2014/main" val="20000"/>
+                      <a16:colId xmlns:a16="http://schemas.microsoft.com/office/drawing/2014/main" val="2364693614"/>
                     </a:ext>
                   </a:extLst>
                 </a:gridCol>
                 <a:gridCol w="1847850">
                   <a:extLst>
                     <a:ext uri="{9D8B030D-6E8A-4147-A177-3AD203B41FA5}">
-                      <a16:colId xmlns:a16="http://schemas.microsoft.com/office/drawing/2014/main" val="20001"/>
+                      <a16:colId xmlns:a16="http://schemas.microsoft.com/office/drawing/2014/main" val="1545335406"/>
                     </a:ext>
                   </a:extLst>
                 </a:gridCol>
                 <a:gridCol w="1847850">
                   <a:extLst>
                     <a:ext uri="{9D8B030D-6E8A-4147-A177-3AD203B41FA5}">
-                      <a16:colId xmlns:a16="http://schemas.microsoft.com/office/drawing/2014/main" val="20002"/>
+                      <a16:colId xmlns:a16="http://schemas.microsoft.com/office/drawing/2014/main" val="4165218250"/>
                     </a:ext>
                   </a:extLst>
                 </a:gridCol>
                 <a:gridCol w="1847850">
                   <a:extLst>
                     <a:ext uri="{9D8B030D-6E8A-4147-A177-3AD203B41FA5}">
-                      <a16:colId xmlns:a16="http://schemas.microsoft.com/office/drawing/2014/main" val="20003"/>
+                      <a16:colId xmlns:a16="http://schemas.microsoft.com/office/drawing/2014/main" val="215044337"/>
                     </a:ext>
                   </a:extLst>
                 </a:gridCol>
@@ -10623,7 +11991,7 @@
                           </a:solidFill>
                           <a:latin typeface="Adobe Clean" panose="020B0503020404020204" pitchFamily="34" charset="0"/>
                         </a:rPr>
-                        <a:t>美洲</a:t>
+                        <a:t>Americas</a:t>
                       </a:r>
                     </a:p>
                   </a:txBody>
@@ -10688,7 +12056,7 @@
                           </a:solidFill>
                           <a:latin typeface="Adobe Clean" panose="020B0503020404020204" pitchFamily="34" charset="0"/>
                         </a:rPr>
-                        <a:t>欧洲、中东和非洲</a:t>
+                        <a:t>Europe, Middle East &amp; Africa</a:t>
                       </a:r>
                     </a:p>
                   </a:txBody>
@@ -10753,7 +12121,7 @@
                           </a:solidFill>
                           <a:latin typeface="Adobe Clean" panose="020B0503020404020204" pitchFamily="34" charset="0"/>
                         </a:rPr>
-                        <a:t>亚太地区</a:t>
+                        <a:t>Asia Pacific</a:t>
                       </a:r>
                     </a:p>
                   </a:txBody>
@@ -10805,6 +12173,93 @@
                     <a:noFill/>
                   </a:tcPr>
                 </a:tc>
+                <a:tc>
+                  <a:txBody>
+                    <a:bodyPr/>
+                    <a:lstStyle/>
+                    <a:p>
+                      <a:pPr algn="ctr"/>
+                      <a:r>
+                        <a:rPr lang="en-US" sz="1100" dirty="0">
+                          <a:solidFill>
+                            <a:schemeClr val="tx1"/>
+                          </a:solidFill>
+                          <a:latin typeface="Adobe Clean"/>
+                        </a:rPr>
+                        <a:t>Japan </a:t>
+                      </a:r>
+                      <a:r>
+                        <a:rPr lang="en-US" sz="1100" baseline="30000" dirty="0">
+                          <a:solidFill>
+                            <a:schemeClr val="tx1"/>
+                          </a:solidFill>
+                          <a:latin typeface="Adobe Clean"/>
+                        </a:rPr>
+                        <a:t>1 </a:t>
+                      </a:r>
+                      <a:endParaRPr lang="en-US" sz="1100" dirty="0">
+                        <a:solidFill>
+                          <a:schemeClr val="tx1"/>
+                        </a:solidFill>
+                        <a:latin typeface="Adobe Clean" panose="020B0503020404020204" pitchFamily="34" charset="0"/>
+                      </a:endParaRPr>
+                    </a:p>
+                  </a:txBody>
+                  <a:tcPr anchor="ctr">
+                    <a:lnL w="12700" cap="flat" cmpd="sng" algn="ctr">
+                      <a:solidFill>
+                        <a:schemeClr val="bg1">
+                          <a:lumMod val="85000"/>
+                        </a:schemeClr>
+                      </a:solidFill>
+                      <a:prstDash val="solid"/>
+                      <a:round/>
+                      <a:headEnd type="none" w="med" len="med"/>
+                      <a:tailEnd type="none" w="med" len="med"/>
+                    </a:lnL>
+                    <a:lnR w="12700" cap="flat" cmpd="sng" algn="ctr">
+                      <a:solidFill>
+                        <a:schemeClr val="bg1">
+                          <a:lumMod val="85000"/>
+                        </a:schemeClr>
+                      </a:solidFill>
+                      <a:prstDash val="solid"/>
+                      <a:round/>
+                      <a:headEnd type="none" w="med" len="med"/>
+                      <a:tailEnd type="none" w="med" len="med"/>
+                    </a:lnR>
+                    <a:lnT w="12700" cap="flat" cmpd="sng" algn="ctr">
+                      <a:solidFill>
+                        <a:schemeClr val="bg1">
+                          <a:lumMod val="85000"/>
+                        </a:schemeClr>
+                      </a:solidFill>
+                      <a:prstDash val="solid"/>
+                      <a:round/>
+                      <a:headEnd type="none" w="med" len="med"/>
+                      <a:tailEnd type="none" w="med" len="med"/>
+                    </a:lnT>
+                    <a:lnB w="12700" cap="flat" cmpd="sng" algn="ctr">
+                      <a:solidFill>
+                        <a:schemeClr val="bg1">
+                          <a:lumMod val="85000"/>
+                        </a:schemeClr>
+                      </a:solidFill>
+                      <a:prstDash val="solid"/>
+                      <a:round/>
+                      <a:headEnd type="none" w="med" len="med"/>
+                      <a:tailEnd type="none" w="med" len="med"/>
+                    </a:lnB>
+                    <a:noFill/>
+                  </a:tcPr>
+                </a:tc>
+                <a:extLst>
+                  <a:ext uri="{0D108BD9-81ED-4DB2-BD59-A6C34878D82A}">
+                    <a16:rowId xmlns:a16="http://schemas.microsoft.com/office/drawing/2014/main" val="4251285128"/>
+                  </a:ext>
+                </a:extLst>
+              </a:tr>
+              <a:tr h="370840">
                 <a:tc>
                   <a:txBody>
                     <a:bodyPr/>
@@ -10818,23 +12273,8 @@
                           </a:solidFill>
                           <a:latin typeface="Adobe Clean" panose="020B0503020404020204" pitchFamily="34" charset="0"/>
                         </a:rPr>
-                        <a:t>日本 </a:t>
+                        <a:t>6 am – 5:30 pm</a:t>
                       </a:r>
-                      <a:r>
-                        <a:rPr lang="en-US" sz="1100" baseline="30000">
-                          <a:solidFill>
-                            <a:schemeClr val="tx1"/>
-                          </a:solidFill>
-                          <a:latin typeface="Adobe Clean" panose="020B0503020404020204" pitchFamily="34" charset="0"/>
-                        </a:rPr>
-                        <a:t>1 </a:t>
-                      </a:r>
-                      <a:endParaRPr lang="en-US" sz="1100" dirty="0">
-                        <a:solidFill>
-                          <a:schemeClr val="tx1"/>
-                        </a:solidFill>
-                        <a:latin typeface="Adobe Clean" panose="020B0503020404020204" pitchFamily="34" charset="0"/>
-                      </a:endParaRPr>
                     </a:p>
                   </a:txBody>
                   <a:tcPr anchor="ctr">
@@ -10885,13 +12325,6 @@
                     <a:noFill/>
                   </a:tcPr>
                 </a:tc>
-                <a:extLst>
-                  <a:ext uri="{0D108BD9-81ED-4DB2-BD59-A6C34878D82A}">
-                    <a16:rowId xmlns:a16="http://schemas.microsoft.com/office/drawing/2014/main" val="10000"/>
-                  </a:ext>
-                </a:extLst>
-              </a:tr>
-              <a:tr h="370840">
                 <a:tc>
                   <a:txBody>
                     <a:bodyPr/>
@@ -10905,7 +12338,7 @@
                           </a:solidFill>
                           <a:latin typeface="Adobe Clean" panose="020B0503020404020204" pitchFamily="34" charset="0"/>
                         </a:rPr>
-                        <a:t>上午 6:00 – 下午 5:30</a:t>
+                        <a:t>9 am – 5 pm</a:t>
                       </a:r>
                     </a:p>
                   </a:txBody>
@@ -10970,7 +12403,7 @@
                           </a:solidFill>
                           <a:latin typeface="Adobe Clean" panose="020B0503020404020204" pitchFamily="34" charset="0"/>
                         </a:rPr>
-                        <a:t>上午 9:00 – 下午 5:00</a:t>
+                        <a:t>9 am – 5 pm</a:t>
                       </a:r>
                     </a:p>
                   </a:txBody>
@@ -11035,7 +12468,7 @@
                           </a:solidFill>
                           <a:latin typeface="Adobe Clean" panose="020B0503020404020204" pitchFamily="34" charset="0"/>
                         </a:rPr>
-                        <a:t>上午 9:00 – 下午 5:00</a:t>
+                        <a:t>9 am – 5:30 pm</a:t>
                       </a:r>
                     </a:p>
                   </a:txBody>
@@ -11087,82 +12520,49 @@
                     <a:noFill/>
                   </a:tcPr>
                 </a:tc>
-                <a:tc>
-                  <a:txBody>
-                    <a:bodyPr/>
-                    <a:lstStyle/>
-                    <a:p>
-                      <a:pPr algn="ctr"/>
+                <a:extLst>
+                  <a:ext uri="{0D108BD9-81ED-4DB2-BD59-A6C34878D82A}">
+                    <a16:rowId xmlns:a16="http://schemas.microsoft.com/office/drawing/2014/main" val="1574796478"/>
+                  </a:ext>
+                </a:extLst>
+              </a:tr>
+              <a:tr h="370840">
+                <a:tc gridSpan="4">
+                  <a:txBody>
+                    <a:bodyPr/>
+                    <a:lstStyle/>
+                    <a:p>
+                      <a:pPr marL="0" marR="0" lvl="0" indent="0" algn="ctr" eaLnBrk="1" fontAlgn="auto" latinLnBrk="0" hangingPunct="1">
+                        <a:lnSpc>
+                          <a:spcPct val="100000"/>
+                        </a:lnSpc>
+                        <a:spcBef>
+                          <a:spcPts val="0"/>
+                        </a:spcBef>
+                        <a:spcAft>
+                          <a:spcPts val="0"/>
+                        </a:spcAft>
+                        <a:buClrTx/>
+                        <a:buSzTx/>
+                        <a:buFontTx/>
+                        <a:buNone/>
+                      </a:pPr>
                       <a:r>
                         <a:rPr lang="en-US" sz="1100" dirty="0">
                           <a:solidFill>
                             <a:schemeClr val="tx1"/>
                           </a:solidFill>
-                          <a:latin typeface="Adobe Clean" panose="020B0503020404020204" pitchFamily="34" charset="0"/>
+                          <a:latin typeface="Adobe Clean"/>
                         </a:rPr>
-                        <a:t>上午 9:00 – 下午 5:30</a:t>
+                        <a:t>Language support is only available in English and Japanese.</a:t>
                       </a:r>
-                    </a:p>
-                  </a:txBody>
-                  <a:tcPr anchor="ctr">
-                    <a:lnL w="12700" cap="flat" cmpd="sng" algn="ctr">
-                      <a:solidFill>
-                        <a:schemeClr val="bg1">
-                          <a:lumMod val="85000"/>
-                        </a:schemeClr>
-                      </a:solidFill>
-                      <a:prstDash val="solid"/>
-                      <a:round/>
-                      <a:headEnd type="none" w="med" len="med"/>
-                      <a:tailEnd type="none" w="med" len="med"/>
-                    </a:lnL>
-                    <a:lnR w="12700" cap="flat" cmpd="sng" algn="ctr">
-                      <a:solidFill>
-                        <a:schemeClr val="bg1">
-                          <a:lumMod val="85000"/>
-                        </a:schemeClr>
-                      </a:solidFill>
-                      <a:prstDash val="solid"/>
-                      <a:round/>
-                      <a:headEnd type="none" w="med" len="med"/>
-                      <a:tailEnd type="none" w="med" len="med"/>
-                    </a:lnR>
-                    <a:lnT w="12700" cap="flat" cmpd="sng" algn="ctr">
-                      <a:solidFill>
-                        <a:schemeClr val="bg1">
-                          <a:lumMod val="85000"/>
-                        </a:schemeClr>
-                      </a:solidFill>
-                      <a:prstDash val="solid"/>
-                      <a:round/>
-                      <a:headEnd type="none" w="med" len="med"/>
-                      <a:tailEnd type="none" w="med" len="med"/>
-                    </a:lnT>
-                    <a:lnB w="12700" cap="flat" cmpd="sng" algn="ctr">
-                      <a:solidFill>
-                        <a:schemeClr val="bg1">
-                          <a:lumMod val="85000"/>
-                        </a:schemeClr>
-                      </a:solidFill>
-                      <a:prstDash val="solid"/>
-                      <a:round/>
-                      <a:headEnd type="none" w="med" len="med"/>
-                      <a:tailEnd type="none" w="med" len="med"/>
-                    </a:lnB>
-                    <a:noFill/>
-                  </a:tcPr>
-                </a:tc>
-                <a:extLst>
-                  <a:ext uri="{0D108BD9-81ED-4DB2-BD59-A6C34878D82A}">
-                    <a16:rowId xmlns:a16="http://schemas.microsoft.com/office/drawing/2014/main" val="10001"/>
-                  </a:ext>
-                </a:extLst>
-              </a:tr>
-              <a:tr h="370840">
-                <a:tc gridSpan="4">
-                  <a:txBody>
-                    <a:bodyPr/>
-                    <a:lstStyle/>
+                      <a:endParaRPr lang="en-US" sz="1100" dirty="0">
+                        <a:solidFill>
+                          <a:schemeClr val="tx1"/>
+                        </a:solidFill>
+                        <a:latin typeface="Adobe Clean" panose="020B0503020404020204" pitchFamily="34" charset="0"/>
+                      </a:endParaRPr>
+                    </a:p>
                     <a:p>
                       <a:pPr marL="0" marR="0" lvl="0" indent="0" algn="ctr" defTabSz="914400" eaLnBrk="1" fontAlgn="auto" latinLnBrk="0" hangingPunct="1">
                         <a:lnSpc>
@@ -11178,33 +12578,7 @@
                         <a:buSzTx/>
                         <a:buFontTx/>
                         <a:buNone/>
-                        <a:defRPr/>
-                      </a:pPr>
-                      <a:r>
-                        <a:rPr lang="en-US" sz="1100" dirty="0">
-                          <a:solidFill>
-                            <a:schemeClr val="tx1"/>
-                          </a:solidFill>
-                          <a:latin typeface="Adobe Clean" panose="020B0503020404020204" pitchFamily="34" charset="0"/>
-                        </a:rPr>
-                        <a:t>语言支持只有英语和日语版本</a:t>
-                      </a:r>
-                    </a:p>
-                    <a:p>
-                      <a:pPr marL="0" marR="0" lvl="0" indent="0" algn="ctr" defTabSz="914400" eaLnBrk="1" fontAlgn="auto" latinLnBrk="0" hangingPunct="1">
-                        <a:lnSpc>
-                          <a:spcPct val="100000"/>
-                        </a:lnSpc>
-                        <a:spcBef>
-                          <a:spcPts val="0"/>
-                        </a:spcBef>
-                        <a:spcAft>
-                          <a:spcPts val="0"/>
-                        </a:spcAft>
-                        <a:buClrTx/>
-                        <a:buSzTx/>
-                        <a:buFontTx/>
-                        <a:buNone/>
+                        <a:tabLst/>
                         <a:defRPr/>
                       </a:pPr>
                       <a:r>
@@ -11212,9 +12586,9 @@
                           <a:solidFill>
                             <a:schemeClr val="tx1"/>
                           </a:solidFill>
-                          <a:latin typeface="Adobe Clean" panose="020B0503020404020204" pitchFamily="34" charset="0"/>
+                          <a:latin typeface="Adobe Clean"/>
                         </a:rPr>
-                        <a:t>*Adobe Commerce 不包括日语支持</a:t>
+                        <a:t>*Adobe Commerce excludes Japanese language support.</a:t>
                       </a:r>
                     </a:p>
                     <a:p>
@@ -11241,73 +12615,37 @@
                           <a:solidFill>
                             <a:schemeClr val="tx1"/>
                           </a:solidFill>
-                          <a:latin typeface="Adobe Clean" panose="020B0503020404020204" pitchFamily="34" charset="0"/>
+                          <a:latin typeface="Adobe Clean"/>
                         </a:rPr>
-                        <a:t> </a:t>
+                        <a:t> </a:t>
                       </a:r>
                       <a:r>
                         <a:rPr lang="en-US" sz="1100" i="0" baseline="30000" dirty="0">
                           <a:solidFill>
                             <a:schemeClr val="tx1"/>
                           </a:solidFill>
-                          <a:latin typeface="Adobe Clean" panose="020B0503020404020204" pitchFamily="34" charset="0"/>
+                          <a:latin typeface="Adobe Clean"/>
                         </a:rPr>
                         <a:t>1 </a:t>
                       </a:r>
                       <a:r>
-                        <a:rPr lang="en-US" altLang="zh-CN" sz="1100" i="0" dirty="0">
+                        <a:rPr lang="en-US" sz="1100" i="0" dirty="0">
                           <a:solidFill>
                             <a:schemeClr val="tx1"/>
                           </a:solidFill>
-                          <a:latin typeface="Adobe Clean" panose="020B0503020404020204" pitchFamily="34" charset="0"/>
+                          <a:latin typeface="Adobe Clean"/>
                         </a:rPr>
-                        <a:t>P2</a:t>
+                        <a:t>P2, P3, P4 cases are limited to business hours only in Japan.</a:t>
                       </a:r>
-                      <a:r>
-                        <a:rPr lang="zh-CN" altLang="en-US" sz="1100" i="0" dirty="0">
-                          <a:solidFill>
-                            <a:schemeClr val="tx1"/>
-                          </a:solidFill>
-                          <a:latin typeface="Adobe Clean" panose="020B0503020404020204" pitchFamily="34" charset="0"/>
-                        </a:rPr>
-                        <a:t>、</a:t>
-                      </a:r>
-                      <a:r>
-                        <a:rPr lang="en-US" altLang="zh-CN" sz="1100" i="0" dirty="0">
-                          <a:solidFill>
-                            <a:schemeClr val="tx1"/>
-                          </a:solidFill>
-                          <a:latin typeface="Adobe Clean" panose="020B0503020404020204" pitchFamily="34" charset="0"/>
-                        </a:rPr>
-                        <a:t>P3</a:t>
-                      </a:r>
-                      <a:r>
-                        <a:rPr lang="zh-CN" altLang="en-US" sz="1100" i="0" dirty="0">
-                          <a:solidFill>
-                            <a:schemeClr val="tx1"/>
-                          </a:solidFill>
-                          <a:latin typeface="Adobe Clean" panose="020B0503020404020204" pitchFamily="34" charset="0"/>
-                        </a:rPr>
-                        <a:t>、</a:t>
-                      </a:r>
-                      <a:r>
-                        <a:rPr lang="en-US" altLang="zh-CN" sz="1100" i="0" dirty="0">
-                          <a:solidFill>
-                            <a:schemeClr val="tx1"/>
-                          </a:solidFill>
-                          <a:latin typeface="Adobe Clean" panose="020B0503020404020204" pitchFamily="34" charset="0"/>
-                        </a:rPr>
-                        <a:t>P4 </a:t>
-                      </a:r>
-                      <a:r>
-                        <a:rPr lang="zh-CN" altLang="en-US" sz="1100" i="0" dirty="0">
-                          <a:solidFill>
-                            <a:schemeClr val="tx1"/>
-                          </a:solidFill>
-                          <a:latin typeface="Adobe Clean" panose="020B0503020404020204" pitchFamily="34" charset="0"/>
-                        </a:rPr>
-                        <a:t>案例仅限于日本的营业时间。</a:t>
-                      </a:r>
+                      <a:endParaRPr lang="en-US" sz="1100" b="1" i="0" dirty="0">
+                        <a:solidFill>
+                          <a:schemeClr val="tx1"/>
+                        </a:solidFill>
+                        <a:latin typeface="Adobe Clean"/>
+                      </a:endParaRPr>
+                    </a:p>
+                    <a:p>
+                      <a:pPr algn="ctr"/>
                       <a:endParaRPr lang="en-US" sz="1100" dirty="0">
                         <a:solidFill>
                           <a:schemeClr val="tx1"/>
@@ -11369,7 +12707,12 @@
                     <a:bodyPr/>
                     <a:lstStyle/>
                     <a:p>
-                      <a:endParaRPr lang="en-US"/>
+                      <a:endParaRPr lang="en-US" sz="1100" dirty="0">
+                        <a:solidFill>
+                          <a:schemeClr val="tx1"/>
+                        </a:solidFill>
+                        <a:latin typeface="Adobe Clean" panose="020B0503020404020204" pitchFamily="34" charset="0"/>
+                      </a:endParaRPr>
                     </a:p>
                   </a:txBody>
                   <a:tcPr anchor="ctr">
@@ -11425,7 +12768,12 @@
                     <a:bodyPr/>
                     <a:lstStyle/>
                     <a:p>
-                      <a:endParaRPr lang="en-US"/>
+                      <a:endParaRPr lang="en-US" sz="1100" dirty="0">
+                        <a:solidFill>
+                          <a:schemeClr val="tx1"/>
+                        </a:solidFill>
+                        <a:latin typeface="Adobe Clean" panose="020B0503020404020204" pitchFamily="34" charset="0"/>
+                      </a:endParaRPr>
                     </a:p>
                   </a:txBody>
                   <a:tcPr anchor="ctr">
@@ -11481,7 +12829,12 @@
                     <a:bodyPr/>
                     <a:lstStyle/>
                     <a:p>
-                      <a:endParaRPr lang="en-US"/>
+                      <a:endParaRPr lang="en-US" sz="1100" dirty="0">
+                        <a:solidFill>
+                          <a:schemeClr val="tx1"/>
+                        </a:solidFill>
+                        <a:latin typeface="Adobe Clean" panose="020B0503020404020204" pitchFamily="34" charset="0"/>
+                      </a:endParaRPr>
                     </a:p>
                   </a:txBody>
                   <a:tcPr anchor="ctr">
@@ -11534,7 +12887,7 @@
                 </a:tc>
                 <a:extLst>
                   <a:ext uri="{0D108BD9-81ED-4DB2-BD59-A6C34878D82A}">
-                    <a16:rowId xmlns:a16="http://schemas.microsoft.com/office/drawing/2014/main" val="10002"/>
+                    <a16:rowId xmlns:a16="http://schemas.microsoft.com/office/drawing/2014/main" val="2086762220"/>
                   </a:ext>
                 </a:extLst>
               </a:tr>
@@ -11544,7 +12897,13 @@
       </p:graphicFrame>
       <p:sp>
         <p:nvSpPr>
-          <p:cNvPr id="50" name="object 30"/>
+          <p:cNvPr id="50" name="object 30">
+            <a:extLst>
+              <a:ext uri="{FF2B5EF4-FFF2-40B4-BE49-F238E27FC236}">
+                <a16:creationId xmlns:a16="http://schemas.microsoft.com/office/drawing/2014/main" id="{043050D0-21FC-0C42-8484-7FE7C0DB771F}"/>
+              </a:ext>
+            </a:extLst>
+          </p:cNvPr>
           <p:cNvSpPr/>
           <p:nvPr/>
         </p:nvSpPr>
@@ -11594,7 +12953,13 @@
       </p:sp>
       <p:pic>
         <p:nvPicPr>
-          <p:cNvPr id="83" name="object 56"/>
+          <p:cNvPr id="83" name="object 56">
+            <a:extLst>
+              <a:ext uri="{FF2B5EF4-FFF2-40B4-BE49-F238E27FC236}">
+                <a16:creationId xmlns:a16="http://schemas.microsoft.com/office/drawing/2014/main" id="{488FF0A5-3931-B14A-A256-9BD5C4AB39DA}"/>
+              </a:ext>
+            </a:extLst>
+          </p:cNvPr>
           <p:cNvPicPr/>
           <p:nvPr/>
         </p:nvPicPr>
@@ -11616,7 +12981,13 @@
       </p:pic>
       <p:sp>
         <p:nvSpPr>
-          <p:cNvPr id="84" name="object 64"/>
+          <p:cNvPr id="84" name="object 64">
+            <a:extLst>
+              <a:ext uri="{FF2B5EF4-FFF2-40B4-BE49-F238E27FC236}">
+                <a16:creationId xmlns:a16="http://schemas.microsoft.com/office/drawing/2014/main" id="{21E0A3A6-11B9-E44E-A4F0-18AED6E614AE}"/>
+              </a:ext>
+            </a:extLst>
+          </p:cNvPr>
           <p:cNvSpPr txBox="1"/>
           <p:nvPr/>
         </p:nvSpPr>
@@ -11644,54 +13015,124 @@
               </a:spcBef>
             </a:pPr>
             <a:r>
-              <a:rPr lang="en-US" sz="1200" b="1" spc="-15" dirty="0">
+              <a:rPr sz="1200" b="1" spc="-15" dirty="0">
                 <a:solidFill>
                   <a:srgbClr val="FFFFFF"/>
                 </a:solidFill>
                 <a:latin typeface="Adobe Clean"/>
                 <a:cs typeface="Adobe Clean"/>
               </a:rPr>
-              <a:t>无</a:t>
-            </a:r>
-            <a:r>
-              <a:rPr lang="en-US" sz="1200" b="1" spc="-20" dirty="0">
+              <a:t>U</a:t>
+            </a:r>
+            <a:r>
+              <a:rPr sz="1200" b="1" spc="-20" dirty="0">
                 <a:solidFill>
                   <a:srgbClr val="FFFFFF"/>
                 </a:solidFill>
                 <a:latin typeface="Adobe Clean"/>
                 <a:cs typeface="Adobe Clean"/>
               </a:rPr>
-              <a:t>与</a:t>
-            </a:r>
-            <a:r>
-              <a:rPr lang="en-US" sz="1200" b="1" spc="-25" dirty="0">
+              <a:t>n</a:t>
+            </a:r>
+            <a:r>
+              <a:rPr sz="1200" b="1" spc="-25" dirty="0">
                 <a:solidFill>
                   <a:srgbClr val="FFFFFF"/>
                 </a:solidFill>
                 <a:latin typeface="Adobe Clean"/>
                 <a:cs typeface="Adobe Clean"/>
               </a:rPr>
-              <a:t>伦</a:t>
-            </a:r>
-            <a:r>
-              <a:rPr lang="en-US" sz="1200" b="1" spc="-15" dirty="0">
+              <a:t>p</a:t>
+            </a:r>
+            <a:r>
+              <a:rPr sz="1200" b="1" spc="-15" dirty="0">
                 <a:solidFill>
                   <a:srgbClr val="FFFFFF"/>
                 </a:solidFill>
                 <a:latin typeface="Adobe Clean"/>
                 <a:cs typeface="Adobe Clean"/>
               </a:rPr>
-              <a:t>比</a:t>
-            </a:r>
-            <a:r>
-              <a:rPr lang="en-US" sz="1200" b="1" spc="-25" dirty="0">
+              <a:t>a</a:t>
+            </a:r>
+            <a:r>
+              <a:rPr sz="1200" b="1" spc="-25" dirty="0">
                 <a:solidFill>
                   <a:srgbClr val="FFFFFF"/>
                 </a:solidFill>
                 <a:latin typeface="Adobe Clean"/>
                 <a:cs typeface="Adobe Clean"/>
               </a:rPr>
-              <a:t>的专业知识</a:t>
+              <a:t>r</a:t>
+            </a:r>
+            <a:r>
+              <a:rPr sz="1200" b="1" spc="-15" dirty="0">
+                <a:solidFill>
+                  <a:srgbClr val="FFFFFF"/>
+                </a:solidFill>
+                <a:latin typeface="Adobe Clean"/>
+                <a:cs typeface="Adobe Clean"/>
+              </a:rPr>
+              <a:t>a</a:t>
+            </a:r>
+            <a:r>
+              <a:rPr sz="1200" b="1" spc="-30" dirty="0">
+                <a:solidFill>
+                  <a:srgbClr val="FFFFFF"/>
+                </a:solidFill>
+                <a:latin typeface="Adobe Clean"/>
+                <a:cs typeface="Adobe Clean"/>
+              </a:rPr>
+              <a:t>ll</a:t>
+            </a:r>
+            <a:r>
+              <a:rPr sz="1200" b="1" spc="-25" dirty="0">
+                <a:solidFill>
+                  <a:srgbClr val="FFFFFF"/>
+                </a:solidFill>
+                <a:latin typeface="Adobe Clean"/>
+                <a:cs typeface="Adobe Clean"/>
+              </a:rPr>
+              <a:t>e</a:t>
+            </a:r>
+            <a:r>
+              <a:rPr sz="1200" b="1" spc="-30" dirty="0">
+                <a:solidFill>
+                  <a:srgbClr val="FFFFFF"/>
+                </a:solidFill>
+                <a:latin typeface="Adobe Clean"/>
+                <a:cs typeface="Adobe Clean"/>
+              </a:rPr>
+              <a:t>l</a:t>
+            </a:r>
+            <a:r>
+              <a:rPr sz="1200" b="1" spc="-25" dirty="0">
+                <a:solidFill>
+                  <a:srgbClr val="FFFFFF"/>
+                </a:solidFill>
+                <a:latin typeface="Adobe Clean"/>
+                <a:cs typeface="Adobe Clean"/>
+              </a:rPr>
+              <a:t>e</a:t>
+            </a:r>
+            <a:r>
+              <a:rPr sz="1200" b="1" dirty="0">
+                <a:solidFill>
+                  <a:srgbClr val="FFFFFF"/>
+                </a:solidFill>
+                <a:latin typeface="Adobe Clean"/>
+                <a:cs typeface="Adobe Clean"/>
+              </a:rPr>
+              <a:t>d  </a:t>
+            </a:r>
+            <a:r>
+              <a:rPr sz="1200" b="1" spc="-25" dirty="0">
+                <a:solidFill>
+                  <a:srgbClr val="FFFFFF"/>
+                </a:solidFill>
+                <a:latin typeface="Adobe Clean"/>
+                <a:cs typeface="Adobe Clean"/>
+              </a:rPr>
+              <a:t>Expertise</a:t>
             </a:r>
             <a:endParaRPr sz="1200" dirty="0">
               <a:latin typeface="Adobe Clean"/>
@@ -11702,7 +13143,13 @@
       </p:sp>
       <p:sp>
         <p:nvSpPr>
-          <p:cNvPr id="85" name="object 64"/>
+          <p:cNvPr id="85" name="object 64">
+            <a:extLst>
+              <a:ext uri="{FF2B5EF4-FFF2-40B4-BE49-F238E27FC236}">
+                <a16:creationId xmlns:a16="http://schemas.microsoft.com/office/drawing/2014/main" id="{3921F04C-B61B-A948-947F-C33BBFF39A32}"/>
+              </a:ext>
+            </a:extLst>
+          </p:cNvPr>
           <p:cNvSpPr txBox="1"/>
           <p:nvPr/>
         </p:nvSpPr>
@@ -11737,7 +13184,7 @@
                 <a:latin typeface="Adobe Clean"/>
                 <a:cs typeface="Adobe Clean"/>
               </a:rPr>
-              <a:t>加速支持</a:t>
+              <a:t>Accelerated Support</a:t>
             </a:r>
             <a:endParaRPr sz="1200" dirty="0">
               <a:latin typeface="Adobe Clean"/>
@@ -11748,7 +13195,13 @@
       </p:sp>
       <p:sp>
         <p:nvSpPr>
-          <p:cNvPr id="86" name="object 32"/>
+          <p:cNvPr id="86" name="object 32">
+            <a:extLst>
+              <a:ext uri="{FF2B5EF4-FFF2-40B4-BE49-F238E27FC236}">
+                <a16:creationId xmlns:a16="http://schemas.microsoft.com/office/drawing/2014/main" id="{73055FA1-8180-F44A-A86E-2B1D4C7C6B5E}"/>
+              </a:ext>
+            </a:extLst>
+          </p:cNvPr>
           <p:cNvSpPr txBox="1"/>
           <p:nvPr/>
         </p:nvSpPr>
@@ -11776,44 +13229,104 @@
               </a:spcBef>
             </a:pPr>
             <a:r>
-              <a:rPr lang="en-US" sz="1200" b="1" spc="-50" dirty="0">
+              <a:rPr sz="1200" b="1" spc="-50" dirty="0">
                 <a:solidFill>
                   <a:srgbClr val="FFFFFF"/>
                 </a:solidFill>
                 <a:latin typeface="Adobe Clean"/>
                 <a:cs typeface="Adobe Clean"/>
               </a:rPr>
-              <a:t>战</a:t>
-            </a:r>
-            <a:r>
-              <a:rPr lang="en-US" sz="1200" b="1" spc="-20" dirty="0">
+              <a:t>S</a:t>
+            </a:r>
+            <a:r>
+              <a:rPr sz="1200" b="1" spc="-20" dirty="0">
                 <a:solidFill>
                   <a:srgbClr val="FFFFFF"/>
                 </a:solidFill>
                 <a:latin typeface="Adobe Clean"/>
                 <a:cs typeface="Adobe Clean"/>
               </a:rPr>
-              <a:t>略</a:t>
-            </a:r>
-            <a:r>
-              <a:rPr lang="en-US" sz="1200" b="1" spc="-75" dirty="0">
+              <a:t>t</a:t>
+            </a:r>
+            <a:r>
+              <a:rPr sz="1200" b="1" spc="-75" dirty="0">
                 <a:solidFill>
                   <a:srgbClr val="FFFFFF"/>
                 </a:solidFill>
                 <a:latin typeface="Adobe Clean"/>
                 <a:cs typeface="Adobe Clean"/>
               </a:rPr>
-              <a:t>性</a:t>
-            </a:r>
-            <a:r>
-              <a:rPr lang="en-US" sz="1200" b="1" spc="-45" dirty="0">
+              <a:t>r</a:t>
+            </a:r>
+            <a:r>
+              <a:rPr sz="1200" b="1" spc="-90" dirty="0">
                 <a:solidFill>
                   <a:srgbClr val="FFFFFF"/>
                 </a:solidFill>
                 <a:latin typeface="Adobe Clean"/>
                 <a:cs typeface="Adobe Clean"/>
               </a:rPr>
-              <a:t>建议</a:t>
+              <a:t>a</a:t>
+            </a:r>
+            <a:r>
+              <a:rPr sz="1200" b="1" spc="-55" dirty="0">
+                <a:solidFill>
+                  <a:srgbClr val="FFFFFF"/>
+                </a:solidFill>
+                <a:latin typeface="Adobe Clean"/>
+                <a:cs typeface="Adobe Clean"/>
+              </a:rPr>
+              <a:t>t</a:t>
+            </a:r>
+            <a:r>
+              <a:rPr sz="1200" b="1" spc="-100" dirty="0">
+                <a:solidFill>
+                  <a:srgbClr val="FFFFFF"/>
+                </a:solidFill>
+                <a:latin typeface="Adobe Clean"/>
+                <a:cs typeface="Adobe Clean"/>
+              </a:rPr>
+              <a:t>e</a:t>
+            </a:r>
+            <a:r>
+              <a:rPr sz="1200" b="1" spc="-80" dirty="0">
+                <a:solidFill>
+                  <a:srgbClr val="FFFFFF"/>
+                </a:solidFill>
+                <a:latin typeface="Adobe Clean"/>
+                <a:cs typeface="Adobe Clean"/>
+              </a:rPr>
+              <a:t>g</a:t>
+            </a:r>
+            <a:r>
+              <a:rPr sz="1200" b="1" spc="-35" dirty="0">
+                <a:solidFill>
+                  <a:srgbClr val="FFFFFF"/>
+                </a:solidFill>
+                <a:latin typeface="Adobe Clean"/>
+                <a:cs typeface="Adobe Clean"/>
+              </a:rPr>
+              <a:t>i</a:t>
+            </a:r>
+            <a:r>
+              <a:rPr sz="1200" b="1" dirty="0">
+                <a:solidFill>
+                  <a:srgbClr val="FFFFFF"/>
+                </a:solidFill>
+                <a:latin typeface="Adobe Clean"/>
+                <a:cs typeface="Adobe Clean"/>
+              </a:rPr>
+              <a:t>c  </a:t>
+            </a:r>
+            <a:r>
+              <a:rPr sz="1200" b="1" spc="-45" dirty="0">
+                <a:solidFill>
+                  <a:srgbClr val="FFFFFF"/>
+                </a:solidFill>
+                <a:latin typeface="Adobe Clean"/>
+                <a:cs typeface="Adobe Clean"/>
+              </a:rPr>
+              <a:t>Advice</a:t>
             </a:r>
             <a:endParaRPr sz="1200" dirty="0">
               <a:latin typeface="Adobe Clean"/>
@@ -11824,15 +13337,27 @@
       </p:sp>
       <p:graphicFrame>
         <p:nvGraphicFramePr>
-          <p:cNvPr id="111" name="Table 6"/>
+          <p:cNvPr id="111" name="Table 6">
+            <a:extLst>
+              <a:ext uri="{FF2B5EF4-FFF2-40B4-BE49-F238E27FC236}">
+                <a16:creationId xmlns:a16="http://schemas.microsoft.com/office/drawing/2014/main" id="{D8653CEC-4213-DE40-9BAF-D1E3318FF89C}"/>
+              </a:ext>
+            </a:extLst>
+          </p:cNvPr>
           <p:cNvGraphicFramePr>
             <a:graphicFrameLocks noGrp="1"/>
           </p:cNvGraphicFramePr>
-          <p:nvPr/>
+          <p:nvPr>
+            <p:extLst>
+              <p:ext uri="{D42A27DB-BD31-4B8C-83A1-F6EECF244321}">
+                <p14:modId xmlns:p14="http://schemas.microsoft.com/office/powerpoint/2010/main" val="1366573891"/>
+              </p:ext>
+            </p:extLst>
+          </p:nvPr>
         </p:nvGraphicFramePr>
         <p:xfrm>
           <a:off x="194236" y="1059345"/>
-          <a:ext cx="7368291" cy="2473960"/>
+          <a:ext cx="7368291" cy="2931160"/>
         </p:xfrm>
         <a:graphic>
           <a:graphicData uri="http://schemas.openxmlformats.org/drawingml/2006/table">
@@ -11844,14 +13369,14 @@
                 <a:gridCol w="3691964">
                   <a:extLst>
                     <a:ext uri="{9D8B030D-6E8A-4147-A177-3AD203B41FA5}">
-                      <a16:colId xmlns:a16="http://schemas.microsoft.com/office/drawing/2014/main" val="20000"/>
+                      <a16:colId xmlns:a16="http://schemas.microsoft.com/office/drawing/2014/main" val="2364693614"/>
                     </a:ext>
                   </a:extLst>
                 </a:gridCol>
                 <a:gridCol w="3676327">
                   <a:extLst>
                     <a:ext uri="{9D8B030D-6E8A-4147-A177-3AD203B41FA5}">
-                      <a16:colId xmlns:a16="http://schemas.microsoft.com/office/drawing/2014/main" val="20001"/>
+                      <a16:colId xmlns:a16="http://schemas.microsoft.com/office/drawing/2014/main" val="1545335406"/>
                     </a:ext>
                   </a:extLst>
                 </a:gridCol>
@@ -11951,6 +13476,7 @@
                         <a:buSzTx/>
                         <a:buFontTx/>
                         <a:buNone/>
+                        <a:tabLst/>
                         <a:defRPr/>
                       </a:pPr>
                       <a:r>
@@ -11962,7 +13488,7 @@
                           <a:ea typeface="+mn-ea"/>
                           <a:cs typeface="+mn-cs"/>
                         </a:rPr>
-                        <a:t>Experience League 是 Adobe 帮助企业实现预期的 Adobe 投资回报的方式。这是一个集中式位置，提供自助教程、产品文档、讲师指导的培训、社区和技术支持，客户可以在这里学习、建立联系和取得进步，并沿着个性化的路径迈向成功。</a:t>
+                        <a:t>Experience League is how Adobe helps businesses achieve the value they expect from their Adobe investment. It’s the unified place where customers can learn, connect, and grow along a personalized path to success that includes self-help tutorials, product documentation, instructor-led training, community and technical support. </a:t>
                       </a:r>
                     </a:p>
                   </a:txBody>
@@ -12016,7 +13542,7 @@
                 </a:tc>
                 <a:extLst>
                   <a:ext uri="{0D108BD9-81ED-4DB2-BD59-A6C34878D82A}">
-                    <a16:rowId xmlns:a16="http://schemas.microsoft.com/office/drawing/2014/main" val="10000"/>
+                    <a16:rowId xmlns:a16="http://schemas.microsoft.com/office/drawing/2014/main" val="4251285128"/>
                   </a:ext>
                 </a:extLst>
               </a:tr>
@@ -12040,6 +13566,7 @@
                         <a:buSzTx/>
                         <a:buFontTx/>
                         <a:buNone/>
+                        <a:tabLst/>
                         <a:defRPr/>
                       </a:pPr>
                       <a:r>
@@ -12053,7 +13580,7 @@
                           <a:cs typeface="+mn-cs"/>
                           <a:hlinkClick r:id="rId8"/>
                         </a:rPr>
-                        <a:t>培训</a:t>
+                        <a:t>Training</a:t>
                       </a:r>
                       <a:r>
                         <a:rPr lang="en-US" sz="1100" dirty="0">
@@ -12145,6 +13672,7 @@
                         <a:buSzTx/>
                         <a:buFontTx/>
                         <a:buNone/>
+                        <a:tabLst/>
                         <a:defRPr/>
                       </a:pPr>
                       <a:r>
@@ -12156,7 +13684,7 @@
                           <a:ea typeface="+mn-ea"/>
                           <a:cs typeface="+mn-cs"/>
                         </a:rPr>
-                        <a:t>可以从 Experience League 访问 Adobe Digital Learning Services 课程。学习课程整合了按需课程和讲师指导的课程。在这里，您可以掌握具有公认市场价值的技能，并在组织中利用这些技能获得成功。</a:t>
+                        <a:t>Adobe Digital Learning Services courses are accessible from Experience League. Learning courses integrate both on-demand and instructor-led lessons.  Here you can accrue skills that have recognized market value and position them to drive success in your organizations.</a:t>
                       </a:r>
                     </a:p>
                   </a:txBody>
@@ -12210,7 +13738,7 @@
                 </a:tc>
                 <a:extLst>
                   <a:ext uri="{0D108BD9-81ED-4DB2-BD59-A6C34878D82A}">
-                    <a16:rowId xmlns:a16="http://schemas.microsoft.com/office/drawing/2014/main" val="10001"/>
+                    <a16:rowId xmlns:a16="http://schemas.microsoft.com/office/drawing/2014/main" val="3127522179"/>
                   </a:ext>
                 </a:extLst>
               </a:tr>
@@ -12234,6 +13762,7 @@
                         <a:buSzTx/>
                         <a:buFontTx/>
                         <a:buNone/>
+                        <a:tabLst/>
                         <a:defRPr/>
                       </a:pPr>
                       <a:r>
@@ -12247,7 +13776,7 @@
                           <a:cs typeface="+mn-cs"/>
                           <a:hlinkClick r:id="rId9"/>
                         </a:rPr>
-                        <a:t>生产问题和系统中断</a:t>
+                        <a:t>Production Issues &amp; System Outages</a:t>
                       </a:r>
                       <a:endParaRPr lang="en-US" sz="1100" dirty="0">
                         <a:solidFill>
@@ -12327,6 +13856,7 @@
                         <a:buSzTx/>
                         <a:buFontTx/>
                         <a:buNone/>
+                        <a:tabLst/>
                         <a:defRPr/>
                       </a:pPr>
                       <a:r>
@@ -12338,7 +13868,7 @@
                           <a:ea typeface="+mn-ea"/>
                           <a:cs typeface="+mn-cs"/>
                         </a:rPr>
-                        <a:t>Status.adobe.com 传达在多租户环境中部署的所有 Adobe 产品和服务的运行状况信息。客户可以选择他们的订阅偏好设置，以便在 Adobe 创建、更新或处理产品事件时收到电子邮件通知。这可能包括严重性不同的定期维护或服务问题。</a:t>
+                        <a:t>Status.adobe.com conveys the health information of all Adobe products and services that are deployed in multi-tenant environments. Customers can choose their subscription preferences to get email notifications whenever Adobe creates, updates or resolves a product event. This can include scheduled maintenance or service issues of varying levels of severity. </a:t>
                       </a:r>
                     </a:p>
                   </a:txBody>
@@ -12392,7 +13922,7 @@
                 </a:tc>
                 <a:extLst>
                   <a:ext uri="{0D108BD9-81ED-4DB2-BD59-A6C34878D82A}">
-                    <a16:rowId xmlns:a16="http://schemas.microsoft.com/office/drawing/2014/main" val="10002"/>
+                    <a16:rowId xmlns:a16="http://schemas.microsoft.com/office/drawing/2014/main" val="2696233489"/>
                   </a:ext>
                 </a:extLst>
               </a:tr>
@@ -12416,6 +13946,7 @@
                         <a:buSzTx/>
                         <a:buFontTx/>
                         <a:buNone/>
+                        <a:tabLst/>
                         <a:defRPr/>
                       </a:pPr>
                       <a:r>
@@ -12429,7 +13960,7 @@
                           <a:cs typeface="+mn-cs"/>
                           <a:hlinkClick r:id="rId10"/>
                         </a:rPr>
-                        <a:t>条款和条件</a:t>
+                        <a:t>Terms and Conditions</a:t>
                       </a:r>
                       <a:endParaRPr lang="en-US" sz="1100" dirty="0">
                         <a:solidFill>
@@ -12504,7 +14035,7 @@
                           <a:ea typeface="+mn-ea"/>
                           <a:cs typeface="+mn-cs"/>
                         </a:rPr>
-                        <a:t>详细说明支持服务产品的条款和条件</a:t>
+                        <a:t>Terms and conditions detailing Support Services offerings.</a:t>
                       </a:r>
                     </a:p>
                   </a:txBody>
@@ -12558,7 +14089,7 @@
                 </a:tc>
                 <a:extLst>
                   <a:ext uri="{0D108BD9-81ED-4DB2-BD59-A6C34878D82A}">
-                    <a16:rowId xmlns:a16="http://schemas.microsoft.com/office/drawing/2014/main" val="10003"/>
+                    <a16:rowId xmlns:a16="http://schemas.microsoft.com/office/drawing/2014/main" val="2083862379"/>
                   </a:ext>
                 </a:extLst>
               </a:tr>
@@ -12568,7 +14099,13 @@
       </p:graphicFrame>
       <p:pic>
         <p:nvPicPr>
-          <p:cNvPr id="8" name="Graphic 7" descr="目标轮廓图"/>
+          <p:cNvPr id="8" name="Graphic 7" descr="Target outline">
+            <a:extLst>
+              <a:ext uri="{FF2B5EF4-FFF2-40B4-BE49-F238E27FC236}">
+                <a16:creationId xmlns:a16="http://schemas.microsoft.com/office/drawing/2014/main" id="{1EAA263E-04A7-0D46-952E-EA3033B45116}"/>
+              </a:ext>
+            </a:extLst>
+          </p:cNvPr>
           <p:cNvPicPr>
             <a:picLocks noChangeAspect="1"/>
           </p:cNvPicPr>
@@ -12601,7 +14138,13 @@
       </p:pic>
       <p:pic>
         <p:nvPicPr>
-          <p:cNvPr id="10" name="Graphic 9" descr="火箭轮廓图"/>
+          <p:cNvPr id="10" name="Graphic 9" descr="Rocket outline">
+            <a:extLst>
+              <a:ext uri="{FF2B5EF4-FFF2-40B4-BE49-F238E27FC236}">
+                <a16:creationId xmlns:a16="http://schemas.microsoft.com/office/drawing/2014/main" id="{A068EBC3-B418-4E4A-A520-101CA4B39F23}"/>
+              </a:ext>
+            </a:extLst>
+          </p:cNvPr>
           <p:cNvPicPr>
             <a:picLocks noChangeAspect="1"/>
           </p:cNvPicPr>
@@ -12634,7 +14177,13 @@
       </p:pic>
       <p:pic>
         <p:nvPicPr>
-          <p:cNvPr id="12" name="Graphic 11" descr="勋章轮廓图"/>
+          <p:cNvPr id="12" name="Graphic 11" descr="Medal outline">
+            <a:extLst>
+              <a:ext uri="{FF2B5EF4-FFF2-40B4-BE49-F238E27FC236}">
+                <a16:creationId xmlns:a16="http://schemas.microsoft.com/office/drawing/2014/main" id="{C7BEFC2D-0CA6-0448-B9FA-6E1581CA6D36}"/>
+              </a:ext>
+            </a:extLst>
+          </p:cNvPr>
           <p:cNvPicPr>
             <a:picLocks noChangeAspect="1"/>
           </p:cNvPicPr>
@@ -12666,6 +14215,11 @@
         </p:spPr>
       </p:pic>
     </p:spTree>
+    <p:extLst>
+      <p:ext uri="{BB962C8B-B14F-4D97-AF65-F5344CB8AC3E}">
+        <p14:creationId xmlns:p14="http://schemas.microsoft.com/office/powerpoint/2010/main" val="799510854"/>
+      </p:ext>
+    </p:extLst>
   </p:cSld>
   <p:clrMapOvr>
     <a:masterClrMapping/>
@@ -12953,11 +14507,6 @@
   </a:themeElements>
   <a:objectDefaults/>
   <a:extraClrSchemeLst/>
-  <a:extLst>
-    <a:ext uri="{05A4C25C-085E-4340-85A3-A5531E510DB2}">
-      <thm15:themeFamily xmlns:thm15="http://schemas.microsoft.com/office/thememl/2012/main" name="Office Theme" id="{62F939B6-93AF-4DB8-9C6B-D6C7DFDC589F}" vid="{4A3C46E8-61CC-4603-A589-7422A47A8E4A}"/>
-    </a:ext>
-  </a:extLst>
 </a:theme>
 </file>
 
@@ -13004,7 +14553,7 @@
     </a:clrScheme>
     <a:fontScheme name="Office">
       <a:majorFont>
-        <a:latin typeface="Calibri Light"/>
+        <a:latin typeface="Calibri Light" panose="020F0302020204030204"/>
         <a:ea typeface=""/>
         <a:cs typeface=""/>
         <a:font script="Jpan" typeface="游ゴシック Light"/>
@@ -13037,9 +14586,26 @@
         <a:font script="Viet" typeface="Times New Roman"/>
         <a:font script="Uigh" typeface="Microsoft Uighur"/>
         <a:font script="Geor" typeface="Sylfaen"/>
+        <a:font script="Armn" typeface="Arial"/>
+        <a:font script="Bugi" typeface="Leelawadee UI"/>
+        <a:font script="Bopo" typeface="Microsoft JhengHei"/>
+        <a:font script="Java" typeface="Javanese Text"/>
+        <a:font script="Lisu" typeface="Segoe UI"/>
+        <a:font script="Mymr" typeface="Myanmar Text"/>
+        <a:font script="Nkoo" typeface="Ebrima"/>
+        <a:font script="Olck" typeface="Nirmala UI"/>
+        <a:font script="Osma" typeface="Ebrima"/>
+        <a:font script="Phag" typeface="Phagspa"/>
+        <a:font script="Syrn" typeface="Estrangelo Edessa"/>
+        <a:font script="Syrj" typeface="Estrangelo Edessa"/>
+        <a:font script="Syre" typeface="Estrangelo Edessa"/>
+        <a:font script="Sora" typeface="Nirmala UI"/>
+        <a:font script="Tale" typeface="Microsoft Tai Le"/>
+        <a:font script="Talu" typeface="Microsoft New Tai Lue"/>
+        <a:font script="Tfng" typeface="Ebrima"/>
       </a:majorFont>
       <a:minorFont>
-        <a:latin typeface="Calibri"/>
+        <a:latin typeface="Calibri" panose="020F0502020204030204"/>
         <a:ea typeface=""/>
         <a:cs typeface=""/>
         <a:font script="Jpan" typeface="游ゴシック"/>
@@ -13072,6 +14638,23 @@
         <a:font script="Viet" typeface="Arial"/>
         <a:font script="Uigh" typeface="Microsoft Uighur"/>
         <a:font script="Geor" typeface="Sylfaen"/>
+        <a:font script="Armn" typeface="Arial"/>
+        <a:font script="Bugi" typeface="Leelawadee UI"/>
+        <a:font script="Bopo" typeface="Microsoft JhengHei"/>
+        <a:font script="Java" typeface="Javanese Text"/>
+        <a:font script="Lisu" typeface="Segoe UI"/>
+        <a:font script="Mymr" typeface="Myanmar Text"/>
+        <a:font script="Nkoo" typeface="Ebrima"/>
+        <a:font script="Olck" typeface="Nirmala UI"/>
+        <a:font script="Osma" typeface="Ebrima"/>
+        <a:font script="Phag" typeface="Phagspa"/>
+        <a:font script="Syrn" typeface="Estrangelo Edessa"/>
+        <a:font script="Syrj" typeface="Estrangelo Edessa"/>
+        <a:font script="Syre" typeface="Estrangelo Edessa"/>
+        <a:font script="Sora" typeface="Nirmala UI"/>
+        <a:font script="Tale" typeface="Microsoft Tai Le"/>
+        <a:font script="Talu" typeface="Microsoft New Tai Lue"/>
+        <a:font script="Tfng" typeface="Ebrima"/>
       </a:minorFont>
     </a:fontScheme>
     <a:fmtScheme name="Office">
@@ -13220,4 +14803,268 @@
     </a:ext>
   </a:extLst>
 </a:theme>
+</file>
+
+<file path=customXml/item1.xml><?xml version="1.0" encoding="utf-8"?>
+<?mso-contentType ?>
+<FormTemplates xmlns="http://schemas.microsoft.com/sharepoint/v3/contenttype/forms">
+  <Display>DocumentLibraryForm</Display>
+  <Edit>DocumentLibraryForm</Edit>
+  <New>DocumentLibraryForm</New>
+</FormTemplates>
+</file>
+
+<file path=customXml/item2.xml><?xml version="1.0" encoding="utf-8"?>
+<p:properties xmlns:p="http://schemas.microsoft.com/office/2006/metadata/properties" xmlns:xsi="http://www.w3.org/2001/XMLSchema-instance" xmlns:pc="http://schemas.microsoft.com/office/infopath/2007/PartnerControls">
+  <documentManagement/>
+</p:properties>
+</file>
+
+<file path=customXml/item3.xml><?xml version="1.0" encoding="utf-8"?>
+<ct:contentTypeSchema xmlns:ct="http://schemas.microsoft.com/office/2006/metadata/contentType" xmlns:ma="http://schemas.microsoft.com/office/2006/metadata/properties/metaAttributes" ct:_="" ma:_="" ma:contentTypeName="Document" ma:contentTypeID="0x010100E783BF6876BCC646A459363AF21A7736" ma:contentTypeVersion="10" ma:contentTypeDescription="Create a new document." ma:contentTypeScope="" ma:versionID="c4ffda7f4f415767600769e454c2ea87">
+  <xsd:schema xmlns:xsd="http://www.w3.org/2001/XMLSchema" xmlns:xs="http://www.w3.org/2001/XMLSchema" xmlns:p="http://schemas.microsoft.com/office/2006/metadata/properties" xmlns:ns2="8a053bff-88be-49e4-9a87-e748e18b8b62" xmlns:ns3="6c8368ec-3776-49b5-a5bb-90648cf9530f" targetNamespace="http://schemas.microsoft.com/office/2006/metadata/properties" ma:root="true" ma:fieldsID="df3ec33bccc23e23bce7bc897fad43d1" ns2:_="" ns3:_="">
+    <xsd:import namespace="8a053bff-88be-49e4-9a87-e748e18b8b62"/>
+    <xsd:import namespace="6c8368ec-3776-49b5-a5bb-90648cf9530f"/>
+    <xsd:element name="properties">
+      <xsd:complexType>
+        <xsd:sequence>
+          <xsd:element name="documentManagement">
+            <xsd:complexType>
+              <xsd:all>
+                <xsd:element ref="ns2:MediaServiceMetadata" minOccurs="0"/>
+                <xsd:element ref="ns2:MediaServiceFastMetadata" minOccurs="0"/>
+                <xsd:element ref="ns2:MediaServiceAutoKeyPoints" minOccurs="0"/>
+                <xsd:element ref="ns2:MediaServiceKeyPoints" minOccurs="0"/>
+                <xsd:element ref="ns3:SharedWithUsers" minOccurs="0"/>
+                <xsd:element ref="ns3:SharedWithDetails" minOccurs="0"/>
+                <xsd:element ref="ns2:MediaServiceAutoTags" minOccurs="0"/>
+                <xsd:element ref="ns2:MediaServiceOCR" minOccurs="0"/>
+                <xsd:element ref="ns2:MediaServiceGenerationTime" minOccurs="0"/>
+                <xsd:element ref="ns2:MediaServiceEventHashCode" minOccurs="0"/>
+              </xsd:all>
+            </xsd:complexType>
+          </xsd:element>
+        </xsd:sequence>
+      </xsd:complexType>
+    </xsd:element>
+  </xsd:schema>
+  <xsd:schema xmlns:xsd="http://www.w3.org/2001/XMLSchema" xmlns:xs="http://www.w3.org/2001/XMLSchema" xmlns:dms="http://schemas.microsoft.com/office/2006/documentManagement/types" xmlns:pc="http://schemas.microsoft.com/office/infopath/2007/PartnerControls" targetNamespace="8a053bff-88be-49e4-9a87-e748e18b8b62" elementFormDefault="qualified">
+    <xsd:import namespace="http://schemas.microsoft.com/office/2006/documentManagement/types"/>
+    <xsd:import namespace="http://schemas.microsoft.com/office/infopath/2007/PartnerControls"/>
+    <xsd:element name="MediaServiceMetadata" ma:index="8" nillable="true" ma:displayName="MediaServiceMetadata" ma:hidden="true" ma:internalName="MediaServiceMetadata" ma:readOnly="true">
+      <xsd:simpleType>
+        <xsd:restriction base="dms:Note"/>
+      </xsd:simpleType>
+    </xsd:element>
+    <xsd:element name="MediaServiceFastMetadata" ma:index="9" nillable="true" ma:displayName="MediaServiceFastMetadata" ma:hidden="true" ma:internalName="MediaServiceFastMetadata" ma:readOnly="true">
+      <xsd:simpleType>
+        <xsd:restriction base="dms:Note"/>
+      </xsd:simpleType>
+    </xsd:element>
+    <xsd:element name="MediaServiceAutoKeyPoints" ma:index="10" nillable="true" ma:displayName="MediaServiceAutoKeyPoints" ma:hidden="true" ma:internalName="MediaServiceAutoKeyPoints" ma:readOnly="true">
+      <xsd:simpleType>
+        <xsd:restriction base="dms:Note"/>
+      </xsd:simpleType>
+    </xsd:element>
+    <xsd:element name="MediaServiceKeyPoints" ma:index="11" nillable="true" ma:displayName="KeyPoints" ma:internalName="MediaServiceKeyPoints" ma:readOnly="true">
+      <xsd:simpleType>
+        <xsd:restriction base="dms:Note">
+          <xsd:maxLength value="255"/>
+        </xsd:restriction>
+      </xsd:simpleType>
+    </xsd:element>
+    <xsd:element name="MediaServiceAutoTags" ma:index="14" nillable="true" ma:displayName="Tags" ma:internalName="MediaServiceAutoTags" ma:readOnly="true">
+      <xsd:simpleType>
+        <xsd:restriction base="dms:Text"/>
+      </xsd:simpleType>
+    </xsd:element>
+    <xsd:element name="MediaServiceOCR" ma:index="15" nillable="true" ma:displayName="Extracted Text" ma:internalName="MediaServiceOCR" ma:readOnly="true">
+      <xsd:simpleType>
+        <xsd:restriction base="dms:Note">
+          <xsd:maxLength value="255"/>
+        </xsd:restriction>
+      </xsd:simpleType>
+    </xsd:element>
+    <xsd:element name="MediaServiceGenerationTime" ma:index="16" nillable="true" ma:displayName="MediaServiceGenerationTime" ma:hidden="true" ma:internalName="MediaServiceGenerationTime" ma:readOnly="true">
+      <xsd:simpleType>
+        <xsd:restriction base="dms:Text"/>
+      </xsd:simpleType>
+    </xsd:element>
+    <xsd:element name="MediaServiceEventHashCode" ma:index="17" nillable="true" ma:displayName="MediaServiceEventHashCode" ma:hidden="true" ma:internalName="MediaServiceEventHashCode" ma:readOnly="true">
+      <xsd:simpleType>
+        <xsd:restriction base="dms:Text"/>
+      </xsd:simpleType>
+    </xsd:element>
+  </xsd:schema>
+  <xsd:schema xmlns:xsd="http://www.w3.org/2001/XMLSchema" xmlns:xs="http://www.w3.org/2001/XMLSchema" xmlns:dms="http://schemas.microsoft.com/office/2006/documentManagement/types" xmlns:pc="http://schemas.microsoft.com/office/infopath/2007/PartnerControls" targetNamespace="6c8368ec-3776-49b5-a5bb-90648cf9530f" elementFormDefault="qualified">
+    <xsd:import namespace="http://schemas.microsoft.com/office/2006/documentManagement/types"/>
+    <xsd:import namespace="http://schemas.microsoft.com/office/infopath/2007/PartnerControls"/>
+    <xsd:element name="SharedWithUsers" ma:index="12" nillable="true" ma:displayName="Shared With" ma:internalName="SharedWithUsers" ma:readOnly="true">
+      <xsd:complexType>
+        <xsd:complexContent>
+          <xsd:extension base="dms:UserMulti">
+            <xsd:sequence>
+              <xsd:element name="UserInfo" minOccurs="0" maxOccurs="unbounded">
+                <xsd:complexType>
+                  <xsd:sequence>
+                    <xsd:element name="DisplayName" type="xsd:string" minOccurs="0"/>
+                    <xsd:element name="AccountId" type="dms:UserId" minOccurs="0" nillable="true"/>
+                    <xsd:element name="AccountType" type="xsd:string" minOccurs="0"/>
+                  </xsd:sequence>
+                </xsd:complexType>
+              </xsd:element>
+            </xsd:sequence>
+          </xsd:extension>
+        </xsd:complexContent>
+      </xsd:complexType>
+    </xsd:element>
+    <xsd:element name="SharedWithDetails" ma:index="13" nillable="true" ma:displayName="Shared With Details" ma:internalName="SharedWithDetails" ma:readOnly="true">
+      <xsd:simpleType>
+        <xsd:restriction base="dms:Note">
+          <xsd:maxLength value="255"/>
+        </xsd:restriction>
+      </xsd:simpleType>
+    </xsd:element>
+  </xsd:schema>
+  <xsd:schema xmlns="http://schemas.openxmlformats.org/package/2006/metadata/core-properties" xmlns:xsd="http://www.w3.org/2001/XMLSchema" xmlns:xsi="http://www.w3.org/2001/XMLSchema-instance" xmlns:dc="http://purl.org/dc/elements/1.1/" xmlns:dcterms="http://purl.org/dc/terms/" xmlns:odoc="http://schemas.microsoft.com/internal/obd" targetNamespace="http://schemas.openxmlformats.org/package/2006/metadata/core-properties" elementFormDefault="qualified" attributeFormDefault="unqualified" blockDefault="#all">
+    <xsd:import namespace="http://purl.org/dc/elements/1.1/" schemaLocation="http://dublincore.org/schemas/xmls/qdc/2003/04/02/dc.xsd"/>
+    <xsd:import namespace="http://purl.org/dc/terms/" schemaLocation="http://dublincore.org/schemas/xmls/qdc/2003/04/02/dcterms.xsd"/>
+    <xsd:element name="coreProperties" type="CT_coreProperties"/>
+    <xsd:complexType name="CT_coreProperties">
+      <xsd:all>
+        <xsd:element ref="dc:creator" minOccurs="0" maxOccurs="1"/>
+        <xsd:element ref="dcterms:created" minOccurs="0" maxOccurs="1"/>
+        <xsd:element ref="dc:identifier" minOccurs="0" maxOccurs="1"/>
+        <xsd:element name="contentType" minOccurs="0" maxOccurs="1" type="xsd:string" ma:index="0" ma:displayName="Content Type"/>
+        <xsd:element ref="dc:title" minOccurs="0" maxOccurs="1" ma:index="4" ma:displayName="Title"/>
+        <xsd:element ref="dc:subject" minOccurs="0" maxOccurs="1"/>
+        <xsd:element ref="dc:description" minOccurs="0" maxOccurs="1"/>
+        <xsd:element name="keywords" minOccurs="0" maxOccurs="1" type="xsd:string"/>
+        <xsd:element ref="dc:language" minOccurs="0" maxOccurs="1"/>
+        <xsd:element name="category" minOccurs="0" maxOccurs="1" type="xsd:string"/>
+        <xsd:element name="version" minOccurs="0" maxOccurs="1" type="xsd:string"/>
+        <xsd:element name="revision" minOccurs="0" maxOccurs="1" type="xsd:string">
+          <xsd:annotation>
+            <xsd:documentation>
+                        This value indicates the number of saves or revisions. The application is responsible for updating this value after each revision.
+                    </xsd:documentation>
+          </xsd:annotation>
+        </xsd:element>
+        <xsd:element name="lastModifiedBy" minOccurs="0" maxOccurs="1" type="xsd:string"/>
+        <xsd:element ref="dcterms:modified" minOccurs="0" maxOccurs="1"/>
+        <xsd:element name="contentStatus" minOccurs="0" maxOccurs="1" type="xsd:string"/>
+      </xsd:all>
+    </xsd:complexType>
+  </xsd:schema>
+  <xs:schema xmlns:pc="http://schemas.microsoft.com/office/infopath/2007/PartnerControls" xmlns:xs="http://www.w3.org/2001/XMLSchema" targetNamespace="http://schemas.microsoft.com/office/infopath/2007/PartnerControls" elementFormDefault="qualified" attributeFormDefault="unqualified">
+    <xs:element name="Person">
+      <xs:complexType>
+        <xs:sequence>
+          <xs:element ref="pc:DisplayName" minOccurs="0"/>
+          <xs:element ref="pc:AccountId" minOccurs="0"/>
+          <xs:element ref="pc:AccountType" minOccurs="0"/>
+        </xs:sequence>
+      </xs:complexType>
+    </xs:element>
+    <xs:element name="DisplayName" type="xs:string"/>
+    <xs:element name="AccountId" type="xs:string"/>
+    <xs:element name="AccountType" type="xs:string"/>
+    <xs:element name="BDCAssociatedEntity">
+      <xs:complexType>
+        <xs:sequence>
+          <xs:element ref="pc:BDCEntity" minOccurs="0" maxOccurs="unbounded"/>
+        </xs:sequence>
+        <xs:attribute ref="pc:EntityNamespace"/>
+        <xs:attribute ref="pc:EntityName"/>
+        <xs:attribute ref="pc:SystemInstanceName"/>
+        <xs:attribute ref="pc:AssociationName"/>
+      </xs:complexType>
+    </xs:element>
+    <xs:attribute name="EntityNamespace" type="xs:string"/>
+    <xs:attribute name="EntityName" type="xs:string"/>
+    <xs:attribute name="SystemInstanceName" type="xs:string"/>
+    <xs:attribute name="AssociationName" type="xs:string"/>
+    <xs:element name="BDCEntity">
+      <xs:complexType>
+        <xs:sequence>
+          <xs:element ref="pc:EntityDisplayName" minOccurs="0"/>
+          <xs:element ref="pc:EntityInstanceReference" minOccurs="0"/>
+          <xs:element ref="pc:EntityId1" minOccurs="0"/>
+          <xs:element ref="pc:EntityId2" minOccurs="0"/>
+          <xs:element ref="pc:EntityId3" minOccurs="0"/>
+          <xs:element ref="pc:EntityId4" minOccurs="0"/>
+          <xs:element ref="pc:EntityId5" minOccurs="0"/>
+        </xs:sequence>
+      </xs:complexType>
+    </xs:element>
+    <xs:element name="EntityDisplayName" type="xs:string"/>
+    <xs:element name="EntityInstanceReference" type="xs:string"/>
+    <xs:element name="EntityId1" type="xs:string"/>
+    <xs:element name="EntityId2" type="xs:string"/>
+    <xs:element name="EntityId3" type="xs:string"/>
+    <xs:element name="EntityId4" type="xs:string"/>
+    <xs:element name="EntityId5" type="xs:string"/>
+    <xs:element name="Terms">
+      <xs:complexType>
+        <xs:sequence>
+          <xs:element ref="pc:TermInfo" minOccurs="0" maxOccurs="unbounded"/>
+        </xs:sequence>
+      </xs:complexType>
+    </xs:element>
+    <xs:element name="TermInfo">
+      <xs:complexType>
+        <xs:sequence>
+          <xs:element ref="pc:TermName" minOccurs="0"/>
+          <xs:element ref="pc:TermId" minOccurs="0"/>
+        </xs:sequence>
+      </xs:complexType>
+    </xs:element>
+    <xs:element name="TermName" type="xs:string"/>
+    <xs:element name="TermId" type="xs:string"/>
+  </xs:schema>
+</ct:contentTypeSchema>
+</file>
+
+<file path=customXml/itemProps1.xml><?xml version="1.0" encoding="utf-8"?>
+<ds:datastoreItem xmlns:ds="http://schemas.openxmlformats.org/officeDocument/2006/customXml" ds:itemID="{AC92E7FA-19A2-4675-9C77-2C92D8A268D1}">
+  <ds:schemaRefs>
+    <ds:schemaRef ds:uri="http://schemas.microsoft.com/sharepoint/v3/contenttype/forms"/>
+  </ds:schemaRefs>
+</ds:datastoreItem>
+</file>
+
+<file path=customXml/itemProps2.xml><?xml version="1.0" encoding="utf-8"?>
+<ds:datastoreItem xmlns:ds="http://schemas.openxmlformats.org/officeDocument/2006/customXml" ds:itemID="{8D12BD98-169B-4BEE-86DF-4C9641DF23C4}">
+  <ds:schemaRefs>
+    <ds:schemaRef ds:uri="http://schemas.microsoft.com/office/2006/documentManagement/types"/>
+    <ds:schemaRef ds:uri="http://schemas.microsoft.com/office/2006/metadata/properties"/>
+    <ds:schemaRef ds:uri="http://www.w3.org/XML/1998/namespace"/>
+    <ds:schemaRef ds:uri="http://purl.org/dc/terms/"/>
+    <ds:schemaRef ds:uri="http://purl.org/dc/elements/1.1/"/>
+    <ds:schemaRef ds:uri="http://schemas.microsoft.com/office/infopath/2007/PartnerControls"/>
+    <ds:schemaRef ds:uri="http://schemas.openxmlformats.org/package/2006/metadata/core-properties"/>
+    <ds:schemaRef ds:uri="8a053bff-88be-49e4-9a87-e748e18b8b62"/>
+    <ds:schemaRef ds:uri="6c8368ec-3776-49b5-a5bb-90648cf9530f"/>
+    <ds:schemaRef ds:uri="http://purl.org/dc/dcmitype/"/>
+  </ds:schemaRefs>
+</ds:datastoreItem>
+</file>
+
+<file path=customXml/itemProps3.xml><?xml version="1.0" encoding="utf-8"?>
+<ds:datastoreItem xmlns:ds="http://schemas.openxmlformats.org/officeDocument/2006/customXml" ds:itemID="{34863498-7BB7-4F09-9F4A-B99E97FDB0EB}">
+  <ds:schemaRefs>
+    <ds:schemaRef ds:uri="http://schemas.microsoft.com/office/2006/metadata/contentType"/>
+    <ds:schemaRef ds:uri="http://schemas.microsoft.com/office/2006/metadata/properties/metaAttributes"/>
+    <ds:schemaRef ds:uri="http://www.w3.org/2001/XMLSchema"/>
+    <ds:schemaRef ds:uri="http://schemas.microsoft.com/office/2006/metadata/properties"/>
+    <ds:schemaRef ds:uri="8a053bff-88be-49e4-9a87-e748e18b8b62"/>
+    <ds:schemaRef ds:uri="6c8368ec-3776-49b5-a5bb-90648cf9530f"/>
+    <ds:schemaRef ds:uri="http://schemas.microsoft.com/office/2006/documentManagement/types"/>
+    <ds:schemaRef ds:uri="http://schemas.microsoft.com/office/infopath/2007/PartnerControls"/>
+    <ds:schemaRef ds:uri="http://schemas.openxmlformats.org/package/2006/metadata/core-properties"/>
+    <ds:schemaRef ds:uri="http://purl.org/dc/elements/1.1/"/>
+    <ds:schemaRef ds:uri="http://purl.org/dc/terms/"/>
+    <ds:schemaRef ds:uri="http://schemas.microsoft.com/internal/obd"/>
+  </ds:schemaRefs>
+</ds:datastoreItem>
 </file>
--- a/help/data-sheets/assets/OnlineSupportDatasheet.pptx
+++ b/help/data-sheets/assets/OnlineSupportDatasheet.pptx
@@ -2,15 +2,15 @@
 <file path=ppt/presentation.xml><?xml version="1.0" encoding="utf-8"?>
 <p:presentation xmlns:a="http://schemas.openxmlformats.org/drawingml/2006/main" xmlns:r="http://schemas.openxmlformats.org/officeDocument/2006/relationships" xmlns:p="http://schemas.openxmlformats.org/presentationml/2006/main">
   <p:sldMasterIdLst>
-    <p:sldMasterId id="2147483648" r:id="rId4"/>
+    <p:sldMasterId id="2147483648" r:id="rId1"/>
   </p:sldMasterIdLst>
   <p:notesMasterIdLst>
-    <p:notesMasterId r:id="rId8"/>
+    <p:notesMasterId r:id="rId5"/>
   </p:notesMasterIdLst>
   <p:sldIdLst>
-    <p:sldId id="256" r:id="rId5"/>
-    <p:sldId id="257" r:id="rId6"/>
-    <p:sldId id="260" r:id="rId7"/>
+    <p:sldId id="256" r:id="rId2"/>
+    <p:sldId id="257" r:id="rId3"/>
+    <p:sldId id="260" r:id="rId4"/>
   </p:sldIdLst>
   <p:sldSz cx="7772400" cy="10058400"/>
   <p:notesSz cx="7772400" cy="10058400"/>
@@ -128,231 +128,6 @@
 </p:presentation>
 </file>
 
-<file path=ppt/revisionInfo.xml><?xml version="1.0" encoding="utf-8"?>
-<p1510:revInfo xmlns:a="http://schemas.openxmlformats.org/drawingml/2006/main" xmlns:r="http://schemas.openxmlformats.org/officeDocument/2006/relationships" xmlns:p1510="http://schemas.microsoft.com/office/powerpoint/2015/10/main">
-  <p1510:revLst>
-    <p1510:client id="{096F7488-A26A-D845-83B0-BE2FC48D1AFD}" v="1" dt="2021-10-13T19:37:08.512"/>
-  </p1510:revLst>
-</p1510:revInfo>
-</file>
-
-<file path=ppt/changesInfos/changesInfo1.xml><?xml version="1.0" encoding="utf-8"?>
-<pc:chgInfo xmlns:a="http://schemas.openxmlformats.org/drawingml/2006/main" xmlns:r="http://schemas.openxmlformats.org/officeDocument/2006/relationships" xmlns:ac="http://schemas.microsoft.com/office/drawing/2013/main/command" xmlns:pc="http://schemas.microsoft.com/office/powerpoint/2013/main/command">
-  <pc:docChgLst>
-    <pc:chgData name="Akilah Johnson" userId="S::akjohnso@adobe.com::2fa3aa60-0c9c-4d06-bae2-795983241227" providerId="AD" clId="Web-{5343DD59-8FB2-7AAD-1875-255EDB54B98D}"/>
-    <pc:docChg chg="modSld">
-      <pc:chgData name="Akilah Johnson" userId="S::akjohnso@adobe.com::2fa3aa60-0c9c-4d06-bae2-795983241227" providerId="AD" clId="Web-{5343DD59-8FB2-7AAD-1875-255EDB54B98D}" dt="2021-09-22T18:47:16.489" v="185"/>
-      <pc:docMkLst>
-        <pc:docMk/>
-      </pc:docMkLst>
-      <pc:sldChg chg="modSp">
-        <pc:chgData name="Akilah Johnson" userId="S::akjohnso@adobe.com::2fa3aa60-0c9c-4d06-bae2-795983241227" providerId="AD" clId="Web-{5343DD59-8FB2-7AAD-1875-255EDB54B98D}" dt="2021-09-22T18:47:16.489" v="185"/>
-        <pc:sldMkLst>
-          <pc:docMk/>
-          <pc:sldMk cId="799510854" sldId="260"/>
-        </pc:sldMkLst>
-        <pc:spChg chg="mod">
-          <ac:chgData name="Akilah Johnson" userId="S::akjohnso@adobe.com::2fa3aa60-0c9c-4d06-bae2-795983241227" providerId="AD" clId="Web-{5343DD59-8FB2-7AAD-1875-255EDB54B98D}" dt="2021-09-22T18:45:44.427" v="153" actId="20577"/>
-          <ac:spMkLst>
-            <pc:docMk/>
-            <pc:sldMk cId="799510854" sldId="260"/>
-            <ac:spMk id="64" creationId="{41467BDC-3D83-D844-B922-CD07E94E5AAB}"/>
-          </ac:spMkLst>
-        </pc:spChg>
-        <pc:graphicFrameChg chg="mod modGraphic">
-          <ac:chgData name="Akilah Johnson" userId="S::akjohnso@adobe.com::2fa3aa60-0c9c-4d06-bae2-795983241227" providerId="AD" clId="Web-{5343DD59-8FB2-7AAD-1875-255EDB54B98D}" dt="2021-09-22T18:47:16.489" v="185"/>
-          <ac:graphicFrameMkLst>
-            <pc:docMk/>
-            <pc:sldMk cId="799510854" sldId="260"/>
-            <ac:graphicFrameMk id="25" creationId="{3A91F5B0-3974-A14D-A146-FB590F2AAD18}"/>
-          </ac:graphicFrameMkLst>
-        </pc:graphicFrameChg>
-      </pc:sldChg>
-    </pc:docChg>
-  </pc:docChgLst>
-  <pc:docChgLst>
-    <pc:chgData name="Akilah Johnson" userId="S::akjohnso@adobe.com::2fa3aa60-0c9c-4d06-bae2-795983241227" providerId="AD" clId="Web-{57A486D7-8267-4044-450E-B1D42691F1A4}"/>
-    <pc:docChg chg="modSld">
-      <pc:chgData name="Akilah Johnson" userId="S::akjohnso@adobe.com::2fa3aa60-0c9c-4d06-bae2-795983241227" providerId="AD" clId="Web-{57A486D7-8267-4044-450E-B1D42691F1A4}" dt="2021-10-12T15:47:55.091" v="2" actId="20577"/>
-      <pc:docMkLst>
-        <pc:docMk/>
-      </pc:docMkLst>
-      <pc:sldChg chg="modSp">
-        <pc:chgData name="Akilah Johnson" userId="S::akjohnso@adobe.com::2fa3aa60-0c9c-4d06-bae2-795983241227" providerId="AD" clId="Web-{57A486D7-8267-4044-450E-B1D42691F1A4}" dt="2021-10-12T15:47:55.091" v="2" actId="20577"/>
-        <pc:sldMkLst>
-          <pc:docMk/>
-          <pc:sldMk cId="0" sldId="256"/>
-        </pc:sldMkLst>
-        <pc:spChg chg="mod">
-          <ac:chgData name="Akilah Johnson" userId="S::akjohnso@adobe.com::2fa3aa60-0c9c-4d06-bae2-795983241227" providerId="AD" clId="Web-{57A486D7-8267-4044-450E-B1D42691F1A4}" dt="2021-10-12T15:47:55.091" v="2" actId="20577"/>
-          <ac:spMkLst>
-            <pc:docMk/>
-            <pc:sldMk cId="0" sldId="256"/>
-            <ac:spMk id="5" creationId="{00000000-0000-0000-0000-000000000000}"/>
-          </ac:spMkLst>
-        </pc:spChg>
-      </pc:sldChg>
-    </pc:docChg>
-  </pc:docChgLst>
-  <pc:docChgLst>
-    <pc:chgData name="Lauren Schutte" userId="6e08b2d3-447a-4d66-86be-444d50df187f" providerId="ADAL" clId="{096F7488-A26A-D845-83B0-BE2FC48D1AFD}"/>
-    <pc:docChg chg="modSld">
-      <pc:chgData name="Lauren Schutte" userId="6e08b2d3-447a-4d66-86be-444d50df187f" providerId="ADAL" clId="{096F7488-A26A-D845-83B0-BE2FC48D1AFD}" dt="2021-10-13T19:38:26.139" v="4" actId="20577"/>
-      <pc:docMkLst>
-        <pc:docMk/>
-      </pc:docMkLst>
-      <pc:sldChg chg="modSp mod">
-        <pc:chgData name="Lauren Schutte" userId="6e08b2d3-447a-4d66-86be-444d50df187f" providerId="ADAL" clId="{096F7488-A26A-D845-83B0-BE2FC48D1AFD}" dt="2021-10-13T19:37:16.686" v="2" actId="242"/>
-        <pc:sldMkLst>
-          <pc:docMk/>
-          <pc:sldMk cId="0" sldId="256"/>
-        </pc:sldMkLst>
-        <pc:graphicFrameChg chg="mod modGraphic">
-          <ac:chgData name="Lauren Schutte" userId="6e08b2d3-447a-4d66-86be-444d50df187f" providerId="ADAL" clId="{096F7488-A26A-D845-83B0-BE2FC48D1AFD}" dt="2021-10-13T19:37:16.686" v="2" actId="242"/>
-          <ac:graphicFrameMkLst>
-            <pc:docMk/>
-            <pc:sldMk cId="0" sldId="256"/>
-            <ac:graphicFrameMk id="9" creationId="{00000000-0000-0000-0000-000000000000}"/>
-          </ac:graphicFrameMkLst>
-        </pc:graphicFrameChg>
-      </pc:sldChg>
-      <pc:sldChg chg="modSp mod">
-        <pc:chgData name="Lauren Schutte" userId="6e08b2d3-447a-4d66-86be-444d50df187f" providerId="ADAL" clId="{096F7488-A26A-D845-83B0-BE2FC48D1AFD}" dt="2021-10-13T19:38:11.810" v="3" actId="20577"/>
-        <pc:sldMkLst>
-          <pc:docMk/>
-          <pc:sldMk cId="0" sldId="257"/>
-        </pc:sldMkLst>
-        <pc:spChg chg="mod">
-          <ac:chgData name="Lauren Schutte" userId="6e08b2d3-447a-4d66-86be-444d50df187f" providerId="ADAL" clId="{096F7488-A26A-D845-83B0-BE2FC48D1AFD}" dt="2021-10-13T19:38:11.810" v="3" actId="20577"/>
-          <ac:spMkLst>
-            <pc:docMk/>
-            <pc:sldMk cId="0" sldId="257"/>
-            <ac:spMk id="39" creationId="{00000000-0000-0000-0000-000000000000}"/>
-          </ac:spMkLst>
-        </pc:spChg>
-      </pc:sldChg>
-      <pc:sldChg chg="modSp mod">
-        <pc:chgData name="Lauren Schutte" userId="6e08b2d3-447a-4d66-86be-444d50df187f" providerId="ADAL" clId="{096F7488-A26A-D845-83B0-BE2FC48D1AFD}" dt="2021-10-13T19:38:26.139" v="4" actId="20577"/>
-        <pc:sldMkLst>
-          <pc:docMk/>
-          <pc:sldMk cId="799510854" sldId="260"/>
-        </pc:sldMkLst>
-        <pc:graphicFrameChg chg="modGraphic">
-          <ac:chgData name="Lauren Schutte" userId="6e08b2d3-447a-4d66-86be-444d50df187f" providerId="ADAL" clId="{096F7488-A26A-D845-83B0-BE2FC48D1AFD}" dt="2021-10-13T19:38:26.139" v="4" actId="20577"/>
-          <ac:graphicFrameMkLst>
-            <pc:docMk/>
-            <pc:sldMk cId="799510854" sldId="260"/>
-            <ac:graphicFrameMk id="111" creationId="{D8653CEC-4213-DE40-9BAF-D1E3318FF89C}"/>
-          </ac:graphicFrameMkLst>
-        </pc:graphicFrameChg>
-      </pc:sldChg>
-    </pc:docChg>
-  </pc:docChgLst>
-  <pc:docChgLst>
-    <pc:chgData name="Akilah Johnson" userId="S::akjohnso@adobe.com::2fa3aa60-0c9c-4d06-bae2-795983241227" providerId="AD" clId="Web-{CF46E89E-48FC-BA32-13C5-654DDA452FDC}"/>
-    <pc:docChg chg="modSld">
-      <pc:chgData name="Akilah Johnson" userId="S::akjohnso@adobe.com::2fa3aa60-0c9c-4d06-bae2-795983241227" providerId="AD" clId="Web-{CF46E89E-48FC-BA32-13C5-654DDA452FDC}" dt="2021-10-12T17:00:50.675" v="21" actId="20577"/>
-      <pc:docMkLst>
-        <pc:docMk/>
-      </pc:docMkLst>
-      <pc:sldChg chg="modSp">
-        <pc:chgData name="Akilah Johnson" userId="S::akjohnso@adobe.com::2fa3aa60-0c9c-4d06-bae2-795983241227" providerId="AD" clId="Web-{CF46E89E-48FC-BA32-13C5-654DDA452FDC}" dt="2021-10-12T16:58:10.550" v="6" actId="20577"/>
-        <pc:sldMkLst>
-          <pc:docMk/>
-          <pc:sldMk cId="0" sldId="256"/>
-        </pc:sldMkLst>
-        <pc:spChg chg="mod">
-          <ac:chgData name="Akilah Johnson" userId="S::akjohnso@adobe.com::2fa3aa60-0c9c-4d06-bae2-795983241227" providerId="AD" clId="Web-{CF46E89E-48FC-BA32-13C5-654DDA452FDC}" dt="2021-10-12T16:58:10.550" v="6" actId="20577"/>
-          <ac:spMkLst>
-            <pc:docMk/>
-            <pc:sldMk cId="0" sldId="256"/>
-            <ac:spMk id="2" creationId="{00000000-0000-0000-0000-000000000000}"/>
-          </ac:spMkLst>
-        </pc:spChg>
-        <pc:graphicFrameChg chg="mod modGraphic">
-          <ac:chgData name="Akilah Johnson" userId="S::akjohnso@adobe.com::2fa3aa60-0c9c-4d06-bae2-795983241227" providerId="AD" clId="Web-{CF46E89E-48FC-BA32-13C5-654DDA452FDC}" dt="2021-10-12T16:57:07.113" v="1"/>
-          <ac:graphicFrameMkLst>
-            <pc:docMk/>
-            <pc:sldMk cId="0" sldId="256"/>
-            <ac:graphicFrameMk id="8" creationId="{00000000-0000-0000-0000-000000000000}"/>
-          </ac:graphicFrameMkLst>
-        </pc:graphicFrameChg>
-      </pc:sldChg>
-      <pc:sldChg chg="modSp">
-        <pc:chgData name="Akilah Johnson" userId="S::akjohnso@adobe.com::2fa3aa60-0c9c-4d06-bae2-795983241227" providerId="AD" clId="Web-{CF46E89E-48FC-BA32-13C5-654DDA452FDC}" dt="2021-10-12T16:59:59.628" v="14" actId="20577"/>
-        <pc:sldMkLst>
-          <pc:docMk/>
-          <pc:sldMk cId="0" sldId="257"/>
-        </pc:sldMkLst>
-        <pc:spChg chg="mod">
-          <ac:chgData name="Akilah Johnson" userId="S::akjohnso@adobe.com::2fa3aa60-0c9c-4d06-bae2-795983241227" providerId="AD" clId="Web-{CF46E89E-48FC-BA32-13C5-654DDA452FDC}" dt="2021-10-12T16:59:21.300" v="12" actId="20577"/>
-          <ac:spMkLst>
-            <pc:docMk/>
-            <pc:sldMk cId="0" sldId="257"/>
-            <ac:spMk id="39" creationId="{00000000-0000-0000-0000-000000000000}"/>
-          </ac:spMkLst>
-        </pc:spChg>
-        <pc:spChg chg="mod">
-          <ac:chgData name="Akilah Johnson" userId="S::akjohnso@adobe.com::2fa3aa60-0c9c-4d06-bae2-795983241227" providerId="AD" clId="Web-{CF46E89E-48FC-BA32-13C5-654DDA452FDC}" dt="2021-10-12T16:59:59.628" v="14" actId="20577"/>
-          <ac:spMkLst>
-            <pc:docMk/>
-            <pc:sldMk cId="0" sldId="257"/>
-            <ac:spMk id="46" creationId="{00000000-0000-0000-0000-000000000000}"/>
-          </ac:spMkLst>
-        </pc:spChg>
-      </pc:sldChg>
-      <pc:sldChg chg="modSp">
-        <pc:chgData name="Akilah Johnson" userId="S::akjohnso@adobe.com::2fa3aa60-0c9c-4d06-bae2-795983241227" providerId="AD" clId="Web-{CF46E89E-48FC-BA32-13C5-654DDA452FDC}" dt="2021-10-12T17:00:50.675" v="21" actId="20577"/>
-        <pc:sldMkLst>
-          <pc:docMk/>
-          <pc:sldMk cId="799510854" sldId="260"/>
-        </pc:sldMkLst>
-        <pc:spChg chg="mod">
-          <ac:chgData name="Akilah Johnson" userId="S::akjohnso@adobe.com::2fa3aa60-0c9c-4d06-bae2-795983241227" providerId="AD" clId="Web-{CF46E89E-48FC-BA32-13C5-654DDA452FDC}" dt="2021-10-12T17:00:50.675" v="21" actId="20577"/>
-          <ac:spMkLst>
-            <pc:docMk/>
-            <pc:sldMk cId="799510854" sldId="260"/>
-            <ac:spMk id="24" creationId="{00000000-0000-0000-0000-000000000000}"/>
-          </ac:spMkLst>
-        </pc:spChg>
-        <pc:spChg chg="mod">
-          <ac:chgData name="Akilah Johnson" userId="S::akjohnso@adobe.com::2fa3aa60-0c9c-4d06-bae2-795983241227" providerId="AD" clId="Web-{CF46E89E-48FC-BA32-13C5-654DDA452FDC}" dt="2021-10-12T17:00:45.784" v="19" actId="20577"/>
-          <ac:spMkLst>
-            <pc:docMk/>
-            <pc:sldMk cId="799510854" sldId="260"/>
-            <ac:spMk id="56" creationId="{00000000-0000-0000-0000-000000000000}"/>
-          </ac:spMkLst>
-        </pc:spChg>
-      </pc:sldChg>
-    </pc:docChg>
-  </pc:docChgLst>
-  <pc:docChgLst>
-    <pc:chgData name="Akilah Johnson" userId="S::akjohnso@adobe.com::2fa3aa60-0c9c-4d06-bae2-795983241227" providerId="AD" clId="Web-{19E88417-C612-7196-8214-73025F75FA84}"/>
-    <pc:docChg chg="modSld">
-      <pc:chgData name="Akilah Johnson" userId="S::akjohnso@adobe.com::2fa3aa60-0c9c-4d06-bae2-795983241227" providerId="AD" clId="Web-{19E88417-C612-7196-8214-73025F75FA84}" dt="2021-10-12T19:15:42.562" v="5" actId="20577"/>
-      <pc:docMkLst>
-        <pc:docMk/>
-      </pc:docMkLst>
-      <pc:sldChg chg="modSp">
-        <pc:chgData name="Akilah Johnson" userId="S::akjohnso@adobe.com::2fa3aa60-0c9c-4d06-bae2-795983241227" providerId="AD" clId="Web-{19E88417-C612-7196-8214-73025F75FA84}" dt="2021-10-12T19:15:42.562" v="5" actId="20577"/>
-        <pc:sldMkLst>
-          <pc:docMk/>
-          <pc:sldMk cId="0" sldId="256"/>
-        </pc:sldMkLst>
-        <pc:spChg chg="mod">
-          <ac:chgData name="Akilah Johnson" userId="S::akjohnso@adobe.com::2fa3aa60-0c9c-4d06-bae2-795983241227" providerId="AD" clId="Web-{19E88417-C612-7196-8214-73025F75FA84}" dt="2021-10-12T19:15:42.562" v="5" actId="20577"/>
-          <ac:spMkLst>
-            <pc:docMk/>
-            <pc:sldMk cId="0" sldId="256"/>
-            <ac:spMk id="13" creationId="{7979C0CC-523E-844A-96DC-75FC662E01AB}"/>
-          </ac:spMkLst>
-        </pc:spChg>
-      </pc:sldChg>
-    </pc:docChg>
-  </pc:docChgLst>
-</pc:chgInfo>
-</file>
-
 <file path=ppt/notesMasters/notesMaster1.xml><?xml version="1.0" encoding="utf-8"?>
 <p:notesMaster xmlns:a="http://schemas.openxmlformats.org/drawingml/2006/main" xmlns:r="http://schemas.openxmlformats.org/officeDocument/2006/relationships" xmlns:p="http://schemas.openxmlformats.org/presentationml/2006/main">
   <p:cSld>
@@ -435,7 +210,7 @@
           <a:p>
             <a:fld id="{A438815C-EDE5-F947-A55F-7634403F36C4}" type="datetimeFigureOut">
               <a:rPr lang="en-US" smtClean="0"/>
-              <a:t>10/13/21</a:t>
+              <a:t>10/11/21</a:t>
             </a:fld>
             <a:endParaRPr lang="en-US"/>
           </a:p>
@@ -600,11 +375,6 @@
         </p:txBody>
       </p:sp>
     </p:spTree>
-    <p:extLst>
-      <p:ext uri="{BB962C8B-B14F-4D97-AF65-F5344CB8AC3E}">
-        <p14:creationId xmlns:p14="http://schemas.microsoft.com/office/powerpoint/2010/main" val="2745251118"/>
-      </p:ext>
-    </p:extLst>
   </p:cSld>
   <p:clrMap bg1="lt1" tx1="dk1" bg2="lt2" tx2="dk2" accent1="accent1" accent2="accent2" accent3="accent3" accent4="accent4" accent5="accent5" accent6="accent6" hlink="hlink" folHlink="folHlink"/>
   <p:notesStyle>
@@ -774,11 +544,6 @@
         </p:txBody>
       </p:sp>
     </p:spTree>
-    <p:extLst>
-      <p:ext uri="{BB962C8B-B14F-4D97-AF65-F5344CB8AC3E}">
-        <p14:creationId xmlns:p14="http://schemas.microsoft.com/office/powerpoint/2010/main" val="3301348829"/>
-      </p:ext>
-    </p:extLst>
   </p:cSld>
   <p:clrMapOvr>
     <a:masterClrMapping/>
@@ -858,11 +623,6 @@
         </p:txBody>
       </p:sp>
     </p:spTree>
-    <p:extLst>
-      <p:ext uri="{BB962C8B-B14F-4D97-AF65-F5344CB8AC3E}">
-        <p14:creationId xmlns:p14="http://schemas.microsoft.com/office/powerpoint/2010/main" val="3367891403"/>
-      </p:ext>
-    </p:extLst>
   </p:cSld>
   <p:clrMapOvr>
     <a:masterClrMapping/>
@@ -942,11 +702,6 @@
         </p:txBody>
       </p:sp>
     </p:spTree>
-    <p:extLst>
-      <p:ext uri="{BB962C8B-B14F-4D97-AF65-F5344CB8AC3E}">
-        <p14:creationId xmlns:p14="http://schemas.microsoft.com/office/powerpoint/2010/main" val="3435290369"/>
-      </p:ext>
-    </p:extLst>
   </p:cSld>
   <p:clrMapOvr>
     <a:masterClrMapping/>
@@ -998,8 +753,8 @@
                 <a:solidFill>
                   <a:schemeClr val="bg1"/>
                 </a:solidFill>
-                <a:latin typeface="Arial"/>
-                <a:cs typeface="Arial"/>
+                <a:latin typeface="Arial" panose="020B0604020202020204"/>
+                <a:cs typeface="Arial" panose="020B0604020202020204"/>
               </a:defRPr>
             </a:lvl1pPr>
           </a:lstStyle>
@@ -1058,7 +813,7 @@
           <a:p>
             <a:fld id="{1D8BD707-D9CF-40AE-B4C6-C98DA3205C09}" type="datetimeFigureOut">
               <a:rPr lang="en-US"/>
-              <a:t>10/13/21</a:t>
+              <a:t>10/11/21</a:t>
             </a:fld>
             <a:endParaRPr lang="en-US"/>
           </a:p>
@@ -1090,6 +845,7 @@
           </a:lstStyle>
           <a:p>
             <a:fld id="{B6F15528-21DE-4FAA-801E-634DDDAF4B2B}" type="slidenum">
+              <a:rPr/>
               <a:t>‹#›</a:t>
             </a:fld>
             <a:endParaRPr/>
@@ -1098,13 +854,7 @@
       </p:sp>
       <p:sp>
         <p:nvSpPr>
-          <p:cNvPr id="11" name="Holder 4">
-            <a:extLst>
-              <a:ext uri="{FF2B5EF4-FFF2-40B4-BE49-F238E27FC236}">
-                <a16:creationId xmlns:a16="http://schemas.microsoft.com/office/drawing/2014/main" id="{F336C0EC-C908-0A4C-AD0F-1418E778FC60}"/>
-              </a:ext>
-            </a:extLst>
-          </p:cNvPr>
+          <p:cNvPr id="11" name="Holder 4"/>
           <p:cNvSpPr>
             <a:spLocks noGrp="1"/>
           </p:cNvSpPr>
@@ -1162,13 +912,7 @@
       </p:sp>
       <p:pic>
         <p:nvPicPr>
-          <p:cNvPr id="12" name="Picture 11">
-            <a:extLst>
-              <a:ext uri="{FF2B5EF4-FFF2-40B4-BE49-F238E27FC236}">
-                <a16:creationId xmlns:a16="http://schemas.microsoft.com/office/drawing/2014/main" id="{4388883E-79D4-2047-8C5E-37999ED2475C}"/>
-              </a:ext>
-            </a:extLst>
-          </p:cNvPr>
+          <p:cNvPr id="12" name="Picture 11"/>
           <p:cNvPicPr>
             <a:picLocks noChangeAspect="1"/>
           </p:cNvPicPr>
@@ -1242,7 +986,7 @@
           <a:p>
             <a:fld id="{1D8BD707-D9CF-40AE-B4C6-C98DA3205C09}" type="datetimeFigureOut">
               <a:rPr lang="en-US"/>
-              <a:t>10/13/21</a:t>
+              <a:t>10/11/21</a:t>
             </a:fld>
             <a:endParaRPr lang="en-US"/>
           </a:p>
@@ -1274,6 +1018,7 @@
           </a:lstStyle>
           <a:p>
             <a:fld id="{B6F15528-21DE-4FAA-801E-634DDDAF4B2B}" type="slidenum">
+              <a:rPr/>
               <a:t>‹#›</a:t>
             </a:fld>
             <a:endParaRPr/>
@@ -1282,13 +1027,7 @@
       </p:sp>
       <p:sp>
         <p:nvSpPr>
-          <p:cNvPr id="7" name="Holder 4">
-            <a:extLst>
-              <a:ext uri="{FF2B5EF4-FFF2-40B4-BE49-F238E27FC236}">
-                <a16:creationId xmlns:a16="http://schemas.microsoft.com/office/drawing/2014/main" id="{004A8D36-CC65-B341-9E43-4A47F88C0D96}"/>
-              </a:ext>
-            </a:extLst>
-          </p:cNvPr>
+          <p:cNvPr id="7" name="Holder 4"/>
           <p:cNvSpPr>
             <a:spLocks noGrp="1"/>
           </p:cNvSpPr>
@@ -1406,8 +1145,8 @@
                 <a:solidFill>
                   <a:schemeClr val="bg1"/>
                 </a:solidFill>
-                <a:latin typeface="Arial"/>
-                <a:cs typeface="Arial"/>
+                <a:latin typeface="Arial" panose="020B0604020202020204"/>
+                <a:cs typeface="Arial" panose="020B0604020202020204"/>
               </a:defRPr>
             </a:lvl1pPr>
           </a:lstStyle>
@@ -1544,7 +1283,7 @@
           <a:p>
             <a:fld id="{1D8BD707-D9CF-40AE-B4C6-C98DA3205C09}" type="datetimeFigureOut">
               <a:rPr lang="en-US"/>
-              <a:t>10/13/21</a:t>
+              <a:t>10/11/21</a:t>
             </a:fld>
             <a:endParaRPr lang="en-US"/>
           </a:p>
@@ -1586,6 +1325,7 @@
           </a:lstStyle>
           <a:p>
             <a:fld id="{B6F15528-21DE-4FAA-801E-634DDDAF4B2B}" type="slidenum">
+              <a:rPr/>
               <a:t>‹#›</a:t>
             </a:fld>
             <a:endParaRPr/>
@@ -1594,13 +1334,7 @@
       </p:sp>
       <p:pic>
         <p:nvPicPr>
-          <p:cNvPr id="9" name="Picture 8">
-            <a:extLst>
-              <a:ext uri="{FF2B5EF4-FFF2-40B4-BE49-F238E27FC236}">
-                <a16:creationId xmlns:a16="http://schemas.microsoft.com/office/drawing/2014/main" id="{40B595D3-F8FC-DA44-B170-015BD0590CFB}"/>
-              </a:ext>
-            </a:extLst>
-          </p:cNvPr>
+          <p:cNvPr id="9" name="Picture 8"/>
           <p:cNvPicPr>
             <a:picLocks noChangeAspect="1"/>
           </p:cNvPicPr>
@@ -1626,8 +1360,8 @@
   </p:cSld>
   <p:clrMap bg1="lt1" tx1="dk1" bg2="lt2" tx2="dk2" accent1="accent1" accent2="accent2" accent3="accent3" accent4="accent4" accent5="accent5" accent6="accent6" hlink="hlink" folHlink="folHlink"/>
   <p:sldLayoutIdLst>
-    <p:sldLayoutId id="2147483662" r:id="rId1"/>
-    <p:sldLayoutId id="2147483665" r:id="rId2"/>
+    <p:sldLayoutId id="2147483649" r:id="rId1"/>
+    <p:sldLayoutId id="2147483650" r:id="rId2"/>
   </p:sldLayoutIdLst>
   <p:txStyles>
     <p:titleStyle>
@@ -1799,25 +1533,28 @@
         <p:spPr>
           <a:xfrm>
             <a:off x="95250" y="7228840"/>
-            <a:ext cx="2884717" cy="227626"/>
+            <a:ext cx="2800350" cy="238760"/>
           </a:xfrm>
           <a:prstGeom prst="rect">
             <a:avLst/>
           </a:prstGeom>
         </p:spPr>
         <p:txBody>
-          <a:bodyPr vert="horz" wrap="square" lIns="0" tIns="12065" rIns="0" bIns="0" rtlCol="0" anchor="t">
+          <a:bodyPr vert="horz" wrap="square" lIns="0" tIns="12065" rIns="0" bIns="0" rtlCol="0">
             <a:spAutoFit/>
           </a:bodyPr>
           <a:lstStyle/>
           <a:p>
             <a:pPr marL="12700">
+              <a:lnSpc>
+                <a:spcPct val="100000"/>
+              </a:lnSpc>
               <a:spcBef>
                 <a:spcPts val="95"/>
               </a:spcBef>
             </a:pPr>
             <a:r>
-              <a:rPr sz="1400" b="1" u="heavy" spc="10" dirty="0">
+              <a:rPr lang="en-US" sz="1400" b="1" u="heavy" spc="10" dirty="0">
                 <a:solidFill>
                   <a:srgbClr val="020302"/>
                 </a:solidFill>
@@ -1829,52 +1566,7 @@
                 <a:latin typeface="Adobe Clean"/>
                 <a:cs typeface="Adobe Clean"/>
               </a:rPr>
-              <a:t>Service </a:t>
-            </a:r>
-            <a:r>
-              <a:rPr sz="1400" b="1" u="heavy" spc="-10" dirty="0">
-                <a:solidFill>
-                  <a:srgbClr val="020302"/>
-                </a:solidFill>
-                <a:uFill>
-                  <a:solidFill>
-                    <a:srgbClr val="020302"/>
-                  </a:solidFill>
-                </a:uFill>
-                <a:latin typeface="Adobe Clean"/>
-                <a:cs typeface="Adobe Clean"/>
-              </a:rPr>
-              <a:t>Level </a:t>
-            </a:r>
-            <a:r>
-              <a:rPr sz="1400" b="1" u="heavy" spc="-45" dirty="0">
-                <a:solidFill>
-                  <a:srgbClr val="020302"/>
-                </a:solidFill>
-                <a:uFill>
-                  <a:solidFill>
-                    <a:srgbClr val="020302"/>
-                  </a:solidFill>
-                </a:uFill>
-                <a:latin typeface="Adobe Clean"/>
-                <a:cs typeface="Adobe Clean"/>
-              </a:rPr>
-              <a:t>Targets: </a:t>
-            </a:r>
-            <a:r>
-              <a:rPr sz="1400" b="1" u="heavy" spc="-10" dirty="0">
-                <a:solidFill>
-                  <a:srgbClr val="020302"/>
-                </a:solidFill>
-                <a:uFill>
-                  <a:solidFill>
-                    <a:srgbClr val="020302"/>
-                  </a:solidFill>
-                </a:uFill>
-                <a:latin typeface="Adobe Clean"/>
-                <a:cs typeface="Adobe Clean"/>
-              </a:rPr>
-              <a:t>Initial</a:t>
+              <a:t>服务</a:t>
             </a:r>
             <a:r>
               <a:rPr lang="en-US" sz="1400" b="1" u="heavy" spc="-10" dirty="0">
@@ -1889,10 +1581,10 @@
                 <a:latin typeface="Adobe Clean"/>
                 <a:cs typeface="Adobe Clean"/>
               </a:rPr>
-              <a:t> </a:t>
-            </a:r>
-            <a:r>
-              <a:rPr sz="1400" b="1" u="heavy" spc="-15" dirty="0">
+              <a:t>水平</a:t>
+            </a:r>
+            <a:r>
+              <a:rPr lang="en-US" sz="1400" b="1" u="heavy" spc="-45" dirty="0">
                 <a:solidFill>
                   <a:srgbClr val="020302"/>
                 </a:solidFill>
@@ -1904,7 +1596,37 @@
                 <a:latin typeface="Adobe Clean"/>
                 <a:cs typeface="Adobe Clean"/>
               </a:rPr>
-              <a:t>Response</a:t>
+              <a:t>目标：</a:t>
+            </a:r>
+            <a:r>
+              <a:rPr lang="en-US" sz="1400" b="1" u="heavy" spc="-10" dirty="0">
+                <a:solidFill>
+                  <a:srgbClr val="020302"/>
+                </a:solidFill>
+                <a:uFill>
+                  <a:solidFill>
+                    <a:srgbClr val="020302"/>
+                  </a:solidFill>
+                </a:uFill>
+                <a:latin typeface="Adobe Clean"/>
+                <a:cs typeface="Adobe Clean"/>
+              </a:rPr>
+              <a:t>初始</a:t>
+            </a:r>
+            <a:r>
+              <a:rPr lang="en-US" sz="1400" b="1" u="heavy" spc="-15" dirty="0">
+                <a:solidFill>
+                  <a:srgbClr val="020302"/>
+                </a:solidFill>
+                <a:uFill>
+                  <a:solidFill>
+                    <a:srgbClr val="020302"/>
+                  </a:solidFill>
+                </a:uFill>
+                <a:latin typeface="Adobe Clean"/>
+                <a:cs typeface="Adobe Clean"/>
+              </a:rPr>
+              <a:t>响应</a:t>
             </a:r>
             <a:endParaRPr sz="1400" dirty="0">
               <a:latin typeface="Adobe Clean"/>
@@ -1951,14 +1673,14 @@
         <p:spPr>
           <a:xfrm>
             <a:off x="136772" y="813361"/>
-            <a:ext cx="6035427" cy="1089529"/>
+            <a:ext cx="6035427" cy="947420"/>
           </a:xfrm>
           <a:prstGeom prst="rect">
             <a:avLst/>
           </a:prstGeom>
         </p:spPr>
         <p:txBody>
-          <a:bodyPr vert="horz" wrap="square" lIns="0" tIns="24130" rIns="0" bIns="0" rtlCol="0" anchor="t">
+          <a:bodyPr vert="horz" wrap="square" lIns="0" tIns="24130" rIns="0" bIns="0" rtlCol="0">
             <a:spAutoFit/>
           </a:bodyPr>
           <a:lstStyle/>
@@ -1977,19 +1699,22 @@
                   <a:schemeClr val="bg1"/>
                 </a:solidFill>
               </a:rPr>
-              <a:t>Online</a:t>
+              <a:t>在线</a:t>
             </a:r>
             <a:r>
               <a:rPr lang="en-US" sz="1200" dirty="0">
                 <a:solidFill>
                   <a:schemeClr val="bg1"/>
                 </a:solidFill>
-                <a:latin typeface="Adobe Clean Light"/>
+                <a:latin typeface="Adobe Clean Light" panose="020B0303020404020204" pitchFamily="34" charset="0"/>
               </a:rPr>
-              <a:t> | Business | Enterprise | Elite</a:t>
+              <a:t> | 商业 | 企业 | 高级</a:t>
             </a:r>
             <a:br>
-              <a:rPr lang="en-US" sz="900" dirty="0">
+              <a:rPr lang="en-US" sz="1200" dirty="0">
+                <a:solidFill>
+                  <a:schemeClr val="bg1"/>
+                </a:solidFill>
                 <a:latin typeface="Adobe Clean Light" panose="020B0303020404020204" pitchFamily="34" charset="0"/>
               </a:rPr>
             </a:br>
@@ -1998,40 +1723,60 @@
                 <a:solidFill>
                   <a:schemeClr val="bg1"/>
                 </a:solidFill>
-                <a:latin typeface="Adobe Clean SemiLight"/>
+                <a:latin typeface="Adobe Clean SemiLight" panose="020B0403020404020204" pitchFamily="34" charset="0"/>
               </a:rPr>
-              <a:t>Adobe provides a comprehensive range of technical resources to help support your business included as part of your Experience Cloud license subscription. Online support includes access to personalized learning paths and monitored community forums via the Adobe Experience League. You can take advantage of our detailed and in-depth technical product documentation and current release notes published on </a:t>
+              <a:t>Adobe 提供了全面的技术资源来帮助支持您的业务，这些资源包含在您的 Experience Cloud 许可订阅中，并在商业支持包中得到了增强。在线支持包括通过 Adobe Experience League 访问个性化的学习路径和受监控的社区论坛。您可以使用我们在 </a:t>
             </a:r>
             <a:r>
               <a:rPr lang="en-US" sz="900" u="sng" dirty="0">
                 <a:solidFill>
                   <a:schemeClr val="bg1"/>
                 </a:solidFill>
-                <a:latin typeface="Adobe Clean SemiLight"/>
-                <a:hlinkClick r:id="rId4">
-                  <a:extLst>
-                    <a:ext uri="{A12FA001-AC4F-418D-AE19-62706E023703}">
-                      <ahyp:hlinkClr xmlns:ahyp="http://schemas.microsoft.com/office/drawing/2018/hyperlinkcolor" val="tx"/>
-                    </a:ext>
-                  </a:extLst>
-                </a:hlinkClick>
+                <a:latin typeface="Adobe Clean SemiLight" panose="020B0403020404020204" pitchFamily="34" charset="0"/>
+                <a:hlinkClick r:id="rId4"/>
               </a:rPr>
-              <a:t>http://www.adobe.com. </a:t>
+              <a:t>http://www.adobe.com/cn/</a:t>
+            </a:r>
+            <a:r>
+              <a:rPr lang="en-US" sz="1200" b="1" dirty="0">
+                <a:solidFill>
+                  <a:schemeClr val="bg1"/>
+                </a:solidFill>
+              </a:rPr>
+              <a:t> </a:t>
             </a:r>
             <a:r>
               <a:rPr lang="en-US" sz="900" dirty="0">
                 <a:solidFill>
                   <a:schemeClr val="bg1"/>
                 </a:solidFill>
-                <a:latin typeface="Adobe Clean SemiLight"/>
+                <a:latin typeface="Adobe Clean SemiLight" panose="020B0403020404020204" pitchFamily="34" charset="0"/>
               </a:rPr>
-              <a:t>Our Online package also includes access to our technical support teams for any critical P1 product issues via telephone to help protect your business at the most critical times as well as providing the ability to log lower priority requests for assistance via support web portal.</a:t>
+              <a:t>上发布的详细而深入的技术产品文档和最新发行说明</a:t>
+            </a:r>
+            <a:r>
+              <a:rPr lang="zh-CN" altLang="en-US" sz="900" dirty="0">
+                <a:solidFill>
+                  <a:schemeClr val="bg1"/>
+                </a:solidFill>
+                <a:latin typeface="Adobe Clean SemiLight" panose="020B0403020404020204" pitchFamily="34" charset="0"/>
+              </a:rPr>
+              <a:t>。</a:t>
+            </a:r>
+            <a:r>
+              <a:rPr lang="en-US" sz="900" dirty="0">
+                <a:solidFill>
+                  <a:schemeClr val="bg1"/>
+                </a:solidFill>
+                <a:latin typeface="Adobe Clean SemiLight" panose="020B0403020404020204" pitchFamily="34" charset="0"/>
+              </a:rPr>
+              <a:t>利用我们的在线包，不仅可以通过电话与我们的技术支持团队联系以解决任何重要的 P1 产品问题，从而帮助在最关键的时刻保护您的业务，还可以记录较低优先级的请求以通过支持门户网站获得帮助。</a:t>
             </a:r>
             <a:endParaRPr lang="en-US" sz="900" dirty="0">
               <a:solidFill>
                 <a:schemeClr val="bg1"/>
               </a:solidFill>
-              <a:latin typeface="Adobe Clean SemiLight"/>
+              <a:latin typeface="Adobe Clean Light" panose="020B0303020404020204" pitchFamily="34" charset="0"/>
               <a:cs typeface="AdobeClean-Light"/>
             </a:endParaRPr>
           </a:p>
@@ -2072,13 +1817,7 @@
           <p:cNvGraphicFramePr>
             <a:graphicFrameLocks noGrp="1"/>
           </p:cNvGraphicFramePr>
-          <p:nvPr>
-            <p:extLst>
-              <p:ext uri="{D42A27DB-BD31-4B8C-83A1-F6EECF244321}">
-                <p14:modId xmlns:p14="http://schemas.microsoft.com/office/powerpoint/2010/main" val="1047125657"/>
-              </p:ext>
-            </p:extLst>
-          </p:nvPr>
+          <p:nvPr/>
         </p:nvGraphicFramePr>
         <p:xfrm>
           <a:off x="0" y="1938946"/>
@@ -2094,7 +1833,7 @@
                 <a:gridCol w="1192779">
                   <a:extLst>
                     <a:ext uri="{9D8B030D-6E8A-4147-A177-3AD203B41FA5}">
-                      <a16:colId xmlns:a16="http://schemas.microsoft.com/office/drawing/2014/main" val="1674920574"/>
+                      <a16:colId xmlns:a16="http://schemas.microsoft.com/office/drawing/2014/main" val="20000"/>
                     </a:ext>
                   </a:extLst>
                 </a:gridCol>
@@ -2122,13 +1861,6 @@
                 <a:gridCol w="177515">
                   <a:extLst>
                     <a:ext uri="{9D8B030D-6E8A-4147-A177-3AD203B41FA5}">
-                      <a16:colId xmlns:a16="http://schemas.microsoft.com/office/drawing/2014/main" val="4086914696"/>
-                    </a:ext>
-                  </a:extLst>
-                </a:gridCol>
-                <a:gridCol w="821728">
-                  <a:extLst>
-                    <a:ext uri="{9D8B030D-6E8A-4147-A177-3AD203B41FA5}">
                       <a16:colId xmlns:a16="http://schemas.microsoft.com/office/drawing/2014/main" val="20004"/>
                     </a:ext>
                   </a:extLst>
@@ -2140,6 +1872,13 @@
                     </a:ext>
                   </a:extLst>
                 </a:gridCol>
+                <a:gridCol w="821728">
+                  <a:extLst>
+                    <a:ext uri="{9D8B030D-6E8A-4147-A177-3AD203B41FA5}">
+                      <a16:colId xmlns:a16="http://schemas.microsoft.com/office/drawing/2014/main" val="20006"/>
+                    </a:ext>
+                  </a:extLst>
+                </a:gridCol>
               </a:tblGrid>
               <a:tr h="218820">
                 <a:tc gridSpan="2">
@@ -2157,7 +1896,7 @@
                     <a:bodyPr/>
                     <a:lstStyle/>
                     <a:p>
-                      <a:endParaRPr/>
+                      <a:endParaRPr lang="en-US"/>
                     </a:p>
                   </a:txBody>
                   <a:tcPr marL="0" marR="0" marT="0" marB="0"/>
@@ -2176,16 +1915,6 @@
                         </a:spcBef>
                       </a:pPr>
                       <a:r>
-                        <a:rPr sz="900" spc="0" dirty="0">
-                          <a:solidFill>
-                            <a:srgbClr val="404040"/>
-                          </a:solidFill>
-                          <a:latin typeface="Adobe Clean"/>
-                          <a:cs typeface="Adobe Clean"/>
-                        </a:rPr>
-                        <a:t>Online</a:t>
-                      </a:r>
-                      <a:r>
                         <a:rPr lang="en-US" sz="900" spc="0" dirty="0">
                           <a:solidFill>
                             <a:srgbClr val="404040"/>
@@ -2193,17 +1922,7 @@
                           <a:latin typeface="Adobe Clean"/>
                           <a:cs typeface="Adobe Clean"/>
                         </a:rPr>
-                        <a:t> </a:t>
-                      </a:r>
-                      <a:r>
-                        <a:rPr sz="900" spc="0" dirty="0">
-                          <a:solidFill>
-                            <a:srgbClr val="404040"/>
-                          </a:solidFill>
-                          <a:latin typeface="Adobe Clean"/>
-                          <a:cs typeface="Adobe Clean"/>
-                        </a:rPr>
-                        <a:t>Support</a:t>
+                        <a:t>在线支持</a:t>
                       </a:r>
                       <a:endParaRPr sz="900" spc="0" dirty="0">
                         <a:latin typeface="Adobe Clean"/>
@@ -2230,79 +1949,6 @@
                   </a:tcPr>
                 </a:tc>
                 <a:tc>
-                  <a:txBody>
-                    <a:bodyPr/>
-                    <a:lstStyle/>
-                    <a:p>
-                      <a:pPr marL="2540" algn="ctr">
-                        <a:lnSpc>
-                          <a:spcPct val="100000"/>
-                        </a:lnSpc>
-                        <a:spcBef>
-                          <a:spcPts val="60"/>
-                        </a:spcBef>
-                      </a:pPr>
-                      <a:r>
-                        <a:rPr sz="900" spc="0" dirty="0">
-                          <a:solidFill>
-                            <a:srgbClr val="FFFFFF"/>
-                          </a:solidFill>
-                          <a:latin typeface="Adobe Clean"/>
-                          <a:cs typeface="Adobe Clean"/>
-                        </a:rPr>
-                        <a:t>Business</a:t>
-                      </a:r>
-                      <a:r>
-                        <a:rPr lang="en-US" sz="900" spc="0" dirty="0">
-                          <a:solidFill>
-                            <a:srgbClr val="FFFFFF"/>
-                          </a:solidFill>
-                          <a:latin typeface="Adobe Clean"/>
-                          <a:cs typeface="Adobe Clean"/>
-                        </a:rPr>
-                        <a:t> </a:t>
-                      </a:r>
-                      <a:r>
-                        <a:rPr sz="900" spc="0" dirty="0">
-                          <a:solidFill>
-                            <a:srgbClr val="FFFFFF"/>
-                          </a:solidFill>
-                          <a:latin typeface="Adobe Clean"/>
-                          <a:cs typeface="Adobe Clean"/>
-                        </a:rPr>
-                        <a:t>Support</a:t>
-                      </a:r>
-                      <a:endParaRPr sz="900" spc="0" dirty="0">
-                        <a:latin typeface="Adobe Clean"/>
-                        <a:cs typeface="Adobe Clean"/>
-                      </a:endParaRPr>
-                    </a:p>
-                  </a:txBody>
-                  <a:tcPr marL="0" marR="0" marT="7620" marB="0" anchor="ctr">
-                    <a:lnL w="3175">
-                      <a:solidFill>
-                        <a:srgbClr val="B7B8B8"/>
-                      </a:solidFill>
-                      <a:prstDash val="solid"/>
-                    </a:lnL>
-                    <a:lnR w="3175">
-                      <a:solidFill>
-                        <a:srgbClr val="B7B8B8"/>
-                      </a:solidFill>
-                      <a:prstDash val="solid"/>
-                    </a:lnR>
-                    <a:lnB w="76200">
-                      <a:solidFill>
-                        <a:srgbClr val="ACD2FF"/>
-                      </a:solidFill>
-                      <a:prstDash val="solid"/>
-                    </a:lnB>
-                    <a:solidFill>
-                      <a:srgbClr val="7D7D7D"/>
-                    </a:solidFill>
-                  </a:tcPr>
-                </a:tc>
-                <a:tc gridSpan="2">
                   <a:txBody>
                     <a:bodyPr/>
                     <a:lstStyle/>
@@ -2323,7 +1969,7 @@
                           <a:latin typeface="Adobe Clean"/>
                           <a:cs typeface="Adobe Clean"/>
                         </a:rPr>
-                        <a:t>Enterprise Support</a:t>
+                        <a:t>商业支持</a:t>
                       </a:r>
                       <a:endParaRPr sz="900" spc="0" dirty="0">
                         <a:latin typeface="Adobe Clean"/>
@@ -2346,6 +1992,59 @@
                     </a:lnR>
                     <a:lnB w="76200">
                       <a:solidFill>
+                        <a:srgbClr val="ACD2FF"/>
+                      </a:solidFill>
+                      <a:prstDash val="solid"/>
+                    </a:lnB>
+                    <a:solidFill>
+                      <a:srgbClr val="7D7D7D"/>
+                    </a:solidFill>
+                  </a:tcPr>
+                </a:tc>
+                <a:tc gridSpan="2">
+                  <a:txBody>
+                    <a:bodyPr/>
+                    <a:lstStyle/>
+                    <a:p>
+                      <a:pPr marL="2540" algn="ctr">
+                        <a:lnSpc>
+                          <a:spcPct val="100000"/>
+                        </a:lnSpc>
+                        <a:spcBef>
+                          <a:spcPts val="60"/>
+                        </a:spcBef>
+                      </a:pPr>
+                      <a:r>
+                        <a:rPr lang="en-US" sz="900" spc="0" dirty="0">
+                          <a:solidFill>
+                            <a:srgbClr val="FFFFFF"/>
+                          </a:solidFill>
+                          <a:latin typeface="Adobe Clean"/>
+                          <a:cs typeface="Adobe Clean"/>
+                        </a:rPr>
+                        <a:t>企业支持</a:t>
+                      </a:r>
+                      <a:endParaRPr sz="900" spc="0" dirty="0">
+                        <a:latin typeface="Adobe Clean"/>
+                        <a:cs typeface="Adobe Clean"/>
+                      </a:endParaRPr>
+                    </a:p>
+                  </a:txBody>
+                  <a:tcPr marL="0" marR="0" marT="7620" marB="0" anchor="ctr">
+                    <a:lnL w="3175">
+                      <a:solidFill>
+                        <a:srgbClr val="B7B8B8"/>
+                      </a:solidFill>
+                      <a:prstDash val="solid"/>
+                    </a:lnL>
+                    <a:lnR w="3175">
+                      <a:solidFill>
+                        <a:srgbClr val="B7B8B8"/>
+                      </a:solidFill>
+                      <a:prstDash val="solid"/>
+                    </a:lnR>
+                    <a:lnB w="76200">
+                      <a:solidFill>
                         <a:srgbClr val="2E8FFF"/>
                       </a:solidFill>
                       <a:prstDash val="solid"/>
@@ -2356,6 +2055,38 @@
                   </a:tcPr>
                 </a:tc>
                 <a:tc hMerge="1">
+                  <a:txBody>
+                    <a:bodyPr/>
+                    <a:lstStyle/>
+                    <a:p>
+                      <a:endParaRPr lang="en-US"/>
+                    </a:p>
+                  </a:txBody>
+                  <a:tcPr marL="0" marR="0" marT="7620" marB="0" anchor="ctr">
+                    <a:lnL w="3175">
+                      <a:solidFill>
+                        <a:srgbClr val="B7B8B8"/>
+                      </a:solidFill>
+                      <a:prstDash val="solid"/>
+                    </a:lnL>
+                    <a:lnR w="3175">
+                      <a:solidFill>
+                        <a:srgbClr val="B7B8B8"/>
+                      </a:solidFill>
+                      <a:prstDash val="solid"/>
+                    </a:lnR>
+                    <a:lnB w="76200">
+                      <a:solidFill>
+                        <a:srgbClr val="2E8FFF"/>
+                      </a:solidFill>
+                      <a:prstDash val="solid"/>
+                    </a:lnB>
+                    <a:solidFill>
+                      <a:srgbClr val="404040"/>
+                    </a:solidFill>
+                  </a:tcPr>
+                </a:tc>
+                <a:tc>
                   <a:txBody>
                     <a:bodyPr/>
                     <a:lstStyle/>
@@ -2369,89 +2100,6 @@
                         </a:spcBef>
                       </a:pPr>
                       <a:r>
-                        <a:rPr sz="900" spc="-20" dirty="0">
-                          <a:solidFill>
-                            <a:srgbClr val="FFFFFF"/>
-                          </a:solidFill>
-                          <a:latin typeface="Adobe Clean"/>
-                          <a:cs typeface="Adobe Clean"/>
-                        </a:rPr>
-                        <a:t>Enterprise</a:t>
-                      </a:r>
-                      <a:r>
-                        <a:rPr lang="en-US" sz="900" spc="-20" dirty="0">
-                          <a:solidFill>
-                            <a:srgbClr val="FFFFFF"/>
-                          </a:solidFill>
-                          <a:latin typeface="Adobe Clean"/>
-                          <a:cs typeface="Adobe Clean"/>
-                        </a:rPr>
-                        <a:t> </a:t>
-                      </a:r>
-                      <a:r>
-                        <a:rPr sz="900" spc="-20" dirty="0">
-                          <a:solidFill>
-                            <a:srgbClr val="FFFFFF"/>
-                          </a:solidFill>
-                          <a:latin typeface="Adobe Clean"/>
-                          <a:cs typeface="Adobe Clean"/>
-                        </a:rPr>
-                        <a:t>Support</a:t>
-                      </a:r>
-                      <a:endParaRPr sz="900" dirty="0">
-                        <a:latin typeface="Adobe Clean"/>
-                        <a:cs typeface="Adobe Clean"/>
-                      </a:endParaRPr>
-                    </a:p>
-                  </a:txBody>
-                  <a:tcPr marL="0" marR="0" marT="7620" marB="0" anchor="ctr">
-                    <a:lnL w="3175">
-                      <a:solidFill>
-                        <a:srgbClr val="B7B8B8"/>
-                      </a:solidFill>
-                      <a:prstDash val="solid"/>
-                    </a:lnL>
-                    <a:lnR w="3175">
-                      <a:solidFill>
-                        <a:srgbClr val="B7B8B8"/>
-                      </a:solidFill>
-                      <a:prstDash val="solid"/>
-                    </a:lnR>
-                    <a:lnB w="76200">
-                      <a:solidFill>
-                        <a:srgbClr val="2E8FFF"/>
-                      </a:solidFill>
-                      <a:prstDash val="solid"/>
-                    </a:lnB>
-                    <a:solidFill>
-                      <a:srgbClr val="404040"/>
-                    </a:solidFill>
-                  </a:tcPr>
-                </a:tc>
-                <a:tc>
-                  <a:txBody>
-                    <a:bodyPr/>
-                    <a:lstStyle/>
-                    <a:p>
-                      <a:pPr marL="635" algn="ctr">
-                        <a:lnSpc>
-                          <a:spcPct val="100000"/>
-                        </a:lnSpc>
-                        <a:spcBef>
-                          <a:spcPts val="60"/>
-                        </a:spcBef>
-                      </a:pPr>
-                      <a:r>
-                        <a:rPr sz="900" spc="0" dirty="0">
-                          <a:solidFill>
-                            <a:srgbClr val="FFFFFF"/>
-                          </a:solidFill>
-                          <a:latin typeface="Adobe Clean"/>
-                          <a:cs typeface="Adobe Clean"/>
-                        </a:rPr>
-                        <a:t>Elite</a:t>
-                      </a:r>
-                      <a:r>
                         <a:rPr lang="en-US" sz="900" spc="0" dirty="0">
                           <a:solidFill>
                             <a:srgbClr val="FFFFFF"/>
@@ -2459,17 +2107,7 @@
                           <a:latin typeface="Adobe Clean"/>
                           <a:cs typeface="Adobe Clean"/>
                         </a:rPr>
-                        <a:t> </a:t>
-                      </a:r>
-                      <a:r>
-                        <a:rPr sz="900" spc="0" dirty="0">
-                          <a:solidFill>
-                            <a:srgbClr val="FFFFFF"/>
-                          </a:solidFill>
-                          <a:latin typeface="Adobe Clean"/>
-                          <a:cs typeface="Adobe Clean"/>
-                        </a:rPr>
-                        <a:t>Support</a:t>
+                        <a:t>高级支持</a:t>
                       </a:r>
                       <a:endParaRPr sz="900" spc="0" dirty="0">
                         <a:latin typeface="Adobe Clean"/>
@@ -2517,7 +2155,7 @@
                     <a:bodyPr/>
                     <a:lstStyle/>
                     <a:p>
-                      <a:endParaRPr/>
+                      <a:endParaRPr lang="en-US"/>
                     </a:p>
                   </a:txBody>
                   <a:tcPr marL="0" marR="0" marT="0" marB="0"/>
@@ -2527,7 +2165,7 @@
                     <a:bodyPr/>
                     <a:lstStyle/>
                     <a:p>
-                      <a:pPr marL="255904" marR="248920" indent="-25400">
+                      <a:pPr marL="255905" marR="248920" indent="-25400">
                         <a:lnSpc>
                           <a:spcPct val="100000"/>
                         </a:lnSpc>
@@ -2588,17 +2226,7 @@
                           <a:latin typeface="Adobe Clean"/>
                           <a:cs typeface="Adobe Clean"/>
                         </a:rPr>
-                        <a:t>Paid</a:t>
-                      </a:r>
-                      <a:r>
-                        <a:rPr sz="800" i="1" spc="0" dirty="0">
-                          <a:solidFill>
-                            <a:srgbClr val="FFFFFF"/>
-                          </a:solidFill>
-                          <a:latin typeface="Adobe Clean"/>
-                          <a:cs typeface="Adobe Clean"/>
-                        </a:rPr>
-                        <a:t> Support Levels($)</a:t>
+                        <a:t>付费支持级别 ($)</a:t>
                       </a:r>
                       <a:endParaRPr sz="800" spc="0" dirty="0">
                         <a:latin typeface="Adobe Clean"/>
@@ -2654,7 +2282,7 @@
                     <a:bodyPr/>
                     <a:lstStyle/>
                     <a:p>
-                      <a:endParaRPr/>
+                      <a:endParaRPr lang="en-US"/>
                     </a:p>
                   </a:txBody>
                   <a:tcPr marL="0" marR="0" marT="0" marB="0"/>
@@ -2664,7 +2292,7 @@
                     <a:bodyPr/>
                     <a:lstStyle/>
                     <a:p>
-                      <a:endParaRPr/>
+                      <a:endParaRPr lang="en-US"/>
                     </a:p>
                   </a:txBody>
                   <a:tcPr marL="0" marR="0" marT="0" marB="0"/>
@@ -2697,7 +2325,7 @@
                           <a:latin typeface="Adobe Clean" panose="020B0503020404020204" pitchFamily="34" charset="0"/>
                           <a:cs typeface="AdobeClean-Light"/>
                         </a:rPr>
-                        <a:t>Assigned Experts</a:t>
+                        <a:t>分配的专家</a:t>
                       </a:r>
                       <a:endParaRPr sz="1000" b="1" i="0" spc="0" dirty="0">
                         <a:solidFill>
@@ -2748,18 +2376,18 @@
                           <a:spcPct val="100000"/>
                         </a:lnSpc>
                         <a:spcBef>
-                          <a:spcPts val="459"/>
+                          <a:spcPts val="460"/>
                         </a:spcBef>
                       </a:pPr>
                       <a:r>
-                        <a:rPr sz="900" spc="0" dirty="0">
+                        <a:rPr lang="en-US" sz="900" spc="0" dirty="0">
                           <a:solidFill>
                             <a:srgbClr val="020302"/>
                           </a:solidFill>
                           <a:latin typeface="AdobeClean-Light"/>
                           <a:cs typeface="AdobeClean-Light"/>
                         </a:rPr>
-                        <a:t>Account Support Lead</a:t>
+                        <a:t>帐户支持主管</a:t>
                       </a:r>
                       <a:endParaRPr sz="900" spc="0" dirty="0">
                         <a:latin typeface="AdobeClean-Light"/>
@@ -2799,8 +2427,8 @@
                         </a:lnSpc>
                       </a:pPr>
                       <a:endParaRPr sz="900" spc="0" dirty="0">
-                        <a:latin typeface="Times New Roman"/>
-                        <a:cs typeface="Times New Roman"/>
+                        <a:latin typeface="Times New Roman" panose="02020603050405020304"/>
+                        <a:cs typeface="Times New Roman" panose="02020603050405020304"/>
                       </a:endParaRPr>
                     </a:p>
                   </a:txBody>
@@ -2838,18 +2466,18 @@
                         </a:spcBef>
                       </a:pPr>
                       <a:r>
-                        <a:rPr sz="900" spc="0" dirty="0">
+                        <a:rPr lang="en-US" sz="900" spc="0" dirty="0">
                           <a:solidFill>
                             <a:srgbClr val="020302"/>
                           </a:solidFill>
-                          <a:latin typeface="Wingdings"/>
-                          <a:cs typeface="Wingdings"/>
+                          <a:latin typeface="Wingdings" panose="05000000000000000000"/>
+                          <a:cs typeface="Wingdings" panose="05000000000000000000"/>
                         </a:rPr>
                         <a:t></a:t>
                       </a:r>
                       <a:endParaRPr sz="900" spc="0" dirty="0">
-                        <a:latin typeface="Wingdings"/>
-                        <a:cs typeface="Wingdings"/>
+                        <a:latin typeface="Wingdings" panose="05000000000000000000"/>
+                        <a:cs typeface="Wingdings" panose="05000000000000000000"/>
                       </a:endParaRPr>
                     </a:p>
                   </a:txBody>
@@ -2867,18 +2495,7 @@
                     <a:bodyPr/>
                     <a:lstStyle/>
                     <a:p>
-                      <a:pPr algn="ctr">
-                        <a:lnSpc>
-                          <a:spcPct val="100000"/>
-                        </a:lnSpc>
-                        <a:spcBef>
-                          <a:spcPts val="470"/>
-                        </a:spcBef>
-                      </a:pPr>
-                      <a:endParaRPr sz="900" dirty="0">
-                        <a:latin typeface="Wingdings"/>
-                        <a:cs typeface="Wingdings"/>
-                      </a:endParaRPr>
+                      <a:endParaRPr lang="en-US"/>
                     </a:p>
                   </a:txBody>
                   <a:tcPr marL="0" marR="0" marT="59690" marB="0">
@@ -2904,8 +2521,8 @@
                         </a:lnSpc>
                       </a:pPr>
                       <a:endParaRPr sz="900" spc="0">
-                        <a:latin typeface="Times New Roman"/>
-                        <a:cs typeface="Times New Roman"/>
+                        <a:latin typeface="Times New Roman" panose="02020603050405020304"/>
+                        <a:cs typeface="Times New Roman" panose="02020603050405020304"/>
                       </a:endParaRPr>
                     </a:p>
                   </a:txBody>
@@ -2929,8 +2546,8 @@
                         </a:lnSpc>
                       </a:pPr>
                       <a:endParaRPr sz="900" spc="0" dirty="0">
-                        <a:latin typeface="Times New Roman"/>
-                        <a:cs typeface="Times New Roman"/>
+                        <a:latin typeface="Times New Roman" panose="02020603050405020304"/>
+                        <a:cs typeface="Times New Roman" panose="02020603050405020304"/>
                       </a:endParaRPr>
                     </a:p>
                   </a:txBody>
@@ -2961,60 +2578,49 @@
                     <a:bodyPr/>
                     <a:lstStyle/>
                     <a:p>
+                      <a:endParaRPr lang="en-US"/>
+                    </a:p>
+                  </a:txBody>
+                  <a:tcPr marL="0" marR="0" marT="58419" marB="0">
+                    <a:lnL w="12700">
+                      <a:solidFill>
+                        <a:srgbClr val="F0F0F0"/>
+                      </a:solidFill>
+                      <a:prstDash val="solid"/>
+                    </a:lnL>
+                    <a:lnR w="12700" cap="flat" cmpd="sng" algn="ctr">
+                      <a:solidFill>
+                        <a:srgbClr val="F0F0F0"/>
+                      </a:solidFill>
+                      <a:prstDash val="solid"/>
+                      <a:round/>
+                      <a:headEnd type="none" w="med" len="med"/>
+                      <a:tailEnd type="none" w="med" len="med"/>
+                    </a:lnR>
+                  </a:tcPr>
+                </a:tc>
+                <a:tc>
+                  <a:txBody>
+                    <a:bodyPr/>
+                    <a:lstStyle/>
+                    <a:p>
                       <a:pPr marL="50800">
                         <a:lnSpc>
                           <a:spcPct val="100000"/>
                         </a:lnSpc>
                         <a:spcBef>
-                          <a:spcPts val="459"/>
-                        </a:spcBef>
-                      </a:pPr>
-                      <a:endParaRPr sz="900" dirty="0">
-                        <a:latin typeface="AdobeClean-Light"/>
-                        <a:cs typeface="AdobeClean-Light"/>
-                      </a:endParaRPr>
-                    </a:p>
-                  </a:txBody>
-                  <a:tcPr marL="0" marR="0" marT="58419" marB="0">
-                    <a:lnL w="12700">
-                      <a:solidFill>
-                        <a:srgbClr val="F0F0F0"/>
-                      </a:solidFill>
-                      <a:prstDash val="solid"/>
-                    </a:lnL>
-                    <a:lnR w="12700" cap="flat" cmpd="sng" algn="ctr">
-                      <a:solidFill>
-                        <a:srgbClr val="F0F0F0"/>
-                      </a:solidFill>
-                      <a:prstDash val="solid"/>
-                      <a:round/>
-                      <a:headEnd type="none" w="med" len="med"/>
-                      <a:tailEnd type="none" w="med" len="med"/>
-                    </a:lnR>
-                  </a:tcPr>
-                </a:tc>
-                <a:tc>
-                  <a:txBody>
-                    <a:bodyPr/>
-                    <a:lstStyle/>
-                    <a:p>
-                      <a:pPr marL="50800">
-                        <a:lnSpc>
-                          <a:spcPct val="100000"/>
-                        </a:lnSpc>
-                        <a:spcBef>
-                          <a:spcPts val="459"/>
+                          <a:spcPts val="460"/>
                         </a:spcBef>
                       </a:pPr>
                       <a:r>
-                        <a:rPr sz="900" spc="0" dirty="0">
+                        <a:rPr lang="en-US" sz="900" spc="0" dirty="0">
                           <a:solidFill>
                             <a:srgbClr val="020302"/>
                           </a:solidFill>
                           <a:latin typeface="AdobeClean-Light"/>
                           <a:cs typeface="AdobeClean-Light"/>
                         </a:rPr>
-                        <a:t>Named Support Engineer</a:t>
+                        <a:t>指定的支持工程师</a:t>
                       </a:r>
                       <a:endParaRPr sz="900" spc="0" dirty="0">
                         <a:latin typeface="AdobeClean-Light"/>
@@ -3048,8 +2654,8 @@
                         </a:lnSpc>
                       </a:pPr>
                       <a:endParaRPr sz="900" spc="0" dirty="0">
-                        <a:latin typeface="Times New Roman"/>
-                        <a:cs typeface="Times New Roman"/>
+                        <a:latin typeface="Times New Roman" panose="02020603050405020304"/>
+                        <a:cs typeface="Times New Roman" panose="02020603050405020304"/>
                       </a:endParaRPr>
                     </a:p>
                   </a:txBody>
@@ -3078,8 +2684,8 @@
                         </a:lnSpc>
                       </a:pPr>
                       <a:endParaRPr sz="900" spc="0" dirty="0">
-                        <a:latin typeface="Times New Roman"/>
-                        <a:cs typeface="Times New Roman"/>
+                        <a:latin typeface="Times New Roman" panose="02020603050405020304"/>
+                        <a:cs typeface="Times New Roman" panose="02020603050405020304"/>
                       </a:endParaRPr>
                     </a:p>
                   </a:txBody>
@@ -3090,15 +2696,7 @@
                     <a:bodyPr/>
                     <a:lstStyle/>
                     <a:p>
-                      <a:pPr>
-                        <a:lnSpc>
-                          <a:spcPct val="100000"/>
-                        </a:lnSpc>
-                      </a:pPr>
-                      <a:endParaRPr sz="900">
-                        <a:latin typeface="Times New Roman"/>
-                        <a:cs typeface="Times New Roman"/>
-                      </a:endParaRPr>
+                      <a:endParaRPr lang="en-US"/>
                     </a:p>
                   </a:txBody>
                   <a:tcPr marL="0" marR="0" marT="0" marB="0"/>
@@ -3117,18 +2715,18 @@
                         </a:spcBef>
                       </a:pPr>
                       <a:r>
-                        <a:rPr sz="900" spc="0" dirty="0">
+                        <a:rPr lang="en-US" sz="900" spc="0" dirty="0">
                           <a:solidFill>
                             <a:srgbClr val="020302"/>
                           </a:solidFill>
-                          <a:latin typeface="Wingdings"/>
-                          <a:cs typeface="Wingdings"/>
+                          <a:latin typeface="Wingdings" panose="05000000000000000000"/>
+                          <a:cs typeface="Wingdings" panose="05000000000000000000"/>
                         </a:rPr>
                         <a:t></a:t>
                       </a:r>
                       <a:endParaRPr sz="900" spc="0" dirty="0">
-                        <a:latin typeface="Wingdings"/>
-                        <a:cs typeface="Wingdings"/>
+                        <a:latin typeface="Wingdings" panose="05000000000000000000"/>
+                        <a:cs typeface="Wingdings" panose="05000000000000000000"/>
                       </a:endParaRPr>
                     </a:p>
                   </a:txBody>
@@ -3148,18 +2746,18 @@
                         </a:spcBef>
                       </a:pPr>
                       <a:r>
-                        <a:rPr sz="900" spc="0" dirty="0">
+                        <a:rPr lang="en-US" sz="900" spc="0" dirty="0">
                           <a:solidFill>
                             <a:srgbClr val="020302"/>
                           </a:solidFill>
-                          <a:latin typeface="Wingdings"/>
-                          <a:cs typeface="Wingdings"/>
+                          <a:latin typeface="Wingdings" panose="05000000000000000000"/>
+                          <a:cs typeface="Wingdings" panose="05000000000000000000"/>
                         </a:rPr>
                         <a:t></a:t>
                       </a:r>
                       <a:endParaRPr sz="900" spc="0" dirty="0">
-                        <a:latin typeface="Wingdings"/>
-                        <a:cs typeface="Wingdings"/>
+                        <a:latin typeface="Wingdings" panose="05000000000000000000"/>
+                        <a:cs typeface="Wingdings" panose="05000000000000000000"/>
                       </a:endParaRPr>
                     </a:p>
                   </a:txBody>
@@ -3184,18 +2782,7 @@
                     <a:bodyPr/>
                     <a:lstStyle/>
                     <a:p>
-                      <a:pPr marL="50800">
-                        <a:lnSpc>
-                          <a:spcPct val="100000"/>
-                        </a:lnSpc>
-                        <a:spcBef>
-                          <a:spcPts val="500"/>
-                        </a:spcBef>
-                      </a:pPr>
-                      <a:endParaRPr sz="900" dirty="0">
-                        <a:latin typeface="AdobeClean-Light"/>
-                        <a:cs typeface="AdobeClean-Light"/>
-                      </a:endParaRPr>
+                      <a:endParaRPr lang="en-US"/>
                     </a:p>
                   </a:txBody>
                   <a:tcPr marL="0" marR="0" marT="63500" marB="0">
@@ -3242,14 +2829,14 @@
                         </a:spcBef>
                       </a:pPr>
                       <a:r>
-                        <a:rPr sz="900" spc="0" dirty="0">
+                        <a:rPr lang="en-US" sz="900" spc="0" dirty="0">
                           <a:solidFill>
                             <a:srgbClr val="020302"/>
                           </a:solidFill>
                           <a:latin typeface="AdobeClean-Light"/>
                           <a:cs typeface="AdobeClean-Light"/>
                         </a:rPr>
-                        <a:t>Technical Account Manager</a:t>
+                        <a:t>技术客户经理</a:t>
                       </a:r>
                       <a:endParaRPr sz="900" spc="0" dirty="0">
                         <a:latin typeface="AdobeClean-Light"/>
@@ -3289,8 +2876,8 @@
                         </a:lnSpc>
                       </a:pPr>
                       <a:endParaRPr sz="900" spc="0" dirty="0">
-                        <a:latin typeface="Times New Roman"/>
-                        <a:cs typeface="Times New Roman"/>
+                        <a:latin typeface="Times New Roman" panose="02020603050405020304"/>
+                        <a:cs typeface="Times New Roman" panose="02020603050405020304"/>
                       </a:endParaRPr>
                     </a:p>
                   </a:txBody>
@@ -3325,8 +2912,8 @@
                         </a:lnSpc>
                       </a:pPr>
                       <a:endParaRPr sz="900" spc="0" dirty="0">
-                        <a:latin typeface="Times New Roman"/>
-                        <a:cs typeface="Times New Roman"/>
+                        <a:latin typeface="Times New Roman" panose="02020603050405020304"/>
+                        <a:cs typeface="Times New Roman" panose="02020603050405020304"/>
                       </a:endParaRPr>
                     </a:p>
                   </a:txBody>
@@ -3344,15 +2931,7 @@
                     <a:bodyPr/>
                     <a:lstStyle/>
                     <a:p>
-                      <a:pPr>
-                        <a:lnSpc>
-                          <a:spcPct val="100000"/>
-                        </a:lnSpc>
-                      </a:pPr>
-                      <a:endParaRPr sz="900">
-                        <a:latin typeface="Times New Roman"/>
-                        <a:cs typeface="Times New Roman"/>
-                      </a:endParaRPr>
+                      <a:endParaRPr lang="en-US"/>
                     </a:p>
                   </a:txBody>
                   <a:tcPr marL="0" marR="0" marT="0" marB="0">
@@ -3378,8 +2957,8 @@
                         </a:lnSpc>
                       </a:pPr>
                       <a:endParaRPr sz="900" spc="0">
-                        <a:latin typeface="Times New Roman"/>
-                        <a:cs typeface="Times New Roman"/>
+                        <a:latin typeface="Times New Roman" panose="02020603050405020304"/>
+                        <a:cs typeface="Times New Roman" panose="02020603050405020304"/>
                       </a:endParaRPr>
                     </a:p>
                   </a:txBody>
@@ -3406,18 +2985,18 @@
                         </a:spcBef>
                       </a:pPr>
                       <a:r>
-                        <a:rPr sz="900" spc="0" dirty="0">
+                        <a:rPr lang="en-US" sz="900" spc="0" dirty="0">
                           <a:solidFill>
                             <a:srgbClr val="020302"/>
                           </a:solidFill>
-                          <a:latin typeface="Wingdings"/>
-                          <a:cs typeface="Wingdings"/>
+                          <a:latin typeface="Wingdings" panose="05000000000000000000"/>
+                          <a:cs typeface="Wingdings" panose="05000000000000000000"/>
                         </a:rPr>
                         <a:t></a:t>
                       </a:r>
                       <a:endParaRPr sz="900" spc="0">
-                        <a:latin typeface="Wingdings"/>
-                        <a:cs typeface="Wingdings"/>
+                        <a:latin typeface="Wingdings" panose="05000000000000000000"/>
+                        <a:cs typeface="Wingdings" panose="05000000000000000000"/>
                       </a:endParaRPr>
                     </a:p>
                   </a:txBody>
@@ -3453,7 +3032,7 @@
                           <a:spcPct val="100000"/>
                         </a:lnSpc>
                         <a:spcBef>
-                          <a:spcPts val="459"/>
+                          <a:spcPts val="460"/>
                         </a:spcBef>
                       </a:pPr>
                       <a:r>
@@ -3464,7 +3043,7 @@
                           <a:latin typeface="Adobe Clean" panose="020B0503020404020204" pitchFamily="34" charset="0"/>
                           <a:cs typeface="AdobeClean-Light"/>
                         </a:rPr>
-                        <a:t>Support Services</a:t>
+                        <a:t>支持服务</a:t>
                       </a:r>
                       <a:endParaRPr sz="1000" b="1" i="0" spc="0" dirty="0">
                         <a:solidFill>
@@ -3535,17 +3114,7 @@
                           <a:latin typeface="AdobeClean-Light"/>
                           <a:cs typeface="AdobeClean-Light"/>
                         </a:rPr>
-                        <a:t>Online </a:t>
-                      </a:r>
-                      <a:r>
-                        <a:rPr sz="900" spc="0" dirty="0">
-                          <a:solidFill>
-                            <a:srgbClr val="020302"/>
-                          </a:solidFill>
-                          <a:latin typeface="AdobeClean-Light"/>
-                          <a:cs typeface="AdobeClean-Light"/>
-                        </a:rPr>
-                        <a:t> Support</a:t>
+                        <a:t>在线支持</a:t>
                       </a:r>
                       <a:endParaRPr sz="900" spc="0" dirty="0">
                         <a:latin typeface="AdobeClean-Light"/>
@@ -3588,14 +3157,14 @@
                         </a:spcBef>
                       </a:pPr>
                       <a:r>
-                        <a:rPr sz="800" spc="0" dirty="0">
+                        <a:rPr lang="en-US" sz="800" spc="0" dirty="0">
                           <a:solidFill>
                             <a:srgbClr val="020302"/>
                           </a:solidFill>
                           <a:latin typeface="AdobeClean-Light"/>
                           <a:cs typeface="AdobeClean-Light"/>
                         </a:rPr>
-                        <a:t>Business hours</a:t>
+                        <a:t>营业时间</a:t>
                       </a:r>
                       <a:endParaRPr sz="800" spc="0" dirty="0">
                         <a:latin typeface="AdobeClean-Light"/>
@@ -3637,14 +3206,14 @@
                         </a:spcBef>
                       </a:pPr>
                       <a:r>
-                        <a:rPr sz="800" spc="0" dirty="0">
+                        <a:rPr lang="en-US" sz="800" spc="0" dirty="0">
                           <a:solidFill>
                             <a:srgbClr val="020302"/>
                           </a:solidFill>
                           <a:latin typeface="AdobeClean-Light"/>
                           <a:cs typeface="AdobeClean-Light"/>
                         </a:rPr>
-                        <a:t>Business hours</a:t>
+                        <a:t>营业时间</a:t>
                       </a:r>
                       <a:endParaRPr sz="800" spc="0" dirty="0">
                         <a:latin typeface="AdobeClean-Light"/>
@@ -3666,18 +3235,7 @@
                     <a:bodyPr/>
                     <a:lstStyle/>
                     <a:p>
-                      <a:pPr algn="ctr">
-                        <a:lnSpc>
-                          <a:spcPct val="100000"/>
-                        </a:lnSpc>
-                        <a:spcBef>
-                          <a:spcPts val="535"/>
-                        </a:spcBef>
-                      </a:pPr>
-                      <a:endParaRPr sz="800">
-                        <a:latin typeface="AdobeClean-Light"/>
-                        <a:cs typeface="AdobeClean-Light"/>
-                      </a:endParaRPr>
+                      <a:endParaRPr lang="en-US"/>
                     </a:p>
                   </a:txBody>
                   <a:tcPr marL="0" marR="0" marT="67945" marB="0">
@@ -3706,14 +3264,14 @@
                         </a:spcBef>
                       </a:pPr>
                       <a:r>
-                        <a:rPr sz="800" spc="0" dirty="0">
+                        <a:rPr lang="en-US" sz="800" spc="0" dirty="0">
                           <a:solidFill>
                             <a:srgbClr val="020302"/>
                           </a:solidFill>
                           <a:latin typeface="AdobeClean-Light"/>
                           <a:cs typeface="AdobeClean-Light"/>
                         </a:rPr>
-                        <a:t>24X5</a:t>
+                        <a:t>工作日全天候</a:t>
                       </a:r>
                       <a:endParaRPr sz="800" spc="0">
                         <a:latin typeface="AdobeClean-Light"/>
@@ -3744,14 +3302,14 @@
                         </a:spcBef>
                       </a:pPr>
                       <a:r>
-                        <a:rPr sz="800" spc="0" dirty="0">
+                        <a:rPr lang="en-US" sz="800" spc="0" dirty="0">
                           <a:solidFill>
                             <a:srgbClr val="020302"/>
                           </a:solidFill>
                           <a:latin typeface="AdobeClean-Light"/>
                           <a:cs typeface="AdobeClean-Light"/>
                         </a:rPr>
-                        <a:t>24X5</a:t>
+                        <a:t>工作日全天候</a:t>
                       </a:r>
                       <a:endParaRPr sz="800" spc="0" dirty="0">
                         <a:latin typeface="AdobeClean-Light"/>
@@ -3786,293 +3344,7 @@
                     <a:bodyPr/>
                     <a:lstStyle/>
                     <a:p>
-                      <a:pPr marL="50800">
-                        <a:lnSpc>
-                          <a:spcPct val="100000"/>
-                        </a:lnSpc>
-                        <a:spcBef>
-                          <a:spcPts val="455"/>
-                        </a:spcBef>
-                      </a:pPr>
-                      <a:endParaRPr sz="900" dirty="0">
-                        <a:latin typeface="AdobeClean-Light"/>
-                        <a:cs typeface="AdobeClean-Light"/>
-                      </a:endParaRPr>
-                    </a:p>
-                  </a:txBody>
-                  <a:tcPr marL="0" marR="0" marT="57785" marB="0">
-                    <a:lnL w="12700">
-                      <a:solidFill>
-                        <a:srgbClr val="F0F0F0"/>
-                      </a:solidFill>
-                      <a:prstDash val="solid"/>
-                    </a:lnL>
-                    <a:lnR w="12700" cap="flat" cmpd="sng" algn="ctr">
-                      <a:solidFill>
-                        <a:srgbClr val="F0F0F0"/>
-                      </a:solidFill>
-                      <a:prstDash val="solid"/>
-                      <a:round/>
-                      <a:headEnd type="none" w="med" len="med"/>
-                      <a:tailEnd type="none" w="med" len="med"/>
-                    </a:lnR>
-                    <a:solidFill>
-                      <a:srgbClr val="7D7D7D"/>
-                    </a:solidFill>
-                  </a:tcPr>
-                </a:tc>
-                <a:tc>
-                  <a:txBody>
-                    <a:bodyPr/>
-                    <a:lstStyle/>
-                    <a:p>
-                      <a:pPr marL="50800">
-                        <a:lnSpc>
-                          <a:spcPct val="100000"/>
-                        </a:lnSpc>
-                        <a:spcBef>
-                          <a:spcPts val="455"/>
-                        </a:spcBef>
-                      </a:pPr>
-                      <a:r>
-                        <a:rPr sz="900" spc="0" dirty="0">
-                          <a:solidFill>
-                            <a:srgbClr val="020302"/>
-                          </a:solidFill>
-                          <a:latin typeface="AdobeClean-Light"/>
-                          <a:cs typeface="AdobeClean-Light"/>
-                        </a:rPr>
-                        <a:t>24x7</a:t>
-                      </a:r>
-                      <a:r>
-                        <a:rPr lang="en-US" sz="900" spc="0" dirty="0">
-                          <a:solidFill>
-                            <a:srgbClr val="020302"/>
-                          </a:solidFill>
-                          <a:latin typeface="AdobeClean-Light"/>
-                          <a:cs typeface="AdobeClean-Light"/>
-                        </a:rPr>
-                        <a:t>x365</a:t>
-                      </a:r>
-                      <a:r>
-                        <a:rPr sz="900" spc="0" dirty="0">
-                          <a:solidFill>
-                            <a:srgbClr val="020302"/>
-                          </a:solidFill>
-                          <a:latin typeface="AdobeClean-Light"/>
-                          <a:cs typeface="AdobeClean-Light"/>
-                        </a:rPr>
-                        <a:t> P1 Issue Support</a:t>
-                      </a:r>
-                      <a:endParaRPr sz="900" spc="0" dirty="0">
-                        <a:latin typeface="AdobeClean-Light"/>
-                        <a:cs typeface="AdobeClean-Light"/>
-                      </a:endParaRPr>
-                    </a:p>
-                  </a:txBody>
-                  <a:tcPr marL="0" marR="0" marT="57785" marB="0">
-                    <a:lnL w="12700">
-                      <a:solidFill>
-                        <a:srgbClr val="F0F0F0"/>
-                      </a:solidFill>
-                      <a:prstDash val="solid"/>
-                    </a:lnL>
-                    <a:lnR w="12700">
-                      <a:solidFill>
-                        <a:srgbClr val="F0F0F0"/>
-                      </a:solidFill>
-                      <a:prstDash val="solid"/>
-                    </a:lnR>
-                  </a:tcPr>
-                </a:tc>
-                <a:tc>
-                  <a:txBody>
-                    <a:bodyPr/>
-                    <a:lstStyle/>
-                    <a:p>
-                      <a:pPr algn="ctr">
-                        <a:lnSpc>
-                          <a:spcPct val="100000"/>
-                        </a:lnSpc>
-                        <a:spcBef>
-                          <a:spcPts val="459"/>
-                        </a:spcBef>
-                      </a:pPr>
-                      <a:r>
-                        <a:rPr sz="900" spc="0" dirty="0">
-                          <a:solidFill>
-                            <a:srgbClr val="020302"/>
-                          </a:solidFill>
-                          <a:latin typeface="Wingdings"/>
-                          <a:cs typeface="Wingdings"/>
-                        </a:rPr>
-                        <a:t></a:t>
-                      </a:r>
-                      <a:endParaRPr sz="900" spc="0">
-                        <a:latin typeface="Wingdings"/>
-                        <a:cs typeface="Wingdings"/>
-                      </a:endParaRPr>
-                    </a:p>
-                  </a:txBody>
-                  <a:tcPr marL="0" marR="0" marT="58419" marB="0">
-                    <a:lnL w="12700">
-                      <a:solidFill>
-                        <a:srgbClr val="F0F0F0"/>
-                      </a:solidFill>
-                      <a:prstDash val="solid"/>
-                    </a:lnL>
-                    <a:solidFill>
-                      <a:schemeClr val="bg1">
-                        <a:lumMod val="95000"/>
-                      </a:schemeClr>
-                    </a:solidFill>
-                  </a:tcPr>
-                </a:tc>
-                <a:tc gridSpan="2">
-                  <a:txBody>
-                    <a:bodyPr/>
-                    <a:lstStyle/>
-                    <a:p>
-                      <a:pPr algn="ctr">
-                        <a:lnSpc>
-                          <a:spcPct val="100000"/>
-                        </a:lnSpc>
-                        <a:spcBef>
-                          <a:spcPts val="459"/>
-                        </a:spcBef>
-                      </a:pPr>
-                      <a:r>
-                        <a:rPr sz="900" spc="0" dirty="0">
-                          <a:solidFill>
-                            <a:srgbClr val="020302"/>
-                          </a:solidFill>
-                          <a:latin typeface="Wingdings"/>
-                          <a:cs typeface="Wingdings"/>
-                        </a:rPr>
-                        <a:t></a:t>
-                      </a:r>
-                      <a:endParaRPr sz="900" spc="0">
-                        <a:latin typeface="Wingdings"/>
-                        <a:cs typeface="Wingdings"/>
-                      </a:endParaRPr>
-                    </a:p>
-                  </a:txBody>
-                  <a:tcPr marL="0" marR="0" marT="58419" marB="0"/>
-                </a:tc>
-                <a:tc hMerge="1">
-                  <a:txBody>
-                    <a:bodyPr/>
-                    <a:lstStyle/>
-                    <a:p>
-                      <a:pPr algn="ctr">
-                        <a:lnSpc>
-                          <a:spcPct val="100000"/>
-                        </a:lnSpc>
-                        <a:spcBef>
-                          <a:spcPts val="459"/>
-                        </a:spcBef>
-                      </a:pPr>
-                      <a:endParaRPr sz="900">
-                        <a:latin typeface="Wingdings"/>
-                        <a:cs typeface="Wingdings"/>
-                      </a:endParaRPr>
-                    </a:p>
-                  </a:txBody>
-                  <a:tcPr marL="0" marR="0" marT="58419" marB="0"/>
-                </a:tc>
-                <a:tc>
-                  <a:txBody>
-                    <a:bodyPr/>
-                    <a:lstStyle/>
-                    <a:p>
-                      <a:pPr algn="ctr">
-                        <a:lnSpc>
-                          <a:spcPct val="100000"/>
-                        </a:lnSpc>
-                        <a:spcBef>
-                          <a:spcPts val="459"/>
-                        </a:spcBef>
-                      </a:pPr>
-                      <a:r>
-                        <a:rPr sz="900" spc="0" dirty="0">
-                          <a:solidFill>
-                            <a:srgbClr val="020302"/>
-                          </a:solidFill>
-                          <a:latin typeface="Wingdings"/>
-                          <a:cs typeface="Wingdings"/>
-                        </a:rPr>
-                        <a:t></a:t>
-                      </a:r>
-                      <a:endParaRPr sz="900" spc="0">
-                        <a:latin typeface="Wingdings"/>
-                        <a:cs typeface="Wingdings"/>
-                      </a:endParaRPr>
-                    </a:p>
-                  </a:txBody>
-                  <a:tcPr marL="0" marR="0" marT="58419" marB="0"/>
-                </a:tc>
-                <a:tc>
-                  <a:txBody>
-                    <a:bodyPr/>
-                    <a:lstStyle/>
-                    <a:p>
-                      <a:pPr algn="ctr">
-                        <a:lnSpc>
-                          <a:spcPct val="100000"/>
-                        </a:lnSpc>
-                        <a:spcBef>
-                          <a:spcPts val="459"/>
-                        </a:spcBef>
-                      </a:pPr>
-                      <a:r>
-                        <a:rPr sz="900" spc="0" dirty="0">
-                          <a:solidFill>
-                            <a:srgbClr val="020302"/>
-                          </a:solidFill>
-                          <a:latin typeface="Wingdings"/>
-                          <a:cs typeface="Wingdings"/>
-                        </a:rPr>
-                        <a:t></a:t>
-                      </a:r>
-                      <a:endParaRPr sz="900" spc="0">
-                        <a:latin typeface="Wingdings"/>
-                        <a:cs typeface="Wingdings"/>
-                      </a:endParaRPr>
-                    </a:p>
-                  </a:txBody>
-                  <a:tcPr marL="0" marR="0" marT="58419" marB="0">
-                    <a:lnR w="12700">
-                      <a:solidFill>
-                        <a:srgbClr val="F0F0F0"/>
-                      </a:solidFill>
-                      <a:prstDash val="solid"/>
-                    </a:lnR>
-                  </a:tcPr>
-                </a:tc>
-                <a:extLst>
-                  <a:ext uri="{0D108BD9-81ED-4DB2-BD59-A6C34878D82A}">
-                    <a16:rowId xmlns:a16="http://schemas.microsoft.com/office/drawing/2014/main" val="10006"/>
-                  </a:ext>
-                </a:extLst>
-              </a:tr>
-              <a:tr h="264424">
-                <a:tc vMerge="1">
-                  <a:txBody>
-                    <a:bodyPr/>
-                    <a:lstStyle/>
-                    <a:p>
-                      <a:pPr marL="50800">
-                        <a:lnSpc>
-                          <a:spcPct val="100000"/>
-                        </a:lnSpc>
-                        <a:spcBef>
-                          <a:spcPts val="455"/>
-                        </a:spcBef>
-                      </a:pPr>
-                      <a:endParaRPr sz="900" dirty="0">
-                        <a:latin typeface="AdobeClean-Light"/>
-                        <a:cs typeface="AdobeClean-Light"/>
-                      </a:endParaRPr>
+                      <a:endParaRPr lang="en-US"/>
                     </a:p>
                   </a:txBody>
                   <a:tcPr marL="0" marR="0" marT="57785" marB="0">
@@ -4117,7 +3389,7 @@
                           <a:latin typeface="AdobeClean-Light"/>
                           <a:cs typeface="AdobeClean-Light"/>
                         </a:rPr>
-                        <a:t>Named Support Contacts (per product)</a:t>
+                        <a:t>全天候 P1 问题支持</a:t>
                       </a:r>
                       <a:endParaRPr sz="900" spc="0" dirty="0">
                         <a:latin typeface="AdobeClean-Light"/>
@@ -4150,26 +3422,26 @@
                           <a:spcPct val="100000"/>
                         </a:lnSpc>
                         <a:spcBef>
-                          <a:spcPts val="455"/>
+                          <a:spcPts val="460"/>
                         </a:spcBef>
                       </a:pPr>
                       <a:r>
-                        <a:rPr sz="900" spc="0" dirty="0">
+                        <a:rPr lang="en-US" sz="900" spc="0" dirty="0">
                           <a:solidFill>
                             <a:srgbClr val="020302"/>
                           </a:solidFill>
-                          <a:latin typeface="AdobeClean-Light"/>
-                          <a:cs typeface="AdobeClean-Light"/>
+                          <a:latin typeface="Wingdings" panose="05000000000000000000"/>
+                          <a:cs typeface="Wingdings" panose="05000000000000000000"/>
                         </a:rPr>
-                        <a:t>4</a:t>
+                        <a:t></a:t>
                       </a:r>
-                      <a:endParaRPr sz="900" spc="0" dirty="0">
-                        <a:latin typeface="AdobeClean-Light"/>
-                        <a:cs typeface="AdobeClean-Light"/>
+                      <a:endParaRPr sz="900" spc="0">
+                        <a:latin typeface="Wingdings" panose="05000000000000000000"/>
+                        <a:cs typeface="Wingdings" panose="05000000000000000000"/>
                       </a:endParaRPr>
                     </a:p>
                   </a:txBody>
-                  <a:tcPr marL="0" marR="0" marT="57785" marB="0">
+                  <a:tcPr marL="0" marR="0" marT="58419" marB="0">
                     <a:lnL w="12700">
                       <a:solidFill>
                         <a:srgbClr val="F0F0F0"/>
@@ -4193,28 +3465,38 @@
                           <a:spcPct val="100000"/>
                         </a:lnSpc>
                         <a:spcBef>
-                          <a:spcPts val="455"/>
+                          <a:spcPts val="460"/>
                         </a:spcBef>
                       </a:pPr>
                       <a:r>
-                        <a:rPr sz="900" spc="0" dirty="0">
+                        <a:rPr lang="en-US" sz="900" spc="0" dirty="0">
                           <a:solidFill>
                             <a:srgbClr val="020302"/>
                           </a:solidFill>
-                          <a:latin typeface="AdobeClean-Light"/>
-                          <a:cs typeface="AdobeClean-Light"/>
+                          <a:latin typeface="Wingdings" panose="05000000000000000000"/>
+                          <a:cs typeface="Wingdings" panose="05000000000000000000"/>
                         </a:rPr>
-                        <a:t>6</a:t>
+                        <a:t></a:t>
                       </a:r>
                       <a:endParaRPr sz="900" spc="0">
-                        <a:latin typeface="AdobeClean-Light"/>
-                        <a:cs typeface="AdobeClean-Light"/>
+                        <a:latin typeface="Wingdings" panose="05000000000000000000"/>
+                        <a:cs typeface="Wingdings" panose="05000000000000000000"/>
                       </a:endParaRPr>
                     </a:p>
                   </a:txBody>
-                  <a:tcPr marL="0" marR="0" marT="57785" marB="0"/>
+                  <a:tcPr marL="0" marR="0" marT="58419" marB="0"/>
                 </a:tc>
                 <a:tc hMerge="1">
+                  <a:txBody>
+                    <a:bodyPr/>
+                    <a:lstStyle/>
+                    <a:p>
+                      <a:endParaRPr lang="en-US"/>
+                    </a:p>
+                  </a:txBody>
+                  <a:tcPr marL="0" marR="0" marT="58419" marB="0"/>
+                </a:tc>
+                <a:tc>
                   <a:txBody>
                     <a:bodyPr/>
                     <a:lstStyle/>
@@ -4224,16 +3506,26 @@
                           <a:spcPct val="100000"/>
                         </a:lnSpc>
                         <a:spcBef>
-                          <a:spcPts val="455"/>
+                          <a:spcPts val="460"/>
                         </a:spcBef>
                       </a:pPr>
-                      <a:endParaRPr sz="900">
-                        <a:latin typeface="AdobeClean-Light"/>
-                        <a:cs typeface="AdobeClean-Light"/>
+                      <a:r>
+                        <a:rPr lang="en-US" sz="900" spc="0" dirty="0">
+                          <a:solidFill>
+                            <a:srgbClr val="020302"/>
+                          </a:solidFill>
+                          <a:latin typeface="Wingdings" panose="05000000000000000000"/>
+                          <a:cs typeface="Wingdings" panose="05000000000000000000"/>
+                        </a:rPr>
+                        <a:t></a:t>
+                      </a:r>
+                      <a:endParaRPr sz="900" spc="0">
+                        <a:latin typeface="Wingdings" panose="05000000000000000000"/>
+                        <a:cs typeface="Wingdings" panose="05000000000000000000"/>
                       </a:endParaRPr>
                     </a:p>
                   </a:txBody>
-                  <a:tcPr marL="0" marR="0" marT="57785" marB="0"/>
+                  <a:tcPr marL="0" marR="0" marT="58419" marB="0"/>
                 </a:tc>
                 <a:tc>
                   <a:txBody>
@@ -4245,57 +3537,26 @@
                           <a:spcPct val="100000"/>
                         </a:lnSpc>
                         <a:spcBef>
-                          <a:spcPts val="455"/>
+                          <a:spcPts val="460"/>
                         </a:spcBef>
                       </a:pPr>
                       <a:r>
-                        <a:rPr sz="900" spc="0" dirty="0">
+                        <a:rPr lang="en-US" sz="900" spc="0" dirty="0">
                           <a:solidFill>
                             <a:srgbClr val="020302"/>
                           </a:solidFill>
-                          <a:latin typeface="AdobeClean-Light"/>
-                          <a:cs typeface="AdobeClean-Light"/>
+                          <a:latin typeface="Wingdings" panose="05000000000000000000"/>
+                          <a:cs typeface="Wingdings" panose="05000000000000000000"/>
                         </a:rPr>
-                        <a:t>10</a:t>
+                        <a:t></a:t>
                       </a:r>
                       <a:endParaRPr sz="900" spc="0">
-                        <a:latin typeface="AdobeClean-Light"/>
-                        <a:cs typeface="AdobeClean-Light"/>
+                        <a:latin typeface="Wingdings" panose="05000000000000000000"/>
+                        <a:cs typeface="Wingdings" panose="05000000000000000000"/>
                       </a:endParaRPr>
                     </a:p>
                   </a:txBody>
-                  <a:tcPr marL="0" marR="0" marT="57785" marB="0"/>
-                </a:tc>
-                <a:tc>
-                  <a:txBody>
-                    <a:bodyPr/>
-                    <a:lstStyle/>
-                    <a:p>
-                      <a:pPr algn="ctr">
-                        <a:lnSpc>
-                          <a:spcPct val="100000"/>
-                        </a:lnSpc>
-                        <a:spcBef>
-                          <a:spcPts val="455"/>
-                        </a:spcBef>
-                      </a:pPr>
-                      <a:r>
-                        <a:rPr sz="900" spc="0" dirty="0">
-                          <a:solidFill>
-                            <a:srgbClr val="020302"/>
-                          </a:solidFill>
-                          <a:latin typeface="AdobeClean-Light"/>
-                          <a:cs typeface="AdobeClean-Light"/>
-                        </a:rPr>
-                        <a:t>15</a:t>
-                      </a:r>
-                      <a:endParaRPr sz="900" spc="0">
-                        <a:latin typeface="AdobeClean-Light"/>
-                        <a:cs typeface="AdobeClean-Light"/>
-                      </a:endParaRPr>
-                    </a:p>
-                  </a:txBody>
-                  <a:tcPr marL="0" marR="0" marT="57785" marB="0">
+                  <a:tcPr marL="0" marR="0" marT="58419" marB="0">
                     <a:lnR w="12700">
                       <a:solidFill>
                         <a:srgbClr val="F0F0F0"/>
@@ -4306,7 +3567,7 @@
                 </a:tc>
                 <a:extLst>
                   <a:ext uri="{0D108BD9-81ED-4DB2-BD59-A6C34878D82A}">
-                    <a16:rowId xmlns:a16="http://schemas.microsoft.com/office/drawing/2014/main" val="10007"/>
+                    <a16:rowId xmlns:a16="http://schemas.microsoft.com/office/drawing/2014/main" val="10006"/>
                   </a:ext>
                 </a:extLst>
               </a:tr>
@@ -4316,18 +3577,7 @@
                     <a:bodyPr/>
                     <a:lstStyle/>
                     <a:p>
-                      <a:pPr marL="50800">
-                        <a:lnSpc>
-                          <a:spcPct val="100000"/>
-                        </a:lnSpc>
-                        <a:spcBef>
-                          <a:spcPts val="455"/>
-                        </a:spcBef>
-                      </a:pPr>
-                      <a:endParaRPr sz="900" dirty="0">
-                        <a:latin typeface="AdobeClean-Light"/>
-                        <a:cs typeface="AdobeClean-Light"/>
-                      </a:endParaRPr>
+                      <a:endParaRPr lang="en-US"/>
                     </a:p>
                   </a:txBody>
                   <a:tcPr marL="0" marR="0" marT="57785" marB="0">
@@ -4372,7 +3622,240 @@
                           <a:latin typeface="AdobeClean-Light"/>
                           <a:cs typeface="AdobeClean-Light"/>
                         </a:rPr>
-                        <a:t>Live Telephone Support</a:t>
+                        <a:t>指定的支持联系人（按产品）</a:t>
+                      </a:r>
+                      <a:endParaRPr sz="900" spc="0" dirty="0">
+                        <a:latin typeface="AdobeClean-Light"/>
+                        <a:cs typeface="AdobeClean-Light"/>
+                      </a:endParaRPr>
+                    </a:p>
+                  </a:txBody>
+                  <a:tcPr marL="0" marR="0" marT="57785" marB="0">
+                    <a:lnL w="12700">
+                      <a:solidFill>
+                        <a:srgbClr val="F0F0F0"/>
+                      </a:solidFill>
+                      <a:prstDash val="solid"/>
+                    </a:lnL>
+                    <a:lnR w="12700">
+                      <a:solidFill>
+                        <a:srgbClr val="F0F0F0"/>
+                      </a:solidFill>
+                      <a:prstDash val="solid"/>
+                    </a:lnR>
+                  </a:tcPr>
+                </a:tc>
+                <a:tc>
+                  <a:txBody>
+                    <a:bodyPr/>
+                    <a:lstStyle/>
+                    <a:p>
+                      <a:pPr algn="ctr">
+                        <a:lnSpc>
+                          <a:spcPct val="100000"/>
+                        </a:lnSpc>
+                        <a:spcBef>
+                          <a:spcPts val="455"/>
+                        </a:spcBef>
+                      </a:pPr>
+                      <a:r>
+                        <a:rPr lang="en-US" sz="900" spc="0" dirty="0">
+                          <a:solidFill>
+                            <a:srgbClr val="020302"/>
+                          </a:solidFill>
+                          <a:latin typeface="AdobeClean-Light"/>
+                          <a:cs typeface="AdobeClean-Light"/>
+                        </a:rPr>
+                        <a:t>4</a:t>
+                      </a:r>
+                      <a:endParaRPr sz="900" spc="0" dirty="0">
+                        <a:latin typeface="AdobeClean-Light"/>
+                        <a:cs typeface="AdobeClean-Light"/>
+                      </a:endParaRPr>
+                    </a:p>
+                  </a:txBody>
+                  <a:tcPr marL="0" marR="0" marT="57785" marB="0">
+                    <a:lnL w="12700">
+                      <a:solidFill>
+                        <a:srgbClr val="F0F0F0"/>
+                      </a:solidFill>
+                      <a:prstDash val="solid"/>
+                    </a:lnL>
+                    <a:solidFill>
+                      <a:schemeClr val="bg1">
+                        <a:lumMod val="95000"/>
+                      </a:schemeClr>
+                    </a:solidFill>
+                  </a:tcPr>
+                </a:tc>
+                <a:tc gridSpan="2">
+                  <a:txBody>
+                    <a:bodyPr/>
+                    <a:lstStyle/>
+                    <a:p>
+                      <a:pPr algn="ctr">
+                        <a:lnSpc>
+                          <a:spcPct val="100000"/>
+                        </a:lnSpc>
+                        <a:spcBef>
+                          <a:spcPts val="455"/>
+                        </a:spcBef>
+                      </a:pPr>
+                      <a:r>
+                        <a:rPr lang="en-US" sz="900" spc="0" dirty="0">
+                          <a:solidFill>
+                            <a:srgbClr val="020302"/>
+                          </a:solidFill>
+                          <a:latin typeface="AdobeClean-Light"/>
+                          <a:cs typeface="AdobeClean-Light"/>
+                        </a:rPr>
+                        <a:t>6</a:t>
+                      </a:r>
+                      <a:endParaRPr sz="900" spc="0">
+                        <a:latin typeface="AdobeClean-Light"/>
+                        <a:cs typeface="AdobeClean-Light"/>
+                      </a:endParaRPr>
+                    </a:p>
+                  </a:txBody>
+                  <a:tcPr marL="0" marR="0" marT="57785" marB="0"/>
+                </a:tc>
+                <a:tc hMerge="1">
+                  <a:txBody>
+                    <a:bodyPr/>
+                    <a:lstStyle/>
+                    <a:p>
+                      <a:endParaRPr lang="en-US"/>
+                    </a:p>
+                  </a:txBody>
+                  <a:tcPr marL="0" marR="0" marT="57785" marB="0"/>
+                </a:tc>
+                <a:tc>
+                  <a:txBody>
+                    <a:bodyPr/>
+                    <a:lstStyle/>
+                    <a:p>
+                      <a:pPr algn="ctr">
+                        <a:lnSpc>
+                          <a:spcPct val="100000"/>
+                        </a:lnSpc>
+                        <a:spcBef>
+                          <a:spcPts val="455"/>
+                        </a:spcBef>
+                      </a:pPr>
+                      <a:r>
+                        <a:rPr lang="en-US" sz="900" spc="0" dirty="0">
+                          <a:solidFill>
+                            <a:srgbClr val="020302"/>
+                          </a:solidFill>
+                          <a:latin typeface="AdobeClean-Light"/>
+                          <a:cs typeface="AdobeClean-Light"/>
+                        </a:rPr>
+                        <a:t>10</a:t>
+                      </a:r>
+                      <a:endParaRPr sz="900" spc="0">
+                        <a:latin typeface="AdobeClean-Light"/>
+                        <a:cs typeface="AdobeClean-Light"/>
+                      </a:endParaRPr>
+                    </a:p>
+                  </a:txBody>
+                  <a:tcPr marL="0" marR="0" marT="57785" marB="0"/>
+                </a:tc>
+                <a:tc>
+                  <a:txBody>
+                    <a:bodyPr/>
+                    <a:lstStyle/>
+                    <a:p>
+                      <a:pPr algn="ctr">
+                        <a:lnSpc>
+                          <a:spcPct val="100000"/>
+                        </a:lnSpc>
+                        <a:spcBef>
+                          <a:spcPts val="455"/>
+                        </a:spcBef>
+                      </a:pPr>
+                      <a:r>
+                        <a:rPr lang="en-US" sz="900" spc="0" dirty="0">
+                          <a:solidFill>
+                            <a:srgbClr val="020302"/>
+                          </a:solidFill>
+                          <a:latin typeface="AdobeClean-Light"/>
+                          <a:cs typeface="AdobeClean-Light"/>
+                        </a:rPr>
+                        <a:t>15</a:t>
+                      </a:r>
+                      <a:endParaRPr sz="900" spc="0">
+                        <a:latin typeface="AdobeClean-Light"/>
+                        <a:cs typeface="AdobeClean-Light"/>
+                      </a:endParaRPr>
+                    </a:p>
+                  </a:txBody>
+                  <a:tcPr marL="0" marR="0" marT="57785" marB="0">
+                    <a:lnR w="12700">
+                      <a:solidFill>
+                        <a:srgbClr val="F0F0F0"/>
+                      </a:solidFill>
+                      <a:prstDash val="solid"/>
+                    </a:lnR>
+                  </a:tcPr>
+                </a:tc>
+                <a:extLst>
+                  <a:ext uri="{0D108BD9-81ED-4DB2-BD59-A6C34878D82A}">
+                    <a16:rowId xmlns:a16="http://schemas.microsoft.com/office/drawing/2014/main" val="10007"/>
+                  </a:ext>
+                </a:extLst>
+              </a:tr>
+              <a:tr h="264424">
+                <a:tc vMerge="1">
+                  <a:txBody>
+                    <a:bodyPr/>
+                    <a:lstStyle/>
+                    <a:p>
+                      <a:endParaRPr lang="en-US"/>
+                    </a:p>
+                  </a:txBody>
+                  <a:tcPr marL="0" marR="0" marT="57785" marB="0">
+                    <a:lnL w="12700">
+                      <a:solidFill>
+                        <a:srgbClr val="F0F0F0"/>
+                      </a:solidFill>
+                      <a:prstDash val="solid"/>
+                    </a:lnL>
+                    <a:lnR w="12700" cap="flat" cmpd="sng" algn="ctr">
+                      <a:solidFill>
+                        <a:srgbClr val="F0F0F0"/>
+                      </a:solidFill>
+                      <a:prstDash val="solid"/>
+                      <a:round/>
+                      <a:headEnd type="none" w="med" len="med"/>
+                      <a:tailEnd type="none" w="med" len="med"/>
+                    </a:lnR>
+                    <a:solidFill>
+                      <a:srgbClr val="7D7D7D"/>
+                    </a:solidFill>
+                  </a:tcPr>
+                </a:tc>
+                <a:tc>
+                  <a:txBody>
+                    <a:bodyPr/>
+                    <a:lstStyle/>
+                    <a:p>
+                      <a:pPr marL="50800">
+                        <a:lnSpc>
+                          <a:spcPct val="100000"/>
+                        </a:lnSpc>
+                        <a:spcBef>
+                          <a:spcPts val="455"/>
+                        </a:spcBef>
+                      </a:pPr>
+                      <a:r>
+                        <a:rPr lang="en-US" sz="900" spc="0" dirty="0">
+                          <a:solidFill>
+                            <a:srgbClr val="020302"/>
+                          </a:solidFill>
+                          <a:latin typeface="AdobeClean-Light"/>
+                          <a:cs typeface="AdobeClean-Light"/>
+                        </a:rPr>
+                        <a:t>实时电话支持</a:t>
                       </a:r>
                       <a:endParaRPr sz="900" spc="0" dirty="0">
                         <a:latin typeface="AdobeClean-Light"/>
@@ -4406,8 +3889,8 @@
                         </a:lnSpc>
                       </a:pPr>
                       <a:endParaRPr sz="900" spc="0" dirty="0">
-                        <a:latin typeface="Times New Roman"/>
-                        <a:cs typeface="Times New Roman"/>
+                        <a:latin typeface="Times New Roman" panose="02020603050405020304"/>
+                        <a:cs typeface="Times New Roman" panose="02020603050405020304"/>
                       </a:endParaRPr>
                     </a:p>
                   </a:txBody>
@@ -4435,28 +3918,38 @@
                           <a:spcPct val="100000"/>
                         </a:lnSpc>
                         <a:spcBef>
-                          <a:spcPts val="464"/>
+                          <a:spcPts val="465"/>
                         </a:spcBef>
                       </a:pPr>
                       <a:r>
-                        <a:rPr sz="900" spc="0" dirty="0">
+                        <a:rPr lang="en-US" sz="900" spc="0" dirty="0">
                           <a:solidFill>
                             <a:srgbClr val="020302"/>
                           </a:solidFill>
-                          <a:latin typeface="Wingdings"/>
-                          <a:cs typeface="Wingdings"/>
+                          <a:latin typeface="Wingdings" panose="05000000000000000000"/>
+                          <a:cs typeface="Wingdings" panose="05000000000000000000"/>
                         </a:rPr>
                         <a:t></a:t>
                       </a:r>
                       <a:endParaRPr sz="900" spc="0">
-                        <a:latin typeface="Wingdings"/>
-                        <a:cs typeface="Wingdings"/>
+                        <a:latin typeface="Wingdings" panose="05000000000000000000"/>
+                        <a:cs typeface="Wingdings" panose="05000000000000000000"/>
                       </a:endParaRPr>
                     </a:p>
                   </a:txBody>
                   <a:tcPr marL="0" marR="0" marT="59054" marB="0"/>
                 </a:tc>
                 <a:tc hMerge="1">
+                  <a:txBody>
+                    <a:bodyPr/>
+                    <a:lstStyle/>
+                    <a:p>
+                      <a:endParaRPr lang="en-US"/>
+                    </a:p>
+                  </a:txBody>
+                  <a:tcPr marL="0" marR="0" marT="59054" marB="0"/>
+                </a:tc>
+                <a:tc>
                   <a:txBody>
                     <a:bodyPr/>
                     <a:lstStyle/>
@@ -4466,12 +3959,22 @@
                           <a:spcPct val="100000"/>
                         </a:lnSpc>
                         <a:spcBef>
-                          <a:spcPts val="464"/>
+                          <a:spcPts val="465"/>
                         </a:spcBef>
                       </a:pPr>
-                      <a:endParaRPr sz="900">
-                        <a:latin typeface="Wingdings"/>
-                        <a:cs typeface="Wingdings"/>
+                      <a:r>
+                        <a:rPr lang="en-US" sz="900" spc="0" dirty="0">
+                          <a:solidFill>
+                            <a:srgbClr val="020302"/>
+                          </a:solidFill>
+                          <a:latin typeface="Wingdings" panose="05000000000000000000"/>
+                          <a:cs typeface="Wingdings" panose="05000000000000000000"/>
+                        </a:rPr>
+                        <a:t></a:t>
+                      </a:r>
+                      <a:endParaRPr sz="900" spc="0">
+                        <a:latin typeface="Wingdings" panose="05000000000000000000"/>
+                        <a:cs typeface="Wingdings" panose="05000000000000000000"/>
                       </a:endParaRPr>
                     </a:p>
                   </a:txBody>
@@ -4487,53 +3990,22 @@
                           <a:spcPct val="100000"/>
                         </a:lnSpc>
                         <a:spcBef>
-                          <a:spcPts val="464"/>
+                          <a:spcPts val="465"/>
                         </a:spcBef>
                       </a:pPr>
                       <a:r>
-                        <a:rPr sz="900" spc="0" dirty="0">
+                        <a:rPr lang="en-US" sz="900" spc="0" dirty="0">
                           <a:solidFill>
                             <a:srgbClr val="020302"/>
                           </a:solidFill>
-                          <a:latin typeface="Wingdings"/>
-                          <a:cs typeface="Wingdings"/>
+                          <a:latin typeface="Wingdings" panose="05000000000000000000"/>
+                          <a:cs typeface="Wingdings" panose="05000000000000000000"/>
                         </a:rPr>
                         <a:t></a:t>
                       </a:r>
                       <a:endParaRPr sz="900" spc="0">
-                        <a:latin typeface="Wingdings"/>
-                        <a:cs typeface="Wingdings"/>
-                      </a:endParaRPr>
-                    </a:p>
-                  </a:txBody>
-                  <a:tcPr marL="0" marR="0" marT="59054" marB="0"/>
-                </a:tc>
-                <a:tc>
-                  <a:txBody>
-                    <a:bodyPr/>
-                    <a:lstStyle/>
-                    <a:p>
-                      <a:pPr algn="ctr">
-                        <a:lnSpc>
-                          <a:spcPct val="100000"/>
-                        </a:lnSpc>
-                        <a:spcBef>
-                          <a:spcPts val="464"/>
-                        </a:spcBef>
-                      </a:pPr>
-                      <a:r>
-                        <a:rPr sz="900" spc="0" dirty="0">
-                          <a:solidFill>
-                            <a:srgbClr val="020302"/>
-                          </a:solidFill>
-                          <a:latin typeface="Wingdings"/>
-                          <a:cs typeface="Wingdings"/>
-                        </a:rPr>
-                        <a:t></a:t>
-                      </a:r>
-                      <a:endParaRPr sz="900" spc="0">
-                        <a:latin typeface="Wingdings"/>
-                        <a:cs typeface="Wingdings"/>
+                        <a:latin typeface="Wingdings" panose="05000000000000000000"/>
+                        <a:cs typeface="Wingdings" panose="05000000000000000000"/>
                       </a:endParaRPr>
                     </a:p>
                   </a:txBody>
@@ -4558,18 +4030,7 @@
                     <a:bodyPr/>
                     <a:lstStyle/>
                     <a:p>
-                      <a:pPr marL="50800">
-                        <a:lnSpc>
-                          <a:spcPct val="100000"/>
-                        </a:lnSpc>
-                        <a:spcBef>
-                          <a:spcPts val="459"/>
-                        </a:spcBef>
-                      </a:pPr>
-                      <a:endParaRPr sz="900" dirty="0">
-                        <a:latin typeface="AdobeClean-Light"/>
-                        <a:cs typeface="AdobeClean-Light"/>
-                      </a:endParaRPr>
+                      <a:endParaRPr lang="en-US"/>
                     </a:p>
                   </a:txBody>
                   <a:tcPr marL="0" marR="0" marT="58419" marB="0">
@@ -4603,18 +4064,18 @@
                           <a:spcPct val="100000"/>
                         </a:lnSpc>
                         <a:spcBef>
-                          <a:spcPts val="459"/>
+                          <a:spcPts val="460"/>
                         </a:spcBef>
                       </a:pPr>
                       <a:r>
-                        <a:rPr sz="900" spc="0" dirty="0">
+                        <a:rPr lang="en-US" sz="900" spc="0" dirty="0">
                           <a:solidFill>
                             <a:srgbClr val="020302"/>
                           </a:solidFill>
                           <a:latin typeface="AdobeClean-Light"/>
                           <a:cs typeface="AdobeClean-Light"/>
                         </a:rPr>
-                        <a:t>Escalation Management</a:t>
+                        <a:t>上报管理</a:t>
                       </a:r>
                       <a:endParaRPr sz="900" spc="0" dirty="0">
                         <a:latin typeface="AdobeClean-Light"/>
@@ -4648,8 +4109,8 @@
                         </a:lnSpc>
                       </a:pPr>
                       <a:endParaRPr sz="900" spc="0" dirty="0">
-                        <a:latin typeface="Times New Roman"/>
-                        <a:cs typeface="Times New Roman"/>
+                        <a:latin typeface="Times New Roman" panose="02020603050405020304"/>
+                        <a:cs typeface="Times New Roman" panose="02020603050405020304"/>
                       </a:endParaRPr>
                     </a:p>
                   </a:txBody>
@@ -4681,18 +4142,18 @@
                         </a:spcBef>
                       </a:pPr>
                       <a:r>
-                        <a:rPr sz="900" spc="0" dirty="0">
+                        <a:rPr lang="en-US" sz="900" spc="0" dirty="0">
                           <a:solidFill>
                             <a:srgbClr val="020302"/>
                           </a:solidFill>
-                          <a:latin typeface="Wingdings"/>
-                          <a:cs typeface="Wingdings"/>
+                          <a:latin typeface="Wingdings" panose="05000000000000000000"/>
+                          <a:cs typeface="Wingdings" panose="05000000000000000000"/>
                         </a:rPr>
                         <a:t></a:t>
                       </a:r>
                       <a:endParaRPr sz="900" spc="0" dirty="0">
-                        <a:latin typeface="Wingdings"/>
-                        <a:cs typeface="Wingdings"/>
+                        <a:latin typeface="Wingdings" panose="05000000000000000000"/>
+                        <a:cs typeface="Wingdings" panose="05000000000000000000"/>
                       </a:endParaRPr>
                     </a:p>
                   </a:txBody>
@@ -4703,18 +4164,7 @@
                     <a:bodyPr/>
                     <a:lstStyle/>
                     <a:p>
-                      <a:pPr algn="ctr">
-                        <a:lnSpc>
-                          <a:spcPct val="100000"/>
-                        </a:lnSpc>
-                        <a:spcBef>
-                          <a:spcPts val="470"/>
-                        </a:spcBef>
-                      </a:pPr>
-                      <a:endParaRPr sz="900">
-                        <a:latin typeface="Wingdings"/>
-                        <a:cs typeface="Wingdings"/>
-                      </a:endParaRPr>
+                      <a:endParaRPr lang="en-US"/>
                     </a:p>
                   </a:txBody>
                   <a:tcPr marL="0" marR="0" marT="59690" marB="0"/>
@@ -4733,18 +4183,18 @@
                         </a:spcBef>
                       </a:pPr>
                       <a:r>
-                        <a:rPr sz="900" spc="0" dirty="0">
+                        <a:rPr lang="en-US" sz="900" spc="0" dirty="0">
                           <a:solidFill>
                             <a:srgbClr val="020302"/>
                           </a:solidFill>
-                          <a:latin typeface="Wingdings"/>
-                          <a:cs typeface="Wingdings"/>
+                          <a:latin typeface="Wingdings" panose="05000000000000000000"/>
+                          <a:cs typeface="Wingdings" panose="05000000000000000000"/>
                         </a:rPr>
                         <a:t></a:t>
                       </a:r>
                       <a:endParaRPr sz="900" spc="0">
-                        <a:latin typeface="Wingdings"/>
-                        <a:cs typeface="Wingdings"/>
+                        <a:latin typeface="Wingdings" panose="05000000000000000000"/>
+                        <a:cs typeface="Wingdings" panose="05000000000000000000"/>
                       </a:endParaRPr>
                     </a:p>
                   </a:txBody>
@@ -4764,18 +4214,18 @@
                         </a:spcBef>
                       </a:pPr>
                       <a:r>
-                        <a:rPr sz="900" spc="0" dirty="0">
+                        <a:rPr lang="en-US" sz="900" spc="0" dirty="0">
                           <a:solidFill>
                             <a:srgbClr val="020302"/>
                           </a:solidFill>
-                          <a:latin typeface="Wingdings"/>
-                          <a:cs typeface="Wingdings"/>
+                          <a:latin typeface="Wingdings" panose="05000000000000000000"/>
+                          <a:cs typeface="Wingdings" panose="05000000000000000000"/>
                         </a:rPr>
                         <a:t></a:t>
                       </a:r>
                       <a:endParaRPr sz="900" spc="0" dirty="0">
-                        <a:latin typeface="Wingdings"/>
-                        <a:cs typeface="Wingdings"/>
+                        <a:latin typeface="Wingdings" panose="05000000000000000000"/>
+                        <a:cs typeface="Wingdings" panose="05000000000000000000"/>
                       </a:endParaRPr>
                     </a:p>
                   </a:txBody>
@@ -4800,18 +4250,7 @@
                     <a:bodyPr/>
                     <a:lstStyle/>
                     <a:p>
-                      <a:pPr marL="50800">
-                        <a:lnSpc>
-                          <a:spcPct val="100000"/>
-                        </a:lnSpc>
-                        <a:spcBef>
-                          <a:spcPts val="450"/>
-                        </a:spcBef>
-                      </a:pPr>
-                      <a:endParaRPr sz="900" dirty="0">
-                        <a:latin typeface="AdobeClean-Light"/>
-                        <a:cs typeface="AdobeClean-Light"/>
-                      </a:endParaRPr>
+                      <a:endParaRPr lang="en-US"/>
                     </a:p>
                   </a:txBody>
                   <a:tcPr marL="0" marR="0" marT="57150" marB="0">
@@ -4849,14 +4288,14 @@
                         </a:spcBef>
                       </a:pPr>
                       <a:r>
-                        <a:rPr sz="900" spc="0" dirty="0">
+                        <a:rPr lang="en-US" sz="900" spc="0" dirty="0">
                           <a:solidFill>
                             <a:srgbClr val="020302"/>
                           </a:solidFill>
                           <a:latin typeface="AdobeClean-Light"/>
                           <a:cs typeface="AdobeClean-Light"/>
                         </a:rPr>
-                        <a:t>Service Reviews  per Year</a:t>
+                        <a:t>每年服务审查次数</a:t>
                       </a:r>
                       <a:endParaRPr sz="900" spc="0" dirty="0">
                         <a:latin typeface="AdobeClean-Light"/>
@@ -4890,8 +4329,8 @@
                         </a:lnSpc>
                       </a:pPr>
                       <a:endParaRPr sz="900" spc="0" dirty="0">
-                        <a:latin typeface="Times New Roman"/>
-                        <a:cs typeface="Times New Roman"/>
+                        <a:latin typeface="Times New Roman" panose="02020603050405020304"/>
+                        <a:cs typeface="Times New Roman" panose="02020603050405020304"/>
                       </a:endParaRPr>
                     </a:p>
                   </a:txBody>
@@ -4920,8 +4359,8 @@
                         </a:lnSpc>
                       </a:pPr>
                       <a:endParaRPr sz="900" spc="0">
-                        <a:latin typeface="Times New Roman"/>
-                        <a:cs typeface="Times New Roman"/>
+                        <a:latin typeface="Times New Roman" panose="02020603050405020304"/>
+                        <a:cs typeface="Times New Roman" panose="02020603050405020304"/>
                       </a:endParaRPr>
                     </a:p>
                   </a:txBody>
@@ -4932,15 +4371,7 @@
                     <a:bodyPr/>
                     <a:lstStyle/>
                     <a:p>
-                      <a:pPr>
-                        <a:lnSpc>
-                          <a:spcPct val="100000"/>
-                        </a:lnSpc>
-                      </a:pPr>
-                      <a:endParaRPr sz="900">
-                        <a:latin typeface="Times New Roman"/>
-                        <a:cs typeface="Times New Roman"/>
-                      </a:endParaRPr>
+                      <a:endParaRPr lang="en-US"/>
                     </a:p>
                   </a:txBody>
                   <a:tcPr marL="0" marR="0" marT="0" marB="0"/>
@@ -4959,7 +4390,7 @@
                         </a:spcBef>
                       </a:pPr>
                       <a:r>
-                        <a:rPr sz="900" spc="0" dirty="0">
+                        <a:rPr lang="en-US" sz="900" spc="0" dirty="0">
                           <a:solidFill>
                             <a:srgbClr val="020302"/>
                           </a:solidFill>
@@ -4990,7 +4421,7 @@
                         </a:spcBef>
                       </a:pPr>
                       <a:r>
-                        <a:rPr sz="900" spc="0" dirty="0">
+                        <a:rPr lang="en-US" sz="900" spc="0" dirty="0">
                           <a:solidFill>
                             <a:srgbClr val="020302"/>
                           </a:solidFill>
@@ -5049,7 +4480,7 @@
                           <a:latin typeface="AdobeClean-Light"/>
                           <a:cs typeface="AdobeClean-Light"/>
                         </a:rPr>
-                        <a:t>Expert Sessions per Year</a:t>
+                        <a:t>每年专家讲座数</a:t>
                       </a:r>
                       <a:endParaRPr sz="900" spc="0" dirty="0">
                         <a:latin typeface="AdobeClean-Light"/>
@@ -5089,8 +4520,8 @@
                         </a:lnSpc>
                       </a:pPr>
                       <a:endParaRPr sz="900" spc="0" dirty="0">
-                        <a:latin typeface="Times New Roman"/>
-                        <a:cs typeface="Times New Roman"/>
+                        <a:latin typeface="Times New Roman" panose="02020603050405020304"/>
+                        <a:cs typeface="Times New Roman" panose="02020603050405020304"/>
                       </a:endParaRPr>
                     </a:p>
                   </a:txBody>
@@ -5122,8 +4553,8 @@
                         </a:lnSpc>
                       </a:pPr>
                       <a:endParaRPr sz="900" spc="0" dirty="0">
-                        <a:latin typeface="Times New Roman"/>
-                        <a:cs typeface="Times New Roman"/>
+                        <a:latin typeface="Times New Roman" panose="02020603050405020304"/>
+                        <a:cs typeface="Times New Roman" panose="02020603050405020304"/>
                       </a:endParaRPr>
                     </a:p>
                   </a:txBody>
@@ -5204,7 +4635,7 @@
                 </a:tc>
                 <a:extLst>
                   <a:ext uri="{0D108BD9-81ED-4DB2-BD59-A6C34878D82A}">
-                    <a16:rowId xmlns:a16="http://schemas.microsoft.com/office/drawing/2014/main" val="2737097922"/>
+                    <a16:rowId xmlns:a16="http://schemas.microsoft.com/office/drawing/2014/main" val="10011"/>
                   </a:ext>
                 </a:extLst>
               </a:tr>
@@ -5237,7 +4668,7 @@
                           <a:latin typeface="AdobeClean-Light"/>
                           <a:cs typeface="AdobeClean-Light"/>
                         </a:rPr>
-                        <a:t>Case Reviews</a:t>
+                        <a:t>案例审查</a:t>
                       </a:r>
                       <a:endParaRPr sz="900" spc="0" dirty="0">
                         <a:latin typeface="AdobeClean-Light"/>
@@ -5277,8 +4708,8 @@
                         </a:lnSpc>
                       </a:pPr>
                       <a:endParaRPr sz="900" spc="0" dirty="0">
-                        <a:latin typeface="Times New Roman"/>
-                        <a:cs typeface="Times New Roman"/>
+                        <a:latin typeface="Times New Roman" panose="02020603050405020304"/>
+                        <a:cs typeface="Times New Roman" panose="02020603050405020304"/>
                       </a:endParaRPr>
                     </a:p>
                   </a:txBody>
@@ -5310,8 +4741,8 @@
                         </a:lnSpc>
                       </a:pPr>
                       <a:endParaRPr sz="900" spc="0" dirty="0">
-                        <a:latin typeface="Times New Roman"/>
-                        <a:cs typeface="Times New Roman"/>
+                        <a:latin typeface="Times New Roman" panose="02020603050405020304"/>
+                        <a:cs typeface="Times New Roman" panose="02020603050405020304"/>
                       </a:endParaRPr>
                     </a:p>
                   </a:txBody>
@@ -5346,7 +4777,6 @@
                         <a:buSzTx/>
                         <a:buFontTx/>
                         <a:buNone/>
-                        <a:tabLst/>
                         <a:defRPr/>
                       </a:pPr>
                       <a:r>
@@ -5354,14 +4784,14 @@
                           <a:solidFill>
                             <a:srgbClr val="020302"/>
                           </a:solidFill>
-                          <a:latin typeface="Wingdings"/>
-                          <a:cs typeface="Wingdings"/>
+                          <a:latin typeface="Wingdings" panose="05000000000000000000"/>
+                          <a:cs typeface="Wingdings" panose="05000000000000000000"/>
                         </a:rPr>
                         <a:t></a:t>
                       </a:r>
                       <a:endParaRPr lang="en-US" sz="900" spc="0" dirty="0">
-                        <a:latin typeface="Wingdings"/>
-                        <a:cs typeface="Wingdings"/>
+                        <a:latin typeface="Wingdings" panose="05000000000000000000"/>
+                        <a:cs typeface="Wingdings" panose="05000000000000000000"/>
                       </a:endParaRPr>
                     </a:p>
                   </a:txBody>
@@ -5386,22 +4816,21 @@
                         <a:buSzTx/>
                         <a:buFontTx/>
                         <a:buNone/>
-                        <a:tabLst/>
                         <a:defRPr/>
                       </a:pPr>
                       <a:r>
-                        <a:rPr lang="en-US" sz="900" spc="0" dirty="0">
+                        <a:rPr lang="en-US" sz="900" spc="0">
                           <a:solidFill>
                             <a:srgbClr val="020302"/>
                           </a:solidFill>
-                          <a:latin typeface="Wingdings"/>
-                          <a:cs typeface="Wingdings"/>
+                          <a:latin typeface="Wingdings" panose="05000000000000000000"/>
+                          <a:cs typeface="Wingdings" panose="05000000000000000000"/>
                         </a:rPr>
                         <a:t></a:t>
                       </a:r>
                       <a:endParaRPr lang="en-US" sz="900" spc="0" dirty="0">
-                        <a:latin typeface="Wingdings"/>
-                        <a:cs typeface="Wingdings"/>
+                        <a:latin typeface="Wingdings" panose="05000000000000000000"/>
+                        <a:cs typeface="Wingdings" panose="05000000000000000000"/>
                       </a:endParaRPr>
                     </a:p>
                   </a:txBody>
@@ -5416,7 +4845,7 @@
                 </a:tc>
                 <a:extLst>
                   <a:ext uri="{0D108BD9-81ED-4DB2-BD59-A6C34878D82A}">
-                    <a16:rowId xmlns:a16="http://schemas.microsoft.com/office/drawing/2014/main" val="295226743"/>
+                    <a16:rowId xmlns:a16="http://schemas.microsoft.com/office/drawing/2014/main" val="10012"/>
                   </a:ext>
                 </a:extLst>
               </a:tr>
@@ -5426,18 +4855,7 @@
                     <a:bodyPr/>
                     <a:lstStyle/>
                     <a:p>
-                      <a:pPr marL="48895">
-                        <a:lnSpc>
-                          <a:spcPct val="100000"/>
-                        </a:lnSpc>
-                        <a:spcBef>
-                          <a:spcPts val="459"/>
-                        </a:spcBef>
-                      </a:pPr>
-                      <a:endParaRPr sz="900" dirty="0">
-                        <a:latin typeface="AdobeClean-Light"/>
-                        <a:cs typeface="AdobeClean-Light"/>
-                      </a:endParaRPr>
+                      <a:endParaRPr lang="en-US"/>
                     </a:p>
                   </a:txBody>
                   <a:tcPr marL="0" marR="0" marT="58419" marB="0">
@@ -5471,18 +4889,18 @@
                           <a:spcPct val="100000"/>
                         </a:lnSpc>
                         <a:spcBef>
-                          <a:spcPts val="459"/>
+                          <a:spcPts val="460"/>
                         </a:spcBef>
                       </a:pPr>
                       <a:r>
-                        <a:rPr sz="900" spc="0" dirty="0">
+                        <a:rPr lang="en-US" sz="900" spc="0" dirty="0">
                           <a:solidFill>
                             <a:srgbClr val="020302"/>
                           </a:solidFill>
                           <a:latin typeface="AdobeClean-Light"/>
                           <a:cs typeface="AdobeClean-Light"/>
                         </a:rPr>
-                        <a:t>Event Management</a:t>
+                        <a:t>事件管理</a:t>
                       </a:r>
                       <a:endParaRPr sz="900" spc="0" dirty="0">
                         <a:latin typeface="AdobeClean-Light"/>
@@ -5516,8 +4934,8 @@
                         </a:lnSpc>
                       </a:pPr>
                       <a:endParaRPr sz="900" spc="0" dirty="0">
-                        <a:latin typeface="Times New Roman"/>
-                        <a:cs typeface="Times New Roman"/>
+                        <a:latin typeface="Times New Roman" panose="02020603050405020304"/>
+                        <a:cs typeface="Times New Roman" panose="02020603050405020304"/>
                       </a:endParaRPr>
                     </a:p>
                   </a:txBody>
@@ -5546,8 +4964,8 @@
                         </a:lnSpc>
                       </a:pPr>
                       <a:endParaRPr sz="900" spc="0">
-                        <a:latin typeface="Times New Roman"/>
-                        <a:cs typeface="Times New Roman"/>
+                        <a:latin typeface="Times New Roman" panose="02020603050405020304"/>
+                        <a:cs typeface="Times New Roman" panose="02020603050405020304"/>
                       </a:endParaRPr>
                     </a:p>
                   </a:txBody>
@@ -5558,15 +4976,7 @@
                     <a:bodyPr/>
                     <a:lstStyle/>
                     <a:p>
-                      <a:pPr>
-                        <a:lnSpc>
-                          <a:spcPct val="100000"/>
-                        </a:lnSpc>
-                      </a:pPr>
-                      <a:endParaRPr sz="900">
-                        <a:latin typeface="Times New Roman"/>
-                        <a:cs typeface="Times New Roman"/>
-                      </a:endParaRPr>
+                      <a:endParaRPr lang="en-US"/>
                     </a:p>
                   </a:txBody>
                   <a:tcPr marL="0" marR="0" marT="0" marB="0"/>
@@ -5582,8 +4992,8 @@
                         </a:lnSpc>
                       </a:pPr>
                       <a:endParaRPr sz="900" spc="0" dirty="0">
-                        <a:latin typeface="Times New Roman"/>
-                        <a:cs typeface="Times New Roman"/>
+                        <a:latin typeface="Times New Roman" panose="02020603050405020304"/>
+                        <a:cs typeface="Times New Roman" panose="02020603050405020304"/>
                       </a:endParaRPr>
                     </a:p>
                   </a:txBody>
@@ -5603,18 +5013,18 @@
                         </a:spcBef>
                       </a:pPr>
                       <a:r>
-                        <a:rPr sz="900" spc="0" dirty="0">
+                        <a:rPr lang="en-US" sz="900" spc="0" dirty="0">
                           <a:solidFill>
                             <a:srgbClr val="020302"/>
                           </a:solidFill>
-                          <a:latin typeface="Wingdings"/>
-                          <a:cs typeface="Wingdings"/>
+                          <a:latin typeface="Wingdings" panose="05000000000000000000"/>
+                          <a:cs typeface="Wingdings" panose="05000000000000000000"/>
                         </a:rPr>
                         <a:t></a:t>
                       </a:r>
                       <a:endParaRPr sz="900" spc="0" dirty="0">
-                        <a:latin typeface="Wingdings"/>
-                        <a:cs typeface="Wingdings"/>
+                        <a:latin typeface="Wingdings" panose="05000000000000000000"/>
+                        <a:cs typeface="Wingdings" panose="05000000000000000000"/>
                       </a:endParaRPr>
                     </a:p>
                   </a:txBody>
@@ -5629,7 +5039,7 @@
                 </a:tc>
                 <a:extLst>
                   <a:ext uri="{0D108BD9-81ED-4DB2-BD59-A6C34878D82A}">
-                    <a16:rowId xmlns:a16="http://schemas.microsoft.com/office/drawing/2014/main" val="10011"/>
+                    <a16:rowId xmlns:a16="http://schemas.microsoft.com/office/drawing/2014/main" val="10013"/>
                   </a:ext>
                 </a:extLst>
               </a:tr>
@@ -5639,18 +5049,7 @@
                     <a:bodyPr/>
                     <a:lstStyle/>
                     <a:p>
-                      <a:pPr marL="48895">
-                        <a:lnSpc>
-                          <a:spcPct val="100000"/>
-                        </a:lnSpc>
-                        <a:spcBef>
-                          <a:spcPts val="465"/>
-                        </a:spcBef>
-                      </a:pPr>
-                      <a:endParaRPr sz="900" dirty="0">
-                        <a:latin typeface="AdobeClean-Light"/>
-                        <a:cs typeface="AdobeClean-Light"/>
-                      </a:endParaRPr>
+                      <a:endParaRPr lang="en-US"/>
                     </a:p>
                   </a:txBody>
                   <a:tcPr marL="0" marR="0" marT="59055" marB="0">
@@ -5697,16 +5096,6 @@
                         </a:spcBef>
                       </a:pPr>
                       <a:r>
-                        <a:rPr sz="900" spc="0" dirty="0">
-                          <a:solidFill>
-                            <a:srgbClr val="020302"/>
-                          </a:solidFill>
-                          <a:latin typeface="AdobeClean-Light"/>
-                          <a:cs typeface="AdobeClean-Light"/>
-                        </a:rPr>
-                        <a:t>Environment</a:t>
-                      </a:r>
-                      <a:r>
                         <a:rPr lang="en-US" sz="900" spc="0" dirty="0">
                           <a:solidFill>
                             <a:srgbClr val="020302"/>
@@ -5714,18 +5103,12 @@
                           <a:latin typeface="AdobeClean-Light"/>
                           <a:cs typeface="AdobeClean-Light"/>
                         </a:rPr>
-                        <a:t> </a:t>
+                        <a:t>环境审查、维护和监控，</a:t>
                       </a:r>
-                      <a:r>
-                        <a:rPr sz="900" spc="0" dirty="0">
-                          <a:solidFill>
-                            <a:srgbClr val="020302"/>
-                          </a:solidFill>
-                          <a:latin typeface="AdobeClean-Light"/>
-                          <a:cs typeface="AdobeClean-Light"/>
-                        </a:rPr>
-                        <a:t>Review, Maintenance &amp; Monitoring</a:t>
-                      </a:r>
+                      <a:endParaRPr sz="900" spc="0" dirty="0">
+                        <a:latin typeface="AdobeClean-Light"/>
+                        <a:cs typeface="AdobeClean-Light"/>
+                      </a:endParaRPr>
                     </a:p>
                   </a:txBody>
                   <a:tcPr marL="0" marR="0" marT="59055" marB="0">
@@ -5760,8 +5143,8 @@
                         </a:lnSpc>
                       </a:pPr>
                       <a:endParaRPr sz="900" spc="0" dirty="0">
-                        <a:latin typeface="Times New Roman"/>
-                        <a:cs typeface="Times New Roman"/>
+                        <a:latin typeface="Times New Roman" panose="02020603050405020304"/>
+                        <a:cs typeface="Times New Roman" panose="02020603050405020304"/>
                       </a:endParaRPr>
                     </a:p>
                   </a:txBody>
@@ -5793,8 +5176,8 @@
                         </a:lnSpc>
                       </a:pPr>
                       <a:endParaRPr sz="900" spc="0">
-                        <a:latin typeface="Times New Roman"/>
-                        <a:cs typeface="Times New Roman"/>
+                        <a:latin typeface="Times New Roman" panose="02020603050405020304"/>
+                        <a:cs typeface="Times New Roman" panose="02020603050405020304"/>
                       </a:endParaRPr>
                     </a:p>
                   </a:txBody>
@@ -5805,15 +5188,7 @@
                     <a:bodyPr/>
                     <a:lstStyle/>
                     <a:p>
-                      <a:pPr>
-                        <a:lnSpc>
-                          <a:spcPct val="100000"/>
-                        </a:lnSpc>
-                      </a:pPr>
-                      <a:endParaRPr sz="900">
-                        <a:latin typeface="Times New Roman"/>
-                        <a:cs typeface="Times New Roman"/>
-                      </a:endParaRPr>
+                      <a:endParaRPr lang="en-US"/>
                     </a:p>
                   </a:txBody>
                   <a:tcPr marL="0" marR="0" marT="0" marB="0"/>
@@ -5829,8 +5204,8 @@
                         </a:lnSpc>
                       </a:pPr>
                       <a:endParaRPr sz="900" spc="0">
-                        <a:latin typeface="Times New Roman"/>
-                        <a:cs typeface="Times New Roman"/>
+                        <a:latin typeface="Times New Roman" panose="02020603050405020304"/>
+                        <a:cs typeface="Times New Roman" panose="02020603050405020304"/>
                       </a:endParaRPr>
                     </a:p>
                   </a:txBody>
@@ -5850,18 +5225,18 @@
                         </a:spcBef>
                       </a:pPr>
                       <a:r>
-                        <a:rPr sz="900" spc="0" dirty="0">
+                        <a:rPr lang="en-US" sz="900" spc="0" dirty="0">
                           <a:solidFill>
                             <a:srgbClr val="020302"/>
                           </a:solidFill>
-                          <a:latin typeface="Wingdings"/>
-                          <a:cs typeface="Wingdings"/>
+                          <a:latin typeface="Wingdings" panose="05000000000000000000"/>
+                          <a:cs typeface="Wingdings" panose="05000000000000000000"/>
                         </a:rPr>
                         <a:t></a:t>
                       </a:r>
                       <a:endParaRPr sz="900" spc="0" dirty="0">
-                        <a:latin typeface="Wingdings"/>
-                        <a:cs typeface="Wingdings"/>
+                        <a:latin typeface="Wingdings" panose="05000000000000000000"/>
+                        <a:cs typeface="Wingdings" panose="05000000000000000000"/>
                       </a:endParaRPr>
                     </a:p>
                   </a:txBody>
@@ -5876,7 +5251,7 @@
                 </a:tc>
                 <a:extLst>
                   <a:ext uri="{0D108BD9-81ED-4DB2-BD59-A6C34878D82A}">
-                    <a16:rowId xmlns:a16="http://schemas.microsoft.com/office/drawing/2014/main" val="10012"/>
+                    <a16:rowId xmlns:a16="http://schemas.microsoft.com/office/drawing/2014/main" val="10014"/>
                   </a:ext>
                 </a:extLst>
               </a:tr>
@@ -5886,18 +5261,7 @@
                     <a:bodyPr/>
                     <a:lstStyle/>
                     <a:p>
-                      <a:pPr marL="49530">
-                        <a:lnSpc>
-                          <a:spcPct val="100000"/>
-                        </a:lnSpc>
-                        <a:spcBef>
-                          <a:spcPts val="500"/>
-                        </a:spcBef>
-                      </a:pPr>
-                      <a:endParaRPr sz="900" dirty="0">
-                        <a:latin typeface="AdobeClean-Light"/>
-                        <a:cs typeface="AdobeClean-Light"/>
-                      </a:endParaRPr>
+                      <a:endParaRPr lang="en-US"/>
                     </a:p>
                   </a:txBody>
                   <a:tcPr marL="0" marR="0" marT="63500" marB="0">
@@ -5935,14 +5299,14 @@
                         </a:spcBef>
                       </a:pPr>
                       <a:r>
-                        <a:rPr sz="900" spc="0" dirty="0">
+                        <a:rPr lang="en-US" sz="900" spc="0" dirty="0">
                           <a:solidFill>
                             <a:srgbClr val="020302"/>
                           </a:solidFill>
                           <a:latin typeface="AdobeClean-Light"/>
                           <a:cs typeface="AdobeClean-Light"/>
                         </a:rPr>
-                        <a:t>Release, Migration, Upgrade &amp; Product Roadmap Review</a:t>
+                        <a:t>发布、迁移、升级和产品路线图审查</a:t>
                       </a:r>
                       <a:endParaRPr sz="900" spc="0" dirty="0">
                         <a:latin typeface="AdobeClean-Light"/>
@@ -5976,8 +5340,8 @@
                         </a:lnSpc>
                       </a:pPr>
                       <a:endParaRPr sz="900" spc="0" dirty="0">
-                        <a:latin typeface="Times New Roman"/>
-                        <a:cs typeface="Times New Roman"/>
+                        <a:latin typeface="Times New Roman" panose="02020603050405020304"/>
+                        <a:cs typeface="Times New Roman" panose="02020603050405020304"/>
                       </a:endParaRPr>
                     </a:p>
                   </a:txBody>
@@ -6006,8 +5370,8 @@
                         </a:lnSpc>
                       </a:pPr>
                       <a:endParaRPr sz="900" spc="0">
-                        <a:latin typeface="Times New Roman"/>
-                        <a:cs typeface="Times New Roman"/>
+                        <a:latin typeface="Times New Roman" panose="02020603050405020304"/>
+                        <a:cs typeface="Times New Roman" panose="02020603050405020304"/>
                       </a:endParaRPr>
                     </a:p>
                   </a:txBody>
@@ -6018,15 +5382,7 @@
                     <a:bodyPr/>
                     <a:lstStyle/>
                     <a:p>
-                      <a:pPr>
-                        <a:lnSpc>
-                          <a:spcPct val="100000"/>
-                        </a:lnSpc>
-                      </a:pPr>
-                      <a:endParaRPr sz="900">
-                        <a:latin typeface="Times New Roman"/>
-                        <a:cs typeface="Times New Roman"/>
-                      </a:endParaRPr>
+                      <a:endParaRPr lang="en-US"/>
                     </a:p>
                   </a:txBody>
                   <a:tcPr marL="0" marR="0" marT="0" marB="0"/>
@@ -6042,8 +5398,8 @@
                         </a:lnSpc>
                       </a:pPr>
                       <a:endParaRPr sz="900" spc="0" dirty="0">
-                        <a:latin typeface="Times New Roman"/>
-                        <a:cs typeface="Times New Roman"/>
+                        <a:latin typeface="Times New Roman" panose="02020603050405020304"/>
+                        <a:cs typeface="Times New Roman" panose="02020603050405020304"/>
                       </a:endParaRPr>
                     </a:p>
                   </a:txBody>
@@ -6063,18 +5419,18 @@
                         </a:spcBef>
                       </a:pPr>
                       <a:r>
-                        <a:rPr sz="900" spc="0" dirty="0">
+                        <a:rPr lang="en-US" sz="900" spc="0" dirty="0">
                           <a:solidFill>
                             <a:srgbClr val="020302"/>
                           </a:solidFill>
-                          <a:latin typeface="Wingdings"/>
-                          <a:cs typeface="Wingdings"/>
+                          <a:latin typeface="Wingdings" panose="05000000000000000000"/>
+                          <a:cs typeface="Wingdings" panose="05000000000000000000"/>
                         </a:rPr>
                         <a:t></a:t>
                       </a:r>
                       <a:endParaRPr sz="900" spc="0">
-                        <a:latin typeface="Wingdings"/>
-                        <a:cs typeface="Wingdings"/>
+                        <a:latin typeface="Wingdings" panose="05000000000000000000"/>
+                        <a:cs typeface="Wingdings" panose="05000000000000000000"/>
                       </a:endParaRPr>
                     </a:p>
                   </a:txBody>
@@ -6089,7 +5445,7 @@
                 </a:tc>
                 <a:extLst>
                   <a:ext uri="{0D108BD9-81ED-4DB2-BD59-A6C34878D82A}">
-                    <a16:rowId xmlns:a16="http://schemas.microsoft.com/office/drawing/2014/main" val="10013"/>
+                    <a16:rowId xmlns:a16="http://schemas.microsoft.com/office/drawing/2014/main" val="10015"/>
                   </a:ext>
                 </a:extLst>
               </a:tr>
@@ -6099,18 +5455,7 @@
                     <a:bodyPr/>
                     <a:lstStyle/>
                     <a:p>
-                      <a:pPr marL="49530">
-                        <a:lnSpc>
-                          <a:spcPct val="100000"/>
-                        </a:lnSpc>
-                        <a:spcBef>
-                          <a:spcPts val="530"/>
-                        </a:spcBef>
-                      </a:pPr>
-                      <a:endParaRPr sz="900" dirty="0">
-                        <a:latin typeface="AdobeClean-Light"/>
-                        <a:cs typeface="AdobeClean-Light"/>
-                      </a:endParaRPr>
+                      <a:endParaRPr lang="en-US"/>
                     </a:p>
                   </a:txBody>
                   <a:tcPr marL="0" marR="0" marT="67310" marB="0">
@@ -6157,11 +5502,11 @@
                         </a:spcBef>
                       </a:pPr>
                       <a:r>
-                        <a:rPr sz="900" spc="0" dirty="0">
+                        <a:rPr lang="en-US" sz="900" spc="0" dirty="0">
                           <a:latin typeface="AdobeClean-Light"/>
                           <a:cs typeface="AdobeClean-Light"/>
                         </a:rPr>
-                        <a:t>Cloud Support Activities – Experience Manager as Cloud</a:t>
+                        <a:t>云支持活动 - Experience Manager as Cloud</a:t>
                       </a:r>
                     </a:p>
                   </a:txBody>
@@ -6197,8 +5542,8 @@
                         </a:lnSpc>
                       </a:pPr>
                       <a:endParaRPr sz="900" spc="0" dirty="0">
-                        <a:latin typeface="Times New Roman"/>
-                        <a:cs typeface="Times New Roman"/>
+                        <a:latin typeface="Times New Roman" panose="02020603050405020304"/>
+                        <a:cs typeface="Times New Roman" panose="02020603050405020304"/>
                       </a:endParaRPr>
                     </a:p>
                   </a:txBody>
@@ -6233,8 +5578,8 @@
                         </a:lnSpc>
                       </a:pPr>
                       <a:endParaRPr sz="900" spc="0" dirty="0">
-                        <a:latin typeface="Times New Roman"/>
-                        <a:cs typeface="Times New Roman"/>
+                        <a:latin typeface="Times New Roman" panose="02020603050405020304"/>
+                        <a:cs typeface="Times New Roman" panose="02020603050405020304"/>
                       </a:endParaRPr>
                     </a:p>
                   </a:txBody>
@@ -6252,15 +5597,7 @@
                     <a:bodyPr/>
                     <a:lstStyle/>
                     <a:p>
-                      <a:pPr>
-                        <a:lnSpc>
-                          <a:spcPct val="100000"/>
-                        </a:lnSpc>
-                      </a:pPr>
-                      <a:endParaRPr sz="900">
-                        <a:latin typeface="Times New Roman"/>
-                        <a:cs typeface="Times New Roman"/>
-                      </a:endParaRPr>
+                      <a:endParaRPr lang="en-US"/>
                     </a:p>
                   </a:txBody>
                   <a:tcPr marL="0" marR="0" marT="0" marB="0">
@@ -6289,18 +5626,18 @@
                         </a:spcBef>
                       </a:pPr>
                       <a:r>
-                        <a:rPr sz="900" spc="0" dirty="0">
+                        <a:rPr lang="en-US" sz="900" spc="0" dirty="0">
                           <a:solidFill>
                             <a:srgbClr val="020302"/>
                           </a:solidFill>
-                          <a:latin typeface="Wingdings"/>
-                          <a:cs typeface="Wingdings"/>
+                          <a:latin typeface="Wingdings" panose="05000000000000000000"/>
+                          <a:cs typeface="Wingdings" panose="05000000000000000000"/>
                         </a:rPr>
                         <a:t></a:t>
                       </a:r>
                       <a:endParaRPr sz="900" spc="0" dirty="0">
-                        <a:latin typeface="Wingdings"/>
-                        <a:cs typeface="Wingdings"/>
+                        <a:latin typeface="Wingdings" panose="05000000000000000000"/>
+                        <a:cs typeface="Wingdings" panose="05000000000000000000"/>
                       </a:endParaRPr>
                     </a:p>
                   </a:txBody>
@@ -6327,18 +5664,18 @@
                         </a:spcBef>
                       </a:pPr>
                       <a:r>
-                        <a:rPr sz="900" spc="0" dirty="0">
+                        <a:rPr lang="en-US" sz="900" spc="0" dirty="0">
                           <a:solidFill>
                             <a:srgbClr val="020302"/>
                           </a:solidFill>
-                          <a:latin typeface="Wingdings"/>
-                          <a:cs typeface="Wingdings"/>
+                          <a:latin typeface="Wingdings" panose="05000000000000000000"/>
+                          <a:cs typeface="Wingdings" panose="05000000000000000000"/>
                         </a:rPr>
                         <a:t></a:t>
                       </a:r>
                       <a:endParaRPr sz="900" spc="0" dirty="0">
-                        <a:latin typeface="Wingdings"/>
-                        <a:cs typeface="Wingdings"/>
+                        <a:latin typeface="Wingdings" panose="05000000000000000000"/>
+                        <a:cs typeface="Wingdings" panose="05000000000000000000"/>
                       </a:endParaRPr>
                     </a:p>
                   </a:txBody>
@@ -6359,7 +5696,7 @@
                 </a:tc>
                 <a:extLst>
                   <a:ext uri="{0D108BD9-81ED-4DB2-BD59-A6C34878D82A}">
-                    <a16:rowId xmlns:a16="http://schemas.microsoft.com/office/drawing/2014/main" val="10014"/>
+                    <a16:rowId xmlns:a16="http://schemas.microsoft.com/office/drawing/2014/main" val="10016"/>
                   </a:ext>
                 </a:extLst>
               </a:tr>
@@ -6385,7 +5722,7 @@
                           <a:latin typeface="Adobe Clean" panose="020B0503020404020204" pitchFamily="34" charset="0"/>
                           <a:cs typeface="AdobeClean-Light"/>
                         </a:rPr>
-                        <a:t>Field Services</a:t>
+                        <a:t>现场服务</a:t>
                       </a:r>
                       <a:endParaRPr sz="1000" b="1" i="0" spc="0" dirty="0">
                         <a:solidFill>
@@ -6446,16 +5783,6 @@
                         </a:spcBef>
                       </a:pPr>
                       <a:r>
-                        <a:rPr sz="900" spc="0" dirty="0">
-                          <a:solidFill>
-                            <a:srgbClr val="020302"/>
-                          </a:solidFill>
-                          <a:latin typeface="AdobeClean-Light"/>
-                          <a:cs typeface="AdobeClean-Light"/>
-                        </a:rPr>
-                        <a:t>Launch Advisory Services – First Year of </a:t>
-                      </a:r>
-                      <a:r>
                         <a:rPr lang="en-US" sz="900" spc="0" dirty="0">
                           <a:solidFill>
                             <a:srgbClr val="020302"/>
@@ -6463,17 +5790,7 @@
                           <a:latin typeface="AdobeClean-Light"/>
                           <a:cs typeface="AdobeClean-Light"/>
                         </a:rPr>
-                        <a:t>a </a:t>
-                      </a:r>
-                      <a:r>
-                        <a:rPr sz="900" spc="0" dirty="0">
-                          <a:solidFill>
-                            <a:srgbClr val="020302"/>
-                          </a:solidFill>
-                          <a:latin typeface="AdobeClean-Light"/>
-                          <a:cs typeface="AdobeClean-Light"/>
-                        </a:rPr>
-                        <a:t>new solution</a:t>
+                        <a:t>Launch Advisory Services – 新解决方案的第一年</a:t>
                       </a:r>
                       <a:endParaRPr sz="900" spc="0" dirty="0">
                         <a:latin typeface="AdobeClean-Light"/>
@@ -6490,11 +5807,11 @@
                         </a:spcBef>
                       </a:pPr>
                       <a:r>
-                        <a:rPr sz="900" spc="0" dirty="0">
+                        <a:rPr lang="en-US" sz="900" spc="0" dirty="0">
                           <a:latin typeface="AdobeClean-Light"/>
                           <a:cs typeface="AdobeClean-Light"/>
                         </a:rPr>
-                        <a:t>Field Service Activities</a:t>
+                        <a:t>现场服务活动</a:t>
                       </a:r>
                     </a:p>
                   </a:txBody>
@@ -6536,8 +5853,8 @@
                         </a:lnSpc>
                       </a:pPr>
                       <a:endParaRPr sz="900" spc="0" dirty="0">
-                        <a:latin typeface="Times New Roman"/>
-                        <a:cs typeface="Times New Roman"/>
+                        <a:latin typeface="Times New Roman" panose="02020603050405020304"/>
+                        <a:cs typeface="Times New Roman" panose="02020603050405020304"/>
                       </a:endParaRPr>
                     </a:p>
                   </a:txBody>
@@ -6572,8 +5889,8 @@
                         </a:lnSpc>
                       </a:pPr>
                       <a:endParaRPr sz="900" spc="0">
-                        <a:latin typeface="Times New Roman"/>
-                        <a:cs typeface="Times New Roman"/>
+                        <a:latin typeface="Times New Roman" panose="02020603050405020304"/>
+                        <a:cs typeface="Times New Roman" panose="02020603050405020304"/>
                       </a:endParaRPr>
                     </a:p>
                   </a:txBody>
@@ -6591,15 +5908,7 @@
                     <a:bodyPr/>
                     <a:lstStyle/>
                     <a:p>
-                      <a:pPr>
-                        <a:lnSpc>
-                          <a:spcPct val="100000"/>
-                        </a:lnSpc>
-                      </a:pPr>
-                      <a:endParaRPr sz="900">
-                        <a:latin typeface="Times New Roman"/>
-                        <a:cs typeface="Times New Roman"/>
-                      </a:endParaRPr>
+                      <a:endParaRPr lang="en-US"/>
                     </a:p>
                   </a:txBody>
                   <a:tcPr marL="0" marR="0" marT="0" marB="0">
@@ -6628,18 +5937,18 @@
                         </a:spcBef>
                       </a:pPr>
                       <a:r>
-                        <a:rPr sz="900" spc="0" dirty="0">
+                        <a:rPr lang="en-US" sz="900" spc="0" dirty="0">
                           <a:solidFill>
                             <a:srgbClr val="020302"/>
                           </a:solidFill>
-                          <a:latin typeface="Wingdings"/>
-                          <a:cs typeface="Wingdings"/>
+                          <a:latin typeface="Wingdings" panose="05000000000000000000"/>
+                          <a:cs typeface="Wingdings" panose="05000000000000000000"/>
                         </a:rPr>
                         <a:t></a:t>
                       </a:r>
                       <a:endParaRPr sz="900" spc="0">
-                        <a:latin typeface="Wingdings"/>
-                        <a:cs typeface="Wingdings"/>
+                        <a:latin typeface="Wingdings" panose="05000000000000000000"/>
+                        <a:cs typeface="Wingdings" panose="05000000000000000000"/>
                       </a:endParaRPr>
                     </a:p>
                   </a:txBody>
@@ -6666,18 +5975,18 @@
                         </a:spcBef>
                       </a:pPr>
                       <a:r>
-                        <a:rPr sz="900" spc="0" dirty="0">
+                        <a:rPr lang="en-US" sz="900" spc="0" dirty="0">
                           <a:solidFill>
                             <a:srgbClr val="020302"/>
                           </a:solidFill>
-                          <a:latin typeface="Wingdings"/>
-                          <a:cs typeface="Wingdings"/>
+                          <a:latin typeface="Wingdings" panose="05000000000000000000"/>
+                          <a:cs typeface="Wingdings" panose="05000000000000000000"/>
                         </a:rPr>
                         <a:t></a:t>
                       </a:r>
                       <a:endParaRPr sz="900" spc="0" dirty="0">
-                        <a:latin typeface="Wingdings"/>
-                        <a:cs typeface="Wingdings"/>
+                        <a:latin typeface="Wingdings" panose="05000000000000000000"/>
+                        <a:cs typeface="Wingdings" panose="05000000000000000000"/>
                       </a:endParaRPr>
                     </a:p>
                   </a:txBody>
@@ -6698,7 +6007,7 @@
                 </a:tc>
                 <a:extLst>
                   <a:ext uri="{0D108BD9-81ED-4DB2-BD59-A6C34878D82A}">
-                    <a16:rowId xmlns:a16="http://schemas.microsoft.com/office/drawing/2014/main" val="10015"/>
+                    <a16:rowId xmlns:a16="http://schemas.microsoft.com/office/drawing/2014/main" val="10017"/>
                   </a:ext>
                 </a:extLst>
               </a:tr>
@@ -6718,7 +6027,7 @@
                     <a:bodyPr/>
                     <a:lstStyle/>
                     <a:p>
-                      <a:endParaRPr/>
+                      <a:endParaRPr lang="en-US"/>
                     </a:p>
                   </a:txBody>
                   <a:tcPr marL="0" marR="0" marT="48260" marB="0">
@@ -6759,8 +6068,8 @@
                         </a:lnSpc>
                       </a:pPr>
                       <a:endParaRPr sz="900" spc="0" dirty="0">
-                        <a:latin typeface="Times New Roman"/>
-                        <a:cs typeface="Times New Roman"/>
+                        <a:latin typeface="Times New Roman" panose="02020603050405020304"/>
+                        <a:cs typeface="Times New Roman" panose="02020603050405020304"/>
                       </a:endParaRPr>
                     </a:p>
                   </a:txBody>
@@ -6795,8 +6104,8 @@
                         </a:lnSpc>
                       </a:pPr>
                       <a:endParaRPr sz="900" spc="0">
-                        <a:latin typeface="Times New Roman"/>
-                        <a:cs typeface="Times New Roman"/>
+                        <a:latin typeface="Times New Roman" panose="02020603050405020304"/>
+                        <a:cs typeface="Times New Roman" panose="02020603050405020304"/>
                       </a:endParaRPr>
                     </a:p>
                   </a:txBody>
@@ -6814,15 +6123,7 @@
                     <a:bodyPr/>
                     <a:lstStyle/>
                     <a:p>
-                      <a:pPr>
-                        <a:lnSpc>
-                          <a:spcPct val="100000"/>
-                        </a:lnSpc>
-                      </a:pPr>
-                      <a:endParaRPr sz="900">
-                        <a:latin typeface="Times New Roman"/>
-                        <a:cs typeface="Times New Roman"/>
-                      </a:endParaRPr>
+                      <a:endParaRPr lang="en-US"/>
                     </a:p>
                   </a:txBody>
                   <a:tcPr marL="0" marR="0" marT="0" marB="0">
@@ -6848,7 +6149,7 @@
                         </a:spcBef>
                       </a:pPr>
                       <a:r>
-                        <a:rPr sz="900" spc="0" dirty="0">
+                        <a:rPr lang="en-US" sz="900" spc="0" dirty="0">
                           <a:solidFill>
                             <a:srgbClr val="020302"/>
                           </a:solidFill>
@@ -6886,7 +6187,7 @@
                         </a:spcBef>
                       </a:pPr>
                       <a:r>
-                        <a:rPr sz="900" spc="0" dirty="0">
+                        <a:rPr lang="en-US" sz="900" spc="0" dirty="0">
                           <a:solidFill>
                             <a:srgbClr val="020302"/>
                           </a:solidFill>
@@ -6918,7 +6219,7 @@
                 </a:tc>
                 <a:extLst>
                   <a:ext uri="{0D108BD9-81ED-4DB2-BD59-A6C34878D82A}">
-                    <a16:rowId xmlns:a16="http://schemas.microsoft.com/office/drawing/2014/main" val="10016"/>
+                    <a16:rowId xmlns:a16="http://schemas.microsoft.com/office/drawing/2014/main" val="10018"/>
                   </a:ext>
                 </a:extLst>
               </a:tr>
@@ -6939,7 +6240,7 @@
         <p:spPr>
           <a:xfrm>
             <a:off x="5307201" y="9862966"/>
-            <a:ext cx="2270125" cy="132729"/>
+            <a:ext cx="2693799" cy="132729"/>
           </a:xfrm>
           <a:prstGeom prst="rect">
             <a:avLst/>
@@ -6960,23 +6261,15 @@
               </a:spcBef>
             </a:pPr>
             <a:r>
-              <a:rPr spc="-5" dirty="0"/>
-              <a:t>©202</a:t>
-            </a:r>
-            <a:r>
               <a:rPr lang="en-US" spc="-5" dirty="0"/>
-              <a:t>1</a:t>
-            </a:r>
-            <a:r>
-              <a:rPr spc="-5" dirty="0"/>
-              <a:t> Adobe. All Rights Reserved. Adobe</a:t>
-            </a:r>
-            <a:r>
-              <a:rPr spc="60" dirty="0"/>
+              <a:t>©2021 Adobe.All Rights Reserved.Adobe</a:t>
+            </a:r>
+            <a:r>
+              <a:rPr lang="en-US" spc="60" dirty="0"/>
               <a:t> </a:t>
             </a:r>
             <a:r>
-              <a:rPr spc="-5" dirty="0"/>
+              <a:rPr lang="en-US" spc="-5" dirty="0"/>
               <a:t>Confidential.</a:t>
             </a:r>
           </a:p>
@@ -6991,14 +6284,14 @@
           <p:nvPr>
             <p:extLst>
               <p:ext uri="{D42A27DB-BD31-4B8C-83A1-F6EECF244321}">
-                <p14:modId xmlns:p14="http://schemas.microsoft.com/office/powerpoint/2010/main" val="4081524108"/>
+                <p14:modId xmlns:p14="http://schemas.microsoft.com/office/powerpoint/2010/main" val="893930338"/>
               </p:ext>
             </p:extLst>
           </p:nvPr>
         </p:nvGraphicFramePr>
         <p:xfrm>
           <a:off x="33527" y="7483227"/>
-          <a:ext cx="7705343" cy="2172787"/>
+          <a:ext cx="7705343" cy="2088582"/>
         </p:xfrm>
         <a:graphic>
           <a:graphicData uri="http://schemas.openxmlformats.org/drawingml/2006/table">
@@ -7058,14 +6351,14 @@
                         </a:spcBef>
                       </a:pPr>
                       <a:r>
-                        <a:rPr sz="900" spc="0" dirty="0">
+                        <a:rPr lang="en-US" sz="900" spc="0" dirty="0">
                           <a:solidFill>
                             <a:srgbClr val="020302"/>
                           </a:solidFill>
                           <a:latin typeface="Adobe Clean"/>
                           <a:cs typeface="Adobe Clean"/>
                         </a:rPr>
-                        <a:t>Priority</a:t>
+                        <a:t>优先级</a:t>
                       </a:r>
                       <a:endParaRPr sz="900" spc="0" dirty="0">
                         <a:latin typeface="Adobe Clean"/>
@@ -7117,16 +6410,6 @@
                         </a:spcBef>
                       </a:pPr>
                       <a:r>
-                        <a:rPr sz="900" spc="0" dirty="0">
-                          <a:solidFill>
-                            <a:srgbClr val="020302"/>
-                          </a:solidFill>
-                          <a:latin typeface="Adobe Clean"/>
-                          <a:cs typeface="Adobe Clean"/>
-                        </a:rPr>
-                        <a:t>Online </a:t>
-                      </a:r>
-                      <a:r>
                         <a:rPr lang="en-US" sz="900" spc="0" dirty="0">
                           <a:solidFill>
                             <a:srgbClr val="020302"/>
@@ -7134,17 +6417,7 @@
                           <a:latin typeface="Adobe Clean"/>
                           <a:cs typeface="Adobe Clean"/>
                         </a:rPr>
-                        <a:t> </a:t>
-                      </a:r>
-                      <a:r>
-                        <a:rPr sz="900" spc="0" dirty="0">
-                          <a:solidFill>
-                            <a:srgbClr val="020302"/>
-                          </a:solidFill>
-                          <a:latin typeface="Adobe Clean"/>
-                          <a:cs typeface="Adobe Clean"/>
-                        </a:rPr>
-                        <a:t>Support</a:t>
+                        <a:t>在线支持</a:t>
                       </a:r>
                       <a:endParaRPr sz="900" spc="0" dirty="0">
                         <a:latin typeface="Adobe Clean"/>
@@ -7171,14 +6444,11 @@
                       </a:solidFill>
                       <a:prstDash val="solid"/>
                     </a:lnT>
-                    <a:lnB w="76200" cap="flat" cmpd="sng" algn="ctr">
+                    <a:lnB w="76200">
                       <a:solidFill>
                         <a:srgbClr val="858585"/>
                       </a:solidFill>
                       <a:prstDash val="solid"/>
-                      <a:round/>
-                      <a:headEnd type="none" w="med" len="med"/>
-                      <a:tailEnd type="none" w="med" len="med"/>
                     </a:lnB>
                     <a:solidFill>
                       <a:srgbClr val="D9D9D9"/>
@@ -7199,16 +6469,6 @@
                         </a:spcBef>
                       </a:pPr>
                       <a:r>
-                        <a:rPr sz="900" spc="0" dirty="0">
-                          <a:solidFill>
-                            <a:srgbClr val="FFFFFF"/>
-                          </a:solidFill>
-                          <a:latin typeface="Adobe Clean"/>
-                          <a:cs typeface="Adobe Clean"/>
-                        </a:rPr>
-                        <a:t>Business</a:t>
-                      </a:r>
-                      <a:r>
                         <a:rPr lang="en-US" sz="900" spc="0" dirty="0">
                           <a:solidFill>
                             <a:srgbClr val="FFFFFF"/>
@@ -7216,17 +6476,7 @@
                           <a:latin typeface="Adobe Clean"/>
                           <a:cs typeface="Adobe Clean"/>
                         </a:rPr>
-                        <a:t> </a:t>
-                      </a:r>
-                      <a:r>
-                        <a:rPr sz="900" spc="0" dirty="0">
-                          <a:solidFill>
-                            <a:srgbClr val="FFFFFF"/>
-                          </a:solidFill>
-                          <a:latin typeface="Adobe Clean"/>
-                          <a:cs typeface="Adobe Clean"/>
-                        </a:rPr>
-                        <a:t>Support</a:t>
+                        <a:t>商业支持</a:t>
                       </a:r>
                       <a:endParaRPr sz="900" spc="0" dirty="0">
                         <a:latin typeface="Adobe Clean"/>
@@ -7253,14 +6503,11 @@
                       </a:solidFill>
                       <a:prstDash val="solid"/>
                     </a:lnT>
-                    <a:lnB w="76200" cap="flat" cmpd="sng" algn="ctr">
+                    <a:lnB w="76200">
                       <a:solidFill>
                         <a:srgbClr val="ACD2FF"/>
                       </a:solidFill>
                       <a:prstDash val="solid"/>
-                      <a:round/>
-                      <a:headEnd type="none" w="med" len="med"/>
-                      <a:tailEnd type="none" w="med" len="med"/>
                     </a:lnB>
                     <a:solidFill>
                       <a:srgbClr val="7D7D7D"/>
@@ -7281,16 +6528,6 @@
                         </a:spcBef>
                       </a:pPr>
                       <a:r>
-                        <a:rPr sz="900" spc="0" dirty="0">
-                          <a:solidFill>
-                            <a:srgbClr val="FFFFFF"/>
-                          </a:solidFill>
-                          <a:latin typeface="Adobe Clean"/>
-                          <a:cs typeface="Adobe Clean"/>
-                        </a:rPr>
-                        <a:t>Enterprise </a:t>
-                      </a:r>
-                      <a:r>
                         <a:rPr lang="en-US" sz="900" spc="0" dirty="0">
                           <a:solidFill>
                             <a:srgbClr val="FFFFFF"/>
@@ -7298,17 +6535,7 @@
                           <a:latin typeface="Adobe Clean"/>
                           <a:cs typeface="Adobe Clean"/>
                         </a:rPr>
-                        <a:t> </a:t>
-                      </a:r>
-                      <a:r>
-                        <a:rPr sz="900" spc="0" dirty="0">
-                          <a:solidFill>
-                            <a:srgbClr val="FFFFFF"/>
-                          </a:solidFill>
-                          <a:latin typeface="Adobe Clean"/>
-                          <a:cs typeface="Adobe Clean"/>
-                        </a:rPr>
-                        <a:t>Support</a:t>
+                        <a:t>企业支持</a:t>
                       </a:r>
                       <a:endParaRPr sz="900" spc="0" dirty="0">
                         <a:latin typeface="Adobe Clean"/>
@@ -7335,14 +6562,11 @@
                       </a:solidFill>
                       <a:prstDash val="solid"/>
                     </a:lnT>
-                    <a:lnB w="76200" cap="flat" cmpd="sng" algn="ctr">
+                    <a:lnB w="76200">
                       <a:solidFill>
                         <a:srgbClr val="2E8FFF"/>
                       </a:solidFill>
                       <a:prstDash val="solid"/>
-                      <a:round/>
-                      <a:headEnd type="none" w="med" len="med"/>
-                      <a:tailEnd type="none" w="med" len="med"/>
                     </a:lnB>
                     <a:solidFill>
                       <a:srgbClr val="404040"/>
@@ -7363,16 +6587,6 @@
                         </a:spcBef>
                       </a:pPr>
                       <a:r>
-                        <a:rPr sz="900" spc="0" dirty="0">
-                          <a:solidFill>
-                            <a:srgbClr val="FFFFFF"/>
-                          </a:solidFill>
-                          <a:latin typeface="Adobe Clean"/>
-                          <a:cs typeface="Adobe Clean"/>
-                        </a:rPr>
-                        <a:t>Elite</a:t>
-                      </a:r>
-                      <a:r>
                         <a:rPr lang="en-US" sz="900" spc="0" dirty="0">
                           <a:solidFill>
                             <a:srgbClr val="FFFFFF"/>
@@ -7380,17 +6594,7 @@
                           <a:latin typeface="Adobe Clean"/>
                           <a:cs typeface="Adobe Clean"/>
                         </a:rPr>
-                        <a:t> </a:t>
-                      </a:r>
-                      <a:r>
-                        <a:rPr sz="900" spc="0" dirty="0">
-                          <a:solidFill>
-                            <a:srgbClr val="FFFFFF"/>
-                          </a:solidFill>
-                          <a:latin typeface="Adobe Clean"/>
-                          <a:cs typeface="Adobe Clean"/>
-                        </a:rPr>
-                        <a:t>Support</a:t>
+                        <a:t>高级支持</a:t>
                       </a:r>
                       <a:endParaRPr sz="900" spc="0" dirty="0">
                         <a:latin typeface="Adobe Clean"/>
@@ -7417,14 +6621,11 @@
                       </a:solidFill>
                       <a:prstDash val="solid"/>
                     </a:lnT>
-                    <a:lnB w="76200" cap="flat" cmpd="sng" algn="ctr">
+                    <a:lnB w="76200">
                       <a:solidFill>
                         <a:srgbClr val="0068E1"/>
                       </a:solidFill>
                       <a:prstDash val="solid"/>
-                      <a:round/>
-                      <a:headEnd type="none" w="med" len="med"/>
-                      <a:tailEnd type="none" w="med" len="med"/>
                     </a:lnB>
                     <a:solidFill>
                       <a:srgbClr val="000000"/>
@@ -7452,14 +6653,14 @@
                         </a:spcBef>
                       </a:pPr>
                       <a:r>
-                        <a:rPr sz="900" b="1" spc="0" dirty="0">
+                        <a:rPr lang="en-US" sz="900" b="1" spc="0" dirty="0">
                           <a:solidFill>
                             <a:srgbClr val="020302"/>
                           </a:solidFill>
                           <a:latin typeface="Adobe Clean"/>
                           <a:cs typeface="Adobe Clean"/>
                         </a:rPr>
-                        <a:t>PRIORITY 1</a:t>
+                        <a:t>优先级 1</a:t>
                       </a:r>
                       <a:endParaRPr sz="900" spc="0" dirty="0">
                         <a:latin typeface="Adobe Clean"/>
@@ -7483,7 +6684,7 @@
                           <a:effectLst/>
                           <a:latin typeface="Adobe Clean Light" panose="020B0303020404020204" pitchFamily="34" charset="0"/>
                         </a:rPr>
-                        <a:t>Customer's production business functions are down or have significant data loss or service degradation and immediate attention is required to restore functionality and usability. </a:t>
+                        <a:t>客户的生产业务功能中断或发生重大数据丢失或服务降级，需要立即关注以恢复功能和可用性。</a:t>
                       </a:r>
                       <a:endParaRPr sz="900" spc="0" dirty="0">
                         <a:latin typeface="AdobeClean-Light"/>
@@ -7498,14 +6699,11 @@
                       </a:solidFill>
                       <a:prstDash val="solid"/>
                     </a:lnL>
-                    <a:lnR w="3175" cap="flat" cmpd="sng" algn="ctr">
+                    <a:lnR w="3175">
                       <a:solidFill>
                         <a:srgbClr val="B7B8B8"/>
                       </a:solidFill>
                       <a:prstDash val="solid"/>
-                      <a:round/>
-                      <a:headEnd type="none" w="med" len="med"/>
-                      <a:tailEnd type="none" w="med" len="med"/>
                     </a:lnR>
                     <a:lnT w="3175">
                       <a:solidFill>
@@ -7526,20 +6724,31 @@
                     <a:bodyPr/>
                     <a:lstStyle/>
                     <a:p>
-                      <a:pPr algn="ctr" fontAlgn="t"/>
+                      <a:pPr marL="0" marR="325120" indent="-3810" algn="ctr">
+                        <a:lnSpc>
+                          <a:spcPct val="100000"/>
+                        </a:lnSpc>
+                        <a:spcBef>
+                          <a:spcPts val="670"/>
+                        </a:spcBef>
+                      </a:pPr>
                       <a:r>
-                        <a:rPr lang="en-US" sz="900" b="0" i="0" u="none" strike="noStrike">
+                        <a:rPr lang="en-US" sz="900" spc="0" dirty="0">
                           <a:solidFill>
                             <a:srgbClr val="020302"/>
                           </a:solidFill>
-                          <a:effectLst/>
-                          <a:latin typeface="AdobeClean-Light" panose="020B0503020404020204" pitchFamily="34" charset="0"/>
+                          <a:latin typeface="AdobeClean-Light"/>
+                          <a:cs typeface="AdobeClean-Light"/>
                         </a:rPr>
-                        <a:t>24x7 / 1 hour</a:t>
+                        <a:t>全天候/1 小时</a:t>
                       </a:r>
-                    </a:p>
-                  </a:txBody>
-                  <a:tcPr marL="9525" marR="9525" marT="9525" marB="0" anchor="ctr">
+                      <a:endParaRPr sz="900" spc="0" dirty="0">
+                        <a:latin typeface="AdobeClean-Light"/>
+                        <a:cs typeface="AdobeClean-Light"/>
+                      </a:endParaRPr>
+                    </a:p>
+                  </a:txBody>
+                  <a:tcPr marL="0" marR="0" marT="0" marB="0" anchor="ctr">
                     <a:lnL w="3175">
                       <a:solidFill>
                         <a:srgbClr val="B7B8B8"/>
@@ -7571,20 +6780,31 @@
                     <a:bodyPr/>
                     <a:lstStyle/>
                     <a:p>
-                      <a:pPr algn="ctr" fontAlgn="t"/>
+                      <a:pPr marL="0" marR="325755" indent="-3810" algn="ctr">
+                        <a:lnSpc>
+                          <a:spcPct val="100000"/>
+                        </a:lnSpc>
+                        <a:spcBef>
+                          <a:spcPts val="670"/>
+                        </a:spcBef>
+                      </a:pPr>
                       <a:r>
-                        <a:rPr lang="en-US" sz="900" b="0" i="0" u="none" strike="noStrike">
+                        <a:rPr lang="en-US" sz="900" spc="0" dirty="0">
                           <a:solidFill>
                             <a:srgbClr val="020302"/>
                           </a:solidFill>
-                          <a:effectLst/>
-                          <a:latin typeface="AdobeClean-Light" panose="020B0503020404020204" pitchFamily="34" charset="0"/>
+                          <a:latin typeface="AdobeClean-Light"/>
+                          <a:cs typeface="AdobeClean-Light"/>
                         </a:rPr>
-                        <a:t>24x7 / 1 hour</a:t>
+                        <a:t>全天候/1 小时</a:t>
                       </a:r>
-                    </a:p>
-                  </a:txBody>
-                  <a:tcPr marL="9525" marR="9525" marT="9525" marB="0" anchor="ctr">
+                      <a:endParaRPr sz="900" spc="0" dirty="0">
+                        <a:latin typeface="AdobeClean-Light"/>
+                        <a:cs typeface="AdobeClean-Light"/>
+                      </a:endParaRPr>
+                    </a:p>
+                  </a:txBody>
+                  <a:tcPr marL="0" marR="0" marT="0" marB="0" anchor="ctr">
                     <a:lnL w="3175">
                       <a:solidFill>
                         <a:srgbClr val="B7B8B8"/>
@@ -7616,20 +6836,31 @@
                     <a:bodyPr/>
                     <a:lstStyle/>
                     <a:p>
-                      <a:pPr algn="ctr" fontAlgn="t"/>
+                      <a:pPr marL="0" marR="258445" indent="115570" algn="ctr">
+                        <a:lnSpc>
+                          <a:spcPct val="100000"/>
+                        </a:lnSpc>
+                        <a:spcBef>
+                          <a:spcPts val="670"/>
+                        </a:spcBef>
+                      </a:pPr>
                       <a:r>
-                        <a:rPr lang="en-US" sz="900" b="0" i="0" u="none" strike="noStrike">
+                        <a:rPr lang="en-US" sz="900" spc="0" dirty="0">
                           <a:solidFill>
                             <a:srgbClr val="020302"/>
                           </a:solidFill>
-                          <a:effectLst/>
-                          <a:latin typeface="AdobeClean-Light" panose="020B0503020404020204" pitchFamily="34" charset="0"/>
+                          <a:latin typeface="AdobeClean-Light"/>
+                          <a:cs typeface="AdobeClean-Light"/>
                         </a:rPr>
-                        <a:t>24x7 / 30 minutes</a:t>
+                        <a:t>全天候/30 分钟</a:t>
                       </a:r>
-                    </a:p>
-                  </a:txBody>
-                  <a:tcPr marL="9525" marR="9525" marT="9525" marB="0" anchor="ctr">
+                      <a:endParaRPr sz="900" spc="0" dirty="0">
+                        <a:latin typeface="AdobeClean-Light"/>
+                        <a:cs typeface="AdobeClean-Light"/>
+                      </a:endParaRPr>
+                    </a:p>
+                  </a:txBody>
+                  <a:tcPr marL="0" marR="0" marT="0" marB="0" anchor="ctr">
                     <a:lnL w="3175">
                       <a:solidFill>
                         <a:srgbClr val="B7B8B8"/>
@@ -7661,20 +6892,31 @@
                     <a:bodyPr/>
                     <a:lstStyle/>
                     <a:p>
-                      <a:pPr algn="ctr" fontAlgn="t"/>
+                      <a:pPr marL="0" marR="271780" indent="103505" algn="ctr">
+                        <a:lnSpc>
+                          <a:spcPct val="100000"/>
+                        </a:lnSpc>
+                        <a:spcBef>
+                          <a:spcPts val="670"/>
+                        </a:spcBef>
+                      </a:pPr>
                       <a:r>
-                        <a:rPr lang="en-US" sz="900" b="0" i="0" u="none" strike="noStrike">
+                        <a:rPr lang="en-US" sz="900" spc="0" dirty="0">
                           <a:solidFill>
                             <a:srgbClr val="020302"/>
                           </a:solidFill>
-                          <a:effectLst/>
-                          <a:latin typeface="AdobeClean-Light" panose="020B0503020404020204" pitchFamily="34" charset="0"/>
+                          <a:latin typeface="AdobeClean-Light"/>
+                          <a:cs typeface="AdobeClean-Light"/>
                         </a:rPr>
-                        <a:t>24x7 / 15 minutes</a:t>
+                        <a:t>全天候/15 分钟</a:t>
                       </a:r>
-                    </a:p>
-                  </a:txBody>
-                  <a:tcPr marL="9525" marR="9525" marT="9525" marB="0" anchor="ctr">
+                      <a:endParaRPr sz="900" spc="0" dirty="0">
+                        <a:latin typeface="AdobeClean-Light"/>
+                        <a:cs typeface="AdobeClean-Light"/>
+                      </a:endParaRPr>
+                    </a:p>
+                  </a:txBody>
+                  <a:tcPr marL="0" marR="0" marT="0" marB="0" anchor="ctr">
                     <a:lnL w="3175">
                       <a:solidFill>
                         <a:srgbClr val="B7B8B8"/>
@@ -7722,14 +6964,14 @@
                         </a:spcBef>
                       </a:pPr>
                       <a:r>
-                        <a:rPr sz="900" b="1" spc="0" dirty="0">
+                        <a:rPr lang="en-US" sz="900" b="1" spc="0" dirty="0">
                           <a:solidFill>
                             <a:srgbClr val="020302"/>
                           </a:solidFill>
                           <a:latin typeface="Adobe Clean"/>
                           <a:cs typeface="Adobe Clean"/>
                         </a:rPr>
-                        <a:t>PRIORITY 2</a:t>
+                        <a:t>优先级 2</a:t>
                       </a:r>
                       <a:endParaRPr sz="900" spc="0" dirty="0">
                         <a:latin typeface="Adobe Clean"/>
@@ -7751,7 +6993,6 @@
                         <a:buSzTx/>
                         <a:buFontTx/>
                         <a:buNone/>
-                        <a:tabLst/>
                         <a:defRPr/>
                       </a:pPr>
                       <a:r>
@@ -7762,7 +7003,7 @@
                           <a:effectLst/>
                           <a:latin typeface="Adobe Clean Light" panose="020B0303020404020204" pitchFamily="34" charset="0"/>
                         </a:rPr>
-                        <a:t>Customer's business functions have major service degradation or potential data loss, or a major feature is impacted </a:t>
+                        <a:t>客户的业务功能发生重大服务降级或潜在数据丢失，或主要功能受到影响</a:t>
                       </a:r>
                       <a:endParaRPr sz="900" b="0" i="0" spc="0" dirty="0">
                         <a:latin typeface="Adobe Clean Light" panose="020B0303020404020204" pitchFamily="34" charset="0"/>
@@ -7777,14 +7018,11 @@
                       </a:solidFill>
                       <a:prstDash val="solid"/>
                     </a:lnL>
-                    <a:lnR w="3175" cap="flat" cmpd="sng" algn="ctr">
+                    <a:lnR w="3175">
                       <a:solidFill>
                         <a:srgbClr val="B7B8B8"/>
                       </a:solidFill>
                       <a:prstDash val="solid"/>
-                      <a:round/>
-                      <a:headEnd type="none" w="med" len="med"/>
-                      <a:tailEnd type="none" w="med" len="med"/>
                     </a:lnR>
                     <a:lnT w="3175">
                       <a:solidFill>
@@ -7805,20 +7043,31 @@
                     <a:bodyPr/>
                     <a:lstStyle/>
                     <a:p>
-                      <a:pPr algn="ctr" fontAlgn="t"/>
+                      <a:pPr marL="0" marR="184785" indent="-193675" algn="ctr">
+                        <a:lnSpc>
+                          <a:spcPct val="100000"/>
+                        </a:lnSpc>
+                        <a:spcBef>
+                          <a:spcPts val="670"/>
+                        </a:spcBef>
+                      </a:pPr>
                       <a:r>
-                        <a:rPr lang="en-US" sz="900" b="0" i="0" u="none" strike="noStrike">
+                        <a:rPr lang="en-US" sz="900" spc="0" dirty="0">
                           <a:solidFill>
                             <a:srgbClr val="020302"/>
                           </a:solidFill>
-                          <a:effectLst/>
-                          <a:latin typeface="AdobeClean-Light" panose="020B0503020404020204" pitchFamily="34" charset="0"/>
+                          <a:latin typeface="AdobeClean-Light"/>
+                          <a:cs typeface="AdobeClean-Light"/>
                         </a:rPr>
-                        <a:t>Business hours / 4 hours</a:t>
+                        <a:t>营业时间/4 小时</a:t>
                       </a:r>
-                    </a:p>
-                  </a:txBody>
-                  <a:tcPr marL="9525" marR="9525" marT="9525" marB="0" anchor="ctr">
+                      <a:endParaRPr sz="900" spc="0" dirty="0">
+                        <a:latin typeface="AdobeClean-Light"/>
+                        <a:cs typeface="AdobeClean-Light"/>
+                      </a:endParaRPr>
+                    </a:p>
+                  </a:txBody>
+                  <a:tcPr marL="0" marR="0" marT="0" marB="0" anchor="ctr">
                     <a:lnL w="3175">
                       <a:solidFill>
                         <a:srgbClr val="B7B8B8"/>
@@ -7850,20 +7099,31 @@
                     <a:bodyPr/>
                     <a:lstStyle/>
                     <a:p>
-                      <a:pPr algn="ctr" fontAlgn="t"/>
+                      <a:pPr marL="0" marR="184785" indent="-194310" algn="ctr">
+                        <a:lnSpc>
+                          <a:spcPct val="100000"/>
+                        </a:lnSpc>
+                        <a:spcBef>
+                          <a:spcPts val="670"/>
+                        </a:spcBef>
+                      </a:pPr>
                       <a:r>
-                        <a:rPr lang="en-US" sz="900" b="0" i="0" u="none" strike="noStrike">
+                        <a:rPr lang="en-US" sz="900" spc="0" dirty="0">
                           <a:solidFill>
                             <a:srgbClr val="020302"/>
                           </a:solidFill>
-                          <a:effectLst/>
-                          <a:latin typeface="AdobeClean-Light" panose="020B0503020404020204" pitchFamily="34" charset="0"/>
+                          <a:latin typeface="AdobeClean-Light"/>
+                          <a:cs typeface="AdobeClean-Light"/>
                         </a:rPr>
-                        <a:t>Business hours / 2 hours</a:t>
+                        <a:t>营业时间/2 小时</a:t>
                       </a:r>
-                    </a:p>
-                  </a:txBody>
-                  <a:tcPr marL="9525" marR="9525" marT="9525" marB="0" anchor="ctr">
+                      <a:endParaRPr sz="900" spc="0" dirty="0">
+                        <a:latin typeface="AdobeClean-Light"/>
+                        <a:cs typeface="AdobeClean-Light"/>
+                      </a:endParaRPr>
+                    </a:p>
+                  </a:txBody>
+                  <a:tcPr marL="0" marR="0" marT="0" marB="0" anchor="ctr">
                     <a:lnL w="3175">
                       <a:solidFill>
                         <a:srgbClr val="B7B8B8"/>
@@ -7895,20 +7155,31 @@
                     <a:bodyPr/>
                     <a:lstStyle/>
                     <a:p>
-                      <a:pPr algn="ctr" fontAlgn="t"/>
+                      <a:pPr marL="0" marR="325755" indent="-5715" algn="ctr">
+                        <a:lnSpc>
+                          <a:spcPct val="100000"/>
+                        </a:lnSpc>
+                        <a:spcBef>
+                          <a:spcPts val="670"/>
+                        </a:spcBef>
+                      </a:pPr>
                       <a:r>
-                        <a:rPr lang="en-US" sz="900" b="0" i="0" u="none" strike="noStrike">
+                        <a:rPr lang="en-US" sz="900" spc="0" dirty="0">
                           <a:solidFill>
                             <a:srgbClr val="020302"/>
                           </a:solidFill>
-                          <a:effectLst/>
-                          <a:latin typeface="AdobeClean-Light" panose="020B0503020404020204" pitchFamily="34" charset="0"/>
+                          <a:latin typeface="AdobeClean-Light"/>
+                          <a:cs typeface="AdobeClean-Light"/>
                         </a:rPr>
-                        <a:t>24x5 / 1 hour</a:t>
+                        <a:t>工作日全天候/1 小时</a:t>
                       </a:r>
-                    </a:p>
-                  </a:txBody>
-                  <a:tcPr marL="9525" marR="9525" marT="9525" marB="0" anchor="ctr">
+                      <a:endParaRPr sz="900" spc="0" dirty="0">
+                        <a:latin typeface="AdobeClean-Light"/>
+                        <a:cs typeface="AdobeClean-Light"/>
+                      </a:endParaRPr>
+                    </a:p>
+                  </a:txBody>
+                  <a:tcPr marL="0" marR="0" marT="0" marB="0" anchor="ctr">
                     <a:lnL w="3175">
                       <a:solidFill>
                         <a:srgbClr val="B7B8B8"/>
@@ -7940,20 +7211,31 @@
                     <a:bodyPr/>
                     <a:lstStyle/>
                     <a:p>
-                      <a:pPr algn="ctr" fontAlgn="t"/>
+                      <a:pPr marL="0" marR="259080" indent="111760" algn="ctr">
+                        <a:lnSpc>
+                          <a:spcPct val="100000"/>
+                        </a:lnSpc>
+                        <a:spcBef>
+                          <a:spcPts val="670"/>
+                        </a:spcBef>
+                      </a:pPr>
                       <a:r>
-                        <a:rPr lang="en-US" sz="900" b="0" i="0" u="none" strike="noStrike">
+                        <a:rPr lang="en-US" sz="900" spc="0" dirty="0">
                           <a:solidFill>
                             <a:srgbClr val="020302"/>
                           </a:solidFill>
-                          <a:effectLst/>
-                          <a:latin typeface="AdobeClean-Light" panose="020B0503020404020204" pitchFamily="34" charset="0"/>
+                          <a:latin typeface="AdobeClean-Light"/>
+                          <a:cs typeface="AdobeClean-Light"/>
                         </a:rPr>
-                        <a:t>24x5 / 30 minutes</a:t>
+                        <a:t>工作日全天候/30 分钟</a:t>
                       </a:r>
-                    </a:p>
-                  </a:txBody>
-                  <a:tcPr marL="9525" marR="9525" marT="9525" marB="0" anchor="ctr">
+                      <a:endParaRPr sz="900" spc="0" dirty="0">
+                        <a:latin typeface="AdobeClean-Light"/>
+                        <a:cs typeface="AdobeClean-Light"/>
+                      </a:endParaRPr>
+                    </a:p>
+                  </a:txBody>
+                  <a:tcPr marL="0" marR="0" marT="0" marB="0" anchor="ctr">
                     <a:lnL w="3175">
                       <a:solidFill>
                         <a:srgbClr val="B7B8B8"/>
@@ -8001,16 +7283,6 @@
                         </a:spcBef>
                       </a:pPr>
                       <a:r>
-                        <a:rPr sz="900" b="1" spc="0" dirty="0">
-                          <a:solidFill>
-                            <a:srgbClr val="020302"/>
-                          </a:solidFill>
-                          <a:latin typeface="Adobe Clean"/>
-                          <a:cs typeface="Adobe Clean"/>
-                        </a:rPr>
-                        <a:t>PRIORITY</a:t>
-                      </a:r>
-                      <a:r>
                         <a:rPr lang="en-US" sz="900" b="1" spc="0" dirty="0">
                           <a:solidFill>
                             <a:srgbClr val="020302"/>
@@ -8018,7 +7290,7 @@
                           <a:latin typeface="Adobe Clean"/>
                           <a:cs typeface="Adobe Clean"/>
                         </a:rPr>
-                        <a:t> 3</a:t>
+                        <a:t>优先级 3</a:t>
                       </a:r>
                       <a:endParaRPr lang="en-US" sz="900" spc="0" dirty="0">
                         <a:latin typeface="Adobe Clean"/>
@@ -8040,7 +7312,6 @@
                         <a:buSzTx/>
                         <a:buFontTx/>
                         <a:buNone/>
-                        <a:tabLst/>
                         <a:defRPr/>
                       </a:pPr>
                       <a:r>
@@ -8058,7 +7329,7 @@
                           <a:ea typeface="+mn-ea"/>
                           <a:cs typeface="+mn-cs"/>
                         </a:rPr>
-                        <a:t>Customer's business functions have minor service degradation but there exists a solution/workaround allowing business functions to continue normally </a:t>
+                        <a:t>客户的业务功能发生轻微的服务降级，但有解决方案/解决方法可让业务功能继续正常工作</a:t>
                       </a:r>
                       <a:endParaRPr lang="en-US" sz="900" b="0" i="0" spc="0" dirty="0">
                         <a:latin typeface="Adobe Clean Light" panose="020B0303020404020204" pitchFamily="34" charset="0"/>
@@ -8073,14 +7344,11 @@
                       </a:solidFill>
                       <a:prstDash val="solid"/>
                     </a:lnL>
-                    <a:lnR w="3175" cap="flat" cmpd="sng" algn="ctr">
+                    <a:lnR w="3175">
                       <a:solidFill>
                         <a:srgbClr val="B7B8B8"/>
                       </a:solidFill>
                       <a:prstDash val="solid"/>
-                      <a:round/>
-                      <a:headEnd type="none" w="med" len="med"/>
-                      <a:tailEnd type="none" w="med" len="med"/>
                     </a:lnR>
                     <a:lnT w="3175">
                       <a:solidFill>
@@ -8101,20 +7369,31 @@
                     <a:bodyPr/>
                     <a:lstStyle/>
                     <a:p>
-                      <a:pPr algn="ctr" fontAlgn="t"/>
+                      <a:pPr marL="0" marR="184150" indent="-189865" algn="ctr">
+                        <a:lnSpc>
+                          <a:spcPct val="100000"/>
+                        </a:lnSpc>
+                        <a:spcBef>
+                          <a:spcPts val="645"/>
+                        </a:spcBef>
+                      </a:pPr>
                       <a:r>
-                        <a:rPr lang="en-US" sz="900" b="0" i="0" u="none" strike="noStrike">
+                        <a:rPr lang="en-US" sz="900" spc="0" dirty="0">
                           <a:solidFill>
                             <a:srgbClr val="020302"/>
                           </a:solidFill>
-                          <a:effectLst/>
-                          <a:latin typeface="AdobeClean-Light" panose="020B0503020404020204" pitchFamily="34" charset="0"/>
+                          <a:latin typeface="AdobeClean-Light"/>
+                          <a:cs typeface="AdobeClean-Light"/>
                         </a:rPr>
-                        <a:t>Business hours / 6 hours</a:t>
+                        <a:t>营业时间/6 小时</a:t>
                       </a:r>
-                    </a:p>
-                  </a:txBody>
-                  <a:tcPr marL="9525" marR="9525" marT="9525" marB="0" anchor="ctr">
+                      <a:endParaRPr sz="900" spc="0" dirty="0">
+                        <a:latin typeface="AdobeClean-Light"/>
+                        <a:cs typeface="AdobeClean-Light"/>
+                      </a:endParaRPr>
+                    </a:p>
+                  </a:txBody>
+                  <a:tcPr marL="0" marR="0" marT="0" marB="0" anchor="ctr">
                     <a:lnL w="3175">
                       <a:solidFill>
                         <a:srgbClr val="B7B8B8"/>
@@ -8146,20 +7425,31 @@
                     <a:bodyPr/>
                     <a:lstStyle/>
                     <a:p>
-                      <a:pPr algn="ctr" fontAlgn="t"/>
+                      <a:pPr marL="0" marR="185420" indent="-193675" algn="ctr">
+                        <a:lnSpc>
+                          <a:spcPct val="100000"/>
+                        </a:lnSpc>
+                        <a:spcBef>
+                          <a:spcPts val="645"/>
+                        </a:spcBef>
+                      </a:pPr>
                       <a:r>
-                        <a:rPr lang="en-US" sz="900" b="0" i="0" u="none" strike="noStrike">
+                        <a:rPr lang="en-US" sz="900" spc="0" dirty="0">
                           <a:solidFill>
                             <a:srgbClr val="020302"/>
                           </a:solidFill>
-                          <a:effectLst/>
-                          <a:latin typeface="AdobeClean-Light" panose="020B0503020404020204" pitchFamily="34" charset="0"/>
+                          <a:latin typeface="AdobeClean-Light"/>
+                          <a:cs typeface="AdobeClean-Light"/>
                         </a:rPr>
-                        <a:t>Business hours /  4 hours</a:t>
+                        <a:t>营业时间/4 小时</a:t>
                       </a:r>
-                    </a:p>
-                  </a:txBody>
-                  <a:tcPr marL="9525" marR="9525" marT="9525" marB="0" anchor="ctr">
+                      <a:endParaRPr sz="900" spc="0" dirty="0">
+                        <a:latin typeface="AdobeClean-Light"/>
+                        <a:cs typeface="AdobeClean-Light"/>
+                      </a:endParaRPr>
+                    </a:p>
+                  </a:txBody>
+                  <a:tcPr marL="0" marR="0" marT="0" marB="0" anchor="ctr">
                     <a:lnL w="3175">
                       <a:solidFill>
                         <a:srgbClr val="B7B8B8"/>
@@ -8191,20 +7481,31 @@
                     <a:bodyPr/>
                     <a:lstStyle/>
                     <a:p>
-                      <a:pPr algn="ctr" fontAlgn="t"/>
+                      <a:pPr marL="0" marR="184785" indent="-194310" algn="ctr">
+                        <a:lnSpc>
+                          <a:spcPct val="100000"/>
+                        </a:lnSpc>
+                        <a:spcBef>
+                          <a:spcPts val="645"/>
+                        </a:spcBef>
+                      </a:pPr>
                       <a:r>
-                        <a:rPr lang="en-US" sz="900" b="0" i="0" u="none" strike="noStrike">
+                        <a:rPr lang="en-US" sz="900" spc="0" dirty="0">
                           <a:solidFill>
                             <a:srgbClr val="020302"/>
                           </a:solidFill>
-                          <a:effectLst/>
-                          <a:latin typeface="AdobeClean-Light" panose="020B0503020404020204" pitchFamily="34" charset="0"/>
+                          <a:latin typeface="AdobeClean-Light"/>
+                          <a:cs typeface="AdobeClean-Light"/>
                         </a:rPr>
-                        <a:t>Business hours / 2 hours</a:t>
+                        <a:t>营业时间/2 小时</a:t>
                       </a:r>
-                    </a:p>
-                  </a:txBody>
-                  <a:tcPr marL="9525" marR="9525" marT="9525" marB="0" anchor="ctr">
+                      <a:endParaRPr sz="900" spc="0" dirty="0">
+                        <a:latin typeface="AdobeClean-Light"/>
+                        <a:cs typeface="AdobeClean-Light"/>
+                      </a:endParaRPr>
+                    </a:p>
+                  </a:txBody>
+                  <a:tcPr marL="0" marR="0" marT="0" marB="0" anchor="ctr">
                     <a:lnL w="3175">
                       <a:solidFill>
                         <a:srgbClr val="B7B8B8"/>
@@ -8236,20 +7537,31 @@
                     <a:bodyPr/>
                     <a:lstStyle/>
                     <a:p>
-                      <a:pPr algn="ctr" fontAlgn="t"/>
+                      <a:pPr marL="0" marR="326390" indent="-5715" algn="ctr">
+                        <a:lnSpc>
+                          <a:spcPct val="100000"/>
+                        </a:lnSpc>
+                        <a:spcBef>
+                          <a:spcPts val="645"/>
+                        </a:spcBef>
+                      </a:pPr>
                       <a:r>
-                        <a:rPr lang="en-US" sz="900" b="0" i="0" u="none" strike="noStrike">
+                        <a:rPr lang="en-US" sz="900" spc="0" dirty="0">
                           <a:solidFill>
                             <a:srgbClr val="020302"/>
                           </a:solidFill>
-                          <a:effectLst/>
-                          <a:latin typeface="AdobeClean-Light" panose="020B0503020404020204" pitchFamily="34" charset="0"/>
+                          <a:latin typeface="AdobeClean-Light"/>
+                          <a:cs typeface="AdobeClean-Light"/>
                         </a:rPr>
-                        <a:t>24x5 / 1 hour</a:t>
+                        <a:t>工作日全天候/1 小时</a:t>
                       </a:r>
-                    </a:p>
-                  </a:txBody>
-                  <a:tcPr marL="9525" marR="9525" marT="9525" marB="0" anchor="ctr">
+                      <a:endParaRPr sz="900" spc="0" dirty="0">
+                        <a:latin typeface="AdobeClean-Light"/>
+                        <a:cs typeface="AdobeClean-Light"/>
+                      </a:endParaRPr>
+                    </a:p>
+                  </a:txBody>
+                  <a:tcPr marL="0" marR="0" marT="0" marB="0" anchor="ctr">
                     <a:lnL w="3175">
                       <a:solidFill>
                         <a:srgbClr val="B7B8B8"/>
@@ -8297,14 +7609,14 @@
                         </a:spcBef>
                       </a:pPr>
                       <a:r>
-                        <a:rPr sz="900" b="1" spc="0" dirty="0">
+                        <a:rPr lang="en-US" sz="900" b="1" spc="0" dirty="0">
                           <a:solidFill>
                             <a:srgbClr val="020302"/>
                           </a:solidFill>
                           <a:latin typeface="Adobe Clean"/>
                           <a:cs typeface="Adobe Clean"/>
                         </a:rPr>
-                        <a:t>PRIORITY 4</a:t>
+                        <a:t>优先级 4</a:t>
                       </a:r>
                       <a:endParaRPr sz="900" spc="0" dirty="0">
                         <a:latin typeface="Adobe Clean"/>
@@ -8326,7 +7638,6 @@
                         <a:buSzTx/>
                         <a:buFontTx/>
                         <a:buNone/>
-                        <a:tabLst/>
                         <a:defRPr/>
                       </a:pPr>
                       <a:r>
@@ -8337,7 +7648,7 @@
                           <a:effectLst/>
                           <a:latin typeface="Adobe Clean Light" panose="020B0303020404020204" pitchFamily="34" charset="0"/>
                         </a:rPr>
-                        <a:t>General question regarding current product functionality or an enhancement request </a:t>
+                        <a:t>有关当前产品功能或增强功能请求的常见问题</a:t>
                       </a:r>
                       <a:endParaRPr sz="900" b="0" i="0" spc="0" dirty="0">
                         <a:latin typeface="Adobe Clean Light" panose="020B0303020404020204" pitchFamily="34" charset="0"/>
@@ -8352,14 +7663,11 @@
                       </a:solidFill>
                       <a:prstDash val="solid"/>
                     </a:lnL>
-                    <a:lnR w="3175" cap="flat" cmpd="sng" algn="ctr">
+                    <a:lnR w="3175">
                       <a:solidFill>
                         <a:srgbClr val="B7B8B8"/>
                       </a:solidFill>
                       <a:prstDash val="solid"/>
-                      <a:round/>
-                      <a:headEnd type="none" w="med" len="med"/>
-                      <a:tailEnd type="none" w="med" len="med"/>
                     </a:lnR>
                     <a:lnT w="3175">
                       <a:solidFill>
@@ -8380,20 +7688,31 @@
                     <a:bodyPr/>
                     <a:lstStyle/>
                     <a:p>
-                      <a:pPr algn="ctr" fontAlgn="t"/>
+                      <a:pPr marL="0" marR="203200" indent="-193040" algn="ctr">
+                        <a:lnSpc>
+                          <a:spcPct val="100000"/>
+                        </a:lnSpc>
+                        <a:spcBef>
+                          <a:spcPts val="155"/>
+                        </a:spcBef>
+                      </a:pPr>
                       <a:r>
-                        <a:rPr lang="en-US" sz="900" b="0" i="0" u="none" strike="noStrike">
+                        <a:rPr lang="en-US" sz="900" spc="0" dirty="0">
                           <a:solidFill>
                             <a:srgbClr val="020302"/>
                           </a:solidFill>
-                          <a:effectLst/>
-                          <a:latin typeface="AdobeClean-Light" panose="020B0503020404020204" pitchFamily="34" charset="0"/>
+                          <a:latin typeface="AdobeClean-Light"/>
+                          <a:cs typeface="AdobeClean-Light"/>
                         </a:rPr>
-                        <a:t>Business days / 3 days</a:t>
+                        <a:t>工作日/3 天</a:t>
                       </a:r>
-                    </a:p>
-                  </a:txBody>
-                  <a:tcPr marL="9525" marR="9525" marT="9525" marB="0" anchor="ctr">
+                      <a:endParaRPr sz="900" spc="0" dirty="0">
+                        <a:latin typeface="AdobeClean-Light"/>
+                        <a:cs typeface="AdobeClean-Light"/>
+                      </a:endParaRPr>
+                    </a:p>
+                  </a:txBody>
+                  <a:tcPr marL="0" marR="0" marT="0" marB="0" anchor="ctr">
                     <a:lnL w="3175">
                       <a:solidFill>
                         <a:srgbClr val="B7B8B8"/>
@@ -8425,20 +7744,31 @@
                     <a:bodyPr/>
                     <a:lstStyle/>
                     <a:p>
-                      <a:pPr algn="ctr" fontAlgn="t"/>
+                      <a:pPr marL="0" marR="223520" indent="-202565" algn="ctr">
+                        <a:lnSpc>
+                          <a:spcPct val="100000"/>
+                        </a:lnSpc>
+                        <a:spcBef>
+                          <a:spcPts val="155"/>
+                        </a:spcBef>
+                      </a:pPr>
                       <a:r>
-                        <a:rPr lang="en-US" sz="900" b="0" i="0" u="none" strike="noStrike">
+                        <a:rPr lang="en-US" sz="900" spc="0" dirty="0">
                           <a:solidFill>
                             <a:srgbClr val="020302"/>
                           </a:solidFill>
-                          <a:effectLst/>
-                          <a:latin typeface="AdobeClean-Light" panose="020B0503020404020204" pitchFamily="34" charset="0"/>
+                          <a:latin typeface="AdobeClean-Light"/>
+                          <a:cs typeface="AdobeClean-Light"/>
                         </a:rPr>
-                        <a:t>Business day / 1 day</a:t>
+                        <a:t>工作日/1 天</a:t>
                       </a:r>
-                    </a:p>
-                  </a:txBody>
-                  <a:tcPr marL="9525" marR="9525" marT="9525" marB="0" anchor="ctr">
+                      <a:endParaRPr sz="900" spc="0" dirty="0">
+                        <a:latin typeface="AdobeClean-Light"/>
+                        <a:cs typeface="AdobeClean-Light"/>
+                      </a:endParaRPr>
+                    </a:p>
+                  </a:txBody>
+                  <a:tcPr marL="0" marR="0" marT="0" marB="0" anchor="ctr">
                     <a:lnL w="3175">
                       <a:solidFill>
                         <a:srgbClr val="B7B8B8"/>
@@ -8470,20 +7800,31 @@
                     <a:bodyPr/>
                     <a:lstStyle/>
                     <a:p>
-                      <a:pPr algn="ctr" fontAlgn="t"/>
+                      <a:pPr marL="0" marR="223520" indent="-202565" algn="ctr">
+                        <a:lnSpc>
+                          <a:spcPct val="100000"/>
+                        </a:lnSpc>
+                        <a:spcBef>
+                          <a:spcPts val="155"/>
+                        </a:spcBef>
+                      </a:pPr>
                       <a:r>
-                        <a:rPr lang="en-US" sz="900" b="0" i="0" u="none" strike="noStrike">
+                        <a:rPr lang="en-US" sz="900" spc="0" dirty="0">
                           <a:solidFill>
                             <a:srgbClr val="020302"/>
                           </a:solidFill>
-                          <a:effectLst/>
-                          <a:latin typeface="AdobeClean-Light" panose="020B0503020404020204" pitchFamily="34" charset="0"/>
+                          <a:latin typeface="AdobeClean-Light"/>
+                          <a:cs typeface="AdobeClean-Light"/>
                         </a:rPr>
-                        <a:t>Business day / 1 day</a:t>
+                        <a:t>工作日/1 天</a:t>
                       </a:r>
-                    </a:p>
-                  </a:txBody>
-                  <a:tcPr marL="9525" marR="9525" marT="9525" marB="0" anchor="ctr">
+                      <a:endParaRPr sz="900" spc="0" dirty="0">
+                        <a:latin typeface="AdobeClean-Light"/>
+                        <a:cs typeface="AdobeClean-Light"/>
+                      </a:endParaRPr>
+                    </a:p>
+                  </a:txBody>
+                  <a:tcPr marL="0" marR="0" marT="0" marB="0" anchor="ctr">
                     <a:lnL w="3175">
                       <a:solidFill>
                         <a:srgbClr val="B7B8B8"/>
@@ -8515,20 +7856,31 @@
                     <a:bodyPr/>
                     <a:lstStyle/>
                     <a:p>
-                      <a:pPr algn="ctr" fontAlgn="t"/>
+                      <a:pPr marL="0" marR="223520" indent="-202565" algn="ctr">
+                        <a:lnSpc>
+                          <a:spcPct val="100000"/>
+                        </a:lnSpc>
+                        <a:spcBef>
+                          <a:spcPts val="155"/>
+                        </a:spcBef>
+                      </a:pPr>
                       <a:r>
-                        <a:rPr lang="en-US" sz="900" b="0" i="0" u="none" strike="noStrike" dirty="0">
+                        <a:rPr lang="en-US" sz="900" spc="0" dirty="0">
                           <a:solidFill>
                             <a:srgbClr val="020302"/>
                           </a:solidFill>
-                          <a:effectLst/>
-                          <a:latin typeface="AdobeClean-Light" panose="020B0503020404020204" pitchFamily="34" charset="0"/>
+                          <a:latin typeface="AdobeClean-Light"/>
+                          <a:cs typeface="AdobeClean-Light"/>
                         </a:rPr>
-                        <a:t>Business day / 1 day</a:t>
+                        <a:t>工作日/1 天</a:t>
                       </a:r>
-                    </a:p>
-                  </a:txBody>
-                  <a:tcPr marL="9525" marR="9525" marT="9525" marB="0" anchor="ctr">
+                      <a:endParaRPr sz="900" spc="0" dirty="0">
+                        <a:latin typeface="AdobeClean-Light"/>
+                        <a:cs typeface="AdobeClean-Light"/>
+                      </a:endParaRPr>
+                    </a:p>
+                  </a:txBody>
+                  <a:tcPr marL="0" marR="0" marT="0" marB="0" anchor="ctr">
                     <a:lnL w="3175">
                       <a:solidFill>
                         <a:srgbClr val="B7B8B8"/>
@@ -8567,13 +7919,7 @@
       </p:graphicFrame>
       <p:sp>
         <p:nvSpPr>
-          <p:cNvPr id="13" name="object 4">
-            <a:extLst>
-              <a:ext uri="{FF2B5EF4-FFF2-40B4-BE49-F238E27FC236}">
-                <a16:creationId xmlns:a16="http://schemas.microsoft.com/office/drawing/2014/main" id="{7979C0CC-523E-844A-96DC-75FC662E01AB}"/>
-              </a:ext>
-            </a:extLst>
-          </p:cNvPr>
+          <p:cNvPr id="13" name="object 4"/>
           <p:cNvSpPr txBox="1">
             <a:spLocks noGrp="1"/>
           </p:cNvSpPr>
@@ -8583,15 +7929,15 @@
         </p:nvSpPr>
         <p:spPr>
           <a:xfrm>
-            <a:off x="439022" y="54646"/>
-            <a:ext cx="5229466" cy="366767"/>
+            <a:off x="438785" y="54610"/>
+            <a:ext cx="4869180" cy="366395"/>
           </a:xfrm>
           <a:prstGeom prst="rect">
             <a:avLst/>
           </a:prstGeom>
         </p:spPr>
         <p:txBody>
-          <a:bodyPr vert="horz" wrap="square" lIns="0" tIns="12700" rIns="0" bIns="0" rtlCol="0" anchor="t">
+          <a:bodyPr vert="horz" wrap="square" lIns="0" tIns="12700" rIns="0" bIns="0" rtlCol="0">
             <a:spAutoFit/>
           </a:bodyPr>
           <a:lstStyle/>
@@ -8605,16 +7951,10 @@
               </a:spcBef>
             </a:pPr>
             <a:r>
-              <a:rPr sz="2300" dirty="0">
-                <a:latin typeface="Adobe Clean"/>
+              <a:rPr lang="en-US" sz="2300" dirty="0">
+                <a:latin typeface="Adobe Clean" panose="020B0503020404020204" pitchFamily="34" charset="0"/>
               </a:rPr>
-              <a:t>ADOBE </a:t>
-            </a:r>
-            <a:r>
-              <a:rPr lang="en-US" sz="2300" dirty="0">
-                <a:latin typeface="Adobe Clean"/>
-              </a:rPr>
-              <a:t>SUPPORT PLANS</a:t>
+              <a:t>Adobe 支持产品/服务</a:t>
             </a:r>
             <a:endParaRPr sz="2300" dirty="0">
               <a:latin typeface="Adobe Clean" panose="020B0503020404020204" pitchFamily="34" charset="0"/>
@@ -8624,13 +7964,7 @@
       </p:sp>
       <p:sp>
         <p:nvSpPr>
-          <p:cNvPr id="14" name="TextBox 13">
-            <a:extLst>
-              <a:ext uri="{FF2B5EF4-FFF2-40B4-BE49-F238E27FC236}">
-                <a16:creationId xmlns:a16="http://schemas.microsoft.com/office/drawing/2014/main" id="{BC4E055B-62C1-4041-84B5-EEB041BE12EF}"/>
-              </a:ext>
-            </a:extLst>
-          </p:cNvPr>
+          <p:cNvPr id="14" name="TextBox 13"/>
           <p:cNvSpPr txBox="1"/>
           <p:nvPr/>
         </p:nvSpPr>
@@ -8888,14 +8222,14 @@
         <p:spPr>
           <a:xfrm>
             <a:off x="244598" y="1844378"/>
-            <a:ext cx="7070597" cy="379463"/>
+            <a:ext cx="7070597" cy="394335"/>
           </a:xfrm>
           <a:prstGeom prst="rect">
             <a:avLst/>
           </a:prstGeom>
         </p:spPr>
         <p:txBody>
-          <a:bodyPr vert="horz" wrap="square" lIns="0" tIns="35560" rIns="0" bIns="0" rtlCol="0" anchor="t">
+          <a:bodyPr vert="horz" wrap="square" lIns="0" tIns="35560" rIns="0" bIns="0" rtlCol="0">
             <a:spAutoFit/>
           </a:bodyPr>
           <a:lstStyle/>
@@ -8916,47 +8250,17 @@
                 <a:latin typeface="AdobeClean-Light"/>
                 <a:cs typeface="AdobeClean-Light"/>
               </a:rPr>
-              <a:t>Adobe Customer Support offers a</a:t>
-            </a:r>
-            <a:r>
-              <a:rPr sz="1000" spc="-20" dirty="0">
+              <a:t>Adobe 客户支持提供对在线资源</a:t>
+            </a:r>
+            <a:r>
+              <a:rPr lang="en-US" sz="1000" spc="-10" dirty="0">
                 <a:solidFill>
                   <a:srgbClr val="020302"/>
                 </a:solidFill>
                 <a:latin typeface="AdobeClean-Light"/>
                 <a:cs typeface="AdobeClean-Light"/>
               </a:rPr>
-              <a:t>ccess</a:t>
-            </a:r>
-            <a:r>
-              <a:rPr sz="1000" spc="-90" dirty="0">
-                <a:solidFill>
-                  <a:srgbClr val="020302"/>
-                </a:solidFill>
-                <a:latin typeface="AdobeClean-Light"/>
-                <a:cs typeface="AdobeClean-Light"/>
-              </a:rPr>
-              <a:t> </a:t>
-            </a:r>
-            <a:r>
-              <a:rPr sz="1000" spc="-10" dirty="0">
-                <a:solidFill>
-                  <a:srgbClr val="020302"/>
-                </a:solidFill>
-                <a:latin typeface="AdobeClean-Light"/>
-                <a:cs typeface="AdobeClean-Light"/>
-              </a:rPr>
-              <a:t>to</a:t>
-            </a:r>
-            <a:r>
-              <a:rPr sz="1000" spc="10" dirty="0">
-                <a:solidFill>
-                  <a:srgbClr val="020302"/>
-                </a:solidFill>
-                <a:latin typeface="AdobeClean-Light"/>
-                <a:cs typeface="AdobeClean-Light"/>
-              </a:rPr>
-              <a:t> </a:t>
+              <a:t>的访问</a:t>
             </a:r>
             <a:r>
               <a:rPr lang="en-US" sz="1000" spc="-20" dirty="0">
@@ -8966,37 +8270,7 @@
                 <a:latin typeface="AdobeClean-Light"/>
                 <a:cs typeface="AdobeClean-Light"/>
               </a:rPr>
-              <a:t>online resources </a:t>
-            </a:r>
-            <a:r>
-              <a:rPr sz="1000" spc="-15" dirty="0">
-                <a:solidFill>
-                  <a:srgbClr val="020302"/>
-                </a:solidFill>
-                <a:latin typeface="AdobeClean-Light"/>
-                <a:cs typeface="AdobeClean-Light"/>
-              </a:rPr>
-              <a:t>for</a:t>
-            </a:r>
-            <a:r>
-              <a:rPr sz="1000" spc="-30" dirty="0">
-                <a:solidFill>
-                  <a:srgbClr val="020302"/>
-                </a:solidFill>
-                <a:latin typeface="AdobeClean-Light"/>
-                <a:cs typeface="AdobeClean-Light"/>
-              </a:rPr>
-              <a:t> </a:t>
-            </a:r>
-            <a:r>
-              <a:rPr sz="1000" spc="-15" dirty="0">
-                <a:solidFill>
-                  <a:srgbClr val="020302"/>
-                </a:solidFill>
-                <a:latin typeface="AdobeClean-Light"/>
-                <a:cs typeface="AdobeClean-Light"/>
-              </a:rPr>
-              <a:t>documentation,</a:t>
+              <a:t>权限以获取文档</a:t>
             </a:r>
             <a:r>
               <a:rPr lang="en-US" sz="1000" spc="-15" dirty="0">
@@ -9006,17 +8280,17 @@
                 <a:latin typeface="AdobeClean-Light"/>
                 <a:cs typeface="AdobeClean-Light"/>
               </a:rPr>
-              <a:t> </a:t>
-            </a:r>
-            <a:r>
-              <a:rPr sz="1000" spc="-15" dirty="0">
+              <a:t>、与其他专家和客户互动</a:t>
+            </a:r>
+            <a:r>
+              <a:rPr lang="en-US" sz="1000" spc="-20" dirty="0">
                 <a:solidFill>
                   <a:srgbClr val="020302"/>
                 </a:solidFill>
                 <a:latin typeface="AdobeClean-Light"/>
                 <a:cs typeface="AdobeClean-Light"/>
               </a:rPr>
-              <a:t>engagement</a:t>
+              <a:t>以获得</a:t>
             </a:r>
             <a:r>
               <a:rPr lang="en-US" sz="1000" spc="-15" dirty="0">
@@ -9026,137 +8300,17 @@
                 <a:latin typeface="AdobeClean-Light"/>
                 <a:cs typeface="AdobeClean-Light"/>
               </a:rPr>
-              <a:t> </a:t>
-            </a:r>
-            <a:r>
-              <a:rPr sz="1000" spc="-15" dirty="0">
+              <a:t>最佳</a:t>
+            </a:r>
+            <a:r>
+              <a:rPr lang="en-US" sz="1000" spc="-20" dirty="0">
                 <a:solidFill>
                   <a:srgbClr val="020302"/>
                 </a:solidFill>
                 <a:latin typeface="AdobeClean-Light"/>
                 <a:cs typeface="AdobeClean-Light"/>
               </a:rPr>
-              <a:t>with</a:t>
-            </a:r>
-            <a:r>
-              <a:rPr sz="1000" spc="-35" dirty="0">
-                <a:solidFill>
-                  <a:srgbClr val="020302"/>
-                </a:solidFill>
-                <a:latin typeface="AdobeClean-Light"/>
-                <a:cs typeface="AdobeClean-Light"/>
-              </a:rPr>
-              <a:t> </a:t>
-            </a:r>
-            <a:r>
-              <a:rPr sz="1000" spc="-20" dirty="0">
-                <a:solidFill>
-                  <a:srgbClr val="020302"/>
-                </a:solidFill>
-                <a:latin typeface="AdobeClean-Light"/>
-                <a:cs typeface="AdobeClean-Light"/>
-              </a:rPr>
-              <a:t>other experts </a:t>
-            </a:r>
-            <a:r>
-              <a:rPr sz="1000" spc="-15" dirty="0">
-                <a:solidFill>
-                  <a:srgbClr val="020302"/>
-                </a:solidFill>
-                <a:latin typeface="AdobeClean-Light"/>
-                <a:cs typeface="AdobeClean-Light"/>
-              </a:rPr>
-              <a:t>and </a:t>
-            </a:r>
-            <a:r>
-              <a:rPr sz="1000" spc="-20" dirty="0">
-                <a:solidFill>
-                  <a:srgbClr val="020302"/>
-                </a:solidFill>
-                <a:latin typeface="AdobeClean-Light"/>
-                <a:cs typeface="AdobeClean-Light"/>
-              </a:rPr>
-              <a:t>customers </a:t>
-            </a:r>
-            <a:r>
-              <a:rPr sz="1000" spc="-15" dirty="0">
-                <a:solidFill>
-                  <a:srgbClr val="020302"/>
-                </a:solidFill>
-                <a:latin typeface="AdobeClean-Light"/>
-                <a:cs typeface="AdobeClean-Light"/>
-              </a:rPr>
-              <a:t>for best </a:t>
-            </a:r>
-            <a:r>
-              <a:rPr sz="1000" spc="-20" dirty="0">
-                <a:solidFill>
-                  <a:srgbClr val="020302"/>
-                </a:solidFill>
-                <a:latin typeface="AdobeClean-Light"/>
-                <a:cs typeface="AdobeClean-Light"/>
-              </a:rPr>
-              <a:t>practices, </a:t>
-            </a:r>
-            <a:r>
-              <a:rPr sz="1000" spc="-15" dirty="0">
-                <a:solidFill>
-                  <a:srgbClr val="020302"/>
-                </a:solidFill>
-                <a:latin typeface="AdobeClean-Light"/>
-                <a:cs typeface="AdobeClean-Light"/>
-              </a:rPr>
-              <a:t>and </a:t>
-            </a:r>
-            <a:r>
-              <a:rPr sz="1000" spc="-20" dirty="0">
-                <a:solidFill>
-                  <a:srgbClr val="020302"/>
-                </a:solidFill>
-                <a:latin typeface="AdobeClean-Light"/>
-                <a:cs typeface="AdobeClean-Light"/>
-              </a:rPr>
-              <a:t>webinar series (Office </a:t>
-            </a:r>
-            <a:r>
-              <a:rPr sz="1000" spc="-15" dirty="0">
-                <a:solidFill>
-                  <a:srgbClr val="020302"/>
-                </a:solidFill>
-                <a:latin typeface="AdobeClean-Light"/>
-                <a:cs typeface="AdobeClean-Light"/>
-              </a:rPr>
-              <a:t>Hours) for </a:t>
-            </a:r>
-            <a:r>
-              <a:rPr sz="1000" spc="-20" dirty="0">
-                <a:solidFill>
-                  <a:srgbClr val="020302"/>
-                </a:solidFill>
-                <a:latin typeface="AdobeClean-Light"/>
-                <a:cs typeface="AdobeClean-Light"/>
-              </a:rPr>
-              <a:t>troubleshooting </a:t>
-            </a:r>
-            <a:r>
-              <a:rPr sz="1000" spc="-15" dirty="0">
-                <a:solidFill>
-                  <a:srgbClr val="020302"/>
-                </a:solidFill>
-                <a:latin typeface="AdobeClean-Light"/>
-                <a:cs typeface="AdobeClean-Light"/>
-              </a:rPr>
-              <a:t>tips and </a:t>
-            </a:r>
-            <a:r>
-              <a:rPr sz="1000" spc="-20" dirty="0">
-                <a:solidFill>
-                  <a:srgbClr val="020302"/>
-                </a:solidFill>
-                <a:latin typeface="AdobeClean-Light"/>
-                <a:cs typeface="AdobeClean-Light"/>
-              </a:rPr>
-              <a:t>tricks. Several channels </a:t>
+              <a:t>实践</a:t>
             </a:r>
             <a:r>
               <a:rPr lang="en-US" sz="1000" spc="-15" dirty="0">
@@ -9166,7 +8320,7 @@
                 <a:latin typeface="AdobeClean-Light"/>
                 <a:cs typeface="AdobeClean-Light"/>
               </a:rPr>
-              <a:t>are </a:t>
+              <a:t>以及</a:t>
             </a:r>
             <a:r>
               <a:rPr lang="en-US" sz="1000" spc="-20" dirty="0">
@@ -9176,124 +8330,17 @@
                 <a:latin typeface="AdobeClean-Light"/>
                 <a:cs typeface="AdobeClean-Light"/>
               </a:rPr>
-              <a:t>also</a:t>
-            </a:r>
-            <a:r>
-              <a:rPr lang="en-US" sz="1000" dirty="0">
-                <a:latin typeface="AdobeClean-Light"/>
-                <a:cs typeface="AdobeClean-Light"/>
-              </a:rPr>
-              <a:t> </a:t>
-            </a:r>
-            <a:r>
-              <a:rPr sz="1000" spc="-25" dirty="0">
+              <a:t>对网络</a:t>
+            </a:r>
+            <a:r>
+              <a:rPr lang="en-US" sz="1000" spc="-15" dirty="0">
                 <a:solidFill>
                   <a:srgbClr val="020302"/>
                 </a:solidFill>
                 <a:latin typeface="AdobeClean-Light"/>
                 <a:cs typeface="AdobeClean-Light"/>
               </a:rPr>
-              <a:t>available</a:t>
-            </a:r>
-            <a:r>
-              <a:rPr sz="1000" spc="-65" dirty="0">
-                <a:solidFill>
-                  <a:srgbClr val="020302"/>
-                </a:solidFill>
-                <a:latin typeface="AdobeClean-Light"/>
-                <a:cs typeface="AdobeClean-Light"/>
-              </a:rPr>
-              <a:t> </a:t>
-            </a:r>
-            <a:r>
-              <a:rPr sz="1000" spc="-15" dirty="0">
-                <a:solidFill>
-                  <a:srgbClr val="020302"/>
-                </a:solidFill>
-                <a:latin typeface="AdobeClean-Light"/>
-                <a:cs typeface="AdobeClean-Light"/>
-              </a:rPr>
-              <a:t>for</a:t>
-            </a:r>
-            <a:r>
-              <a:rPr sz="1000" spc="-25" dirty="0">
-                <a:solidFill>
-                  <a:srgbClr val="020302"/>
-                </a:solidFill>
-                <a:latin typeface="AdobeClean-Light"/>
-                <a:cs typeface="AdobeClean-Light"/>
-              </a:rPr>
-              <a:t> </a:t>
-            </a:r>
-            <a:r>
-              <a:rPr sz="1000" spc="-20" dirty="0">
-                <a:solidFill>
-                  <a:srgbClr val="020302"/>
-                </a:solidFill>
-                <a:latin typeface="AdobeClean-Light"/>
-                <a:cs typeface="AdobeClean-Light"/>
-              </a:rPr>
-              <a:t>questions</a:t>
-            </a:r>
-            <a:r>
-              <a:rPr sz="1000" spc="-114" dirty="0">
-                <a:solidFill>
-                  <a:srgbClr val="020302"/>
-                </a:solidFill>
-                <a:latin typeface="AdobeClean-Light"/>
-                <a:cs typeface="AdobeClean-Light"/>
-              </a:rPr>
-              <a:t> </a:t>
-            </a:r>
-            <a:r>
-              <a:rPr sz="1000" spc="-15" dirty="0">
-                <a:solidFill>
-                  <a:srgbClr val="020302"/>
-                </a:solidFill>
-                <a:latin typeface="AdobeClean-Light"/>
-                <a:cs typeface="AdobeClean-Light"/>
-              </a:rPr>
-              <a:t>and</a:t>
-            </a:r>
-            <a:r>
-              <a:rPr sz="1000" spc="-45" dirty="0">
-                <a:solidFill>
-                  <a:srgbClr val="020302"/>
-                </a:solidFill>
-                <a:latin typeface="AdobeClean-Light"/>
-                <a:cs typeface="AdobeClean-Light"/>
-              </a:rPr>
-              <a:t> </a:t>
-            </a:r>
-            <a:r>
-              <a:rPr sz="1000" spc="-20" dirty="0">
-                <a:solidFill>
-                  <a:srgbClr val="020302"/>
-                </a:solidFill>
-                <a:latin typeface="AdobeClean-Light"/>
-                <a:cs typeface="AdobeClean-Light"/>
-              </a:rPr>
-              <a:t>case</a:t>
-            </a:r>
-            <a:r>
-              <a:rPr sz="1000" spc="-35" dirty="0">
-                <a:solidFill>
-                  <a:srgbClr val="020302"/>
-                </a:solidFill>
-                <a:latin typeface="AdobeClean-Light"/>
-                <a:cs typeface="AdobeClean-Light"/>
-              </a:rPr>
-              <a:t> </a:t>
-            </a:r>
-            <a:r>
-              <a:rPr sz="1000" spc="-20" dirty="0">
-                <a:solidFill>
-                  <a:srgbClr val="020302"/>
-                </a:solidFill>
-                <a:latin typeface="AdobeClean-Light"/>
-                <a:cs typeface="AdobeClean-Light"/>
-              </a:rPr>
-              <a:t>submissions</a:t>
+              <a:t>研讨会系列</a:t>
             </a:r>
             <a:r>
               <a:rPr lang="en-US" sz="1000" spc="-20" dirty="0">
@@ -9303,12 +8350,128 @@
                 <a:latin typeface="AdobeClean-Light"/>
                 <a:cs typeface="AdobeClean-Light"/>
               </a:rPr>
-              <a:t>.</a:t>
-            </a:r>
-            <a:endParaRPr sz="1000" dirty="0">
-              <a:latin typeface="AdobeClean-Light"/>
-              <a:cs typeface="AdobeClean-Light"/>
-            </a:endParaRPr>
+              <a:t>（办公</a:t>
+            </a:r>
+            <a:r>
+              <a:rPr lang="en-US" sz="1000" spc="-15" dirty="0">
+                <a:solidFill>
+                  <a:srgbClr val="020302"/>
+                </a:solidFill>
+                <a:latin typeface="AdobeClean-Light"/>
+                <a:cs typeface="AdobeClean-Light"/>
+              </a:rPr>
+              <a:t>时间）的访问</a:t>
+            </a:r>
+            <a:r>
+              <a:rPr lang="en-US" sz="1000" spc="-20" dirty="0">
+                <a:solidFill>
+                  <a:srgbClr val="020302"/>
+                </a:solidFill>
+                <a:latin typeface="AdobeClean-Light"/>
+                <a:cs typeface="AdobeClean-Light"/>
+              </a:rPr>
+              <a:t>权限以获取</a:t>
+            </a:r>
+            <a:r>
+              <a:rPr lang="en-US" sz="1000" spc="-15" dirty="0">
+                <a:solidFill>
+                  <a:srgbClr val="020302"/>
+                </a:solidFill>
+                <a:latin typeface="AdobeClean-Light"/>
+                <a:cs typeface="AdobeClean-Light"/>
+              </a:rPr>
+              <a:t>故障排除提示和</a:t>
+            </a:r>
+            <a:r>
+              <a:rPr lang="en-US" sz="1000" spc="-20" dirty="0">
+                <a:solidFill>
+                  <a:srgbClr val="020302"/>
+                </a:solidFill>
+                <a:latin typeface="AdobeClean-Light"/>
+                <a:cs typeface="AdobeClean-Light"/>
+              </a:rPr>
+              <a:t>技巧。此外，</a:t>
+            </a:r>
+            <a:r>
+              <a:rPr lang="en-US" sz="1000" spc="-15" dirty="0">
+                <a:solidFill>
+                  <a:srgbClr val="020302"/>
+                </a:solidFill>
+                <a:latin typeface="AdobeClean-Light"/>
+                <a:cs typeface="AdobeClean-Light"/>
+              </a:rPr>
+              <a:t>还可</a:t>
+            </a:r>
+            <a:r>
+              <a:rPr lang="en-US" sz="1000" spc="-20" dirty="0">
+                <a:solidFill>
+                  <a:srgbClr val="020302"/>
+                </a:solidFill>
+                <a:latin typeface="AdobeClean-Light"/>
+                <a:cs typeface="AdobeClean-Light"/>
+              </a:rPr>
+              <a:t>通过</a:t>
+            </a:r>
+            <a:r>
+              <a:rPr lang="en-US" sz="1000" spc="-25" dirty="0">
+                <a:solidFill>
+                  <a:srgbClr val="020302"/>
+                </a:solidFill>
+                <a:latin typeface="AdobeClean-Light"/>
+                <a:cs typeface="AdobeClean-Light"/>
+              </a:rPr>
+              <a:t>几个</a:t>
+            </a:r>
+            <a:r>
+              <a:rPr lang="en-US" sz="1000" spc="-15" dirty="0">
+                <a:solidFill>
+                  <a:srgbClr val="020302"/>
+                </a:solidFill>
+                <a:latin typeface="AdobeClean-Light"/>
+                <a:cs typeface="AdobeClean-Light"/>
+              </a:rPr>
+              <a:t>渠道</a:t>
+            </a:r>
+            <a:r>
+              <a:rPr lang="en-US" sz="1000" spc="-20" dirty="0">
+                <a:solidFill>
+                  <a:srgbClr val="020302"/>
+                </a:solidFill>
+                <a:latin typeface="AdobeClean-Light"/>
+                <a:cs typeface="AdobeClean-Light"/>
+              </a:rPr>
+              <a:t>来</a:t>
+            </a:r>
+            <a:r>
+              <a:rPr lang="en-US" sz="1000" spc="-15" dirty="0">
+                <a:solidFill>
+                  <a:srgbClr val="020302"/>
+                </a:solidFill>
+                <a:latin typeface="AdobeClean-Light"/>
+                <a:cs typeface="AdobeClean-Light"/>
+              </a:rPr>
+              <a:t>提交</a:t>
+            </a:r>
+            <a:r>
+              <a:rPr lang="en-US" sz="1000" spc="-20" dirty="0">
+                <a:solidFill>
+                  <a:srgbClr val="020302"/>
+                </a:solidFill>
+                <a:latin typeface="AdobeClean-Light"/>
+                <a:cs typeface="AdobeClean-Light"/>
+              </a:rPr>
+              <a:t>问题和案例</a:t>
+            </a:r>
+            <a:r>
+              <a:rPr lang="zh-CN" altLang="en-US" sz="1000" spc="-20" dirty="0">
+                <a:solidFill>
+                  <a:srgbClr val="020302"/>
+                </a:solidFill>
+                <a:latin typeface="AdobeClean-Light"/>
+                <a:cs typeface="AdobeClean-Light"/>
+              </a:rPr>
+              <a:t>。</a:t>
+            </a:r>
           </a:p>
         </p:txBody>
       </p:sp>
@@ -9328,78 +8491,41 @@
           </a:prstGeom>
         </p:spPr>
         <p:txBody>
-          <a:bodyPr vert="horz" wrap="square" lIns="0" tIns="12700" rIns="0" bIns="0" rtlCol="0" anchor="t">
+          <a:bodyPr vert="horz" wrap="square" lIns="0" tIns="12700" rIns="0" bIns="0" rtlCol="0">
             <a:spAutoFit/>
           </a:bodyPr>
           <a:lstStyle/>
           <a:p>
             <a:pPr marL="33020" marR="159385">
+              <a:lnSpc>
+                <a:spcPct val="100000"/>
+              </a:lnSpc>
               <a:spcBef>
                 <a:spcPts val="100"/>
               </a:spcBef>
               <a:tabLst>
-                <a:tab pos="1786889" algn="l"/>
+                <a:tab pos="1786255" algn="l"/>
               </a:tabLst>
             </a:pPr>
             <a:r>
-              <a:rPr sz="900" spc="-20" dirty="0">
+              <a:rPr lang="en-US" sz="900" spc="-20" dirty="0">
                 <a:solidFill>
                   <a:srgbClr val="020302"/>
                 </a:solidFill>
                 <a:latin typeface="AdobeClean-Light"/>
                 <a:cs typeface="AdobeClean-Light"/>
               </a:rPr>
-              <a:t>Start </a:t>
-            </a:r>
-            <a:r>
-              <a:rPr sz="900" dirty="0">
+              <a:t>开始</a:t>
+            </a:r>
+            <a:r>
+              <a:rPr lang="en-US" sz="900" spc="-15" dirty="0">
                 <a:solidFill>
                   <a:srgbClr val="020302"/>
                 </a:solidFill>
                 <a:latin typeface="AdobeClean-Light"/>
                 <a:cs typeface="AdobeClean-Light"/>
               </a:rPr>
-              <a:t>a </a:t>
-            </a:r>
-            <a:r>
-              <a:rPr sz="900" spc="-15" dirty="0">
-                <a:solidFill>
-                  <a:srgbClr val="020302"/>
-                </a:solidFill>
-                <a:latin typeface="AdobeClean-Light"/>
-                <a:cs typeface="AdobeClean-Light"/>
-              </a:rPr>
-              <a:t>chat </a:t>
-            </a:r>
-            <a:r>
-              <a:rPr sz="900" spc="-10" dirty="0">
-                <a:solidFill>
-                  <a:srgbClr val="020302"/>
-                </a:solidFill>
-                <a:latin typeface="AdobeClean-Light"/>
-                <a:cs typeface="AdobeClean-Light"/>
-              </a:rPr>
-              <a:t>session </a:t>
-            </a:r>
-            <a:r>
-              <a:rPr sz="900" spc="-5" dirty="0">
-                <a:solidFill>
-                  <a:srgbClr val="020302"/>
-                </a:solidFill>
-                <a:latin typeface="AdobeClean-Light"/>
-                <a:cs typeface="AdobeClean-Light"/>
-              </a:rPr>
-              <a:t>to </a:t>
-            </a:r>
-            <a:r>
-              <a:rPr sz="900" spc="-10" dirty="0">
-                <a:solidFill>
-                  <a:srgbClr val="020302"/>
-                </a:solidFill>
-                <a:latin typeface="AdobeClean-Light"/>
-                <a:cs typeface="AdobeClean-Light"/>
-              </a:rPr>
-              <a:t>get</a:t>
+              <a:t>聊天</a:t>
             </a:r>
             <a:r>
               <a:rPr lang="en-US" sz="900" spc="-10" dirty="0">
@@ -9409,37 +8535,37 @@
                 <a:latin typeface="AdobeClean-Light"/>
                 <a:cs typeface="AdobeClean-Light"/>
               </a:rPr>
-              <a:t> </a:t>
-            </a:r>
-            <a:r>
-              <a:rPr sz="900" spc="30" dirty="0">
+              <a:t>会话</a:t>
+            </a:r>
+            <a:r>
+              <a:rPr lang="en-US" sz="900" spc="-5" dirty="0">
                 <a:solidFill>
                   <a:srgbClr val="020302"/>
                 </a:solidFill>
                 <a:latin typeface="AdobeClean-Light"/>
                 <a:cs typeface="AdobeClean-Light"/>
               </a:rPr>
-              <a:t> </a:t>
-            </a:r>
-            <a:r>
-              <a:rPr sz="900" spc="-20" dirty="0">
+              <a:t>以</a:t>
+            </a:r>
+            <a:r>
+              <a:rPr lang="en-US" sz="900" spc="-10" dirty="0">
                 <a:solidFill>
                   <a:srgbClr val="020302"/>
                 </a:solidFill>
                 <a:latin typeface="AdobeClean-Light"/>
                 <a:cs typeface="AdobeClean-Light"/>
               </a:rPr>
-              <a:t>answers</a:t>
-            </a:r>
-            <a:r>
-              <a:rPr lang="en-US" sz="900" spc="-45" dirty="0">
+              <a:t>获取</a:t>
+            </a:r>
+            <a:r>
+              <a:rPr lang="en-US" sz="900" spc="-20" dirty="0">
                 <a:solidFill>
                   <a:srgbClr val="020302"/>
                 </a:solidFill>
                 <a:latin typeface="AdobeClean-Light"/>
                 <a:cs typeface="AdobeClean-Light"/>
               </a:rPr>
-              <a:t> </a:t>
+              <a:t>答案</a:t>
             </a:r>
             <a:r>
               <a:rPr lang="en-US" sz="900" dirty="0">
@@ -9449,68 +8575,35 @@
                 <a:latin typeface="AdobeClean-Light"/>
                 <a:cs typeface="AdobeClean-Light"/>
               </a:rPr>
-              <a:t>&amp; </a:t>
-            </a:r>
-            <a:r>
-              <a:rPr sz="900" spc="-15" dirty="0">
+              <a:t>并</a:t>
+            </a:r>
+            <a:r>
+              <a:rPr lang="en-US" sz="900" spc="-15" dirty="0">
                 <a:solidFill>
                   <a:srgbClr val="020302"/>
                 </a:solidFill>
                 <a:latin typeface="AdobeClean-Light"/>
                 <a:cs typeface="AdobeClean-Light"/>
               </a:rPr>
-              <a:t>help </a:t>
-            </a:r>
-            <a:r>
-              <a:rPr sz="900" spc="-10" dirty="0">
+              <a:t>帮助</a:t>
+            </a:r>
+            <a:r>
+              <a:rPr lang="en-US" sz="900" spc="-10" dirty="0">
                 <a:solidFill>
                   <a:srgbClr val="020302"/>
                 </a:solidFill>
                 <a:latin typeface="AdobeClean-Light"/>
                 <a:cs typeface="AdobeClean-Light"/>
               </a:rPr>
-              <a:t>with</a:t>
-            </a:r>
-            <a:r>
-              <a:rPr sz="900" spc="85" dirty="0">
-                <a:solidFill>
-                  <a:srgbClr val="020302"/>
-                </a:solidFill>
-                <a:latin typeface="AdobeClean-Light"/>
-                <a:cs typeface="AdobeClean-Light"/>
-              </a:rPr>
-              <a:t> </a:t>
-            </a:r>
-            <a:r>
-              <a:rPr sz="900" spc="-10" dirty="0">
-                <a:solidFill>
-                  <a:srgbClr val="020302"/>
-                </a:solidFill>
-                <a:latin typeface="AdobeClean-Light"/>
-                <a:cs typeface="AdobeClean-Light"/>
-              </a:rPr>
-              <a:t>case </a:t>
-            </a:r>
-            <a:r>
-              <a:rPr sz="900" spc="-20" dirty="0">
-                <a:solidFill>
-                  <a:srgbClr val="020302"/>
-                </a:solidFill>
-                <a:latin typeface="AdobeClean-Light"/>
-                <a:cs typeface="AdobeClean-Light"/>
-              </a:rPr>
-              <a:t>submission</a:t>
-            </a:r>
-            <a:r>
-              <a:rPr lang="en-US" sz="900" spc="-20" dirty="0">
-                <a:solidFill>
-                  <a:srgbClr val="020302"/>
-                </a:solidFill>
-                <a:latin typeface="AdobeClean-Light"/>
-                <a:cs typeface="AdobeClean-Light"/>
-              </a:rPr>
-              <a:t>.</a:t>
-            </a:r>
+              <a:t>提交案例</a:t>
+            </a:r>
+            <a:endParaRPr lang="en-US" sz="900" spc="-20" dirty="0">
+              <a:solidFill>
+                <a:srgbClr val="020302"/>
+              </a:solidFill>
+              <a:latin typeface="AdobeClean-Light"/>
+              <a:cs typeface="AdobeClean-Light"/>
+            </a:endParaRPr>
           </a:p>
           <a:p>
             <a:pPr marL="33020" marR="159385">
@@ -9521,28 +8614,28 @@
                 <a:spcPts val="100"/>
               </a:spcBef>
               <a:tabLst>
-                <a:tab pos="1786889" algn="l"/>
+                <a:tab pos="1786255" algn="l"/>
               </a:tabLst>
             </a:pPr>
             <a:r>
-              <a:rPr sz="900" i="1" spc="-10" dirty="0">
+              <a:rPr lang="en-US" sz="900" i="1" spc="-10" dirty="0">
                 <a:solidFill>
                   <a:srgbClr val="7A7A7A"/>
                 </a:solidFill>
                 <a:latin typeface="AdobeClean-LightIt"/>
                 <a:cs typeface="AdobeClean-LightIt"/>
               </a:rPr>
-              <a:t>*Not all </a:t>
-            </a:r>
-            <a:r>
-              <a:rPr sz="900" i="1" spc="-20" dirty="0">
+              <a:t>*并非所有</a:t>
+            </a:r>
+            <a:r>
+              <a:rPr lang="en-US" sz="900" i="1" spc="-20" dirty="0">
                 <a:solidFill>
                   <a:srgbClr val="7A7A7A"/>
                 </a:solidFill>
                 <a:latin typeface="AdobeClean-LightIt"/>
                 <a:cs typeface="AdobeClean-LightIt"/>
               </a:rPr>
-              <a:t>products have live chat support.  </a:t>
+              <a:t>产品都提供实时聊天支持。</a:t>
             </a:r>
             <a:endParaRPr sz="900" dirty="0">
               <a:latin typeface="AdobeClean-Light"/>
@@ -9582,13 +8675,7 @@
       </p:sp>
       <p:sp>
         <p:nvSpPr>
-          <p:cNvPr id="58" name="Rectangle 57">
-            <a:extLst>
-              <a:ext uri="{FF2B5EF4-FFF2-40B4-BE49-F238E27FC236}">
-                <a16:creationId xmlns:a16="http://schemas.microsoft.com/office/drawing/2014/main" id="{B557BBA0-B07E-174D-93A4-C6FF07571950}"/>
-              </a:ext>
-            </a:extLst>
-          </p:cNvPr>
+          <p:cNvPr id="58" name="Rectangle 57"/>
           <p:cNvSpPr/>
           <p:nvPr/>
         </p:nvSpPr>
@@ -9623,7 +8710,7 @@
                 <a:latin typeface="Adobe Clean"/>
                 <a:cs typeface="Adobe Clean"/>
               </a:rPr>
-              <a:t>Online Support</a:t>
+              <a:t>在线支持</a:t>
             </a:r>
             <a:endParaRPr lang="en-US" sz="1400" dirty="0">
               <a:latin typeface="Adobe Clean"/>
@@ -9634,16 +8721,8 @@
       </p:sp>
       <p:sp>
         <p:nvSpPr>
-          <p:cNvPr id="60" name="TextBox 59">
-            <a:extLst>
-              <a:ext uri="{FF2B5EF4-FFF2-40B4-BE49-F238E27FC236}">
-                <a16:creationId xmlns:a16="http://schemas.microsoft.com/office/drawing/2014/main" id="{294BFC9C-CB48-FE4C-887D-D38E0BAE6627}"/>
-              </a:ext>
-            </a:extLst>
-          </p:cNvPr>
-          <p:cNvSpPr txBox="1">
-            <a:spLocks/>
-          </p:cNvSpPr>
+          <p:cNvPr id="60" name="TextBox 59"/>
+          <p:cNvSpPr txBox="1"/>
           <p:nvPr/>
         </p:nvSpPr>
         <p:spPr>
@@ -9680,23 +8759,15 @@
                   <a:srgbClr val="000000"/>
                 </a:solidFill>
               </a:rPr>
-              <a:t>Community Forums</a:t>
+              <a:t>社区论坛</a:t>
             </a:r>
           </a:p>
         </p:txBody>
       </p:sp>
       <p:sp>
         <p:nvSpPr>
-          <p:cNvPr id="61" name="Rectangle 60">
-            <a:extLst>
-              <a:ext uri="{FF2B5EF4-FFF2-40B4-BE49-F238E27FC236}">
-                <a16:creationId xmlns:a16="http://schemas.microsoft.com/office/drawing/2014/main" id="{8F4C73CC-314D-8744-A9C8-6CE3C69810AD}"/>
-              </a:ext>
-            </a:extLst>
-          </p:cNvPr>
-          <p:cNvSpPr>
-            <a:spLocks/>
-          </p:cNvSpPr>
+          <p:cNvPr id="61" name="Rectangle 60"/>
+          <p:cNvSpPr/>
           <p:nvPr/>
         </p:nvSpPr>
         <p:spPr>
@@ -9728,20 +8799,14 @@
                 <a:ea typeface="Open Sans" pitchFamily="34" charset="0"/>
                 <a:cs typeface="Open Sans" pitchFamily="34" charset="0"/>
               </a:rPr>
-              <a:t>Online Forums</a:t>
+              <a:t>在线论坛</a:t>
             </a:r>
           </a:p>
         </p:txBody>
       </p:sp>
       <p:sp>
         <p:nvSpPr>
-          <p:cNvPr id="63" name="object 39">
-            <a:extLst>
-              <a:ext uri="{FF2B5EF4-FFF2-40B4-BE49-F238E27FC236}">
-                <a16:creationId xmlns:a16="http://schemas.microsoft.com/office/drawing/2014/main" id="{5FDB276C-3505-C748-B612-64E8B08A71CB}"/>
-              </a:ext>
-            </a:extLst>
-          </p:cNvPr>
+          <p:cNvPr id="63" name="object 39"/>
           <p:cNvSpPr txBox="1"/>
           <p:nvPr/>
         </p:nvSpPr>
@@ -9767,23 +8832,15 @@
                 </a:solidFill>
                 <a:latin typeface="Adobe Clean Light" panose="020B0303020404020204" pitchFamily="34" charset="0"/>
               </a:rPr>
-              <a:t>Continuous online access to a growing database of technical solutions, product documentation, FAQs and more. Connect with practitioners and other customers on Adobe Community to share best practices and lessons learned.</a:t>
+              <a:t>持续在线访问包括技术解决方案、产品文档、常见问题解答等的不断增长的数据库。在 Adobe 社区与从业人员和其他客户联系，分享最佳实践和经验教训。</a:t>
             </a:r>
           </a:p>
         </p:txBody>
       </p:sp>
       <p:sp>
         <p:nvSpPr>
-          <p:cNvPr id="64" name="TextBox 63">
-            <a:extLst>
-              <a:ext uri="{FF2B5EF4-FFF2-40B4-BE49-F238E27FC236}">
-                <a16:creationId xmlns:a16="http://schemas.microsoft.com/office/drawing/2014/main" id="{307D5718-D08A-9540-BB33-65BD23443E9E}"/>
-              </a:ext>
-            </a:extLst>
-          </p:cNvPr>
-          <p:cNvSpPr txBox="1">
-            <a:spLocks/>
-          </p:cNvSpPr>
+          <p:cNvPr id="64" name="TextBox 63"/>
+          <p:cNvSpPr txBox="1"/>
           <p:nvPr/>
         </p:nvSpPr>
         <p:spPr>
@@ -9827,16 +8884,8 @@
       </p:sp>
       <p:sp>
         <p:nvSpPr>
-          <p:cNvPr id="65" name="Rectangle 64">
-            <a:extLst>
-              <a:ext uri="{FF2B5EF4-FFF2-40B4-BE49-F238E27FC236}">
-                <a16:creationId xmlns:a16="http://schemas.microsoft.com/office/drawing/2014/main" id="{6E1B1B00-5842-3A4E-A250-97EC5CF16C89}"/>
-              </a:ext>
-            </a:extLst>
-          </p:cNvPr>
-          <p:cNvSpPr>
-            <a:spLocks/>
-          </p:cNvSpPr>
+          <p:cNvPr id="65" name="Rectangle 64"/>
+          <p:cNvSpPr/>
           <p:nvPr/>
         </p:nvSpPr>
         <p:spPr>
@@ -9868,20 +8917,14 @@
                 <a:ea typeface="Open Sans" pitchFamily="34" charset="0"/>
                 <a:cs typeface="Open Sans" pitchFamily="34" charset="0"/>
               </a:rPr>
-              <a:t>Self-guided Journeys</a:t>
+              <a:t>自助式历程</a:t>
             </a:r>
           </a:p>
         </p:txBody>
       </p:sp>
       <p:sp>
         <p:nvSpPr>
-          <p:cNvPr id="67" name="object 39">
-            <a:extLst>
-              <a:ext uri="{FF2B5EF4-FFF2-40B4-BE49-F238E27FC236}">
-                <a16:creationId xmlns:a16="http://schemas.microsoft.com/office/drawing/2014/main" id="{22816550-445E-B945-8FBC-36EF6779CB5A}"/>
-              </a:ext>
-            </a:extLst>
-          </p:cNvPr>
+          <p:cNvPr id="67" name="object 39"/>
           <p:cNvSpPr txBox="1"/>
           <p:nvPr/>
         </p:nvSpPr>
@@ -9907,23 +8950,15 @@
                 </a:solidFill>
                 <a:latin typeface="Adobe Clean Light" panose="020B0303020404020204" pitchFamily="34" charset="0"/>
               </a:rPr>
-              <a:t>Experience Makers are made with Experience League. Customers can kickstart their Customer Experience Management abilities with personalized learning to develop skills, engage with a global community of peers, and earn career advancing recognition. </a:t>
+              <a:t>Experience Makers 是使用 Experience League 创建的。客户可以通过个性化学习来获得客户体验管理能力，从而培养技能、与全球同行社区互动并获得职业发展的认可。</a:t>
             </a:r>
           </a:p>
         </p:txBody>
       </p:sp>
       <p:sp>
         <p:nvSpPr>
-          <p:cNvPr id="68" name="TextBox 67">
-            <a:extLst>
-              <a:ext uri="{FF2B5EF4-FFF2-40B4-BE49-F238E27FC236}">
-                <a16:creationId xmlns:a16="http://schemas.microsoft.com/office/drawing/2014/main" id="{9ECD1BA6-CEEE-844E-AF6F-559A8A63D75E}"/>
-              </a:ext>
-            </a:extLst>
-          </p:cNvPr>
-          <p:cNvSpPr txBox="1">
-            <a:spLocks/>
-          </p:cNvSpPr>
+          <p:cNvPr id="68" name="TextBox 67"/>
+          <p:cNvSpPr txBox="1"/>
           <p:nvPr/>
         </p:nvSpPr>
         <p:spPr>
@@ -9960,23 +8995,15 @@
                   <a:srgbClr val="000000"/>
                 </a:solidFill>
               </a:rPr>
-              <a:t>Office Hours</a:t>
+              <a:t>办公室会议</a:t>
             </a:r>
           </a:p>
         </p:txBody>
       </p:sp>
       <p:sp>
         <p:nvSpPr>
-          <p:cNvPr id="69" name="Rectangle 68">
-            <a:extLst>
-              <a:ext uri="{FF2B5EF4-FFF2-40B4-BE49-F238E27FC236}">
-                <a16:creationId xmlns:a16="http://schemas.microsoft.com/office/drawing/2014/main" id="{7DA7CB19-F565-574F-B3FA-E89DD1FA6586}"/>
-              </a:ext>
-            </a:extLst>
-          </p:cNvPr>
-          <p:cNvSpPr>
-            <a:spLocks/>
-          </p:cNvSpPr>
+          <p:cNvPr id="69" name="Rectangle 68"/>
+          <p:cNvSpPr/>
           <p:nvPr/>
         </p:nvSpPr>
         <p:spPr>
@@ -10008,20 +9035,14 @@
                 <a:ea typeface="Open Sans" pitchFamily="34" charset="0"/>
                 <a:cs typeface="Open Sans" pitchFamily="34" charset="0"/>
               </a:rPr>
-              <a:t>Webinars</a:t>
+              <a:t>网络研讨会</a:t>
             </a:r>
           </a:p>
         </p:txBody>
       </p:sp>
       <p:sp>
         <p:nvSpPr>
-          <p:cNvPr id="71" name="object 39">
-            <a:extLst>
-              <a:ext uri="{FF2B5EF4-FFF2-40B4-BE49-F238E27FC236}">
-                <a16:creationId xmlns:a16="http://schemas.microsoft.com/office/drawing/2014/main" id="{10E2A620-85A0-BF43-9C3B-EBFDC57F1C94}"/>
-              </a:ext>
-            </a:extLst>
-          </p:cNvPr>
+          <p:cNvPr id="71" name="object 39"/>
           <p:cNvSpPr txBox="1"/>
           <p:nvPr/>
         </p:nvSpPr>
@@ -10047,23 +9068,15 @@
                 </a:solidFill>
                 <a:latin typeface="Adobe Clean Light" panose="020B0303020404020204" pitchFamily="34" charset="0"/>
               </a:rPr>
-              <a:t>Office  Hours  led  by  the  Adobe  Customer Support  team  includes  sessions  designed to  inform  as  well  as  help  participants troubleshoot  problems  and  provide  tips and  tricks  for  success  with  Adobe  solutions.</a:t>
+              <a:t>Adobe 客户支持团队开展的“办公室会议”计划包括各种讲座，旨在指导并帮助参与者排除问题，并提供有助于 Adobe 解决方案发挥成效的提示和技巧。</a:t>
             </a:r>
           </a:p>
         </p:txBody>
       </p:sp>
       <p:sp>
         <p:nvSpPr>
-          <p:cNvPr id="72" name="TextBox 71">
-            <a:extLst>
-              <a:ext uri="{FF2B5EF4-FFF2-40B4-BE49-F238E27FC236}">
-                <a16:creationId xmlns:a16="http://schemas.microsoft.com/office/drawing/2014/main" id="{0393F152-F7E3-7D4B-B649-5A22771A6CDC}"/>
-              </a:ext>
-            </a:extLst>
-          </p:cNvPr>
-          <p:cNvSpPr txBox="1">
-            <a:spLocks/>
-          </p:cNvSpPr>
+          <p:cNvPr id="72" name="TextBox 71"/>
+          <p:cNvSpPr txBox="1"/>
           <p:nvPr/>
         </p:nvSpPr>
         <p:spPr>
@@ -10091,7 +9104,7 @@
             </a:lvl1pPr>
           </a:lstStyle>
           <a:p>
-            <a:pPr defTabSz="913563">
+            <a:pPr defTabSz="913765">
               <a:defRPr/>
             </a:pPr>
             <a:r>
@@ -10100,23 +9113,15 @@
                   <a:srgbClr val="000000"/>
                 </a:solidFill>
               </a:rPr>
-              <a:t>Self-help Portals</a:t>
+              <a:t>自助门户</a:t>
             </a:r>
           </a:p>
         </p:txBody>
       </p:sp>
       <p:sp>
         <p:nvSpPr>
-          <p:cNvPr id="73" name="Rectangle 72">
-            <a:extLst>
-              <a:ext uri="{FF2B5EF4-FFF2-40B4-BE49-F238E27FC236}">
-                <a16:creationId xmlns:a16="http://schemas.microsoft.com/office/drawing/2014/main" id="{54CB0472-0ABB-194C-8704-0BEA64FA03BF}"/>
-              </a:ext>
-            </a:extLst>
-          </p:cNvPr>
-          <p:cNvSpPr>
-            <a:spLocks/>
-          </p:cNvSpPr>
+          <p:cNvPr id="73" name="Rectangle 72"/>
+          <p:cNvSpPr/>
           <p:nvPr/>
         </p:nvSpPr>
         <p:spPr>
@@ -10148,20 +9153,14 @@
                 <a:ea typeface="Open Sans" pitchFamily="34" charset="0"/>
                 <a:cs typeface="Open Sans" pitchFamily="34" charset="0"/>
               </a:rPr>
-              <a:t>24/7 Support Portal</a:t>
+              <a:t>全天候支持门户</a:t>
             </a:r>
           </a:p>
         </p:txBody>
       </p:sp>
       <p:sp>
         <p:nvSpPr>
-          <p:cNvPr id="75" name="object 39">
-            <a:extLst>
-              <a:ext uri="{FF2B5EF4-FFF2-40B4-BE49-F238E27FC236}">
-                <a16:creationId xmlns:a16="http://schemas.microsoft.com/office/drawing/2014/main" id="{C2C0178A-612A-E74E-A0F8-532A89A66F0C}"/>
-              </a:ext>
-            </a:extLst>
-          </p:cNvPr>
+          <p:cNvPr id="75" name="object 39"/>
           <p:cNvSpPr txBox="1"/>
           <p:nvPr/>
         </p:nvSpPr>
@@ -10187,23 +9186,15 @@
                 </a:solidFill>
                 <a:latin typeface="Adobe Clean Light" panose="020B0303020404020204" pitchFamily="34" charset="0"/>
               </a:rPr>
-              <a:t>On-demand access to the online Self-help Support Portal to submit support requests, review case status, and browse other resources, like our knowledgebase, news and alerts, featured tips, and more.</a:t>
+              <a:t>按需访问在线自助支持门户以提交支持请求、查看案例状态并浏览其他资源，例如我们的知识库、新闻和通知、特色小贴士等。</a:t>
             </a:r>
           </a:p>
         </p:txBody>
       </p:sp>
       <p:sp>
         <p:nvSpPr>
-          <p:cNvPr id="77" name="TextBox 76">
-            <a:extLst>
-              <a:ext uri="{FF2B5EF4-FFF2-40B4-BE49-F238E27FC236}">
-                <a16:creationId xmlns:a16="http://schemas.microsoft.com/office/drawing/2014/main" id="{3C8012AA-ACFC-F14A-9871-8C8BC94B3109}"/>
-              </a:ext>
-            </a:extLst>
-          </p:cNvPr>
-          <p:cNvSpPr txBox="1">
-            <a:spLocks/>
-          </p:cNvSpPr>
+          <p:cNvPr id="77" name="TextBox 76"/>
+          <p:cNvSpPr txBox="1"/>
           <p:nvPr/>
         </p:nvSpPr>
         <p:spPr>
@@ -10240,23 +9231,15 @@
                   <a:srgbClr val="000000"/>
                 </a:solidFill>
               </a:rPr>
-              <a:t>Live Chat  Support*</a:t>
+              <a:t>实时聊天支持*</a:t>
             </a:r>
           </a:p>
         </p:txBody>
       </p:sp>
       <p:sp>
         <p:nvSpPr>
-          <p:cNvPr id="78" name="Rectangle 77">
-            <a:extLst>
-              <a:ext uri="{FF2B5EF4-FFF2-40B4-BE49-F238E27FC236}">
-                <a16:creationId xmlns:a16="http://schemas.microsoft.com/office/drawing/2014/main" id="{3FD5E5E8-A228-E646-A72D-9542B6773A8E}"/>
-              </a:ext>
-            </a:extLst>
-          </p:cNvPr>
-          <p:cNvSpPr>
-            <a:spLocks/>
-          </p:cNvSpPr>
+          <p:cNvPr id="78" name="Rectangle 77"/>
+          <p:cNvSpPr/>
           <p:nvPr/>
         </p:nvSpPr>
         <p:spPr>
@@ -10288,23 +9271,15 @@
                 <a:ea typeface="Open Sans" pitchFamily="34" charset="0"/>
                 <a:cs typeface="Open Sans" pitchFamily="34" charset="0"/>
               </a:rPr>
-              <a:t>Chat Support</a:t>
+              <a:t>聊天支持</a:t>
             </a:r>
           </a:p>
         </p:txBody>
       </p:sp>
       <p:sp>
         <p:nvSpPr>
-          <p:cNvPr id="80" name="TextBox 79">
-            <a:extLst>
-              <a:ext uri="{FF2B5EF4-FFF2-40B4-BE49-F238E27FC236}">
-                <a16:creationId xmlns:a16="http://schemas.microsoft.com/office/drawing/2014/main" id="{DAF3EBEF-0B3F-B542-A30E-3B7228432027}"/>
-              </a:ext>
-            </a:extLst>
-          </p:cNvPr>
-          <p:cNvSpPr txBox="1">
-            <a:spLocks/>
-          </p:cNvSpPr>
+          <p:cNvPr id="80" name="TextBox 79"/>
+          <p:cNvSpPr txBox="1"/>
           <p:nvPr/>
         </p:nvSpPr>
         <p:spPr>
@@ -10341,23 +9316,15 @@
                   <a:srgbClr val="000000"/>
                 </a:solidFill>
               </a:rPr>
-              <a:t>24 X 7 X 365 P1 </a:t>
+              <a:t>全天候 P1 </a:t>
             </a:r>
           </a:p>
         </p:txBody>
       </p:sp>
       <p:sp>
         <p:nvSpPr>
-          <p:cNvPr id="81" name="Rectangle 80">
-            <a:extLst>
-              <a:ext uri="{FF2B5EF4-FFF2-40B4-BE49-F238E27FC236}">
-                <a16:creationId xmlns:a16="http://schemas.microsoft.com/office/drawing/2014/main" id="{075E4356-C31F-674D-B927-91CC2C099FA3}"/>
-              </a:ext>
-            </a:extLst>
-          </p:cNvPr>
-          <p:cNvSpPr>
-            <a:spLocks/>
-          </p:cNvSpPr>
+          <p:cNvPr id="81" name="Rectangle 80"/>
+          <p:cNvSpPr/>
           <p:nvPr/>
         </p:nvSpPr>
         <p:spPr>
@@ -10389,27 +9356,21 @@
                 <a:ea typeface="Open Sans" pitchFamily="34" charset="0"/>
                 <a:cs typeface="Open Sans" pitchFamily="34" charset="0"/>
               </a:rPr>
-              <a:t>Phone  Support</a:t>
+              <a:t>电话支持</a:t>
             </a:r>
           </a:p>
         </p:txBody>
       </p:sp>
       <p:sp>
         <p:nvSpPr>
-          <p:cNvPr id="82" name="object 39">
-            <a:extLst>
-              <a:ext uri="{FF2B5EF4-FFF2-40B4-BE49-F238E27FC236}">
-                <a16:creationId xmlns:a16="http://schemas.microsoft.com/office/drawing/2014/main" id="{95A83EB9-E8E1-7547-BBE3-E1F42C56BF6A}"/>
-              </a:ext>
-            </a:extLst>
-          </p:cNvPr>
+          <p:cNvPr id="82" name="object 39"/>
           <p:cNvSpPr txBox="1"/>
           <p:nvPr/>
         </p:nvSpPr>
         <p:spPr>
           <a:xfrm>
-            <a:off x="3833993" y="8494028"/>
-            <a:ext cx="3413002" cy="497572"/>
+            <a:off x="3834130" y="8474075"/>
+            <a:ext cx="3199765" cy="497205"/>
           </a:xfrm>
           <a:prstGeom prst="rect">
             <a:avLst/>
@@ -10428,13 +9389,13 @@
                 </a:solidFill>
                 <a:latin typeface="AdobeClean-Light"/>
               </a:rPr>
-              <a:t>Authorized users or Named Support Contacts </a:t>
+              <a:t>授权用户或指定的支持联系人</a:t>
             </a:r>
             <a:r>
               <a:rPr lang="en-US" sz="1000" dirty="0">
                 <a:latin typeface="Adobe Clean Light" panose="020B0303020404020204" pitchFamily="34" charset="0"/>
               </a:rPr>
-              <a:t>can submit issues through all available  channels (including phone for P1) and interact with our technical support team on behalf of your company. </a:t>
+              <a:t>可以通过所有可用渠道（包括 P1 的电话）提交问题，并代表您的公司与我们的技术支持团队互动。</a:t>
             </a:r>
             <a:endParaRPr lang="en-US" sz="1000" dirty="0">
               <a:solidFill>
@@ -10447,13 +9408,7 @@
       </p:sp>
       <p:sp>
         <p:nvSpPr>
-          <p:cNvPr id="84" name="object 10">
-            <a:extLst>
-              <a:ext uri="{FF2B5EF4-FFF2-40B4-BE49-F238E27FC236}">
-                <a16:creationId xmlns:a16="http://schemas.microsoft.com/office/drawing/2014/main" id="{CBCF4964-CAC8-F146-B2E2-51ED8B3DC99A}"/>
-              </a:ext>
-            </a:extLst>
-          </p:cNvPr>
+          <p:cNvPr id="84" name="object 10"/>
           <p:cNvSpPr txBox="1">
             <a:spLocks noGrp="1"/>
           </p:cNvSpPr>
@@ -10464,7 +9419,7 @@
         <p:spPr>
           <a:xfrm>
             <a:off x="5253416" y="9862966"/>
-            <a:ext cx="2270125" cy="132729"/>
+            <a:ext cx="2823784" cy="132729"/>
           </a:xfrm>
           <a:prstGeom prst="rect">
             <a:avLst/>
@@ -10485,23 +9440,15 @@
               </a:spcBef>
             </a:pPr>
             <a:r>
-              <a:rPr spc="-5" dirty="0"/>
-              <a:t>©202</a:t>
-            </a:r>
-            <a:r>
               <a:rPr lang="en-US" spc="-5" dirty="0"/>
-              <a:t>1</a:t>
-            </a:r>
-            <a:r>
-              <a:rPr spc="-5" dirty="0"/>
-              <a:t> Adobe. All Rights Reserved. Adobe</a:t>
-            </a:r>
-            <a:r>
-              <a:rPr spc="60" dirty="0"/>
+              <a:t>©2021 Adobe.All Rights Reserved.Adobe</a:t>
+            </a:r>
+            <a:r>
+              <a:rPr lang="en-US" spc="60" dirty="0"/>
               <a:t> </a:t>
             </a:r>
             <a:r>
-              <a:rPr spc="-5" dirty="0"/>
+              <a:rPr lang="en-US" spc="-5" dirty="0"/>
               <a:t>Confidential.</a:t>
             </a:r>
           </a:p>
@@ -10509,13 +9456,7 @@
       </p:sp>
       <p:pic>
         <p:nvPicPr>
-          <p:cNvPr id="40" name="Graphic 39" descr="Customer review outline">
-            <a:extLst>
-              <a:ext uri="{FF2B5EF4-FFF2-40B4-BE49-F238E27FC236}">
-                <a16:creationId xmlns:a16="http://schemas.microsoft.com/office/drawing/2014/main" id="{4E262C55-4C32-2544-98DA-C02B8E971D1B}"/>
-              </a:ext>
-            </a:extLst>
-          </p:cNvPr>
+          <p:cNvPr id="40" name="Graphic 39" descr="客户审查轮廓图"/>
           <p:cNvPicPr>
             <a:picLocks noChangeAspect="1"/>
           </p:cNvPicPr>
@@ -10548,13 +9489,7 @@
       </p:pic>
       <p:pic>
         <p:nvPicPr>
-          <p:cNvPr id="43" name="Graphic 42" descr="Remote learning language outline">
-            <a:extLst>
-              <a:ext uri="{FF2B5EF4-FFF2-40B4-BE49-F238E27FC236}">
-                <a16:creationId xmlns:a16="http://schemas.microsoft.com/office/drawing/2014/main" id="{E6296687-6BD9-6048-A379-6D8F8F04D10C}"/>
-              </a:ext>
-            </a:extLst>
-          </p:cNvPr>
+          <p:cNvPr id="43" name="Graphic 42" descr="远程学习语言轮廓图"/>
           <p:cNvPicPr>
             <a:picLocks noChangeAspect="1"/>
           </p:cNvPicPr>
@@ -10587,13 +9522,7 @@
       </p:pic>
       <p:pic>
         <p:nvPicPr>
-          <p:cNvPr id="44" name="Graphic 43" descr="Signpost outline">
-            <a:extLst>
-              <a:ext uri="{FF2B5EF4-FFF2-40B4-BE49-F238E27FC236}">
-                <a16:creationId xmlns:a16="http://schemas.microsoft.com/office/drawing/2014/main" id="{A7AEBE03-711D-0D45-9260-22F215047C1D}"/>
-              </a:ext>
-            </a:extLst>
-          </p:cNvPr>
+          <p:cNvPr id="44" name="Graphic 43" descr="路标轮廓图"/>
           <p:cNvPicPr>
             <a:picLocks noChangeAspect="1"/>
           </p:cNvPicPr>
@@ -10626,13 +9555,7 @@
       </p:pic>
       <p:pic>
         <p:nvPicPr>
-          <p:cNvPr id="45" name="Graphic 44" descr="Internet outline">
-            <a:extLst>
-              <a:ext uri="{FF2B5EF4-FFF2-40B4-BE49-F238E27FC236}">
-                <a16:creationId xmlns:a16="http://schemas.microsoft.com/office/drawing/2014/main" id="{53393DA1-2F49-204A-98D0-CC1953C765FE}"/>
-              </a:ext>
-            </a:extLst>
-          </p:cNvPr>
+          <p:cNvPr id="45" name="Graphic 44" descr="Internet 轮廓图"/>
           <p:cNvPicPr>
             <a:picLocks noChangeAspect="1"/>
           </p:cNvPicPr>
@@ -10665,13 +9588,7 @@
       </p:pic>
       <p:pic>
         <p:nvPicPr>
-          <p:cNvPr id="47" name="Graphic 46" descr="Chat bubble outline">
-            <a:extLst>
-              <a:ext uri="{FF2B5EF4-FFF2-40B4-BE49-F238E27FC236}">
-                <a16:creationId xmlns:a16="http://schemas.microsoft.com/office/drawing/2014/main" id="{FE42C6EE-710B-DF4A-BC9E-4EF15D56E0B2}"/>
-              </a:ext>
-            </a:extLst>
-          </p:cNvPr>
+          <p:cNvPr id="47" name="Graphic 46" descr="聊天气泡轮廓图"/>
           <p:cNvPicPr>
             <a:picLocks noChangeAspect="1"/>
           </p:cNvPicPr>
@@ -10704,13 +9621,7 @@
       </p:pic>
       <p:pic>
         <p:nvPicPr>
-          <p:cNvPr id="51" name="Graphic 50" descr="Speaker phone outline">
-            <a:extLst>
-              <a:ext uri="{FF2B5EF4-FFF2-40B4-BE49-F238E27FC236}">
-                <a16:creationId xmlns:a16="http://schemas.microsoft.com/office/drawing/2014/main" id="{38A761D0-3F50-2A48-8BEE-9A284E6142EE}"/>
-              </a:ext>
-            </a:extLst>
-          </p:cNvPr>
+          <p:cNvPr id="51" name="Graphic 50" descr="免提电话轮廓图"/>
           <p:cNvPicPr>
             <a:picLocks noChangeAspect="1"/>
           </p:cNvPicPr>
@@ -10793,17 +9704,17 @@
               </a:lnSpc>
             </a:pPr>
             <a:r>
-              <a:rPr sz="500" spc="-5" dirty="0">
+              <a:rPr lang="en-US" sz="500" spc="-5" dirty="0">
                 <a:solidFill>
                   <a:srgbClr val="6C6C6C"/>
                 </a:solidFill>
                 <a:latin typeface="Adobe Clean"/>
                 <a:cs typeface="Adobe Clean"/>
               </a:rPr>
-              <a:t>©2020 Adobe. All Rights Reserved. </a:t>
-            </a:r>
-            <a:r>
-              <a:rPr sz="500" dirty="0">
+              <a:t>© 2020 Adobe. All Rights Reserved.</a:t>
+            </a:r>
+            <a:r>
+              <a:rPr lang="en-US" sz="500" dirty="0">
                 <a:solidFill>
                   <a:srgbClr val="6C6C6C"/>
                 </a:solidFill>
@@ -10813,7 +9724,7 @@
               <a:t>Adobe</a:t>
             </a:r>
             <a:r>
-              <a:rPr sz="500" spc="5" dirty="0">
+              <a:rPr lang="en-US" sz="500" spc="5" dirty="0">
                 <a:solidFill>
                   <a:srgbClr val="6C6C6C"/>
                 </a:solidFill>
@@ -10823,7 +9734,7 @@
               <a:t> </a:t>
             </a:r>
             <a:r>
-              <a:rPr sz="500" spc="-5" dirty="0">
+              <a:rPr lang="en-US" sz="500" spc="-5" dirty="0">
                 <a:solidFill>
                   <a:srgbClr val="6C6C6C"/>
                 </a:solidFill>
@@ -10861,17 +9772,17 @@
               </a:spcBef>
             </a:pPr>
             <a:r>
-              <a:rPr sz="800" spc="-5" dirty="0">
+              <a:rPr lang="en-US" sz="800" spc="-5" dirty="0">
                 <a:solidFill>
                   <a:srgbClr val="6D6D6D"/>
                 </a:solidFill>
                 <a:latin typeface="Adobe Clean"/>
                 <a:cs typeface="Adobe Clean"/>
               </a:rPr>
-              <a:t>©2020 Adobe. All Rights Reserved. Adobe</a:t>
-            </a:r>
-            <a:r>
-              <a:rPr sz="800" spc="75" dirty="0">
+              <a:t>© 2020 Adobe. All Rights Reserved.Adobe</a:t>
+            </a:r>
+            <a:r>
+              <a:rPr lang="en-US" sz="800" spc="75" dirty="0">
                 <a:solidFill>
                   <a:srgbClr val="6D6D6D"/>
                 </a:solidFill>
@@ -10881,7 +9792,7 @@
               <a:t> </a:t>
             </a:r>
             <a:r>
-              <a:rPr sz="800" spc="-5" dirty="0">
+              <a:rPr lang="en-US" sz="800" spc="-5" dirty="0">
                 <a:solidFill>
                   <a:srgbClr val="6D6D6D"/>
                 </a:solidFill>
@@ -10984,7 +9895,7 @@
                 <a:latin typeface="Adobe Clean"/>
                 <a:cs typeface="Adobe Clean"/>
               </a:rPr>
-              <a:t>Resources</a:t>
+              <a:t>资源</a:t>
             </a:r>
             <a:endParaRPr sz="1400" dirty="0">
               <a:latin typeface="Adobe Clean"/>
@@ -11002,14 +9913,14 @@
         <p:spPr>
           <a:xfrm>
             <a:off x="6754821" y="9283729"/>
-            <a:ext cx="930275" cy="758541"/>
+            <a:ext cx="930275" cy="662305"/>
           </a:xfrm>
           <a:prstGeom prst="rect">
             <a:avLst/>
           </a:prstGeom>
         </p:spPr>
         <p:txBody>
-          <a:bodyPr vert="horz" wrap="square" lIns="0" tIns="12065" rIns="0" bIns="0" rtlCol="0" anchor="t">
+          <a:bodyPr vert="horz" wrap="square" lIns="0" tIns="12065" rIns="0" bIns="0" rtlCol="0">
             <a:spAutoFit/>
           </a:bodyPr>
           <a:lstStyle/>
@@ -11023,7 +9934,7 @@
               </a:spcBef>
             </a:pPr>
             <a:r>
-              <a:rPr sz="800" spc="-15" dirty="0">
+              <a:rPr lang="en-US" sz="800" spc="-15" dirty="0">
                 <a:solidFill>
                   <a:srgbClr val="777879"/>
                 </a:solidFill>
@@ -11044,16 +9955,6 @@
               </a:lnSpc>
             </a:pPr>
             <a:r>
-              <a:rPr sz="800" spc="-15" dirty="0">
-                <a:solidFill>
-                  <a:srgbClr val="777879"/>
-                </a:solidFill>
-                <a:latin typeface="Adobe Clean"/>
-                <a:cs typeface="Adobe Clean"/>
-              </a:rPr>
-              <a:t>345 </a:t>
-            </a:r>
-            <a:r>
               <a:rPr lang="en-US" sz="800" spc="-15" dirty="0">
                 <a:solidFill>
                   <a:srgbClr val="777879"/>
@@ -11061,9 +9962,29 @@
                 <a:latin typeface="Adobe Clean"/>
                 <a:cs typeface="Adobe Clean"/>
               </a:rPr>
-              <a:t>Park Avenue</a:t>
-            </a:r>
-            <a:endParaRPr sz="800" dirty="0">
+              <a:t>345 Park</a:t>
+            </a:r>
+            <a:r>
+              <a:rPr lang="en-US" sz="800" spc="-100" dirty="0">
+                <a:solidFill>
+                  <a:srgbClr val="777879"/>
+                </a:solidFill>
+                <a:latin typeface="Adobe Clean"/>
+                <a:cs typeface="Adobe Clean"/>
+              </a:rPr>
+              <a:t> </a:t>
+            </a:r>
+            <a:r>
+              <a:rPr lang="en-US" sz="800" spc="-15" dirty="0">
+                <a:solidFill>
+                  <a:srgbClr val="777879"/>
+                </a:solidFill>
+                <a:latin typeface="Adobe Clean"/>
+                <a:cs typeface="Adobe Clean"/>
+              </a:rPr>
+              <a:t>Avenue</a:t>
+            </a:r>
+            <a:endParaRPr sz="800">
               <a:latin typeface="Adobe Clean"/>
               <a:cs typeface="Adobe Clean"/>
             </a:endParaRPr>
@@ -11071,11 +9992,11 @@
           <a:p>
             <a:pPr marL="12700">
               <a:lnSpc>
-                <a:spcPts val="944"/>
+                <a:spcPts val="945"/>
               </a:lnSpc>
             </a:pPr>
             <a:r>
-              <a:rPr sz="800" spc="-10" dirty="0">
+              <a:rPr lang="en-US" sz="800" spc="-10" dirty="0">
                 <a:solidFill>
                   <a:srgbClr val="777879"/>
                 </a:solidFill>
@@ -11085,7 +10006,7 @@
               <a:t>San </a:t>
             </a:r>
             <a:r>
-              <a:rPr sz="800" spc="-15" dirty="0">
+              <a:rPr lang="en-US" sz="800" spc="-15" dirty="0">
                 <a:solidFill>
                   <a:srgbClr val="777879"/>
                 </a:solidFill>
@@ -11095,7 +10016,7 @@
               <a:t>Jose,</a:t>
             </a:r>
             <a:r>
-              <a:rPr sz="800" spc="-140" dirty="0">
+              <a:rPr lang="en-US" sz="800" spc="-140" dirty="0">
                 <a:solidFill>
                   <a:srgbClr val="777879"/>
                 </a:solidFill>
@@ -11105,7 +10026,7 @@
               <a:t> </a:t>
             </a:r>
             <a:r>
-              <a:rPr sz="800" spc="-20" dirty="0">
+              <a:rPr lang="en-US" sz="800" spc="-20" dirty="0">
                 <a:solidFill>
                   <a:srgbClr val="777879"/>
                 </a:solidFill>
@@ -11129,7 +10050,7 @@
               </a:spcBef>
             </a:pPr>
             <a:r>
-              <a:rPr sz="800" spc="-10" dirty="0">
+              <a:rPr lang="en-US" sz="800" spc="-10" dirty="0">
                 <a:solidFill>
                   <a:srgbClr val="777879"/>
                 </a:solidFill>
@@ -11153,7 +10074,7 @@
               </a:spcBef>
             </a:pPr>
             <a:r>
-              <a:rPr sz="800" u="sng" spc="-25" dirty="0">
+              <a:rPr lang="en-US" sz="800" u="sng" spc="-25" dirty="0">
                 <a:solidFill>
                   <a:srgbClr val="5F5F5F"/>
                 </a:solidFill>
@@ -11166,7 +10087,7 @@
                 <a:cs typeface="Adobe Clean"/>
                 <a:hlinkClick r:id="rId3"/>
               </a:rPr>
-              <a:t>www.adobe.com</a:t>
+              <a:t>www.adobe.com/cn/</a:t>
             </a:r>
             <a:endParaRPr sz="800">
               <a:latin typeface="Adobe Clean"/>
@@ -11332,7 +10253,7 @@
           </a:prstGeom>
         </p:spPr>
         <p:txBody>
-          <a:bodyPr vert="horz" wrap="square" lIns="0" tIns="29845" rIns="0" bIns="0" rtlCol="0" anchor="t">
+          <a:bodyPr vert="horz" wrap="square" lIns="0" tIns="29845" rIns="0" bIns="0" rtlCol="0">
             <a:spAutoFit/>
           </a:bodyPr>
           <a:lstStyle/>
@@ -11346,17 +10267,27 @@
               </a:spcBef>
             </a:pPr>
             <a:r>
-              <a:rPr sz="1100" i="1" spc="-10" dirty="0">
+              <a:rPr lang="en-US" sz="1100" i="1" spc="-10" dirty="0">
                 <a:solidFill>
                   <a:srgbClr val="777879"/>
                 </a:solidFill>
                 <a:latin typeface="AdobeClean-LightIt"/>
                 <a:cs typeface="AdobeClean-LightIt"/>
               </a:rPr>
-              <a:t>To</a:t>
-            </a:r>
-            <a:r>
-              <a:rPr sz="1100" i="1" spc="-50" dirty="0">
+              <a:t>要</a:t>
+            </a:r>
+            <a:r>
+              <a:rPr lang="en-US" sz="1100" i="1" spc="-15" dirty="0">
+                <a:solidFill>
+                  <a:srgbClr val="777879"/>
+                </a:solidFill>
+                <a:latin typeface="AdobeClean-LightIt"/>
+                <a:cs typeface="AdobeClean-LightIt"/>
+              </a:rPr>
+              <a:t>详细了解</a:t>
+            </a:r>
+            <a:r>
+              <a:rPr lang="en-US" sz="1100" i="1" spc="-45" dirty="0">
                 <a:solidFill>
                   <a:srgbClr val="777879"/>
                 </a:solidFill>
@@ -11366,17 +10297,17 @@
               <a:t> </a:t>
             </a:r>
             <a:r>
-              <a:rPr sz="1100" i="1" spc="-15" dirty="0">
+              <a:rPr lang="en-US" sz="1100" i="1" spc="-15" dirty="0">
                 <a:solidFill>
                   <a:srgbClr val="777879"/>
                 </a:solidFill>
                 <a:latin typeface="AdobeClean-LightIt"/>
                 <a:cs typeface="AdobeClean-LightIt"/>
               </a:rPr>
-              <a:t>learn</a:t>
-            </a:r>
-            <a:r>
-              <a:rPr sz="1100" i="1" spc="-40" dirty="0">
+              <a:t>Adobe</a:t>
+            </a:r>
+            <a:r>
+              <a:rPr lang="en-US" sz="1100" i="1" spc="-60" dirty="0">
                 <a:solidFill>
                   <a:srgbClr val="777879"/>
                 </a:solidFill>
@@ -11386,76 +10317,6 @@
               <a:t> </a:t>
             </a:r>
             <a:r>
-              <a:rPr sz="1100" i="1" spc="-15" dirty="0">
-                <a:solidFill>
-                  <a:srgbClr val="777879"/>
-                </a:solidFill>
-                <a:latin typeface="AdobeClean-LightIt"/>
-                <a:cs typeface="AdobeClean-LightIt"/>
-              </a:rPr>
-              <a:t>more</a:t>
-            </a:r>
-            <a:r>
-              <a:rPr sz="1100" i="1" spc="-45" dirty="0">
-                <a:solidFill>
-                  <a:srgbClr val="777879"/>
-                </a:solidFill>
-                <a:latin typeface="AdobeClean-LightIt"/>
-                <a:cs typeface="AdobeClean-LightIt"/>
-              </a:rPr>
-              <a:t> </a:t>
-            </a:r>
-            <a:r>
-              <a:rPr sz="1100" i="1" spc="-15" dirty="0">
-                <a:solidFill>
-                  <a:srgbClr val="777879"/>
-                </a:solidFill>
-                <a:latin typeface="AdobeClean-LightIt"/>
-                <a:cs typeface="AdobeClean-LightIt"/>
-              </a:rPr>
-              <a:t>about</a:t>
-            </a:r>
-            <a:r>
-              <a:rPr sz="1100" i="1" spc="-45" dirty="0">
-                <a:solidFill>
-                  <a:srgbClr val="777879"/>
-                </a:solidFill>
-                <a:latin typeface="AdobeClean-LightIt"/>
-                <a:cs typeface="AdobeClean-LightIt"/>
-              </a:rPr>
-              <a:t> </a:t>
-            </a:r>
-            <a:r>
-              <a:rPr sz="1100" i="1" spc="-15" dirty="0">
-                <a:solidFill>
-                  <a:srgbClr val="777879"/>
-                </a:solidFill>
-                <a:latin typeface="AdobeClean-LightIt"/>
-                <a:cs typeface="AdobeClean-LightIt"/>
-              </a:rPr>
-              <a:t>Adobe</a:t>
-            </a:r>
-            <a:r>
-              <a:rPr sz="1100" i="1" spc="-60" dirty="0">
-                <a:solidFill>
-                  <a:srgbClr val="777879"/>
-                </a:solidFill>
-                <a:latin typeface="AdobeClean-LightIt"/>
-                <a:cs typeface="AdobeClean-LightIt"/>
-              </a:rPr>
-              <a:t> </a:t>
-            </a:r>
-            <a:r>
-              <a:rPr sz="1100" i="1" spc="-15" dirty="0">
-                <a:solidFill>
-                  <a:srgbClr val="777879"/>
-                </a:solidFill>
-                <a:latin typeface="AdobeClean-LightIt"/>
-                <a:cs typeface="AdobeClean-LightIt"/>
-              </a:rPr>
-              <a:t>Support</a:t>
-            </a:r>
-            <a:r>
               <a:rPr lang="en-US" sz="1100" i="1" spc="-15" dirty="0">
                 <a:solidFill>
                   <a:srgbClr val="777879"/>
@@ -11463,227 +10324,17 @@
                 <a:latin typeface="AdobeClean-LightIt"/>
                 <a:cs typeface="AdobeClean-LightIt"/>
               </a:rPr>
-              <a:t> Offerings</a:t>
-            </a:r>
-            <a:r>
-              <a:rPr sz="1100" i="1" spc="-75" dirty="0">
+              <a:t>支持产品/服务和您的适当级别，请联系指定</a:t>
+            </a:r>
+            <a:r>
+              <a:rPr lang="en-US" sz="1100" i="1" spc="-25" dirty="0">
                 <a:solidFill>
                   <a:srgbClr val="777879"/>
                 </a:solidFill>
                 <a:latin typeface="AdobeClean-LightIt"/>
                 <a:cs typeface="AdobeClean-LightIt"/>
               </a:rPr>
-              <a:t> </a:t>
-            </a:r>
-            <a:r>
-              <a:rPr sz="1100" i="1" spc="-15" dirty="0">
-                <a:solidFill>
-                  <a:srgbClr val="777879"/>
-                </a:solidFill>
-                <a:latin typeface="AdobeClean-LightIt"/>
-                <a:cs typeface="AdobeClean-LightIt"/>
-              </a:rPr>
-              <a:t>and</a:t>
-            </a:r>
-            <a:r>
-              <a:rPr sz="1100" i="1" spc="-50" dirty="0">
-                <a:solidFill>
-                  <a:srgbClr val="777879"/>
-                </a:solidFill>
-                <a:latin typeface="AdobeClean-LightIt"/>
-                <a:cs typeface="AdobeClean-LightIt"/>
-              </a:rPr>
-              <a:t> </a:t>
-            </a:r>
-            <a:r>
-              <a:rPr sz="1100" i="1" spc="-15" dirty="0">
-                <a:solidFill>
-                  <a:srgbClr val="777879"/>
-                </a:solidFill>
-                <a:latin typeface="AdobeClean-LightIt"/>
-                <a:cs typeface="AdobeClean-LightIt"/>
-              </a:rPr>
-              <a:t>the</a:t>
-            </a:r>
-            <a:r>
-              <a:rPr sz="1100" i="1" spc="-55" dirty="0">
-                <a:solidFill>
-                  <a:srgbClr val="777879"/>
-                </a:solidFill>
-                <a:latin typeface="AdobeClean-LightIt"/>
-                <a:cs typeface="AdobeClean-LightIt"/>
-              </a:rPr>
-              <a:t> </a:t>
-            </a:r>
-            <a:r>
-              <a:rPr sz="1100" i="1" spc="-15" dirty="0">
-                <a:solidFill>
-                  <a:srgbClr val="777879"/>
-                </a:solidFill>
-                <a:latin typeface="AdobeClean-LightIt"/>
-                <a:cs typeface="AdobeClean-LightIt"/>
-              </a:rPr>
-              <a:t>right</a:t>
-            </a:r>
-            <a:r>
-              <a:rPr sz="1100" i="1" spc="-95" dirty="0">
-                <a:solidFill>
-                  <a:srgbClr val="777879"/>
-                </a:solidFill>
-                <a:latin typeface="AdobeClean-LightIt"/>
-                <a:cs typeface="AdobeClean-LightIt"/>
-              </a:rPr>
-              <a:t> </a:t>
-            </a:r>
-            <a:r>
-              <a:rPr sz="1100" i="1" spc="-15" dirty="0">
-                <a:solidFill>
-                  <a:srgbClr val="777879"/>
-                </a:solidFill>
-                <a:latin typeface="AdobeClean-LightIt"/>
-                <a:cs typeface="AdobeClean-LightIt"/>
-              </a:rPr>
-              <a:t>level</a:t>
-            </a:r>
-            <a:r>
-              <a:rPr sz="1100" i="1" spc="-55" dirty="0">
-                <a:solidFill>
-                  <a:srgbClr val="777879"/>
-                </a:solidFill>
-                <a:latin typeface="AdobeClean-LightIt"/>
-                <a:cs typeface="AdobeClean-LightIt"/>
-              </a:rPr>
-              <a:t> </a:t>
-            </a:r>
-            <a:r>
-              <a:rPr sz="1100" i="1" spc="-15" dirty="0">
-                <a:solidFill>
-                  <a:srgbClr val="777879"/>
-                </a:solidFill>
-                <a:latin typeface="AdobeClean-LightIt"/>
-                <a:cs typeface="AdobeClean-LightIt"/>
-              </a:rPr>
-              <a:t>for</a:t>
-            </a:r>
-            <a:r>
-              <a:rPr sz="1100" i="1" spc="-85" dirty="0">
-                <a:solidFill>
-                  <a:srgbClr val="777879"/>
-                </a:solidFill>
-                <a:latin typeface="AdobeClean-LightIt"/>
-                <a:cs typeface="AdobeClean-LightIt"/>
-              </a:rPr>
-              <a:t> </a:t>
-            </a:r>
-            <a:r>
-              <a:rPr sz="1100" i="1" spc="-15" dirty="0">
-                <a:solidFill>
-                  <a:srgbClr val="777879"/>
-                </a:solidFill>
-                <a:latin typeface="AdobeClean-LightIt"/>
-                <a:cs typeface="AdobeClean-LightIt"/>
-              </a:rPr>
-              <a:t>you,</a:t>
-            </a:r>
-            <a:r>
-              <a:rPr sz="1100" i="1" spc="-65" dirty="0">
-                <a:solidFill>
-                  <a:srgbClr val="777879"/>
-                </a:solidFill>
-                <a:latin typeface="AdobeClean-LightIt"/>
-                <a:cs typeface="AdobeClean-LightIt"/>
-              </a:rPr>
-              <a:t> </a:t>
-            </a:r>
-            <a:r>
-              <a:rPr sz="1100" i="1" spc="-15" dirty="0">
-                <a:solidFill>
-                  <a:srgbClr val="777879"/>
-                </a:solidFill>
-                <a:latin typeface="AdobeClean-LightIt"/>
-                <a:cs typeface="AdobeClean-LightIt"/>
-              </a:rPr>
-              <a:t>contact</a:t>
-            </a:r>
-            <a:r>
-              <a:rPr sz="1100" i="1" spc="-85" dirty="0">
-                <a:solidFill>
-                  <a:srgbClr val="777879"/>
-                </a:solidFill>
-                <a:latin typeface="AdobeClean-LightIt"/>
-                <a:cs typeface="AdobeClean-LightIt"/>
-              </a:rPr>
-              <a:t> </a:t>
-            </a:r>
-            <a:r>
-              <a:rPr sz="1100" i="1" spc="-15" dirty="0">
-                <a:solidFill>
-                  <a:srgbClr val="777879"/>
-                </a:solidFill>
-                <a:latin typeface="AdobeClean-LightIt"/>
-                <a:cs typeface="AdobeClean-LightIt"/>
-              </a:rPr>
-              <a:t>your</a:t>
-            </a:r>
-            <a:r>
-              <a:rPr sz="1100" i="1" spc="-70" dirty="0">
-                <a:solidFill>
-                  <a:srgbClr val="777879"/>
-                </a:solidFill>
-                <a:latin typeface="AdobeClean-LightIt"/>
-                <a:cs typeface="AdobeClean-LightIt"/>
-              </a:rPr>
-              <a:t> </a:t>
-            </a:r>
-            <a:r>
-              <a:rPr sz="1100" i="1" spc="-15" dirty="0">
-                <a:solidFill>
-                  <a:srgbClr val="777879"/>
-                </a:solidFill>
-                <a:latin typeface="AdobeClean-LightIt"/>
-                <a:cs typeface="AdobeClean-LightIt"/>
-              </a:rPr>
-              <a:t>Named</a:t>
-            </a:r>
-            <a:r>
-              <a:rPr sz="1100" i="1" spc="-55" dirty="0">
-                <a:solidFill>
-                  <a:srgbClr val="777879"/>
-                </a:solidFill>
-                <a:latin typeface="AdobeClean-LightIt"/>
-                <a:cs typeface="AdobeClean-LightIt"/>
-              </a:rPr>
-              <a:t> </a:t>
-            </a:r>
-            <a:r>
-              <a:rPr sz="1100" i="1" spc="-25" dirty="0">
-                <a:solidFill>
-                  <a:srgbClr val="777879"/>
-                </a:solidFill>
-                <a:latin typeface="AdobeClean-LightIt"/>
-                <a:cs typeface="AdobeClean-LightIt"/>
-              </a:rPr>
-              <a:t>Account</a:t>
-            </a:r>
-            <a:r>
-              <a:rPr sz="1100" i="1" spc="-120" dirty="0">
-                <a:solidFill>
-                  <a:srgbClr val="777879"/>
-                </a:solidFill>
-                <a:latin typeface="AdobeClean-LightIt"/>
-                <a:cs typeface="AdobeClean-LightIt"/>
-              </a:rPr>
-              <a:t> </a:t>
-            </a:r>
-            <a:r>
-              <a:rPr sz="1100" i="1" spc="-20" dirty="0">
-                <a:solidFill>
-                  <a:srgbClr val="777879"/>
-                </a:solidFill>
-                <a:latin typeface="AdobeClean-LightIt"/>
-                <a:cs typeface="AdobeClean-LightIt"/>
-              </a:rPr>
-              <a:t>Manager</a:t>
+              <a:t>客户</a:t>
             </a:r>
             <a:r>
               <a:rPr lang="en-US" sz="1100" i="1" spc="-20" dirty="0">
@@ -11693,20 +10344,10 @@
                 <a:latin typeface="AdobeClean-LightIt"/>
                 <a:cs typeface="AdobeClean-LightIt"/>
               </a:rPr>
-              <a:t> </a:t>
-            </a:r>
-            <a:r>
-              <a:rPr sz="1100" i="1" spc="-20" dirty="0">
-                <a:solidFill>
-                  <a:srgbClr val="777879"/>
-                </a:solidFill>
-                <a:latin typeface="AdobeClean-LightIt"/>
-                <a:cs typeface="AdobeClean-LightIt"/>
-              </a:rPr>
-              <a:t> </a:t>
-            </a:r>
-            <a:r>
-              <a:rPr sz="1100" i="1" spc="-15" dirty="0">
+              <a:t>经理 </a:t>
+            </a:r>
+            <a:r>
+              <a:rPr lang="en-US" sz="1100" i="1" spc="-15" dirty="0">
                 <a:solidFill>
                   <a:srgbClr val="777879"/>
                 </a:solidFill>
@@ -11716,34 +10357,24 @@
               <a:t>(NAM) </a:t>
             </a:r>
             <a:r>
-              <a:rPr sz="1100" i="1" spc="-10" dirty="0">
+              <a:rPr lang="en-US" sz="1100" i="1" spc="-10" dirty="0">
                 <a:solidFill>
                   <a:srgbClr val="777879"/>
                 </a:solidFill>
                 <a:latin typeface="AdobeClean-LightIt"/>
                 <a:cs typeface="AdobeClean-LightIt"/>
               </a:rPr>
-              <a:t>or </a:t>
-            </a:r>
-            <a:r>
-              <a:rPr sz="1100" i="1" spc="-15" dirty="0">
+              <a:t>或</a:t>
+            </a:r>
+            <a:r>
+              <a:rPr lang="en-US" sz="1100" i="1" spc="-15" dirty="0">
                 <a:solidFill>
                   <a:srgbClr val="777879"/>
                 </a:solidFill>
                 <a:latin typeface="AdobeClean-LightIt"/>
                 <a:cs typeface="AdobeClean-LightIt"/>
               </a:rPr>
-              <a:t>Customer </a:t>
-            </a:r>
-            <a:r>
-              <a:rPr sz="1100" i="1" spc="-20" dirty="0">
-                <a:solidFill>
-                  <a:srgbClr val="777879"/>
-                </a:solidFill>
-                <a:latin typeface="AdobeClean-LightIt"/>
-                <a:cs typeface="AdobeClean-LightIt"/>
-              </a:rPr>
-              <a:t>Success</a:t>
+              <a:t>客户</a:t>
             </a:r>
             <a:r>
               <a:rPr lang="en-US" sz="1100" i="1" spc="-20" dirty="0">
@@ -11753,17 +10384,7 @@
                 <a:latin typeface="AdobeClean-LightIt"/>
                 <a:cs typeface="AdobeClean-LightIt"/>
               </a:rPr>
-              <a:t> </a:t>
-            </a:r>
-            <a:r>
-              <a:rPr sz="1100" i="1" spc="-15" dirty="0">
-                <a:solidFill>
-                  <a:srgbClr val="777879"/>
-                </a:solidFill>
-                <a:latin typeface="AdobeClean-LightIt"/>
-                <a:cs typeface="AdobeClean-LightIt"/>
-              </a:rPr>
-              <a:t>Manager</a:t>
+              <a:t>成功</a:t>
             </a:r>
             <a:r>
               <a:rPr lang="en-US" sz="1100" i="1" spc="-15" dirty="0">
@@ -11773,17 +10394,7 @@
                 <a:latin typeface="AdobeClean-LightIt"/>
                 <a:cs typeface="AdobeClean-LightIt"/>
               </a:rPr>
-              <a:t> </a:t>
-            </a:r>
-            <a:r>
-              <a:rPr sz="1100" i="1" spc="-15" dirty="0">
-                <a:solidFill>
-                  <a:srgbClr val="777879"/>
-                </a:solidFill>
-                <a:latin typeface="AdobeClean-LightIt"/>
-                <a:cs typeface="AdobeClean-LightIt"/>
-              </a:rPr>
-              <a:t>(CSM)</a:t>
+              <a:t>经理 (CSM)</a:t>
             </a:r>
             <a:endParaRPr sz="1100" dirty="0">
               <a:latin typeface="AdobeClean-LightIt"/>
@@ -11800,16 +10411,6 @@
               </a:spcBef>
             </a:pPr>
             <a:r>
-              <a:rPr sz="800" spc="-5" dirty="0">
-                <a:solidFill>
-                  <a:srgbClr val="6D6D6D"/>
-                </a:solidFill>
-                <a:latin typeface="Adobe Clean"/>
-                <a:cs typeface="Adobe Clean"/>
-              </a:rPr>
-              <a:t>©202</a:t>
-            </a:r>
-            <a:r>
               <a:rPr lang="en-US" sz="800" spc="-5" dirty="0">
                 <a:solidFill>
                   <a:srgbClr val="6D6D6D"/>
@@ -11817,20 +10418,10 @@
                 <a:latin typeface="Adobe Clean"/>
                 <a:cs typeface="Adobe Clean"/>
               </a:rPr>
-              <a:t>1</a:t>
-            </a:r>
-            <a:r>
-              <a:rPr sz="800" spc="-5" dirty="0">
-                <a:solidFill>
-                  <a:srgbClr val="6D6D6D"/>
-                </a:solidFill>
-                <a:latin typeface="Adobe Clean"/>
-                <a:cs typeface="Adobe Clean"/>
-              </a:rPr>
-              <a:t> Adobe. All Rights Reserved. Adobe</a:t>
-            </a:r>
-            <a:r>
-              <a:rPr sz="800" spc="75" dirty="0">
+              <a:t>©2021 Adobe.All Rights Reserved.Adobe</a:t>
+            </a:r>
+            <a:r>
+              <a:rPr lang="en-US" sz="800" spc="75" dirty="0">
                 <a:solidFill>
                   <a:srgbClr val="6D6D6D"/>
                 </a:solidFill>
@@ -11840,7 +10431,7 @@
               <a:t> </a:t>
             </a:r>
             <a:r>
-              <a:rPr sz="800" spc="-5" dirty="0">
+              <a:rPr lang="en-US" sz="800" spc="-5" dirty="0">
                 <a:solidFill>
                   <a:srgbClr val="6D6D6D"/>
                 </a:solidFill>
@@ -11858,13 +10449,7 @@
       </p:sp>
       <p:sp>
         <p:nvSpPr>
-          <p:cNvPr id="64" name="object 23">
-            <a:extLst>
-              <a:ext uri="{FF2B5EF4-FFF2-40B4-BE49-F238E27FC236}">
-                <a16:creationId xmlns:a16="http://schemas.microsoft.com/office/drawing/2014/main" id="{41467BDC-3D83-D844-B922-CD07E94E5AAB}"/>
-              </a:ext>
-            </a:extLst>
-          </p:cNvPr>
+          <p:cNvPr id="64" name="object 23"/>
           <p:cNvSpPr txBox="1"/>
           <p:nvPr/>
         </p:nvSpPr>
@@ -11878,68 +10463,115 @@
           </a:prstGeom>
         </p:spPr>
         <p:txBody>
-          <a:bodyPr vert="horz" wrap="square" lIns="0" tIns="116205" rIns="0" bIns="0" rtlCol="0" anchor="t">
+          <a:bodyPr vert="horz" wrap="square" lIns="0" tIns="116205" rIns="0" bIns="0" rtlCol="0">
             <a:spAutoFit/>
           </a:bodyPr>
           <a:lstStyle/>
           <a:p>
-            <a:pPr>
+            <a:pPr lvl="0">
               <a:spcBef>
                 <a:spcPts val="915"/>
               </a:spcBef>
             </a:pPr>
             <a:r>
-              <a:rPr lang="en-US" sz="1400" b="1" spc="-15" dirty="0">
+              <a:rPr lang="en-US" altLang="zh-CN" sz="1400" b="1" spc="-15" dirty="0">
                 <a:solidFill>
                   <a:srgbClr val="020302"/>
                 </a:solidFill>
                 <a:latin typeface="Adobe Clean"/>
                 <a:cs typeface="Adobe Clean"/>
               </a:rPr>
-              <a:t>Regional scope of Adobe Support, Local Hours Of Operation And Language Support</a:t>
-            </a:r>
+              <a:t>Adobe </a:t>
+            </a:r>
+            <a:r>
+              <a:rPr lang="zh-CN" altLang="en-US" sz="1400" b="1" spc="-15" dirty="0">
+                <a:solidFill>
+                  <a:srgbClr val="020302"/>
+                </a:solidFill>
+                <a:latin typeface="Adobe Clean"/>
+                <a:cs typeface="Adobe Clean"/>
+              </a:rPr>
+              <a:t>支持的区域范围、当地营业时间和语言支持</a:t>
+            </a:r>
+            <a:endParaRPr lang="pl-PL" altLang="zh-CN" sz="1400" b="1" spc="-15" dirty="0">
+              <a:solidFill>
+                <a:srgbClr val="020302"/>
+              </a:solidFill>
+              <a:latin typeface="Adobe Clean"/>
+              <a:cs typeface="Adobe Clean"/>
+            </a:endParaRPr>
           </a:p>
           <a:p>
-            <a:pPr>
+            <a:pPr lvl="0">
               <a:spcBef>
                 <a:spcPts val="915"/>
               </a:spcBef>
             </a:pPr>
             <a:r>
-              <a:rPr lang="en-US" sz="1000" spc="-15" dirty="0">
+              <a:rPr lang="zh-CN" altLang="en-US" sz="1000" spc="-15" dirty="0">
                 <a:solidFill>
                   <a:srgbClr val="1F1F1F"/>
                 </a:solidFill>
                 <a:latin typeface="AdobeClean-Light"/>
               </a:rPr>
-              <a:t>The Regional scope of Adobe Support is established by aligning the customer's billing address (via the Sales Order or other Adobe Support purchasing document) to one of the following regions:</a:t>
-            </a:r>
+              <a:t>要建立 </a:t>
+            </a:r>
+            <a:r>
+              <a:rPr lang="en-US" altLang="zh-CN" sz="1000" spc="-15" dirty="0">
+                <a:solidFill>
+                  <a:srgbClr val="1F1F1F"/>
+                </a:solidFill>
+                <a:latin typeface="AdobeClean-Light"/>
+              </a:rPr>
+              <a:t>Adobe </a:t>
+            </a:r>
+            <a:r>
+              <a:rPr lang="zh-CN" altLang="en-US" sz="1000" spc="-15" dirty="0">
+                <a:solidFill>
+                  <a:srgbClr val="1F1F1F"/>
+                </a:solidFill>
+                <a:latin typeface="AdobeClean-Light"/>
+              </a:rPr>
+              <a:t>支持的区域范围，需要将客户的账单地址（通过销售订单或其他 </a:t>
+            </a:r>
+            <a:r>
+              <a:rPr lang="en-US" altLang="zh-CN" sz="1000" spc="-15" dirty="0">
+                <a:solidFill>
+                  <a:srgbClr val="1F1F1F"/>
+                </a:solidFill>
+                <a:latin typeface="AdobeClean-Light"/>
+              </a:rPr>
+              <a:t>Adobe </a:t>
+            </a:r>
+            <a:r>
+              <a:rPr lang="zh-CN" altLang="en-US" sz="1000" spc="-15" dirty="0">
+                <a:solidFill>
+                  <a:srgbClr val="1F1F1F"/>
+                </a:solidFill>
+                <a:latin typeface="AdobeClean-Light"/>
+              </a:rPr>
+              <a:t>支持采购文档）与以下区域之一相对应：</a:t>
+            </a:r>
+            <a:endParaRPr lang="en-US" sz="1000" spc="-15" dirty="0">
+              <a:solidFill>
+                <a:srgbClr val="1F1F1F"/>
+              </a:solidFill>
+              <a:latin typeface="AdobeClean-Light"/>
+            </a:endParaRPr>
           </a:p>
         </p:txBody>
       </p:sp>
       <p:graphicFrame>
         <p:nvGraphicFramePr>
-          <p:cNvPr id="25" name="Table 6">
-            <a:extLst>
-              <a:ext uri="{FF2B5EF4-FFF2-40B4-BE49-F238E27FC236}">
-                <a16:creationId xmlns:a16="http://schemas.microsoft.com/office/drawing/2014/main" id="{3A91F5B0-3974-A14D-A146-FB590F2AAD18}"/>
-              </a:ext>
-            </a:extLst>
-          </p:cNvPr>
+          <p:cNvPr id="25" name="Table 6"/>
           <p:cNvGraphicFramePr>
             <a:graphicFrameLocks noGrp="1"/>
           </p:cNvGraphicFramePr>
-          <p:nvPr>
-            <p:extLst>
-              <p:ext uri="{D42A27DB-BD31-4B8C-83A1-F6EECF244321}">
-                <p14:modId xmlns:p14="http://schemas.microsoft.com/office/powerpoint/2010/main" val="2846210228"/>
-              </p:ext>
-            </p:extLst>
-          </p:nvPr>
+          <p:nvPr/>
         </p:nvGraphicFramePr>
         <p:xfrm>
           <a:off x="171128" y="5907213"/>
-          <a:ext cx="7391400" cy="1671320"/>
+          <a:ext cx="7391400" cy="1447800"/>
         </p:xfrm>
         <a:graphic>
           <a:graphicData uri="http://schemas.openxmlformats.org/drawingml/2006/table">
@@ -11951,28 +10583,28 @@
                 <a:gridCol w="1847850">
                   <a:extLst>
                     <a:ext uri="{9D8B030D-6E8A-4147-A177-3AD203B41FA5}">
-                      <a16:colId xmlns:a16="http://schemas.microsoft.com/office/drawing/2014/main" val="2364693614"/>
+                      <a16:colId xmlns:a16="http://schemas.microsoft.com/office/drawing/2014/main" val="20000"/>
                     </a:ext>
                   </a:extLst>
                 </a:gridCol>
                 <a:gridCol w="1847850">
                   <a:extLst>
                     <a:ext uri="{9D8B030D-6E8A-4147-A177-3AD203B41FA5}">
-                      <a16:colId xmlns:a16="http://schemas.microsoft.com/office/drawing/2014/main" val="1545335406"/>
+                      <a16:colId xmlns:a16="http://schemas.microsoft.com/office/drawing/2014/main" val="20001"/>
                     </a:ext>
                   </a:extLst>
                 </a:gridCol>
                 <a:gridCol w="1847850">
                   <a:extLst>
                     <a:ext uri="{9D8B030D-6E8A-4147-A177-3AD203B41FA5}">
-                      <a16:colId xmlns:a16="http://schemas.microsoft.com/office/drawing/2014/main" val="4165218250"/>
+                      <a16:colId xmlns:a16="http://schemas.microsoft.com/office/drawing/2014/main" val="20002"/>
                     </a:ext>
                   </a:extLst>
                 </a:gridCol>
                 <a:gridCol w="1847850">
                   <a:extLst>
                     <a:ext uri="{9D8B030D-6E8A-4147-A177-3AD203B41FA5}">
-                      <a16:colId xmlns:a16="http://schemas.microsoft.com/office/drawing/2014/main" val="215044337"/>
+                      <a16:colId xmlns:a16="http://schemas.microsoft.com/office/drawing/2014/main" val="20003"/>
                     </a:ext>
                   </a:extLst>
                 </a:gridCol>
@@ -11991,7 +10623,7 @@
                           </a:solidFill>
                           <a:latin typeface="Adobe Clean" panose="020B0503020404020204" pitchFamily="34" charset="0"/>
                         </a:rPr>
-                        <a:t>Americas</a:t>
+                        <a:t>美洲</a:t>
                       </a:r>
                     </a:p>
                   </a:txBody>
@@ -12056,7 +10688,7 @@
                           </a:solidFill>
                           <a:latin typeface="Adobe Clean" panose="020B0503020404020204" pitchFamily="34" charset="0"/>
                         </a:rPr>
-                        <a:t>Europe, Middle East &amp; Africa</a:t>
+                        <a:t>欧洲、中东和非洲</a:t>
                       </a:r>
                     </a:p>
                   </a:txBody>
@@ -12121,7 +10753,7 @@
                           </a:solidFill>
                           <a:latin typeface="Adobe Clean" panose="020B0503020404020204" pitchFamily="34" charset="0"/>
                         </a:rPr>
-                        <a:t>Asia Pacific</a:t>
+                        <a:t>亚太地区</a:t>
                       </a:r>
                     </a:p>
                   </a:txBody>
@@ -12173,93 +10805,6 @@
                     <a:noFill/>
                   </a:tcPr>
                 </a:tc>
-                <a:tc>
-                  <a:txBody>
-                    <a:bodyPr/>
-                    <a:lstStyle/>
-                    <a:p>
-                      <a:pPr algn="ctr"/>
-                      <a:r>
-                        <a:rPr lang="en-US" sz="1100" dirty="0">
-                          <a:solidFill>
-                            <a:schemeClr val="tx1"/>
-                          </a:solidFill>
-                          <a:latin typeface="Adobe Clean"/>
-                        </a:rPr>
-                        <a:t>Japan </a:t>
-                      </a:r>
-                      <a:r>
-                        <a:rPr lang="en-US" sz="1100" baseline="30000" dirty="0">
-                          <a:solidFill>
-                            <a:schemeClr val="tx1"/>
-                          </a:solidFill>
-                          <a:latin typeface="Adobe Clean"/>
-                        </a:rPr>
-                        <a:t>1 </a:t>
-                      </a:r>
-                      <a:endParaRPr lang="en-US" sz="1100" dirty="0">
-                        <a:solidFill>
-                          <a:schemeClr val="tx1"/>
-                        </a:solidFill>
-                        <a:latin typeface="Adobe Clean" panose="020B0503020404020204" pitchFamily="34" charset="0"/>
-                      </a:endParaRPr>
-                    </a:p>
-                  </a:txBody>
-                  <a:tcPr anchor="ctr">
-                    <a:lnL w="12700" cap="flat" cmpd="sng" algn="ctr">
-                      <a:solidFill>
-                        <a:schemeClr val="bg1">
-                          <a:lumMod val="85000"/>
-                        </a:schemeClr>
-                      </a:solidFill>
-                      <a:prstDash val="solid"/>
-                      <a:round/>
-                      <a:headEnd type="none" w="med" len="med"/>
-                      <a:tailEnd type="none" w="med" len="med"/>
-                    </a:lnL>
-                    <a:lnR w="12700" cap="flat" cmpd="sng" algn="ctr">
-                      <a:solidFill>
-                        <a:schemeClr val="bg1">
-                          <a:lumMod val="85000"/>
-                        </a:schemeClr>
-                      </a:solidFill>
-                      <a:prstDash val="solid"/>
-                      <a:round/>
-                      <a:headEnd type="none" w="med" len="med"/>
-                      <a:tailEnd type="none" w="med" len="med"/>
-                    </a:lnR>
-                    <a:lnT w="12700" cap="flat" cmpd="sng" algn="ctr">
-                      <a:solidFill>
-                        <a:schemeClr val="bg1">
-                          <a:lumMod val="85000"/>
-                        </a:schemeClr>
-                      </a:solidFill>
-                      <a:prstDash val="solid"/>
-                      <a:round/>
-                      <a:headEnd type="none" w="med" len="med"/>
-                      <a:tailEnd type="none" w="med" len="med"/>
-                    </a:lnT>
-                    <a:lnB w="12700" cap="flat" cmpd="sng" algn="ctr">
-                      <a:solidFill>
-                        <a:schemeClr val="bg1">
-                          <a:lumMod val="85000"/>
-                        </a:schemeClr>
-                      </a:solidFill>
-                      <a:prstDash val="solid"/>
-                      <a:round/>
-                      <a:headEnd type="none" w="med" len="med"/>
-                      <a:tailEnd type="none" w="med" len="med"/>
-                    </a:lnB>
-                    <a:noFill/>
-                  </a:tcPr>
-                </a:tc>
-                <a:extLst>
-                  <a:ext uri="{0D108BD9-81ED-4DB2-BD59-A6C34878D82A}">
-                    <a16:rowId xmlns:a16="http://schemas.microsoft.com/office/drawing/2014/main" val="4251285128"/>
-                  </a:ext>
-                </a:extLst>
-              </a:tr>
-              <a:tr h="370840">
                 <a:tc>
                   <a:txBody>
                     <a:bodyPr/>
@@ -12273,8 +10818,23 @@
                           </a:solidFill>
                           <a:latin typeface="Adobe Clean" panose="020B0503020404020204" pitchFamily="34" charset="0"/>
                         </a:rPr>
-                        <a:t>6 am – 5:30 pm</a:t>
+                        <a:t>日本 </a:t>
                       </a:r>
+                      <a:r>
+                        <a:rPr lang="en-US" sz="1100" baseline="30000">
+                          <a:solidFill>
+                            <a:schemeClr val="tx1"/>
+                          </a:solidFill>
+                          <a:latin typeface="Adobe Clean" panose="020B0503020404020204" pitchFamily="34" charset="0"/>
+                        </a:rPr>
+                        <a:t>1 </a:t>
+                      </a:r>
+                      <a:endParaRPr lang="en-US" sz="1100" dirty="0">
+                        <a:solidFill>
+                          <a:schemeClr val="tx1"/>
+                        </a:solidFill>
+                        <a:latin typeface="Adobe Clean" panose="020B0503020404020204" pitchFamily="34" charset="0"/>
+                      </a:endParaRPr>
                     </a:p>
                   </a:txBody>
                   <a:tcPr anchor="ctr">
@@ -12325,6 +10885,13 @@
                     <a:noFill/>
                   </a:tcPr>
                 </a:tc>
+                <a:extLst>
+                  <a:ext uri="{0D108BD9-81ED-4DB2-BD59-A6C34878D82A}">
+                    <a16:rowId xmlns:a16="http://schemas.microsoft.com/office/drawing/2014/main" val="10000"/>
+                  </a:ext>
+                </a:extLst>
+              </a:tr>
+              <a:tr h="370840">
                 <a:tc>
                   <a:txBody>
                     <a:bodyPr/>
@@ -12338,7 +10905,7 @@
                           </a:solidFill>
                           <a:latin typeface="Adobe Clean" panose="020B0503020404020204" pitchFamily="34" charset="0"/>
                         </a:rPr>
-                        <a:t>9 am – 5 pm</a:t>
+                        <a:t>上午 6:00 – 下午 5:30</a:t>
                       </a:r>
                     </a:p>
                   </a:txBody>
@@ -12403,7 +10970,7 @@
                           </a:solidFill>
                           <a:latin typeface="Adobe Clean" panose="020B0503020404020204" pitchFamily="34" charset="0"/>
                         </a:rPr>
-                        <a:t>9 am – 5 pm</a:t>
+                        <a:t>上午 9:00 – 下午 5:00</a:t>
                       </a:r>
                     </a:p>
                   </a:txBody>
@@ -12468,7 +11035,7 @@
                           </a:solidFill>
                           <a:latin typeface="Adobe Clean" panose="020B0503020404020204" pitchFamily="34" charset="0"/>
                         </a:rPr>
-                        <a:t>9 am – 5:30 pm</a:t>
+                        <a:t>上午 9:00 – 下午 5:00</a:t>
                       </a:r>
                     </a:p>
                   </a:txBody>
@@ -12520,9 +11087,74 @@
                     <a:noFill/>
                   </a:tcPr>
                 </a:tc>
+                <a:tc>
+                  <a:txBody>
+                    <a:bodyPr/>
+                    <a:lstStyle/>
+                    <a:p>
+                      <a:pPr algn="ctr"/>
+                      <a:r>
+                        <a:rPr lang="en-US" sz="1100" dirty="0">
+                          <a:solidFill>
+                            <a:schemeClr val="tx1"/>
+                          </a:solidFill>
+                          <a:latin typeface="Adobe Clean" panose="020B0503020404020204" pitchFamily="34" charset="0"/>
+                        </a:rPr>
+                        <a:t>上午 9:00 – 下午 5:30</a:t>
+                      </a:r>
+                    </a:p>
+                  </a:txBody>
+                  <a:tcPr anchor="ctr">
+                    <a:lnL w="12700" cap="flat" cmpd="sng" algn="ctr">
+                      <a:solidFill>
+                        <a:schemeClr val="bg1">
+                          <a:lumMod val="85000"/>
+                        </a:schemeClr>
+                      </a:solidFill>
+                      <a:prstDash val="solid"/>
+                      <a:round/>
+                      <a:headEnd type="none" w="med" len="med"/>
+                      <a:tailEnd type="none" w="med" len="med"/>
+                    </a:lnL>
+                    <a:lnR w="12700" cap="flat" cmpd="sng" algn="ctr">
+                      <a:solidFill>
+                        <a:schemeClr val="bg1">
+                          <a:lumMod val="85000"/>
+                        </a:schemeClr>
+                      </a:solidFill>
+                      <a:prstDash val="solid"/>
+                      <a:round/>
+                      <a:headEnd type="none" w="med" len="med"/>
+                      <a:tailEnd type="none" w="med" len="med"/>
+                    </a:lnR>
+                    <a:lnT w="12700" cap="flat" cmpd="sng" algn="ctr">
+                      <a:solidFill>
+                        <a:schemeClr val="bg1">
+                          <a:lumMod val="85000"/>
+                        </a:schemeClr>
+                      </a:solidFill>
+                      <a:prstDash val="solid"/>
+                      <a:round/>
+                      <a:headEnd type="none" w="med" len="med"/>
+                      <a:tailEnd type="none" w="med" len="med"/>
+                    </a:lnT>
+                    <a:lnB w="12700" cap="flat" cmpd="sng" algn="ctr">
+                      <a:solidFill>
+                        <a:schemeClr val="bg1">
+                          <a:lumMod val="85000"/>
+                        </a:schemeClr>
+                      </a:solidFill>
+                      <a:prstDash val="solid"/>
+                      <a:round/>
+                      <a:headEnd type="none" w="med" len="med"/>
+                      <a:tailEnd type="none" w="med" len="med"/>
+                    </a:lnB>
+                    <a:noFill/>
+                  </a:tcPr>
+                </a:tc>
                 <a:extLst>
                   <a:ext uri="{0D108BD9-81ED-4DB2-BD59-A6C34878D82A}">
-                    <a16:rowId xmlns:a16="http://schemas.microsoft.com/office/drawing/2014/main" val="1574796478"/>
+                    <a16:rowId xmlns:a16="http://schemas.microsoft.com/office/drawing/2014/main" val="10001"/>
                   </a:ext>
                 </a:extLst>
               </a:tr>
@@ -12531,38 +11163,6 @@
                   <a:txBody>
                     <a:bodyPr/>
                     <a:lstStyle/>
-                    <a:p>
-                      <a:pPr marL="0" marR="0" lvl="0" indent="0" algn="ctr" eaLnBrk="1" fontAlgn="auto" latinLnBrk="0" hangingPunct="1">
-                        <a:lnSpc>
-                          <a:spcPct val="100000"/>
-                        </a:lnSpc>
-                        <a:spcBef>
-                          <a:spcPts val="0"/>
-                        </a:spcBef>
-                        <a:spcAft>
-                          <a:spcPts val="0"/>
-                        </a:spcAft>
-                        <a:buClrTx/>
-                        <a:buSzTx/>
-                        <a:buFontTx/>
-                        <a:buNone/>
-                      </a:pPr>
-                      <a:r>
-                        <a:rPr lang="en-US" sz="1100" dirty="0">
-                          <a:solidFill>
-                            <a:schemeClr val="tx1"/>
-                          </a:solidFill>
-                          <a:latin typeface="Adobe Clean"/>
-                        </a:rPr>
-                        <a:t>Language support is only available in English and Japanese.</a:t>
-                      </a:r>
-                      <a:endParaRPr lang="en-US" sz="1100" dirty="0">
-                        <a:solidFill>
-                          <a:schemeClr val="tx1"/>
-                        </a:solidFill>
-                        <a:latin typeface="Adobe Clean" panose="020B0503020404020204" pitchFamily="34" charset="0"/>
-                      </a:endParaRPr>
-                    </a:p>
                     <a:p>
                       <a:pPr marL="0" marR="0" lvl="0" indent="0" algn="ctr" defTabSz="914400" eaLnBrk="1" fontAlgn="auto" latinLnBrk="0" hangingPunct="1">
                         <a:lnSpc>
@@ -12578,7 +11178,33 @@
                         <a:buSzTx/>
                         <a:buFontTx/>
                         <a:buNone/>
-                        <a:tabLst/>
+                        <a:defRPr/>
+                      </a:pPr>
+                      <a:r>
+                        <a:rPr lang="en-US" sz="1100" dirty="0">
+                          <a:solidFill>
+                            <a:schemeClr val="tx1"/>
+                          </a:solidFill>
+                          <a:latin typeface="Adobe Clean" panose="020B0503020404020204" pitchFamily="34" charset="0"/>
+                        </a:rPr>
+                        <a:t>语言支持只有英语和日语版本</a:t>
+                      </a:r>
+                    </a:p>
+                    <a:p>
+                      <a:pPr marL="0" marR="0" lvl="0" indent="0" algn="ctr" defTabSz="914400" eaLnBrk="1" fontAlgn="auto" latinLnBrk="0" hangingPunct="1">
+                        <a:lnSpc>
+                          <a:spcPct val="100000"/>
+                        </a:lnSpc>
+                        <a:spcBef>
+                          <a:spcPts val="0"/>
+                        </a:spcBef>
+                        <a:spcAft>
+                          <a:spcPts val="0"/>
+                        </a:spcAft>
+                        <a:buClrTx/>
+                        <a:buSzTx/>
+                        <a:buFontTx/>
+                        <a:buNone/>
                         <a:defRPr/>
                       </a:pPr>
                       <a:r>
@@ -12586,9 +11212,9 @@
                           <a:solidFill>
                             <a:schemeClr val="tx1"/>
                           </a:solidFill>
-                          <a:latin typeface="Adobe Clean"/>
+                          <a:latin typeface="Adobe Clean" panose="020B0503020404020204" pitchFamily="34" charset="0"/>
                         </a:rPr>
-                        <a:t>*Adobe Commerce excludes Japanese language support.</a:t>
+                        <a:t>*Adobe Commerce 不包括日语支持</a:t>
                       </a:r>
                     </a:p>
                     <a:p>
@@ -12615,37 +11241,73 @@
                           <a:solidFill>
                             <a:schemeClr val="tx1"/>
                           </a:solidFill>
-                          <a:latin typeface="Adobe Clean"/>
+                          <a:latin typeface="Adobe Clean" panose="020B0503020404020204" pitchFamily="34" charset="0"/>
                         </a:rPr>
-                        <a:t> </a:t>
+                        <a:t> </a:t>
                       </a:r>
                       <a:r>
                         <a:rPr lang="en-US" sz="1100" i="0" baseline="30000" dirty="0">
                           <a:solidFill>
                             <a:schemeClr val="tx1"/>
                           </a:solidFill>
-                          <a:latin typeface="Adobe Clean"/>
+                          <a:latin typeface="Adobe Clean" panose="020B0503020404020204" pitchFamily="34" charset="0"/>
                         </a:rPr>
                         <a:t>1 </a:t>
                       </a:r>
                       <a:r>
-                        <a:rPr lang="en-US" sz="1100" i="0" dirty="0">
+                        <a:rPr lang="en-US" altLang="zh-CN" sz="1100" i="0" dirty="0">
                           <a:solidFill>
                             <a:schemeClr val="tx1"/>
                           </a:solidFill>
-                          <a:latin typeface="Adobe Clean"/>
+                          <a:latin typeface="Adobe Clean" panose="020B0503020404020204" pitchFamily="34" charset="0"/>
                         </a:rPr>
-                        <a:t>P2, P3, P4 cases are limited to business hours only in Japan.</a:t>
+                        <a:t>P2</a:t>
                       </a:r>
-                      <a:endParaRPr lang="en-US" sz="1100" b="1" i="0" dirty="0">
-                        <a:solidFill>
-                          <a:schemeClr val="tx1"/>
-                        </a:solidFill>
-                        <a:latin typeface="Adobe Clean"/>
-                      </a:endParaRPr>
-                    </a:p>
-                    <a:p>
-                      <a:pPr algn="ctr"/>
+                      <a:r>
+                        <a:rPr lang="zh-CN" altLang="en-US" sz="1100" i="0" dirty="0">
+                          <a:solidFill>
+                            <a:schemeClr val="tx1"/>
+                          </a:solidFill>
+                          <a:latin typeface="Adobe Clean" panose="020B0503020404020204" pitchFamily="34" charset="0"/>
+                        </a:rPr>
+                        <a:t>、</a:t>
+                      </a:r>
+                      <a:r>
+                        <a:rPr lang="en-US" altLang="zh-CN" sz="1100" i="0" dirty="0">
+                          <a:solidFill>
+                            <a:schemeClr val="tx1"/>
+                          </a:solidFill>
+                          <a:latin typeface="Adobe Clean" panose="020B0503020404020204" pitchFamily="34" charset="0"/>
+                        </a:rPr>
+                        <a:t>P3</a:t>
+                      </a:r>
+                      <a:r>
+                        <a:rPr lang="zh-CN" altLang="en-US" sz="1100" i="0" dirty="0">
+                          <a:solidFill>
+                            <a:schemeClr val="tx1"/>
+                          </a:solidFill>
+                          <a:latin typeface="Adobe Clean" panose="020B0503020404020204" pitchFamily="34" charset="0"/>
+                        </a:rPr>
+                        <a:t>、</a:t>
+                      </a:r>
+                      <a:r>
+                        <a:rPr lang="en-US" altLang="zh-CN" sz="1100" i="0" dirty="0">
+                          <a:solidFill>
+                            <a:schemeClr val="tx1"/>
+                          </a:solidFill>
+                          <a:latin typeface="Adobe Clean" panose="020B0503020404020204" pitchFamily="34" charset="0"/>
+                        </a:rPr>
+                        <a:t>P4 </a:t>
+                      </a:r>
+                      <a:r>
+                        <a:rPr lang="zh-CN" altLang="en-US" sz="1100" i="0" dirty="0">
+                          <a:solidFill>
+                            <a:schemeClr val="tx1"/>
+                          </a:solidFill>
+                          <a:latin typeface="Adobe Clean" panose="020B0503020404020204" pitchFamily="34" charset="0"/>
+                        </a:rPr>
+                        <a:t>案例仅限于日本的营业时间。</a:t>
+                      </a:r>
                       <a:endParaRPr lang="en-US" sz="1100" dirty="0">
                         <a:solidFill>
                           <a:schemeClr val="tx1"/>
@@ -12707,12 +11369,7 @@
                     <a:bodyPr/>
                     <a:lstStyle/>
                     <a:p>
-                      <a:endParaRPr lang="en-US" sz="1100" dirty="0">
-                        <a:solidFill>
-                          <a:schemeClr val="tx1"/>
-                        </a:solidFill>
-                        <a:latin typeface="Adobe Clean" panose="020B0503020404020204" pitchFamily="34" charset="0"/>
-                      </a:endParaRPr>
+                      <a:endParaRPr lang="en-US"/>
                     </a:p>
                   </a:txBody>
                   <a:tcPr anchor="ctr">
@@ -12768,12 +11425,7 @@
                     <a:bodyPr/>
                     <a:lstStyle/>
                     <a:p>
-                      <a:endParaRPr lang="en-US" sz="1100" dirty="0">
-                        <a:solidFill>
-                          <a:schemeClr val="tx1"/>
-                        </a:solidFill>
-                        <a:latin typeface="Adobe Clean" panose="020B0503020404020204" pitchFamily="34" charset="0"/>
-                      </a:endParaRPr>
+                      <a:endParaRPr lang="en-US"/>
                     </a:p>
                   </a:txBody>
                   <a:tcPr anchor="ctr">
@@ -12829,12 +11481,7 @@
                     <a:bodyPr/>
                     <a:lstStyle/>
                     <a:p>
-                      <a:endParaRPr lang="en-US" sz="1100" dirty="0">
-                        <a:solidFill>
-                          <a:schemeClr val="tx1"/>
-                        </a:solidFill>
-                        <a:latin typeface="Adobe Clean" panose="020B0503020404020204" pitchFamily="34" charset="0"/>
-                      </a:endParaRPr>
+                      <a:endParaRPr lang="en-US"/>
                     </a:p>
                   </a:txBody>
                   <a:tcPr anchor="ctr">
@@ -12887,7 +11534,7 @@
                 </a:tc>
                 <a:extLst>
                   <a:ext uri="{0D108BD9-81ED-4DB2-BD59-A6C34878D82A}">
-                    <a16:rowId xmlns:a16="http://schemas.microsoft.com/office/drawing/2014/main" val="2086762220"/>
+                    <a16:rowId xmlns:a16="http://schemas.microsoft.com/office/drawing/2014/main" val="10002"/>
                   </a:ext>
                 </a:extLst>
               </a:tr>
@@ -12897,13 +11544,7 @@
       </p:graphicFrame>
       <p:sp>
         <p:nvSpPr>
-          <p:cNvPr id="50" name="object 30">
-            <a:extLst>
-              <a:ext uri="{FF2B5EF4-FFF2-40B4-BE49-F238E27FC236}">
-                <a16:creationId xmlns:a16="http://schemas.microsoft.com/office/drawing/2014/main" id="{043050D0-21FC-0C42-8484-7FE7C0DB771F}"/>
-              </a:ext>
-            </a:extLst>
-          </p:cNvPr>
+          <p:cNvPr id="50" name="object 30"/>
           <p:cNvSpPr/>
           <p:nvPr/>
         </p:nvSpPr>
@@ -12953,13 +11594,7 @@
       </p:sp>
       <p:pic>
         <p:nvPicPr>
-          <p:cNvPr id="83" name="object 56">
-            <a:extLst>
-              <a:ext uri="{FF2B5EF4-FFF2-40B4-BE49-F238E27FC236}">
-                <a16:creationId xmlns:a16="http://schemas.microsoft.com/office/drawing/2014/main" id="{488FF0A5-3931-B14A-A256-9BD5C4AB39DA}"/>
-              </a:ext>
-            </a:extLst>
-          </p:cNvPr>
+          <p:cNvPr id="83" name="object 56"/>
           <p:cNvPicPr/>
           <p:nvPr/>
         </p:nvPicPr>
@@ -12981,13 +11616,7 @@
       </p:pic>
       <p:sp>
         <p:nvSpPr>
-          <p:cNvPr id="84" name="object 64">
-            <a:extLst>
-              <a:ext uri="{FF2B5EF4-FFF2-40B4-BE49-F238E27FC236}">
-                <a16:creationId xmlns:a16="http://schemas.microsoft.com/office/drawing/2014/main" id="{21E0A3A6-11B9-E44E-A4F0-18AED6E614AE}"/>
-              </a:ext>
-            </a:extLst>
-          </p:cNvPr>
+          <p:cNvPr id="84" name="object 64"/>
           <p:cNvSpPr txBox="1"/>
           <p:nvPr/>
         </p:nvSpPr>
@@ -13015,124 +11644,54 @@
               </a:spcBef>
             </a:pPr>
             <a:r>
-              <a:rPr sz="1200" b="1" spc="-15" dirty="0">
+              <a:rPr lang="en-US" sz="1200" b="1" spc="-15" dirty="0">
                 <a:solidFill>
                   <a:srgbClr val="FFFFFF"/>
                 </a:solidFill>
                 <a:latin typeface="Adobe Clean"/>
                 <a:cs typeface="Adobe Clean"/>
               </a:rPr>
-              <a:t>U</a:t>
-            </a:r>
-            <a:r>
-              <a:rPr sz="1200" b="1" spc="-20" dirty="0">
+              <a:t>无</a:t>
+            </a:r>
+            <a:r>
+              <a:rPr lang="en-US" sz="1200" b="1" spc="-20" dirty="0">
                 <a:solidFill>
                   <a:srgbClr val="FFFFFF"/>
                 </a:solidFill>
                 <a:latin typeface="Adobe Clean"/>
                 <a:cs typeface="Adobe Clean"/>
               </a:rPr>
-              <a:t>n</a:t>
-            </a:r>
-            <a:r>
-              <a:rPr sz="1200" b="1" spc="-25" dirty="0">
+              <a:t>与</a:t>
+            </a:r>
+            <a:r>
+              <a:rPr lang="en-US" sz="1200" b="1" spc="-25" dirty="0">
                 <a:solidFill>
                   <a:srgbClr val="FFFFFF"/>
                 </a:solidFill>
                 <a:latin typeface="Adobe Clean"/>
                 <a:cs typeface="Adobe Clean"/>
               </a:rPr>
-              <a:t>p</a:t>
-            </a:r>
-            <a:r>
-              <a:rPr sz="1200" b="1" spc="-15" dirty="0">
+              <a:t>伦</a:t>
+            </a:r>
+            <a:r>
+              <a:rPr lang="en-US" sz="1200" b="1" spc="-15" dirty="0">
                 <a:solidFill>
                   <a:srgbClr val="FFFFFF"/>
                 </a:solidFill>
                 <a:latin typeface="Adobe Clean"/>
                 <a:cs typeface="Adobe Clean"/>
               </a:rPr>
-              <a:t>a</a:t>
-            </a:r>
-            <a:r>
-              <a:rPr sz="1200" b="1" spc="-25" dirty="0">
+              <a:t>比</a:t>
+            </a:r>
+            <a:r>
+              <a:rPr lang="en-US" sz="1200" b="1" spc="-25" dirty="0">
                 <a:solidFill>
                   <a:srgbClr val="FFFFFF"/>
                 </a:solidFill>
                 <a:latin typeface="Adobe Clean"/>
                 <a:cs typeface="Adobe Clean"/>
               </a:rPr>
-              <a:t>r</a:t>
-            </a:r>
-            <a:r>
-              <a:rPr sz="1200" b="1" spc="-15" dirty="0">
-                <a:solidFill>
-                  <a:srgbClr val="FFFFFF"/>
-                </a:solidFill>
-                <a:latin typeface="Adobe Clean"/>
-                <a:cs typeface="Adobe Clean"/>
-              </a:rPr>
-              <a:t>a</a:t>
-            </a:r>
-            <a:r>
-              <a:rPr sz="1200" b="1" spc="-30" dirty="0">
-                <a:solidFill>
-                  <a:srgbClr val="FFFFFF"/>
-                </a:solidFill>
-                <a:latin typeface="Adobe Clean"/>
-                <a:cs typeface="Adobe Clean"/>
-              </a:rPr>
-              <a:t>ll</a:t>
-            </a:r>
-            <a:r>
-              <a:rPr sz="1200" b="1" spc="-25" dirty="0">
-                <a:solidFill>
-                  <a:srgbClr val="FFFFFF"/>
-                </a:solidFill>
-                <a:latin typeface="Adobe Clean"/>
-                <a:cs typeface="Adobe Clean"/>
-              </a:rPr>
-              <a:t>e</a:t>
-            </a:r>
-            <a:r>
-              <a:rPr sz="1200" b="1" spc="-30" dirty="0">
-                <a:solidFill>
-                  <a:srgbClr val="FFFFFF"/>
-                </a:solidFill>
-                <a:latin typeface="Adobe Clean"/>
-                <a:cs typeface="Adobe Clean"/>
-              </a:rPr>
-              <a:t>l</a:t>
-            </a:r>
-            <a:r>
-              <a:rPr sz="1200" b="1" spc="-25" dirty="0">
-                <a:solidFill>
-                  <a:srgbClr val="FFFFFF"/>
-                </a:solidFill>
-                <a:latin typeface="Adobe Clean"/>
-                <a:cs typeface="Adobe Clean"/>
-              </a:rPr>
-              <a:t>e</a:t>
-            </a:r>
-            <a:r>
-              <a:rPr sz="1200" b="1" dirty="0">
-                <a:solidFill>
-                  <a:srgbClr val="FFFFFF"/>
-                </a:solidFill>
-                <a:latin typeface="Adobe Clean"/>
-                <a:cs typeface="Adobe Clean"/>
-              </a:rPr>
-              <a:t>d  </a:t>
-            </a:r>
-            <a:r>
-              <a:rPr sz="1200" b="1" spc="-25" dirty="0">
-                <a:solidFill>
-                  <a:srgbClr val="FFFFFF"/>
-                </a:solidFill>
-                <a:latin typeface="Adobe Clean"/>
-                <a:cs typeface="Adobe Clean"/>
-              </a:rPr>
-              <a:t>Expertise</a:t>
+              <a:t>的专业知识</a:t>
             </a:r>
             <a:endParaRPr sz="1200" dirty="0">
               <a:latin typeface="Adobe Clean"/>
@@ -13143,13 +11702,7 @@
       </p:sp>
       <p:sp>
         <p:nvSpPr>
-          <p:cNvPr id="85" name="object 64">
-            <a:extLst>
-              <a:ext uri="{FF2B5EF4-FFF2-40B4-BE49-F238E27FC236}">
-                <a16:creationId xmlns:a16="http://schemas.microsoft.com/office/drawing/2014/main" id="{3921F04C-B61B-A948-947F-C33BBFF39A32}"/>
-              </a:ext>
-            </a:extLst>
-          </p:cNvPr>
+          <p:cNvPr id="85" name="object 64"/>
           <p:cNvSpPr txBox="1"/>
           <p:nvPr/>
         </p:nvSpPr>
@@ -13184,7 +11737,7 @@
                 <a:latin typeface="Adobe Clean"/>
                 <a:cs typeface="Adobe Clean"/>
               </a:rPr>
-              <a:t>Accelerated Support</a:t>
+              <a:t>加速支持</a:t>
             </a:r>
             <a:endParaRPr sz="1200" dirty="0">
               <a:latin typeface="Adobe Clean"/>
@@ -13195,13 +11748,7 @@
       </p:sp>
       <p:sp>
         <p:nvSpPr>
-          <p:cNvPr id="86" name="object 32">
-            <a:extLst>
-              <a:ext uri="{FF2B5EF4-FFF2-40B4-BE49-F238E27FC236}">
-                <a16:creationId xmlns:a16="http://schemas.microsoft.com/office/drawing/2014/main" id="{73055FA1-8180-F44A-A86E-2B1D4C7C6B5E}"/>
-              </a:ext>
-            </a:extLst>
-          </p:cNvPr>
+          <p:cNvPr id="86" name="object 32"/>
           <p:cNvSpPr txBox="1"/>
           <p:nvPr/>
         </p:nvSpPr>
@@ -13229,104 +11776,44 @@
               </a:spcBef>
             </a:pPr>
             <a:r>
-              <a:rPr sz="1200" b="1" spc="-50" dirty="0">
+              <a:rPr lang="en-US" sz="1200" b="1" spc="-50" dirty="0">
                 <a:solidFill>
                   <a:srgbClr val="FFFFFF"/>
                 </a:solidFill>
                 <a:latin typeface="Adobe Clean"/>
                 <a:cs typeface="Adobe Clean"/>
               </a:rPr>
-              <a:t>S</a:t>
-            </a:r>
-            <a:r>
-              <a:rPr sz="1200" b="1" spc="-20" dirty="0">
+              <a:t>战</a:t>
+            </a:r>
+            <a:r>
+              <a:rPr lang="en-US" sz="1200" b="1" spc="-20" dirty="0">
                 <a:solidFill>
                   <a:srgbClr val="FFFFFF"/>
                 </a:solidFill>
                 <a:latin typeface="Adobe Clean"/>
                 <a:cs typeface="Adobe Clean"/>
               </a:rPr>
-              <a:t>t</a:t>
-            </a:r>
-            <a:r>
-              <a:rPr sz="1200" b="1" spc="-75" dirty="0">
+              <a:t>略</a:t>
+            </a:r>
+            <a:r>
+              <a:rPr lang="en-US" sz="1200" b="1" spc="-75" dirty="0">
                 <a:solidFill>
                   <a:srgbClr val="FFFFFF"/>
                 </a:solidFill>
                 <a:latin typeface="Adobe Clean"/>
                 <a:cs typeface="Adobe Clean"/>
               </a:rPr>
-              <a:t>r</a:t>
-            </a:r>
-            <a:r>
-              <a:rPr sz="1200" b="1" spc="-90" dirty="0">
+              <a:t>性</a:t>
+            </a:r>
+            <a:r>
+              <a:rPr lang="en-US" sz="1200" b="1" spc="-45" dirty="0">
                 <a:solidFill>
                   <a:srgbClr val="FFFFFF"/>
                 </a:solidFill>
                 <a:latin typeface="Adobe Clean"/>
                 <a:cs typeface="Adobe Clean"/>
               </a:rPr>
-              <a:t>a</a:t>
-            </a:r>
-            <a:r>
-              <a:rPr sz="1200" b="1" spc="-55" dirty="0">
-                <a:solidFill>
-                  <a:srgbClr val="FFFFFF"/>
-                </a:solidFill>
-                <a:latin typeface="Adobe Clean"/>
-                <a:cs typeface="Adobe Clean"/>
-              </a:rPr>
-              <a:t>t</a:t>
-            </a:r>
-            <a:r>
-              <a:rPr sz="1200" b="1" spc="-100" dirty="0">
-                <a:solidFill>
-                  <a:srgbClr val="FFFFFF"/>
-                </a:solidFill>
-                <a:latin typeface="Adobe Clean"/>
-                <a:cs typeface="Adobe Clean"/>
-              </a:rPr>
-              <a:t>e</a:t>
-            </a:r>
-            <a:r>
-              <a:rPr sz="1200" b="1" spc="-80" dirty="0">
-                <a:solidFill>
-                  <a:srgbClr val="FFFFFF"/>
-                </a:solidFill>
-                <a:latin typeface="Adobe Clean"/>
-                <a:cs typeface="Adobe Clean"/>
-              </a:rPr>
-              <a:t>g</a:t>
-            </a:r>
-            <a:r>
-              <a:rPr sz="1200" b="1" spc="-35" dirty="0">
-                <a:solidFill>
-                  <a:srgbClr val="FFFFFF"/>
-                </a:solidFill>
-                <a:latin typeface="Adobe Clean"/>
-                <a:cs typeface="Adobe Clean"/>
-              </a:rPr>
-              <a:t>i</a:t>
-            </a:r>
-            <a:r>
-              <a:rPr sz="1200" b="1" dirty="0">
-                <a:solidFill>
-                  <a:srgbClr val="FFFFFF"/>
-                </a:solidFill>
-                <a:latin typeface="Adobe Clean"/>
-                <a:cs typeface="Adobe Clean"/>
-              </a:rPr>
-              <a:t>c  </a:t>
-            </a:r>
-            <a:r>
-              <a:rPr sz="1200" b="1" spc="-45" dirty="0">
-                <a:solidFill>
-                  <a:srgbClr val="FFFFFF"/>
-                </a:solidFill>
-                <a:latin typeface="Adobe Clean"/>
-                <a:cs typeface="Adobe Clean"/>
-              </a:rPr>
-              <a:t>Advice</a:t>
+              <a:t>建议</a:t>
             </a:r>
             <a:endParaRPr sz="1200" dirty="0">
               <a:latin typeface="Adobe Clean"/>
@@ -13337,27 +11824,15 @@
       </p:sp>
       <p:graphicFrame>
         <p:nvGraphicFramePr>
-          <p:cNvPr id="111" name="Table 6">
-            <a:extLst>
-              <a:ext uri="{FF2B5EF4-FFF2-40B4-BE49-F238E27FC236}">
-                <a16:creationId xmlns:a16="http://schemas.microsoft.com/office/drawing/2014/main" id="{D8653CEC-4213-DE40-9BAF-D1E3318FF89C}"/>
-              </a:ext>
-            </a:extLst>
-          </p:cNvPr>
+          <p:cNvPr id="111" name="Table 6"/>
           <p:cNvGraphicFramePr>
             <a:graphicFrameLocks noGrp="1"/>
           </p:cNvGraphicFramePr>
-          <p:nvPr>
-            <p:extLst>
-              <p:ext uri="{D42A27DB-BD31-4B8C-83A1-F6EECF244321}">
-                <p14:modId xmlns:p14="http://schemas.microsoft.com/office/powerpoint/2010/main" val="1366573891"/>
-              </p:ext>
-            </p:extLst>
-          </p:nvPr>
+          <p:nvPr/>
         </p:nvGraphicFramePr>
         <p:xfrm>
           <a:off x="194236" y="1059345"/>
-          <a:ext cx="7368291" cy="2931160"/>
+          <a:ext cx="7368291" cy="2473960"/>
         </p:xfrm>
         <a:graphic>
           <a:graphicData uri="http://schemas.openxmlformats.org/drawingml/2006/table">
@@ -13369,14 +11844,14 @@
                 <a:gridCol w="3691964">
                   <a:extLst>
                     <a:ext uri="{9D8B030D-6E8A-4147-A177-3AD203B41FA5}">
-                      <a16:colId xmlns:a16="http://schemas.microsoft.com/office/drawing/2014/main" val="2364693614"/>
+                      <a16:colId xmlns:a16="http://schemas.microsoft.com/office/drawing/2014/main" val="20000"/>
                     </a:ext>
                   </a:extLst>
                 </a:gridCol>
                 <a:gridCol w="3676327">
                   <a:extLst>
                     <a:ext uri="{9D8B030D-6E8A-4147-A177-3AD203B41FA5}">
-                      <a16:colId xmlns:a16="http://schemas.microsoft.com/office/drawing/2014/main" val="1545335406"/>
+                      <a16:colId xmlns:a16="http://schemas.microsoft.com/office/drawing/2014/main" val="20001"/>
                     </a:ext>
                   </a:extLst>
                 </a:gridCol>
@@ -13476,7 +11951,6 @@
                         <a:buSzTx/>
                         <a:buFontTx/>
                         <a:buNone/>
-                        <a:tabLst/>
                         <a:defRPr/>
                       </a:pPr>
                       <a:r>
@@ -13488,7 +11962,7 @@
                           <a:ea typeface="+mn-ea"/>
                           <a:cs typeface="+mn-cs"/>
                         </a:rPr>
-                        <a:t>Experience League is how Adobe helps businesses achieve the value they expect from their Adobe investment. It’s the unified place where customers can learn, connect, and grow along a personalized path to success that includes self-help tutorials, product documentation, instructor-led training, community and technical support. </a:t>
+                        <a:t>Experience League 是 Adobe 帮助企业实现预期的 Adobe 投资回报的方式。这是一个集中式位置，提供自助教程、产品文档、讲师指导的培训、社区和技术支持，客户可以在这里学习、建立联系和取得进步，并沿着个性化的路径迈向成功。</a:t>
                       </a:r>
                     </a:p>
                   </a:txBody>
@@ -13542,7 +12016,7 @@
                 </a:tc>
                 <a:extLst>
                   <a:ext uri="{0D108BD9-81ED-4DB2-BD59-A6C34878D82A}">
-                    <a16:rowId xmlns:a16="http://schemas.microsoft.com/office/drawing/2014/main" val="4251285128"/>
+                    <a16:rowId xmlns:a16="http://schemas.microsoft.com/office/drawing/2014/main" val="10000"/>
                   </a:ext>
                 </a:extLst>
               </a:tr>
@@ -13566,7 +12040,6 @@
                         <a:buSzTx/>
                         <a:buFontTx/>
                         <a:buNone/>
-                        <a:tabLst/>
                         <a:defRPr/>
                       </a:pPr>
                       <a:r>
@@ -13580,7 +12053,7 @@
                           <a:cs typeface="+mn-cs"/>
                           <a:hlinkClick r:id="rId8"/>
                         </a:rPr>
-                        <a:t>Training</a:t>
+                        <a:t>培训</a:t>
                       </a:r>
                       <a:r>
                         <a:rPr lang="en-US" sz="1100" dirty="0">
@@ -13672,7 +12145,6 @@
                         <a:buSzTx/>
                         <a:buFontTx/>
                         <a:buNone/>
-                        <a:tabLst/>
                         <a:defRPr/>
                       </a:pPr>
                       <a:r>
@@ -13684,7 +12156,7 @@
                           <a:ea typeface="+mn-ea"/>
                           <a:cs typeface="+mn-cs"/>
                         </a:rPr>
-                        <a:t>Adobe Digital Learning Services courses are accessible from Experience League. Learning courses integrate both on-demand and instructor-led lessons.  Here you can accrue skills that have recognized market value and position them to drive success in your organizations.</a:t>
+                        <a:t>可以从 Experience League 访问 Adobe Digital Learning Services 课程。学习课程整合了按需课程和讲师指导的课程。在这里，您可以掌握具有公认市场价值的技能，并在组织中利用这些技能获得成功。</a:t>
                       </a:r>
                     </a:p>
                   </a:txBody>
@@ -13738,7 +12210,7 @@
                 </a:tc>
                 <a:extLst>
                   <a:ext uri="{0D108BD9-81ED-4DB2-BD59-A6C34878D82A}">
-                    <a16:rowId xmlns:a16="http://schemas.microsoft.com/office/drawing/2014/main" val="3127522179"/>
+                    <a16:rowId xmlns:a16="http://schemas.microsoft.com/office/drawing/2014/main" val="10001"/>
                   </a:ext>
                 </a:extLst>
               </a:tr>
@@ -13762,7 +12234,6 @@
                         <a:buSzTx/>
                         <a:buFontTx/>
                         <a:buNone/>
-                        <a:tabLst/>
                         <a:defRPr/>
                       </a:pPr>
                       <a:r>
@@ -13776,7 +12247,7 @@
                           <a:cs typeface="+mn-cs"/>
                           <a:hlinkClick r:id="rId9"/>
                         </a:rPr>
-                        <a:t>Production Issues &amp; System Outages</a:t>
+                        <a:t>生产问题和系统中断</a:t>
                       </a:r>
                       <a:endParaRPr lang="en-US" sz="1100" dirty="0">
                         <a:solidFill>
@@ -13856,7 +12327,6 @@
                         <a:buSzTx/>
                         <a:buFontTx/>
                         <a:buNone/>
-                        <a:tabLst/>
                         <a:defRPr/>
                       </a:pPr>
                       <a:r>
@@ -13868,7 +12338,7 @@
                           <a:ea typeface="+mn-ea"/>
                           <a:cs typeface="+mn-cs"/>
                         </a:rPr>
-                        <a:t>Status.adobe.com conveys the health information of all Adobe products and services that are deployed in multi-tenant environments. Customers can choose their subscription preferences to get email notifications whenever Adobe creates, updates or resolves a product event. This can include scheduled maintenance or service issues of varying levels of severity. </a:t>
+                        <a:t>Status.adobe.com 传达在多租户环境中部署的所有 Adobe 产品和服务的运行状况信息。客户可以选择他们的订阅偏好设置，以便在 Adobe 创建、更新或处理产品事件时收到电子邮件通知。这可能包括严重性不同的定期维护或服务问题。</a:t>
                       </a:r>
                     </a:p>
                   </a:txBody>
@@ -13922,7 +12392,7 @@
                 </a:tc>
                 <a:extLst>
                   <a:ext uri="{0D108BD9-81ED-4DB2-BD59-A6C34878D82A}">
-                    <a16:rowId xmlns:a16="http://schemas.microsoft.com/office/drawing/2014/main" val="2696233489"/>
+                    <a16:rowId xmlns:a16="http://schemas.microsoft.com/office/drawing/2014/main" val="10002"/>
                   </a:ext>
                 </a:extLst>
               </a:tr>
@@ -13946,7 +12416,6 @@
                         <a:buSzTx/>
                         <a:buFontTx/>
                         <a:buNone/>
-                        <a:tabLst/>
                         <a:defRPr/>
                       </a:pPr>
                       <a:r>
@@ -13960,7 +12429,7 @@
                           <a:cs typeface="+mn-cs"/>
                           <a:hlinkClick r:id="rId10"/>
                         </a:rPr>
-                        <a:t>Terms and Conditions</a:t>
+                        <a:t>条款和条件</a:t>
                       </a:r>
                       <a:endParaRPr lang="en-US" sz="1100" dirty="0">
                         <a:solidFill>
@@ -14035,7 +12504,7 @@
                           <a:ea typeface="+mn-ea"/>
                           <a:cs typeface="+mn-cs"/>
                         </a:rPr>
-                        <a:t>Terms and conditions detailing Support Services offerings.</a:t>
+                        <a:t>详细说明支持服务产品的条款和条件</a:t>
                       </a:r>
                     </a:p>
                   </a:txBody>
@@ -14089,7 +12558,7 @@
                 </a:tc>
                 <a:extLst>
                   <a:ext uri="{0D108BD9-81ED-4DB2-BD59-A6C34878D82A}">
-                    <a16:rowId xmlns:a16="http://schemas.microsoft.com/office/drawing/2014/main" val="2083862379"/>
+                    <a16:rowId xmlns:a16="http://schemas.microsoft.com/office/drawing/2014/main" val="10003"/>
                   </a:ext>
                 </a:extLst>
               </a:tr>
@@ -14099,13 +12568,7 @@
       </p:graphicFrame>
       <p:pic>
         <p:nvPicPr>
-          <p:cNvPr id="8" name="Graphic 7" descr="Target outline">
-            <a:extLst>
-              <a:ext uri="{FF2B5EF4-FFF2-40B4-BE49-F238E27FC236}">
-                <a16:creationId xmlns:a16="http://schemas.microsoft.com/office/drawing/2014/main" id="{1EAA263E-04A7-0D46-952E-EA3033B45116}"/>
-              </a:ext>
-            </a:extLst>
-          </p:cNvPr>
+          <p:cNvPr id="8" name="Graphic 7" descr="目标轮廓图"/>
           <p:cNvPicPr>
             <a:picLocks noChangeAspect="1"/>
           </p:cNvPicPr>
@@ -14138,13 +12601,7 @@
       </p:pic>
       <p:pic>
         <p:nvPicPr>
-          <p:cNvPr id="10" name="Graphic 9" descr="Rocket outline">
-            <a:extLst>
-              <a:ext uri="{FF2B5EF4-FFF2-40B4-BE49-F238E27FC236}">
-                <a16:creationId xmlns:a16="http://schemas.microsoft.com/office/drawing/2014/main" id="{A068EBC3-B418-4E4A-A520-101CA4B39F23}"/>
-              </a:ext>
-            </a:extLst>
-          </p:cNvPr>
+          <p:cNvPr id="10" name="Graphic 9" descr="火箭轮廓图"/>
           <p:cNvPicPr>
             <a:picLocks noChangeAspect="1"/>
           </p:cNvPicPr>
@@ -14177,13 +12634,7 @@
       </p:pic>
       <p:pic>
         <p:nvPicPr>
-          <p:cNvPr id="12" name="Graphic 11" descr="Medal outline">
-            <a:extLst>
-              <a:ext uri="{FF2B5EF4-FFF2-40B4-BE49-F238E27FC236}">
-                <a16:creationId xmlns:a16="http://schemas.microsoft.com/office/drawing/2014/main" id="{C7BEFC2D-0CA6-0448-B9FA-6E1581CA6D36}"/>
-              </a:ext>
-            </a:extLst>
-          </p:cNvPr>
+          <p:cNvPr id="12" name="Graphic 11" descr="勋章轮廓图"/>
           <p:cNvPicPr>
             <a:picLocks noChangeAspect="1"/>
           </p:cNvPicPr>
@@ -14215,11 +12666,6 @@
         </p:spPr>
       </p:pic>
     </p:spTree>
-    <p:extLst>
-      <p:ext uri="{BB962C8B-B14F-4D97-AF65-F5344CB8AC3E}">
-        <p14:creationId xmlns:p14="http://schemas.microsoft.com/office/powerpoint/2010/main" val="799510854"/>
-      </p:ext>
-    </p:extLst>
   </p:cSld>
   <p:clrMapOvr>
     <a:masterClrMapping/>
@@ -14507,6 +12953,11 @@
   </a:themeElements>
   <a:objectDefaults/>
   <a:extraClrSchemeLst/>
+  <a:extLst>
+    <a:ext uri="{05A4C25C-085E-4340-85A3-A5531E510DB2}">
+      <thm15:themeFamily xmlns:thm15="http://schemas.microsoft.com/office/thememl/2012/main" name="Office Theme" id="{62F939B6-93AF-4DB8-9C6B-D6C7DFDC589F}" vid="{4A3C46E8-61CC-4603-A589-7422A47A8E4A}"/>
+    </a:ext>
+  </a:extLst>
 </a:theme>
 </file>
 
@@ -14553,7 +13004,7 @@
     </a:clrScheme>
     <a:fontScheme name="Office">
       <a:majorFont>
-        <a:latin typeface="Calibri Light" panose="020F0302020204030204"/>
+        <a:latin typeface="Calibri Light"/>
         <a:ea typeface=""/>
         <a:cs typeface=""/>
         <a:font script="Jpan" typeface="游ゴシック Light"/>
@@ -14586,26 +13037,9 @@
         <a:font script="Viet" typeface="Times New Roman"/>
         <a:font script="Uigh" typeface="Microsoft Uighur"/>
         <a:font script="Geor" typeface="Sylfaen"/>
-        <a:font script="Armn" typeface="Arial"/>
-        <a:font script="Bugi" typeface="Leelawadee UI"/>
-        <a:font script="Bopo" typeface="Microsoft JhengHei"/>
-        <a:font script="Java" typeface="Javanese Text"/>
-        <a:font script="Lisu" typeface="Segoe UI"/>
-        <a:font script="Mymr" typeface="Myanmar Text"/>
-        <a:font script="Nkoo" typeface="Ebrima"/>
-        <a:font script="Olck" typeface="Nirmala UI"/>
-        <a:font script="Osma" typeface="Ebrima"/>
-        <a:font script="Phag" typeface="Phagspa"/>
-        <a:font script="Syrn" typeface="Estrangelo Edessa"/>
-        <a:font script="Syrj" typeface="Estrangelo Edessa"/>
-        <a:font script="Syre" typeface="Estrangelo Edessa"/>
-        <a:font script="Sora" typeface="Nirmala UI"/>
-        <a:font script="Tale" typeface="Microsoft Tai Le"/>
-        <a:font script="Talu" typeface="Microsoft New Tai Lue"/>
-        <a:font script="Tfng" typeface="Ebrima"/>
       </a:majorFont>
       <a:minorFont>
-        <a:latin typeface="Calibri" panose="020F0502020204030204"/>
+        <a:latin typeface="Calibri"/>
         <a:ea typeface=""/>
         <a:cs typeface=""/>
         <a:font script="Jpan" typeface="游ゴシック"/>
@@ -14638,23 +13072,6 @@
         <a:font script="Viet" typeface="Arial"/>
         <a:font script="Uigh" typeface="Microsoft Uighur"/>
         <a:font script="Geor" typeface="Sylfaen"/>
-        <a:font script="Armn" typeface="Arial"/>
-        <a:font script="Bugi" typeface="Leelawadee UI"/>
-        <a:font script="Bopo" typeface="Microsoft JhengHei"/>
-        <a:font script="Java" typeface="Javanese Text"/>
-        <a:font script="Lisu" typeface="Segoe UI"/>
-        <a:font script="Mymr" typeface="Myanmar Text"/>
-        <a:font script="Nkoo" typeface="Ebrima"/>
-        <a:font script="Olck" typeface="Nirmala UI"/>
-        <a:font script="Osma" typeface="Ebrima"/>
-        <a:font script="Phag" typeface="Phagspa"/>
-        <a:font script="Syrn" typeface="Estrangelo Edessa"/>
-        <a:font script="Syrj" typeface="Estrangelo Edessa"/>
-        <a:font script="Syre" typeface="Estrangelo Edessa"/>
-        <a:font script="Sora" typeface="Nirmala UI"/>
-        <a:font script="Tale" typeface="Microsoft Tai Le"/>
-        <a:font script="Talu" typeface="Microsoft New Tai Lue"/>
-        <a:font script="Tfng" typeface="Ebrima"/>
       </a:minorFont>
     </a:fontScheme>
     <a:fmtScheme name="Office">
@@ -14803,268 +13220,4 @@
     </a:ext>
   </a:extLst>
 </a:theme>
-</file>
-
-<file path=customXml/item1.xml><?xml version="1.0" encoding="utf-8"?>
-<?mso-contentType ?>
-<FormTemplates xmlns="http://schemas.microsoft.com/sharepoint/v3/contenttype/forms">
-  <Display>DocumentLibraryForm</Display>
-  <Edit>DocumentLibraryForm</Edit>
-  <New>DocumentLibraryForm</New>
-</FormTemplates>
-</file>
-
-<file path=customXml/item2.xml><?xml version="1.0" encoding="utf-8"?>
-<p:properties xmlns:p="http://schemas.microsoft.com/office/2006/metadata/properties" xmlns:xsi="http://www.w3.org/2001/XMLSchema-instance" xmlns:pc="http://schemas.microsoft.com/office/infopath/2007/PartnerControls">
-  <documentManagement/>
-</p:properties>
-</file>
-
-<file path=customXml/item3.xml><?xml version="1.0" encoding="utf-8"?>
-<ct:contentTypeSchema xmlns:ct="http://schemas.microsoft.com/office/2006/metadata/contentType" xmlns:ma="http://schemas.microsoft.com/office/2006/metadata/properties/metaAttributes" ct:_="" ma:_="" ma:contentTypeName="Document" ma:contentTypeID="0x010100E783BF6876BCC646A459363AF21A7736" ma:contentTypeVersion="10" ma:contentTypeDescription="Create a new document." ma:contentTypeScope="" ma:versionID="c4ffda7f4f415767600769e454c2ea87">
-  <xsd:schema xmlns:xsd="http://www.w3.org/2001/XMLSchema" xmlns:xs="http://www.w3.org/2001/XMLSchema" xmlns:p="http://schemas.microsoft.com/office/2006/metadata/properties" xmlns:ns2="8a053bff-88be-49e4-9a87-e748e18b8b62" xmlns:ns3="6c8368ec-3776-49b5-a5bb-90648cf9530f" targetNamespace="http://schemas.microsoft.com/office/2006/metadata/properties" ma:root="true" ma:fieldsID="df3ec33bccc23e23bce7bc897fad43d1" ns2:_="" ns3:_="">
-    <xsd:import namespace="8a053bff-88be-49e4-9a87-e748e18b8b62"/>
-    <xsd:import namespace="6c8368ec-3776-49b5-a5bb-90648cf9530f"/>
-    <xsd:element name="properties">
-      <xsd:complexType>
-        <xsd:sequence>
-          <xsd:element name="documentManagement">
-            <xsd:complexType>
-              <xsd:all>
-                <xsd:element ref="ns2:MediaServiceMetadata" minOccurs="0"/>
-                <xsd:element ref="ns2:MediaServiceFastMetadata" minOccurs="0"/>
-                <xsd:element ref="ns2:MediaServiceAutoKeyPoints" minOccurs="0"/>
-                <xsd:element ref="ns2:MediaServiceKeyPoints" minOccurs="0"/>
-                <xsd:element ref="ns3:SharedWithUsers" minOccurs="0"/>
-                <xsd:element ref="ns3:SharedWithDetails" minOccurs="0"/>
-                <xsd:element ref="ns2:MediaServiceAutoTags" minOccurs="0"/>
-                <xsd:element ref="ns2:MediaServiceOCR" minOccurs="0"/>
-                <xsd:element ref="ns2:MediaServiceGenerationTime" minOccurs="0"/>
-                <xsd:element ref="ns2:MediaServiceEventHashCode" minOccurs="0"/>
-              </xsd:all>
-            </xsd:complexType>
-          </xsd:element>
-        </xsd:sequence>
-      </xsd:complexType>
-    </xsd:element>
-  </xsd:schema>
-  <xsd:schema xmlns:xsd="http://www.w3.org/2001/XMLSchema" xmlns:xs="http://www.w3.org/2001/XMLSchema" xmlns:dms="http://schemas.microsoft.com/office/2006/documentManagement/types" xmlns:pc="http://schemas.microsoft.com/office/infopath/2007/PartnerControls" targetNamespace="8a053bff-88be-49e4-9a87-e748e18b8b62" elementFormDefault="qualified">
-    <xsd:import namespace="http://schemas.microsoft.com/office/2006/documentManagement/types"/>
-    <xsd:import namespace="http://schemas.microsoft.com/office/infopath/2007/PartnerControls"/>
-    <xsd:element name="MediaServiceMetadata" ma:index="8" nillable="true" ma:displayName="MediaServiceMetadata" ma:hidden="true" ma:internalName="MediaServiceMetadata" ma:readOnly="true">
-      <xsd:simpleType>
-        <xsd:restriction base="dms:Note"/>
-      </xsd:simpleType>
-    </xsd:element>
-    <xsd:element name="MediaServiceFastMetadata" ma:index="9" nillable="true" ma:displayName="MediaServiceFastMetadata" ma:hidden="true" ma:internalName="MediaServiceFastMetadata" ma:readOnly="true">
-      <xsd:simpleType>
-        <xsd:restriction base="dms:Note"/>
-      </xsd:simpleType>
-    </xsd:element>
-    <xsd:element name="MediaServiceAutoKeyPoints" ma:index="10" nillable="true" ma:displayName="MediaServiceAutoKeyPoints" ma:hidden="true" ma:internalName="MediaServiceAutoKeyPoints" ma:readOnly="true">
-      <xsd:simpleType>
-        <xsd:restriction base="dms:Note"/>
-      </xsd:simpleType>
-    </xsd:element>
-    <xsd:element name="MediaServiceKeyPoints" ma:index="11" nillable="true" ma:displayName="KeyPoints" ma:internalName="MediaServiceKeyPoints" ma:readOnly="true">
-      <xsd:simpleType>
-        <xsd:restriction base="dms:Note">
-          <xsd:maxLength value="255"/>
-        </xsd:restriction>
-      </xsd:simpleType>
-    </xsd:element>
-    <xsd:element name="MediaServiceAutoTags" ma:index="14" nillable="true" ma:displayName="Tags" ma:internalName="MediaServiceAutoTags" ma:readOnly="true">
-      <xsd:simpleType>
-        <xsd:restriction base="dms:Text"/>
-      </xsd:simpleType>
-    </xsd:element>
-    <xsd:element name="MediaServiceOCR" ma:index="15" nillable="true" ma:displayName="Extracted Text" ma:internalName="MediaServiceOCR" ma:readOnly="true">
-      <xsd:simpleType>
-        <xsd:restriction base="dms:Note">
-          <xsd:maxLength value="255"/>
-        </xsd:restriction>
-      </xsd:simpleType>
-    </xsd:element>
-    <xsd:element name="MediaServiceGenerationTime" ma:index="16" nillable="true" ma:displayName="MediaServiceGenerationTime" ma:hidden="true" ma:internalName="MediaServiceGenerationTime" ma:readOnly="true">
-      <xsd:simpleType>
-        <xsd:restriction base="dms:Text"/>
-      </xsd:simpleType>
-    </xsd:element>
-    <xsd:element name="MediaServiceEventHashCode" ma:index="17" nillable="true" ma:displayName="MediaServiceEventHashCode" ma:hidden="true" ma:internalName="MediaServiceEventHashCode" ma:readOnly="true">
-      <xsd:simpleType>
-        <xsd:restriction base="dms:Text"/>
-      </xsd:simpleType>
-    </xsd:element>
-  </xsd:schema>
-  <xsd:schema xmlns:xsd="http://www.w3.org/2001/XMLSchema" xmlns:xs="http://www.w3.org/2001/XMLSchema" xmlns:dms="http://schemas.microsoft.com/office/2006/documentManagement/types" xmlns:pc="http://schemas.microsoft.com/office/infopath/2007/PartnerControls" targetNamespace="6c8368ec-3776-49b5-a5bb-90648cf9530f" elementFormDefault="qualified">
-    <xsd:import namespace="http://schemas.microsoft.com/office/2006/documentManagement/types"/>
-    <xsd:import namespace="http://schemas.microsoft.com/office/infopath/2007/PartnerControls"/>
-    <xsd:element name="SharedWithUsers" ma:index="12" nillable="true" ma:displayName="Shared With" ma:internalName="SharedWithUsers" ma:readOnly="true">
-      <xsd:complexType>
-        <xsd:complexContent>
-          <xsd:extension base="dms:UserMulti">
-            <xsd:sequence>
-              <xsd:element name="UserInfo" minOccurs="0" maxOccurs="unbounded">
-                <xsd:complexType>
-                  <xsd:sequence>
-                    <xsd:element name="DisplayName" type="xsd:string" minOccurs="0"/>
-                    <xsd:element name="AccountId" type="dms:UserId" minOccurs="0" nillable="true"/>
-                    <xsd:element name="AccountType" type="xsd:string" minOccurs="0"/>
-                  </xsd:sequence>
-                </xsd:complexType>
-              </xsd:element>
-            </xsd:sequence>
-          </xsd:extension>
-        </xsd:complexContent>
-      </xsd:complexType>
-    </xsd:element>
-    <xsd:element name="SharedWithDetails" ma:index="13" nillable="true" ma:displayName="Shared With Details" ma:internalName="SharedWithDetails" ma:readOnly="true">
-      <xsd:simpleType>
-        <xsd:restriction base="dms:Note">
-          <xsd:maxLength value="255"/>
-        </xsd:restriction>
-      </xsd:simpleType>
-    </xsd:element>
-  </xsd:schema>
-  <xsd:schema xmlns="http://schemas.openxmlformats.org/package/2006/metadata/core-properties" xmlns:xsd="http://www.w3.org/2001/XMLSchema" xmlns:xsi="http://www.w3.org/2001/XMLSchema-instance" xmlns:dc="http://purl.org/dc/elements/1.1/" xmlns:dcterms="http://purl.org/dc/terms/" xmlns:odoc="http://schemas.microsoft.com/internal/obd" targetNamespace="http://schemas.openxmlformats.org/package/2006/metadata/core-properties" elementFormDefault="qualified" attributeFormDefault="unqualified" blockDefault="#all">
-    <xsd:import namespace="http://purl.org/dc/elements/1.1/" schemaLocation="http://dublincore.org/schemas/xmls/qdc/2003/04/02/dc.xsd"/>
-    <xsd:import namespace="http://purl.org/dc/terms/" schemaLocation="http://dublincore.org/schemas/xmls/qdc/2003/04/02/dcterms.xsd"/>
-    <xsd:element name="coreProperties" type="CT_coreProperties"/>
-    <xsd:complexType name="CT_coreProperties">
-      <xsd:all>
-        <xsd:element ref="dc:creator" minOccurs="0" maxOccurs="1"/>
-        <xsd:element ref="dcterms:created" minOccurs="0" maxOccurs="1"/>
-        <xsd:element ref="dc:identifier" minOccurs="0" maxOccurs="1"/>
-        <xsd:element name="contentType" minOccurs="0" maxOccurs="1" type="xsd:string" ma:index="0" ma:displayName="Content Type"/>
-        <xsd:element ref="dc:title" minOccurs="0" maxOccurs="1" ma:index="4" ma:displayName="Title"/>
-        <xsd:element ref="dc:subject" minOccurs="0" maxOccurs="1"/>
-        <xsd:element ref="dc:description" minOccurs="0" maxOccurs="1"/>
-        <xsd:element name="keywords" minOccurs="0" maxOccurs="1" type="xsd:string"/>
-        <xsd:element ref="dc:language" minOccurs="0" maxOccurs="1"/>
-        <xsd:element name="category" minOccurs="0" maxOccurs="1" type="xsd:string"/>
-        <xsd:element name="version" minOccurs="0" maxOccurs="1" type="xsd:string"/>
-        <xsd:element name="revision" minOccurs="0" maxOccurs="1" type="xsd:string">
-          <xsd:annotation>
-            <xsd:documentation>
-                        This value indicates the number of saves or revisions. The application is responsible for updating this value after each revision.
-                    </xsd:documentation>
-          </xsd:annotation>
-        </xsd:element>
-        <xsd:element name="lastModifiedBy" minOccurs="0" maxOccurs="1" type="xsd:string"/>
-        <xsd:element ref="dcterms:modified" minOccurs="0" maxOccurs="1"/>
-        <xsd:element name="contentStatus" minOccurs="0" maxOccurs="1" type="xsd:string"/>
-      </xsd:all>
-    </xsd:complexType>
-  </xsd:schema>
-  <xs:schema xmlns:pc="http://schemas.microsoft.com/office/infopath/2007/PartnerControls" xmlns:xs="http://www.w3.org/2001/XMLSchema" targetNamespace="http://schemas.microsoft.com/office/infopath/2007/PartnerControls" elementFormDefault="qualified" attributeFormDefault="unqualified">
-    <xs:element name="Person">
-      <xs:complexType>
-        <xs:sequence>
-          <xs:element ref="pc:DisplayName" minOccurs="0"/>
-          <xs:element ref="pc:AccountId" minOccurs="0"/>
-          <xs:element ref="pc:AccountType" minOccurs="0"/>
-        </xs:sequence>
-      </xs:complexType>
-    </xs:element>
-    <xs:element name="DisplayName" type="xs:string"/>
-    <xs:element name="AccountId" type="xs:string"/>
-    <xs:element name="AccountType" type="xs:string"/>
-    <xs:element name="BDCAssociatedEntity">
-      <xs:complexType>
-        <xs:sequence>
-          <xs:element ref="pc:BDCEntity" minOccurs="0" maxOccurs="unbounded"/>
-        </xs:sequence>
-        <xs:attribute ref="pc:EntityNamespace"/>
-        <xs:attribute ref="pc:EntityName"/>
-        <xs:attribute ref="pc:SystemInstanceName"/>
-        <xs:attribute ref="pc:AssociationName"/>
-      </xs:complexType>
-    </xs:element>
-    <xs:attribute name="EntityNamespace" type="xs:string"/>
-    <xs:attribute name="EntityName" type="xs:string"/>
-    <xs:attribute name="SystemInstanceName" type="xs:string"/>
-    <xs:attribute name="AssociationName" type="xs:string"/>
-    <xs:element name="BDCEntity">
-      <xs:complexType>
-        <xs:sequence>
-          <xs:element ref="pc:EntityDisplayName" minOccurs="0"/>
-          <xs:element ref="pc:EntityInstanceReference" minOccurs="0"/>
-          <xs:element ref="pc:EntityId1" minOccurs="0"/>
-          <xs:element ref="pc:EntityId2" minOccurs="0"/>
-          <xs:element ref="pc:EntityId3" minOccurs="0"/>
-          <xs:element ref="pc:EntityId4" minOccurs="0"/>
-          <xs:element ref="pc:EntityId5" minOccurs="0"/>
-        </xs:sequence>
-      </xs:complexType>
-    </xs:element>
-    <xs:element name="EntityDisplayName" type="xs:string"/>
-    <xs:element name="EntityInstanceReference" type="xs:string"/>
-    <xs:element name="EntityId1" type="xs:string"/>
-    <xs:element name="EntityId2" type="xs:string"/>
-    <xs:element name="EntityId3" type="xs:string"/>
-    <xs:element name="EntityId4" type="xs:string"/>
-    <xs:element name="EntityId5" type="xs:string"/>
-    <xs:element name="Terms">
-      <xs:complexType>
-        <xs:sequence>
-          <xs:element ref="pc:TermInfo" minOccurs="0" maxOccurs="unbounded"/>
-        </xs:sequence>
-      </xs:complexType>
-    </xs:element>
-    <xs:element name="TermInfo">
-      <xs:complexType>
-        <xs:sequence>
-          <xs:element ref="pc:TermName" minOccurs="0"/>
-          <xs:element ref="pc:TermId" minOccurs="0"/>
-        </xs:sequence>
-      </xs:complexType>
-    </xs:element>
-    <xs:element name="TermName" type="xs:string"/>
-    <xs:element name="TermId" type="xs:string"/>
-  </xs:schema>
-</ct:contentTypeSchema>
-</file>
-
-<file path=customXml/itemProps1.xml><?xml version="1.0" encoding="utf-8"?>
-<ds:datastoreItem xmlns:ds="http://schemas.openxmlformats.org/officeDocument/2006/customXml" ds:itemID="{AC92E7FA-19A2-4675-9C77-2C92D8A268D1}">
-  <ds:schemaRefs>
-    <ds:schemaRef ds:uri="http://schemas.microsoft.com/sharepoint/v3/contenttype/forms"/>
-  </ds:schemaRefs>
-</ds:datastoreItem>
-</file>
-
-<file path=customXml/itemProps2.xml><?xml version="1.0" encoding="utf-8"?>
-<ds:datastoreItem xmlns:ds="http://schemas.openxmlformats.org/officeDocument/2006/customXml" ds:itemID="{8D12BD98-169B-4BEE-86DF-4C9641DF23C4}">
-  <ds:schemaRefs>
-    <ds:schemaRef ds:uri="http://schemas.microsoft.com/office/2006/documentManagement/types"/>
-    <ds:schemaRef ds:uri="http://schemas.microsoft.com/office/2006/metadata/properties"/>
-    <ds:schemaRef ds:uri="http://www.w3.org/XML/1998/namespace"/>
-    <ds:schemaRef ds:uri="http://purl.org/dc/terms/"/>
-    <ds:schemaRef ds:uri="http://purl.org/dc/elements/1.1/"/>
-    <ds:schemaRef ds:uri="http://schemas.microsoft.com/office/infopath/2007/PartnerControls"/>
-    <ds:schemaRef ds:uri="http://schemas.openxmlformats.org/package/2006/metadata/core-properties"/>
-    <ds:schemaRef ds:uri="8a053bff-88be-49e4-9a87-e748e18b8b62"/>
-    <ds:schemaRef ds:uri="6c8368ec-3776-49b5-a5bb-90648cf9530f"/>
-    <ds:schemaRef ds:uri="http://purl.org/dc/dcmitype/"/>
-  </ds:schemaRefs>
-</ds:datastoreItem>
-</file>
-
-<file path=customXml/itemProps3.xml><?xml version="1.0" encoding="utf-8"?>
-<ds:datastoreItem xmlns:ds="http://schemas.openxmlformats.org/officeDocument/2006/customXml" ds:itemID="{34863498-7BB7-4F09-9F4A-B99E97FDB0EB}">
-  <ds:schemaRefs>
-    <ds:schemaRef ds:uri="http://schemas.microsoft.com/office/2006/metadata/contentType"/>
-    <ds:schemaRef ds:uri="http://schemas.microsoft.com/office/2006/metadata/properties/metaAttributes"/>
-    <ds:schemaRef ds:uri="http://www.w3.org/2001/XMLSchema"/>
-    <ds:schemaRef ds:uri="http://schemas.microsoft.com/office/2006/metadata/properties"/>
-    <ds:schemaRef ds:uri="8a053bff-88be-49e4-9a87-e748e18b8b62"/>
-    <ds:schemaRef ds:uri="6c8368ec-3776-49b5-a5bb-90648cf9530f"/>
-    <ds:schemaRef ds:uri="http://schemas.microsoft.com/office/2006/documentManagement/types"/>
-    <ds:schemaRef ds:uri="http://schemas.microsoft.com/office/infopath/2007/PartnerControls"/>
-    <ds:schemaRef ds:uri="http://schemas.openxmlformats.org/package/2006/metadata/core-properties"/>
-    <ds:schemaRef ds:uri="http://purl.org/dc/elements/1.1/"/>
-    <ds:schemaRef ds:uri="http://purl.org/dc/terms/"/>
-    <ds:schemaRef ds:uri="http://schemas.microsoft.com/internal/obd"/>
-  </ds:schemaRefs>
-</ds:datastoreItem>
 </file>
--- a/help/data-sheets/assets/OnlineSupportDatasheet.pptx
+++ b/help/data-sheets/assets/OnlineSupportDatasheet.pptx
@@ -210,7 +210,7 @@
           <a:p>
             <a:fld id="{A438815C-EDE5-F947-A55F-7634403F36C4}" type="datetimeFigureOut">
               <a:rPr lang="en-US" smtClean="0"/>
-              <a:t>10/11/21</a:t>
+              <a:t>11/18/21</a:t>
             </a:fld>
             <a:endParaRPr lang="en-US"/>
           </a:p>
@@ -813,7 +813,7 @@
           <a:p>
             <a:fld id="{1D8BD707-D9CF-40AE-B4C6-C98DA3205C09}" type="datetimeFigureOut">
               <a:rPr lang="en-US"/>
-              <a:t>10/11/21</a:t>
+              <a:t>11/18/21</a:t>
             </a:fld>
             <a:endParaRPr lang="en-US"/>
           </a:p>
@@ -986,7 +986,7 @@
           <a:p>
             <a:fld id="{1D8BD707-D9CF-40AE-B4C6-C98DA3205C09}" type="datetimeFigureOut">
               <a:rPr lang="en-US"/>
-              <a:t>10/11/21</a:t>
+              <a:t>11/18/21</a:t>
             </a:fld>
             <a:endParaRPr lang="en-US"/>
           </a:p>
@@ -1283,7 +1283,7 @@
           <a:p>
             <a:fld id="{1D8BD707-D9CF-40AE-B4C6-C98DA3205C09}" type="datetimeFigureOut">
               <a:rPr lang="en-US"/>
-              <a:t>10/11/21</a:t>
+              <a:t>11/18/21</a:t>
             </a:fld>
             <a:endParaRPr lang="en-US"/>
           </a:p>
@@ -6284,7 +6284,7 @@
           <p:nvPr>
             <p:extLst>
               <p:ext uri="{D42A27DB-BD31-4B8C-83A1-F6EECF244321}">
-                <p14:modId xmlns:p14="http://schemas.microsoft.com/office/powerpoint/2010/main" val="893930338"/>
+                <p14:modId xmlns:p14="http://schemas.microsoft.com/office/powerpoint/2010/main" val="1718852791"/>
               </p:ext>
             </p:extLst>
           </p:nvPr>
@@ -6724,13 +6724,14 @@
                     <a:bodyPr/>
                     <a:lstStyle/>
                     <a:p>
-                      <a:pPr marL="0" marR="325120" indent="-3810" algn="ctr">
+                      <a:pPr marL="222250" marR="325120" indent="0" algn="ctr">
                         <a:lnSpc>
                           <a:spcPct val="100000"/>
                         </a:lnSpc>
                         <a:spcBef>
                           <a:spcPts val="670"/>
                         </a:spcBef>
+                        <a:tabLst/>
                       </a:pPr>
                       <a:r>
                         <a:rPr lang="en-US" sz="900" spc="0" dirty="0">
@@ -6780,23 +6781,53 @@
                     <a:bodyPr/>
                     <a:lstStyle/>
                     <a:p>
-                      <a:pPr marL="0" marR="325755" indent="-3810" algn="ctr">
+                      <a:pPr marL="222250" marR="325755" indent="0" algn="ctr">
                         <a:lnSpc>
                           <a:spcPct val="100000"/>
                         </a:lnSpc>
                         <a:spcBef>
                           <a:spcPts val="670"/>
                         </a:spcBef>
+                        <a:tabLst/>
                       </a:pPr>
                       <a:r>
-                        <a:rPr lang="en-US" sz="900" spc="0" dirty="0">
+                        <a:rPr lang="en-US" sz="900" spc="0" dirty="0" err="1">
                           <a:solidFill>
                             <a:srgbClr val="020302"/>
                           </a:solidFill>
                           <a:latin typeface="AdobeClean-Light"/>
                           <a:cs typeface="AdobeClean-Light"/>
                         </a:rPr>
-                        <a:t>全天候/1 小时</a:t>
+                        <a:t>全天候</a:t>
+                      </a:r>
+                      <a:r>
+                        <a:rPr lang="en-US" sz="900" spc="0" dirty="0">
+                          <a:solidFill>
+                            <a:srgbClr val="020302"/>
+                          </a:solidFill>
+                          <a:latin typeface="AdobeClean-Light"/>
+                          <a:cs typeface="AdobeClean-Light"/>
+                        </a:rPr>
+                        <a:t>/</a:t>
+                      </a:r>
+                      <a:br>
+                        <a:rPr lang="en-US" sz="900" spc="0" dirty="0">
+                          <a:solidFill>
+                            <a:srgbClr val="020302"/>
+                          </a:solidFill>
+                          <a:latin typeface="AdobeClean-Light"/>
+                          <a:cs typeface="AdobeClean-Light"/>
+                        </a:rPr>
+                      </a:br>
+                      <a:r>
+                        <a:rPr lang="en-US" sz="900" spc="0" dirty="0">
+                          <a:solidFill>
+                            <a:srgbClr val="020302"/>
+                          </a:solidFill>
+                          <a:latin typeface="AdobeClean-Light"/>
+                          <a:cs typeface="AdobeClean-Light"/>
+                        </a:rPr>
+                        <a:t>1 小时</a:t>
                       </a:r>
                       <a:endParaRPr sz="900" spc="0" dirty="0">
                         <a:latin typeface="AdobeClean-Light"/>
@@ -6836,23 +6867,53 @@
                     <a:bodyPr/>
                     <a:lstStyle/>
                     <a:p>
-                      <a:pPr marL="0" marR="258445" indent="115570" algn="ctr">
+                      <a:pPr marL="222250" marR="258445" indent="0" algn="ctr">
                         <a:lnSpc>
                           <a:spcPct val="100000"/>
                         </a:lnSpc>
                         <a:spcBef>
                           <a:spcPts val="670"/>
                         </a:spcBef>
+                        <a:tabLst/>
                       </a:pPr>
                       <a:r>
-                        <a:rPr lang="en-US" sz="900" spc="0" dirty="0">
+                        <a:rPr lang="en-US" sz="900" spc="0" dirty="0" err="1">
                           <a:solidFill>
                             <a:srgbClr val="020302"/>
                           </a:solidFill>
                           <a:latin typeface="AdobeClean-Light"/>
                           <a:cs typeface="AdobeClean-Light"/>
                         </a:rPr>
-                        <a:t>全天候/30 分钟</a:t>
+                        <a:t>全天候</a:t>
+                      </a:r>
+                      <a:r>
+                        <a:rPr lang="en-US" sz="900" spc="0" dirty="0">
+                          <a:solidFill>
+                            <a:srgbClr val="020302"/>
+                          </a:solidFill>
+                          <a:latin typeface="AdobeClean-Light"/>
+                          <a:cs typeface="AdobeClean-Light"/>
+                        </a:rPr>
+                        <a:t>/</a:t>
+                      </a:r>
+                      <a:br>
+                        <a:rPr lang="en-US" sz="900" spc="0" dirty="0">
+                          <a:solidFill>
+                            <a:srgbClr val="020302"/>
+                          </a:solidFill>
+                          <a:latin typeface="AdobeClean-Light"/>
+                          <a:cs typeface="AdobeClean-Light"/>
+                        </a:rPr>
+                      </a:br>
+                      <a:r>
+                        <a:rPr lang="en-US" sz="900" spc="0" dirty="0">
+                          <a:solidFill>
+                            <a:srgbClr val="020302"/>
+                          </a:solidFill>
+                          <a:latin typeface="AdobeClean-Light"/>
+                          <a:cs typeface="AdobeClean-Light"/>
+                        </a:rPr>
+                        <a:t>30 分钟</a:t>
                       </a:r>
                       <a:endParaRPr sz="900" spc="0" dirty="0">
                         <a:latin typeface="AdobeClean-Light"/>
@@ -6892,23 +6953,63 @@
                     <a:bodyPr/>
                     <a:lstStyle/>
                     <a:p>
-                      <a:pPr marL="0" marR="271780" indent="103505" algn="ctr">
+                      <a:pPr marL="138113" marR="271780" indent="0" algn="ctr">
                         <a:lnSpc>
                           <a:spcPct val="100000"/>
                         </a:lnSpc>
                         <a:spcBef>
                           <a:spcPts val="670"/>
                         </a:spcBef>
+                        <a:tabLst/>
                       </a:pPr>
                       <a:r>
-                        <a:rPr lang="en-US" sz="900" spc="0" dirty="0">
+                        <a:rPr lang="en-US" sz="900" spc="0" dirty="0" err="1">
                           <a:solidFill>
                             <a:srgbClr val="020302"/>
                           </a:solidFill>
                           <a:latin typeface="AdobeClean-Light"/>
                           <a:cs typeface="AdobeClean-Light"/>
                         </a:rPr>
-                        <a:t>全天候/15 分钟</a:t>
+                        <a:t>全天候</a:t>
+                      </a:r>
+                      <a:r>
+                        <a:rPr lang="en-US" sz="900" spc="0">
+                          <a:solidFill>
+                            <a:srgbClr val="020302"/>
+                          </a:solidFill>
+                          <a:latin typeface="AdobeClean-Light"/>
+                          <a:cs typeface="AdobeClean-Light"/>
+                        </a:rPr>
+                        <a:t>/</a:t>
+                      </a:r>
+                      <a:br>
+                        <a:rPr lang="en-US" sz="900" spc="0">
+                          <a:solidFill>
+                            <a:srgbClr val="020302"/>
+                          </a:solidFill>
+                          <a:latin typeface="AdobeClean-Light"/>
+                          <a:cs typeface="AdobeClean-Light"/>
+                        </a:rPr>
+                      </a:br>
+                      <a:r>
+                        <a:rPr lang="en-US" sz="900" spc="0">
+                          <a:solidFill>
+                            <a:srgbClr val="020302"/>
+                          </a:solidFill>
+                          <a:latin typeface="AdobeClean-Light"/>
+                          <a:cs typeface="AdobeClean-Light"/>
+                        </a:rPr>
+                        <a:t>15 </a:t>
+                      </a:r>
+                      <a:r>
+                        <a:rPr lang="en-US" sz="900" spc="0" dirty="0">
+                          <a:solidFill>
+                            <a:srgbClr val="020302"/>
+                          </a:solidFill>
+                          <a:latin typeface="AdobeClean-Light"/>
+                          <a:cs typeface="AdobeClean-Light"/>
+                        </a:rPr>
+                        <a:t>分钟</a:t>
                       </a:r>
                       <a:endParaRPr sz="900" spc="0" dirty="0">
                         <a:latin typeface="AdobeClean-Light"/>
@@ -7043,23 +7144,53 @@
                     <a:bodyPr/>
                     <a:lstStyle/>
                     <a:p>
-                      <a:pPr marL="0" marR="184785" indent="-193675" algn="ctr">
+                      <a:pPr marL="179388" marR="184785" indent="0" algn="ctr">
                         <a:lnSpc>
                           <a:spcPct val="100000"/>
                         </a:lnSpc>
                         <a:spcBef>
                           <a:spcPts val="670"/>
                         </a:spcBef>
+                        <a:tabLst/>
                       </a:pPr>
                       <a:r>
-                        <a:rPr lang="en-US" sz="900" spc="0" dirty="0">
+                        <a:rPr lang="en-US" sz="900" spc="0" dirty="0" err="1">
                           <a:solidFill>
                             <a:srgbClr val="020302"/>
                           </a:solidFill>
                           <a:latin typeface="AdobeClean-Light"/>
                           <a:cs typeface="AdobeClean-Light"/>
                         </a:rPr>
-                        <a:t>营业时间/4 小时</a:t>
+                        <a:t>营业时间</a:t>
+                      </a:r>
+                      <a:r>
+                        <a:rPr lang="en-US" sz="900" spc="0" dirty="0">
+                          <a:solidFill>
+                            <a:srgbClr val="020302"/>
+                          </a:solidFill>
+                          <a:latin typeface="AdobeClean-Light"/>
+                          <a:cs typeface="AdobeClean-Light"/>
+                        </a:rPr>
+                        <a:t>/</a:t>
+                      </a:r>
+                      <a:br>
+                        <a:rPr lang="en-US" sz="900" spc="0" dirty="0">
+                          <a:solidFill>
+                            <a:srgbClr val="020302"/>
+                          </a:solidFill>
+                          <a:latin typeface="AdobeClean-Light"/>
+                          <a:cs typeface="AdobeClean-Light"/>
+                        </a:rPr>
+                      </a:br>
+                      <a:r>
+                        <a:rPr lang="en-US" sz="900" spc="0" dirty="0">
+                          <a:solidFill>
+                            <a:srgbClr val="020302"/>
+                          </a:solidFill>
+                          <a:latin typeface="AdobeClean-Light"/>
+                          <a:cs typeface="AdobeClean-Light"/>
+                        </a:rPr>
+                        <a:t>4 小时</a:t>
                       </a:r>
                       <a:endParaRPr sz="900" spc="0" dirty="0">
                         <a:latin typeface="AdobeClean-Light"/>
@@ -7099,23 +7230,53 @@
                     <a:bodyPr/>
                     <a:lstStyle/>
                     <a:p>
-                      <a:pPr marL="0" marR="184785" indent="-194310" algn="ctr">
+                      <a:pPr marL="138113" marR="184785" indent="0" algn="ctr">
                         <a:lnSpc>
                           <a:spcPct val="100000"/>
                         </a:lnSpc>
                         <a:spcBef>
                           <a:spcPts val="670"/>
                         </a:spcBef>
+                        <a:tabLst/>
                       </a:pPr>
                       <a:r>
-                        <a:rPr lang="en-US" sz="900" spc="0" dirty="0">
+                        <a:rPr lang="en-US" sz="900" spc="0" dirty="0" err="1">
                           <a:solidFill>
                             <a:srgbClr val="020302"/>
                           </a:solidFill>
                           <a:latin typeface="AdobeClean-Light"/>
                           <a:cs typeface="AdobeClean-Light"/>
                         </a:rPr>
-                        <a:t>营业时间/2 小时</a:t>
+                        <a:t>营业时间</a:t>
+                      </a:r>
+                      <a:r>
+                        <a:rPr lang="en-US" sz="900" spc="0" dirty="0">
+                          <a:solidFill>
+                            <a:srgbClr val="020302"/>
+                          </a:solidFill>
+                          <a:latin typeface="AdobeClean-Light"/>
+                          <a:cs typeface="AdobeClean-Light"/>
+                        </a:rPr>
+                        <a:t>/</a:t>
+                      </a:r>
+                      <a:br>
+                        <a:rPr lang="en-US" sz="900" spc="0" dirty="0">
+                          <a:solidFill>
+                            <a:srgbClr val="020302"/>
+                          </a:solidFill>
+                          <a:latin typeface="AdobeClean-Light"/>
+                          <a:cs typeface="AdobeClean-Light"/>
+                        </a:rPr>
+                      </a:br>
+                      <a:r>
+                        <a:rPr lang="en-US" sz="900" spc="0" dirty="0">
+                          <a:solidFill>
+                            <a:srgbClr val="020302"/>
+                          </a:solidFill>
+                          <a:latin typeface="AdobeClean-Light"/>
+                          <a:cs typeface="AdobeClean-Light"/>
+                        </a:rPr>
+                        <a:t>2 小时</a:t>
                       </a:r>
                       <a:endParaRPr sz="900" spc="0" dirty="0">
                         <a:latin typeface="AdobeClean-Light"/>
@@ -7155,13 +7316,14 @@
                     <a:bodyPr/>
                     <a:lstStyle/>
                     <a:p>
-                      <a:pPr marL="0" marR="325755" indent="-5715" algn="ctr">
+                      <a:pPr marL="269875" marR="325755" indent="0" algn="ctr">
                         <a:lnSpc>
                           <a:spcPct val="100000"/>
                         </a:lnSpc>
                         <a:spcBef>
                           <a:spcPts val="670"/>
                         </a:spcBef>
+                        <a:tabLst/>
                       </a:pPr>
                       <a:r>
                         <a:rPr lang="en-US" sz="900" spc="0" dirty="0">
@@ -7369,23 +7531,53 @@
                     <a:bodyPr/>
                     <a:lstStyle/>
                     <a:p>
-                      <a:pPr marL="0" marR="184150" indent="-189865" algn="ctr">
+                      <a:pPr marL="179388" marR="184150" indent="0" algn="ctr">
                         <a:lnSpc>
                           <a:spcPct val="100000"/>
                         </a:lnSpc>
                         <a:spcBef>
                           <a:spcPts val="645"/>
                         </a:spcBef>
+                        <a:tabLst/>
                       </a:pPr>
                       <a:r>
-                        <a:rPr lang="en-US" sz="900" spc="0" dirty="0">
+                        <a:rPr lang="en-US" sz="900" spc="0" dirty="0" err="1">
                           <a:solidFill>
                             <a:srgbClr val="020302"/>
                           </a:solidFill>
                           <a:latin typeface="AdobeClean-Light"/>
                           <a:cs typeface="AdobeClean-Light"/>
                         </a:rPr>
-                        <a:t>营业时间/6 小时</a:t>
+                        <a:t>营业时间</a:t>
+                      </a:r>
+                      <a:r>
+                        <a:rPr lang="en-US" sz="900" spc="0" dirty="0">
+                          <a:solidFill>
+                            <a:srgbClr val="020302"/>
+                          </a:solidFill>
+                          <a:latin typeface="AdobeClean-Light"/>
+                          <a:cs typeface="AdobeClean-Light"/>
+                        </a:rPr>
+                        <a:t>/</a:t>
+                      </a:r>
+                      <a:br>
+                        <a:rPr lang="en-US" sz="900" spc="0" dirty="0">
+                          <a:solidFill>
+                            <a:srgbClr val="020302"/>
+                          </a:solidFill>
+                          <a:latin typeface="AdobeClean-Light"/>
+                          <a:cs typeface="AdobeClean-Light"/>
+                        </a:rPr>
+                      </a:br>
+                      <a:r>
+                        <a:rPr lang="en-US" sz="900" spc="0" dirty="0">
+                          <a:solidFill>
+                            <a:srgbClr val="020302"/>
+                          </a:solidFill>
+                          <a:latin typeface="AdobeClean-Light"/>
+                          <a:cs typeface="AdobeClean-Light"/>
+                        </a:rPr>
+                        <a:t>6 小时</a:t>
                       </a:r>
                       <a:endParaRPr sz="900" spc="0" dirty="0">
                         <a:latin typeface="AdobeClean-Light"/>
@@ -7425,23 +7617,53 @@
                     <a:bodyPr/>
                     <a:lstStyle/>
                     <a:p>
-                      <a:pPr marL="0" marR="185420" indent="-193675" algn="ctr">
+                      <a:pPr marL="138113" marR="185420" indent="0" algn="ctr">
                         <a:lnSpc>
                           <a:spcPct val="100000"/>
                         </a:lnSpc>
                         <a:spcBef>
                           <a:spcPts val="645"/>
                         </a:spcBef>
+                        <a:tabLst/>
                       </a:pPr>
                       <a:r>
-                        <a:rPr lang="en-US" sz="900" spc="0" dirty="0">
+                        <a:rPr lang="en-US" sz="900" spc="0" dirty="0" err="1">
                           <a:solidFill>
                             <a:srgbClr val="020302"/>
                           </a:solidFill>
                           <a:latin typeface="AdobeClean-Light"/>
                           <a:cs typeface="AdobeClean-Light"/>
                         </a:rPr>
-                        <a:t>营业时间/4 小时</a:t>
+                        <a:t>营业时间</a:t>
+                      </a:r>
+                      <a:r>
+                        <a:rPr lang="en-US" sz="900" spc="0" dirty="0">
+                          <a:solidFill>
+                            <a:srgbClr val="020302"/>
+                          </a:solidFill>
+                          <a:latin typeface="AdobeClean-Light"/>
+                          <a:cs typeface="AdobeClean-Light"/>
+                        </a:rPr>
+                        <a:t>/</a:t>
+                      </a:r>
+                      <a:br>
+                        <a:rPr lang="en-US" sz="900" spc="0" dirty="0">
+                          <a:solidFill>
+                            <a:srgbClr val="020302"/>
+                          </a:solidFill>
+                          <a:latin typeface="AdobeClean-Light"/>
+                          <a:cs typeface="AdobeClean-Light"/>
+                        </a:rPr>
+                      </a:br>
+                      <a:r>
+                        <a:rPr lang="en-US" sz="900" spc="0" dirty="0">
+                          <a:solidFill>
+                            <a:srgbClr val="020302"/>
+                          </a:solidFill>
+                          <a:latin typeface="AdobeClean-Light"/>
+                          <a:cs typeface="AdobeClean-Light"/>
+                        </a:rPr>
+                        <a:t>4 小时</a:t>
                       </a:r>
                       <a:endParaRPr sz="900" spc="0" dirty="0">
                         <a:latin typeface="AdobeClean-Light"/>
@@ -7481,23 +7703,53 @@
                     <a:bodyPr/>
                     <a:lstStyle/>
                     <a:p>
-                      <a:pPr marL="0" marR="184785" indent="-194310" algn="ctr">
+                      <a:pPr marL="222250" marR="184785" indent="0" algn="ctr">
                         <a:lnSpc>
                           <a:spcPct val="100000"/>
                         </a:lnSpc>
                         <a:spcBef>
                           <a:spcPts val="645"/>
                         </a:spcBef>
+                        <a:tabLst/>
                       </a:pPr>
                       <a:r>
-                        <a:rPr lang="en-US" sz="900" spc="0" dirty="0">
+                        <a:rPr lang="en-US" sz="900" spc="0" dirty="0" err="1">
                           <a:solidFill>
                             <a:srgbClr val="020302"/>
                           </a:solidFill>
                           <a:latin typeface="AdobeClean-Light"/>
                           <a:cs typeface="AdobeClean-Light"/>
                         </a:rPr>
-                        <a:t>营业时间/2 小时</a:t>
+                        <a:t>营业时间</a:t>
+                      </a:r>
+                      <a:r>
+                        <a:rPr lang="en-US" sz="900" spc="0" dirty="0">
+                          <a:solidFill>
+                            <a:srgbClr val="020302"/>
+                          </a:solidFill>
+                          <a:latin typeface="AdobeClean-Light"/>
+                          <a:cs typeface="AdobeClean-Light"/>
+                        </a:rPr>
+                        <a:t>/</a:t>
+                      </a:r>
+                      <a:br>
+                        <a:rPr lang="en-US" sz="900" spc="0" dirty="0">
+                          <a:solidFill>
+                            <a:srgbClr val="020302"/>
+                          </a:solidFill>
+                          <a:latin typeface="AdobeClean-Light"/>
+                          <a:cs typeface="AdobeClean-Light"/>
+                        </a:rPr>
+                      </a:br>
+                      <a:r>
+                        <a:rPr lang="en-US" sz="900" spc="0" dirty="0">
+                          <a:solidFill>
+                            <a:srgbClr val="020302"/>
+                          </a:solidFill>
+                          <a:latin typeface="AdobeClean-Light"/>
+                          <a:cs typeface="AdobeClean-Light"/>
+                        </a:rPr>
+                        <a:t>2 小时</a:t>
                       </a:r>
                       <a:endParaRPr sz="900" spc="0" dirty="0">
                         <a:latin typeface="AdobeClean-Light"/>
@@ -7688,23 +7940,53 @@
                     <a:bodyPr/>
                     <a:lstStyle/>
                     <a:p>
-                      <a:pPr marL="0" marR="203200" indent="-193040" algn="ctr">
+                      <a:pPr marL="138113" marR="203200" indent="0" algn="ctr">
                         <a:lnSpc>
                           <a:spcPct val="100000"/>
                         </a:lnSpc>
                         <a:spcBef>
                           <a:spcPts val="155"/>
                         </a:spcBef>
+                        <a:tabLst/>
                       </a:pPr>
                       <a:r>
-                        <a:rPr lang="en-US" sz="900" spc="0" dirty="0">
+                        <a:rPr lang="en-US" sz="900" spc="0" dirty="0" err="1">
                           <a:solidFill>
                             <a:srgbClr val="020302"/>
                           </a:solidFill>
                           <a:latin typeface="AdobeClean-Light"/>
                           <a:cs typeface="AdobeClean-Light"/>
                         </a:rPr>
-                        <a:t>工作日/3 天</a:t>
+                        <a:t>工作日</a:t>
+                      </a:r>
+                      <a:r>
+                        <a:rPr lang="en-US" sz="900" spc="0" dirty="0">
+                          <a:solidFill>
+                            <a:srgbClr val="020302"/>
+                          </a:solidFill>
+                          <a:latin typeface="AdobeClean-Light"/>
+                          <a:cs typeface="AdobeClean-Light"/>
+                        </a:rPr>
+                        <a:t>/</a:t>
+                      </a:r>
+                      <a:br>
+                        <a:rPr lang="en-US" sz="900" spc="0" dirty="0">
+                          <a:solidFill>
+                            <a:srgbClr val="020302"/>
+                          </a:solidFill>
+                          <a:latin typeface="AdobeClean-Light"/>
+                          <a:cs typeface="AdobeClean-Light"/>
+                        </a:rPr>
+                      </a:br>
+                      <a:r>
+                        <a:rPr lang="en-US" sz="900" spc="0" dirty="0">
+                          <a:solidFill>
+                            <a:srgbClr val="020302"/>
+                          </a:solidFill>
+                          <a:latin typeface="AdobeClean-Light"/>
+                          <a:cs typeface="AdobeClean-Light"/>
+                        </a:rPr>
+                        <a:t>3 天</a:t>
                       </a:r>
                       <a:endParaRPr sz="900" spc="0" dirty="0">
                         <a:latin typeface="AdobeClean-Light"/>
@@ -7744,13 +8026,14 @@
                     <a:bodyPr/>
                     <a:lstStyle/>
                     <a:p>
-                      <a:pPr marL="0" marR="223520" indent="-202565" algn="ctr">
+                      <a:pPr marL="88900" marR="223520" indent="0" algn="ctr">
                         <a:lnSpc>
                           <a:spcPct val="100000"/>
                         </a:lnSpc>
                         <a:spcBef>
                           <a:spcPts val="155"/>
                         </a:spcBef>
+                        <a:tabLst/>
                       </a:pPr>
                       <a:r>
                         <a:rPr lang="en-US" sz="900" spc="0" dirty="0">
@@ -7800,13 +8083,14 @@
                     <a:bodyPr/>
                     <a:lstStyle/>
                     <a:p>
-                      <a:pPr marL="0" marR="223520" indent="-202565" algn="ctr">
+                      <a:pPr marL="179388" marR="223520" indent="0" algn="ctr">
                         <a:lnSpc>
                           <a:spcPct val="100000"/>
                         </a:lnSpc>
                         <a:spcBef>
                           <a:spcPts val="155"/>
                         </a:spcBef>
+                        <a:tabLst/>
                       </a:pPr>
                       <a:r>
                         <a:rPr lang="en-US" sz="900" spc="0" dirty="0">
@@ -7954,7 +8238,13 @@
               <a:rPr lang="en-US" sz="2300" dirty="0">
                 <a:latin typeface="Adobe Clean" panose="020B0503020404020204" pitchFamily="34" charset="0"/>
               </a:rPr>
-              <a:t>Adobe 支持产品/服务</a:t>
+              <a:t>Adobe </a:t>
+            </a:r>
+            <a:r>
+              <a:rPr lang="ja-JP" altLang="en-US" sz="2300">
+                <a:latin typeface="Adobe Clean" panose="020B0503020404020204" pitchFamily="34" charset="0"/>
+              </a:rPr>
+              <a:t>支持计划</a:t>
             </a:r>
             <a:endParaRPr sz="2300" dirty="0">
               <a:latin typeface="Adobe Clean" panose="020B0503020404020204" pitchFamily="34" charset="0"/>
